--- a/content/pptxoutpt.pptx
+++ b/content/pptxoutpt.pptx
@@ -7,6 +7,10 @@
   <p:sldIdLst>
     <p:sldId id="256" r:id="rId2"/>
     <p:sldId id="257" r:id="rId3"/>
+    <p:sldId id="258" r:id="rId4"/>
+    <p:sldId id="259" r:id="rId5"/>
+    <p:sldId id="260" r:id="rId6"/>
+    <p:sldId id="261" r:id="rId7"/>
   </p:sldIdLst>
   <p:sldSz cx="12192000" cy="6858000"/>
   <p:notesSz cx="6858000" cy="9144000"/>
@@ -3435,7 +3439,7 @@
             </a:pPr>
             <a:r>
               <a:rPr/>
-              <a:t>Noviembre, 2022</a:t>
+              <a:t>Noviembre, 2023</a:t>
             </a:r>
           </a:p>
         </p:txBody>
@@ -3467,7 +3471,7 @@
           <p:cNvPr id="2" name="Title 1">
             <a:extLst>
               <a:ext uri="{FF2B5EF4-FFF2-40B4-BE49-F238E27FC236}">
-                <a16:creationId xmlns:a16="http://schemas.microsoft.com/office/drawing/2014/main" id="{CBED99A6-95A2-E0BB-1AE3-A7E450B8968A}"/>
+                <a16:creationId xmlns:a16="http://schemas.microsoft.com/office/drawing/2014/main" id="{C3CB3866-5705-B61D-51CB-5041E55BBBD9}"/>
               </a:ext>
             </a:extLst>
           </p:cNvPr>
@@ -3478,12 +3482,7 @@
             <p:ph type="title"/>
           </p:nvPr>
         </p:nvSpPr>
-        <p:spPr>
-          <a:xfrm>
-            <a:off x="1962614" y="365125"/>
-            <a:ext cx="9392773" cy="1325563"/>
-          </a:xfrm>
-        </p:spPr>
+        <p:spPr/>
         <p:txBody>
           <a:bodyPr/>
           <a:lstStyle/>
@@ -3494,71 +3493,6 @@
             <a:r>
               <a:rPr/>
               <a:t>Diagrama de Arquitectura de la Solución Propuesta: vista de integración</a:t>
-            </a:r>
-          </a:p>
-        </p:txBody>
-      </p:sp>
-      <p:sp>
-        <p:nvSpPr>
-          <p:cNvPr id="3" name="Text Placeholder 2">
-            <a:extLst>
-              <a:ext uri="{FF2B5EF4-FFF2-40B4-BE49-F238E27FC236}">
-                <a16:creationId xmlns:a16="http://schemas.microsoft.com/office/drawing/2014/main" id="{9E69C782-8C52-87E9-A8B6-2096548EEE67}"/>
-              </a:ext>
-            </a:extLst>
-          </p:cNvPr>
-          <p:cNvSpPr>
-            <a:spLocks noGrp="1"/>
-          </p:cNvSpPr>
-          <p:nvPr>
-            <p:ph idx="1" type="body"/>
-          </p:nvPr>
-        </p:nvSpPr>
-        <p:spPr/>
-        <p:txBody>
-          <a:bodyPr/>
-          <a:lstStyle/>
-          <a:p>
-            <a:pPr lvl="0" indent="0" marL="0">
-              <a:buNone/>
-            </a:pPr>
-            <a:r>
-              <a:rPr/>
-              <a:t>La vista presenta en contexto a los módulos SUI migrados y el estilo de comunicación vía API sincrónica/asincrónica (en verde en la imagen).</a:t>
-            </a:r>
-          </a:p>
-        </p:txBody>
-      </p:sp>
-      <p:sp>
-        <p:nvSpPr>
-          <p:cNvPr id="5" name="Text Placeholder 4">
-            <a:extLst>
-              <a:ext uri="{FF2B5EF4-FFF2-40B4-BE49-F238E27FC236}">
-                <a16:creationId xmlns:a16="http://schemas.microsoft.com/office/drawing/2014/main" id="{D218D877-C077-48CF-E223-A03CB997F889}"/>
-              </a:ext>
-            </a:extLst>
-          </p:cNvPr>
-          <p:cNvSpPr>
-            <a:spLocks noGrp="1"/>
-          </p:cNvSpPr>
-          <p:nvPr>
-            <p:ph idx="3" sz="quarter" type="body"/>
-          </p:nvPr>
-        </p:nvSpPr>
-        <p:spPr/>
-        <p:txBody>
-          <a:bodyPr/>
-          <a:lstStyle/>
-          <a:p>
-            <a:pPr lvl="0" indent="0" marL="0">
-              <a:spcBef>
-                <a:spcPts val="3000"/>
-              </a:spcBef>
-              <a:buNone/>
-            </a:pPr>
-            <a:r>
-              <a:rPr b="1"/>
-              <a:t>Migracion.1a.b.SIU Contexto Módulos</a:t>
             </a:r>
           </a:p>
         </p:txBody>
@@ -3579,8 +3513,8 @@
         </p:blipFill>
         <p:spPr bwMode="auto">
           <a:xfrm>
-            <a:off x="7480300" y="2501900"/>
-            <a:ext cx="2552700" cy="3175000"/>
+            <a:off x="1879600" y="1816100"/>
+            <a:ext cx="3086100" cy="3835400"/>
           </a:xfrm>
           <a:prstGeom prst="rect">
             <a:avLst/>
@@ -3601,7 +3535,7 @@
         </p:nvSpPr>
         <p:spPr>
           <a:xfrm>
-            <a:off x="6172200" y="5676900"/>
+            <a:off x="838200" y="5651500"/>
             <a:ext cx="5181600" cy="508000"/>
           </a:xfrm>
           <a:prstGeom prst="rect">
@@ -3619,6 +3553,709 @@
             <a:r>
               <a:rPr/>
               <a:t>Vista. Migracion.1a.b.SIU Contexto Módulos</a:t>
+            </a:r>
+          </a:p>
+        </p:txBody>
+      </p:sp>
+      <p:sp>
+        <p:nvSpPr>
+          <p:cNvPr id="4" name="Content Placeholder 3">
+            <a:extLst>
+              <a:ext uri="{FF2B5EF4-FFF2-40B4-BE49-F238E27FC236}">
+                <a16:creationId xmlns:a16="http://schemas.microsoft.com/office/drawing/2014/main" id="{0878F77F-FF66-F251-EAC2-F9D7B60D34D6}"/>
+              </a:ext>
+            </a:extLst>
+          </p:cNvPr>
+          <p:cNvSpPr>
+            <a:spLocks noGrp="1"/>
+          </p:cNvSpPr>
+          <p:nvPr>
+            <p:ph idx="2" sz="half"/>
+          </p:nvPr>
+        </p:nvSpPr>
+        <p:spPr/>
+        <p:txBody>
+          <a:bodyPr/>
+          <a:lstStyle/>
+          <a:p>
+            <a:pPr lvl="0" indent="0" marL="0">
+              <a:spcBef>
+                <a:spcPts val="3000"/>
+              </a:spcBef>
+              <a:buNone/>
+            </a:pPr>
+            <a:r>
+              <a:rPr b="1"/>
+              <a:t>Migracion.1a.b.SIU Contexto Módulos</a:t>
+            </a:r>
+          </a:p>
+          <a:p>
+            <a:pPr lvl="0" indent="0" marL="0">
+              <a:buNone/>
+            </a:pPr>
+            <a:r>
+              <a:rPr/>
+              <a:t>La vista presenta en contexto a los módulos SUI migrados e indica los modos de comunicación, sincrónica/asincrónica, que utilizan.</a:t>
+            </a:r>
+          </a:p>
+        </p:txBody>
+      </p:sp>
+    </p:spTree>
+  </p:cSld>
+</p:sld>
+</file>
+
+<file path=ppt/slides/slide3.xml><?xml version="1.0" encoding="utf-8"?>
+<p:sld xmlns:a="http://schemas.openxmlformats.org/drawingml/2006/main" xmlns:r="http://schemas.openxmlformats.org/officeDocument/2006/relationships" xmlns:p="http://schemas.openxmlformats.org/presentationml/2006/main">
+  <p:cSld>
+    <p:spTree>
+      <p:nvGrpSpPr>
+        <p:cNvPr id="1" name=""/>
+        <p:cNvGrpSpPr/>
+        <p:nvPr/>
+      </p:nvGrpSpPr>
+      <p:grpSpPr>
+        <a:xfrm>
+          <a:off x="0" y="0"/>
+          <a:ext cx="0" cy="0"/>
+          <a:chOff x="0" y="0"/>
+          <a:chExt cx="0" cy="0"/>
+        </a:xfrm>
+      </p:grpSpPr>
+      <p:sp>
+        <p:nvSpPr>
+          <p:cNvPr id="2" name="Title 1">
+            <a:extLst>
+              <a:ext uri="{FF2B5EF4-FFF2-40B4-BE49-F238E27FC236}">
+                <a16:creationId xmlns:a16="http://schemas.microsoft.com/office/drawing/2014/main" id="{C3CB3866-5705-B61D-51CB-5041E55BBBD9}"/>
+              </a:ext>
+            </a:extLst>
+          </p:cNvPr>
+          <p:cNvSpPr>
+            <a:spLocks noGrp="1"/>
+          </p:cNvSpPr>
+          <p:nvPr>
+            <p:ph type="title"/>
+          </p:nvPr>
+        </p:nvSpPr>
+        <p:spPr/>
+        <p:txBody>
+          <a:bodyPr/>
+          <a:lstStyle/>
+          <a:p>
+            <a:pPr lvl="0" indent="0" marL="0">
+              <a:buNone/>
+            </a:pPr>
+            <a:r>
+              <a:rPr/>
+              <a:t>Diagrama de Arquitectura de la solución propuesta: vista física</a:t>
+            </a:r>
+          </a:p>
+        </p:txBody>
+      </p:sp>
+      <p:pic>
+        <p:nvPicPr>
+          <p:cNvPr descr="fig:  images/Lineabase.0.SIUAplicación.Física.png" id="0" name="Picture 1"/>
+          <p:cNvPicPr>
+            <a:picLocks noGrp="1" noChangeAspect="1"/>
+          </p:cNvPicPr>
+          <p:nvPr/>
+        </p:nvPicPr>
+        <p:blipFill>
+          <a:blip r:embed="rId2"/>
+          <a:stretch>
+            <a:fillRect/>
+          </a:stretch>
+        </p:blipFill>
+        <p:spPr bwMode="auto">
+          <a:xfrm>
+            <a:off x="838200" y="2032000"/>
+            <a:ext cx="5181600" cy="3403600"/>
+          </a:xfrm>
+          <a:prstGeom prst="rect">
+            <a:avLst/>
+          </a:prstGeom>
+          <a:noFill/>
+          <a:ln w="9525">
+            <a:noFill/>
+            <a:headEnd/>
+            <a:tailEnd/>
+          </a:ln>
+        </p:spPr>
+      </p:pic>
+      <p:sp>
+        <p:nvSpPr>
+          <p:cNvPr id="1" name="TextBox 3"/>
+          <p:cNvSpPr txBox="1"/>
+          <p:nvPr/>
+        </p:nvSpPr>
+        <p:spPr>
+          <a:xfrm>
+            <a:off x="838200" y="5651500"/>
+            <a:ext cx="5181600" cy="508000"/>
+          </a:xfrm>
+          <a:prstGeom prst="rect">
+            <a:avLst/>
+          </a:prstGeom>
+          <a:noFill/>
+        </p:spPr>
+        <p:txBody>
+          <a:bodyPr/>
+          <a:lstStyle/>
+          <a:p>
+            <a:pPr lvl="0" indent="0" marL="0" algn="ctr">
+              <a:buNone/>
+            </a:pPr>
+            <a:r>
+              <a:rPr/>
+              <a:t>Vista. Lineabase.0.SIU Aplicación. Física</a:t>
+            </a:r>
+          </a:p>
+        </p:txBody>
+      </p:sp>
+      <p:sp>
+        <p:nvSpPr>
+          <p:cNvPr id="4" name="Content Placeholder 3">
+            <a:extLst>
+              <a:ext uri="{FF2B5EF4-FFF2-40B4-BE49-F238E27FC236}">
+                <a16:creationId xmlns:a16="http://schemas.microsoft.com/office/drawing/2014/main" id="{0878F77F-FF66-F251-EAC2-F9D7B60D34D6}"/>
+              </a:ext>
+            </a:extLst>
+          </p:cNvPr>
+          <p:cNvSpPr>
+            <a:spLocks noGrp="1"/>
+          </p:cNvSpPr>
+          <p:nvPr>
+            <p:ph idx="2" sz="half"/>
+          </p:nvPr>
+        </p:nvSpPr>
+        <p:spPr/>
+        <p:txBody>
+          <a:bodyPr/>
+          <a:lstStyle/>
+          <a:p>
+            <a:pPr lvl="0" indent="0" marL="0">
+              <a:spcBef>
+                <a:spcPts val="3000"/>
+              </a:spcBef>
+              <a:buNone/>
+            </a:pPr>
+            <a:r>
+              <a:rPr b="1"/>
+              <a:t>Lineabase.0.SIU Aplicación. Física</a:t>
+            </a:r>
+          </a:p>
+          <a:p>
+            <a:pPr lvl="0" indent="0" marL="0">
+              <a:buNone/>
+            </a:pPr>
+            <a:r>
+              <a:rPr/>
+              <a:t>Elementos de infraestructura física que soportan a la aplicación Sistema de Información Único, SIU de la PGN. Presentación de componentes de software y hardware requeridos por la implementación de Fase II (presente proyecto).</a:t>
+            </a:r>
+          </a:p>
+        </p:txBody>
+      </p:sp>
+    </p:spTree>
+  </p:cSld>
+</p:sld>
+</file>
+
+<file path=ppt/slides/slide4.xml><?xml version="1.0" encoding="utf-8"?>
+<p:sld xmlns:a="http://schemas.openxmlformats.org/drawingml/2006/main" xmlns:r="http://schemas.openxmlformats.org/officeDocument/2006/relationships" xmlns:p="http://schemas.openxmlformats.org/presentationml/2006/main">
+  <p:cSld>
+    <p:spTree>
+      <p:nvGrpSpPr>
+        <p:cNvPr id="1" name=""/>
+        <p:cNvGrpSpPr/>
+        <p:nvPr/>
+      </p:nvGrpSpPr>
+      <p:grpSpPr>
+        <a:xfrm>
+          <a:off x="0" y="0"/>
+          <a:ext cx="0" cy="0"/>
+          <a:chOff x="0" y="0"/>
+          <a:chExt cx="0" cy="0"/>
+        </a:xfrm>
+      </p:grpSpPr>
+      <p:sp>
+        <p:nvSpPr>
+          <p:cNvPr id="2" name="Title 1">
+            <a:extLst>
+              <a:ext uri="{FF2B5EF4-FFF2-40B4-BE49-F238E27FC236}">
+                <a16:creationId xmlns:a16="http://schemas.microsoft.com/office/drawing/2014/main" id="{C3CB3866-5705-B61D-51CB-5041E55BBBD9}"/>
+              </a:ext>
+            </a:extLst>
+          </p:cNvPr>
+          <p:cNvSpPr>
+            <a:spLocks noGrp="1"/>
+          </p:cNvSpPr>
+          <p:nvPr>
+            <p:ph type="title"/>
+          </p:nvPr>
+        </p:nvSpPr>
+        <p:spPr/>
+        <p:txBody>
+          <a:bodyPr/>
+          <a:lstStyle/>
+          <a:p>
+            <a:pPr lvl="0" indent="0" marL="0">
+              <a:buNone/>
+            </a:pPr>
+            <a:r>
+              <a:rPr/>
+              <a:t>Diagrama de Arquitectura de la Solución Propuesta: motivadores del negocio</a:t>
+            </a:r>
+          </a:p>
+        </p:txBody>
+      </p:sp>
+      <p:pic>
+        <p:nvPicPr>
+          <p:cNvPr descr="fig:  images/Migracion.1a.a.SIUContextoMódulo.png" id="0" name="Picture 1"/>
+          <p:cNvPicPr>
+            <a:picLocks noGrp="1" noChangeAspect="1"/>
+          </p:cNvPicPr>
+          <p:nvPr/>
+        </p:nvPicPr>
+        <p:blipFill>
+          <a:blip r:embed="rId2"/>
+          <a:stretch>
+            <a:fillRect/>
+          </a:stretch>
+        </p:blipFill>
+        <p:spPr bwMode="auto">
+          <a:xfrm>
+            <a:off x="838200" y="2057400"/>
+            <a:ext cx="5181600" cy="3340100"/>
+          </a:xfrm>
+          <a:prstGeom prst="rect">
+            <a:avLst/>
+          </a:prstGeom>
+          <a:noFill/>
+          <a:ln w="9525">
+            <a:noFill/>
+            <a:headEnd/>
+            <a:tailEnd/>
+          </a:ln>
+        </p:spPr>
+      </p:pic>
+      <p:sp>
+        <p:nvSpPr>
+          <p:cNvPr id="1" name="TextBox 3"/>
+          <p:cNvSpPr txBox="1"/>
+          <p:nvPr/>
+        </p:nvSpPr>
+        <p:spPr>
+          <a:xfrm>
+            <a:off x="838200" y="5651500"/>
+            <a:ext cx="5181600" cy="508000"/>
+          </a:xfrm>
+          <a:prstGeom prst="rect">
+            <a:avLst/>
+          </a:prstGeom>
+          <a:noFill/>
+        </p:spPr>
+        <p:txBody>
+          <a:bodyPr/>
+          <a:lstStyle/>
+          <a:p>
+            <a:pPr lvl="0" indent="0" marL="0" algn="ctr">
+              <a:buNone/>
+            </a:pPr>
+            <a:r>
+              <a:rPr/>
+              <a:t>Vista. Migracion.1a.a.SIU Contexto Módulo</a:t>
+            </a:r>
+          </a:p>
+        </p:txBody>
+      </p:sp>
+      <p:sp>
+        <p:nvSpPr>
+          <p:cNvPr id="4" name="Content Placeholder 3">
+            <a:extLst>
+              <a:ext uri="{FF2B5EF4-FFF2-40B4-BE49-F238E27FC236}">
+                <a16:creationId xmlns:a16="http://schemas.microsoft.com/office/drawing/2014/main" id="{0878F77F-FF66-F251-EAC2-F9D7B60D34D6}"/>
+              </a:ext>
+            </a:extLst>
+          </p:cNvPr>
+          <p:cNvSpPr>
+            <a:spLocks noGrp="1"/>
+          </p:cNvSpPr>
+          <p:nvPr>
+            <p:ph idx="2" sz="half"/>
+          </p:nvPr>
+        </p:nvSpPr>
+        <p:spPr/>
+        <p:txBody>
+          <a:bodyPr/>
+          <a:lstStyle/>
+          <a:p>
+            <a:pPr lvl="0" indent="0" marL="0">
+              <a:spcBef>
+                <a:spcPts val="3000"/>
+              </a:spcBef>
+              <a:buNone/>
+            </a:pPr>
+            <a:r>
+              <a:rPr b="1"/>
+              <a:t>Migracion.1a.a.SIU Contexto Módulo</a:t>
+            </a:r>
+          </a:p>
+          <a:p>
+            <a:pPr lvl="0" indent="0" marL="0">
+              <a:buNone/>
+            </a:pPr>
+            <a:r>
+              <a:rPr/>
+              <a:t>Módulos y submódulos del Sistema Único de Información (SUI) de la PGN. Todos los sistemas de información del SUI siguen la directiva de separar a los componentes misionales de los utilitarios.</a:t>
+            </a:r>
+          </a:p>
+        </p:txBody>
+      </p:sp>
+    </p:spTree>
+  </p:cSld>
+</p:sld>
+</file>
+
+<file path=ppt/slides/slide5.xml><?xml version="1.0" encoding="utf-8"?>
+<p:sld xmlns:a="http://schemas.openxmlformats.org/drawingml/2006/main" xmlns:r="http://schemas.openxmlformats.org/officeDocument/2006/relationships" xmlns:p="http://schemas.openxmlformats.org/presentationml/2006/main">
+  <p:cSld>
+    <p:spTree>
+      <p:nvGrpSpPr>
+        <p:cNvPr id="1" name=""/>
+        <p:cNvGrpSpPr/>
+        <p:nvPr/>
+      </p:nvGrpSpPr>
+      <p:grpSpPr>
+        <a:xfrm>
+          <a:off x="0" y="0"/>
+          <a:ext cx="0" cy="0"/>
+          <a:chOff x="0" y="0"/>
+          <a:chExt cx="0" cy="0"/>
+        </a:xfrm>
+      </p:grpSpPr>
+      <p:sp>
+        <p:nvSpPr>
+          <p:cNvPr id="2" name="Title 1">
+            <a:extLst>
+              <a:ext uri="{FF2B5EF4-FFF2-40B4-BE49-F238E27FC236}">
+                <a16:creationId xmlns:a16="http://schemas.microsoft.com/office/drawing/2014/main" id="{C3CB3866-5705-B61D-51CB-5041E55BBBD9}"/>
+              </a:ext>
+            </a:extLst>
+          </p:cNvPr>
+          <p:cNvSpPr>
+            <a:spLocks noGrp="1"/>
+          </p:cNvSpPr>
+          <p:nvPr>
+            <p:ph type="title"/>
+          </p:nvPr>
+        </p:nvSpPr>
+        <p:spPr/>
+        <p:txBody>
+          <a:bodyPr/>
+          <a:lstStyle/>
+          <a:p>
+            <a:pPr lvl="0" indent="0" marL="0">
+              <a:buNone/>
+            </a:pPr>
+            <a:r>
+              <a:rPr/>
+              <a:t>Diagrama de Arquitectura de la Solución Propuesta: interoperabilidad</a:t>
+            </a:r>
+          </a:p>
+        </p:txBody>
+      </p:sp>
+      <p:pic>
+        <p:nvPicPr>
+          <p:cNvPr descr="fig:  images/Migracion.1c.SIUMódulosColaboración.png" id="0" name="Picture 1"/>
+          <p:cNvPicPr>
+            <a:picLocks noGrp="1" noChangeAspect="1"/>
+          </p:cNvPicPr>
+          <p:nvPr/>
+        </p:nvPicPr>
+        <p:blipFill>
+          <a:blip r:embed="rId2"/>
+          <a:stretch>
+            <a:fillRect/>
+          </a:stretch>
+        </p:blipFill>
+        <p:spPr bwMode="auto">
+          <a:xfrm>
+            <a:off x="1092200" y="1816100"/>
+            <a:ext cx="4673600" cy="3835400"/>
+          </a:xfrm>
+          <a:prstGeom prst="rect">
+            <a:avLst/>
+          </a:prstGeom>
+          <a:noFill/>
+          <a:ln w="9525">
+            <a:noFill/>
+            <a:headEnd/>
+            <a:tailEnd/>
+          </a:ln>
+        </p:spPr>
+      </p:pic>
+      <p:sp>
+        <p:nvSpPr>
+          <p:cNvPr id="1" name="TextBox 3"/>
+          <p:cNvSpPr txBox="1"/>
+          <p:nvPr/>
+        </p:nvSpPr>
+        <p:spPr>
+          <a:xfrm>
+            <a:off x="838200" y="5651500"/>
+            <a:ext cx="5181600" cy="508000"/>
+          </a:xfrm>
+          <a:prstGeom prst="rect">
+            <a:avLst/>
+          </a:prstGeom>
+          <a:noFill/>
+        </p:spPr>
+        <p:txBody>
+          <a:bodyPr/>
+          <a:lstStyle/>
+          <a:p>
+            <a:pPr lvl="0" indent="0" marL="0" algn="ctr">
+              <a:buNone/>
+            </a:pPr>
+            <a:r>
+              <a:rPr/>
+              <a:t>Vista. Migracion.1c.SIU Módulos Colaboración</a:t>
+            </a:r>
+          </a:p>
+        </p:txBody>
+      </p:sp>
+      <p:sp>
+        <p:nvSpPr>
+          <p:cNvPr id="4" name="Content Placeholder 3">
+            <a:extLst>
+              <a:ext uri="{FF2B5EF4-FFF2-40B4-BE49-F238E27FC236}">
+                <a16:creationId xmlns:a16="http://schemas.microsoft.com/office/drawing/2014/main" id="{0878F77F-FF66-F251-EAC2-F9D7B60D34D6}"/>
+              </a:ext>
+            </a:extLst>
+          </p:cNvPr>
+          <p:cNvSpPr>
+            <a:spLocks noGrp="1"/>
+          </p:cNvSpPr>
+          <p:nvPr>
+            <p:ph idx="2" sz="half"/>
+          </p:nvPr>
+        </p:nvSpPr>
+        <p:spPr/>
+        <p:txBody>
+          <a:bodyPr/>
+          <a:lstStyle/>
+          <a:p>
+            <a:pPr lvl="0" indent="0" marL="0">
+              <a:spcBef>
+                <a:spcPts val="3000"/>
+              </a:spcBef>
+              <a:buNone/>
+            </a:pPr>
+            <a:r>
+              <a:rPr b="1"/>
+              <a:t>Migracion.1c.SIU Módulos Colaboración</a:t>
+            </a:r>
+          </a:p>
+          <a:p>
+            <a:pPr lvl="0" indent="0" marL="0">
+              <a:buNone/>
+            </a:pPr>
+            <a:r>
+              <a:rPr/>
+              <a:t>Patrón de Distribución y Colaboración estándar para el SUI.</a:t>
+            </a:r>
+          </a:p>
+          <a:p>
+            <a:pPr lvl="0" indent="0" marL="0">
+              <a:buNone/>
+            </a:pPr>
+            <a:r>
+              <a:rPr/>
+              <a:t>La colaboración y comunicación de los componentes internos del SUI (grupo PFN SUI, en el diagrama) está mediada por interfaces. Estas son provistas por el grupo de componentes misionales, PGN SUI, hacia los submódulos externos. La intención es mantener reducido y controlado el número de interfaces.</a:t>
+            </a:r>
+          </a:p>
+        </p:txBody>
+      </p:sp>
+    </p:spTree>
+  </p:cSld>
+</p:sld>
+</file>
+
+<file path=ppt/slides/slide6.xml><?xml version="1.0" encoding="utf-8"?>
+<p:sld xmlns:a="http://schemas.openxmlformats.org/drawingml/2006/main" xmlns:r="http://schemas.openxmlformats.org/officeDocument/2006/relationships" xmlns:p="http://schemas.openxmlformats.org/presentationml/2006/main">
+  <p:cSld>
+    <p:spTree>
+      <p:nvGrpSpPr>
+        <p:cNvPr id="1" name=""/>
+        <p:cNvGrpSpPr/>
+        <p:nvPr/>
+      </p:nvGrpSpPr>
+      <p:grpSpPr>
+        <a:xfrm>
+          <a:off x="0" y="0"/>
+          <a:ext cx="0" cy="0"/>
+          <a:chOff x="0" y="0"/>
+          <a:chExt cx="0" cy="0"/>
+        </a:xfrm>
+      </p:grpSpPr>
+      <p:sp>
+        <p:nvSpPr>
+          <p:cNvPr id="2" name="Title 1">
+            <a:extLst>
+              <a:ext uri="{FF2B5EF4-FFF2-40B4-BE49-F238E27FC236}">
+                <a16:creationId xmlns:a16="http://schemas.microsoft.com/office/drawing/2014/main" id="{C3CB3866-5705-B61D-51CB-5041E55BBBD9}"/>
+              </a:ext>
+            </a:extLst>
+          </p:cNvPr>
+          <p:cNvSpPr>
+            <a:spLocks noGrp="1"/>
+          </p:cNvSpPr>
+          <p:nvPr>
+            <p:ph type="title"/>
+          </p:nvPr>
+        </p:nvSpPr>
+        <p:spPr/>
+        <p:txBody>
+          <a:bodyPr/>
+          <a:lstStyle/>
+          <a:p>
+            <a:pPr lvl="0" indent="0" marL="0">
+              <a:buNone/>
+            </a:pPr>
+            <a:r>
+              <a:rPr/>
+              <a:t>Diagrama de Arquitectura de la Solución Propuesta: gestión de autenticación, usuarios y roles</a:t>
+            </a:r>
+          </a:p>
+        </p:txBody>
+      </p:sp>
+      <p:pic>
+        <p:nvPicPr>
+          <p:cNvPr descr="fig:  images/Seguridad.2.Lineabase.0.SIUAplicación.png" id="0" name="Picture 1"/>
+          <p:cNvPicPr>
+            <a:picLocks noGrp="1" noChangeAspect="1"/>
+          </p:cNvPicPr>
+          <p:nvPr/>
+        </p:nvPicPr>
+        <p:blipFill>
+          <a:blip r:embed="rId2"/>
+          <a:stretch>
+            <a:fillRect/>
+          </a:stretch>
+        </p:blipFill>
+        <p:spPr bwMode="auto">
+          <a:xfrm>
+            <a:off x="838200" y="1866900"/>
+            <a:ext cx="5181600" cy="3733800"/>
+          </a:xfrm>
+          <a:prstGeom prst="rect">
+            <a:avLst/>
+          </a:prstGeom>
+          <a:noFill/>
+          <a:ln w="9525">
+            <a:noFill/>
+            <a:headEnd/>
+            <a:tailEnd/>
+          </a:ln>
+        </p:spPr>
+      </p:pic>
+      <p:sp>
+        <p:nvSpPr>
+          <p:cNvPr id="1" name="TextBox 3"/>
+          <p:cNvSpPr txBox="1"/>
+          <p:nvPr/>
+        </p:nvSpPr>
+        <p:spPr>
+          <a:xfrm>
+            <a:off x="838200" y="5651500"/>
+            <a:ext cx="5181600" cy="508000"/>
+          </a:xfrm>
+          <a:prstGeom prst="rect">
+            <a:avLst/>
+          </a:prstGeom>
+          <a:noFill/>
+        </p:spPr>
+        <p:txBody>
+          <a:bodyPr/>
+          <a:lstStyle/>
+          <a:p>
+            <a:pPr lvl="0" indent="0" marL="0" algn="ctr">
+              <a:buNone/>
+            </a:pPr>
+            <a:r>
+              <a:rPr/>
+              <a:t>Vista. Seguridad.2. Lineabase.0.SIU Aplicación</a:t>
+            </a:r>
+          </a:p>
+        </p:txBody>
+      </p:sp>
+      <p:sp>
+        <p:nvSpPr>
+          <p:cNvPr id="4" name="Content Placeholder 3">
+            <a:extLst>
+              <a:ext uri="{FF2B5EF4-FFF2-40B4-BE49-F238E27FC236}">
+                <a16:creationId xmlns:a16="http://schemas.microsoft.com/office/drawing/2014/main" id="{0878F77F-FF66-F251-EAC2-F9D7B60D34D6}"/>
+              </a:ext>
+            </a:extLst>
+          </p:cNvPr>
+          <p:cNvSpPr>
+            <a:spLocks noGrp="1"/>
+          </p:cNvSpPr>
+          <p:nvPr>
+            <p:ph idx="2" sz="half"/>
+          </p:nvPr>
+        </p:nvSpPr>
+        <p:spPr/>
+        <p:txBody>
+          <a:bodyPr/>
+          <a:lstStyle/>
+          <a:p>
+            <a:pPr lvl="0" indent="0" marL="0">
+              <a:spcBef>
+                <a:spcPts val="3000"/>
+              </a:spcBef>
+              <a:buNone/>
+            </a:pPr>
+            <a:r>
+              <a:rPr b="1"/>
+              <a:t>Seguridad.2. Lineabase.0.SIU Aplicación</a:t>
+            </a:r>
+          </a:p>
+          <a:p>
+            <a:pPr lvl="0" indent="0" marL="0">
+              <a:buNone/>
+            </a:pPr>
+            <a:r>
+              <a:rPr/>
+              <a:t>Con una arquitectura orientada a servicios SUI recopila:</a:t>
+            </a:r>
+          </a:p>
+          <a:p>
+            <a:pPr lvl="0" indent="-457200" marL="457200">
+              <a:buAutoNum type="arabicPeriod"/>
+            </a:pPr>
+            <a:r>
+              <a:rPr/>
+              <a:t>Runtime: Es el servicio que interactúa con el usuario final (GUI) elaborado en Angular 11</a:t>
+            </a:r>
+          </a:p>
+          <a:p>
+            <a:pPr lvl="0" indent="-457200" marL="457200">
+              <a:buAutoNum type="arabicPeriod"/>
+            </a:pPr>
+            <a:r>
+              <a:rPr/>
+              <a:t>API Tx: Servicio API REST Base Node encargado de realizar las transacciones básicas CRUD</a:t>
+            </a:r>
+          </a:p>
+          <a:p>
+            <a:pPr lvl="0" indent="-457200" marL="457200">
+              <a:buAutoNum type="arabicPeriod"/>
+            </a:pPr>
+            <a:r>
+              <a:rPr/>
+              <a:t>API Config / Seguridad. Servicio Web API .Net Framework encargado de gestionar características con la autenticación y configuración</a:t>
             </a:r>
           </a:p>
         </p:txBody>

--- a/content/pptxoutpt.pptx
+++ b/content/pptxoutpt.pptx
@@ -109,6 +109,11 @@
       </a:defRPr>
     </a:lvl9pPr>
   </p:defaultTextStyle>
+  <p:extLst>
+    <p:ext uri="{EFAFB233-063F-42B5-8137-9DF3F51BA10A}">
+      <p15:sldGuideLst xmlns:p15="http://schemas.microsoft.com/office/powerpoint/2012/main"/>
+    </p:ext>
+  </p:extLst>
 </p:presentation>
 </file>
 
@@ -259,7 +264,7 @@
           <a:p>
             <a:fld id="{521F61A1-E152-4A41-9335-275FF01A2F5B}" type="datetimeFigureOut">
               <a:rPr lang="en-US" smtClean="0"/>
-              <a:t>6/25/23</a:t>
+              <a:t>11/15/23</a:t>
             </a:fld>
             <a:endParaRPr lang="en-US"/>
           </a:p>
@@ -457,7 +462,7 @@
           <a:p>
             <a:fld id="{521F61A1-E152-4A41-9335-275FF01A2F5B}" type="datetimeFigureOut">
               <a:rPr lang="en-US" smtClean="0"/>
-              <a:t>6/25/23</a:t>
+              <a:t>11/15/23</a:t>
             </a:fld>
             <a:endParaRPr lang="en-US"/>
           </a:p>
@@ -665,7 +670,7 @@
           <a:p>
             <a:fld id="{521F61A1-E152-4A41-9335-275FF01A2F5B}" type="datetimeFigureOut">
               <a:rPr lang="en-US" smtClean="0"/>
-              <a:t>6/25/23</a:t>
+              <a:t>11/15/23</a:t>
             </a:fld>
             <a:endParaRPr lang="en-US"/>
           </a:p>
@@ -863,7 +868,7 @@
           <a:p>
             <a:fld id="{521F61A1-E152-4A41-9335-275FF01A2F5B}" type="datetimeFigureOut">
               <a:rPr lang="en-US" smtClean="0"/>
-              <a:t>6/25/23</a:t>
+              <a:t>11/15/23</a:t>
             </a:fld>
             <a:endParaRPr lang="en-US"/>
           </a:p>
@@ -1138,7 +1143,7 @@
           <a:p>
             <a:fld id="{521F61A1-E152-4A41-9335-275FF01A2F5B}" type="datetimeFigureOut">
               <a:rPr lang="en-US" smtClean="0"/>
-              <a:t>6/25/23</a:t>
+              <a:t>11/15/23</a:t>
             </a:fld>
             <a:endParaRPr lang="en-US"/>
           </a:p>
@@ -1403,7 +1408,7 @@
           <a:p>
             <a:fld id="{521F61A1-E152-4A41-9335-275FF01A2F5B}" type="datetimeFigureOut">
               <a:rPr lang="en-US" smtClean="0"/>
-              <a:t>6/25/23</a:t>
+              <a:t>11/15/23</a:t>
             </a:fld>
             <a:endParaRPr lang="en-US"/>
           </a:p>
@@ -1815,7 +1820,7 @@
           <a:p>
             <a:fld id="{521F61A1-E152-4A41-9335-275FF01A2F5B}" type="datetimeFigureOut">
               <a:rPr lang="en-US" smtClean="0"/>
-              <a:t>6/25/23</a:t>
+              <a:t>11/15/23</a:t>
             </a:fld>
             <a:endParaRPr lang="en-US"/>
           </a:p>
@@ -1956,7 +1961,7 @@
           <a:p>
             <a:fld id="{521F61A1-E152-4A41-9335-275FF01A2F5B}" type="datetimeFigureOut">
               <a:rPr lang="en-US" smtClean="0"/>
-              <a:t>6/25/23</a:t>
+              <a:t>11/15/23</a:t>
             </a:fld>
             <a:endParaRPr lang="en-US"/>
           </a:p>
@@ -2069,7 +2074,7 @@
           <a:p>
             <a:fld id="{521F61A1-E152-4A41-9335-275FF01A2F5B}" type="datetimeFigureOut">
               <a:rPr lang="en-US" smtClean="0"/>
-              <a:t>6/25/23</a:t>
+              <a:t>11/15/23</a:t>
             </a:fld>
             <a:endParaRPr lang="en-US"/>
           </a:p>
@@ -2380,7 +2385,7 @@
           <a:p>
             <a:fld id="{521F61A1-E152-4A41-9335-275FF01A2F5B}" type="datetimeFigureOut">
               <a:rPr lang="en-US" smtClean="0"/>
-              <a:t>6/25/23</a:t>
+              <a:t>11/15/23</a:t>
             </a:fld>
             <a:endParaRPr lang="en-US"/>
           </a:p>
@@ -2668,7 +2673,7 @@
           <a:p>
             <a:fld id="{521F61A1-E152-4A41-9335-275FF01A2F5B}" type="datetimeFigureOut">
               <a:rPr lang="en-US" smtClean="0"/>
-              <a:t>6/25/23</a:t>
+              <a:t>11/15/23</a:t>
             </a:fld>
             <a:endParaRPr lang="en-US"/>
           </a:p>
@@ -2746,15 +2751,9 @@
   <p:cSld>
     <p:bg>
       <p:bgPr>
-        <a:blipFill dpi="0" rotWithShape="1">
-          <a:blip r:embed="rId13">
-            <a:lum/>
-          </a:blip>
-          <a:srcRect/>
-          <a:stretch>
-            <a:fillRect/>
-          </a:stretch>
-        </a:blipFill>
+        <a:solidFill>
+          <a:schemeClr val="bg1"/>
+        </a:solidFill>
         <a:effectLst/>
       </p:bgPr>
     </p:bg>
@@ -2918,7 +2917,7 @@
           <a:p>
             <a:fld id="{521F61A1-E152-4A41-9335-275FF01A2F5B}" type="datetimeFigureOut">
               <a:rPr lang="en-US" smtClean="0"/>
-              <a:t>6/25/23</a:t>
+              <a:t>11/15/23</a:t>
             </a:fld>
             <a:endParaRPr lang="en-US"/>
           </a:p>
@@ -4219,7 +4218,7 @@
             </a:pPr>
             <a:r>
               <a:rPr b="1"/>
-              <a:t>Seguridad.2. Lineabase.0.SIU Aplicación</a:t>
+              <a:t>Lineabase.0.SIU Aplicación</a:t>
             </a:r>
           </a:p>
           <a:p>

--- a/content/pptxoutpt.pptx
+++ b/content/pptxoutpt.pptx
@@ -11,6 +11,7 @@
     <p:sldId id="259" r:id="rId5"/>
     <p:sldId id="260" r:id="rId6"/>
     <p:sldId id="261" r:id="rId7"/>
+    <p:sldId id="262" r:id="rId8"/>
   </p:sldIdLst>
   <p:sldSz cx="12192000" cy="6858000"/>
   <p:notesSz cx="6858000" cy="9144000"/>
@@ -1347,39 +1348,55 @@
         </p:spPr>
         <p:txBody>
           <a:bodyPr/>
-          <a:lstStyle/>
+          <a:lstStyle>
+            <a:lvl1pPr>
+              <a:defRPr sz="2000"/>
+            </a:lvl1pPr>
+            <a:lvl2pPr>
+              <a:defRPr sz="1800"/>
+            </a:lvl2pPr>
+            <a:lvl3pPr>
+              <a:defRPr sz="1800"/>
+            </a:lvl3pPr>
+            <a:lvl4pPr>
+              <a:defRPr sz="1800"/>
+            </a:lvl4pPr>
+            <a:lvl5pPr>
+              <a:defRPr sz="1800"/>
+            </a:lvl5pPr>
+          </a:lstStyle>
           <a:p>
             <a:pPr lvl="0"/>
             <a:r>
-              <a:rPr lang="en-US"/>
+              <a:rPr lang="en-US" dirty="0"/>
               <a:t>Click to edit Master text styles</a:t>
             </a:r>
           </a:p>
           <a:p>
             <a:pPr lvl="1"/>
             <a:r>
-              <a:rPr lang="en-US"/>
+              <a:rPr lang="en-US" dirty="0"/>
               <a:t>Second level</a:t>
             </a:r>
           </a:p>
           <a:p>
             <a:pPr lvl="2"/>
             <a:r>
-              <a:rPr lang="en-US"/>
+              <a:rPr lang="en-US" dirty="0"/>
               <a:t>Third level</a:t>
             </a:r>
           </a:p>
           <a:p>
             <a:pPr lvl="3"/>
             <a:r>
-              <a:rPr lang="en-US"/>
+              <a:rPr lang="en-US" dirty="0"/>
               <a:t>Fourth level</a:t>
             </a:r>
           </a:p>
           <a:p>
             <a:pPr lvl="4"/>
             <a:r>
-              <a:rPr lang="en-US"/>
+              <a:rPr lang="en-US" dirty="0"/>
               <a:t>Fifth level</a:t>
             </a:r>
           </a:p>
@@ -3470,6 +3487,116 @@
           <p:cNvPr id="2" name="Title 1">
             <a:extLst>
               <a:ext uri="{FF2B5EF4-FFF2-40B4-BE49-F238E27FC236}">
+                <a16:creationId xmlns:a16="http://schemas.microsoft.com/office/drawing/2014/main" id="{61ADC5F5-14F3-0D12-9B26-0D0D4412FF50}"/>
+              </a:ext>
+            </a:extLst>
+          </p:cNvPr>
+          <p:cNvSpPr>
+            <a:spLocks noGrp="1"/>
+          </p:cNvSpPr>
+          <p:nvPr>
+            <p:ph type="title"/>
+          </p:nvPr>
+        </p:nvSpPr>
+        <p:spPr/>
+        <p:txBody>
+          <a:bodyPr/>
+          <a:lstStyle/>
+          <a:p>
+            <a:pPr lvl="0" indent="0" marL="0">
+              <a:buNone/>
+            </a:pPr>
+            <a:r>
+              <a:rPr/>
+              <a:t>Tabla de Contenido</a:t>
+            </a:r>
+          </a:p>
+        </p:txBody>
+      </p:sp>
+      <p:sp>
+        <p:nvSpPr>
+          <p:cNvPr id="3" name="Content Placeholder 2">
+            <a:extLst>
+              <a:ext uri="{FF2B5EF4-FFF2-40B4-BE49-F238E27FC236}">
+                <a16:creationId xmlns:a16="http://schemas.microsoft.com/office/drawing/2014/main" id="{B1FF7D3E-A41C-CC2F-9F64-74D4ADF46E5F}"/>
+              </a:ext>
+            </a:extLst>
+          </p:cNvPr>
+          <p:cNvSpPr>
+            <a:spLocks noGrp="1"/>
+          </p:cNvSpPr>
+          <p:nvPr>
+            <p:ph idx="1"/>
+          </p:nvPr>
+        </p:nvSpPr>
+        <p:spPr/>
+        <p:txBody>
+          <a:bodyPr/>
+          <a:lstStyle/>
+          <a:p>
+            <a:pPr lvl="0"/>
+            <a:r>
+              <a:rPr/>
+              <a:t>Diagrama de Arquitectura de la Solución Propuesta: vista de integración</a:t>
+            </a:r>
+          </a:p>
+          <a:p>
+            <a:pPr lvl="0"/>
+            <a:r>
+              <a:rPr/>
+              <a:t>Diagrama de Arquitectura de la solución propuesta: vista física</a:t>
+            </a:r>
+          </a:p>
+          <a:p>
+            <a:pPr lvl="0"/>
+            <a:r>
+              <a:rPr/>
+              <a:t>Diagrama de Arquitectura de la Solución Propuesta: motivadores del negocio</a:t>
+            </a:r>
+          </a:p>
+          <a:p>
+            <a:pPr lvl="0"/>
+            <a:r>
+              <a:rPr/>
+              <a:t>Diagrama de Arquitectura de la Solución Propuesta: interoperabilidad</a:t>
+            </a:r>
+          </a:p>
+          <a:p>
+            <a:pPr lvl="0"/>
+            <a:r>
+              <a:rPr/>
+              <a:t>Diagrama de Arquitectura de la Solución Propuesta: gestión de autenticación, usuarios y roles</a:t>
+            </a:r>
+          </a:p>
+        </p:txBody>
+      </p:sp>
+    </p:spTree>
+  </p:cSld>
+</p:sld>
+</file>
+
+<file path=ppt/slides/slide3.xml><?xml version="1.0" encoding="utf-8"?>
+<p:sld xmlns:a="http://schemas.openxmlformats.org/drawingml/2006/main" xmlns:r="http://schemas.openxmlformats.org/officeDocument/2006/relationships" xmlns:p="http://schemas.openxmlformats.org/presentationml/2006/main">
+  <p:cSld>
+    <p:spTree>
+      <p:nvGrpSpPr>
+        <p:cNvPr id="1" name=""/>
+        <p:cNvGrpSpPr/>
+        <p:nvPr/>
+      </p:nvGrpSpPr>
+      <p:grpSpPr>
+        <a:xfrm>
+          <a:off x="0" y="0"/>
+          <a:ext cx="0" cy="0"/>
+          <a:chOff x="0" y="0"/>
+          <a:chExt cx="0" cy="0"/>
+        </a:xfrm>
+      </p:grpSpPr>
+      <p:sp>
+        <p:nvSpPr>
+          <p:cNvPr id="2" name="Title 1">
+            <a:extLst>
+              <a:ext uri="{FF2B5EF4-FFF2-40B4-BE49-F238E27FC236}">
                 <a16:creationId xmlns:a16="http://schemas.microsoft.com/office/drawing/2014/main" id="{C3CB3866-5705-B61D-51CB-5041E55BBBD9}"/>
               </a:ext>
             </a:extLst>
@@ -3604,7 +3731,7 @@
 </p:sld>
 </file>
 
-<file path=ppt/slides/slide3.xml><?xml version="1.0" encoding="utf-8"?>
+<file path=ppt/slides/slide4.xml><?xml version="1.0" encoding="utf-8"?>
 <p:sld xmlns:a="http://schemas.openxmlformats.org/drawingml/2006/main" xmlns:r="http://schemas.openxmlformats.org/officeDocument/2006/relationships" xmlns:p="http://schemas.openxmlformats.org/presentationml/2006/main">
   <p:cSld>
     <p:spTree>
@@ -3760,7 +3887,7 @@
 </p:sld>
 </file>
 
-<file path=ppt/slides/slide4.xml><?xml version="1.0" encoding="utf-8"?>
+<file path=ppt/slides/slide5.xml><?xml version="1.0" encoding="utf-8"?>
 <p:sld xmlns:a="http://schemas.openxmlformats.org/drawingml/2006/main" xmlns:r="http://schemas.openxmlformats.org/officeDocument/2006/relationships" xmlns:p="http://schemas.openxmlformats.org/presentationml/2006/main">
   <p:cSld>
     <p:spTree>
@@ -3916,7 +4043,7 @@
 </p:sld>
 </file>
 
-<file path=ppt/slides/slide5.xml><?xml version="1.0" encoding="utf-8"?>
+<file path=ppt/slides/slide6.xml><?xml version="1.0" encoding="utf-8"?>
 <p:sld xmlns:a="http://schemas.openxmlformats.org/drawingml/2006/main" xmlns:r="http://schemas.openxmlformats.org/officeDocument/2006/relationships" xmlns:p="http://schemas.openxmlformats.org/presentationml/2006/main">
   <p:cSld>
     <p:spTree>
@@ -4062,16 +4189,7 @@
             </a:pPr>
             <a:r>
               <a:rPr/>
-              <a:t>Patrón de Distribución y Colaboración estándar para el SUI.</a:t>
-            </a:r>
-          </a:p>
-          <a:p>
-            <a:pPr lvl="0" indent="0" marL="0">
-              <a:buNone/>
-            </a:pPr>
-            <a:r>
-              <a:rPr/>
-              <a:t>La colaboración y comunicación de los componentes internos del SUI (grupo PFN SUI, en el diagrama) está mediada por interfaces. Estas son provistas por el grupo de componentes misionales, PGN SUI, hacia los submódulos externos. La intención es mantener reducido y controlado el número de interfaces.</a:t>
+              <a:t>Colaboración y comunicación de los componentes internos del SUI mediada por interfaces provistas por el grupo de componentes misionales, PGN SUI: mantener reducido y controlado el número de interfaces.</a:t>
             </a:r>
           </a:p>
         </p:txBody>
@@ -4081,7 +4199,7 @@
 </p:sld>
 </file>
 
-<file path=ppt/slides/slide6.xml><?xml version="1.0" encoding="utf-8"?>
+<file path=ppt/slides/slide7.xml><?xml version="1.0" encoding="utf-8"?>
 <p:sld xmlns:a="http://schemas.openxmlformats.org/drawingml/2006/main" xmlns:r="http://schemas.openxmlformats.org/officeDocument/2006/relationships" xmlns:p="http://schemas.openxmlformats.org/presentationml/2006/main">
   <p:cSld>
     <p:spTree>
@@ -4227,34 +4345,28 @@
             </a:pPr>
             <a:r>
               <a:rPr/>
-              <a:t>Con una arquitectura orientada a servicios SUI recopila:</a:t>
-            </a:r>
-          </a:p>
-          <a:p>
-            <a:pPr lvl="0" indent="-457200" marL="457200">
-              <a:buAutoNum type="arabicPeriod"/>
-            </a:pPr>
+              <a:t>Métodos de Seguridad del SIU Migrado</a:t>
+            </a:r>
+          </a:p>
+          <a:p>
+            <a:pPr lvl="0"/>
             <a:r>
               <a:rPr/>
-              <a:t>Runtime: Es el servicio que interactúa con el usuario final (GUI) elaborado en Angular 11</a:t>
-            </a:r>
-          </a:p>
-          <a:p>
-            <a:pPr lvl="0" indent="-457200" marL="457200">
-              <a:buAutoNum type="arabicPeriod"/>
-            </a:pPr>
+              <a:t>Control de acceso y autorización basado en roles (RBAC)</a:t>
+            </a:r>
+          </a:p>
+          <a:p>
+            <a:pPr lvl="0"/>
             <a:r>
               <a:rPr/>
-              <a:t>API Tx: Servicio API REST Base Node encargado de realizar las transacciones básicas CRUD</a:t>
-            </a:r>
-          </a:p>
-          <a:p>
-            <a:pPr lvl="0" indent="-457200" marL="457200">
-              <a:buAutoNum type="arabicPeriod"/>
-            </a:pPr>
+              <a:t>Gestión de identidades</a:t>
+            </a:r>
+          </a:p>
+          <a:p>
+            <a:pPr lvl="0"/>
             <a:r>
               <a:rPr/>
-              <a:t>API Config / Seguridad. Servicio Web API .Net Framework encargado de gestionar características con la autenticación y configuración</a:t>
+              <a:t>Aprovisionamiento de Cuentas</a:t>
             </a:r>
           </a:p>
         </p:txBody>

--- a/content/pptxoutpt.pptx
+++ b/content/pptxoutpt.pptx
@@ -12,6 +12,8 @@
     <p:sldId id="260" r:id="rId6"/>
     <p:sldId id="261" r:id="rId7"/>
     <p:sldId id="262" r:id="rId8"/>
+    <p:sldId id="263" r:id="rId9"/>
+    <p:sldId id="264" r:id="rId10"/>
   </p:sldIdLst>
   <p:sldSz cx="12192000" cy="6858000"/>
   <p:notesSz cx="6858000" cy="9144000"/>
@@ -4367,6 +4369,318 @@
             <a:r>
               <a:rPr/>
               <a:t>Aprovisionamiento de Cuentas</a:t>
+            </a:r>
+          </a:p>
+        </p:txBody>
+      </p:sp>
+    </p:spTree>
+  </p:cSld>
+</p:sld>
+</file>
+
+<file path=ppt/slides/slide8.xml><?xml version="1.0" encoding="utf-8"?>
+<p:sld xmlns:a="http://schemas.openxmlformats.org/drawingml/2006/main" xmlns:r="http://schemas.openxmlformats.org/officeDocument/2006/relationships" xmlns:p="http://schemas.openxmlformats.org/presentationml/2006/main">
+  <p:cSld>
+    <p:spTree>
+      <p:nvGrpSpPr>
+        <p:cNvPr id="1" name=""/>
+        <p:cNvGrpSpPr/>
+        <p:nvPr/>
+      </p:nvGrpSpPr>
+      <p:grpSpPr>
+        <a:xfrm>
+          <a:off x="0" y="0"/>
+          <a:ext cx="0" cy="0"/>
+          <a:chOff x="0" y="0"/>
+          <a:chExt cx="0" cy="0"/>
+        </a:xfrm>
+      </p:grpSpPr>
+      <p:sp>
+        <p:nvSpPr>
+          <p:cNvPr id="2" name="Title 1">
+            <a:extLst>
+              <a:ext uri="{FF2B5EF4-FFF2-40B4-BE49-F238E27FC236}">
+                <a16:creationId xmlns:a16="http://schemas.microsoft.com/office/drawing/2014/main" id="{C3CB3866-5705-B61D-51CB-5041E55BBBD9}"/>
+              </a:ext>
+            </a:extLst>
+          </p:cNvPr>
+          <p:cNvSpPr>
+            <a:spLocks noGrp="1"/>
+          </p:cNvSpPr>
+          <p:nvPr>
+            <p:ph type="title"/>
+          </p:nvPr>
+        </p:nvSpPr>
+        <p:spPr/>
+        <p:txBody>
+          <a:bodyPr/>
+          <a:lstStyle/>
+          <a:p>
+            <a:pPr lvl="0" indent="0" marL="0">
+              <a:buNone/>
+            </a:pPr>
+            <a:r>
+              <a:rPr/>
+              <a:t>Diagrama de Clases y Componentes de Solución</a:t>
+            </a:r>
+          </a:p>
+        </p:txBody>
+      </p:sp>
+      <p:pic>
+        <p:nvPicPr>
+          <p:cNvPr descr="fig:  images/Migracion.1b.1.SIUMódulosComponentes.png" id="0" name="Picture 1"/>
+          <p:cNvPicPr>
+            <a:picLocks noGrp="1" noChangeAspect="1"/>
+          </p:cNvPicPr>
+          <p:nvPr/>
+        </p:nvPicPr>
+        <p:blipFill>
+          <a:blip r:embed="rId2"/>
+          <a:stretch>
+            <a:fillRect/>
+          </a:stretch>
+        </p:blipFill>
+        <p:spPr bwMode="auto">
+          <a:xfrm>
+            <a:off x="838200" y="1892300"/>
+            <a:ext cx="5181600" cy="3670300"/>
+          </a:xfrm>
+          <a:prstGeom prst="rect">
+            <a:avLst/>
+          </a:prstGeom>
+          <a:noFill/>
+          <a:ln w="9525">
+            <a:noFill/>
+            <a:headEnd/>
+            <a:tailEnd/>
+          </a:ln>
+        </p:spPr>
+      </p:pic>
+      <p:sp>
+        <p:nvSpPr>
+          <p:cNvPr id="1" name="TextBox 3"/>
+          <p:cNvSpPr txBox="1"/>
+          <p:nvPr/>
+        </p:nvSpPr>
+        <p:spPr>
+          <a:xfrm>
+            <a:off x="838200" y="5651500"/>
+            <a:ext cx="5181600" cy="508000"/>
+          </a:xfrm>
+          <a:prstGeom prst="rect">
+            <a:avLst/>
+          </a:prstGeom>
+          <a:noFill/>
+        </p:spPr>
+        <p:txBody>
+          <a:bodyPr/>
+          <a:lstStyle/>
+          <a:p>
+            <a:pPr lvl="0" indent="0" marL="0" algn="ctr">
+              <a:buNone/>
+            </a:pPr>
+            <a:r>
+              <a:rPr/>
+              <a:t>Vista. Migracion.1b.1. SIU Módulos Componentes</a:t>
+            </a:r>
+          </a:p>
+        </p:txBody>
+      </p:sp>
+      <p:sp>
+        <p:nvSpPr>
+          <p:cNvPr id="4" name="Content Placeholder 3">
+            <a:extLst>
+              <a:ext uri="{FF2B5EF4-FFF2-40B4-BE49-F238E27FC236}">
+                <a16:creationId xmlns:a16="http://schemas.microsoft.com/office/drawing/2014/main" id="{0878F77F-FF66-F251-EAC2-F9D7B60D34D6}"/>
+              </a:ext>
+            </a:extLst>
+          </p:cNvPr>
+          <p:cNvSpPr>
+            <a:spLocks noGrp="1"/>
+          </p:cNvSpPr>
+          <p:nvPr>
+            <p:ph idx="2" sz="half"/>
+          </p:nvPr>
+        </p:nvSpPr>
+        <p:spPr/>
+        <p:txBody>
+          <a:bodyPr/>
+          <a:lstStyle/>
+          <a:p>
+            <a:pPr lvl="0" indent="0" marL="0">
+              <a:spcBef>
+                <a:spcPts val="3000"/>
+              </a:spcBef>
+              <a:buNone/>
+            </a:pPr>
+            <a:r>
+              <a:rPr b="1"/>
+              <a:t>Migracion.1b.1. SIU Módulos Componentes</a:t>
+            </a:r>
+          </a:p>
+          <a:p>
+            <a:pPr lvl="0" indent="0" marL="0">
+              <a:buNone/>
+            </a:pPr>
+            <a:r>
+              <a:rPr/>
+              <a:t>Componentes internos de los submódulos del sistema único de información migrado, SUI de PGN. Organización interna de los servicios y paquetes que integran cada submódulo del SUI. Todos los sistemas de información del SUI siguen esta directiva: estarán constituidos por submódulos dispuestos en relación de utilitarios (que sirven) a los componentes misionales del SUI, ubicados en el centro en el diagrama.</a:t>
+            </a:r>
+          </a:p>
+        </p:txBody>
+      </p:sp>
+    </p:spTree>
+  </p:cSld>
+</p:sld>
+</file>
+
+<file path=ppt/slides/slide9.xml><?xml version="1.0" encoding="utf-8"?>
+<p:sld xmlns:a="http://schemas.openxmlformats.org/drawingml/2006/main" xmlns:r="http://schemas.openxmlformats.org/officeDocument/2006/relationships" xmlns:p="http://schemas.openxmlformats.org/presentationml/2006/main">
+  <p:cSld>
+    <p:spTree>
+      <p:nvGrpSpPr>
+        <p:cNvPr id="1" name=""/>
+        <p:cNvGrpSpPr/>
+        <p:nvPr/>
+      </p:nvGrpSpPr>
+      <p:grpSpPr>
+        <a:xfrm>
+          <a:off x="0" y="0"/>
+          <a:ext cx="0" cy="0"/>
+          <a:chOff x="0" y="0"/>
+          <a:chExt cx="0" cy="0"/>
+        </a:xfrm>
+      </p:grpSpPr>
+      <p:sp>
+        <p:nvSpPr>
+          <p:cNvPr id="2" name="Title 1">
+            <a:extLst>
+              <a:ext uri="{FF2B5EF4-FFF2-40B4-BE49-F238E27FC236}">
+                <a16:creationId xmlns:a16="http://schemas.microsoft.com/office/drawing/2014/main" id="{C3CB3866-5705-B61D-51CB-5041E55BBBD9}"/>
+              </a:ext>
+            </a:extLst>
+          </p:cNvPr>
+          <p:cNvSpPr>
+            <a:spLocks noGrp="1"/>
+          </p:cNvSpPr>
+          <p:nvPr>
+            <p:ph type="title"/>
+          </p:nvPr>
+        </p:nvSpPr>
+        <p:spPr/>
+        <p:txBody>
+          <a:bodyPr/>
+          <a:lstStyle/>
+          <a:p>
+            <a:pPr lvl="0" indent="0" marL="0">
+              <a:buNone/>
+            </a:pPr>
+            <a:r>
+              <a:rPr/>
+              <a:t>Diagrama de Clases y Componentes de Solución</a:t>
+            </a:r>
+          </a:p>
+        </p:txBody>
+      </p:sp>
+      <p:pic>
+        <p:nvPicPr>
+          <p:cNvPr descr="fig:  images/Migracion.1b.1.SIUMódulosComponentes.png" id="0" name="Picture 1"/>
+          <p:cNvPicPr>
+            <a:picLocks noGrp="1" noChangeAspect="1"/>
+          </p:cNvPicPr>
+          <p:nvPr/>
+        </p:nvPicPr>
+        <p:blipFill>
+          <a:blip r:embed="rId2"/>
+          <a:stretch>
+            <a:fillRect/>
+          </a:stretch>
+        </p:blipFill>
+        <p:spPr bwMode="auto">
+          <a:xfrm>
+            <a:off x="838200" y="1892300"/>
+            <a:ext cx="5181600" cy="3670300"/>
+          </a:xfrm>
+          <a:prstGeom prst="rect">
+            <a:avLst/>
+          </a:prstGeom>
+          <a:noFill/>
+          <a:ln w="9525">
+            <a:noFill/>
+            <a:headEnd/>
+            <a:tailEnd/>
+          </a:ln>
+        </p:spPr>
+      </p:pic>
+      <p:sp>
+        <p:nvSpPr>
+          <p:cNvPr id="1" name="TextBox 3"/>
+          <p:cNvSpPr txBox="1"/>
+          <p:nvPr/>
+        </p:nvSpPr>
+        <p:spPr>
+          <a:xfrm>
+            <a:off x="838200" y="5651500"/>
+            <a:ext cx="5181600" cy="508000"/>
+          </a:xfrm>
+          <a:prstGeom prst="rect">
+            <a:avLst/>
+          </a:prstGeom>
+          <a:noFill/>
+        </p:spPr>
+        <p:txBody>
+          <a:bodyPr/>
+          <a:lstStyle/>
+          <a:p>
+            <a:pPr lvl="0" indent="0" marL="0" algn="ctr">
+              <a:buNone/>
+            </a:pPr>
+            <a:r>
+              <a:rPr/>
+              <a:t>Vista. Migracion.1b.1. SIU Módulos Componentes</a:t>
+            </a:r>
+          </a:p>
+        </p:txBody>
+      </p:sp>
+      <p:sp>
+        <p:nvSpPr>
+          <p:cNvPr id="4" name="Content Placeholder 3">
+            <a:extLst>
+              <a:ext uri="{FF2B5EF4-FFF2-40B4-BE49-F238E27FC236}">
+                <a16:creationId xmlns:a16="http://schemas.microsoft.com/office/drawing/2014/main" id="{0878F77F-FF66-F251-EAC2-F9D7B60D34D6}"/>
+              </a:ext>
+            </a:extLst>
+          </p:cNvPr>
+          <p:cNvSpPr>
+            <a:spLocks noGrp="1"/>
+          </p:cNvSpPr>
+          <p:nvPr>
+            <p:ph idx="2" sz="half"/>
+          </p:nvPr>
+        </p:nvSpPr>
+        <p:spPr/>
+        <p:txBody>
+          <a:bodyPr/>
+          <a:lstStyle/>
+          <a:p>
+            <a:pPr lvl="0" indent="0" marL="0">
+              <a:spcBef>
+                <a:spcPts val="3000"/>
+              </a:spcBef>
+              <a:buNone/>
+            </a:pPr>
+            <a:r>
+              <a:rPr b="1"/>
+              <a:t>Migracion.1b.1. SIU Módulos Componentes</a:t>
+            </a:r>
+          </a:p>
+          <a:p>
+            <a:pPr lvl="0" indent="0" marL="0">
+              <a:buNone/>
+            </a:pPr>
+            <a:r>
+              <a:rPr/>
+              <a:t>Componentes internos de los submódulos del sistema único de información migrado, SUI de PGN. Organización interna de los servicios y paquetes que integran cada submódulo del SUI. Todos los sistemas de información del SUI siguen esta directiva: estarán constituidos por submódulos dispuestos en relación de utilitarios (que sirven) a los componentes misionales del SUI, ubicados en el centro en el diagrama.</a:t>
             </a:r>
           </a:p>
         </p:txBody>

--- a/content/pptxoutpt.pptx
+++ b/content/pptxoutpt.pptx
@@ -14,6 +14,8 @@
     <p:sldId id="262" r:id="rId8"/>
     <p:sldId id="263" r:id="rId9"/>
     <p:sldId id="264" r:id="rId10"/>
+    <p:sldId id="265" r:id="rId11"/>
+    <p:sldId id="266" r:id="rId12"/>
   </p:sldIdLst>
   <p:sldSz cx="12192000" cy="6858000"/>
   <p:notesSz cx="6858000" cy="9144000"/>
@@ -3467,6 +3469,318 @@
 </p:sld>
 </file>
 
+<file path=ppt/slides/slide10.xml><?xml version="1.0" encoding="utf-8"?>
+<p:sld xmlns:a="http://schemas.openxmlformats.org/drawingml/2006/main" xmlns:r="http://schemas.openxmlformats.org/officeDocument/2006/relationships" xmlns:p="http://schemas.openxmlformats.org/presentationml/2006/main">
+  <p:cSld>
+    <p:spTree>
+      <p:nvGrpSpPr>
+        <p:cNvPr id="1" name=""/>
+        <p:cNvGrpSpPr/>
+        <p:nvPr/>
+      </p:nvGrpSpPr>
+      <p:grpSpPr>
+        <a:xfrm>
+          <a:off x="0" y="0"/>
+          <a:ext cx="0" cy="0"/>
+          <a:chOff x="0" y="0"/>
+          <a:chExt cx="0" cy="0"/>
+        </a:xfrm>
+      </p:grpSpPr>
+      <p:sp>
+        <p:nvSpPr>
+          <p:cNvPr id="2" name="Title 1">
+            <a:extLst>
+              <a:ext uri="{FF2B5EF4-FFF2-40B4-BE49-F238E27FC236}">
+                <a16:creationId xmlns:a16="http://schemas.microsoft.com/office/drawing/2014/main" id="{C3CB3866-5705-B61D-51CB-5041E55BBBD9}"/>
+              </a:ext>
+            </a:extLst>
+          </p:cNvPr>
+          <p:cNvSpPr>
+            <a:spLocks noGrp="1"/>
+          </p:cNvSpPr>
+          <p:nvPr>
+            <p:ph type="title"/>
+          </p:nvPr>
+        </p:nvSpPr>
+        <p:spPr/>
+        <p:txBody>
+          <a:bodyPr/>
+          <a:lstStyle/>
+          <a:p>
+            <a:pPr lvl="0" indent="0" marL="0">
+              <a:buNone/>
+            </a:pPr>
+            <a:r>
+              <a:rPr/>
+              <a:t>Diagrama de Arquitectura de Integración Continua, DevOps y Despliegues de Capas</a:t>
+            </a:r>
+          </a:p>
+        </p:txBody>
+      </p:sp>
+      <p:pic>
+        <p:nvPicPr>
+          <p:cNvPr descr="fig:  images/Migracion.4.CI.png" id="0" name="Picture 1"/>
+          <p:cNvPicPr>
+            <a:picLocks noGrp="1" noChangeAspect="1"/>
+          </p:cNvPicPr>
+          <p:nvPr/>
+        </p:nvPicPr>
+        <p:blipFill>
+          <a:blip r:embed="rId2"/>
+          <a:stretch>
+            <a:fillRect/>
+          </a:stretch>
+        </p:blipFill>
+        <p:spPr bwMode="auto">
+          <a:xfrm>
+            <a:off x="838200" y="2362200"/>
+            <a:ext cx="5181600" cy="2743200"/>
+          </a:xfrm>
+          <a:prstGeom prst="rect">
+            <a:avLst/>
+          </a:prstGeom>
+          <a:noFill/>
+          <a:ln w="9525">
+            <a:noFill/>
+            <a:headEnd/>
+            <a:tailEnd/>
+          </a:ln>
+        </p:spPr>
+      </p:pic>
+      <p:sp>
+        <p:nvSpPr>
+          <p:cNvPr id="1" name="TextBox 3"/>
+          <p:cNvSpPr txBox="1"/>
+          <p:nvPr/>
+        </p:nvSpPr>
+        <p:spPr>
+          <a:xfrm>
+            <a:off x="838200" y="5651500"/>
+            <a:ext cx="5181600" cy="508000"/>
+          </a:xfrm>
+          <a:prstGeom prst="rect">
+            <a:avLst/>
+          </a:prstGeom>
+          <a:noFill/>
+        </p:spPr>
+        <p:txBody>
+          <a:bodyPr/>
+          <a:lstStyle/>
+          <a:p>
+            <a:pPr lvl="0" indent="0" marL="0" algn="ctr">
+              <a:buNone/>
+            </a:pPr>
+            <a:r>
+              <a:rPr/>
+              <a:t>Vista. Migracion.4. CI</a:t>
+            </a:r>
+          </a:p>
+        </p:txBody>
+      </p:sp>
+      <p:sp>
+        <p:nvSpPr>
+          <p:cNvPr id="4" name="Content Placeholder 3">
+            <a:extLst>
+              <a:ext uri="{FF2B5EF4-FFF2-40B4-BE49-F238E27FC236}">
+                <a16:creationId xmlns:a16="http://schemas.microsoft.com/office/drawing/2014/main" id="{0878F77F-FF66-F251-EAC2-F9D7B60D34D6}"/>
+              </a:ext>
+            </a:extLst>
+          </p:cNvPr>
+          <p:cNvSpPr>
+            <a:spLocks noGrp="1"/>
+          </p:cNvSpPr>
+          <p:nvPr>
+            <p:ph idx="2" sz="half"/>
+          </p:nvPr>
+        </p:nvSpPr>
+        <p:spPr/>
+        <p:txBody>
+          <a:bodyPr/>
+          <a:lstStyle/>
+          <a:p>
+            <a:pPr lvl="0" indent="0" marL="0">
+              <a:spcBef>
+                <a:spcPts val="3000"/>
+              </a:spcBef>
+              <a:buNone/>
+            </a:pPr>
+            <a:r>
+              <a:rPr b="1"/>
+              <a:t>Migracion.4. CI</a:t>
+            </a:r>
+          </a:p>
+          <a:p>
+            <a:pPr lvl="0" indent="0" marL="0">
+              <a:buNone/>
+            </a:pPr>
+            <a:r>
+              <a:rPr/>
+              <a:t>Las cadenas están separadas por tecnologías y plataformas distintas; son independientes y no presentan interbloqueos en cuanto a su ejecución. Pero, requieren administración integral.</a:t>
+            </a:r>
+          </a:p>
+        </p:txBody>
+      </p:sp>
+    </p:spTree>
+  </p:cSld>
+</p:sld>
+</file>
+
+<file path=ppt/slides/slide11.xml><?xml version="1.0" encoding="utf-8"?>
+<p:sld xmlns:a="http://schemas.openxmlformats.org/drawingml/2006/main" xmlns:r="http://schemas.openxmlformats.org/officeDocument/2006/relationships" xmlns:p="http://schemas.openxmlformats.org/presentationml/2006/main">
+  <p:cSld>
+    <p:spTree>
+      <p:nvGrpSpPr>
+        <p:cNvPr id="1" name=""/>
+        <p:cNvGrpSpPr/>
+        <p:nvPr/>
+      </p:nvGrpSpPr>
+      <p:grpSpPr>
+        <a:xfrm>
+          <a:off x="0" y="0"/>
+          <a:ext cx="0" cy="0"/>
+          <a:chOff x="0" y="0"/>
+          <a:chExt cx="0" cy="0"/>
+        </a:xfrm>
+      </p:grpSpPr>
+      <p:sp>
+        <p:nvSpPr>
+          <p:cNvPr id="2" name="Title 1">
+            <a:extLst>
+              <a:ext uri="{FF2B5EF4-FFF2-40B4-BE49-F238E27FC236}">
+                <a16:creationId xmlns:a16="http://schemas.microsoft.com/office/drawing/2014/main" id="{C3CB3866-5705-B61D-51CB-5041E55BBBD9}"/>
+              </a:ext>
+            </a:extLst>
+          </p:cNvPr>
+          <p:cNvSpPr>
+            <a:spLocks noGrp="1"/>
+          </p:cNvSpPr>
+          <p:nvPr>
+            <p:ph type="title"/>
+          </p:nvPr>
+        </p:nvSpPr>
+        <p:spPr/>
+        <p:txBody>
+          <a:bodyPr/>
+          <a:lstStyle/>
+          <a:p>
+            <a:pPr lvl="0" indent="0" marL="0">
+              <a:buNone/>
+            </a:pPr>
+            <a:r>
+              <a:rPr/>
+              <a:t>Documento de Relación de Tecnologías y Licenciamiento</a:t>
+            </a:r>
+          </a:p>
+        </p:txBody>
+      </p:sp>
+      <p:pic>
+        <p:nvPicPr>
+          <p:cNvPr descr="fig:  images/Migracion.5.Licenciamiento.png" id="0" name="Picture 1"/>
+          <p:cNvPicPr>
+            <a:picLocks noGrp="1" noChangeAspect="1"/>
+          </p:cNvPicPr>
+          <p:nvPr/>
+        </p:nvPicPr>
+        <p:blipFill>
+          <a:blip r:embed="rId2"/>
+          <a:stretch>
+            <a:fillRect/>
+          </a:stretch>
+        </p:blipFill>
+        <p:spPr bwMode="auto">
+          <a:xfrm>
+            <a:off x="2082800" y="1816100"/>
+            <a:ext cx="2692400" cy="3835400"/>
+          </a:xfrm>
+          <a:prstGeom prst="rect">
+            <a:avLst/>
+          </a:prstGeom>
+          <a:noFill/>
+          <a:ln w="9525">
+            <a:noFill/>
+            <a:headEnd/>
+            <a:tailEnd/>
+          </a:ln>
+        </p:spPr>
+      </p:pic>
+      <p:sp>
+        <p:nvSpPr>
+          <p:cNvPr id="1" name="TextBox 3"/>
+          <p:cNvSpPr txBox="1"/>
+          <p:nvPr/>
+        </p:nvSpPr>
+        <p:spPr>
+          <a:xfrm>
+            <a:off x="838200" y="5651500"/>
+            <a:ext cx="5181600" cy="508000"/>
+          </a:xfrm>
+          <a:prstGeom prst="rect">
+            <a:avLst/>
+          </a:prstGeom>
+          <a:noFill/>
+        </p:spPr>
+        <p:txBody>
+          <a:bodyPr/>
+          <a:lstStyle/>
+          <a:p>
+            <a:pPr lvl="0" indent="0" marL="0" algn="ctr">
+              <a:buNone/>
+            </a:pPr>
+            <a:r>
+              <a:rPr/>
+              <a:t>Vista. Migracion.5. Licenciamiento</a:t>
+            </a:r>
+          </a:p>
+        </p:txBody>
+      </p:sp>
+      <p:sp>
+        <p:nvSpPr>
+          <p:cNvPr id="4" name="Content Placeholder 3">
+            <a:extLst>
+              <a:ext uri="{FF2B5EF4-FFF2-40B4-BE49-F238E27FC236}">
+                <a16:creationId xmlns:a16="http://schemas.microsoft.com/office/drawing/2014/main" id="{0878F77F-FF66-F251-EAC2-F9D7B60D34D6}"/>
+              </a:ext>
+            </a:extLst>
+          </p:cNvPr>
+          <p:cNvSpPr>
+            <a:spLocks noGrp="1"/>
+          </p:cNvSpPr>
+          <p:nvPr>
+            <p:ph idx="2" sz="half"/>
+          </p:nvPr>
+        </p:nvSpPr>
+        <p:spPr/>
+        <p:txBody>
+          <a:bodyPr/>
+          <a:lstStyle/>
+          <a:p>
+            <a:pPr lvl="0" indent="0" marL="0">
+              <a:spcBef>
+                <a:spcPts val="3000"/>
+              </a:spcBef>
+              <a:buNone/>
+            </a:pPr>
+            <a:r>
+              <a:rPr b="1"/>
+              <a:t>Migracion.5. Licenciamiento</a:t>
+            </a:r>
+          </a:p>
+          <a:p>
+            <a:pPr lvl="0" indent="0" marL="0">
+              <a:buNone/>
+            </a:pPr>
+            <a:r>
+              <a:rPr/>
+              <a:t>Los elementos resaltados de la vista actual requieren modelos de licenciamiento variado, bien sea por usuario, núcleo, despliegue (instalación), o renta por consumo.</a:t>
+            </a:r>
+          </a:p>
+        </p:txBody>
+      </p:sp>
+    </p:spTree>
+  </p:cSld>
+</p:sld>
+</file>
+
 <file path=ppt/slides/slide2.xml><?xml version="1.0" encoding="utf-8"?>
 <p:sld xmlns:a="http://schemas.openxmlformats.org/drawingml/2006/main" xmlns:r="http://schemas.openxmlformats.org/officeDocument/2006/relationships" xmlns:p="http://schemas.openxmlformats.org/presentationml/2006/main">
   <p:cSld>
@@ -4421,7 +4735,7 @@
             </a:pPr>
             <a:r>
               <a:rPr/>
-              <a:t>Diagrama de Clases y Componentes de Solución</a:t>
+              <a:t>Diagrama de Clases y Componentes de Solución (a)</a:t>
             </a:r>
           </a:p>
         </p:txBody>
@@ -4584,7 +4898,7 @@
       </p:sp>
       <p:pic>
         <p:nvPicPr>
-          <p:cNvPr descr="fig:  images/Migracion.1b.1.SIUMódulosComponentes.png" id="0" name="Picture 1"/>
+          <p:cNvPr descr="fig:  images/Migracion.1b.3.SIUMódulosClases.png" id="0" name="Picture 1"/>
           <p:cNvPicPr>
             <a:picLocks noGrp="1" noChangeAspect="1"/>
           </p:cNvPicPr>
@@ -4598,8 +4912,8 @@
         </p:blipFill>
         <p:spPr bwMode="auto">
           <a:xfrm>
-            <a:off x="838200" y="1892300"/>
-            <a:ext cx="5181600" cy="3670300"/>
+            <a:off x="1168400" y="1816100"/>
+            <a:ext cx="4521200" cy="3835400"/>
           </a:xfrm>
           <a:prstGeom prst="rect">
             <a:avLst/>
@@ -4637,7 +4951,7 @@
             </a:pPr>
             <a:r>
               <a:rPr/>
-              <a:t>Vista. Migracion.1b.1. SIU Módulos Componentes</a:t>
+              <a:t>Vista. Migracion.1b.3. SIU Módulos Clases</a:t>
             </a:r>
           </a:p>
         </p:txBody>
@@ -4671,16 +4985,21 @@
             </a:pPr>
             <a:r>
               <a:rPr b="1"/>
-              <a:t>Migracion.1b.1. SIU Módulos Componentes</a:t>
-            </a:r>
-          </a:p>
-          <a:p>
-            <a:pPr lvl="0" indent="0" marL="0">
-              <a:buNone/>
-            </a:pPr>
+              <a:t>Migracion.1b.3. SIU Módulos Clases</a:t>
+            </a:r>
+          </a:p>
+          <a:p>
+            <a:pPr lvl="0"/>
             <a:r>
               <a:rPr/>
-              <a:t>Componentes internos de los submódulos del sistema único de información migrado, SUI de PGN. Organización interna de los servicios y paquetes que integran cada submódulo del SUI. Todos los sistemas de información del SUI siguen esta directiva: estarán constituidos por submódulos dispuestos en relación de utilitarios (que sirven) a los componentes misionales del SUI, ubicados en el centro en el diagrama.</a:t>
+              <a:t>El diseño actual antepone un servicio como punto de acceso a un caso de uso, de tal forma que este se encarga únicamente (por responsabilidad) de coordinar las entradas y las salidas del caso de uso</a:t>
+            </a:r>
+          </a:p>
+          <a:p>
+            <a:pPr lvl="0"/>
+            <a:r>
+              <a:rPr/>
+              <a:t>El modelo propicia la separación de la lógica de aplicación y la lógica de negocio. En este diseño, la primera está encapsulada en el Caso de Uso ejecutable (en el diagrama), mientras que la lógica de negocio lo está en una función de negocio.</a:t>
             </a:r>
           </a:p>
         </p:txBody>

--- a/content/pptxoutpt.pptx
+++ b/content/pptxoutpt.pptx
@@ -275,7 +275,7 @@
           <a:p>
             <a:fld id="{521F61A1-E152-4A41-9335-275FF01A2F5B}" type="datetimeFigureOut">
               <a:rPr lang="en-US" smtClean="0"/>
-              <a:t>11/9/23</a:t>
+              <a:t>11/23/23</a:t>
             </a:fld>
             <a:endParaRPr lang="en-US"/>
           </a:p>
@@ -473,7 +473,7 @@
           <a:p>
             <a:fld id="{521F61A1-E152-4A41-9335-275FF01A2F5B}" type="datetimeFigureOut">
               <a:rPr lang="en-US" smtClean="0"/>
-              <a:t>11/9/23</a:t>
+              <a:t>11/23/23</a:t>
             </a:fld>
             <a:endParaRPr lang="en-US"/>
           </a:p>
@@ -681,7 +681,7 @@
           <a:p>
             <a:fld id="{521F61A1-E152-4A41-9335-275FF01A2F5B}" type="datetimeFigureOut">
               <a:rPr lang="en-US" smtClean="0"/>
-              <a:t>11/9/23</a:t>
+              <a:t>11/23/23</a:t>
             </a:fld>
             <a:endParaRPr lang="en-US"/>
           </a:p>
@@ -879,7 +879,7 @@
           <a:p>
             <a:fld id="{521F61A1-E152-4A41-9335-275FF01A2F5B}" type="datetimeFigureOut">
               <a:rPr lang="en-US" smtClean="0"/>
-              <a:t>11/9/23</a:t>
+              <a:t>11/23/23</a:t>
             </a:fld>
             <a:endParaRPr lang="en-US"/>
           </a:p>
@@ -1154,7 +1154,7 @@
           <a:p>
             <a:fld id="{521F61A1-E152-4A41-9335-275FF01A2F5B}" type="datetimeFigureOut">
               <a:rPr lang="en-US" smtClean="0"/>
-              <a:t>11/9/23</a:t>
+              <a:t>11/23/23</a:t>
             </a:fld>
             <a:endParaRPr lang="en-US"/>
           </a:p>
@@ -1437,7 +1437,7 @@
           <a:p>
             <a:fld id="{521F61A1-E152-4A41-9335-275FF01A2F5B}" type="datetimeFigureOut">
               <a:rPr lang="en-US" smtClean="0"/>
-              <a:t>11/9/23</a:t>
+              <a:t>11/23/23</a:t>
             </a:fld>
             <a:endParaRPr lang="en-US"/>
           </a:p>
@@ -1849,7 +1849,7 @@
           <a:p>
             <a:fld id="{521F61A1-E152-4A41-9335-275FF01A2F5B}" type="datetimeFigureOut">
               <a:rPr lang="en-US" smtClean="0"/>
-              <a:t>11/9/23</a:t>
+              <a:t>11/23/23</a:t>
             </a:fld>
             <a:endParaRPr lang="en-US"/>
           </a:p>
@@ -1990,7 +1990,7 @@
           <a:p>
             <a:fld id="{521F61A1-E152-4A41-9335-275FF01A2F5B}" type="datetimeFigureOut">
               <a:rPr lang="en-US" smtClean="0"/>
-              <a:t>11/9/23</a:t>
+              <a:t>11/23/23</a:t>
             </a:fld>
             <a:endParaRPr lang="en-US"/>
           </a:p>
@@ -2103,7 +2103,7 @@
           <a:p>
             <a:fld id="{521F61A1-E152-4A41-9335-275FF01A2F5B}" type="datetimeFigureOut">
               <a:rPr lang="en-US" smtClean="0"/>
-              <a:t>11/9/23</a:t>
+              <a:t>11/23/23</a:t>
             </a:fld>
             <a:endParaRPr lang="en-US"/>
           </a:p>
@@ -2414,7 +2414,7 @@
           <a:p>
             <a:fld id="{521F61A1-E152-4A41-9335-275FF01A2F5B}" type="datetimeFigureOut">
               <a:rPr lang="en-US" smtClean="0"/>
-              <a:t>11/9/23</a:t>
+              <a:t>11/23/23</a:t>
             </a:fld>
             <a:endParaRPr lang="en-US"/>
           </a:p>
@@ -2702,7 +2702,7 @@
           <a:p>
             <a:fld id="{521F61A1-E152-4A41-9335-275FF01A2F5B}" type="datetimeFigureOut">
               <a:rPr lang="en-US" smtClean="0"/>
-              <a:t>11/9/23</a:t>
+              <a:t>11/23/23</a:t>
             </a:fld>
             <a:endParaRPr lang="en-US"/>
           </a:p>
@@ -2780,35 +2780,9 @@
   <p:cSld>
     <p:bg>
       <p:bgPr>
-        <a:gradFill>
-          <a:gsLst>
-            <a:gs pos="0">
-              <a:schemeClr val="accent1">
-                <a:lumMod val="5000"/>
-                <a:lumOff val="95000"/>
-              </a:schemeClr>
-            </a:gs>
-            <a:gs pos="74000">
-              <a:schemeClr val="accent1">
-                <a:lumMod val="45000"/>
-                <a:lumOff val="55000"/>
-              </a:schemeClr>
-            </a:gs>
-            <a:gs pos="83000">
-              <a:schemeClr val="accent1">
-                <a:lumMod val="45000"/>
-                <a:lumOff val="55000"/>
-              </a:schemeClr>
-            </a:gs>
-            <a:gs pos="100000">
-              <a:schemeClr val="accent1">
-                <a:lumMod val="30000"/>
-                <a:lumOff val="70000"/>
-              </a:schemeClr>
-            </a:gs>
-          </a:gsLst>
-          <a:lin ang="5400000" scaled="1"/>
-        </a:gradFill>
+        <a:solidFill>
+          <a:schemeClr val="bg1"/>
+        </a:solidFill>
         <a:effectLst/>
       </p:bgPr>
     </p:bg>
@@ -2972,7 +2946,7 @@
           <a:p>
             <a:fld id="{521F61A1-E152-4A41-9335-275FF01A2F5B}" type="datetimeFigureOut">
               <a:rPr lang="en-US" smtClean="0"/>
-              <a:t>11/9/23</a:t>
+              <a:t>11/23/23</a:t>
             </a:fld>
             <a:endParaRPr lang="en-US"/>
           </a:p>

--- a/content/pptxoutpt.pptx
+++ b/content/pptxoutpt.pptx
@@ -1456,6 +1456,47 @@
       </p:grpSpPr>
       <p:sp>
         <p:nvSpPr>
+          <p:cNvPr id="2" name="Title 1">
+            <a:extLst>
+              <a:ext uri="{FF2B5EF4-FFF2-40B4-BE49-F238E27FC236}">
+                <a16:creationId xmlns:a16="http://schemas.microsoft.com/office/drawing/2014/main" id="{C3CB3866-5705-B61D-51CB-5041E55BBBD9}"/>
+              </a:ext>
+            </a:extLst>
+          </p:cNvPr>
+          <p:cNvSpPr>
+            <a:spLocks noGrp="1"/>
+          </p:cNvSpPr>
+          <p:nvPr>
+            <p:ph type="title" hasCustomPrompt="1"/>
+          </p:nvPr>
+        </p:nvSpPr>
+        <p:spPr>
+          <a:xfrm>
+            <a:off x="1918010" y="136525"/>
+            <a:ext cx="9435790" cy="544513"/>
+          </a:xfrm>
+          <a:prstGeom prst="rect">
+            <a:avLst/>
+          </a:prstGeom>
+        </p:spPr>
+        <p:txBody>
+          <a:bodyPr/>
+          <a:lstStyle/>
+          <a:p>
+            <a:r>
+              <a:rPr lang="es-CO" sz="3200" b="1" dirty="0">
+                <a:solidFill>
+                  <a:sysClr val="windowText" lastClr="000000"/>
+                </a:solidFill>
+              </a:rPr>
+              <a:t>GESTIÓN DEL PROYECTO</a:t>
+            </a:r>
+            <a:endParaRPr lang="en-US" dirty="0"/>
+          </a:p>
+        </p:txBody>
+      </p:sp>
+      <p:sp>
+        <p:nvSpPr>
           <p:cNvPr id="3" name="Content Placeholder 2">
             <a:extLst>
               <a:ext uri="{FF2B5EF4-FFF2-40B4-BE49-F238E27FC236}">
@@ -1676,65 +1717,6 @@
               <a:t>‹#›</a:t>
             </a:fld>
             <a:endParaRPr lang="en-US"/>
-          </a:p>
-        </p:txBody>
-      </p:sp>
-      <p:sp>
-        <p:nvSpPr>
-          <p:cNvPr id="8" name="Title 1">
-            <a:extLst>
-              <a:ext uri="{FF2B5EF4-FFF2-40B4-BE49-F238E27FC236}">
-                <a16:creationId xmlns:a16="http://schemas.microsoft.com/office/drawing/2014/main" id="{A4A73477-6F49-F9A3-8A14-C90283DD5804}"/>
-              </a:ext>
-            </a:extLst>
-          </p:cNvPr>
-          <p:cNvSpPr txBox="1">
-            <a:spLocks/>
-          </p:cNvSpPr>
-          <p:nvPr userDrawn="1"/>
-        </p:nvSpPr>
-        <p:spPr>
-          <a:xfrm>
-            <a:off x="203200" y="149779"/>
-            <a:ext cx="11684000" cy="544513"/>
-          </a:xfrm>
-          <a:prstGeom prst="rect">
-            <a:avLst/>
-          </a:prstGeom>
-        </p:spPr>
-        <p:txBody>
-          <a:bodyPr vert="horz" lIns="91440" tIns="45720" rIns="91440" bIns="45720" rtlCol="0" anchor="ctr">
-            <a:normAutofit/>
-          </a:bodyPr>
-          <a:lstStyle>
-            <a:lvl1pPr algn="ctr" defTabSz="914400" rtl="0" eaLnBrk="1" latinLnBrk="0" hangingPunct="1">
-              <a:lnSpc>
-                <a:spcPct val="90000"/>
-              </a:lnSpc>
-              <a:spcBef>
-                <a:spcPct val="0"/>
-              </a:spcBef>
-              <a:buNone/>
-              <a:defRPr sz="2800" kern="1200">
-                <a:solidFill>
-                  <a:schemeClr val="tx1"/>
-                </a:solidFill>
-                <a:latin typeface="+mn-lt"/>
-                <a:ea typeface="+mj-ea"/>
-                <a:cs typeface="+mj-cs"/>
-              </a:defRPr>
-            </a:lvl1pPr>
-          </a:lstStyle>
-          <a:p>
-            <a:r>
-              <a:rPr lang="es-CO" b="1" dirty="0">
-                <a:solidFill>
-                  <a:sysClr val="windowText" lastClr="000000"/>
-                </a:solidFill>
-              </a:rPr>
-              <a:t>GESTIÓN DEL PROYECTO</a:t>
-            </a:r>
-            <a:endParaRPr lang="en-US" dirty="0"/>
           </a:p>
         </p:txBody>
       </p:sp>
@@ -3835,7 +3817,45 @@
           <a:chExt cx="0" cy="0"/>
         </a:xfrm>
       </p:grpSpPr>
-      <p:sp/>
+      <p:sp>
+        <p:nvSpPr>
+          <p:cNvPr id="2" name="Title 1">
+            <a:extLst>
+              <a:ext uri="{FF2B5EF4-FFF2-40B4-BE49-F238E27FC236}">
+                <a16:creationId xmlns:a16="http://schemas.microsoft.com/office/drawing/2014/main" id="{C3CB3866-5705-B61D-51CB-5041E55BBBD9}"/>
+              </a:ext>
+            </a:extLst>
+          </p:cNvPr>
+          <p:cNvSpPr>
+            <a:spLocks noGrp="1"/>
+          </p:cNvSpPr>
+          <p:nvPr>
+            <p:ph hasCustomPrompt="1" type="title"/>
+          </p:nvPr>
+        </p:nvSpPr>
+        <p:spPr>
+          <a:xfrm>
+            <a:off x="1918010" y="136525"/>
+            <a:ext cx="9435790" cy="544513"/>
+          </a:xfrm>
+          <a:prstGeom prst="rect">
+            <a:avLst/>
+          </a:prstGeom>
+        </p:spPr>
+        <p:txBody>
+          <a:bodyPr/>
+          <a:lstStyle/>
+          <a:p>
+            <a:pPr lvl="0" indent="0" marL="0">
+              <a:buNone/>
+            </a:pPr>
+            <a:r>
+              <a:rPr/>
+              <a:t>Diagrama de Arquitectura de Integración Continua, DevOps y Despliegues de Capas</a:t>
+            </a:r>
+          </a:p>
+        </p:txBody>
+      </p:sp>
       <p:pic>
         <p:nvPicPr>
           <p:cNvPr descr="fig:  images/Migracion.4.CI.png" id="0" name="Picture 1"/>
@@ -3961,7 +3981,45 @@
           <a:chExt cx="0" cy="0"/>
         </a:xfrm>
       </p:grpSpPr>
-      <p:sp/>
+      <p:sp>
+        <p:nvSpPr>
+          <p:cNvPr id="2" name="Title 1">
+            <a:extLst>
+              <a:ext uri="{FF2B5EF4-FFF2-40B4-BE49-F238E27FC236}">
+                <a16:creationId xmlns:a16="http://schemas.microsoft.com/office/drawing/2014/main" id="{C3CB3866-5705-B61D-51CB-5041E55BBBD9}"/>
+              </a:ext>
+            </a:extLst>
+          </p:cNvPr>
+          <p:cNvSpPr>
+            <a:spLocks noGrp="1"/>
+          </p:cNvSpPr>
+          <p:nvPr>
+            <p:ph hasCustomPrompt="1" type="title"/>
+          </p:nvPr>
+        </p:nvSpPr>
+        <p:spPr>
+          <a:xfrm>
+            <a:off x="1918010" y="136525"/>
+            <a:ext cx="9435790" cy="544513"/>
+          </a:xfrm>
+          <a:prstGeom prst="rect">
+            <a:avLst/>
+          </a:prstGeom>
+        </p:spPr>
+        <p:txBody>
+          <a:bodyPr/>
+          <a:lstStyle/>
+          <a:p>
+            <a:pPr lvl="0" indent="0" marL="0">
+              <a:buNone/>
+            </a:pPr>
+            <a:r>
+              <a:rPr/>
+              <a:t>Documento de Relación de Tecnologías y Licenciamiento</a:t>
+            </a:r>
+          </a:p>
+        </p:txBody>
+      </p:sp>
       <p:pic>
         <p:nvPicPr>
           <p:cNvPr descr="fig:  images/Migracion.5.Licenciamiento.png" id="0" name="Picture 1"/>
@@ -4212,7 +4270,45 @@
           <a:chExt cx="0" cy="0"/>
         </a:xfrm>
       </p:grpSpPr>
-      <p:sp/>
+      <p:sp>
+        <p:nvSpPr>
+          <p:cNvPr id="2" name="Title 1">
+            <a:extLst>
+              <a:ext uri="{FF2B5EF4-FFF2-40B4-BE49-F238E27FC236}">
+                <a16:creationId xmlns:a16="http://schemas.microsoft.com/office/drawing/2014/main" id="{C3CB3866-5705-B61D-51CB-5041E55BBBD9}"/>
+              </a:ext>
+            </a:extLst>
+          </p:cNvPr>
+          <p:cNvSpPr>
+            <a:spLocks noGrp="1"/>
+          </p:cNvSpPr>
+          <p:nvPr>
+            <p:ph hasCustomPrompt="1" type="title"/>
+          </p:nvPr>
+        </p:nvSpPr>
+        <p:spPr>
+          <a:xfrm>
+            <a:off x="1918010" y="136525"/>
+            <a:ext cx="9435790" cy="544513"/>
+          </a:xfrm>
+          <a:prstGeom prst="rect">
+            <a:avLst/>
+          </a:prstGeom>
+        </p:spPr>
+        <p:txBody>
+          <a:bodyPr/>
+          <a:lstStyle/>
+          <a:p>
+            <a:pPr lvl="0" indent="0" marL="0">
+              <a:buNone/>
+            </a:pPr>
+            <a:r>
+              <a:rPr/>
+              <a:t>Diagrama Modelo de Datos Conceptual</a:t>
+            </a:r>
+          </a:p>
+        </p:txBody>
+      </p:sp>
       <p:pic>
         <p:nvPicPr>
           <p:cNvPr descr="fig:  images/Migracion.2a.a1.DatosInformación.png" id="0" name="Picture 1"/>
@@ -4389,7 +4485,45 @@
           <a:chExt cx="0" cy="0"/>
         </a:xfrm>
       </p:grpSpPr>
-      <p:sp/>
+      <p:sp>
+        <p:nvSpPr>
+          <p:cNvPr id="2" name="Title 1">
+            <a:extLst>
+              <a:ext uri="{FF2B5EF4-FFF2-40B4-BE49-F238E27FC236}">
+                <a16:creationId xmlns:a16="http://schemas.microsoft.com/office/drawing/2014/main" id="{C3CB3866-5705-B61D-51CB-5041E55BBBD9}"/>
+              </a:ext>
+            </a:extLst>
+          </p:cNvPr>
+          <p:cNvSpPr>
+            <a:spLocks noGrp="1"/>
+          </p:cNvSpPr>
+          <p:nvPr>
+            <p:ph hasCustomPrompt="1" type="title"/>
+          </p:nvPr>
+        </p:nvSpPr>
+        <p:spPr>
+          <a:xfrm>
+            <a:off x="1918010" y="136525"/>
+            <a:ext cx="9435790" cy="544513"/>
+          </a:xfrm>
+          <a:prstGeom prst="rect">
+            <a:avLst/>
+          </a:prstGeom>
+        </p:spPr>
+        <p:txBody>
+          <a:bodyPr/>
+          <a:lstStyle/>
+          <a:p>
+            <a:pPr lvl="0" indent="0" marL="0">
+              <a:buNone/>
+            </a:pPr>
+            <a:r>
+              <a:rPr/>
+              <a:t>Diagrama Modelo de Datos Físico (diagramas entidad-relación)</a:t>
+            </a:r>
+          </a:p>
+        </p:txBody>
+      </p:sp>
       <p:pic>
         <p:nvPicPr>
           <p:cNvPr descr="fig:  images/ER-SIU.png" id="0" name="Picture 1"/>
@@ -4524,7 +4658,45 @@
           <a:chExt cx="0" cy="0"/>
         </a:xfrm>
       </p:grpSpPr>
-      <p:sp/>
+      <p:sp>
+        <p:nvSpPr>
+          <p:cNvPr id="2" name="Title 1">
+            <a:extLst>
+              <a:ext uri="{FF2B5EF4-FFF2-40B4-BE49-F238E27FC236}">
+                <a16:creationId xmlns:a16="http://schemas.microsoft.com/office/drawing/2014/main" id="{C3CB3866-5705-B61D-51CB-5041E55BBBD9}"/>
+              </a:ext>
+            </a:extLst>
+          </p:cNvPr>
+          <p:cNvSpPr>
+            <a:spLocks noGrp="1"/>
+          </p:cNvSpPr>
+          <p:nvPr>
+            <p:ph hasCustomPrompt="1" type="title"/>
+          </p:nvPr>
+        </p:nvSpPr>
+        <p:spPr>
+          <a:xfrm>
+            <a:off x="1918010" y="136525"/>
+            <a:ext cx="9435790" cy="544513"/>
+          </a:xfrm>
+          <a:prstGeom prst="rect">
+            <a:avLst/>
+          </a:prstGeom>
+        </p:spPr>
+        <p:txBody>
+          <a:bodyPr/>
+          <a:lstStyle/>
+          <a:p>
+            <a:pPr lvl="0" indent="0" marL="0">
+              <a:buNone/>
+            </a:pPr>
+            <a:r>
+              <a:rPr/>
+              <a:t>Diagrama Modelo de Datos Lógico</a:t>
+            </a:r>
+          </a:p>
+        </p:txBody>
+      </p:sp>
       <p:pic>
         <p:nvPicPr>
           <p:cNvPr descr="fig:  images/Migracion.2c1.DatosSIM.png" id="0" name="Picture 1"/>
@@ -4798,7 +4970,45 @@
           <a:chExt cx="0" cy="0"/>
         </a:xfrm>
       </p:grpSpPr>
-      <p:sp/>
+      <p:sp>
+        <p:nvSpPr>
+          <p:cNvPr id="2" name="Title 1">
+            <a:extLst>
+              <a:ext uri="{FF2B5EF4-FFF2-40B4-BE49-F238E27FC236}">
+                <a16:creationId xmlns:a16="http://schemas.microsoft.com/office/drawing/2014/main" id="{C3CB3866-5705-B61D-51CB-5041E55BBBD9}"/>
+              </a:ext>
+            </a:extLst>
+          </p:cNvPr>
+          <p:cNvSpPr>
+            <a:spLocks noGrp="1"/>
+          </p:cNvSpPr>
+          <p:nvPr>
+            <p:ph hasCustomPrompt="1" type="title"/>
+          </p:nvPr>
+        </p:nvSpPr>
+        <p:spPr>
+          <a:xfrm>
+            <a:off x="1918010" y="136525"/>
+            <a:ext cx="9435790" cy="544513"/>
+          </a:xfrm>
+          <a:prstGeom prst="rect">
+            <a:avLst/>
+          </a:prstGeom>
+        </p:spPr>
+        <p:txBody>
+          <a:bodyPr/>
+          <a:lstStyle/>
+          <a:p>
+            <a:pPr lvl="0" indent="0" marL="0">
+              <a:buNone/>
+            </a:pPr>
+            <a:r>
+              <a:rPr/>
+              <a:t>Diagrama de Arquitectura de la Solución Propuesta: vista de integración</a:t>
+            </a:r>
+          </a:p>
+        </p:txBody>
+      </p:sp>
       <p:pic>
         <p:nvPicPr>
           <p:cNvPr descr="fig:  images/Migracion.1a.b.SIUContextoMódulos.png" id="0" name="Picture 1"/>
@@ -4912,7 +5122,45 @@
           <a:chExt cx="0" cy="0"/>
         </a:xfrm>
       </p:grpSpPr>
-      <p:sp/>
+      <p:sp>
+        <p:nvSpPr>
+          <p:cNvPr id="2" name="Title 1">
+            <a:extLst>
+              <a:ext uri="{FF2B5EF4-FFF2-40B4-BE49-F238E27FC236}">
+                <a16:creationId xmlns:a16="http://schemas.microsoft.com/office/drawing/2014/main" id="{C3CB3866-5705-B61D-51CB-5041E55BBBD9}"/>
+              </a:ext>
+            </a:extLst>
+          </p:cNvPr>
+          <p:cNvSpPr>
+            <a:spLocks noGrp="1"/>
+          </p:cNvSpPr>
+          <p:nvPr>
+            <p:ph hasCustomPrompt="1" type="title"/>
+          </p:nvPr>
+        </p:nvSpPr>
+        <p:spPr>
+          <a:xfrm>
+            <a:off x="1918010" y="136525"/>
+            <a:ext cx="9435790" cy="544513"/>
+          </a:xfrm>
+          <a:prstGeom prst="rect">
+            <a:avLst/>
+          </a:prstGeom>
+        </p:spPr>
+        <p:txBody>
+          <a:bodyPr/>
+          <a:lstStyle/>
+          <a:p>
+            <a:pPr lvl="0" indent="0" marL="0">
+              <a:buNone/>
+            </a:pPr>
+            <a:r>
+              <a:rPr/>
+              <a:t>Diagrama de Arquitectura de la solución propuesta: vista física</a:t>
+            </a:r>
+          </a:p>
+        </p:txBody>
+      </p:sp>
       <p:pic>
         <p:nvPicPr>
           <p:cNvPr descr="fig:  images/Lineabase.0.SIUAplicación.Física.png" id="0" name="Picture 1"/>
@@ -5026,7 +5274,45 @@
           <a:chExt cx="0" cy="0"/>
         </a:xfrm>
       </p:grpSpPr>
-      <p:sp/>
+      <p:sp>
+        <p:nvSpPr>
+          <p:cNvPr id="2" name="Title 1">
+            <a:extLst>
+              <a:ext uri="{FF2B5EF4-FFF2-40B4-BE49-F238E27FC236}">
+                <a16:creationId xmlns:a16="http://schemas.microsoft.com/office/drawing/2014/main" id="{C3CB3866-5705-B61D-51CB-5041E55BBBD9}"/>
+              </a:ext>
+            </a:extLst>
+          </p:cNvPr>
+          <p:cNvSpPr>
+            <a:spLocks noGrp="1"/>
+          </p:cNvSpPr>
+          <p:nvPr>
+            <p:ph hasCustomPrompt="1" type="title"/>
+          </p:nvPr>
+        </p:nvSpPr>
+        <p:spPr>
+          <a:xfrm>
+            <a:off x="1918010" y="136525"/>
+            <a:ext cx="9435790" cy="544513"/>
+          </a:xfrm>
+          <a:prstGeom prst="rect">
+            <a:avLst/>
+          </a:prstGeom>
+        </p:spPr>
+        <p:txBody>
+          <a:bodyPr/>
+          <a:lstStyle/>
+          <a:p>
+            <a:pPr lvl="0" indent="0" marL="0">
+              <a:buNone/>
+            </a:pPr>
+            <a:r>
+              <a:rPr/>
+              <a:t>Diagrama de Arquitectura de la Solución Propuesta: motivadores del negocio</a:t>
+            </a:r>
+          </a:p>
+        </p:txBody>
+      </p:sp>
       <p:pic>
         <p:nvPicPr>
           <p:cNvPr descr="fig:  images/Migracion.1a.a.SIUContextoMódulo.png" id="0" name="Picture 1"/>
@@ -5140,7 +5426,45 @@
           <a:chExt cx="0" cy="0"/>
         </a:xfrm>
       </p:grpSpPr>
-      <p:sp/>
+      <p:sp>
+        <p:nvSpPr>
+          <p:cNvPr id="2" name="Title 1">
+            <a:extLst>
+              <a:ext uri="{FF2B5EF4-FFF2-40B4-BE49-F238E27FC236}">
+                <a16:creationId xmlns:a16="http://schemas.microsoft.com/office/drawing/2014/main" id="{C3CB3866-5705-B61D-51CB-5041E55BBBD9}"/>
+              </a:ext>
+            </a:extLst>
+          </p:cNvPr>
+          <p:cNvSpPr>
+            <a:spLocks noGrp="1"/>
+          </p:cNvSpPr>
+          <p:nvPr>
+            <p:ph hasCustomPrompt="1" type="title"/>
+          </p:nvPr>
+        </p:nvSpPr>
+        <p:spPr>
+          <a:xfrm>
+            <a:off x="1918010" y="136525"/>
+            <a:ext cx="9435790" cy="544513"/>
+          </a:xfrm>
+          <a:prstGeom prst="rect">
+            <a:avLst/>
+          </a:prstGeom>
+        </p:spPr>
+        <p:txBody>
+          <a:bodyPr/>
+          <a:lstStyle/>
+          <a:p>
+            <a:pPr lvl="0" indent="0" marL="0">
+              <a:buNone/>
+            </a:pPr>
+            <a:r>
+              <a:rPr/>
+              <a:t>Diagrama de Arquitectura de la Solución Propuesta: interoperabilidad</a:t>
+            </a:r>
+          </a:p>
+        </p:txBody>
+      </p:sp>
       <p:pic>
         <p:nvPicPr>
           <p:cNvPr descr="fig:  images/Migracion.1c.SIUMódulosColaboración.png" id="0" name="Picture 1"/>
@@ -5266,7 +5590,45 @@
           <a:chExt cx="0" cy="0"/>
         </a:xfrm>
       </p:grpSpPr>
-      <p:sp/>
+      <p:sp>
+        <p:nvSpPr>
+          <p:cNvPr id="2" name="Title 1">
+            <a:extLst>
+              <a:ext uri="{FF2B5EF4-FFF2-40B4-BE49-F238E27FC236}">
+                <a16:creationId xmlns:a16="http://schemas.microsoft.com/office/drawing/2014/main" id="{C3CB3866-5705-B61D-51CB-5041E55BBBD9}"/>
+              </a:ext>
+            </a:extLst>
+          </p:cNvPr>
+          <p:cNvSpPr>
+            <a:spLocks noGrp="1"/>
+          </p:cNvSpPr>
+          <p:nvPr>
+            <p:ph hasCustomPrompt="1" type="title"/>
+          </p:nvPr>
+        </p:nvSpPr>
+        <p:spPr>
+          <a:xfrm>
+            <a:off x="1918010" y="136525"/>
+            <a:ext cx="9435790" cy="544513"/>
+          </a:xfrm>
+          <a:prstGeom prst="rect">
+            <a:avLst/>
+          </a:prstGeom>
+        </p:spPr>
+        <p:txBody>
+          <a:bodyPr/>
+          <a:lstStyle/>
+          <a:p>
+            <a:pPr lvl="0" indent="0" marL="0">
+              <a:buNone/>
+            </a:pPr>
+            <a:r>
+              <a:rPr/>
+              <a:t>Diagrama de Arquitectura de la Solución Propuesta: gestión de autenticación, usuarios y roles</a:t>
+            </a:r>
+          </a:p>
+        </p:txBody>
+      </p:sp>
       <p:pic>
         <p:nvPicPr>
           <p:cNvPr descr="fig:  images/Seguridad.2.Lineabase.0.SIUAplicación.png" id="0" name="Picture 1"/>
@@ -5413,7 +5775,45 @@
           <a:chExt cx="0" cy="0"/>
         </a:xfrm>
       </p:grpSpPr>
-      <p:sp/>
+      <p:sp>
+        <p:nvSpPr>
+          <p:cNvPr id="2" name="Title 1">
+            <a:extLst>
+              <a:ext uri="{FF2B5EF4-FFF2-40B4-BE49-F238E27FC236}">
+                <a16:creationId xmlns:a16="http://schemas.microsoft.com/office/drawing/2014/main" id="{C3CB3866-5705-B61D-51CB-5041E55BBBD9}"/>
+              </a:ext>
+            </a:extLst>
+          </p:cNvPr>
+          <p:cNvSpPr>
+            <a:spLocks noGrp="1"/>
+          </p:cNvSpPr>
+          <p:nvPr>
+            <p:ph hasCustomPrompt="1" type="title"/>
+          </p:nvPr>
+        </p:nvSpPr>
+        <p:spPr>
+          <a:xfrm>
+            <a:off x="1918010" y="136525"/>
+            <a:ext cx="9435790" cy="544513"/>
+          </a:xfrm>
+          <a:prstGeom prst="rect">
+            <a:avLst/>
+          </a:prstGeom>
+        </p:spPr>
+        <p:txBody>
+          <a:bodyPr/>
+          <a:lstStyle/>
+          <a:p>
+            <a:pPr lvl="0" indent="0" marL="0">
+              <a:buNone/>
+            </a:pPr>
+            <a:r>
+              <a:rPr/>
+              <a:t>Diagrama de Clases y Componentes de Solución (a)</a:t>
+            </a:r>
+          </a:p>
+        </p:txBody>
+      </p:sp>
       <p:pic>
         <p:nvPicPr>
           <p:cNvPr descr="fig:  images/Migracion.1b.1.SIUMódulosComponentes.png" id="0" name="Picture 1"/>
@@ -5539,7 +5939,45 @@
           <a:chExt cx="0" cy="0"/>
         </a:xfrm>
       </p:grpSpPr>
-      <p:sp/>
+      <p:sp>
+        <p:nvSpPr>
+          <p:cNvPr id="2" name="Title 1">
+            <a:extLst>
+              <a:ext uri="{FF2B5EF4-FFF2-40B4-BE49-F238E27FC236}">
+                <a16:creationId xmlns:a16="http://schemas.microsoft.com/office/drawing/2014/main" id="{C3CB3866-5705-B61D-51CB-5041E55BBBD9}"/>
+              </a:ext>
+            </a:extLst>
+          </p:cNvPr>
+          <p:cNvSpPr>
+            <a:spLocks noGrp="1"/>
+          </p:cNvSpPr>
+          <p:nvPr>
+            <p:ph hasCustomPrompt="1" type="title"/>
+          </p:nvPr>
+        </p:nvSpPr>
+        <p:spPr>
+          <a:xfrm>
+            <a:off x="1918010" y="136525"/>
+            <a:ext cx="9435790" cy="544513"/>
+          </a:xfrm>
+          <a:prstGeom prst="rect">
+            <a:avLst/>
+          </a:prstGeom>
+        </p:spPr>
+        <p:txBody>
+          <a:bodyPr/>
+          <a:lstStyle/>
+          <a:p>
+            <a:pPr lvl="0" indent="0" marL="0">
+              <a:buNone/>
+            </a:pPr>
+            <a:r>
+              <a:rPr/>
+              <a:t>Diagrama de Clases y Componentes de Solución (b)</a:t>
+            </a:r>
+          </a:p>
+        </p:txBody>
+      </p:sp>
       <p:pic>
         <p:nvPicPr>
           <p:cNvPr descr="fig:  images/Migracion.1b.3.SIUMódulosClases.png" id="0" name="Picture 1"/>

--- a/content/pptxoutpt.pptx
+++ b/content/pptxoutpt.pptx
@@ -118,12 +118,25 @@
       </a:defRPr>
     </a:lvl9pPr>
   </p:defaultTextStyle>
+  <p:extLst>
+    <p:ext uri="{EFAFB233-063F-42B5-8137-9DF3F51BA10A}">
+      <p15:sldGuideLst xmlns:p15="http://schemas.microsoft.com/office/powerpoint/2012/main"/>
+    </p:ext>
+  </p:extLst>
 </p:presentation>
 </file>
 
 <file path=ppt/slideLayouts/slideLayout1.xml><?xml version="1.0" encoding="utf-8"?>
 <p:sldLayout xmlns:a="http://schemas.openxmlformats.org/drawingml/2006/main" xmlns:r="http://schemas.openxmlformats.org/officeDocument/2006/relationships" xmlns:p="http://schemas.openxmlformats.org/presentationml/2006/main" type="title" preserve="1">
   <p:cSld name="Title Slide">
+    <p:bg>
+      <p:bgPr>
+        <a:solidFill>
+          <a:schemeClr val="tx1"/>
+        </a:solidFill>
+        <a:effectLst/>
+      </p:bgPr>
+    </p:bg>
     <p:spTree>
       <p:nvGrpSpPr>
         <p:cNvPr id="1" name=""/>
@@ -164,15 +177,28 @@
           <a:bodyPr anchor="b"/>
           <a:lstStyle>
             <a:lvl1pPr algn="ctr">
-              <a:defRPr sz="6000"/>
+              <a:defRPr kumimoji="0" lang="es-ES_tradnl" sz="6000" b="0" i="0" u="none" strike="noStrike" kern="1200" cap="none" spc="0" normalizeH="0" baseline="0" dirty="0">
+                <a:ln>
+                  <a:noFill/>
+                </a:ln>
+                <a:solidFill>
+                  <a:srgbClr val="E0287A"/>
+                </a:solidFill>
+                <a:effectLst/>
+                <a:uLnTx/>
+                <a:uFillTx/>
+                <a:latin typeface="Arial Rounded MT Bold"/>
+                <a:ea typeface="+mj-ea"/>
+                <a:cs typeface="+mj-cs"/>
+              </a:defRPr>
             </a:lvl1pPr>
           </a:lstStyle>
           <a:p>
             <a:r>
-              <a:rPr lang="en-US"/>
+              <a:rPr lang="en-US" dirty="0"/>
               <a:t>Click to edit Master title style</a:t>
             </a:r>
-            <a:endParaRPr lang="es-ES_tradnl"/>
+            <a:endParaRPr lang="es-ES_tradnl" dirty="0"/>
           </a:p>
         </p:txBody>
       </p:sp>
@@ -993,18 +1019,33 @@
           </a:xfrm>
         </p:spPr>
         <p:txBody>
-          <a:bodyPr anchor="b"/>
+          <a:bodyPr anchor="b">
+            <a:normAutofit/>
+          </a:bodyPr>
           <a:lstStyle>
             <a:lvl1pPr>
-              <a:defRPr sz="6000"/>
+              <a:defRPr kumimoji="0" lang="es-ES_tradnl" sz="6000" b="0" i="0" u="none" strike="noStrike" kern="1200" cap="none" spc="0" normalizeH="0" baseline="0" dirty="0">
+                <a:ln>
+                  <a:noFill/>
+                </a:ln>
+                <a:solidFill>
+                  <a:srgbClr val="E0287A"/>
+                </a:solidFill>
+                <a:effectLst/>
+                <a:uLnTx/>
+                <a:uFillTx/>
+                <a:latin typeface="Arial Rounded MT Bold"/>
+                <a:ea typeface="+mj-ea"/>
+                <a:cs typeface="+mj-cs"/>
+              </a:defRPr>
             </a:lvl1pPr>
           </a:lstStyle>
           <a:p>
             <a:r>
-              <a:rPr lang="en-US"/>
+              <a:rPr lang="en-US" dirty="0"/>
               <a:t>Click to edit Master title style</a:t>
             </a:r>
-            <a:endParaRPr lang="es-ES_tradnl"/>
+            <a:endParaRPr lang="es-ES_tradnl" dirty="0"/>
           </a:p>
         </p:txBody>
       </p:sp>
@@ -1274,10 +1315,10 @@
           </a:lstStyle>
           <a:p>
             <a:r>
-              <a:rPr lang="en-US"/>
+              <a:rPr lang="en-US" dirty="0"/>
               <a:t>Click to edit Master title style</a:t>
             </a:r>
-            <a:endParaRPr lang="es-ES_tradnl"/>
+            <a:endParaRPr lang="es-ES_tradnl" dirty="0"/>
           </a:p>
         </p:txBody>
       </p:sp>
@@ -1957,10 +1998,10 @@
           <a:lstStyle/>
           <a:p>
             <a:r>
-              <a:rPr lang="en-US"/>
+              <a:rPr lang="en-US" dirty="0"/>
               <a:t>Click to edit Master title style</a:t>
             </a:r>
-            <a:endParaRPr lang="es-ES_tradnl"/>
+            <a:endParaRPr lang="es-ES_tradnl" dirty="0"/>
           </a:p>
         </p:txBody>
       </p:sp>
@@ -2221,10 +2262,10 @@
           </a:lstStyle>
           <a:p>
             <a:r>
-              <a:rPr lang="en-US"/>
+              <a:rPr lang="en-US" dirty="0"/>
               <a:t>Click to edit Master title style</a:t>
             </a:r>
-            <a:endParaRPr lang="es-ES_tradnl"/>
+            <a:endParaRPr lang="es-ES_tradnl" dirty="0"/>
           </a:p>
         </p:txBody>
       </p:sp>
@@ -2815,8 +2856,8 @@
         </p:nvSpPr>
         <p:spPr>
           <a:xfrm>
-            <a:off x="838200" y="365125"/>
-            <a:ext cx="10515600" cy="1325563"/>
+            <a:off x="838200" y="68264"/>
+            <a:ext cx="10515600" cy="563562"/>
           </a:xfrm>
           <a:prstGeom prst="rect">
             <a:avLst/>
@@ -2824,15 +2865,15 @@
         </p:spPr>
         <p:txBody>
           <a:bodyPr anchor="ctr" bIns="45720" lIns="91440" rIns="91440" rtlCol="0" tIns="45720" vert="horz">
-            <a:normAutofit/>
+            <a:noAutofit/>
           </a:bodyPr>
           <a:lstStyle/>
           <a:p>
             <a:r>
-              <a:rPr lang="en-US"/>
+              <a:rPr dirty="0" lang="en-US"/>
               <a:t>Click to edit Master title style</a:t>
             </a:r>
-            <a:endParaRPr lang="es-ES_tradnl"/>
+            <a:endParaRPr dirty="0" lang="es-ES_tradnl"/>
           </a:p>
         </p:txBody>
       </p:sp>
@@ -3041,6 +3082,75 @@
           </a:p>
         </p:txBody>
       </p:sp>
+      <p:cxnSp>
+        <p:nvCxnSpPr>
+          <p:cNvPr id="7" name="Conector recto 8">
+            <a:extLst>
+              <a:ext uri="{FF2B5EF4-FFF2-40B4-BE49-F238E27FC236}">
+                <a16:creationId xmlns:a16="http://schemas.microsoft.com/office/drawing/2014/main" id="{FA7CE3D9-7CF8-667A-08D4-C7B2818A43DD}"/>
+              </a:ext>
+            </a:extLst>
+          </p:cNvPr>
+          <p:cNvCxnSpPr>
+            <a:cxnSpLocks/>
+          </p:cNvCxnSpPr>
+          <p:nvPr userDrawn="1"/>
+        </p:nvCxnSpPr>
+        <p:spPr>
+          <a:xfrm flipV="1">
+            <a:off x="342900" y="685798"/>
+            <a:ext cx="11514138" cy="1"/>
+          </a:xfrm>
+          <a:prstGeom prst="line">
+            <a:avLst/>
+          </a:prstGeom>
+          <a:ln w="28575"/>
+        </p:spPr>
+        <p:style>
+          <a:lnRef idx="1">
+            <a:schemeClr val="accent2"/>
+          </a:lnRef>
+          <a:fillRef idx="0">
+            <a:schemeClr val="accent2"/>
+          </a:fillRef>
+          <a:effectRef idx="0">
+            <a:schemeClr val="accent2"/>
+          </a:effectRef>
+          <a:fontRef idx="minor">
+            <a:schemeClr val="tx1"/>
+          </a:fontRef>
+        </p:style>
+      </p:cxnSp>
+      <p:pic>
+        <p:nvPicPr>
+          <p:cNvPr descr="Imagen que contiene Logotipo  Descripción generada automáticamente" id="8" name="Imagen 2">
+            <a:extLst>
+              <a:ext uri="{FF2B5EF4-FFF2-40B4-BE49-F238E27FC236}">
+                <a16:creationId xmlns:a16="http://schemas.microsoft.com/office/drawing/2014/main" id="{8ABF1EFF-BEA6-E82B-E081-A04EED7D1735}"/>
+              </a:ext>
+            </a:extLst>
+          </p:cNvPr>
+          <p:cNvPicPr>
+            <a:picLocks noChangeAspect="1"/>
+          </p:cNvPicPr>
+          <p:nvPr userDrawn="1"/>
+        </p:nvPicPr>
+        <p:blipFill>
+          <a:blip r:embed="rId13"/>
+          <a:stretch>
+            <a:fillRect/>
+          </a:stretch>
+        </p:blipFill>
+        <p:spPr>
+          <a:xfrm>
+            <a:off x="9774043" y="5840772"/>
+            <a:ext cx="2417957" cy="1090632"/>
+          </a:xfrm>
+          <a:prstGeom prst="rect">
+            <a:avLst/>
+          </a:prstGeom>
+        </p:spPr>
+      </p:pic>
     </p:spTree>
     <p:extLst>
       <p:ext uri="{BB962C8B-B14F-4D97-AF65-F5344CB8AC3E}">
@@ -3072,11 +3182,11 @@
           <a:spcPct val="0"/>
         </a:spcBef>
         <a:buNone/>
-        <a:defRPr kern="1200" sz="4400">
+        <a:defRPr kern="1200" sz="3600">
           <a:solidFill>
             <a:schemeClr val="tx1"/>
           </a:solidFill>
-          <a:latin typeface="+mj-lt"/>
+          <a:latin typeface="+mn-lt"/>
           <a:ea typeface="+mj-ea"/>
           <a:cs typeface="+mj-cs"/>
         </a:defRPr>

--- a/content/pptxoutpt.pptx
+++ b/content/pptxoutpt.pptx
@@ -177,7 +177,7 @@
           <a:bodyPr anchor="b"/>
           <a:lstStyle>
             <a:lvl1pPr algn="ctr">
-              <a:defRPr kumimoji="0" lang="es-ES_tradnl" sz="6000" b="0" i="0" u="none" strike="noStrike" kern="1200" cap="none" spc="0" normalizeH="0" baseline="0" dirty="0">
+              <a:defRPr kumimoji="0" lang="es-ES_tradnl" sz="4000" b="0" i="0" u="none" strike="noStrike" kern="1200" cap="none" spc="0" normalizeH="0" baseline="0" dirty="0">
                 <a:ln>
                   <a:noFill/>
                 </a:ln>
@@ -229,7 +229,11 @@
           <a:lstStyle>
             <a:lvl1pPr marL="0" indent="0" algn="ctr">
               <a:buNone/>
-              <a:defRPr sz="2400"/>
+              <a:defRPr sz="2400">
+                <a:solidFill>
+                  <a:schemeClr val="bg1"/>
+                </a:solidFill>
+              </a:defRPr>
             </a:lvl1pPr>
             <a:lvl2pPr marL="457200" indent="0" algn="ctr">
               <a:buNone/>
@@ -556,6 +560,45 @@
           </a:p>
         </p:txBody>
       </p:sp>
+      <p:cxnSp>
+        <p:nvCxnSpPr>
+          <p:cNvPr id="7" name="Conector recto 8">
+            <a:extLst>
+              <a:ext uri="{FF2B5EF4-FFF2-40B4-BE49-F238E27FC236}">
+                <a16:creationId xmlns:a16="http://schemas.microsoft.com/office/drawing/2014/main" id="{29CDE70E-0C5A-939A-ABED-23A3A539B1A8}"/>
+              </a:ext>
+            </a:extLst>
+          </p:cNvPr>
+          <p:cNvCxnSpPr>
+            <a:cxnSpLocks/>
+          </p:cNvCxnSpPr>
+          <p:nvPr userDrawn="1"/>
+        </p:nvCxnSpPr>
+        <p:spPr>
+          <a:xfrm flipV="1">
+            <a:off x="342900" y="685798"/>
+            <a:ext cx="11514138" cy="1"/>
+          </a:xfrm>
+          <a:prstGeom prst="line">
+            <a:avLst/>
+          </a:prstGeom>
+          <a:ln w="28575"/>
+        </p:spPr>
+        <p:style>
+          <a:lnRef idx="1">
+            <a:schemeClr val="accent2"/>
+          </a:lnRef>
+          <a:fillRef idx="0">
+            <a:schemeClr val="accent2"/>
+          </a:fillRef>
+          <a:effectRef idx="0">
+            <a:schemeClr val="accent2"/>
+          </a:effectRef>
+          <a:fontRef idx="minor">
+            <a:schemeClr val="tx1"/>
+          </a:fontRef>
+        </p:style>
+      </p:cxnSp>
     </p:spTree>
     <p:extLst>
       <p:ext uri="{BB962C8B-B14F-4D97-AF65-F5344CB8AC3E}">
@@ -966,6 +1009,45 @@
           </a:p>
         </p:txBody>
       </p:sp>
+      <p:cxnSp>
+        <p:nvCxnSpPr>
+          <p:cNvPr id="7" name="Conector recto 8">
+            <a:extLst>
+              <a:ext uri="{FF2B5EF4-FFF2-40B4-BE49-F238E27FC236}">
+                <a16:creationId xmlns:a16="http://schemas.microsoft.com/office/drawing/2014/main" id="{08837630-1E38-046F-A401-9257C2E3BDBC}"/>
+              </a:ext>
+            </a:extLst>
+          </p:cNvPr>
+          <p:cNvCxnSpPr>
+            <a:cxnSpLocks/>
+          </p:cNvCxnSpPr>
+          <p:nvPr userDrawn="1"/>
+        </p:nvCxnSpPr>
+        <p:spPr>
+          <a:xfrm flipV="1">
+            <a:off x="342900" y="685798"/>
+            <a:ext cx="11514138" cy="1"/>
+          </a:xfrm>
+          <a:prstGeom prst="line">
+            <a:avLst/>
+          </a:prstGeom>
+          <a:ln w="28575"/>
+        </p:spPr>
+        <p:style>
+          <a:lnRef idx="1">
+            <a:schemeClr val="accent2"/>
+          </a:lnRef>
+          <a:fillRef idx="0">
+            <a:schemeClr val="accent2"/>
+          </a:fillRef>
+          <a:effectRef idx="0">
+            <a:schemeClr val="accent2"/>
+          </a:effectRef>
+          <a:fontRef idx="minor">
+            <a:schemeClr val="tx1"/>
+          </a:fontRef>
+        </p:style>
+      </p:cxnSp>
     </p:spTree>
     <p:extLst>
       <p:ext uri="{BB962C8B-B14F-4D97-AF65-F5344CB8AC3E}">
@@ -1531,6 +1613,45 @@
           </a:p>
         </p:txBody>
       </p:sp>
+      <p:cxnSp>
+        <p:nvCxnSpPr>
+          <p:cNvPr id="8" name="Conector recto 8">
+            <a:extLst>
+              <a:ext uri="{FF2B5EF4-FFF2-40B4-BE49-F238E27FC236}">
+                <a16:creationId xmlns:a16="http://schemas.microsoft.com/office/drawing/2014/main" id="{7F0AA4A1-86BE-8D2A-58AE-6D5D90243D20}"/>
+              </a:ext>
+            </a:extLst>
+          </p:cNvPr>
+          <p:cNvCxnSpPr>
+            <a:cxnSpLocks/>
+          </p:cNvCxnSpPr>
+          <p:nvPr userDrawn="1"/>
+        </p:nvCxnSpPr>
+        <p:spPr>
+          <a:xfrm flipV="1">
+            <a:off x="342900" y="685798"/>
+            <a:ext cx="11514138" cy="1"/>
+          </a:xfrm>
+          <a:prstGeom prst="line">
+            <a:avLst/>
+          </a:prstGeom>
+          <a:ln w="28575"/>
+        </p:spPr>
+        <p:style>
+          <a:lnRef idx="1">
+            <a:schemeClr val="accent2"/>
+          </a:lnRef>
+          <a:fillRef idx="0">
+            <a:schemeClr val="accent2"/>
+          </a:fillRef>
+          <a:effectRef idx="0">
+            <a:schemeClr val="accent2"/>
+          </a:effectRef>
+          <a:fontRef idx="minor">
+            <a:schemeClr val="tx1"/>
+          </a:fontRef>
+        </p:style>
+      </p:cxnSp>
     </p:spTree>
     <p:extLst>
       <p:ext uri="{BB962C8B-B14F-4D97-AF65-F5344CB8AC3E}">
@@ -1946,6 +2067,45 @@
           </a:p>
         </p:txBody>
       </p:sp>
+      <p:cxnSp>
+        <p:nvCxnSpPr>
+          <p:cNvPr id="10" name="Conector recto 8">
+            <a:extLst>
+              <a:ext uri="{FF2B5EF4-FFF2-40B4-BE49-F238E27FC236}">
+                <a16:creationId xmlns:a16="http://schemas.microsoft.com/office/drawing/2014/main" id="{2DC66339-2A8A-4150-8A11-5A5917737DA7}"/>
+              </a:ext>
+            </a:extLst>
+          </p:cNvPr>
+          <p:cNvCxnSpPr>
+            <a:cxnSpLocks/>
+          </p:cNvCxnSpPr>
+          <p:nvPr userDrawn="1"/>
+        </p:nvCxnSpPr>
+        <p:spPr>
+          <a:xfrm flipV="1">
+            <a:off x="342900" y="685798"/>
+            <a:ext cx="11514138" cy="1"/>
+          </a:xfrm>
+          <a:prstGeom prst="line">
+            <a:avLst/>
+          </a:prstGeom>
+          <a:ln w="28575"/>
+        </p:spPr>
+        <p:style>
+          <a:lnRef idx="1">
+            <a:schemeClr val="accent2"/>
+          </a:lnRef>
+          <a:fillRef idx="0">
+            <a:schemeClr val="accent2"/>
+          </a:fillRef>
+          <a:effectRef idx="0">
+            <a:schemeClr val="accent2"/>
+          </a:effectRef>
+          <a:fontRef idx="minor">
+            <a:schemeClr val="tx1"/>
+          </a:fontRef>
+        </p:style>
+      </p:cxnSp>
     </p:spTree>
     <p:extLst>
       <p:ext uri="{BB962C8B-B14F-4D97-AF65-F5344CB8AC3E}">
@@ -2088,6 +2248,45 @@
           </a:p>
         </p:txBody>
       </p:sp>
+      <p:cxnSp>
+        <p:nvCxnSpPr>
+          <p:cNvPr id="6" name="Conector recto 8">
+            <a:extLst>
+              <a:ext uri="{FF2B5EF4-FFF2-40B4-BE49-F238E27FC236}">
+                <a16:creationId xmlns:a16="http://schemas.microsoft.com/office/drawing/2014/main" id="{E72349E0-4A54-59B6-9EC3-BA2092A0080F}"/>
+              </a:ext>
+            </a:extLst>
+          </p:cNvPr>
+          <p:cNvCxnSpPr>
+            <a:cxnSpLocks/>
+          </p:cNvCxnSpPr>
+          <p:nvPr userDrawn="1"/>
+        </p:nvCxnSpPr>
+        <p:spPr>
+          <a:xfrm flipV="1">
+            <a:off x="342900" y="685798"/>
+            <a:ext cx="11514138" cy="1"/>
+          </a:xfrm>
+          <a:prstGeom prst="line">
+            <a:avLst/>
+          </a:prstGeom>
+          <a:ln w="28575"/>
+        </p:spPr>
+        <p:style>
+          <a:lnRef idx="1">
+            <a:schemeClr val="accent2"/>
+          </a:lnRef>
+          <a:fillRef idx="0">
+            <a:schemeClr val="accent2"/>
+          </a:fillRef>
+          <a:effectRef idx="0">
+            <a:schemeClr val="accent2"/>
+          </a:effectRef>
+          <a:fontRef idx="minor">
+            <a:schemeClr val="tx1"/>
+          </a:fontRef>
+        </p:style>
+      </p:cxnSp>
     </p:spTree>
     <p:extLst>
       <p:ext uri="{BB962C8B-B14F-4D97-AF65-F5344CB8AC3E}">
@@ -2201,6 +2400,45 @@
           </a:p>
         </p:txBody>
       </p:sp>
+      <p:cxnSp>
+        <p:nvCxnSpPr>
+          <p:cNvPr id="5" name="Conector recto 8">
+            <a:extLst>
+              <a:ext uri="{FF2B5EF4-FFF2-40B4-BE49-F238E27FC236}">
+                <a16:creationId xmlns:a16="http://schemas.microsoft.com/office/drawing/2014/main" id="{32DDB316-B678-58BE-B1F3-DC641CFC2BDE}"/>
+              </a:ext>
+            </a:extLst>
+          </p:cNvPr>
+          <p:cNvCxnSpPr>
+            <a:cxnSpLocks/>
+          </p:cNvCxnSpPr>
+          <p:nvPr userDrawn="1"/>
+        </p:nvCxnSpPr>
+        <p:spPr>
+          <a:xfrm flipV="1">
+            <a:off x="342900" y="685798"/>
+            <a:ext cx="11514138" cy="1"/>
+          </a:xfrm>
+          <a:prstGeom prst="line">
+            <a:avLst/>
+          </a:prstGeom>
+          <a:ln w="28575"/>
+        </p:spPr>
+        <p:style>
+          <a:lnRef idx="1">
+            <a:schemeClr val="accent2"/>
+          </a:lnRef>
+          <a:fillRef idx="0">
+            <a:schemeClr val="accent2"/>
+          </a:fillRef>
+          <a:effectRef idx="0">
+            <a:schemeClr val="accent2"/>
+          </a:effectRef>
+          <a:fontRef idx="minor">
+            <a:schemeClr val="tx1"/>
+          </a:fontRef>
+        </p:style>
+      </p:cxnSp>
     </p:spTree>
     <p:extLst>
       <p:ext uri="{BB962C8B-B14F-4D97-AF65-F5344CB8AC3E}">
@@ -3082,45 +3320,6 @@
           </a:p>
         </p:txBody>
       </p:sp>
-      <p:cxnSp>
-        <p:nvCxnSpPr>
-          <p:cNvPr id="7" name="Conector recto 8">
-            <a:extLst>
-              <a:ext uri="{FF2B5EF4-FFF2-40B4-BE49-F238E27FC236}">
-                <a16:creationId xmlns:a16="http://schemas.microsoft.com/office/drawing/2014/main" id="{FA7CE3D9-7CF8-667A-08D4-C7B2818A43DD}"/>
-              </a:ext>
-            </a:extLst>
-          </p:cNvPr>
-          <p:cNvCxnSpPr>
-            <a:cxnSpLocks/>
-          </p:cNvCxnSpPr>
-          <p:nvPr userDrawn="1"/>
-        </p:nvCxnSpPr>
-        <p:spPr>
-          <a:xfrm flipV="1">
-            <a:off x="342900" y="685798"/>
-            <a:ext cx="11514138" cy="1"/>
-          </a:xfrm>
-          <a:prstGeom prst="line">
-            <a:avLst/>
-          </a:prstGeom>
-          <a:ln w="28575"/>
-        </p:spPr>
-        <p:style>
-          <a:lnRef idx="1">
-            <a:schemeClr val="accent2"/>
-          </a:lnRef>
-          <a:fillRef idx="0">
-            <a:schemeClr val="accent2"/>
-          </a:fillRef>
-          <a:effectRef idx="0">
-            <a:schemeClr val="accent2"/>
-          </a:effectRef>
-          <a:fontRef idx="minor">
-            <a:schemeClr val="tx1"/>
-          </a:fontRef>
-        </p:style>
-      </p:cxnSp>
       <p:pic>
         <p:nvPicPr>
           <p:cNvPr descr="Imagen que contiene Logotipo  Descripción generada automáticamente" id="8" name="Imagen 2">

--- a/content/pptxoutpt.pptx
+++ b/content/pptxoutpt.pptx
@@ -1,26 +1,28 @@
 
 <file path=ppt/presentation.xml><?xml version="1.0" encoding="utf-8"?>
-<p:presentation xmlns:a="http://schemas.openxmlformats.org/drawingml/2006/main" xmlns:p="http://schemas.openxmlformats.org/presentationml/2006/main" xmlns:r="http://schemas.openxmlformats.org/officeDocument/2006/relationships" autoCompressPictures="0" saveSubsetFonts="1">
+<p:presentation xmlns:a="http://schemas.openxmlformats.org/drawingml/2006/main" xmlns:r="http://schemas.openxmlformats.org/officeDocument/2006/relationships" xmlns:p="http://schemas.openxmlformats.org/presentationml/2006/main" saveSubsetFonts="1" autoCompressPictures="0">
   <p:sldMasterIdLst>
     <p:sldMasterId id="2147483648" r:id="rId1"/>
   </p:sldMasterIdLst>
   <p:sldIdLst>
-    <p:sldId id="256" r:id="rId2"/>
-    <p:sldId id="257" r:id="rId3"/>
-    <p:sldId id="258" r:id="rId4"/>
-    <p:sldId id="259" r:id="rId5"/>
-    <p:sldId id="260" r:id="rId6"/>
-    <p:sldId id="261" r:id="rId7"/>
-    <p:sldId id="262" r:id="rId8"/>
-    <p:sldId id="263" r:id="rId9"/>
-    <p:sldId id="264" r:id="rId10"/>
-    <p:sldId id="265" r:id="rId11"/>
-    <p:sldId id="266" r:id="rId12"/>
-    <p:sldId id="267" r:id="rId13"/>
-    <p:sldId id="268" r:id="rId14"/>
-    <p:sldId id="269" r:id="rId15"/>
-    <p:sldId id="270" r:id="rId16"/>
-    <p:sldId id="271" r:id="rId17"/>
+    <p:sldId id="274" r:id="rId2"/>
+    <p:sldId id="256" r:id="rId3"/>
+    <p:sldId id="257" r:id="rId4"/>
+    <p:sldId id="258" r:id="rId5"/>
+    <p:sldId id="259" r:id="rId6"/>
+    <p:sldId id="260" r:id="rId7"/>
+    <p:sldId id="261" r:id="rId8"/>
+    <p:sldId id="262" r:id="rId9"/>
+    <p:sldId id="263" r:id="rId10"/>
+    <p:sldId id="264" r:id="rId11"/>
+    <p:sldId id="265" r:id="rId12"/>
+    <p:sldId id="266" r:id="rId13"/>
+    <p:sldId id="267" r:id="rId14"/>
+    <p:sldId id="268" r:id="rId15"/>
+    <p:sldId id="269" r:id="rId16"/>
+    <p:sldId id="270" r:id="rId17"/>
+    <p:sldId id="271" r:id="rId18"/>
+    <p:sldId id="272" r:id="rId19"/>
   </p:sldIdLst>
   <p:sldSz cx="12192000" cy="6858000"/>
   <p:notesSz cx="6858000" cy="9144000"/>
@@ -28,8 +30,8 @@
     <a:defPPr>
       <a:defRPr lang="en-US"/>
     </a:defPPr>
-    <a:lvl1pPr algn="l" defTabSz="914400" eaLnBrk="1" hangingPunct="1" latinLnBrk="0" marL="0" rtl="0">
-      <a:defRPr kern="1200" sz="1800">
+    <a:lvl1pPr marL="0" algn="l" defTabSz="914400" rtl="0" eaLnBrk="1" latinLnBrk="0" hangingPunct="1">
+      <a:defRPr sz="1800" kern="1200">
         <a:solidFill>
           <a:schemeClr val="tx1"/>
         </a:solidFill>
@@ -38,8 +40,8 @@
         <a:cs typeface="+mn-cs"/>
       </a:defRPr>
     </a:lvl1pPr>
-    <a:lvl2pPr algn="l" defTabSz="914400" eaLnBrk="1" hangingPunct="1" latinLnBrk="0" marL="457200" rtl="0">
-      <a:defRPr kern="1200" sz="1800">
+    <a:lvl2pPr marL="457200" algn="l" defTabSz="914400" rtl="0" eaLnBrk="1" latinLnBrk="0" hangingPunct="1">
+      <a:defRPr sz="1800" kern="1200">
         <a:solidFill>
           <a:schemeClr val="tx1"/>
         </a:solidFill>
@@ -48,8 +50,8 @@
         <a:cs typeface="+mn-cs"/>
       </a:defRPr>
     </a:lvl2pPr>
-    <a:lvl3pPr algn="l" defTabSz="914400" eaLnBrk="1" hangingPunct="1" latinLnBrk="0" marL="914400" rtl="0">
-      <a:defRPr kern="1200" sz="1800">
+    <a:lvl3pPr marL="914400" algn="l" defTabSz="914400" rtl="0" eaLnBrk="1" latinLnBrk="0" hangingPunct="1">
+      <a:defRPr sz="1800" kern="1200">
         <a:solidFill>
           <a:schemeClr val="tx1"/>
         </a:solidFill>
@@ -58,8 +60,8 @@
         <a:cs typeface="+mn-cs"/>
       </a:defRPr>
     </a:lvl3pPr>
-    <a:lvl4pPr algn="l" defTabSz="914400" eaLnBrk="1" hangingPunct="1" latinLnBrk="0" marL="1371600" rtl="0">
-      <a:defRPr kern="1200" sz="1800">
+    <a:lvl4pPr marL="1371600" algn="l" defTabSz="914400" rtl="0" eaLnBrk="1" latinLnBrk="0" hangingPunct="1">
+      <a:defRPr sz="1800" kern="1200">
         <a:solidFill>
           <a:schemeClr val="tx1"/>
         </a:solidFill>
@@ -68,8 +70,8 @@
         <a:cs typeface="+mn-cs"/>
       </a:defRPr>
     </a:lvl4pPr>
-    <a:lvl5pPr algn="l" defTabSz="914400" eaLnBrk="1" hangingPunct="1" latinLnBrk="0" marL="1828800" rtl="0">
-      <a:defRPr kern="1200" sz="1800">
+    <a:lvl5pPr marL="1828800" algn="l" defTabSz="914400" rtl="0" eaLnBrk="1" latinLnBrk="0" hangingPunct="1">
+      <a:defRPr sz="1800" kern="1200">
         <a:solidFill>
           <a:schemeClr val="tx1"/>
         </a:solidFill>
@@ -78,8 +80,8 @@
         <a:cs typeface="+mn-cs"/>
       </a:defRPr>
     </a:lvl5pPr>
-    <a:lvl6pPr algn="l" defTabSz="914400" eaLnBrk="1" hangingPunct="1" latinLnBrk="0" marL="2286000" rtl="0">
-      <a:defRPr kern="1200" sz="1800">
+    <a:lvl6pPr marL="2286000" algn="l" defTabSz="914400" rtl="0" eaLnBrk="1" latinLnBrk="0" hangingPunct="1">
+      <a:defRPr sz="1800" kern="1200">
         <a:solidFill>
           <a:schemeClr val="tx1"/>
         </a:solidFill>
@@ -88,8 +90,8 @@
         <a:cs typeface="+mn-cs"/>
       </a:defRPr>
     </a:lvl6pPr>
-    <a:lvl7pPr algn="l" defTabSz="914400" eaLnBrk="1" hangingPunct="1" latinLnBrk="0" marL="2743200" rtl="0">
-      <a:defRPr kern="1200" sz="1800">
+    <a:lvl7pPr marL="2743200" algn="l" defTabSz="914400" rtl="0" eaLnBrk="1" latinLnBrk="0" hangingPunct="1">
+      <a:defRPr sz="1800" kern="1200">
         <a:solidFill>
           <a:schemeClr val="tx1"/>
         </a:solidFill>
@@ -98,8 +100,8 @@
         <a:cs typeface="+mn-cs"/>
       </a:defRPr>
     </a:lvl7pPr>
-    <a:lvl8pPr algn="l" defTabSz="914400" eaLnBrk="1" hangingPunct="1" latinLnBrk="0" marL="3200400" rtl="0">
-      <a:defRPr kern="1200" sz="1800">
+    <a:lvl8pPr marL="3200400" algn="l" defTabSz="914400" rtl="0" eaLnBrk="1" latinLnBrk="0" hangingPunct="1">
+      <a:defRPr sz="1800" kern="1200">
         <a:solidFill>
           <a:schemeClr val="tx1"/>
         </a:solidFill>
@@ -108,8 +110,8 @@
         <a:cs typeface="+mn-cs"/>
       </a:defRPr>
     </a:lvl8pPr>
-    <a:lvl9pPr algn="l" defTabSz="914400" eaLnBrk="1" hangingPunct="1" latinLnBrk="0" marL="3657600" rtl="0">
-      <a:defRPr kern="1200" sz="1800">
+    <a:lvl9pPr marL="3657600" algn="l" defTabSz="914400" rtl="0" eaLnBrk="1" latinLnBrk="0" hangingPunct="1">
+      <a:defRPr sz="1800" kern="1200">
         <a:solidFill>
           <a:schemeClr val="tx1"/>
         </a:solidFill>
@@ -422,6 +424,295 @@
 </file>
 
 <file path=ppt/slideLayouts/slideLayout10.xml><?xml version="1.0" encoding="utf-8"?>
+<p:sldLayout xmlns:a="http://schemas.openxmlformats.org/drawingml/2006/main" xmlns:r="http://schemas.openxmlformats.org/officeDocument/2006/relationships" xmlns:p="http://schemas.openxmlformats.org/presentationml/2006/main" type="picTx" preserve="1">
+  <p:cSld name="Picture with Caption">
+    <p:spTree>
+      <p:nvGrpSpPr>
+        <p:cNvPr id="1" name=""/>
+        <p:cNvGrpSpPr/>
+        <p:nvPr/>
+      </p:nvGrpSpPr>
+      <p:grpSpPr>
+        <a:xfrm>
+          <a:off x="0" y="0"/>
+          <a:ext cx="0" cy="0"/>
+          <a:chOff x="0" y="0"/>
+          <a:chExt cx="0" cy="0"/>
+        </a:xfrm>
+      </p:grpSpPr>
+      <p:sp>
+        <p:nvSpPr>
+          <p:cNvPr id="2" name="Title 1">
+            <a:extLst>
+              <a:ext uri="{FF2B5EF4-FFF2-40B4-BE49-F238E27FC236}">
+                <a16:creationId xmlns:a16="http://schemas.microsoft.com/office/drawing/2014/main" id="{764F3287-A564-CB54-AFD1-E67A0CAA6AE1}"/>
+              </a:ext>
+            </a:extLst>
+          </p:cNvPr>
+          <p:cNvSpPr>
+            <a:spLocks noGrp="1"/>
+          </p:cNvSpPr>
+          <p:nvPr>
+            <p:ph type="title"/>
+          </p:nvPr>
+        </p:nvSpPr>
+        <p:spPr>
+          <a:xfrm>
+            <a:off x="839788" y="457200"/>
+            <a:ext cx="3932237" cy="1600200"/>
+          </a:xfrm>
+        </p:spPr>
+        <p:txBody>
+          <a:bodyPr anchor="b"/>
+          <a:lstStyle>
+            <a:lvl1pPr>
+              <a:defRPr sz="3200"/>
+            </a:lvl1pPr>
+          </a:lstStyle>
+          <a:p>
+            <a:r>
+              <a:rPr lang="en-US"/>
+              <a:t>Click to edit Master title style</a:t>
+            </a:r>
+            <a:endParaRPr lang="es-ES_tradnl"/>
+          </a:p>
+        </p:txBody>
+      </p:sp>
+      <p:sp>
+        <p:nvSpPr>
+          <p:cNvPr id="3" name="Picture Placeholder 2">
+            <a:extLst>
+              <a:ext uri="{FF2B5EF4-FFF2-40B4-BE49-F238E27FC236}">
+                <a16:creationId xmlns:a16="http://schemas.microsoft.com/office/drawing/2014/main" id="{E8D378D9-A55E-0314-B160-8FAD77049085}"/>
+              </a:ext>
+            </a:extLst>
+          </p:cNvPr>
+          <p:cNvSpPr>
+            <a:spLocks noGrp="1"/>
+          </p:cNvSpPr>
+          <p:nvPr>
+            <p:ph type="pic" idx="1"/>
+          </p:nvPr>
+        </p:nvSpPr>
+        <p:spPr>
+          <a:xfrm>
+            <a:off x="5183188" y="987425"/>
+            <a:ext cx="6172200" cy="4873625"/>
+          </a:xfrm>
+        </p:spPr>
+        <p:txBody>
+          <a:bodyPr/>
+          <a:lstStyle>
+            <a:lvl1pPr marL="0" indent="0">
+              <a:buNone/>
+              <a:defRPr sz="3200"/>
+            </a:lvl1pPr>
+            <a:lvl2pPr marL="457200" indent="0">
+              <a:buNone/>
+              <a:defRPr sz="2800"/>
+            </a:lvl2pPr>
+            <a:lvl3pPr marL="914400" indent="0">
+              <a:buNone/>
+              <a:defRPr sz="2400"/>
+            </a:lvl3pPr>
+            <a:lvl4pPr marL="1371600" indent="0">
+              <a:buNone/>
+              <a:defRPr sz="2000"/>
+            </a:lvl4pPr>
+            <a:lvl5pPr marL="1828800" indent="0">
+              <a:buNone/>
+              <a:defRPr sz="2000"/>
+            </a:lvl5pPr>
+            <a:lvl6pPr marL="2286000" indent="0">
+              <a:buNone/>
+              <a:defRPr sz="2000"/>
+            </a:lvl6pPr>
+            <a:lvl7pPr marL="2743200" indent="0">
+              <a:buNone/>
+              <a:defRPr sz="2000"/>
+            </a:lvl7pPr>
+            <a:lvl8pPr marL="3200400" indent="0">
+              <a:buNone/>
+              <a:defRPr sz="2000"/>
+            </a:lvl8pPr>
+            <a:lvl9pPr marL="3657600" indent="0">
+              <a:buNone/>
+              <a:defRPr sz="2000"/>
+            </a:lvl9pPr>
+          </a:lstStyle>
+          <a:p>
+            <a:endParaRPr lang="es-ES_tradnl"/>
+          </a:p>
+        </p:txBody>
+      </p:sp>
+      <p:sp>
+        <p:nvSpPr>
+          <p:cNvPr id="4" name="Text Placeholder 3">
+            <a:extLst>
+              <a:ext uri="{FF2B5EF4-FFF2-40B4-BE49-F238E27FC236}">
+                <a16:creationId xmlns:a16="http://schemas.microsoft.com/office/drawing/2014/main" id="{BDA240C0-8A84-97F9-EB63-A6BABD1A4267}"/>
+              </a:ext>
+            </a:extLst>
+          </p:cNvPr>
+          <p:cNvSpPr>
+            <a:spLocks noGrp="1"/>
+          </p:cNvSpPr>
+          <p:nvPr>
+            <p:ph type="body" sz="half" idx="2"/>
+          </p:nvPr>
+        </p:nvSpPr>
+        <p:spPr>
+          <a:xfrm>
+            <a:off x="839788" y="2057400"/>
+            <a:ext cx="3932237" cy="3811588"/>
+          </a:xfrm>
+        </p:spPr>
+        <p:txBody>
+          <a:bodyPr/>
+          <a:lstStyle>
+            <a:lvl1pPr marL="0" indent="0">
+              <a:buNone/>
+              <a:defRPr sz="1600"/>
+            </a:lvl1pPr>
+            <a:lvl2pPr marL="457200" indent="0">
+              <a:buNone/>
+              <a:defRPr sz="1400"/>
+            </a:lvl2pPr>
+            <a:lvl3pPr marL="914400" indent="0">
+              <a:buNone/>
+              <a:defRPr sz="1200"/>
+            </a:lvl3pPr>
+            <a:lvl4pPr marL="1371600" indent="0">
+              <a:buNone/>
+              <a:defRPr sz="1000"/>
+            </a:lvl4pPr>
+            <a:lvl5pPr marL="1828800" indent="0">
+              <a:buNone/>
+              <a:defRPr sz="1000"/>
+            </a:lvl5pPr>
+            <a:lvl6pPr marL="2286000" indent="0">
+              <a:buNone/>
+              <a:defRPr sz="1000"/>
+            </a:lvl6pPr>
+            <a:lvl7pPr marL="2743200" indent="0">
+              <a:buNone/>
+              <a:defRPr sz="1000"/>
+            </a:lvl7pPr>
+            <a:lvl8pPr marL="3200400" indent="0">
+              <a:buNone/>
+              <a:defRPr sz="1000"/>
+            </a:lvl8pPr>
+            <a:lvl9pPr marL="3657600" indent="0">
+              <a:buNone/>
+              <a:defRPr sz="1000"/>
+            </a:lvl9pPr>
+          </a:lstStyle>
+          <a:p>
+            <a:pPr lvl="0"/>
+            <a:r>
+              <a:rPr lang="en-US"/>
+              <a:t>Click to edit Master text styles</a:t>
+            </a:r>
+          </a:p>
+        </p:txBody>
+      </p:sp>
+      <p:sp>
+        <p:nvSpPr>
+          <p:cNvPr id="5" name="Date Placeholder 4">
+            <a:extLst>
+              <a:ext uri="{FF2B5EF4-FFF2-40B4-BE49-F238E27FC236}">
+                <a16:creationId xmlns:a16="http://schemas.microsoft.com/office/drawing/2014/main" id="{12C18837-93D3-99B3-C42C-6F0AA77BF2EC}"/>
+              </a:ext>
+            </a:extLst>
+          </p:cNvPr>
+          <p:cNvSpPr>
+            <a:spLocks noGrp="1"/>
+          </p:cNvSpPr>
+          <p:nvPr>
+            <p:ph type="dt" sz="half" idx="10"/>
+          </p:nvPr>
+        </p:nvSpPr>
+        <p:spPr/>
+        <p:txBody>
+          <a:bodyPr/>
+          <a:lstStyle/>
+          <a:p>
+            <a:fld id="{B1D0D1D1-B849-0E4E-8830-1466A2D52B65}" type="datetimeFigureOut">
+              <a:rPr lang="es-ES_tradnl" smtClean="0"/>
+              <a:t>29/11/23</a:t>
+            </a:fld>
+            <a:endParaRPr lang="es-ES_tradnl"/>
+          </a:p>
+        </p:txBody>
+      </p:sp>
+      <p:sp>
+        <p:nvSpPr>
+          <p:cNvPr id="6" name="Footer Placeholder 5">
+            <a:extLst>
+              <a:ext uri="{FF2B5EF4-FFF2-40B4-BE49-F238E27FC236}">
+                <a16:creationId xmlns:a16="http://schemas.microsoft.com/office/drawing/2014/main" id="{E0402106-EE43-6605-F437-DB1A2D48D158}"/>
+              </a:ext>
+            </a:extLst>
+          </p:cNvPr>
+          <p:cNvSpPr>
+            <a:spLocks noGrp="1"/>
+          </p:cNvSpPr>
+          <p:nvPr>
+            <p:ph type="ftr" sz="quarter" idx="11"/>
+          </p:nvPr>
+        </p:nvSpPr>
+        <p:spPr/>
+        <p:txBody>
+          <a:bodyPr/>
+          <a:lstStyle/>
+          <a:p>
+            <a:endParaRPr lang="es-ES_tradnl"/>
+          </a:p>
+        </p:txBody>
+      </p:sp>
+      <p:sp>
+        <p:nvSpPr>
+          <p:cNvPr id="7" name="Slide Number Placeholder 6">
+            <a:extLst>
+              <a:ext uri="{FF2B5EF4-FFF2-40B4-BE49-F238E27FC236}">
+                <a16:creationId xmlns:a16="http://schemas.microsoft.com/office/drawing/2014/main" id="{D36F2BC2-72FC-94F8-745A-3E7ACECB8027}"/>
+              </a:ext>
+            </a:extLst>
+          </p:cNvPr>
+          <p:cNvSpPr>
+            <a:spLocks noGrp="1"/>
+          </p:cNvSpPr>
+          <p:nvPr>
+            <p:ph type="sldNum" sz="quarter" idx="12"/>
+          </p:nvPr>
+        </p:nvSpPr>
+        <p:spPr/>
+        <p:txBody>
+          <a:bodyPr/>
+          <a:lstStyle/>
+          <a:p>
+            <a:fld id="{B721FB27-E2AF-734E-95A0-74ADA25D2E5C}" type="slidenum">
+              <a:rPr lang="es-ES_tradnl" smtClean="0"/>
+              <a:t>‹#›</a:t>
+            </a:fld>
+            <a:endParaRPr lang="es-ES_tradnl"/>
+          </a:p>
+        </p:txBody>
+      </p:sp>
+    </p:spTree>
+    <p:extLst>
+      <p:ext uri="{BB962C8B-B14F-4D97-AF65-F5344CB8AC3E}">
+        <p14:creationId xmlns:p14="http://schemas.microsoft.com/office/powerpoint/2010/main" val="3841677296"/>
+      </p:ext>
+    </p:extLst>
+  </p:cSld>
+  <p:clrMapOvr>
+    <a:masterClrMapping/>
+  </p:clrMapOvr>
+</p:sldLayout>
+</file>
+
+<file path=ppt/slideLayouts/slideLayout11.xml><?xml version="1.0" encoding="utf-8"?>
 <p:sldLayout xmlns:a="http://schemas.openxmlformats.org/drawingml/2006/main" xmlns:r="http://schemas.openxmlformats.org/officeDocument/2006/relationships" xmlns:p="http://schemas.openxmlformats.org/presentationml/2006/main" type="vertTx" preserve="1">
   <p:cSld name="Title and Vertical Text">
     <p:spTree>
@@ -660,7 +951,7 @@
 </p:sldLayout>
 </file>
 
-<file path=ppt/slideLayouts/slideLayout11.xml><?xml version="1.0" encoding="utf-8"?>
+<file path=ppt/slideLayouts/slideLayout12.xml><?xml version="1.0" encoding="utf-8"?>
 <p:sldLayout xmlns:a="http://schemas.openxmlformats.org/drawingml/2006/main" xmlns:r="http://schemas.openxmlformats.org/officeDocument/2006/relationships" xmlns:p="http://schemas.openxmlformats.org/presentationml/2006/main" type="vertTitleAndTx" preserve="1">
   <p:cSld name="Vertical Title and Text">
     <p:spTree>
@@ -1110,6 +1401,2151 @@
 </file>
 
 <file path=ppt/slideLayouts/slideLayout3.xml><?xml version="1.0" encoding="utf-8"?>
+<p:sldLayout xmlns:a="http://schemas.openxmlformats.org/drawingml/2006/main" xmlns:r="http://schemas.openxmlformats.org/officeDocument/2006/relationships" xmlns:p="http://schemas.openxmlformats.org/presentationml/2006/main" showMasterSp="0" type="title" preserve="1">
+  <p:cSld name="Diapositiva de título">
+    <p:spTree>
+      <p:nvGrpSpPr>
+        <p:cNvPr id="1" name=""/>
+        <p:cNvGrpSpPr/>
+        <p:nvPr/>
+      </p:nvGrpSpPr>
+      <p:grpSpPr>
+        <a:xfrm>
+          <a:off x="0" y="0"/>
+          <a:ext cx="0" cy="0"/>
+          <a:chOff x="0" y="0"/>
+          <a:chExt cx="0" cy="0"/>
+        </a:xfrm>
+      </p:grpSpPr>
+      <p:pic>
+        <p:nvPicPr>
+          <p:cNvPr id="8" name="Picture 7">
+            <a:extLst>
+              <a:ext uri="{FF2B5EF4-FFF2-40B4-BE49-F238E27FC236}">
+                <a16:creationId xmlns:a16="http://schemas.microsoft.com/office/drawing/2014/main" id="{4EE2EC44-D236-4948-B6BA-26297009E8B2}"/>
+              </a:ext>
+            </a:extLst>
+          </p:cNvPr>
+          <p:cNvPicPr>
+            <a:picLocks noChangeAspect="1"/>
+          </p:cNvPicPr>
+          <p:nvPr/>
+        </p:nvPicPr>
+        <p:blipFill rotWithShape="1">
+          <a:blip r:embed="rId2" cstate="screen">
+            <a:extLst>
+              <a:ext uri="{28A0092B-C50C-407E-A947-70E740481C1C}">
+                <a14:useLocalDpi xmlns:a14="http://schemas.microsoft.com/office/drawing/2010/main"/>
+              </a:ext>
+            </a:extLst>
+          </a:blip>
+          <a:srcRect/>
+          <a:stretch/>
+        </p:blipFill>
+        <p:spPr>
+          <a:xfrm>
+            <a:off x="1" y="1"/>
+            <a:ext cx="12192000" cy="6857999"/>
+          </a:xfrm>
+          <a:prstGeom prst="rect">
+            <a:avLst/>
+          </a:prstGeom>
+        </p:spPr>
+      </p:pic>
+      <p:sp>
+        <p:nvSpPr>
+          <p:cNvPr id="9" name="Rectangle 8">
+            <a:extLst>
+              <a:ext uri="{FF2B5EF4-FFF2-40B4-BE49-F238E27FC236}">
+                <a16:creationId xmlns:a16="http://schemas.microsoft.com/office/drawing/2014/main" id="{3FB0C9ED-4275-4C21-9166-A954BBE6C380}"/>
+              </a:ext>
+            </a:extLst>
+          </p:cNvPr>
+          <p:cNvSpPr/>
+          <p:nvPr/>
+        </p:nvSpPr>
+        <p:spPr>
+          <a:xfrm>
+            <a:off x="0" y="0"/>
+            <a:ext cx="4906046" cy="6858000"/>
+          </a:xfrm>
+          <a:prstGeom prst="rect">
+            <a:avLst/>
+          </a:prstGeom>
+          <a:solidFill>
+            <a:schemeClr val="accent1">
+              <a:alpha val="82000"/>
+            </a:schemeClr>
+          </a:solidFill>
+          <a:ln>
+            <a:noFill/>
+          </a:ln>
+        </p:spPr>
+        <p:style>
+          <a:lnRef idx="2">
+            <a:schemeClr val="accent1">
+              <a:shade val="50000"/>
+            </a:schemeClr>
+          </a:lnRef>
+          <a:fillRef idx="1">
+            <a:schemeClr val="accent1"/>
+          </a:fillRef>
+          <a:effectRef idx="0">
+            <a:schemeClr val="accent1"/>
+          </a:effectRef>
+          <a:fontRef idx="minor">
+            <a:schemeClr val="lt1"/>
+          </a:fontRef>
+        </p:style>
+        <p:txBody>
+          <a:bodyPr rtlCol="0" anchor="ctr"/>
+          <a:lstStyle/>
+          <a:p>
+            <a:pPr algn="ctr"/>
+            <a:endParaRPr lang="en-US"/>
+          </a:p>
+        </p:txBody>
+      </p:sp>
+      <p:sp>
+        <p:nvSpPr>
+          <p:cNvPr id="15" name="Freeform: Shape 14">
+            <a:extLst>
+              <a:ext uri="{FF2B5EF4-FFF2-40B4-BE49-F238E27FC236}">
+                <a16:creationId xmlns:a16="http://schemas.microsoft.com/office/drawing/2014/main" id="{06325A13-9F4F-4A4D-B702-1625058DA810}"/>
+              </a:ext>
+            </a:extLst>
+          </p:cNvPr>
+          <p:cNvSpPr/>
+          <p:nvPr/>
+        </p:nvSpPr>
+        <p:spPr>
+          <a:xfrm>
+            <a:off x="0" y="3413126"/>
+            <a:ext cx="3656180" cy="3444875"/>
+          </a:xfrm>
+          <a:custGeom>
+            <a:avLst/>
+            <a:gdLst>
+              <a:gd name="connsiteX0" fmla="*/ 3548079 w 3656180"/>
+              <a:gd name="connsiteY0" fmla="*/ 3397376 h 3444875"/>
+              <a:gd name="connsiteX1" fmla="*/ 3532636 w 3656180"/>
+              <a:gd name="connsiteY1" fmla="*/ 3444875 h 3444875"/>
+              <a:gd name="connsiteX2" fmla="*/ 3498557 w 3656180"/>
+              <a:gd name="connsiteY2" fmla="*/ 3444875 h 3444875"/>
+              <a:gd name="connsiteX3" fmla="*/ 3632186 w 3656180"/>
+              <a:gd name="connsiteY3" fmla="*/ 3005171 h 3444875"/>
+              <a:gd name="connsiteX4" fmla="*/ 3619689 w 3656180"/>
+              <a:gd name="connsiteY4" fmla="*/ 3087624 h 3444875"/>
+              <a:gd name="connsiteX5" fmla="*/ 3274274 w 3656180"/>
+              <a:gd name="connsiteY5" fmla="*/ 3444875 h 3444875"/>
+              <a:gd name="connsiteX6" fmla="*/ 3173756 w 3656180"/>
+              <a:gd name="connsiteY6" fmla="*/ 3444875 h 3444875"/>
+              <a:gd name="connsiteX7" fmla="*/ 3656180 w 3656180"/>
+              <a:gd name="connsiteY7" fmla="*/ 2670622 h 3444875"/>
+              <a:gd name="connsiteX8" fmla="*/ 3655079 w 3656180"/>
+              <a:gd name="connsiteY8" fmla="*/ 2727515 h 3444875"/>
+              <a:gd name="connsiteX9" fmla="*/ 2961486 w 3656180"/>
+              <a:gd name="connsiteY9" fmla="*/ 3444875 h 3444875"/>
+              <a:gd name="connsiteX10" fmla="*/ 2848952 w 3656180"/>
+              <a:gd name="connsiteY10" fmla="*/ 3444875 h 3444875"/>
+              <a:gd name="connsiteX11" fmla="*/ 3642163 w 3656180"/>
+              <a:gd name="connsiteY11" fmla="*/ 2372524 h 3444875"/>
+              <a:gd name="connsiteX12" fmla="*/ 3646069 w 3656180"/>
+              <a:gd name="connsiteY12" fmla="*/ 2413324 h 3444875"/>
+              <a:gd name="connsiteX13" fmla="*/ 2648697 w 3656180"/>
+              <a:gd name="connsiteY13" fmla="*/ 3444875 h 3444875"/>
+              <a:gd name="connsiteX14" fmla="*/ 2524143 w 3656180"/>
+              <a:gd name="connsiteY14" fmla="*/ 3444875 h 3444875"/>
+              <a:gd name="connsiteX15" fmla="*/ 3599765 w 3656180"/>
+              <a:gd name="connsiteY15" fmla="*/ 2101653 h 3444875"/>
+              <a:gd name="connsiteX16" fmla="*/ 3605841 w 3656180"/>
+              <a:gd name="connsiteY16" fmla="*/ 2131427 h 3444875"/>
+              <a:gd name="connsiteX17" fmla="*/ 2335906 w 3656180"/>
+              <a:gd name="connsiteY17" fmla="*/ 3444875 h 3444875"/>
+              <a:gd name="connsiteX18" fmla="*/ 2199336 w 3656180"/>
+              <a:gd name="connsiteY18" fmla="*/ 3444875 h 3444875"/>
+              <a:gd name="connsiteX19" fmla="*/ 3534501 w 3656180"/>
+              <a:gd name="connsiteY19" fmla="*/ 1852715 h 3444875"/>
+              <a:gd name="connsiteX20" fmla="*/ 3541305 w 3656180"/>
+              <a:gd name="connsiteY20" fmla="*/ 1874665 h 3444875"/>
+              <a:gd name="connsiteX21" fmla="*/ 2023117 w 3656180"/>
+              <a:gd name="connsiteY21" fmla="*/ 3444875 h 3444875"/>
+              <a:gd name="connsiteX22" fmla="*/ 1874535 w 3656180"/>
+              <a:gd name="connsiteY22" fmla="*/ 3444875 h 3444875"/>
+              <a:gd name="connsiteX23" fmla="*/ 3449800 w 3656180"/>
+              <a:gd name="connsiteY23" fmla="*/ 1622417 h 3444875"/>
+              <a:gd name="connsiteX24" fmla="*/ 3456617 w 3656180"/>
+              <a:gd name="connsiteY24" fmla="*/ 1638749 h 3444875"/>
+              <a:gd name="connsiteX25" fmla="*/ 1710333 w 3656180"/>
+              <a:gd name="connsiteY25" fmla="*/ 3444875 h 3444875"/>
+              <a:gd name="connsiteX26" fmla="*/ 1549729 w 3656180"/>
+              <a:gd name="connsiteY26" fmla="*/ 3444875 h 3444875"/>
+              <a:gd name="connsiteX27" fmla="*/ 3347982 w 3656180"/>
+              <a:gd name="connsiteY27" fmla="*/ 1408540 h 3444875"/>
+              <a:gd name="connsiteX28" fmla="*/ 3354494 w 3656180"/>
+              <a:gd name="connsiteY28" fmla="*/ 1420867 h 3444875"/>
+              <a:gd name="connsiteX29" fmla="*/ 1397545 w 3656180"/>
+              <a:gd name="connsiteY29" fmla="*/ 3444875 h 3444875"/>
+              <a:gd name="connsiteX30" fmla="*/ 1224922 w 3656180"/>
+              <a:gd name="connsiteY30" fmla="*/ 3444875 h 3444875"/>
+              <a:gd name="connsiteX31" fmla="*/ 3230590 w 3656180"/>
+              <a:gd name="connsiteY31" fmla="*/ 1209610 h 3444875"/>
+              <a:gd name="connsiteX32" fmla="*/ 3236787 w 3656180"/>
+              <a:gd name="connsiteY32" fmla="*/ 1219113 h 3444875"/>
+              <a:gd name="connsiteX33" fmla="*/ 1084761 w 3656180"/>
+              <a:gd name="connsiteY33" fmla="*/ 3444875 h 3444875"/>
+              <a:gd name="connsiteX34" fmla="*/ 900119 w 3656180"/>
+              <a:gd name="connsiteY34" fmla="*/ 3444875 h 3444875"/>
+              <a:gd name="connsiteX35" fmla="*/ 3098633 w 3656180"/>
+              <a:gd name="connsiteY35" fmla="*/ 1024630 h 3444875"/>
+              <a:gd name="connsiteX36" fmla="*/ 3104614 w 3656180"/>
+              <a:gd name="connsiteY36" fmla="*/ 1032303 h 3444875"/>
+              <a:gd name="connsiteX37" fmla="*/ 771968 w 3656180"/>
+              <a:gd name="connsiteY37" fmla="*/ 3444875 h 3444875"/>
+              <a:gd name="connsiteX38" fmla="*/ 575311 w 3656180"/>
+              <a:gd name="connsiteY38" fmla="*/ 3444875 h 3444875"/>
+              <a:gd name="connsiteX39" fmla="*/ 2952730 w 3656180"/>
+              <a:gd name="connsiteY39" fmla="*/ 853035 h 3444875"/>
+              <a:gd name="connsiteX40" fmla="*/ 2958798 w 3656180"/>
+              <a:gd name="connsiteY40" fmla="*/ 859603 h 3444875"/>
+              <a:gd name="connsiteX41" fmla="*/ 459182 w 3656180"/>
+              <a:gd name="connsiteY41" fmla="*/ 3444875 h 3444875"/>
+              <a:gd name="connsiteX42" fmla="*/ 250505 w 3656180"/>
+              <a:gd name="connsiteY42" fmla="*/ 3444875 h 3444875"/>
+              <a:gd name="connsiteX43" fmla="*/ 2793131 w 3656180"/>
+              <a:gd name="connsiteY43" fmla="*/ 694585 h 3444875"/>
+              <a:gd name="connsiteX44" fmla="*/ 2799725 w 3656180"/>
+              <a:gd name="connsiteY44" fmla="*/ 700629 h 3444875"/>
+              <a:gd name="connsiteX45" fmla="*/ 146395 w 3656180"/>
+              <a:gd name="connsiteY45" fmla="*/ 3444875 h 3444875"/>
+              <a:gd name="connsiteX46" fmla="*/ 0 w 3656180"/>
+              <a:gd name="connsiteY46" fmla="*/ 3444875 h 3444875"/>
+              <a:gd name="connsiteX47" fmla="*/ 0 w 3656180"/>
+              <a:gd name="connsiteY47" fmla="*/ 3373614 h 3444875"/>
+              <a:gd name="connsiteX48" fmla="*/ 2619730 w 3656180"/>
+              <a:gd name="connsiteY48" fmla="*/ 549358 h 3444875"/>
+              <a:gd name="connsiteX49" fmla="*/ 2627431 w 3656180"/>
+              <a:gd name="connsiteY49" fmla="*/ 555312 h 3444875"/>
+              <a:gd name="connsiteX50" fmla="*/ 0 w 3656180"/>
+              <a:gd name="connsiteY50" fmla="*/ 3272777 h 3444875"/>
+              <a:gd name="connsiteX51" fmla="*/ 0 w 3656180"/>
+              <a:gd name="connsiteY51" fmla="*/ 3062073 h 3444875"/>
+              <a:gd name="connsiteX52" fmla="*/ 2432170 w 3656180"/>
+              <a:gd name="connsiteY52" fmla="*/ 417720 h 3444875"/>
+              <a:gd name="connsiteX53" fmla="*/ 2441711 w 3656180"/>
+              <a:gd name="connsiteY53" fmla="*/ 423891 h 3444875"/>
+              <a:gd name="connsiteX54" fmla="*/ 0 w 3656180"/>
+              <a:gd name="connsiteY54" fmla="*/ 2949268 h 3444875"/>
+              <a:gd name="connsiteX55" fmla="*/ 0 w 3656180"/>
+              <a:gd name="connsiteY55" fmla="*/ 2750542 h 3444875"/>
+              <a:gd name="connsiteX56" fmla="*/ 2229608 w 3656180"/>
+              <a:gd name="connsiteY56" fmla="*/ 300471 h 3444875"/>
+              <a:gd name="connsiteX57" fmla="*/ 2241987 w 3656180"/>
+              <a:gd name="connsiteY57" fmla="*/ 306955 h 3444875"/>
+              <a:gd name="connsiteX58" fmla="*/ 0 w 3656180"/>
+              <a:gd name="connsiteY58" fmla="*/ 2625766 h 3444875"/>
+              <a:gd name="connsiteX59" fmla="*/ 0 w 3656180"/>
+              <a:gd name="connsiteY59" fmla="*/ 2438996 h 3444875"/>
+              <a:gd name="connsiteX60" fmla="*/ 2010843 w 3656180"/>
+              <a:gd name="connsiteY60" fmla="*/ 198759 h 3444875"/>
+              <a:gd name="connsiteX61" fmla="*/ 2027243 w 3656180"/>
+              <a:gd name="connsiteY61" fmla="*/ 205550 h 3444875"/>
+              <a:gd name="connsiteX62" fmla="*/ 0 w 3656180"/>
+              <a:gd name="connsiteY62" fmla="*/ 2302258 h 3444875"/>
+              <a:gd name="connsiteX63" fmla="*/ 0 w 3656180"/>
+              <a:gd name="connsiteY63" fmla="*/ 2127460 h 3444875"/>
+              <a:gd name="connsiteX64" fmla="*/ 1773991 w 3656180"/>
+              <a:gd name="connsiteY64" fmla="*/ 114408 h 3444875"/>
+              <a:gd name="connsiteX65" fmla="*/ 1796028 w 3656180"/>
+              <a:gd name="connsiteY65" fmla="*/ 121185 h 3444875"/>
+              <a:gd name="connsiteX66" fmla="*/ 0 w 3656180"/>
+              <a:gd name="connsiteY66" fmla="*/ 1978755 h 3444875"/>
+              <a:gd name="connsiteX67" fmla="*/ 0 w 3656180"/>
+              <a:gd name="connsiteY67" fmla="*/ 1815934 h 3444875"/>
+              <a:gd name="connsiteX68" fmla="*/ 245157 w 3656180"/>
+              <a:gd name="connsiteY68" fmla="*/ 107669 h 3444875"/>
+              <a:gd name="connsiteX69" fmla="*/ 0 w 3656180"/>
+              <a:gd name="connsiteY69" fmla="*/ 361226 h 3444875"/>
+              <a:gd name="connsiteX70" fmla="*/ 0 w 3656180"/>
+              <a:gd name="connsiteY70" fmla="*/ 258242 h 3444875"/>
+              <a:gd name="connsiteX71" fmla="*/ 112323 w 3656180"/>
+              <a:gd name="connsiteY71" fmla="*/ 150509 h 3444875"/>
+              <a:gd name="connsiteX72" fmla="*/ 245157 w 3656180"/>
+              <a:gd name="connsiteY72" fmla="*/ 107669 h 3444875"/>
+              <a:gd name="connsiteX73" fmla="*/ 1516194 w 3656180"/>
+              <a:gd name="connsiteY73" fmla="*/ 50130 h 3444875"/>
+              <a:gd name="connsiteX74" fmla="*/ 1546086 w 3656180"/>
+              <a:gd name="connsiteY74" fmla="*/ 56182 h 3444875"/>
+              <a:gd name="connsiteX75" fmla="*/ 0 w 3656180"/>
+              <a:gd name="connsiteY75" fmla="*/ 1655245 h 3444875"/>
+              <a:gd name="connsiteX76" fmla="*/ 0 w 3656180"/>
+              <a:gd name="connsiteY76" fmla="*/ 1504390 h 3444875"/>
+              <a:gd name="connsiteX77" fmla="*/ 638934 w 3656180"/>
+              <a:gd name="connsiteY77" fmla="*/ 23899 h 3444875"/>
+              <a:gd name="connsiteX78" fmla="*/ 0 w 3656180"/>
+              <a:gd name="connsiteY78" fmla="*/ 684727 h 3444875"/>
+              <a:gd name="connsiteX79" fmla="*/ 0 w 3656180"/>
+              <a:gd name="connsiteY79" fmla="*/ 569779 h 3444875"/>
+              <a:gd name="connsiteX80" fmla="*/ 556153 w 3656180"/>
+              <a:gd name="connsiteY80" fmla="*/ 36345 h 3444875"/>
+              <a:gd name="connsiteX81" fmla="*/ 638934 w 3656180"/>
+              <a:gd name="connsiteY81" fmla="*/ 23899 h 3444875"/>
+              <a:gd name="connsiteX82" fmla="*/ 1233160 w 3656180"/>
+              <a:gd name="connsiteY82" fmla="*/ 10073 h 3444875"/>
+              <a:gd name="connsiteX83" fmla="*/ 1274124 w 3656180"/>
+              <a:gd name="connsiteY83" fmla="*/ 13967 h 3444875"/>
+              <a:gd name="connsiteX84" fmla="*/ 0 w 3656180"/>
+              <a:gd name="connsiteY84" fmla="*/ 1331746 h 3444875"/>
+              <a:gd name="connsiteX85" fmla="*/ 0 w 3656180"/>
+              <a:gd name="connsiteY85" fmla="*/ 1192857 h 3444875"/>
+              <a:gd name="connsiteX86" fmla="*/ 974826 w 3656180"/>
+              <a:gd name="connsiteY86" fmla="*/ 0 h 3444875"/>
+              <a:gd name="connsiteX87" fmla="*/ 0 w 3656180"/>
+              <a:gd name="connsiteY87" fmla="*/ 1008229 h 3444875"/>
+              <a:gd name="connsiteX88" fmla="*/ 0 w 3656180"/>
+              <a:gd name="connsiteY88" fmla="*/ 881312 h 3444875"/>
+              <a:gd name="connsiteX89" fmla="*/ 917705 w 3656180"/>
+              <a:gd name="connsiteY89" fmla="*/ 1092 h 3444875"/>
+              <a:gd name="connsiteX90" fmla="*/ 974826 w 3656180"/>
+              <a:gd name="connsiteY90" fmla="*/ 0 h 3444875"/>
+            </a:gdLst>
+            <a:ahLst/>
+            <a:cxnLst>
+              <a:cxn ang="0">
+                <a:pos x="connsiteX0" y="connsiteY0"/>
+              </a:cxn>
+              <a:cxn ang="0">
+                <a:pos x="connsiteX1" y="connsiteY1"/>
+              </a:cxn>
+              <a:cxn ang="0">
+                <a:pos x="connsiteX2" y="connsiteY2"/>
+              </a:cxn>
+              <a:cxn ang="0">
+                <a:pos x="connsiteX3" y="connsiteY3"/>
+              </a:cxn>
+              <a:cxn ang="0">
+                <a:pos x="connsiteX4" y="connsiteY4"/>
+              </a:cxn>
+              <a:cxn ang="0">
+                <a:pos x="connsiteX5" y="connsiteY5"/>
+              </a:cxn>
+              <a:cxn ang="0">
+                <a:pos x="connsiteX6" y="connsiteY6"/>
+              </a:cxn>
+              <a:cxn ang="0">
+                <a:pos x="connsiteX7" y="connsiteY7"/>
+              </a:cxn>
+              <a:cxn ang="0">
+                <a:pos x="connsiteX8" y="connsiteY8"/>
+              </a:cxn>
+              <a:cxn ang="0">
+                <a:pos x="connsiteX9" y="connsiteY9"/>
+              </a:cxn>
+              <a:cxn ang="0">
+                <a:pos x="connsiteX10" y="connsiteY10"/>
+              </a:cxn>
+              <a:cxn ang="0">
+                <a:pos x="connsiteX11" y="connsiteY11"/>
+              </a:cxn>
+              <a:cxn ang="0">
+                <a:pos x="connsiteX12" y="connsiteY12"/>
+              </a:cxn>
+              <a:cxn ang="0">
+                <a:pos x="connsiteX13" y="connsiteY13"/>
+              </a:cxn>
+              <a:cxn ang="0">
+                <a:pos x="connsiteX14" y="connsiteY14"/>
+              </a:cxn>
+              <a:cxn ang="0">
+                <a:pos x="connsiteX15" y="connsiteY15"/>
+              </a:cxn>
+              <a:cxn ang="0">
+                <a:pos x="connsiteX16" y="connsiteY16"/>
+              </a:cxn>
+              <a:cxn ang="0">
+                <a:pos x="connsiteX17" y="connsiteY17"/>
+              </a:cxn>
+              <a:cxn ang="0">
+                <a:pos x="connsiteX18" y="connsiteY18"/>
+              </a:cxn>
+              <a:cxn ang="0">
+                <a:pos x="connsiteX19" y="connsiteY19"/>
+              </a:cxn>
+              <a:cxn ang="0">
+                <a:pos x="connsiteX20" y="connsiteY20"/>
+              </a:cxn>
+              <a:cxn ang="0">
+                <a:pos x="connsiteX21" y="connsiteY21"/>
+              </a:cxn>
+              <a:cxn ang="0">
+                <a:pos x="connsiteX22" y="connsiteY22"/>
+              </a:cxn>
+              <a:cxn ang="0">
+                <a:pos x="connsiteX23" y="connsiteY23"/>
+              </a:cxn>
+              <a:cxn ang="0">
+                <a:pos x="connsiteX24" y="connsiteY24"/>
+              </a:cxn>
+              <a:cxn ang="0">
+                <a:pos x="connsiteX25" y="connsiteY25"/>
+              </a:cxn>
+              <a:cxn ang="0">
+                <a:pos x="connsiteX26" y="connsiteY26"/>
+              </a:cxn>
+              <a:cxn ang="0">
+                <a:pos x="connsiteX27" y="connsiteY27"/>
+              </a:cxn>
+              <a:cxn ang="0">
+                <a:pos x="connsiteX28" y="connsiteY28"/>
+              </a:cxn>
+              <a:cxn ang="0">
+                <a:pos x="connsiteX29" y="connsiteY29"/>
+              </a:cxn>
+              <a:cxn ang="0">
+                <a:pos x="connsiteX30" y="connsiteY30"/>
+              </a:cxn>
+              <a:cxn ang="0">
+                <a:pos x="connsiteX31" y="connsiteY31"/>
+              </a:cxn>
+              <a:cxn ang="0">
+                <a:pos x="connsiteX32" y="connsiteY32"/>
+              </a:cxn>
+              <a:cxn ang="0">
+                <a:pos x="connsiteX33" y="connsiteY33"/>
+              </a:cxn>
+              <a:cxn ang="0">
+                <a:pos x="connsiteX34" y="connsiteY34"/>
+              </a:cxn>
+              <a:cxn ang="0">
+                <a:pos x="connsiteX35" y="connsiteY35"/>
+              </a:cxn>
+              <a:cxn ang="0">
+                <a:pos x="connsiteX36" y="connsiteY36"/>
+              </a:cxn>
+              <a:cxn ang="0">
+                <a:pos x="connsiteX37" y="connsiteY37"/>
+              </a:cxn>
+              <a:cxn ang="0">
+                <a:pos x="connsiteX38" y="connsiteY38"/>
+              </a:cxn>
+              <a:cxn ang="0">
+                <a:pos x="connsiteX39" y="connsiteY39"/>
+              </a:cxn>
+              <a:cxn ang="0">
+                <a:pos x="connsiteX40" y="connsiteY40"/>
+              </a:cxn>
+              <a:cxn ang="0">
+                <a:pos x="connsiteX41" y="connsiteY41"/>
+              </a:cxn>
+              <a:cxn ang="0">
+                <a:pos x="connsiteX42" y="connsiteY42"/>
+              </a:cxn>
+              <a:cxn ang="0">
+                <a:pos x="connsiteX43" y="connsiteY43"/>
+              </a:cxn>
+              <a:cxn ang="0">
+                <a:pos x="connsiteX44" y="connsiteY44"/>
+              </a:cxn>
+              <a:cxn ang="0">
+                <a:pos x="connsiteX45" y="connsiteY45"/>
+              </a:cxn>
+              <a:cxn ang="0">
+                <a:pos x="connsiteX46" y="connsiteY46"/>
+              </a:cxn>
+              <a:cxn ang="0">
+                <a:pos x="connsiteX47" y="connsiteY47"/>
+              </a:cxn>
+              <a:cxn ang="0">
+                <a:pos x="connsiteX48" y="connsiteY48"/>
+              </a:cxn>
+              <a:cxn ang="0">
+                <a:pos x="connsiteX49" y="connsiteY49"/>
+              </a:cxn>
+              <a:cxn ang="0">
+                <a:pos x="connsiteX50" y="connsiteY50"/>
+              </a:cxn>
+              <a:cxn ang="0">
+                <a:pos x="connsiteX51" y="connsiteY51"/>
+              </a:cxn>
+              <a:cxn ang="0">
+                <a:pos x="connsiteX52" y="connsiteY52"/>
+              </a:cxn>
+              <a:cxn ang="0">
+                <a:pos x="connsiteX53" y="connsiteY53"/>
+              </a:cxn>
+              <a:cxn ang="0">
+                <a:pos x="connsiteX54" y="connsiteY54"/>
+              </a:cxn>
+              <a:cxn ang="0">
+                <a:pos x="connsiteX55" y="connsiteY55"/>
+              </a:cxn>
+              <a:cxn ang="0">
+                <a:pos x="connsiteX56" y="connsiteY56"/>
+              </a:cxn>
+              <a:cxn ang="0">
+                <a:pos x="connsiteX57" y="connsiteY57"/>
+              </a:cxn>
+              <a:cxn ang="0">
+                <a:pos x="connsiteX58" y="connsiteY58"/>
+              </a:cxn>
+              <a:cxn ang="0">
+                <a:pos x="connsiteX59" y="connsiteY59"/>
+              </a:cxn>
+              <a:cxn ang="0">
+                <a:pos x="connsiteX60" y="connsiteY60"/>
+              </a:cxn>
+              <a:cxn ang="0">
+                <a:pos x="connsiteX61" y="connsiteY61"/>
+              </a:cxn>
+              <a:cxn ang="0">
+                <a:pos x="connsiteX62" y="connsiteY62"/>
+              </a:cxn>
+              <a:cxn ang="0">
+                <a:pos x="connsiteX63" y="connsiteY63"/>
+              </a:cxn>
+              <a:cxn ang="0">
+                <a:pos x="connsiteX64" y="connsiteY64"/>
+              </a:cxn>
+              <a:cxn ang="0">
+                <a:pos x="connsiteX65" y="connsiteY65"/>
+              </a:cxn>
+              <a:cxn ang="0">
+                <a:pos x="connsiteX66" y="connsiteY66"/>
+              </a:cxn>
+              <a:cxn ang="0">
+                <a:pos x="connsiteX67" y="connsiteY67"/>
+              </a:cxn>
+              <a:cxn ang="0">
+                <a:pos x="connsiteX68" y="connsiteY68"/>
+              </a:cxn>
+              <a:cxn ang="0">
+                <a:pos x="connsiteX69" y="connsiteY69"/>
+              </a:cxn>
+              <a:cxn ang="0">
+                <a:pos x="connsiteX70" y="connsiteY70"/>
+              </a:cxn>
+              <a:cxn ang="0">
+                <a:pos x="connsiteX71" y="connsiteY71"/>
+              </a:cxn>
+              <a:cxn ang="0">
+                <a:pos x="connsiteX72" y="connsiteY72"/>
+              </a:cxn>
+              <a:cxn ang="0">
+                <a:pos x="connsiteX73" y="connsiteY73"/>
+              </a:cxn>
+              <a:cxn ang="0">
+                <a:pos x="connsiteX74" y="connsiteY74"/>
+              </a:cxn>
+              <a:cxn ang="0">
+                <a:pos x="connsiteX75" y="connsiteY75"/>
+              </a:cxn>
+              <a:cxn ang="0">
+                <a:pos x="connsiteX76" y="connsiteY76"/>
+              </a:cxn>
+              <a:cxn ang="0">
+                <a:pos x="connsiteX77" y="connsiteY77"/>
+              </a:cxn>
+              <a:cxn ang="0">
+                <a:pos x="connsiteX78" y="connsiteY78"/>
+              </a:cxn>
+              <a:cxn ang="0">
+                <a:pos x="connsiteX79" y="connsiteY79"/>
+              </a:cxn>
+              <a:cxn ang="0">
+                <a:pos x="connsiteX80" y="connsiteY80"/>
+              </a:cxn>
+              <a:cxn ang="0">
+                <a:pos x="connsiteX81" y="connsiteY81"/>
+              </a:cxn>
+              <a:cxn ang="0">
+                <a:pos x="connsiteX82" y="connsiteY82"/>
+              </a:cxn>
+              <a:cxn ang="0">
+                <a:pos x="connsiteX83" y="connsiteY83"/>
+              </a:cxn>
+              <a:cxn ang="0">
+                <a:pos x="connsiteX84" y="connsiteY84"/>
+              </a:cxn>
+              <a:cxn ang="0">
+                <a:pos x="connsiteX85" y="connsiteY85"/>
+              </a:cxn>
+              <a:cxn ang="0">
+                <a:pos x="connsiteX86" y="connsiteY86"/>
+              </a:cxn>
+              <a:cxn ang="0">
+                <a:pos x="connsiteX87" y="connsiteY87"/>
+              </a:cxn>
+              <a:cxn ang="0">
+                <a:pos x="connsiteX88" y="connsiteY88"/>
+              </a:cxn>
+              <a:cxn ang="0">
+                <a:pos x="connsiteX89" y="connsiteY89"/>
+              </a:cxn>
+              <a:cxn ang="0">
+                <a:pos x="connsiteX90" y="connsiteY90"/>
+              </a:cxn>
+            </a:cxnLst>
+            <a:rect l="l" t="t" r="r" b="b"/>
+            <a:pathLst>
+              <a:path w="3656180" h="3444875">
+                <a:moveTo>
+                  <a:pt x="3548079" y="3397376"/>
+                </a:moveTo>
+                <a:lnTo>
+                  <a:pt x="3532636" y="3444875"/>
+                </a:lnTo>
+                <a:lnTo>
+                  <a:pt x="3498557" y="3444875"/>
+                </a:lnTo>
+                <a:close/>
+                <a:moveTo>
+                  <a:pt x="3632186" y="3005171"/>
+                </a:moveTo>
+                <a:cubicBezTo>
+                  <a:pt x="3628435" y="3032792"/>
+                  <a:pt x="3624288" y="3060280"/>
+                  <a:pt x="3619689" y="3087624"/>
+                </a:cubicBezTo>
+                <a:lnTo>
+                  <a:pt x="3274274" y="3444875"/>
+                </a:lnTo>
+                <a:lnTo>
+                  <a:pt x="3173756" y="3444875"/>
+                </a:lnTo>
+                <a:close/>
+                <a:moveTo>
+                  <a:pt x="3656180" y="2670622"/>
+                </a:moveTo>
+                <a:cubicBezTo>
+                  <a:pt x="3656017" y="2689636"/>
+                  <a:pt x="3655640" y="2708599"/>
+                  <a:pt x="3655079" y="2727515"/>
+                </a:cubicBezTo>
+                <a:lnTo>
+                  <a:pt x="2961486" y="3444875"/>
+                </a:lnTo>
+                <a:lnTo>
+                  <a:pt x="2848952" y="3444875"/>
+                </a:lnTo>
+                <a:close/>
+                <a:moveTo>
+                  <a:pt x="3642163" y="2372524"/>
+                </a:moveTo>
+                <a:cubicBezTo>
+                  <a:pt x="3643564" y="2386091"/>
+                  <a:pt x="3644870" y="2399697"/>
+                  <a:pt x="3646069" y="2413324"/>
+                </a:cubicBezTo>
+                <a:lnTo>
+                  <a:pt x="2648697" y="3444875"/>
+                </a:lnTo>
+                <a:lnTo>
+                  <a:pt x="2524143" y="3444875"/>
+                </a:lnTo>
+                <a:close/>
+                <a:moveTo>
+                  <a:pt x="3599765" y="2101653"/>
+                </a:moveTo>
+                <a:cubicBezTo>
+                  <a:pt x="3601845" y="2111561"/>
+                  <a:pt x="3603870" y="2121482"/>
+                  <a:pt x="3605841" y="2131427"/>
+                </a:cubicBezTo>
+                <a:lnTo>
+                  <a:pt x="2335906" y="3444875"/>
+                </a:lnTo>
+                <a:lnTo>
+                  <a:pt x="2199336" y="3444875"/>
+                </a:lnTo>
+                <a:close/>
+                <a:moveTo>
+                  <a:pt x="3534501" y="1852715"/>
+                </a:moveTo>
+                <a:cubicBezTo>
+                  <a:pt x="3536804" y="1860014"/>
+                  <a:pt x="3539064" y="1867336"/>
+                  <a:pt x="3541305" y="1874665"/>
+                </a:cubicBezTo>
+                <a:lnTo>
+                  <a:pt x="2023117" y="3444875"/>
+                </a:lnTo>
+                <a:lnTo>
+                  <a:pt x="1874535" y="3444875"/>
+                </a:lnTo>
+                <a:close/>
+                <a:moveTo>
+                  <a:pt x="3449800" y="1622417"/>
+                </a:moveTo>
+                <a:cubicBezTo>
+                  <a:pt x="3452095" y="1627850"/>
+                  <a:pt x="3454360" y="1633297"/>
+                  <a:pt x="3456617" y="1638749"/>
+                </a:cubicBezTo>
+                <a:lnTo>
+                  <a:pt x="1710333" y="3444875"/>
+                </a:lnTo>
+                <a:lnTo>
+                  <a:pt x="1549729" y="3444875"/>
+                </a:lnTo>
+                <a:close/>
+                <a:moveTo>
+                  <a:pt x="3347982" y="1408540"/>
+                </a:moveTo>
+                <a:cubicBezTo>
+                  <a:pt x="3350165" y="1412642"/>
+                  <a:pt x="3352333" y="1416750"/>
+                  <a:pt x="3354494" y="1420867"/>
+                </a:cubicBezTo>
+                <a:lnTo>
+                  <a:pt x="1397545" y="3444875"/>
+                </a:lnTo>
+                <a:lnTo>
+                  <a:pt x="1224922" y="3444875"/>
+                </a:lnTo>
+                <a:close/>
+                <a:moveTo>
+                  <a:pt x="3230590" y="1209610"/>
+                </a:moveTo>
+                <a:cubicBezTo>
+                  <a:pt x="3232651" y="1212778"/>
+                  <a:pt x="3234739" y="1215930"/>
+                  <a:pt x="3236787" y="1219113"/>
+                </a:cubicBezTo>
+                <a:lnTo>
+                  <a:pt x="1084761" y="3444875"/>
+                </a:lnTo>
+                <a:lnTo>
+                  <a:pt x="900119" y="3444875"/>
+                </a:lnTo>
+                <a:close/>
+                <a:moveTo>
+                  <a:pt x="3098633" y="1024630"/>
+                </a:moveTo>
+                <a:cubicBezTo>
+                  <a:pt x="3100632" y="1027185"/>
+                  <a:pt x="3102632" y="1029740"/>
+                  <a:pt x="3104614" y="1032303"/>
+                </a:cubicBezTo>
+                <a:lnTo>
+                  <a:pt x="771968" y="3444875"/>
+                </a:lnTo>
+                <a:lnTo>
+                  <a:pt x="575311" y="3444875"/>
+                </a:lnTo>
+                <a:close/>
+                <a:moveTo>
+                  <a:pt x="2952730" y="853035"/>
+                </a:moveTo>
+                <a:cubicBezTo>
+                  <a:pt x="2954755" y="855216"/>
+                  <a:pt x="2956784" y="857404"/>
+                  <a:pt x="2958798" y="859603"/>
+                </a:cubicBezTo>
+                <a:lnTo>
+                  <a:pt x="459182" y="3444875"/>
+                </a:lnTo>
+                <a:lnTo>
+                  <a:pt x="250505" y="3444875"/>
+                </a:lnTo>
+                <a:close/>
+                <a:moveTo>
+                  <a:pt x="2793131" y="694585"/>
+                </a:moveTo>
+                <a:cubicBezTo>
+                  <a:pt x="2795331" y="696594"/>
+                  <a:pt x="2797525" y="698612"/>
+                  <a:pt x="2799725" y="700629"/>
+                </a:cubicBezTo>
+                <a:lnTo>
+                  <a:pt x="146395" y="3444875"/>
+                </a:lnTo>
+                <a:lnTo>
+                  <a:pt x="0" y="3444875"/>
+                </a:lnTo>
+                <a:lnTo>
+                  <a:pt x="0" y="3373614"/>
+                </a:lnTo>
+                <a:close/>
+                <a:moveTo>
+                  <a:pt x="2619730" y="549358"/>
+                </a:moveTo>
+                <a:cubicBezTo>
+                  <a:pt x="2622301" y="551329"/>
+                  <a:pt x="2624866" y="553324"/>
+                  <a:pt x="2627431" y="555312"/>
+                </a:cubicBezTo>
+                <a:lnTo>
+                  <a:pt x="0" y="3272777"/>
+                </a:lnTo>
+                <a:lnTo>
+                  <a:pt x="0" y="3062073"/>
+                </a:lnTo>
+                <a:close/>
+                <a:moveTo>
+                  <a:pt x="2432170" y="417720"/>
+                </a:moveTo>
+                <a:cubicBezTo>
+                  <a:pt x="2435365" y="419759"/>
+                  <a:pt x="2438532" y="421836"/>
+                  <a:pt x="2441711" y="423891"/>
+                </a:cubicBezTo>
+                <a:lnTo>
+                  <a:pt x="0" y="2949268"/>
+                </a:lnTo>
+                <a:lnTo>
+                  <a:pt x="0" y="2750542"/>
+                </a:lnTo>
+                <a:close/>
+                <a:moveTo>
+                  <a:pt x="2229608" y="300471"/>
+                </a:moveTo>
+                <a:cubicBezTo>
+                  <a:pt x="2233741" y="302622"/>
+                  <a:pt x="2237868" y="304783"/>
+                  <a:pt x="2241987" y="306955"/>
+                </a:cubicBezTo>
+                <a:lnTo>
+                  <a:pt x="0" y="2625766"/>
+                </a:lnTo>
+                <a:lnTo>
+                  <a:pt x="0" y="2438996"/>
+                </a:lnTo>
+                <a:close/>
+                <a:moveTo>
+                  <a:pt x="2010843" y="198759"/>
+                </a:moveTo>
+                <a:cubicBezTo>
+                  <a:pt x="2016323" y="201008"/>
+                  <a:pt x="2021788" y="203264"/>
+                  <a:pt x="2027243" y="205550"/>
+                </a:cubicBezTo>
+                <a:lnTo>
+                  <a:pt x="0" y="2302258"/>
+                </a:lnTo>
+                <a:lnTo>
+                  <a:pt x="0" y="2127460"/>
+                </a:lnTo>
+                <a:close/>
+                <a:moveTo>
+                  <a:pt x="1773991" y="114408"/>
+                </a:moveTo>
+                <a:cubicBezTo>
+                  <a:pt x="1781349" y="116643"/>
+                  <a:pt x="1788701" y="118891"/>
+                  <a:pt x="1796028" y="121185"/>
+                </a:cubicBezTo>
+                <a:lnTo>
+                  <a:pt x="0" y="1978755"/>
+                </a:lnTo>
+                <a:lnTo>
+                  <a:pt x="0" y="1815934"/>
+                </a:lnTo>
+                <a:close/>
+                <a:moveTo>
+                  <a:pt x="245157" y="107669"/>
+                </a:moveTo>
+                <a:lnTo>
+                  <a:pt x="0" y="361226"/>
+                </a:lnTo>
+                <a:lnTo>
+                  <a:pt x="0" y="258242"/>
+                </a:lnTo>
+                <a:lnTo>
+                  <a:pt x="112323" y="150509"/>
+                </a:lnTo>
+                <a:cubicBezTo>
+                  <a:pt x="156086" y="135103"/>
+                  <a:pt x="200374" y="120819"/>
+                  <a:pt x="245157" y="107669"/>
+                </a:cubicBezTo>
+                <a:close/>
+                <a:moveTo>
+                  <a:pt x="1516194" y="50130"/>
+                </a:moveTo>
+                <a:cubicBezTo>
+                  <a:pt x="1526177" y="52087"/>
+                  <a:pt x="1536146" y="54105"/>
+                  <a:pt x="1546086" y="56182"/>
+                </a:cubicBezTo>
+                <a:lnTo>
+                  <a:pt x="0" y="1655245"/>
+                </a:lnTo>
+                <a:lnTo>
+                  <a:pt x="0" y="1504390"/>
+                </a:lnTo>
+                <a:close/>
+                <a:moveTo>
+                  <a:pt x="638934" y="23899"/>
+                </a:moveTo>
+                <a:lnTo>
+                  <a:pt x="0" y="684727"/>
+                </a:lnTo>
+                <a:lnTo>
+                  <a:pt x="0" y="569779"/>
+                </a:lnTo>
+                <a:lnTo>
+                  <a:pt x="556153" y="36345"/>
+                </a:lnTo>
+                <a:cubicBezTo>
+                  <a:pt x="583607" y="31765"/>
+                  <a:pt x="611205" y="27635"/>
+                  <a:pt x="638934" y="23899"/>
+                </a:cubicBezTo>
+                <a:close/>
+                <a:moveTo>
+                  <a:pt x="1233160" y="10073"/>
+                </a:moveTo>
+                <a:cubicBezTo>
+                  <a:pt x="1246842" y="11268"/>
+                  <a:pt x="1260502" y="12569"/>
+                  <a:pt x="1274124" y="13967"/>
+                </a:cubicBezTo>
+                <a:lnTo>
+                  <a:pt x="0" y="1331746"/>
+                </a:lnTo>
+                <a:lnTo>
+                  <a:pt x="0" y="1192857"/>
+                </a:lnTo>
+                <a:close/>
+                <a:moveTo>
+                  <a:pt x="974826" y="0"/>
+                </a:moveTo>
+                <a:lnTo>
+                  <a:pt x="0" y="1008229"/>
+                </a:lnTo>
+                <a:lnTo>
+                  <a:pt x="0" y="881312"/>
+                </a:lnTo>
+                <a:lnTo>
+                  <a:pt x="917705" y="1092"/>
+                </a:lnTo>
+                <a:cubicBezTo>
+                  <a:pt x="936697" y="530"/>
+                  <a:pt x="955736" y="163"/>
+                  <a:pt x="974826" y="0"/>
+                </a:cubicBezTo>
+                <a:close/>
+              </a:path>
+            </a:pathLst>
+          </a:custGeom>
+          <a:solidFill>
+            <a:schemeClr val="accent1">
+              <a:lumMod val="20000"/>
+              <a:lumOff val="80000"/>
+              <a:alpha val="42000"/>
+            </a:schemeClr>
+          </a:solidFill>
+          <a:ln w="4838" cap="flat">
+            <a:noFill/>
+            <a:prstDash val="solid"/>
+            <a:miter/>
+          </a:ln>
+        </p:spPr>
+        <p:txBody>
+          <a:bodyPr wrap="square" rtlCol="0" anchor="ctr">
+            <a:noAutofit/>
+          </a:bodyPr>
+          <a:lstStyle/>
+          <a:p>
+            <a:endParaRPr lang="en-US"/>
+          </a:p>
+        </p:txBody>
+      </p:sp>
+      <p:sp>
+        <p:nvSpPr>
+          <p:cNvPr id="11" name="Freeform: Shape 10">
+            <a:extLst>
+              <a:ext uri="{FF2B5EF4-FFF2-40B4-BE49-F238E27FC236}">
+                <a16:creationId xmlns:a16="http://schemas.microsoft.com/office/drawing/2014/main" id="{754930D5-7B76-4AE1-B9A6-8C9ABAE26A59}"/>
+              </a:ext>
+            </a:extLst>
+          </p:cNvPr>
+          <p:cNvSpPr/>
+          <p:nvPr/>
+        </p:nvSpPr>
+        <p:spPr>
+          <a:xfrm>
+            <a:off x="691744" y="4943960"/>
+            <a:ext cx="1179576" cy="1179576"/>
+          </a:xfrm>
+          <a:custGeom>
+            <a:avLst/>
+            <a:gdLst>
+              <a:gd name="connsiteX0" fmla="*/ 1830827 w 1950038"/>
+              <a:gd name="connsiteY0" fmla="*/ 1442624 h 1950035"/>
+              <a:gd name="connsiteX1" fmla="*/ 1739783 w 1950038"/>
+              <a:gd name="connsiteY1" fmla="*/ 1579915 h 1950035"/>
+              <a:gd name="connsiteX2" fmla="*/ 1608523 w 1950038"/>
+              <a:gd name="connsiteY2" fmla="*/ 1716219 h 1950035"/>
+              <a:gd name="connsiteX3" fmla="*/ 1410014 w 1950038"/>
+              <a:gd name="connsiteY3" fmla="*/ 1847867 h 1950035"/>
+              <a:gd name="connsiteX4" fmla="*/ 1910383 w 1950038"/>
+              <a:gd name="connsiteY4" fmla="*/ 1251270 h 1950035"/>
+              <a:gd name="connsiteX5" fmla="*/ 1894604 w 1950038"/>
+              <a:gd name="connsiteY5" fmla="*/ 1299997 h 1950035"/>
+              <a:gd name="connsiteX6" fmla="*/ 1334487 w 1950038"/>
+              <a:gd name="connsiteY6" fmla="*/ 1881633 h 1950035"/>
+              <a:gd name="connsiteX7" fmla="*/ 1215916 w 1950038"/>
+              <a:gd name="connsiteY7" fmla="*/ 1920041 h 1950035"/>
+              <a:gd name="connsiteX8" fmla="*/ 1941236 w 1950038"/>
+              <a:gd name="connsiteY8" fmla="*/ 1106819 h 1950035"/>
+              <a:gd name="connsiteX9" fmla="*/ 1936652 w 1950038"/>
+              <a:gd name="connsiteY9" fmla="*/ 1137187 h 1950035"/>
+              <a:gd name="connsiteX10" fmla="*/ 1173309 w 1950038"/>
+              <a:gd name="connsiteY10" fmla="*/ 1929855 h 1950035"/>
+              <a:gd name="connsiteX11" fmla="*/ 1070425 w 1950038"/>
+              <a:gd name="connsiteY11" fmla="*/ 1945413 h 1950035"/>
+              <a:gd name="connsiteX12" fmla="*/ 1950038 w 1950038"/>
+              <a:gd name="connsiteY12" fmla="*/ 983603 h 1950035"/>
+              <a:gd name="connsiteX13" fmla="*/ 1949634 w 1950038"/>
+              <a:gd name="connsiteY13" fmla="*/ 1004557 h 1950035"/>
+              <a:gd name="connsiteX14" fmla="*/ 1041285 w 1950038"/>
+              <a:gd name="connsiteY14" fmla="*/ 1947804 h 1950035"/>
+              <a:gd name="connsiteX15" fmla="*/ 975046 w 1950038"/>
+              <a:gd name="connsiteY15" fmla="*/ 1950035 h 1950035"/>
+              <a:gd name="connsiteX16" fmla="*/ 946904 w 1950038"/>
+              <a:gd name="connsiteY16" fmla="*/ 1949623 h 1950035"/>
+              <a:gd name="connsiteX17" fmla="*/ 1944896 w 1950038"/>
+              <a:gd name="connsiteY17" fmla="*/ 873812 h 1950035"/>
+              <a:gd name="connsiteX18" fmla="*/ 1946329 w 1950038"/>
+              <a:gd name="connsiteY18" fmla="*/ 888839 h 1950035"/>
+              <a:gd name="connsiteX19" fmla="*/ 925587 w 1950038"/>
+              <a:gd name="connsiteY19" fmla="*/ 1948800 h 1950035"/>
+              <a:gd name="connsiteX20" fmla="*/ 837353 w 1950038"/>
+              <a:gd name="connsiteY20" fmla="*/ 1940379 h 1950035"/>
+              <a:gd name="connsiteX21" fmla="*/ 1929343 w 1950038"/>
+              <a:gd name="connsiteY21" fmla="*/ 774049 h 1950035"/>
+              <a:gd name="connsiteX22" fmla="*/ 1931572 w 1950038"/>
+              <a:gd name="connsiteY22" fmla="*/ 785015 h 1950035"/>
+              <a:gd name="connsiteX23" fmla="*/ 821280 w 1950038"/>
+              <a:gd name="connsiteY23" fmla="*/ 1937961 h 1950035"/>
+              <a:gd name="connsiteX24" fmla="*/ 738258 w 1950038"/>
+              <a:gd name="connsiteY24" fmla="*/ 1921066 h 1950035"/>
+              <a:gd name="connsiteX25" fmla="*/ 1905402 w 1950038"/>
+              <a:gd name="connsiteY25" fmla="*/ 682364 h 1950035"/>
+              <a:gd name="connsiteX26" fmla="*/ 1907898 w 1950038"/>
+              <a:gd name="connsiteY26" fmla="*/ 690448 h 1950035"/>
+              <a:gd name="connsiteX27" fmla="*/ 725871 w 1950038"/>
+              <a:gd name="connsiteY27" fmla="*/ 1917887 h 1950035"/>
+              <a:gd name="connsiteX28" fmla="*/ 647566 w 1950038"/>
+              <a:gd name="connsiteY28" fmla="*/ 1893664 h 1950035"/>
+              <a:gd name="connsiteX29" fmla="*/ 1874331 w 1950038"/>
+              <a:gd name="connsiteY29" fmla="*/ 597544 h 1950035"/>
+              <a:gd name="connsiteX30" fmla="*/ 1876832 w 1950038"/>
+              <a:gd name="connsiteY30" fmla="*/ 603559 h 1950035"/>
+              <a:gd name="connsiteX31" fmla="*/ 637848 w 1950038"/>
+              <a:gd name="connsiteY31" fmla="*/ 1890146 h 1950035"/>
+              <a:gd name="connsiteX32" fmla="*/ 563992 w 1950038"/>
+              <a:gd name="connsiteY32" fmla="*/ 1859406 h 1950035"/>
+              <a:gd name="connsiteX33" fmla="*/ 1836981 w 1950038"/>
+              <a:gd name="connsiteY33" fmla="*/ 518772 h 1950035"/>
+              <a:gd name="connsiteX34" fmla="*/ 1839370 w 1950038"/>
+              <a:gd name="connsiteY34" fmla="*/ 523312 h 1950035"/>
+              <a:gd name="connsiteX35" fmla="*/ 556238 w 1950038"/>
+              <a:gd name="connsiteY35" fmla="*/ 1855742 h 1950035"/>
+              <a:gd name="connsiteX36" fmla="*/ 486699 w 1950038"/>
+              <a:gd name="connsiteY36" fmla="*/ 1819097 h 1950035"/>
+              <a:gd name="connsiteX37" fmla="*/ 1793918 w 1950038"/>
+              <a:gd name="connsiteY37" fmla="*/ 445505 h 1950035"/>
+              <a:gd name="connsiteX38" fmla="*/ 1796191 w 1950038"/>
+              <a:gd name="connsiteY38" fmla="*/ 449005 h 1950035"/>
+              <a:gd name="connsiteX39" fmla="*/ 480350 w 1950038"/>
+              <a:gd name="connsiteY39" fmla="*/ 1815396 h 1950035"/>
+              <a:gd name="connsiteX40" fmla="*/ 415102 w 1950038"/>
+              <a:gd name="connsiteY40" fmla="*/ 1773303 h 1950035"/>
+              <a:gd name="connsiteX41" fmla="*/ 1745512 w 1950038"/>
+              <a:gd name="connsiteY41" fmla="*/ 377376 h 1950035"/>
+              <a:gd name="connsiteX42" fmla="*/ 1747706 w 1950038"/>
+              <a:gd name="connsiteY42" fmla="*/ 380202 h 1950035"/>
+              <a:gd name="connsiteX43" fmla="*/ 409766 w 1950038"/>
+              <a:gd name="connsiteY43" fmla="*/ 1769542 h 1950035"/>
+              <a:gd name="connsiteX44" fmla="*/ 348835 w 1950038"/>
+              <a:gd name="connsiteY44" fmla="*/ 1722378 h 1950035"/>
+              <a:gd name="connsiteX45" fmla="*/ 1691990 w 1950038"/>
+              <a:gd name="connsiteY45" fmla="*/ 314177 h 1950035"/>
+              <a:gd name="connsiteX46" fmla="*/ 1694216 w 1950038"/>
+              <a:gd name="connsiteY46" fmla="*/ 316596 h 1950035"/>
+              <a:gd name="connsiteX47" fmla="*/ 344204 w 1950038"/>
+              <a:gd name="connsiteY47" fmla="*/ 1718476 h 1950035"/>
+              <a:gd name="connsiteX48" fmla="*/ 287684 w 1950038"/>
+              <a:gd name="connsiteY48" fmla="*/ 1666526 h 1950035"/>
+              <a:gd name="connsiteX49" fmla="*/ 1633444 w 1950038"/>
+              <a:gd name="connsiteY49" fmla="*/ 255819 h 1950035"/>
+              <a:gd name="connsiteX50" fmla="*/ 1635863 w 1950038"/>
+              <a:gd name="connsiteY50" fmla="*/ 258045 h 1950035"/>
+              <a:gd name="connsiteX51" fmla="*/ 283510 w 1950038"/>
+              <a:gd name="connsiteY51" fmla="*/ 1662352 h 1950035"/>
+              <a:gd name="connsiteX52" fmla="*/ 231563 w 1950038"/>
+              <a:gd name="connsiteY52" fmla="*/ 1605831 h 1950035"/>
+              <a:gd name="connsiteX53" fmla="*/ 1569835 w 1950038"/>
+              <a:gd name="connsiteY53" fmla="*/ 202331 h 1950035"/>
+              <a:gd name="connsiteX54" fmla="*/ 1572660 w 1950038"/>
+              <a:gd name="connsiteY54" fmla="*/ 204524 h 1950035"/>
+              <a:gd name="connsiteX55" fmla="*/ 227657 w 1950038"/>
+              <a:gd name="connsiteY55" fmla="*/ 1601202 h 1950035"/>
+              <a:gd name="connsiteX56" fmla="*/ 180493 w 1950038"/>
+              <a:gd name="connsiteY56" fmla="*/ 1540270 h 1950035"/>
+              <a:gd name="connsiteX57" fmla="*/ 1501032 w 1950038"/>
+              <a:gd name="connsiteY57" fmla="*/ 153848 h 1950035"/>
+              <a:gd name="connsiteX58" fmla="*/ 1504532 w 1950038"/>
+              <a:gd name="connsiteY58" fmla="*/ 156121 h 1950035"/>
+              <a:gd name="connsiteX59" fmla="*/ 176731 w 1950038"/>
+              <a:gd name="connsiteY59" fmla="*/ 1534934 h 1950035"/>
+              <a:gd name="connsiteX60" fmla="*/ 134641 w 1950038"/>
+              <a:gd name="connsiteY60" fmla="*/ 1469688 h 1950035"/>
+              <a:gd name="connsiteX61" fmla="*/ 507414 w 1950038"/>
+              <a:gd name="connsiteY61" fmla="*/ 119212 h 1950035"/>
+              <a:gd name="connsiteX62" fmla="*/ 102168 w 1950038"/>
+              <a:gd name="connsiteY62" fmla="*/ 540025 h 1950035"/>
+              <a:gd name="connsiteX63" fmla="*/ 233816 w 1950038"/>
+              <a:gd name="connsiteY63" fmla="*/ 341515 h 1950035"/>
+              <a:gd name="connsiteX64" fmla="*/ 370122 w 1950038"/>
+              <a:gd name="connsiteY64" fmla="*/ 210255 h 1950035"/>
+              <a:gd name="connsiteX65" fmla="*/ 507414 w 1950038"/>
+              <a:gd name="connsiteY65" fmla="*/ 119212 h 1950035"/>
+              <a:gd name="connsiteX66" fmla="*/ 1426726 w 1950038"/>
+              <a:gd name="connsiteY66" fmla="*/ 110665 h 1950035"/>
+              <a:gd name="connsiteX67" fmla="*/ 1431267 w 1950038"/>
+              <a:gd name="connsiteY67" fmla="*/ 113053 h 1950035"/>
+              <a:gd name="connsiteX68" fmla="*/ 130941 w 1950038"/>
+              <a:gd name="connsiteY68" fmla="*/ 1463336 h 1950035"/>
+              <a:gd name="connsiteX69" fmla="*/ 94293 w 1950038"/>
+              <a:gd name="connsiteY69" fmla="*/ 1393797 h 1950035"/>
+              <a:gd name="connsiteX70" fmla="*/ 1346476 w 1950038"/>
+              <a:gd name="connsiteY70" fmla="*/ 73204 h 1950035"/>
+              <a:gd name="connsiteX71" fmla="*/ 1352492 w 1950038"/>
+              <a:gd name="connsiteY71" fmla="*/ 75705 h 1950035"/>
+              <a:gd name="connsiteX72" fmla="*/ 90629 w 1950038"/>
+              <a:gd name="connsiteY72" fmla="*/ 1386047 h 1950035"/>
+              <a:gd name="connsiteX73" fmla="*/ 59890 w 1950038"/>
+              <a:gd name="connsiteY73" fmla="*/ 1312188 h 1950035"/>
+              <a:gd name="connsiteX74" fmla="*/ 1259591 w 1950038"/>
+              <a:gd name="connsiteY74" fmla="*/ 42137 h 1950035"/>
+              <a:gd name="connsiteX75" fmla="*/ 1267675 w 1950038"/>
+              <a:gd name="connsiteY75" fmla="*/ 44633 h 1950035"/>
+              <a:gd name="connsiteX76" fmla="*/ 56375 w 1950038"/>
+              <a:gd name="connsiteY76" fmla="*/ 1302469 h 1950035"/>
+              <a:gd name="connsiteX77" fmla="*/ 32152 w 1950038"/>
+              <a:gd name="connsiteY77" fmla="*/ 1224164 h 1950035"/>
+              <a:gd name="connsiteX78" fmla="*/ 698766 w 1950038"/>
+              <a:gd name="connsiteY78" fmla="*/ 39655 h 1950035"/>
+              <a:gd name="connsiteX79" fmla="*/ 29995 w 1950038"/>
+              <a:gd name="connsiteY79" fmla="*/ 734118 h 1950035"/>
+              <a:gd name="connsiteX80" fmla="*/ 68403 w 1950038"/>
+              <a:gd name="connsiteY80" fmla="*/ 615547 h 1950035"/>
+              <a:gd name="connsiteX81" fmla="*/ 650038 w 1950038"/>
+              <a:gd name="connsiteY81" fmla="*/ 55433 h 1950035"/>
+              <a:gd name="connsiteX82" fmla="*/ 698766 w 1950038"/>
+              <a:gd name="connsiteY82" fmla="*/ 39655 h 1950035"/>
+              <a:gd name="connsiteX83" fmla="*/ 1165023 w 1950038"/>
+              <a:gd name="connsiteY83" fmla="*/ 18463 h 1950035"/>
+              <a:gd name="connsiteX84" fmla="*/ 1175988 w 1950038"/>
+              <a:gd name="connsiteY84" fmla="*/ 20692 h 1950035"/>
+              <a:gd name="connsiteX85" fmla="*/ 28970 w 1950038"/>
+              <a:gd name="connsiteY85" fmla="*/ 1211777 h 1950035"/>
+              <a:gd name="connsiteX86" fmla="*/ 12075 w 1950038"/>
+              <a:gd name="connsiteY86" fmla="*/ 1128755 h 1950035"/>
+              <a:gd name="connsiteX87" fmla="*/ 843216 w 1950038"/>
+              <a:gd name="connsiteY87" fmla="*/ 8802 h 1950035"/>
+              <a:gd name="connsiteX88" fmla="*/ 4623 w 1950038"/>
+              <a:gd name="connsiteY88" fmla="*/ 879613 h 1950035"/>
+              <a:gd name="connsiteX89" fmla="*/ 20181 w 1950038"/>
+              <a:gd name="connsiteY89" fmla="*/ 776727 h 1950035"/>
+              <a:gd name="connsiteX90" fmla="*/ 812849 w 1950038"/>
+              <a:gd name="connsiteY90" fmla="*/ 13386 h 1950035"/>
+              <a:gd name="connsiteX91" fmla="*/ 843216 w 1950038"/>
+              <a:gd name="connsiteY91" fmla="*/ 8802 h 1950035"/>
+              <a:gd name="connsiteX92" fmla="*/ 1061197 w 1950038"/>
+              <a:gd name="connsiteY92" fmla="*/ 3710 h 1950035"/>
+              <a:gd name="connsiteX93" fmla="*/ 1076224 w 1950038"/>
+              <a:gd name="connsiteY93" fmla="*/ 5144 h 1950035"/>
+              <a:gd name="connsiteX94" fmla="*/ 9655 w 1950038"/>
+              <a:gd name="connsiteY94" fmla="*/ 1112686 h 1950035"/>
+              <a:gd name="connsiteX95" fmla="*/ 1238 w 1950038"/>
+              <a:gd name="connsiteY95" fmla="*/ 1024450 h 1950035"/>
+              <a:gd name="connsiteX96" fmla="*/ 966432 w 1950038"/>
+              <a:gd name="connsiteY96" fmla="*/ 0 h 1950035"/>
+              <a:gd name="connsiteX97" fmla="*/ 413 w 1950038"/>
+              <a:gd name="connsiteY97" fmla="*/ 1003131 h 1950035"/>
+              <a:gd name="connsiteX98" fmla="*/ 0 w 1950038"/>
+              <a:gd name="connsiteY98" fmla="*/ 974990 h 1950035"/>
+              <a:gd name="connsiteX99" fmla="*/ 2232 w 1950038"/>
+              <a:gd name="connsiteY99" fmla="*/ 908753 h 1950035"/>
+              <a:gd name="connsiteX100" fmla="*/ 945478 w 1950038"/>
+              <a:gd name="connsiteY100" fmla="*/ 402 h 1950035"/>
+              <a:gd name="connsiteX101" fmla="*/ 966432 w 1950038"/>
+              <a:gd name="connsiteY101" fmla="*/ 0 h 1950035"/>
+            </a:gdLst>
+            <a:ahLst/>
+            <a:cxnLst>
+              <a:cxn ang="0">
+                <a:pos x="connsiteX0" y="connsiteY0"/>
+              </a:cxn>
+              <a:cxn ang="0">
+                <a:pos x="connsiteX1" y="connsiteY1"/>
+              </a:cxn>
+              <a:cxn ang="0">
+                <a:pos x="connsiteX2" y="connsiteY2"/>
+              </a:cxn>
+              <a:cxn ang="0">
+                <a:pos x="connsiteX3" y="connsiteY3"/>
+              </a:cxn>
+              <a:cxn ang="0">
+                <a:pos x="connsiteX4" y="connsiteY4"/>
+              </a:cxn>
+              <a:cxn ang="0">
+                <a:pos x="connsiteX5" y="connsiteY5"/>
+              </a:cxn>
+              <a:cxn ang="0">
+                <a:pos x="connsiteX6" y="connsiteY6"/>
+              </a:cxn>
+              <a:cxn ang="0">
+                <a:pos x="connsiteX7" y="connsiteY7"/>
+              </a:cxn>
+              <a:cxn ang="0">
+                <a:pos x="connsiteX8" y="connsiteY8"/>
+              </a:cxn>
+              <a:cxn ang="0">
+                <a:pos x="connsiteX9" y="connsiteY9"/>
+              </a:cxn>
+              <a:cxn ang="0">
+                <a:pos x="connsiteX10" y="connsiteY10"/>
+              </a:cxn>
+              <a:cxn ang="0">
+                <a:pos x="connsiteX11" y="connsiteY11"/>
+              </a:cxn>
+              <a:cxn ang="0">
+                <a:pos x="connsiteX12" y="connsiteY12"/>
+              </a:cxn>
+              <a:cxn ang="0">
+                <a:pos x="connsiteX13" y="connsiteY13"/>
+              </a:cxn>
+              <a:cxn ang="0">
+                <a:pos x="connsiteX14" y="connsiteY14"/>
+              </a:cxn>
+              <a:cxn ang="0">
+                <a:pos x="connsiteX15" y="connsiteY15"/>
+              </a:cxn>
+              <a:cxn ang="0">
+                <a:pos x="connsiteX16" y="connsiteY16"/>
+              </a:cxn>
+              <a:cxn ang="0">
+                <a:pos x="connsiteX17" y="connsiteY17"/>
+              </a:cxn>
+              <a:cxn ang="0">
+                <a:pos x="connsiteX18" y="connsiteY18"/>
+              </a:cxn>
+              <a:cxn ang="0">
+                <a:pos x="connsiteX19" y="connsiteY19"/>
+              </a:cxn>
+              <a:cxn ang="0">
+                <a:pos x="connsiteX20" y="connsiteY20"/>
+              </a:cxn>
+              <a:cxn ang="0">
+                <a:pos x="connsiteX21" y="connsiteY21"/>
+              </a:cxn>
+              <a:cxn ang="0">
+                <a:pos x="connsiteX22" y="connsiteY22"/>
+              </a:cxn>
+              <a:cxn ang="0">
+                <a:pos x="connsiteX23" y="connsiteY23"/>
+              </a:cxn>
+              <a:cxn ang="0">
+                <a:pos x="connsiteX24" y="connsiteY24"/>
+              </a:cxn>
+              <a:cxn ang="0">
+                <a:pos x="connsiteX25" y="connsiteY25"/>
+              </a:cxn>
+              <a:cxn ang="0">
+                <a:pos x="connsiteX26" y="connsiteY26"/>
+              </a:cxn>
+              <a:cxn ang="0">
+                <a:pos x="connsiteX27" y="connsiteY27"/>
+              </a:cxn>
+              <a:cxn ang="0">
+                <a:pos x="connsiteX28" y="connsiteY28"/>
+              </a:cxn>
+              <a:cxn ang="0">
+                <a:pos x="connsiteX29" y="connsiteY29"/>
+              </a:cxn>
+              <a:cxn ang="0">
+                <a:pos x="connsiteX30" y="connsiteY30"/>
+              </a:cxn>
+              <a:cxn ang="0">
+                <a:pos x="connsiteX31" y="connsiteY31"/>
+              </a:cxn>
+              <a:cxn ang="0">
+                <a:pos x="connsiteX32" y="connsiteY32"/>
+              </a:cxn>
+              <a:cxn ang="0">
+                <a:pos x="connsiteX33" y="connsiteY33"/>
+              </a:cxn>
+              <a:cxn ang="0">
+                <a:pos x="connsiteX34" y="connsiteY34"/>
+              </a:cxn>
+              <a:cxn ang="0">
+                <a:pos x="connsiteX35" y="connsiteY35"/>
+              </a:cxn>
+              <a:cxn ang="0">
+                <a:pos x="connsiteX36" y="connsiteY36"/>
+              </a:cxn>
+              <a:cxn ang="0">
+                <a:pos x="connsiteX37" y="connsiteY37"/>
+              </a:cxn>
+              <a:cxn ang="0">
+                <a:pos x="connsiteX38" y="connsiteY38"/>
+              </a:cxn>
+              <a:cxn ang="0">
+                <a:pos x="connsiteX39" y="connsiteY39"/>
+              </a:cxn>
+              <a:cxn ang="0">
+                <a:pos x="connsiteX40" y="connsiteY40"/>
+              </a:cxn>
+              <a:cxn ang="0">
+                <a:pos x="connsiteX41" y="connsiteY41"/>
+              </a:cxn>
+              <a:cxn ang="0">
+                <a:pos x="connsiteX42" y="connsiteY42"/>
+              </a:cxn>
+              <a:cxn ang="0">
+                <a:pos x="connsiteX43" y="connsiteY43"/>
+              </a:cxn>
+              <a:cxn ang="0">
+                <a:pos x="connsiteX44" y="connsiteY44"/>
+              </a:cxn>
+              <a:cxn ang="0">
+                <a:pos x="connsiteX45" y="connsiteY45"/>
+              </a:cxn>
+              <a:cxn ang="0">
+                <a:pos x="connsiteX46" y="connsiteY46"/>
+              </a:cxn>
+              <a:cxn ang="0">
+                <a:pos x="connsiteX47" y="connsiteY47"/>
+              </a:cxn>
+              <a:cxn ang="0">
+                <a:pos x="connsiteX48" y="connsiteY48"/>
+              </a:cxn>
+              <a:cxn ang="0">
+                <a:pos x="connsiteX49" y="connsiteY49"/>
+              </a:cxn>
+              <a:cxn ang="0">
+                <a:pos x="connsiteX50" y="connsiteY50"/>
+              </a:cxn>
+              <a:cxn ang="0">
+                <a:pos x="connsiteX51" y="connsiteY51"/>
+              </a:cxn>
+              <a:cxn ang="0">
+                <a:pos x="connsiteX52" y="connsiteY52"/>
+              </a:cxn>
+              <a:cxn ang="0">
+                <a:pos x="connsiteX53" y="connsiteY53"/>
+              </a:cxn>
+              <a:cxn ang="0">
+                <a:pos x="connsiteX54" y="connsiteY54"/>
+              </a:cxn>
+              <a:cxn ang="0">
+                <a:pos x="connsiteX55" y="connsiteY55"/>
+              </a:cxn>
+              <a:cxn ang="0">
+                <a:pos x="connsiteX56" y="connsiteY56"/>
+              </a:cxn>
+              <a:cxn ang="0">
+                <a:pos x="connsiteX57" y="connsiteY57"/>
+              </a:cxn>
+              <a:cxn ang="0">
+                <a:pos x="connsiteX58" y="connsiteY58"/>
+              </a:cxn>
+              <a:cxn ang="0">
+                <a:pos x="connsiteX59" y="connsiteY59"/>
+              </a:cxn>
+              <a:cxn ang="0">
+                <a:pos x="connsiteX60" y="connsiteY60"/>
+              </a:cxn>
+              <a:cxn ang="0">
+                <a:pos x="connsiteX61" y="connsiteY61"/>
+              </a:cxn>
+              <a:cxn ang="0">
+                <a:pos x="connsiteX62" y="connsiteY62"/>
+              </a:cxn>
+              <a:cxn ang="0">
+                <a:pos x="connsiteX63" y="connsiteY63"/>
+              </a:cxn>
+              <a:cxn ang="0">
+                <a:pos x="connsiteX64" y="connsiteY64"/>
+              </a:cxn>
+              <a:cxn ang="0">
+                <a:pos x="connsiteX65" y="connsiteY65"/>
+              </a:cxn>
+              <a:cxn ang="0">
+                <a:pos x="connsiteX66" y="connsiteY66"/>
+              </a:cxn>
+              <a:cxn ang="0">
+                <a:pos x="connsiteX67" y="connsiteY67"/>
+              </a:cxn>
+              <a:cxn ang="0">
+                <a:pos x="connsiteX68" y="connsiteY68"/>
+              </a:cxn>
+              <a:cxn ang="0">
+                <a:pos x="connsiteX69" y="connsiteY69"/>
+              </a:cxn>
+              <a:cxn ang="0">
+                <a:pos x="connsiteX70" y="connsiteY70"/>
+              </a:cxn>
+              <a:cxn ang="0">
+                <a:pos x="connsiteX71" y="connsiteY71"/>
+              </a:cxn>
+              <a:cxn ang="0">
+                <a:pos x="connsiteX72" y="connsiteY72"/>
+              </a:cxn>
+              <a:cxn ang="0">
+                <a:pos x="connsiteX73" y="connsiteY73"/>
+              </a:cxn>
+              <a:cxn ang="0">
+                <a:pos x="connsiteX74" y="connsiteY74"/>
+              </a:cxn>
+              <a:cxn ang="0">
+                <a:pos x="connsiteX75" y="connsiteY75"/>
+              </a:cxn>
+              <a:cxn ang="0">
+                <a:pos x="connsiteX76" y="connsiteY76"/>
+              </a:cxn>
+              <a:cxn ang="0">
+                <a:pos x="connsiteX77" y="connsiteY77"/>
+              </a:cxn>
+              <a:cxn ang="0">
+                <a:pos x="connsiteX78" y="connsiteY78"/>
+              </a:cxn>
+              <a:cxn ang="0">
+                <a:pos x="connsiteX79" y="connsiteY79"/>
+              </a:cxn>
+              <a:cxn ang="0">
+                <a:pos x="connsiteX80" y="connsiteY80"/>
+              </a:cxn>
+              <a:cxn ang="0">
+                <a:pos x="connsiteX81" y="connsiteY81"/>
+              </a:cxn>
+              <a:cxn ang="0">
+                <a:pos x="connsiteX82" y="connsiteY82"/>
+              </a:cxn>
+              <a:cxn ang="0">
+                <a:pos x="connsiteX83" y="connsiteY83"/>
+              </a:cxn>
+              <a:cxn ang="0">
+                <a:pos x="connsiteX84" y="connsiteY84"/>
+              </a:cxn>
+              <a:cxn ang="0">
+                <a:pos x="connsiteX85" y="connsiteY85"/>
+              </a:cxn>
+              <a:cxn ang="0">
+                <a:pos x="connsiteX86" y="connsiteY86"/>
+              </a:cxn>
+              <a:cxn ang="0">
+                <a:pos x="connsiteX87" y="connsiteY87"/>
+              </a:cxn>
+              <a:cxn ang="0">
+                <a:pos x="connsiteX88" y="connsiteY88"/>
+              </a:cxn>
+              <a:cxn ang="0">
+                <a:pos x="connsiteX89" y="connsiteY89"/>
+              </a:cxn>
+              <a:cxn ang="0">
+                <a:pos x="connsiteX90" y="connsiteY90"/>
+              </a:cxn>
+              <a:cxn ang="0">
+                <a:pos x="connsiteX91" y="connsiteY91"/>
+              </a:cxn>
+              <a:cxn ang="0">
+                <a:pos x="connsiteX92" y="connsiteY92"/>
+              </a:cxn>
+              <a:cxn ang="0">
+                <a:pos x="connsiteX93" y="connsiteY93"/>
+              </a:cxn>
+              <a:cxn ang="0">
+                <a:pos x="connsiteX94" y="connsiteY94"/>
+              </a:cxn>
+              <a:cxn ang="0">
+                <a:pos x="connsiteX95" y="connsiteY95"/>
+              </a:cxn>
+              <a:cxn ang="0">
+                <a:pos x="connsiteX96" y="connsiteY96"/>
+              </a:cxn>
+              <a:cxn ang="0">
+                <a:pos x="connsiteX97" y="connsiteY97"/>
+              </a:cxn>
+              <a:cxn ang="0">
+                <a:pos x="connsiteX98" y="connsiteY98"/>
+              </a:cxn>
+              <a:cxn ang="0">
+                <a:pos x="connsiteX99" y="connsiteY99"/>
+              </a:cxn>
+              <a:cxn ang="0">
+                <a:pos x="connsiteX100" y="connsiteY100"/>
+              </a:cxn>
+              <a:cxn ang="0">
+                <a:pos x="connsiteX101" y="connsiteY101"/>
+              </a:cxn>
+            </a:cxnLst>
+            <a:rect l="l" t="t" r="r" b="b"/>
+            <a:pathLst>
+              <a:path w="1950038" h="1950035">
+                <a:moveTo>
+                  <a:pt x="1830827" y="1442624"/>
+                </a:moveTo>
+                <a:cubicBezTo>
+                  <a:pt x="1804319" y="1491030"/>
+                  <a:pt x="1773825" y="1536939"/>
+                  <a:pt x="1739783" y="1579915"/>
+                </a:cubicBezTo>
+                <a:lnTo>
+                  <a:pt x="1608523" y="1716219"/>
+                </a:lnTo>
+                <a:cubicBezTo>
+                  <a:pt x="1548263" y="1767767"/>
+                  <a:pt x="1481652" y="1812100"/>
+                  <a:pt x="1410014" y="1847867"/>
+                </a:cubicBezTo>
+                <a:close/>
+                <a:moveTo>
+                  <a:pt x="1910383" y="1251270"/>
+                </a:moveTo>
+                <a:cubicBezTo>
+                  <a:pt x="1905540" y="1267695"/>
+                  <a:pt x="1900278" y="1283944"/>
+                  <a:pt x="1894604" y="1299997"/>
+                </a:cubicBezTo>
+                <a:lnTo>
+                  <a:pt x="1334487" y="1881633"/>
+                </a:lnTo>
+                <a:cubicBezTo>
+                  <a:pt x="1296101" y="1896864"/>
+                  <a:pt x="1256518" y="1909725"/>
+                  <a:pt x="1215916" y="1920041"/>
+                </a:cubicBezTo>
+                <a:close/>
+                <a:moveTo>
+                  <a:pt x="1941236" y="1106819"/>
+                </a:moveTo>
+                <a:cubicBezTo>
+                  <a:pt x="1939860" y="1116992"/>
+                  <a:pt x="1938339" y="1127116"/>
+                  <a:pt x="1936652" y="1137187"/>
+                </a:cubicBezTo>
+                <a:lnTo>
+                  <a:pt x="1173309" y="1929855"/>
+                </a:lnTo>
+                <a:cubicBezTo>
+                  <a:pt x="1139617" y="1936814"/>
+                  <a:pt x="1105290" y="1942028"/>
+                  <a:pt x="1070425" y="1945413"/>
+                </a:cubicBezTo>
+                <a:close/>
+                <a:moveTo>
+                  <a:pt x="1950038" y="983603"/>
+                </a:moveTo>
+                <a:cubicBezTo>
+                  <a:pt x="1949978" y="990606"/>
+                  <a:pt x="1949840" y="997590"/>
+                  <a:pt x="1949634" y="1004557"/>
+                </a:cubicBezTo>
+                <a:lnTo>
+                  <a:pt x="1041285" y="1947804"/>
+                </a:lnTo>
+                <a:cubicBezTo>
+                  <a:pt x="1019392" y="1949273"/>
+                  <a:pt x="997310" y="1950035"/>
+                  <a:pt x="975046" y="1950035"/>
+                </a:cubicBezTo>
+                <a:cubicBezTo>
+                  <a:pt x="965632" y="1950035"/>
+                  <a:pt x="956252" y="1949886"/>
+                  <a:pt x="946904" y="1949623"/>
+                </a:cubicBezTo>
+                <a:close/>
+                <a:moveTo>
+                  <a:pt x="1944896" y="873812"/>
+                </a:moveTo>
+                <a:cubicBezTo>
+                  <a:pt x="1945410" y="878809"/>
+                  <a:pt x="1945889" y="883820"/>
+                  <a:pt x="1946329" y="888839"/>
+                </a:cubicBezTo>
+                <a:lnTo>
+                  <a:pt x="925587" y="1948800"/>
+                </a:lnTo>
+                <a:cubicBezTo>
+                  <a:pt x="895802" y="1947311"/>
+                  <a:pt x="866373" y="1944483"/>
+                  <a:pt x="837353" y="1940379"/>
+                </a:cubicBezTo>
+                <a:close/>
+                <a:moveTo>
+                  <a:pt x="1929343" y="774049"/>
+                </a:moveTo>
+                <a:cubicBezTo>
+                  <a:pt x="1930106" y="777698"/>
+                  <a:pt x="1930849" y="781352"/>
+                  <a:pt x="1931572" y="785015"/>
+                </a:cubicBezTo>
+                <a:lnTo>
+                  <a:pt x="821280" y="1937961"/>
+                </a:lnTo>
+                <a:cubicBezTo>
+                  <a:pt x="793191" y="1933511"/>
+                  <a:pt x="765497" y="1927862"/>
+                  <a:pt x="738258" y="1921066"/>
+                </a:cubicBezTo>
+                <a:close/>
+                <a:moveTo>
+                  <a:pt x="1905402" y="682364"/>
+                </a:moveTo>
+                <a:cubicBezTo>
+                  <a:pt x="1906247" y="685052"/>
+                  <a:pt x="1907076" y="687749"/>
+                  <a:pt x="1907898" y="690448"/>
+                </a:cubicBezTo>
+                <a:lnTo>
+                  <a:pt x="725871" y="1917887"/>
+                </a:lnTo>
+                <a:cubicBezTo>
+                  <a:pt x="699309" y="1910887"/>
+                  <a:pt x="673190" y="1902797"/>
+                  <a:pt x="647566" y="1893664"/>
+                </a:cubicBezTo>
+                <a:close/>
+                <a:moveTo>
+                  <a:pt x="1874331" y="597544"/>
+                </a:moveTo>
+                <a:cubicBezTo>
+                  <a:pt x="1875173" y="599545"/>
+                  <a:pt x="1876004" y="601551"/>
+                  <a:pt x="1876832" y="603559"/>
+                </a:cubicBezTo>
+                <a:lnTo>
+                  <a:pt x="637848" y="1890146"/>
+                </a:lnTo>
+                <a:cubicBezTo>
+                  <a:pt x="612728" y="1880886"/>
+                  <a:pt x="588091" y="1870628"/>
+                  <a:pt x="563992" y="1859406"/>
+                </a:cubicBezTo>
+                <a:close/>
+                <a:moveTo>
+                  <a:pt x="1836981" y="518772"/>
+                </a:moveTo>
+                <a:cubicBezTo>
+                  <a:pt x="1837782" y="520283"/>
+                  <a:pt x="1838577" y="521796"/>
+                  <a:pt x="1839370" y="523312"/>
+                </a:cubicBezTo>
+                <a:lnTo>
+                  <a:pt x="556238" y="1855742"/>
+                </a:lnTo>
+                <a:cubicBezTo>
+                  <a:pt x="532515" y="1844440"/>
+                  <a:pt x="509318" y="1832212"/>
+                  <a:pt x="486699" y="1819097"/>
+                </a:cubicBezTo>
+                <a:close/>
+                <a:moveTo>
+                  <a:pt x="1793918" y="445505"/>
+                </a:moveTo>
+                <a:cubicBezTo>
+                  <a:pt x="1794674" y="446672"/>
+                  <a:pt x="1795440" y="447833"/>
+                  <a:pt x="1796191" y="449005"/>
+                </a:cubicBezTo>
+                <a:lnTo>
+                  <a:pt x="480350" y="1815396"/>
+                </a:lnTo>
+                <a:cubicBezTo>
+                  <a:pt x="458012" y="1802218"/>
+                  <a:pt x="436252" y="1788165"/>
+                  <a:pt x="415102" y="1773303"/>
+                </a:cubicBezTo>
+                <a:close/>
+                <a:moveTo>
+                  <a:pt x="1745512" y="377376"/>
+                </a:moveTo>
+                <a:cubicBezTo>
+                  <a:pt x="1746245" y="378317"/>
+                  <a:pt x="1746979" y="379258"/>
+                  <a:pt x="1747706" y="380202"/>
+                </a:cubicBezTo>
+                <a:lnTo>
+                  <a:pt x="409766" y="1769542"/>
+                </a:lnTo>
+                <a:cubicBezTo>
+                  <a:pt x="388823" y="1754614"/>
+                  <a:pt x="368504" y="1738874"/>
+                  <a:pt x="348835" y="1722378"/>
+                </a:cubicBezTo>
+                <a:close/>
+                <a:moveTo>
+                  <a:pt x="1691990" y="314177"/>
+                </a:moveTo>
+                <a:cubicBezTo>
+                  <a:pt x="1692733" y="314980"/>
+                  <a:pt x="1693477" y="315786"/>
+                  <a:pt x="1694216" y="316596"/>
+                </a:cubicBezTo>
+                <a:lnTo>
+                  <a:pt x="344204" y="1718476"/>
+                </a:lnTo>
+                <a:cubicBezTo>
+                  <a:pt x="324686" y="1701899"/>
+                  <a:pt x="305834" y="1684567"/>
+                  <a:pt x="287684" y="1666526"/>
+                </a:cubicBezTo>
+                <a:close/>
+                <a:moveTo>
+                  <a:pt x="1633444" y="255819"/>
+                </a:moveTo>
+                <a:cubicBezTo>
+                  <a:pt x="1634251" y="256559"/>
+                  <a:pt x="1635056" y="257302"/>
+                  <a:pt x="1635863" y="258045"/>
+                </a:cubicBezTo>
+                <a:lnTo>
+                  <a:pt x="283510" y="1662352"/>
+                </a:lnTo>
+                <a:cubicBezTo>
+                  <a:pt x="265470" y="1644201"/>
+                  <a:pt x="248136" y="1625349"/>
+                  <a:pt x="231563" y="1605831"/>
+                </a:cubicBezTo>
+                <a:close/>
+                <a:moveTo>
+                  <a:pt x="1569835" y="202331"/>
+                </a:moveTo>
+                <a:cubicBezTo>
+                  <a:pt x="1570778" y="203057"/>
+                  <a:pt x="1571719" y="203792"/>
+                  <a:pt x="1572660" y="204524"/>
+                </a:cubicBezTo>
+                <a:lnTo>
+                  <a:pt x="227657" y="1601202"/>
+                </a:lnTo>
+                <a:cubicBezTo>
+                  <a:pt x="211161" y="1581535"/>
+                  <a:pt x="195421" y="1561214"/>
+                  <a:pt x="180493" y="1540270"/>
+                </a:cubicBezTo>
+                <a:close/>
+                <a:moveTo>
+                  <a:pt x="1501032" y="153848"/>
+                </a:moveTo>
+                <a:cubicBezTo>
+                  <a:pt x="1502204" y="154599"/>
+                  <a:pt x="1503366" y="155364"/>
+                  <a:pt x="1504532" y="156121"/>
+                </a:cubicBezTo>
+                <a:lnTo>
+                  <a:pt x="176731" y="1534934"/>
+                </a:lnTo>
+                <a:cubicBezTo>
+                  <a:pt x="161869" y="1513784"/>
+                  <a:pt x="147819" y="1492024"/>
+                  <a:pt x="134641" y="1469688"/>
+                </a:cubicBezTo>
+                <a:close/>
+                <a:moveTo>
+                  <a:pt x="507414" y="119212"/>
+                </a:moveTo>
+                <a:lnTo>
+                  <a:pt x="102168" y="540025"/>
+                </a:lnTo>
+                <a:cubicBezTo>
+                  <a:pt x="137935" y="468386"/>
+                  <a:pt x="182268" y="401772"/>
+                  <a:pt x="233816" y="341515"/>
+                </a:cubicBezTo>
+                <a:lnTo>
+                  <a:pt x="370122" y="210255"/>
+                </a:lnTo>
+                <a:cubicBezTo>
+                  <a:pt x="413099" y="176213"/>
+                  <a:pt x="459008" y="145719"/>
+                  <a:pt x="507414" y="119212"/>
+                </a:cubicBezTo>
+                <a:close/>
+                <a:moveTo>
+                  <a:pt x="1426726" y="110665"/>
+                </a:moveTo>
+                <a:cubicBezTo>
+                  <a:pt x="1428242" y="111457"/>
+                  <a:pt x="1429756" y="112253"/>
+                  <a:pt x="1431267" y="113053"/>
+                </a:cubicBezTo>
+                <a:lnTo>
+                  <a:pt x="130941" y="1463336"/>
+                </a:lnTo>
+                <a:cubicBezTo>
+                  <a:pt x="117826" y="1440717"/>
+                  <a:pt x="105594" y="1417523"/>
+                  <a:pt x="94293" y="1393797"/>
+                </a:cubicBezTo>
+                <a:close/>
+                <a:moveTo>
+                  <a:pt x="1346476" y="73204"/>
+                </a:moveTo>
+                <a:cubicBezTo>
+                  <a:pt x="1348486" y="74032"/>
+                  <a:pt x="1350491" y="74863"/>
+                  <a:pt x="1352492" y="75705"/>
+                </a:cubicBezTo>
+                <a:lnTo>
+                  <a:pt x="90629" y="1386047"/>
+                </a:lnTo>
+                <a:cubicBezTo>
+                  <a:pt x="79411" y="1361947"/>
+                  <a:pt x="69149" y="1337308"/>
+                  <a:pt x="59890" y="1312188"/>
+                </a:cubicBezTo>
+                <a:close/>
+                <a:moveTo>
+                  <a:pt x="1259591" y="42137"/>
+                </a:moveTo>
+                <a:cubicBezTo>
+                  <a:pt x="1262290" y="42960"/>
+                  <a:pt x="1264987" y="43788"/>
+                  <a:pt x="1267675" y="44633"/>
+                </a:cubicBezTo>
+                <a:lnTo>
+                  <a:pt x="56375" y="1302469"/>
+                </a:lnTo>
+                <a:cubicBezTo>
+                  <a:pt x="47240" y="1276846"/>
+                  <a:pt x="39150" y="1250729"/>
+                  <a:pt x="32152" y="1224164"/>
+                </a:cubicBezTo>
+                <a:close/>
+                <a:moveTo>
+                  <a:pt x="698766" y="39655"/>
+                </a:moveTo>
+                <a:lnTo>
+                  <a:pt x="29995" y="734118"/>
+                </a:lnTo>
+                <a:cubicBezTo>
+                  <a:pt x="40311" y="693519"/>
+                  <a:pt x="53173" y="653933"/>
+                  <a:pt x="68403" y="615547"/>
+                </a:cubicBezTo>
+                <a:lnTo>
+                  <a:pt x="650038" y="55433"/>
+                </a:lnTo>
+                <a:cubicBezTo>
+                  <a:pt x="666092" y="49759"/>
+                  <a:pt x="682338" y="44498"/>
+                  <a:pt x="698766" y="39655"/>
+                </a:cubicBezTo>
+                <a:close/>
+                <a:moveTo>
+                  <a:pt x="1165023" y="18463"/>
+                </a:moveTo>
+                <a:cubicBezTo>
+                  <a:pt x="1168685" y="19184"/>
+                  <a:pt x="1172342" y="19927"/>
+                  <a:pt x="1175988" y="20692"/>
+                </a:cubicBezTo>
+                <a:lnTo>
+                  <a:pt x="28970" y="1211777"/>
+                </a:lnTo>
+                <a:cubicBezTo>
+                  <a:pt x="22174" y="1184538"/>
+                  <a:pt x="16527" y="1156844"/>
+                  <a:pt x="12075" y="1128755"/>
+                </a:cubicBezTo>
+                <a:close/>
+                <a:moveTo>
+                  <a:pt x="843216" y="8802"/>
+                </a:moveTo>
+                <a:lnTo>
+                  <a:pt x="4623" y="879613"/>
+                </a:lnTo>
+                <a:cubicBezTo>
+                  <a:pt x="8010" y="844749"/>
+                  <a:pt x="13222" y="810418"/>
+                  <a:pt x="20181" y="776727"/>
+                </a:cubicBezTo>
+                <a:lnTo>
+                  <a:pt x="812849" y="13386"/>
+                </a:lnTo>
+                <a:cubicBezTo>
+                  <a:pt x="822920" y="11699"/>
+                  <a:pt x="833044" y="10178"/>
+                  <a:pt x="843216" y="8802"/>
+                </a:cubicBezTo>
+                <a:close/>
+                <a:moveTo>
+                  <a:pt x="1061197" y="3710"/>
+                </a:moveTo>
+                <a:cubicBezTo>
+                  <a:pt x="1066216" y="4150"/>
+                  <a:pt x="1071227" y="4629"/>
+                  <a:pt x="1076224" y="5144"/>
+                </a:cubicBezTo>
+                <a:lnTo>
+                  <a:pt x="9655" y="1112686"/>
+                </a:lnTo>
+                <a:cubicBezTo>
+                  <a:pt x="5553" y="1083664"/>
+                  <a:pt x="2726" y="1054234"/>
+                  <a:pt x="1238" y="1024450"/>
+                </a:cubicBezTo>
+                <a:close/>
+                <a:moveTo>
+                  <a:pt x="966432" y="0"/>
+                </a:moveTo>
+                <a:lnTo>
+                  <a:pt x="413" y="1003131"/>
+                </a:lnTo>
+                <a:cubicBezTo>
+                  <a:pt x="148" y="993783"/>
+                  <a:pt x="0" y="984403"/>
+                  <a:pt x="0" y="974990"/>
+                </a:cubicBezTo>
+                <a:cubicBezTo>
+                  <a:pt x="0" y="952728"/>
+                  <a:pt x="762" y="930643"/>
+                  <a:pt x="2232" y="908753"/>
+                </a:cubicBezTo>
+                <a:lnTo>
+                  <a:pt x="945478" y="402"/>
+                </a:lnTo>
+                <a:cubicBezTo>
+                  <a:pt x="952445" y="195"/>
+                  <a:pt x="959429" y="60"/>
+                  <a:pt x="966432" y="0"/>
+                </a:cubicBezTo>
+                <a:close/>
+              </a:path>
+            </a:pathLst>
+          </a:custGeom>
+          <a:solidFill>
+            <a:schemeClr val="accent1">
+              <a:lumMod val="20000"/>
+              <a:lumOff val="80000"/>
+            </a:schemeClr>
+          </a:solidFill>
+          <a:ln w="4838" cap="flat">
+            <a:noFill/>
+            <a:prstDash val="solid"/>
+            <a:miter/>
+          </a:ln>
+        </p:spPr>
+        <p:txBody>
+          <a:bodyPr wrap="square" rtlCol="0" anchor="ctr">
+            <a:noAutofit/>
+          </a:bodyPr>
+          <a:lstStyle/>
+          <a:p>
+            <a:endParaRPr lang="en-US">
+              <a:solidFill>
+                <a:schemeClr val="tx2"/>
+              </a:solidFill>
+            </a:endParaRPr>
+          </a:p>
+        </p:txBody>
+      </p:sp>
+      <p:sp>
+        <p:nvSpPr>
+          <p:cNvPr id="2" name="Title 1"/>
+          <p:cNvSpPr>
+            <a:spLocks noGrp="1"/>
+          </p:cNvSpPr>
+          <p:nvPr>
+            <p:ph type="ctrTitle"/>
+          </p:nvPr>
+        </p:nvSpPr>
+        <p:spPr>
+          <a:xfrm>
+            <a:off x="0" y="914400"/>
+            <a:ext cx="4876800" cy="3810000"/>
+          </a:xfrm>
+        </p:spPr>
+        <p:txBody>
+          <a:bodyPr anchor="ctr"/>
+          <a:lstStyle>
+            <a:lvl1pPr algn="ctr">
+              <a:lnSpc>
+                <a:spcPct val="100000"/>
+              </a:lnSpc>
+              <a:defRPr sz="6000" b="1">
+                <a:solidFill>
+                  <a:schemeClr val="accent2"/>
+                </a:solidFill>
+                <a:effectLst>
+                  <a:outerShdw blurRad="38100" dist="38100" dir="2700000" algn="tl">
+                    <a:srgbClr val="000000">
+                      <a:alpha val="43137"/>
+                    </a:srgbClr>
+                  </a:outerShdw>
+                </a:effectLst>
+              </a:defRPr>
+            </a:lvl1pPr>
+          </a:lstStyle>
+          <a:p>
+            <a:r>
+              <a:rPr lang="es-ES" dirty="0"/>
+              <a:t>Haga clic para modificar el estilo de título del patrón</a:t>
+            </a:r>
+            <a:endParaRPr lang="en-US" dirty="0"/>
+          </a:p>
+        </p:txBody>
+      </p:sp>
+      <p:sp>
+        <p:nvSpPr>
+          <p:cNvPr id="3" name="Subtitle 2"/>
+          <p:cNvSpPr>
+            <a:spLocks noGrp="1"/>
+          </p:cNvSpPr>
+          <p:nvPr>
+            <p:ph type="subTitle" idx="1"/>
+          </p:nvPr>
+        </p:nvSpPr>
+        <p:spPr>
+          <a:xfrm>
+            <a:off x="706438" y="4914900"/>
+            <a:ext cx="4711700" cy="1257300"/>
+          </a:xfrm>
+        </p:spPr>
+        <p:txBody>
+          <a:bodyPr anchor="ctr">
+            <a:normAutofit/>
+          </a:bodyPr>
+          <a:lstStyle>
+            <a:lvl1pPr marL="0" indent="0" algn="l">
+              <a:lnSpc>
+                <a:spcPct val="100000"/>
+              </a:lnSpc>
+              <a:buNone/>
+              <a:defRPr sz="2400">
+                <a:solidFill>
+                  <a:schemeClr val="tx2"/>
+                </a:solidFill>
+              </a:defRPr>
+            </a:lvl1pPr>
+            <a:lvl2pPr marL="457200" indent="0" algn="ctr">
+              <a:buNone/>
+              <a:defRPr sz="2000"/>
+            </a:lvl2pPr>
+            <a:lvl3pPr marL="914400" indent="0" algn="ctr">
+              <a:buNone/>
+              <a:defRPr sz="1800"/>
+            </a:lvl3pPr>
+            <a:lvl4pPr marL="1371600" indent="0" algn="ctr">
+              <a:buNone/>
+              <a:defRPr sz="1600"/>
+            </a:lvl4pPr>
+            <a:lvl5pPr marL="1828800" indent="0" algn="ctr">
+              <a:buNone/>
+              <a:defRPr sz="1600"/>
+            </a:lvl5pPr>
+            <a:lvl6pPr marL="2286000" indent="0" algn="ctr">
+              <a:buNone/>
+              <a:defRPr sz="1600"/>
+            </a:lvl6pPr>
+            <a:lvl7pPr marL="2743200" indent="0" algn="ctr">
+              <a:buNone/>
+              <a:defRPr sz="1600"/>
+            </a:lvl7pPr>
+            <a:lvl8pPr marL="3200400" indent="0" algn="ctr">
+              <a:buNone/>
+              <a:defRPr sz="1600"/>
+            </a:lvl8pPr>
+            <a:lvl9pPr marL="3657600" indent="0" algn="ctr">
+              <a:buNone/>
+              <a:defRPr sz="1600"/>
+            </a:lvl9pPr>
+          </a:lstStyle>
+          <a:p>
+            <a:r>
+              <a:rPr lang="es-ES"/>
+              <a:t>Haga clic para modificar el estilo de subtítulo del patrón</a:t>
+            </a:r>
+            <a:endParaRPr lang="en-US"/>
+          </a:p>
+        </p:txBody>
+      </p:sp>
+      <p:sp>
+        <p:nvSpPr>
+          <p:cNvPr id="4" name="Date Placeholder 3"/>
+          <p:cNvSpPr>
+            <a:spLocks noGrp="1"/>
+          </p:cNvSpPr>
+          <p:nvPr>
+            <p:ph type="dt" sz="half" idx="10"/>
+          </p:nvPr>
+        </p:nvSpPr>
+        <p:spPr/>
+        <p:txBody>
+          <a:bodyPr/>
+          <a:lstStyle/>
+          <a:p>
+            <a:fld id="{533222FB-C955-4AD4-9435-9A5B5007D973}" type="datetimeFigureOut">
+              <a:rPr lang="es-CO" smtClean="0"/>
+              <a:t>29/11/23</a:t>
+            </a:fld>
+            <a:endParaRPr lang="es-CO"/>
+          </a:p>
+        </p:txBody>
+      </p:sp>
+      <p:sp>
+        <p:nvSpPr>
+          <p:cNvPr id="5" name="Footer Placeholder 4"/>
+          <p:cNvSpPr>
+            <a:spLocks noGrp="1"/>
+          </p:cNvSpPr>
+          <p:nvPr>
+            <p:ph type="ftr" sz="quarter" idx="11"/>
+          </p:nvPr>
+        </p:nvSpPr>
+        <p:spPr/>
+        <p:txBody>
+          <a:bodyPr/>
+          <a:lstStyle/>
+          <a:p>
+            <a:endParaRPr lang="es-CO"/>
+          </a:p>
+        </p:txBody>
+      </p:sp>
+      <p:sp>
+        <p:nvSpPr>
+          <p:cNvPr id="6" name="Slide Number Placeholder 5"/>
+          <p:cNvSpPr>
+            <a:spLocks noGrp="1"/>
+          </p:cNvSpPr>
+          <p:nvPr>
+            <p:ph type="sldNum" sz="quarter" idx="12"/>
+          </p:nvPr>
+        </p:nvSpPr>
+        <p:spPr/>
+        <p:txBody>
+          <a:bodyPr/>
+          <a:lstStyle/>
+          <a:p>
+            <a:fld id="{35680457-BA6E-4119-B3A5-1FB163962D98}" type="slidenum">
+              <a:rPr lang="es-CO" smtClean="0"/>
+              <a:t>‹#›</a:t>
+            </a:fld>
+            <a:endParaRPr lang="es-CO"/>
+          </a:p>
+        </p:txBody>
+      </p:sp>
+    </p:spTree>
+    <p:extLst>
+      <p:ext uri="{BB962C8B-B14F-4D97-AF65-F5344CB8AC3E}">
+        <p14:creationId xmlns:p14="http://schemas.microsoft.com/office/powerpoint/2010/main" val="944713426"/>
+      </p:ext>
+    </p:extLst>
+  </p:cSld>
+  <p:clrMapOvr>
+    <a:masterClrMapping/>
+  </p:clrMapOvr>
+</p:sldLayout>
+</file>
+
+<file path=ppt/slideLayouts/slideLayout4.xml><?xml version="1.0" encoding="utf-8"?>
 <p:sldLayout xmlns:a="http://schemas.openxmlformats.org/drawingml/2006/main" xmlns:r="http://schemas.openxmlformats.org/officeDocument/2006/relationships" xmlns:p="http://schemas.openxmlformats.org/presentationml/2006/main" type="secHead" preserve="1">
   <p:cSld name="Section Header">
     <p:spTree>
@@ -1400,7 +3836,7 @@
 </p:sldLayout>
 </file>
 
-<file path=ppt/slideLayouts/slideLayout4.xml><?xml version="1.0" encoding="utf-8"?>
+<file path=ppt/slideLayouts/slideLayout5.xml><?xml version="1.0" encoding="utf-8"?>
 <p:sldLayout xmlns:a="http://schemas.openxmlformats.org/drawingml/2006/main" xmlns:r="http://schemas.openxmlformats.org/officeDocument/2006/relationships" xmlns:p="http://schemas.openxmlformats.org/presentationml/2006/main" type="twoObj" preserve="1">
   <p:cSld name="Two Content">
     <p:spTree>
@@ -1713,7 +4149,7 @@
 </p:sldLayout>
 </file>
 
-<file path=ppt/slideLayouts/slideLayout5.xml><?xml version="1.0" encoding="utf-8"?>
+<file path=ppt/slideLayouts/slideLayout6.xml><?xml version="1.0" encoding="utf-8"?>
 <p:sldLayout xmlns:a="http://schemas.openxmlformats.org/drawingml/2006/main" xmlns:r="http://schemas.openxmlformats.org/officeDocument/2006/relationships" xmlns:p="http://schemas.openxmlformats.org/presentationml/2006/main" type="twoTxTwoObj" preserve="1">
   <p:cSld name="Comparison">
     <p:spTree>
@@ -2167,7 +4603,7 @@
 </p:sldLayout>
 </file>
 
-<file path=ppt/slideLayouts/slideLayout6.xml><?xml version="1.0" encoding="utf-8"?>
+<file path=ppt/slideLayouts/slideLayout7.xml><?xml version="1.0" encoding="utf-8"?>
 <p:sldLayout xmlns:a="http://schemas.openxmlformats.org/drawingml/2006/main" xmlns:r="http://schemas.openxmlformats.org/officeDocument/2006/relationships" xmlns:p="http://schemas.openxmlformats.org/presentationml/2006/main" type="titleOnly" preserve="1">
   <p:cSld name="Title Only">
     <p:spTree>
@@ -2348,7 +4784,7 @@
 </p:sldLayout>
 </file>
 
-<file path=ppt/slideLayouts/slideLayout7.xml><?xml version="1.0" encoding="utf-8"?>
+<file path=ppt/slideLayouts/slideLayout8.xml><?xml version="1.0" encoding="utf-8"?>
 <p:sldLayout xmlns:a="http://schemas.openxmlformats.org/drawingml/2006/main" xmlns:r="http://schemas.openxmlformats.org/officeDocument/2006/relationships" xmlns:p="http://schemas.openxmlformats.org/presentationml/2006/main" type="blank" preserve="1">
   <p:cSld name="Blank">
     <p:spTree>
@@ -2500,7 +4936,7 @@
 </p:sldLayout>
 </file>
 
-<file path=ppt/slideLayouts/slideLayout8.xml><?xml version="1.0" encoding="utf-8"?>
+<file path=ppt/slideLayouts/slideLayout9.xml><?xml version="1.0" encoding="utf-8"?>
 <p:sldLayout xmlns:a="http://schemas.openxmlformats.org/drawingml/2006/main" xmlns:r="http://schemas.openxmlformats.org/officeDocument/2006/relationships" xmlns:p="http://schemas.openxmlformats.org/presentationml/2006/main" type="objTx" preserve="1">
   <p:cSld name="Content with Caption">
     <p:spTree>
@@ -2813,297 +5249,8 @@
 </p:sldLayout>
 </file>
 
-<file path=ppt/slideLayouts/slideLayout9.xml><?xml version="1.0" encoding="utf-8"?>
-<p:sldLayout xmlns:a="http://schemas.openxmlformats.org/drawingml/2006/main" xmlns:r="http://schemas.openxmlformats.org/officeDocument/2006/relationships" xmlns:p="http://schemas.openxmlformats.org/presentationml/2006/main" type="picTx" preserve="1">
-  <p:cSld name="Picture with Caption">
-    <p:spTree>
-      <p:nvGrpSpPr>
-        <p:cNvPr id="1" name=""/>
-        <p:cNvGrpSpPr/>
-        <p:nvPr/>
-      </p:nvGrpSpPr>
-      <p:grpSpPr>
-        <a:xfrm>
-          <a:off x="0" y="0"/>
-          <a:ext cx="0" cy="0"/>
-          <a:chOff x="0" y="0"/>
-          <a:chExt cx="0" cy="0"/>
-        </a:xfrm>
-      </p:grpSpPr>
-      <p:sp>
-        <p:nvSpPr>
-          <p:cNvPr id="2" name="Title 1">
-            <a:extLst>
-              <a:ext uri="{FF2B5EF4-FFF2-40B4-BE49-F238E27FC236}">
-                <a16:creationId xmlns:a16="http://schemas.microsoft.com/office/drawing/2014/main" id="{764F3287-A564-CB54-AFD1-E67A0CAA6AE1}"/>
-              </a:ext>
-            </a:extLst>
-          </p:cNvPr>
-          <p:cNvSpPr>
-            <a:spLocks noGrp="1"/>
-          </p:cNvSpPr>
-          <p:nvPr>
-            <p:ph type="title"/>
-          </p:nvPr>
-        </p:nvSpPr>
-        <p:spPr>
-          <a:xfrm>
-            <a:off x="839788" y="457200"/>
-            <a:ext cx="3932237" cy="1600200"/>
-          </a:xfrm>
-        </p:spPr>
-        <p:txBody>
-          <a:bodyPr anchor="b"/>
-          <a:lstStyle>
-            <a:lvl1pPr>
-              <a:defRPr sz="3200"/>
-            </a:lvl1pPr>
-          </a:lstStyle>
-          <a:p>
-            <a:r>
-              <a:rPr lang="en-US"/>
-              <a:t>Click to edit Master title style</a:t>
-            </a:r>
-            <a:endParaRPr lang="es-ES_tradnl"/>
-          </a:p>
-        </p:txBody>
-      </p:sp>
-      <p:sp>
-        <p:nvSpPr>
-          <p:cNvPr id="3" name="Picture Placeholder 2">
-            <a:extLst>
-              <a:ext uri="{FF2B5EF4-FFF2-40B4-BE49-F238E27FC236}">
-                <a16:creationId xmlns:a16="http://schemas.microsoft.com/office/drawing/2014/main" id="{E8D378D9-A55E-0314-B160-8FAD77049085}"/>
-              </a:ext>
-            </a:extLst>
-          </p:cNvPr>
-          <p:cNvSpPr>
-            <a:spLocks noGrp="1"/>
-          </p:cNvSpPr>
-          <p:nvPr>
-            <p:ph type="pic" idx="1"/>
-          </p:nvPr>
-        </p:nvSpPr>
-        <p:spPr>
-          <a:xfrm>
-            <a:off x="5183188" y="987425"/>
-            <a:ext cx="6172200" cy="4873625"/>
-          </a:xfrm>
-        </p:spPr>
-        <p:txBody>
-          <a:bodyPr/>
-          <a:lstStyle>
-            <a:lvl1pPr marL="0" indent="0">
-              <a:buNone/>
-              <a:defRPr sz="3200"/>
-            </a:lvl1pPr>
-            <a:lvl2pPr marL="457200" indent="0">
-              <a:buNone/>
-              <a:defRPr sz="2800"/>
-            </a:lvl2pPr>
-            <a:lvl3pPr marL="914400" indent="0">
-              <a:buNone/>
-              <a:defRPr sz="2400"/>
-            </a:lvl3pPr>
-            <a:lvl4pPr marL="1371600" indent="0">
-              <a:buNone/>
-              <a:defRPr sz="2000"/>
-            </a:lvl4pPr>
-            <a:lvl5pPr marL="1828800" indent="0">
-              <a:buNone/>
-              <a:defRPr sz="2000"/>
-            </a:lvl5pPr>
-            <a:lvl6pPr marL="2286000" indent="0">
-              <a:buNone/>
-              <a:defRPr sz="2000"/>
-            </a:lvl6pPr>
-            <a:lvl7pPr marL="2743200" indent="0">
-              <a:buNone/>
-              <a:defRPr sz="2000"/>
-            </a:lvl7pPr>
-            <a:lvl8pPr marL="3200400" indent="0">
-              <a:buNone/>
-              <a:defRPr sz="2000"/>
-            </a:lvl8pPr>
-            <a:lvl9pPr marL="3657600" indent="0">
-              <a:buNone/>
-              <a:defRPr sz="2000"/>
-            </a:lvl9pPr>
-          </a:lstStyle>
-          <a:p>
-            <a:endParaRPr lang="es-ES_tradnl"/>
-          </a:p>
-        </p:txBody>
-      </p:sp>
-      <p:sp>
-        <p:nvSpPr>
-          <p:cNvPr id="4" name="Text Placeholder 3">
-            <a:extLst>
-              <a:ext uri="{FF2B5EF4-FFF2-40B4-BE49-F238E27FC236}">
-                <a16:creationId xmlns:a16="http://schemas.microsoft.com/office/drawing/2014/main" id="{BDA240C0-8A84-97F9-EB63-A6BABD1A4267}"/>
-              </a:ext>
-            </a:extLst>
-          </p:cNvPr>
-          <p:cNvSpPr>
-            <a:spLocks noGrp="1"/>
-          </p:cNvSpPr>
-          <p:nvPr>
-            <p:ph type="body" sz="half" idx="2"/>
-          </p:nvPr>
-        </p:nvSpPr>
-        <p:spPr>
-          <a:xfrm>
-            <a:off x="839788" y="2057400"/>
-            <a:ext cx="3932237" cy="3811588"/>
-          </a:xfrm>
-        </p:spPr>
-        <p:txBody>
-          <a:bodyPr/>
-          <a:lstStyle>
-            <a:lvl1pPr marL="0" indent="0">
-              <a:buNone/>
-              <a:defRPr sz="1600"/>
-            </a:lvl1pPr>
-            <a:lvl2pPr marL="457200" indent="0">
-              <a:buNone/>
-              <a:defRPr sz="1400"/>
-            </a:lvl2pPr>
-            <a:lvl3pPr marL="914400" indent="0">
-              <a:buNone/>
-              <a:defRPr sz="1200"/>
-            </a:lvl3pPr>
-            <a:lvl4pPr marL="1371600" indent="0">
-              <a:buNone/>
-              <a:defRPr sz="1000"/>
-            </a:lvl4pPr>
-            <a:lvl5pPr marL="1828800" indent="0">
-              <a:buNone/>
-              <a:defRPr sz="1000"/>
-            </a:lvl5pPr>
-            <a:lvl6pPr marL="2286000" indent="0">
-              <a:buNone/>
-              <a:defRPr sz="1000"/>
-            </a:lvl6pPr>
-            <a:lvl7pPr marL="2743200" indent="0">
-              <a:buNone/>
-              <a:defRPr sz="1000"/>
-            </a:lvl7pPr>
-            <a:lvl8pPr marL="3200400" indent="0">
-              <a:buNone/>
-              <a:defRPr sz="1000"/>
-            </a:lvl8pPr>
-            <a:lvl9pPr marL="3657600" indent="0">
-              <a:buNone/>
-              <a:defRPr sz="1000"/>
-            </a:lvl9pPr>
-          </a:lstStyle>
-          <a:p>
-            <a:pPr lvl="0"/>
-            <a:r>
-              <a:rPr lang="en-US"/>
-              <a:t>Click to edit Master text styles</a:t>
-            </a:r>
-          </a:p>
-        </p:txBody>
-      </p:sp>
-      <p:sp>
-        <p:nvSpPr>
-          <p:cNvPr id="5" name="Date Placeholder 4">
-            <a:extLst>
-              <a:ext uri="{FF2B5EF4-FFF2-40B4-BE49-F238E27FC236}">
-                <a16:creationId xmlns:a16="http://schemas.microsoft.com/office/drawing/2014/main" id="{12C18837-93D3-99B3-C42C-6F0AA77BF2EC}"/>
-              </a:ext>
-            </a:extLst>
-          </p:cNvPr>
-          <p:cNvSpPr>
-            <a:spLocks noGrp="1"/>
-          </p:cNvSpPr>
-          <p:nvPr>
-            <p:ph type="dt" sz="half" idx="10"/>
-          </p:nvPr>
-        </p:nvSpPr>
-        <p:spPr/>
-        <p:txBody>
-          <a:bodyPr/>
-          <a:lstStyle/>
-          <a:p>
-            <a:fld id="{B1D0D1D1-B849-0E4E-8830-1466A2D52B65}" type="datetimeFigureOut">
-              <a:rPr lang="es-ES_tradnl" smtClean="0"/>
-              <a:t>29/11/23</a:t>
-            </a:fld>
-            <a:endParaRPr lang="es-ES_tradnl"/>
-          </a:p>
-        </p:txBody>
-      </p:sp>
-      <p:sp>
-        <p:nvSpPr>
-          <p:cNvPr id="6" name="Footer Placeholder 5">
-            <a:extLst>
-              <a:ext uri="{FF2B5EF4-FFF2-40B4-BE49-F238E27FC236}">
-                <a16:creationId xmlns:a16="http://schemas.microsoft.com/office/drawing/2014/main" id="{E0402106-EE43-6605-F437-DB1A2D48D158}"/>
-              </a:ext>
-            </a:extLst>
-          </p:cNvPr>
-          <p:cNvSpPr>
-            <a:spLocks noGrp="1"/>
-          </p:cNvSpPr>
-          <p:nvPr>
-            <p:ph type="ftr" sz="quarter" idx="11"/>
-          </p:nvPr>
-        </p:nvSpPr>
-        <p:spPr/>
-        <p:txBody>
-          <a:bodyPr/>
-          <a:lstStyle/>
-          <a:p>
-            <a:endParaRPr lang="es-ES_tradnl"/>
-          </a:p>
-        </p:txBody>
-      </p:sp>
-      <p:sp>
-        <p:nvSpPr>
-          <p:cNvPr id="7" name="Slide Number Placeholder 6">
-            <a:extLst>
-              <a:ext uri="{FF2B5EF4-FFF2-40B4-BE49-F238E27FC236}">
-                <a16:creationId xmlns:a16="http://schemas.microsoft.com/office/drawing/2014/main" id="{D36F2BC2-72FC-94F8-745A-3E7ACECB8027}"/>
-              </a:ext>
-            </a:extLst>
-          </p:cNvPr>
-          <p:cNvSpPr>
-            <a:spLocks noGrp="1"/>
-          </p:cNvSpPr>
-          <p:nvPr>
-            <p:ph type="sldNum" sz="quarter" idx="12"/>
-          </p:nvPr>
-        </p:nvSpPr>
-        <p:spPr/>
-        <p:txBody>
-          <a:bodyPr/>
-          <a:lstStyle/>
-          <a:p>
-            <a:fld id="{B721FB27-E2AF-734E-95A0-74ADA25D2E5C}" type="slidenum">
-              <a:rPr lang="es-ES_tradnl" smtClean="0"/>
-              <a:t>‹#›</a:t>
-            </a:fld>
-            <a:endParaRPr lang="es-ES_tradnl"/>
-          </a:p>
-        </p:txBody>
-      </p:sp>
-    </p:spTree>
-    <p:extLst>
-      <p:ext uri="{BB962C8B-B14F-4D97-AF65-F5344CB8AC3E}">
-        <p14:creationId xmlns:p14="http://schemas.microsoft.com/office/powerpoint/2010/main" val="3841677296"/>
-      </p:ext>
-    </p:extLst>
-  </p:cSld>
-  <p:clrMapOvr>
-    <a:masterClrMapping/>
-  </p:clrMapOvr>
-</p:sldLayout>
-</file>
-
 <file path=ppt/slideMasters/slideMaster1.xml><?xml version="1.0" encoding="utf-8"?>
-<p:sldMaster xmlns:a="http://schemas.openxmlformats.org/drawingml/2006/main" xmlns:p="http://schemas.openxmlformats.org/presentationml/2006/main" xmlns:r="http://schemas.openxmlformats.org/officeDocument/2006/relationships">
+<p:sldMaster xmlns:a="http://schemas.openxmlformats.org/drawingml/2006/main" xmlns:r="http://schemas.openxmlformats.org/officeDocument/2006/relationships" xmlns:p="http://schemas.openxmlformats.org/presentationml/2006/main">
   <p:cSld>
     <p:bg>
       <p:bgRef idx="1001">
@@ -3150,16 +5297,16 @@
           </a:prstGeom>
         </p:spPr>
         <p:txBody>
-          <a:bodyPr anchor="ctr" bIns="45720" lIns="91440" rIns="91440" rtlCol="0" tIns="45720" vert="horz">
+          <a:bodyPr vert="horz" lIns="91440" tIns="45720" rIns="91440" bIns="45720" rtlCol="0" anchor="ctr">
             <a:noAutofit/>
           </a:bodyPr>
           <a:lstStyle/>
           <a:p>
             <a:r>
-              <a:rPr dirty="0" lang="en-US"/>
+              <a:rPr lang="en-US" dirty="0"/>
               <a:t>Click to edit Master title style</a:t>
             </a:r>
-            <a:endParaRPr dirty="0" lang="es-ES_tradnl"/>
+            <a:endParaRPr lang="es-ES_tradnl" dirty="0"/>
           </a:p>
         </p:txBody>
       </p:sp>
@@ -3176,7 +5323,7 @@
             <a:spLocks noGrp="1"/>
           </p:cNvSpPr>
           <p:nvPr>
-            <p:ph idx="1" type="body"/>
+            <p:ph type="body" idx="1"/>
           </p:nvPr>
         </p:nvSpPr>
         <p:spPr>
@@ -3189,7 +5336,7 @@
           </a:prstGeom>
         </p:spPr>
         <p:txBody>
-          <a:bodyPr bIns="45720" lIns="91440" rIns="91440" rtlCol="0" tIns="45720" vert="horz">
+          <a:bodyPr vert="horz" lIns="91440" tIns="45720" rIns="91440" bIns="45720" rtlCol="0">
             <a:normAutofit/>
           </a:bodyPr>
           <a:lstStyle/>
@@ -3244,7 +5391,7 @@
             <a:spLocks noGrp="1"/>
           </p:cNvSpPr>
           <p:nvPr>
-            <p:ph idx="2" sz="half" type="dt"/>
+            <p:ph type="dt" sz="half" idx="2"/>
           </p:nvPr>
         </p:nvSpPr>
         <p:spPr>
@@ -3257,7 +5404,7 @@
           </a:prstGeom>
         </p:spPr>
         <p:txBody>
-          <a:bodyPr anchor="ctr" bIns="45720" lIns="91440" rIns="91440" rtlCol="0" tIns="45720" vert="horz"/>
+          <a:bodyPr vert="horz" lIns="91440" tIns="45720" rIns="91440" bIns="45720" rtlCol="0" anchor="ctr"/>
           <a:lstStyle>
             <a:lvl1pPr algn="l">
               <a:defRPr sz="1200">
@@ -3291,7 +5438,7 @@
             <a:spLocks noGrp="1"/>
           </p:cNvSpPr>
           <p:nvPr>
-            <p:ph idx="3" sz="quarter" type="ftr"/>
+            <p:ph type="ftr" sz="quarter" idx="3"/>
           </p:nvPr>
         </p:nvSpPr>
         <p:spPr>
@@ -3304,7 +5451,7 @@
           </a:prstGeom>
         </p:spPr>
         <p:txBody>
-          <a:bodyPr anchor="ctr" bIns="45720" lIns="91440" rIns="91440" rtlCol="0" tIns="45720" vert="horz"/>
+          <a:bodyPr vert="horz" lIns="91440" tIns="45720" rIns="91440" bIns="45720" rtlCol="0" anchor="ctr"/>
           <a:lstStyle>
             <a:lvl1pPr algn="ctr">
               <a:defRPr sz="1200">
@@ -3334,7 +5481,7 @@
             <a:spLocks noGrp="1"/>
           </p:cNvSpPr>
           <p:nvPr>
-            <p:ph idx="4" sz="quarter" type="sldNum"/>
+            <p:ph type="sldNum" sz="quarter" idx="4"/>
           </p:nvPr>
         </p:nvSpPr>
         <p:spPr>
@@ -3347,7 +5494,7 @@
           </a:prstGeom>
         </p:spPr>
         <p:txBody>
-          <a:bodyPr anchor="ctr" bIns="45720" lIns="91440" rIns="91440" rtlCol="0" tIns="45720" vert="horz"/>
+          <a:bodyPr vert="horz" lIns="91440" tIns="45720" rIns="91440" bIns="45720" rtlCol="0" anchor="ctr"/>
           <a:lstStyle>
             <a:lvl1pPr algn="r">
               <a:defRPr sz="1200">
@@ -3370,7 +5517,7 @@
       </p:sp>
       <p:pic>
         <p:nvPicPr>
-          <p:cNvPr descr="Imagen que contiene Logotipo  Descripción generada automáticamente" id="8" name="Imagen 2">
+          <p:cNvPr id="8" name="Imagen 2" descr="Imagen que contiene Logotipo  Descripción generada automáticamente">
             <a:extLst>
               <a:ext uri="{FF2B5EF4-FFF2-40B4-BE49-F238E27FC236}">
                 <a16:creationId xmlns:a16="http://schemas.microsoft.com/office/drawing/2014/main" id="{8ABF1EFF-BEA6-E82B-E081-A04EED7D1735}"/>
@@ -3383,7 +5530,7 @@
           <p:nvPr userDrawn="1"/>
         </p:nvPicPr>
         <p:blipFill>
-          <a:blip r:embed="rId13"/>
+          <a:blip r:embed="rId14"/>
           <a:stretch>
             <a:fillRect/>
           </a:stretch>
@@ -3405,23 +5552,24 @@
       </p:ext>
     </p:extLst>
   </p:cSld>
-  <p:clrMap accent1="accent1" accent2="accent2" accent3="accent3" accent4="accent4" accent5="accent5" accent6="accent6" bg1="lt1" bg2="lt2" folHlink="folHlink" hlink="hlink" tx1="dk1" tx2="dk2"/>
+  <p:clrMap bg1="lt1" tx1="dk1" bg2="lt2" tx2="dk2" accent1="accent1" accent2="accent2" accent3="accent3" accent4="accent4" accent5="accent5" accent6="accent6" hlink="hlink" folHlink="folHlink"/>
   <p:sldLayoutIdLst>
     <p:sldLayoutId id="2147483649" r:id="rId1"/>
     <p:sldLayoutId id="2147483650" r:id="rId2"/>
-    <p:sldLayoutId id="2147483651" r:id="rId3"/>
-    <p:sldLayoutId id="2147483652" r:id="rId4"/>
-    <p:sldLayoutId id="2147483653" r:id="rId5"/>
-    <p:sldLayoutId id="2147483654" r:id="rId6"/>
-    <p:sldLayoutId id="2147483655" r:id="rId7"/>
-    <p:sldLayoutId id="2147483656" r:id="rId8"/>
-    <p:sldLayoutId id="2147483657" r:id="rId9"/>
-    <p:sldLayoutId id="2147483658" r:id="rId10"/>
-    <p:sldLayoutId id="2147483659" r:id="rId11"/>
+    <p:sldLayoutId id="2147483660" r:id="rId3"/>
+    <p:sldLayoutId id="2147483651" r:id="rId4"/>
+    <p:sldLayoutId id="2147483652" r:id="rId5"/>
+    <p:sldLayoutId id="2147483653" r:id="rId6"/>
+    <p:sldLayoutId id="2147483654" r:id="rId7"/>
+    <p:sldLayoutId id="2147483655" r:id="rId8"/>
+    <p:sldLayoutId id="2147483656" r:id="rId9"/>
+    <p:sldLayoutId id="2147483657" r:id="rId10"/>
+    <p:sldLayoutId id="2147483658" r:id="rId11"/>
+    <p:sldLayoutId id="2147483659" r:id="rId12"/>
   </p:sldLayoutIdLst>
   <p:txStyles>
     <p:titleStyle>
-      <a:lvl1pPr algn="l" defTabSz="914400" eaLnBrk="1" hangingPunct="1" latinLnBrk="0" rtl="0">
+      <a:lvl1pPr algn="l" defTabSz="914400" rtl="0" eaLnBrk="1" latinLnBrk="0" hangingPunct="1">
         <a:lnSpc>
           <a:spcPct val="90000"/>
         </a:lnSpc>
@@ -3429,7 +5577,7 @@
           <a:spcPct val="0"/>
         </a:spcBef>
         <a:buNone/>
-        <a:defRPr kern="1200" sz="3600">
+        <a:defRPr sz="3600" kern="1200">
           <a:solidFill>
             <a:schemeClr val="tx1"/>
           </a:solidFill>
@@ -3440,16 +5588,16 @@
       </a:lvl1pPr>
     </p:titleStyle>
     <p:bodyStyle>
-      <a:lvl1pPr algn="l" defTabSz="914400" eaLnBrk="1" hangingPunct="1" indent="-228600" latinLnBrk="0" marL="228600" rtl="0">
+      <a:lvl1pPr marL="228600" indent="-228600" algn="l" defTabSz="914400" rtl="0" eaLnBrk="1" latinLnBrk="0" hangingPunct="1">
         <a:lnSpc>
           <a:spcPct val="90000"/>
         </a:lnSpc>
         <a:spcBef>
           <a:spcPts val="1000"/>
         </a:spcBef>
-        <a:buFont charset="0" panose="020B0604020202020204" pitchFamily="34" typeface="Arial"/>
+        <a:buFont typeface="Arial" panose="020B0604020202020204" pitchFamily="34" charset="0"/>
         <a:buChar char="•"/>
-        <a:defRPr kern="1200" sz="2800">
+        <a:defRPr sz="2800" kern="1200">
           <a:solidFill>
             <a:schemeClr val="tx1"/>
           </a:solidFill>
@@ -3458,16 +5606,16 @@
           <a:cs typeface="+mn-cs"/>
         </a:defRPr>
       </a:lvl1pPr>
-      <a:lvl2pPr algn="l" defTabSz="914400" eaLnBrk="1" hangingPunct="1" indent="-228600" latinLnBrk="0" marL="685800" rtl="0">
+      <a:lvl2pPr marL="685800" indent="-228600" algn="l" defTabSz="914400" rtl="0" eaLnBrk="1" latinLnBrk="0" hangingPunct="1">
         <a:lnSpc>
           <a:spcPct val="90000"/>
         </a:lnSpc>
         <a:spcBef>
           <a:spcPts val="500"/>
         </a:spcBef>
-        <a:buFont charset="0" panose="020B0604020202020204" pitchFamily="34" typeface="Arial"/>
+        <a:buFont typeface="Arial" panose="020B0604020202020204" pitchFamily="34" charset="0"/>
         <a:buChar char="•"/>
-        <a:defRPr kern="1200" sz="2400">
+        <a:defRPr sz="2400" kern="1200">
           <a:solidFill>
             <a:schemeClr val="tx1"/>
           </a:solidFill>
@@ -3476,16 +5624,16 @@
           <a:cs typeface="+mn-cs"/>
         </a:defRPr>
       </a:lvl2pPr>
-      <a:lvl3pPr algn="l" defTabSz="914400" eaLnBrk="1" hangingPunct="1" indent="-228600" latinLnBrk="0" marL="1143000" rtl="0">
+      <a:lvl3pPr marL="1143000" indent="-228600" algn="l" defTabSz="914400" rtl="0" eaLnBrk="1" latinLnBrk="0" hangingPunct="1">
         <a:lnSpc>
           <a:spcPct val="90000"/>
         </a:lnSpc>
         <a:spcBef>
           <a:spcPts val="500"/>
         </a:spcBef>
-        <a:buFont charset="0" panose="020B0604020202020204" pitchFamily="34" typeface="Arial"/>
+        <a:buFont typeface="Arial" panose="020B0604020202020204" pitchFamily="34" charset="0"/>
         <a:buChar char="•"/>
-        <a:defRPr kern="1200" sz="2000">
+        <a:defRPr sz="2000" kern="1200">
           <a:solidFill>
             <a:schemeClr val="tx1"/>
           </a:solidFill>
@@ -3494,16 +5642,16 @@
           <a:cs typeface="+mn-cs"/>
         </a:defRPr>
       </a:lvl3pPr>
-      <a:lvl4pPr algn="l" defTabSz="914400" eaLnBrk="1" hangingPunct="1" indent="-228600" latinLnBrk="0" marL="1600200" rtl="0">
+      <a:lvl4pPr marL="1600200" indent="-228600" algn="l" defTabSz="914400" rtl="0" eaLnBrk="1" latinLnBrk="0" hangingPunct="1">
         <a:lnSpc>
           <a:spcPct val="90000"/>
         </a:lnSpc>
         <a:spcBef>
           <a:spcPts val="500"/>
         </a:spcBef>
-        <a:buFont charset="0" panose="020B0604020202020204" pitchFamily="34" typeface="Arial"/>
+        <a:buFont typeface="Arial" panose="020B0604020202020204" pitchFamily="34" charset="0"/>
         <a:buChar char="•"/>
-        <a:defRPr kern="1200" sz="1800">
+        <a:defRPr sz="1800" kern="1200">
           <a:solidFill>
             <a:schemeClr val="tx1"/>
           </a:solidFill>
@@ -3512,16 +5660,16 @@
           <a:cs typeface="+mn-cs"/>
         </a:defRPr>
       </a:lvl4pPr>
-      <a:lvl5pPr algn="l" defTabSz="914400" eaLnBrk="1" hangingPunct="1" indent="-228600" latinLnBrk="0" marL="2057400" rtl="0">
+      <a:lvl5pPr marL="2057400" indent="-228600" algn="l" defTabSz="914400" rtl="0" eaLnBrk="1" latinLnBrk="0" hangingPunct="1">
         <a:lnSpc>
           <a:spcPct val="90000"/>
         </a:lnSpc>
         <a:spcBef>
           <a:spcPts val="500"/>
         </a:spcBef>
-        <a:buFont charset="0" panose="020B0604020202020204" pitchFamily="34" typeface="Arial"/>
+        <a:buFont typeface="Arial" panose="020B0604020202020204" pitchFamily="34" charset="0"/>
         <a:buChar char="•"/>
-        <a:defRPr kern="1200" sz="1800">
+        <a:defRPr sz="1800" kern="1200">
           <a:solidFill>
             <a:schemeClr val="tx1"/>
           </a:solidFill>
@@ -3530,16 +5678,16 @@
           <a:cs typeface="+mn-cs"/>
         </a:defRPr>
       </a:lvl5pPr>
-      <a:lvl6pPr algn="l" defTabSz="914400" eaLnBrk="1" hangingPunct="1" indent="-228600" latinLnBrk="0" marL="2514600" rtl="0">
+      <a:lvl6pPr marL="2514600" indent="-228600" algn="l" defTabSz="914400" rtl="0" eaLnBrk="1" latinLnBrk="0" hangingPunct="1">
         <a:lnSpc>
           <a:spcPct val="90000"/>
         </a:lnSpc>
         <a:spcBef>
           <a:spcPts val="500"/>
         </a:spcBef>
-        <a:buFont charset="0" panose="020B0604020202020204" pitchFamily="34" typeface="Arial"/>
+        <a:buFont typeface="Arial" panose="020B0604020202020204" pitchFamily="34" charset="0"/>
         <a:buChar char="•"/>
-        <a:defRPr kern="1200" sz="1800">
+        <a:defRPr sz="1800" kern="1200">
           <a:solidFill>
             <a:schemeClr val="tx1"/>
           </a:solidFill>
@@ -3548,16 +5696,16 @@
           <a:cs typeface="+mn-cs"/>
         </a:defRPr>
       </a:lvl6pPr>
-      <a:lvl7pPr algn="l" defTabSz="914400" eaLnBrk="1" hangingPunct="1" indent="-228600" latinLnBrk="0" marL="2971800" rtl="0">
+      <a:lvl7pPr marL="2971800" indent="-228600" algn="l" defTabSz="914400" rtl="0" eaLnBrk="1" latinLnBrk="0" hangingPunct="1">
         <a:lnSpc>
           <a:spcPct val="90000"/>
         </a:lnSpc>
         <a:spcBef>
           <a:spcPts val="500"/>
         </a:spcBef>
-        <a:buFont charset="0" panose="020B0604020202020204" pitchFamily="34" typeface="Arial"/>
+        <a:buFont typeface="Arial" panose="020B0604020202020204" pitchFamily="34" charset="0"/>
         <a:buChar char="•"/>
-        <a:defRPr kern="1200" sz="1800">
+        <a:defRPr sz="1800" kern="1200">
           <a:solidFill>
             <a:schemeClr val="tx1"/>
           </a:solidFill>
@@ -3566,16 +5714,16 @@
           <a:cs typeface="+mn-cs"/>
         </a:defRPr>
       </a:lvl7pPr>
-      <a:lvl8pPr algn="l" defTabSz="914400" eaLnBrk="1" hangingPunct="1" indent="-228600" latinLnBrk="0" marL="3429000" rtl="0">
+      <a:lvl8pPr marL="3429000" indent="-228600" algn="l" defTabSz="914400" rtl="0" eaLnBrk="1" latinLnBrk="0" hangingPunct="1">
         <a:lnSpc>
           <a:spcPct val="90000"/>
         </a:lnSpc>
         <a:spcBef>
           <a:spcPts val="500"/>
         </a:spcBef>
-        <a:buFont charset="0" panose="020B0604020202020204" pitchFamily="34" typeface="Arial"/>
+        <a:buFont typeface="Arial" panose="020B0604020202020204" pitchFamily="34" charset="0"/>
         <a:buChar char="•"/>
-        <a:defRPr kern="1200" sz="1800">
+        <a:defRPr sz="1800" kern="1200">
           <a:solidFill>
             <a:schemeClr val="tx1"/>
           </a:solidFill>
@@ -3584,16 +5732,16 @@
           <a:cs typeface="+mn-cs"/>
         </a:defRPr>
       </a:lvl8pPr>
-      <a:lvl9pPr algn="l" defTabSz="914400" eaLnBrk="1" hangingPunct="1" indent="-228600" latinLnBrk="0" marL="3886200" rtl="0">
+      <a:lvl9pPr marL="3886200" indent="-228600" algn="l" defTabSz="914400" rtl="0" eaLnBrk="1" latinLnBrk="0" hangingPunct="1">
         <a:lnSpc>
           <a:spcPct val="90000"/>
         </a:lnSpc>
         <a:spcBef>
           <a:spcPts val="500"/>
         </a:spcBef>
-        <a:buFont charset="0" panose="020B0604020202020204" pitchFamily="34" typeface="Arial"/>
+        <a:buFont typeface="Arial" panose="020B0604020202020204" pitchFamily="34" charset="0"/>
         <a:buChar char="•"/>
-        <a:defRPr kern="1200" sz="1800">
+        <a:defRPr sz="1800" kern="1200">
           <a:solidFill>
             <a:schemeClr val="tx1"/>
           </a:solidFill>
@@ -3607,8 +5755,8 @@
       <a:defPPr>
         <a:defRPr lang="en-US"/>
       </a:defPPr>
-      <a:lvl1pPr algn="l" defTabSz="914400" eaLnBrk="1" hangingPunct="1" latinLnBrk="0" marL="0" rtl="0">
-        <a:defRPr kern="1200" sz="1800">
+      <a:lvl1pPr marL="0" algn="l" defTabSz="914400" rtl="0" eaLnBrk="1" latinLnBrk="0" hangingPunct="1">
+        <a:defRPr sz="1800" kern="1200">
           <a:solidFill>
             <a:schemeClr val="tx1"/>
           </a:solidFill>
@@ -3617,8 +5765,8 @@
           <a:cs typeface="+mn-cs"/>
         </a:defRPr>
       </a:lvl1pPr>
-      <a:lvl2pPr algn="l" defTabSz="914400" eaLnBrk="1" hangingPunct="1" latinLnBrk="0" marL="457200" rtl="0">
-        <a:defRPr kern="1200" sz="1800">
+      <a:lvl2pPr marL="457200" algn="l" defTabSz="914400" rtl="0" eaLnBrk="1" latinLnBrk="0" hangingPunct="1">
+        <a:defRPr sz="1800" kern="1200">
           <a:solidFill>
             <a:schemeClr val="tx1"/>
           </a:solidFill>
@@ -3627,8 +5775,8 @@
           <a:cs typeface="+mn-cs"/>
         </a:defRPr>
       </a:lvl2pPr>
-      <a:lvl3pPr algn="l" defTabSz="914400" eaLnBrk="1" hangingPunct="1" latinLnBrk="0" marL="914400" rtl="0">
-        <a:defRPr kern="1200" sz="1800">
+      <a:lvl3pPr marL="914400" algn="l" defTabSz="914400" rtl="0" eaLnBrk="1" latinLnBrk="0" hangingPunct="1">
+        <a:defRPr sz="1800" kern="1200">
           <a:solidFill>
             <a:schemeClr val="tx1"/>
           </a:solidFill>
@@ -3637,8 +5785,8 @@
           <a:cs typeface="+mn-cs"/>
         </a:defRPr>
       </a:lvl3pPr>
-      <a:lvl4pPr algn="l" defTabSz="914400" eaLnBrk="1" hangingPunct="1" latinLnBrk="0" marL="1371600" rtl="0">
-        <a:defRPr kern="1200" sz="1800">
+      <a:lvl4pPr marL="1371600" algn="l" defTabSz="914400" rtl="0" eaLnBrk="1" latinLnBrk="0" hangingPunct="1">
+        <a:defRPr sz="1800" kern="1200">
           <a:solidFill>
             <a:schemeClr val="tx1"/>
           </a:solidFill>
@@ -3647,8 +5795,8 @@
           <a:cs typeface="+mn-cs"/>
         </a:defRPr>
       </a:lvl4pPr>
-      <a:lvl5pPr algn="l" defTabSz="914400" eaLnBrk="1" hangingPunct="1" latinLnBrk="0" marL="1828800" rtl="0">
-        <a:defRPr kern="1200" sz="1800">
+      <a:lvl5pPr marL="1828800" algn="l" defTabSz="914400" rtl="0" eaLnBrk="1" latinLnBrk="0" hangingPunct="1">
+        <a:defRPr sz="1800" kern="1200">
           <a:solidFill>
             <a:schemeClr val="tx1"/>
           </a:solidFill>
@@ -3657,8 +5805,8 @@
           <a:cs typeface="+mn-cs"/>
         </a:defRPr>
       </a:lvl5pPr>
-      <a:lvl6pPr algn="l" defTabSz="914400" eaLnBrk="1" hangingPunct="1" latinLnBrk="0" marL="2286000" rtl="0">
-        <a:defRPr kern="1200" sz="1800">
+      <a:lvl6pPr marL="2286000" algn="l" defTabSz="914400" rtl="0" eaLnBrk="1" latinLnBrk="0" hangingPunct="1">
+        <a:defRPr sz="1800" kern="1200">
           <a:solidFill>
             <a:schemeClr val="tx1"/>
           </a:solidFill>
@@ -3667,8 +5815,8 @@
           <a:cs typeface="+mn-cs"/>
         </a:defRPr>
       </a:lvl6pPr>
-      <a:lvl7pPr algn="l" defTabSz="914400" eaLnBrk="1" hangingPunct="1" latinLnBrk="0" marL="2743200" rtl="0">
-        <a:defRPr kern="1200" sz="1800">
+      <a:lvl7pPr marL="2743200" algn="l" defTabSz="914400" rtl="0" eaLnBrk="1" latinLnBrk="0" hangingPunct="1">
+        <a:defRPr sz="1800" kern="1200">
           <a:solidFill>
             <a:schemeClr val="tx1"/>
           </a:solidFill>
@@ -3677,8 +5825,8 @@
           <a:cs typeface="+mn-cs"/>
         </a:defRPr>
       </a:lvl7pPr>
-      <a:lvl8pPr algn="l" defTabSz="914400" eaLnBrk="1" hangingPunct="1" latinLnBrk="0" marL="3200400" rtl="0">
-        <a:defRPr kern="1200" sz="1800">
+      <a:lvl8pPr marL="3200400" algn="l" defTabSz="914400" rtl="0" eaLnBrk="1" latinLnBrk="0" hangingPunct="1">
+        <a:defRPr sz="1800" kern="1200">
           <a:solidFill>
             <a:schemeClr val="tx1"/>
           </a:solidFill>
@@ -3687,8 +5835,8 @@
           <a:cs typeface="+mn-cs"/>
         </a:defRPr>
       </a:lvl8pPr>
-      <a:lvl9pPr algn="l" defTabSz="914400" eaLnBrk="1" hangingPunct="1" latinLnBrk="0" marL="3657600" rtl="0">
-        <a:defRPr kern="1200" sz="1800">
+      <a:lvl9pPr marL="3657600" algn="l" defTabSz="914400" rtl="0" eaLnBrk="1" latinLnBrk="0" hangingPunct="1">
+        <a:defRPr sz="1800" kern="1200">
           <a:solidFill>
             <a:schemeClr val="tx1"/>
           </a:solidFill>
@@ -3724,7 +5872,7 @@
           <p:cNvPr id="2" name="Title 1">
             <a:extLst>
               <a:ext uri="{FF2B5EF4-FFF2-40B4-BE49-F238E27FC236}">
-                <a16:creationId xmlns:a16="http://schemas.microsoft.com/office/drawing/2014/main" id="{F65C88B3-624D-043A-2B81-8795DCEBC39A}"/>
+                <a16:creationId xmlns:a16="http://schemas.microsoft.com/office/drawing/2014/main" id="{621CEF70-3D05-3CF1-B4E8-9F0A76F1509C}"/>
               </a:ext>
             </a:extLst>
           </p:cNvPr>
@@ -3735,22 +5883,20 @@
             <p:ph type="ctrTitle"/>
           </p:nvPr>
         </p:nvSpPr>
-        <p:spPr>
-          <a:xfrm>
-            <a:off x="1524000" y="1122363"/>
-            <a:ext cx="9144000" cy="2387600"/>
-          </a:xfrm>
-        </p:spPr>
+        <p:spPr/>
         <p:txBody>
           <a:bodyPr/>
           <a:lstStyle/>
           <a:p>
-            <a:pPr lvl="0" indent="0" marL="0">
-              <a:buNone/>
-            </a:pPr>
-            <a:r>
-              <a:rPr/>
-              <a:t>Declaración de Arquitectura Migración Funcional SUI, PGN, 2023</a:t>
+            <a:r>
+              <a:rPr lang="es-ES_tradnl" sz="4000" b="0" dirty="0">
+                <a:solidFill>
+                  <a:srgbClr val="E0287A"/>
+                </a:solidFill>
+                <a:effectLst/>
+                <a:latin typeface="Arial Rounded MT Bold"/>
+              </a:rPr>
+              <a:t>Procuraduría General de la Nación</a:t>
             </a:r>
           </a:p>
         </p:txBody>
@@ -3760,7 +5906,7 @@
           <p:cNvPr id="3" name="Subtitle 2">
             <a:extLst>
               <a:ext uri="{FF2B5EF4-FFF2-40B4-BE49-F238E27FC236}">
-                <a16:creationId xmlns:a16="http://schemas.microsoft.com/office/drawing/2014/main" id="{A63841F2-4AC3-B21F-2709-BDD2BBF90390}"/>
+                <a16:creationId xmlns:a16="http://schemas.microsoft.com/office/drawing/2014/main" id="{50DE692A-CD65-2FEA-2A94-39820A209CD4}"/>
               </a:ext>
             </a:extLst>
           </p:cNvPr>
@@ -3768,68 +5914,37 @@
             <a:spLocks noGrp="1"/>
           </p:cNvSpPr>
           <p:nvPr>
-            <p:ph idx="1" type="subTitle"/>
+            <p:ph type="subTitle" idx="1"/>
           </p:nvPr>
         </p:nvSpPr>
-        <p:spPr>
-          <a:xfrm>
-            <a:off x="1524000" y="3602038"/>
-            <a:ext cx="9144000" cy="1655762"/>
-          </a:xfrm>
-        </p:spPr>
+        <p:spPr/>
         <p:txBody>
           <a:bodyPr/>
           <a:lstStyle/>
           <a:p>
-            <a:pPr lvl="0" indent="0" marL="0">
-              <a:buNone/>
-            </a:pPr>
-            <a:r>
-              <a:rPr/>
-              <a:t/>
-            </a:r>
-            <a:br/>
-            <a:br/>
-            <a:r>
-              <a:rPr/>
-              <a:t>Softgic - PGN</a:t>
-            </a:r>
-          </a:p>
-        </p:txBody>
-      </p:sp>
-      <p:sp>
-        <p:nvSpPr>
-          <p:cNvPr id="4" name="Date Placeholder 3">
-            <a:extLst>
-              <a:ext uri="{FF2B5EF4-FFF2-40B4-BE49-F238E27FC236}">
-                <a16:creationId xmlns:a16="http://schemas.microsoft.com/office/drawing/2014/main" id="{1CEB5431-DF96-B33E-5F94-F3E298801936}"/>
-              </a:ext>
-            </a:extLst>
-          </p:cNvPr>
-          <p:cNvSpPr>
-            <a:spLocks noGrp="1"/>
-          </p:cNvSpPr>
-          <p:nvPr>
-            <p:ph idx="10" sz="half" type="dt"/>
-          </p:nvPr>
-        </p:nvSpPr>
-        <p:spPr/>
-        <p:txBody>
-          <a:bodyPr/>
-          <a:lstStyle/>
-          <a:p>
-            <a:pPr lvl="0" indent="0" marL="0">
-              <a:buNone/>
-            </a:pPr>
-            <a:r>
-              <a:rPr/>
-              <a:t>Noviembre, 2023</a:t>
+            <a:r>
+              <a:rPr lang="es-ES_tradnl" b="1" dirty="0"/>
+              <a:t>Migración Funcional SUI</a:t>
+            </a:r>
+          </a:p>
+          <a:p>
+            <a:r>
+              <a:rPr lang="es-ES_tradnl" b="1" dirty="0"/>
+              <a:t>078-2023</a:t>
             </a:r>
           </a:p>
         </p:txBody>
       </p:sp>
     </p:spTree>
+    <p:extLst>
+      <p:ext uri="{BB962C8B-B14F-4D97-AF65-F5344CB8AC3E}">
+        <p14:creationId xmlns:p14="http://schemas.microsoft.com/office/powerpoint/2010/main" val="1168779027"/>
+      </p:ext>
+    </p:extLst>
   </p:cSld>
+  <p:clrMapOvr>
+    <a:masterClrMapping/>
+  </p:clrMapOvr>
 </p:sld>
 </file>
 
@@ -3871,19 +5986,688 @@
           <a:bodyPr/>
           <a:lstStyle/>
           <a:p>
-            <a:pPr lvl="0" indent="0" marL="0">
+            <a:pPr marL="0" lvl="0" indent="0">
               <a:buNone/>
             </a:pPr>
             <a:r>
-              <a:rPr/>
-              <a:t>Diagrama de Clases y Componentes de Solución (b)</a:t>
+              <a:t>Diagrama de Arquitectura de la Solución Propuesta</a:t>
             </a:r>
           </a:p>
         </p:txBody>
       </p:sp>
       <p:pic>
         <p:nvPicPr>
-          <p:cNvPr descr="fig:  images/Migracion.1b.3.SIUMódulosClases.png" id="0" name="Picture 1"/>
+          <p:cNvPr id="3" name="Picture 1" descr="fig:  images/Seguridad.2.Lineabase.0.SIUAplicación.png"/>
+          <p:cNvPicPr>
+            <a:picLocks noGrp="1" noChangeAspect="1"/>
+          </p:cNvPicPr>
+          <p:nvPr/>
+        </p:nvPicPr>
+        <p:blipFill>
+          <a:blip r:embed="rId2"/>
+          <a:stretch>
+            <a:fillRect/>
+          </a:stretch>
+        </p:blipFill>
+        <p:spPr bwMode="auto">
+          <a:xfrm>
+            <a:off x="838200" y="1866900"/>
+            <a:ext cx="5181600" cy="3733800"/>
+          </a:xfrm>
+          <a:prstGeom prst="rect">
+            <a:avLst/>
+          </a:prstGeom>
+          <a:noFill/>
+          <a:ln w="9525">
+            <a:noFill/>
+            <a:headEnd/>
+            <a:tailEnd/>
+          </a:ln>
+        </p:spPr>
+      </p:pic>
+      <p:sp>
+        <p:nvSpPr>
+          <p:cNvPr id="5" name="TextBox 3"/>
+          <p:cNvSpPr txBox="1"/>
+          <p:nvPr/>
+        </p:nvSpPr>
+        <p:spPr>
+          <a:xfrm>
+            <a:off x="838200" y="5651500"/>
+            <a:ext cx="5181600" cy="508000"/>
+          </a:xfrm>
+          <a:prstGeom prst="rect">
+            <a:avLst/>
+          </a:prstGeom>
+          <a:noFill/>
+        </p:spPr>
+        <p:txBody>
+          <a:bodyPr/>
+          <a:lstStyle/>
+          <a:p>
+            <a:pPr marL="0" lvl="0" indent="0" algn="ctr">
+              <a:buNone/>
+            </a:pPr>
+            <a:r>
+              <a:t>Vista. Seguridad.2. Lineabase.0.SUI Aplicación</a:t>
+            </a:r>
+          </a:p>
+        </p:txBody>
+      </p:sp>
+      <p:sp>
+        <p:nvSpPr>
+          <p:cNvPr id="4" name="Content Placeholder 3">
+            <a:extLst>
+              <a:ext uri="{FF2B5EF4-FFF2-40B4-BE49-F238E27FC236}">
+                <a16:creationId xmlns:a16="http://schemas.microsoft.com/office/drawing/2014/main" id="{C261DBA9-0B0C-4FAA-DEB6-7E988D31A3EC}"/>
+              </a:ext>
+            </a:extLst>
+          </p:cNvPr>
+          <p:cNvSpPr>
+            <a:spLocks noGrp="1"/>
+          </p:cNvSpPr>
+          <p:nvPr>
+            <p:ph sz="half" idx="2"/>
+          </p:nvPr>
+        </p:nvSpPr>
+        <p:spPr/>
+        <p:txBody>
+          <a:bodyPr/>
+          <a:lstStyle/>
+          <a:p>
+            <a:pPr marL="0" lvl="0" indent="0">
+              <a:spcBef>
+                <a:spcPts val="3000"/>
+              </a:spcBef>
+              <a:buNone/>
+            </a:pPr>
+            <a:r>
+              <a:rPr b="1"/>
+              <a:t>Gestión de Autenticación Usuarios y Roles</a:t>
+            </a:r>
+          </a:p>
+          <a:p>
+            <a:pPr marL="0" lvl="0" indent="0">
+              <a:buNone/>
+            </a:pPr>
+            <a:r>
+              <a:t>Métodos de Seguridad del SUI Migrado</a:t>
+            </a:r>
+          </a:p>
+          <a:p>
+            <a:pPr lvl="0"/>
+            <a:r>
+              <a:t>Control de acceso y autorización basado en roles (RBAC)</a:t>
+            </a:r>
+          </a:p>
+          <a:p>
+            <a:pPr lvl="0"/>
+            <a:r>
+              <a:t>Gestión de identidades</a:t>
+            </a:r>
+          </a:p>
+          <a:p>
+            <a:pPr lvl="0"/>
+            <a:r>
+              <a:t>Aprovisionamiento de Cuentas</a:t>
+            </a:r>
+          </a:p>
+        </p:txBody>
+      </p:sp>
+    </p:spTree>
+  </p:cSld>
+  <p:clrMapOvr>
+    <a:masterClrMapping/>
+  </p:clrMapOvr>
+</p:sld>
+</file>
+
+<file path=ppt/slides/slide11.xml><?xml version="1.0" encoding="utf-8"?>
+<p:sld xmlns:a="http://schemas.openxmlformats.org/drawingml/2006/main" xmlns:r="http://schemas.openxmlformats.org/officeDocument/2006/relationships" xmlns:p="http://schemas.openxmlformats.org/presentationml/2006/main">
+  <p:cSld>
+    <p:spTree>
+      <p:nvGrpSpPr>
+        <p:cNvPr id="1" name=""/>
+        <p:cNvGrpSpPr/>
+        <p:nvPr/>
+      </p:nvGrpSpPr>
+      <p:grpSpPr>
+        <a:xfrm>
+          <a:off x="0" y="0"/>
+          <a:ext cx="0" cy="0"/>
+          <a:chOff x="0" y="0"/>
+          <a:chExt cx="0" cy="0"/>
+        </a:xfrm>
+      </p:grpSpPr>
+      <p:sp>
+        <p:nvSpPr>
+          <p:cNvPr id="2" name="Title 1">
+            <a:extLst>
+              <a:ext uri="{FF2B5EF4-FFF2-40B4-BE49-F238E27FC236}">
+                <a16:creationId xmlns:a16="http://schemas.microsoft.com/office/drawing/2014/main" id="{031ABDF3-40B0-9FFD-785D-6EE24EA30E17}"/>
+              </a:ext>
+            </a:extLst>
+          </p:cNvPr>
+          <p:cNvSpPr>
+            <a:spLocks noGrp="1"/>
+          </p:cNvSpPr>
+          <p:nvPr>
+            <p:ph type="title"/>
+          </p:nvPr>
+        </p:nvSpPr>
+        <p:spPr/>
+        <p:txBody>
+          <a:bodyPr/>
+          <a:lstStyle/>
+          <a:p>
+            <a:pPr marL="0" lvl="0" indent="0">
+              <a:buNone/>
+            </a:pPr>
+            <a:r>
+              <a:t>Diagrama de Clases y Componentes de Solución (a)</a:t>
+            </a:r>
+          </a:p>
+        </p:txBody>
+      </p:sp>
+      <p:pic>
+        <p:nvPicPr>
+          <p:cNvPr id="3" name="Picture 1" descr="fig:  images/Migracion.1b.1.SIUMódulosComponentes.png"/>
+          <p:cNvPicPr>
+            <a:picLocks noGrp="1" noChangeAspect="1"/>
+          </p:cNvPicPr>
+          <p:nvPr/>
+        </p:nvPicPr>
+        <p:blipFill>
+          <a:blip r:embed="rId2"/>
+          <a:stretch>
+            <a:fillRect/>
+          </a:stretch>
+        </p:blipFill>
+        <p:spPr bwMode="auto">
+          <a:xfrm>
+            <a:off x="838200" y="1892300"/>
+            <a:ext cx="5181600" cy="3670300"/>
+          </a:xfrm>
+          <a:prstGeom prst="rect">
+            <a:avLst/>
+          </a:prstGeom>
+          <a:noFill/>
+          <a:ln w="9525">
+            <a:noFill/>
+            <a:headEnd/>
+            <a:tailEnd/>
+          </a:ln>
+        </p:spPr>
+      </p:pic>
+      <p:sp>
+        <p:nvSpPr>
+          <p:cNvPr id="5" name="TextBox 3"/>
+          <p:cNvSpPr txBox="1"/>
+          <p:nvPr/>
+        </p:nvSpPr>
+        <p:spPr>
+          <a:xfrm>
+            <a:off x="838200" y="5651500"/>
+            <a:ext cx="5181600" cy="508000"/>
+          </a:xfrm>
+          <a:prstGeom prst="rect">
+            <a:avLst/>
+          </a:prstGeom>
+          <a:noFill/>
+        </p:spPr>
+        <p:txBody>
+          <a:bodyPr/>
+          <a:lstStyle/>
+          <a:p>
+            <a:pPr marL="0" lvl="0" indent="0" algn="ctr">
+              <a:buNone/>
+            </a:pPr>
+            <a:r>
+              <a:t>Vista. Migracion.1b.1. SUI Módulos Componentes</a:t>
+            </a:r>
+          </a:p>
+        </p:txBody>
+      </p:sp>
+      <p:sp>
+        <p:nvSpPr>
+          <p:cNvPr id="4" name="Content Placeholder 3">
+            <a:extLst>
+              <a:ext uri="{FF2B5EF4-FFF2-40B4-BE49-F238E27FC236}">
+                <a16:creationId xmlns:a16="http://schemas.microsoft.com/office/drawing/2014/main" id="{C261DBA9-0B0C-4FAA-DEB6-7E988D31A3EC}"/>
+              </a:ext>
+            </a:extLst>
+          </p:cNvPr>
+          <p:cNvSpPr>
+            <a:spLocks noGrp="1"/>
+          </p:cNvSpPr>
+          <p:nvPr>
+            <p:ph sz="half" idx="2"/>
+          </p:nvPr>
+        </p:nvSpPr>
+        <p:spPr/>
+        <p:txBody>
+          <a:bodyPr>
+            <a:noAutofit/>
+          </a:bodyPr>
+          <a:lstStyle/>
+          <a:p>
+            <a:pPr marL="0" lvl="0" indent="0">
+              <a:spcBef>
+                <a:spcPts val="3000"/>
+              </a:spcBef>
+              <a:buNone/>
+            </a:pPr>
+            <a:r>
+              <a:rPr sz="2000" b="1" dirty="0"/>
+              <a:t>SUI </a:t>
+            </a:r>
+            <a:r>
+              <a:rPr sz="2000" b="1" dirty="0" err="1"/>
+              <a:t>Componentes</a:t>
+            </a:r>
+            <a:r>
+              <a:rPr sz="2000" b="1" dirty="0"/>
+              <a:t> de </a:t>
+            </a:r>
+            <a:r>
+              <a:rPr sz="2000" b="1" dirty="0" err="1"/>
+              <a:t>Módulos</a:t>
+            </a:r>
+            <a:endParaRPr sz="2000" b="1" dirty="0"/>
+          </a:p>
+          <a:p>
+            <a:pPr marL="0" lvl="0" indent="0">
+              <a:buNone/>
+            </a:pPr>
+            <a:r>
+              <a:rPr sz="2000" dirty="0" err="1"/>
+              <a:t>Componentes</a:t>
+            </a:r>
+            <a:r>
+              <a:rPr sz="2000" dirty="0"/>
+              <a:t> </a:t>
+            </a:r>
+            <a:r>
+              <a:rPr sz="2000" dirty="0" err="1"/>
+              <a:t>internos</a:t>
+            </a:r>
+            <a:r>
+              <a:rPr sz="2000" dirty="0"/>
+              <a:t> de </a:t>
+            </a:r>
+            <a:r>
+              <a:rPr sz="2000" dirty="0" err="1"/>
+              <a:t>los</a:t>
+            </a:r>
+            <a:r>
+              <a:rPr sz="2000" dirty="0"/>
+              <a:t> </a:t>
+            </a:r>
+            <a:r>
+              <a:rPr sz="2000" dirty="0" err="1"/>
+              <a:t>submódulos</a:t>
+            </a:r>
+            <a:r>
+              <a:rPr sz="2000" dirty="0"/>
+              <a:t> del </a:t>
+            </a:r>
+            <a:r>
+              <a:rPr sz="2000" dirty="0" err="1"/>
+              <a:t>sistema</a:t>
+            </a:r>
+            <a:r>
+              <a:rPr sz="2000" dirty="0"/>
+              <a:t> </a:t>
+            </a:r>
+            <a:r>
+              <a:rPr sz="2000" dirty="0" err="1"/>
+              <a:t>único</a:t>
+            </a:r>
+            <a:r>
+              <a:rPr sz="2000" dirty="0"/>
+              <a:t> de </a:t>
+            </a:r>
+            <a:r>
+              <a:rPr sz="2000" dirty="0" err="1"/>
+              <a:t>información</a:t>
+            </a:r>
+            <a:r>
+              <a:rPr sz="2000" dirty="0"/>
+              <a:t> </a:t>
+            </a:r>
+            <a:r>
+              <a:rPr sz="2000" dirty="0" err="1"/>
+              <a:t>migrado</a:t>
+            </a:r>
+            <a:r>
+              <a:rPr sz="2000" dirty="0"/>
+              <a:t>, SUI de PGN. </a:t>
+            </a:r>
+            <a:r>
+              <a:rPr sz="2000" dirty="0" err="1"/>
+              <a:t>Organización</a:t>
+            </a:r>
+            <a:r>
+              <a:rPr sz="2000" dirty="0"/>
+              <a:t> interna de </a:t>
+            </a:r>
+            <a:r>
+              <a:rPr sz="2000" dirty="0" err="1"/>
+              <a:t>los</a:t>
+            </a:r>
+            <a:r>
+              <a:rPr sz="2000" dirty="0"/>
+              <a:t> </a:t>
+            </a:r>
+            <a:r>
+              <a:rPr sz="2000" dirty="0" err="1"/>
+              <a:t>servicios</a:t>
+            </a:r>
+            <a:r>
+              <a:rPr sz="2000" dirty="0"/>
+              <a:t> y </a:t>
+            </a:r>
+            <a:r>
+              <a:rPr sz="2000" dirty="0" err="1"/>
+              <a:t>paquetes</a:t>
+            </a:r>
+            <a:r>
+              <a:rPr sz="2000" dirty="0"/>
+              <a:t> que </a:t>
+            </a:r>
+            <a:r>
+              <a:rPr sz="2000" dirty="0" err="1"/>
+              <a:t>integran</a:t>
+            </a:r>
+            <a:r>
+              <a:rPr sz="2000" dirty="0"/>
+              <a:t> </a:t>
+            </a:r>
+            <a:r>
+              <a:rPr sz="2000" dirty="0" err="1"/>
+              <a:t>cada</a:t>
+            </a:r>
+            <a:r>
+              <a:rPr sz="2000" dirty="0"/>
+              <a:t> </a:t>
+            </a:r>
+            <a:r>
+              <a:rPr sz="2000" dirty="0" err="1"/>
+              <a:t>submódulo</a:t>
+            </a:r>
+            <a:r>
+              <a:rPr sz="2000" dirty="0"/>
+              <a:t> del SUI. </a:t>
+            </a:r>
+            <a:r>
+              <a:rPr sz="2000" dirty="0" err="1"/>
+              <a:t>Todos</a:t>
+            </a:r>
+            <a:r>
+              <a:rPr sz="2000" dirty="0"/>
+              <a:t> </a:t>
+            </a:r>
+            <a:r>
+              <a:rPr sz="2000" dirty="0" err="1"/>
+              <a:t>los</a:t>
+            </a:r>
+            <a:r>
+              <a:rPr sz="2000" dirty="0"/>
+              <a:t> </a:t>
+            </a:r>
+            <a:r>
+              <a:rPr sz="2000" dirty="0" err="1"/>
+              <a:t>sistemas</a:t>
+            </a:r>
+            <a:r>
+              <a:rPr sz="2000" dirty="0"/>
+              <a:t> de </a:t>
+            </a:r>
+            <a:r>
+              <a:rPr sz="2000" dirty="0" err="1"/>
+              <a:t>información</a:t>
+            </a:r>
+            <a:r>
+              <a:rPr sz="2000" dirty="0"/>
+              <a:t> del SUI </a:t>
+            </a:r>
+            <a:r>
+              <a:rPr sz="2000" dirty="0" err="1"/>
+              <a:t>siguen</a:t>
+            </a:r>
+            <a:r>
+              <a:rPr sz="2000" dirty="0"/>
+              <a:t> </a:t>
+            </a:r>
+            <a:r>
+              <a:rPr sz="2000" dirty="0" err="1"/>
+              <a:t>esta</a:t>
+            </a:r>
+            <a:r>
+              <a:rPr sz="2000" dirty="0"/>
+              <a:t> </a:t>
+            </a:r>
+            <a:r>
+              <a:rPr sz="2000" dirty="0" err="1"/>
+              <a:t>directiva</a:t>
+            </a:r>
+            <a:r>
+              <a:rPr sz="2000" dirty="0"/>
+              <a:t>: </a:t>
+            </a:r>
+            <a:r>
+              <a:rPr sz="2000" dirty="0" err="1"/>
+              <a:t>estarán</a:t>
+            </a:r>
+            <a:r>
+              <a:rPr sz="2000" dirty="0"/>
+              <a:t> </a:t>
+            </a:r>
+            <a:r>
+              <a:rPr sz="2000" dirty="0" err="1"/>
+              <a:t>constituidos</a:t>
+            </a:r>
+            <a:r>
+              <a:rPr sz="2000" dirty="0"/>
+              <a:t> </a:t>
+            </a:r>
+            <a:r>
+              <a:rPr sz="2000" dirty="0" err="1"/>
+              <a:t>por</a:t>
+            </a:r>
+            <a:r>
+              <a:rPr sz="2000" dirty="0"/>
+              <a:t> </a:t>
+            </a:r>
+            <a:r>
+              <a:rPr sz="2000" dirty="0" err="1"/>
+              <a:t>submódulos</a:t>
+            </a:r>
+            <a:r>
+              <a:rPr sz="2000" dirty="0"/>
+              <a:t> </a:t>
+            </a:r>
+            <a:r>
+              <a:rPr sz="2000" dirty="0" err="1"/>
+              <a:t>dispuestos</a:t>
+            </a:r>
+            <a:r>
+              <a:rPr sz="2000" dirty="0"/>
+              <a:t> </a:t>
+            </a:r>
+            <a:r>
+              <a:rPr sz="2000" dirty="0" err="1"/>
+              <a:t>en</a:t>
+            </a:r>
+            <a:r>
+              <a:rPr sz="2000" dirty="0"/>
+              <a:t> </a:t>
+            </a:r>
+            <a:r>
+              <a:rPr sz="2000" dirty="0" err="1"/>
+              <a:t>relación</a:t>
+            </a:r>
+            <a:r>
+              <a:rPr sz="2000" dirty="0"/>
+              <a:t> de </a:t>
+            </a:r>
+            <a:r>
+              <a:rPr sz="2000" dirty="0" err="1"/>
+              <a:t>utilitarios</a:t>
+            </a:r>
+            <a:r>
+              <a:rPr sz="2000" dirty="0"/>
+              <a:t> (que </a:t>
+            </a:r>
+            <a:r>
+              <a:rPr sz="2000" dirty="0" err="1"/>
+              <a:t>sirven</a:t>
+            </a:r>
+            <a:r>
+              <a:rPr sz="2000" dirty="0"/>
+              <a:t>) a </a:t>
+            </a:r>
+            <a:r>
+              <a:rPr sz="2000" dirty="0" err="1"/>
+              <a:t>los</a:t>
+            </a:r>
+            <a:r>
+              <a:rPr sz="2000" dirty="0"/>
+              <a:t> </a:t>
+            </a:r>
+            <a:r>
+              <a:rPr sz="2000" dirty="0" err="1"/>
+              <a:t>componentes</a:t>
+            </a:r>
+            <a:r>
+              <a:rPr sz="2000" dirty="0"/>
+              <a:t> </a:t>
+            </a:r>
+            <a:r>
+              <a:rPr sz="2000" dirty="0" err="1"/>
+              <a:t>misionales</a:t>
+            </a:r>
+            <a:r>
+              <a:rPr sz="2000" dirty="0"/>
+              <a:t> del SUI, </a:t>
+            </a:r>
+            <a:r>
+              <a:rPr sz="2000" dirty="0" err="1"/>
+              <a:t>ubicados</a:t>
+            </a:r>
+            <a:r>
+              <a:rPr sz="2000" dirty="0"/>
+              <a:t> </a:t>
+            </a:r>
+            <a:r>
+              <a:rPr sz="2000" dirty="0" err="1"/>
+              <a:t>en</a:t>
+            </a:r>
+            <a:r>
+              <a:rPr sz="2000" dirty="0"/>
+              <a:t> </a:t>
+            </a:r>
+            <a:r>
+              <a:rPr sz="2000" dirty="0" err="1"/>
+              <a:t>el</a:t>
+            </a:r>
+            <a:r>
+              <a:rPr sz="2000" dirty="0"/>
+              <a:t> </a:t>
+            </a:r>
+            <a:r>
+              <a:rPr sz="2000" dirty="0" err="1"/>
+              <a:t>centro</a:t>
+            </a:r>
+            <a:r>
+              <a:rPr sz="2000" dirty="0"/>
+              <a:t> </a:t>
+            </a:r>
+            <a:r>
+              <a:rPr sz="2000" dirty="0" err="1"/>
+              <a:t>en</a:t>
+            </a:r>
+            <a:r>
+              <a:rPr sz="2000" dirty="0"/>
+              <a:t> </a:t>
+            </a:r>
+            <a:r>
+              <a:rPr sz="2000" dirty="0" err="1"/>
+              <a:t>el</a:t>
+            </a:r>
+            <a:r>
+              <a:rPr sz="2000" dirty="0"/>
+              <a:t> </a:t>
+            </a:r>
+            <a:r>
+              <a:rPr sz="2000" dirty="0" err="1"/>
+              <a:t>diagrama</a:t>
+            </a:r>
+            <a:r>
+              <a:rPr sz="2000" dirty="0"/>
+              <a:t>.</a:t>
+            </a:r>
+          </a:p>
+        </p:txBody>
+      </p:sp>
+    </p:spTree>
+  </p:cSld>
+  <p:clrMapOvr>
+    <a:masterClrMapping/>
+  </p:clrMapOvr>
+</p:sld>
+</file>
+
+<file path=ppt/slides/slide12.xml><?xml version="1.0" encoding="utf-8"?>
+<p:sld xmlns:a="http://schemas.openxmlformats.org/drawingml/2006/main" xmlns:r="http://schemas.openxmlformats.org/officeDocument/2006/relationships" xmlns:p="http://schemas.openxmlformats.org/presentationml/2006/main">
+  <p:cSld>
+    <p:spTree>
+      <p:nvGrpSpPr>
+        <p:cNvPr id="1" name=""/>
+        <p:cNvGrpSpPr/>
+        <p:nvPr/>
+      </p:nvGrpSpPr>
+      <p:grpSpPr>
+        <a:xfrm>
+          <a:off x="0" y="0"/>
+          <a:ext cx="0" cy="0"/>
+          <a:chOff x="0" y="0"/>
+          <a:chExt cx="0" cy="0"/>
+        </a:xfrm>
+      </p:grpSpPr>
+      <p:sp>
+        <p:nvSpPr>
+          <p:cNvPr id="2" name="Title 1">
+            <a:extLst>
+              <a:ext uri="{FF2B5EF4-FFF2-40B4-BE49-F238E27FC236}">
+                <a16:creationId xmlns:a16="http://schemas.microsoft.com/office/drawing/2014/main" id="{031ABDF3-40B0-9FFD-785D-6EE24EA30E17}"/>
+              </a:ext>
+            </a:extLst>
+          </p:cNvPr>
+          <p:cNvSpPr>
+            <a:spLocks noGrp="1"/>
+          </p:cNvSpPr>
+          <p:nvPr>
+            <p:ph type="title"/>
+          </p:nvPr>
+        </p:nvSpPr>
+        <p:spPr/>
+        <p:txBody>
+          <a:bodyPr/>
+          <a:lstStyle/>
+          <a:p>
+            <a:pPr marL="0" lvl="0" indent="0">
+              <a:buNone/>
+            </a:pPr>
+            <a:r>
+              <a:t>Diagrama de Clases y Componentes de Solución (b)</a:t>
+            </a:r>
+          </a:p>
+        </p:txBody>
+      </p:sp>
+      <p:pic>
+        <p:nvPicPr>
+          <p:cNvPr id="3" name="Picture 1" descr="fig:  images/Migracion.1b.3.SIUMódulosClases.png"/>
           <p:cNvPicPr>
             <a:picLocks noGrp="1" noChangeAspect="1"/>
           </p:cNvPicPr>
@@ -3913,7 +6697,7 @@
       </p:pic>
       <p:sp>
         <p:nvSpPr>
-          <p:cNvPr id="1" name="TextBox 3"/>
+          <p:cNvPr id="5" name="TextBox 3"/>
           <p:cNvSpPr txBox="1"/>
           <p:nvPr/>
         </p:nvSpPr>
@@ -3931,11 +6715,10 @@
           <a:bodyPr/>
           <a:lstStyle/>
           <a:p>
-            <a:pPr lvl="0" indent="0" marL="0" algn="ctr">
+            <a:pPr marL="0" lvl="0" indent="0" algn="ctr">
               <a:buNone/>
             </a:pPr>
             <a:r>
-              <a:rPr/>
               <a:t>Vista. Migracion.1b.3. SUI Módulos Clases</a:t>
             </a:r>
           </a:p>
@@ -3954,47 +6737,422 @@
             <a:spLocks noGrp="1"/>
           </p:cNvSpPr>
           <p:nvPr>
-            <p:ph idx="2" sz="half"/>
+            <p:ph sz="half" idx="2"/>
           </p:nvPr>
         </p:nvSpPr>
         <p:spPr/>
         <p:txBody>
-          <a:bodyPr/>
+          <a:bodyPr>
+            <a:noAutofit/>
+          </a:bodyPr>
           <a:lstStyle/>
           <a:p>
-            <a:pPr lvl="0" indent="0" marL="0">
+            <a:pPr marL="0" lvl="0" indent="0">
               <a:spcBef>
                 <a:spcPts val="3000"/>
               </a:spcBef>
               <a:buNone/>
             </a:pPr>
             <a:r>
-              <a:rPr b="1"/>
-              <a:t>SUI Estructura de Clases</a:t>
-            </a:r>
+              <a:rPr sz="2000" b="1" dirty="0"/>
+              <a:t>SUI </a:t>
+            </a:r>
+            <a:r>
+              <a:rPr sz="2000" b="1" dirty="0" err="1"/>
+              <a:t>Estructura</a:t>
+            </a:r>
+            <a:r>
+              <a:rPr sz="2000" b="1" dirty="0"/>
+              <a:t> de </a:t>
+            </a:r>
+            <a:r>
+              <a:rPr sz="2000" b="1" dirty="0" err="1"/>
+              <a:t>Clases</a:t>
+            </a:r>
+            <a:endParaRPr sz="2000" b="1" dirty="0"/>
           </a:p>
           <a:p>
             <a:pPr lvl="0"/>
             <a:r>
-              <a:rPr/>
-              <a:t>El diseño actual antepone un servicio como punto de acceso a un caso de uso, de tal forma que este se encarga únicamente (por responsabilidad) de coordinar las entradas y las salidas del caso de uso</a:t>
-            </a:r>
+              <a:rPr sz="2000" dirty="0"/>
+              <a:t>El </a:t>
+            </a:r>
+            <a:r>
+              <a:rPr sz="2000" dirty="0" err="1"/>
+              <a:t>diseño</a:t>
+            </a:r>
+            <a:r>
+              <a:rPr sz="2000" dirty="0"/>
+              <a:t> actual </a:t>
+            </a:r>
+            <a:r>
+              <a:rPr sz="2000" dirty="0" err="1"/>
+              <a:t>antepone</a:t>
+            </a:r>
+            <a:r>
+              <a:rPr sz="2000" dirty="0"/>
+              <a:t> un </a:t>
+            </a:r>
+            <a:r>
+              <a:rPr sz="2000" dirty="0" err="1"/>
+              <a:t>servicio</a:t>
+            </a:r>
+            <a:r>
+              <a:rPr sz="2000" dirty="0"/>
+              <a:t> </a:t>
+            </a:r>
+            <a:r>
+              <a:rPr sz="2000" dirty="0" err="1"/>
+              <a:t>como</a:t>
+            </a:r>
+            <a:r>
+              <a:rPr sz="2000" dirty="0"/>
+              <a:t> punto de </a:t>
+            </a:r>
+            <a:r>
+              <a:rPr sz="2000" dirty="0" err="1"/>
+              <a:t>acceso</a:t>
+            </a:r>
+            <a:r>
+              <a:rPr sz="2000" dirty="0"/>
+              <a:t> a un </a:t>
+            </a:r>
+            <a:r>
+              <a:rPr sz="2000" dirty="0" err="1"/>
+              <a:t>caso</a:t>
+            </a:r>
+            <a:r>
+              <a:rPr sz="2000" dirty="0"/>
+              <a:t> de </a:t>
+            </a:r>
+            <a:r>
+              <a:rPr sz="2000" dirty="0" err="1"/>
+              <a:t>uso</a:t>
+            </a:r>
+            <a:r>
+              <a:rPr sz="2000" dirty="0"/>
+              <a:t>, de </a:t>
+            </a:r>
+            <a:r>
+              <a:rPr sz="2000" dirty="0" err="1"/>
+              <a:t>tal</a:t>
+            </a:r>
+            <a:r>
+              <a:rPr sz="2000" dirty="0"/>
+              <a:t> forma que </a:t>
+            </a:r>
+            <a:r>
+              <a:rPr sz="2000" dirty="0" err="1"/>
+              <a:t>este</a:t>
+            </a:r>
+            <a:r>
+              <a:rPr sz="2000" dirty="0"/>
+              <a:t> se </a:t>
+            </a:r>
+            <a:r>
+              <a:rPr sz="2000" dirty="0" err="1"/>
+              <a:t>encarga</a:t>
+            </a:r>
+            <a:r>
+              <a:rPr sz="2000" dirty="0"/>
+              <a:t> </a:t>
+            </a:r>
+            <a:r>
+              <a:rPr sz="2000" dirty="0" err="1"/>
+              <a:t>únicamente</a:t>
+            </a:r>
+            <a:r>
+              <a:rPr sz="2000" dirty="0"/>
+              <a:t> (</a:t>
+            </a:r>
+            <a:r>
+              <a:rPr sz="2000" dirty="0" err="1"/>
+              <a:t>por</a:t>
+            </a:r>
+            <a:r>
+              <a:rPr sz="2000" dirty="0"/>
+              <a:t> </a:t>
+            </a:r>
+            <a:r>
+              <a:rPr sz="2000" dirty="0" err="1"/>
+              <a:t>responsabilidad</a:t>
+            </a:r>
+            <a:r>
+              <a:rPr sz="2000" dirty="0"/>
+              <a:t>) de </a:t>
+            </a:r>
+            <a:r>
+              <a:rPr sz="2000" dirty="0" err="1"/>
+              <a:t>coordinar</a:t>
+            </a:r>
+            <a:r>
+              <a:rPr sz="2000" dirty="0"/>
+              <a:t> las entradas y las </a:t>
+            </a:r>
+            <a:r>
+              <a:rPr sz="2000" dirty="0" err="1"/>
+              <a:t>salidas</a:t>
+            </a:r>
+            <a:r>
+              <a:rPr sz="2000" dirty="0"/>
+              <a:t> del </a:t>
+            </a:r>
+            <a:r>
+              <a:rPr sz="2000" dirty="0" err="1"/>
+              <a:t>caso</a:t>
+            </a:r>
+            <a:r>
+              <a:rPr sz="2000" dirty="0"/>
+              <a:t> de </a:t>
+            </a:r>
+            <a:r>
+              <a:rPr sz="2000" dirty="0" err="1"/>
+              <a:t>uso</a:t>
+            </a:r>
+            <a:endParaRPr sz="2000" dirty="0"/>
           </a:p>
           <a:p>
             <a:pPr lvl="0"/>
             <a:r>
-              <a:rPr/>
-              <a:t>El modelo propicia la separación de la lógica de aplicación y la lógica de negocio. En este diseño, la primera está encapsulada en el Caso de Uso ejecutable (en el diagrama), mientras que la lógica de negocio lo está en una función de negocio.</a:t>
+              <a:rPr sz="2000" dirty="0"/>
+              <a:t>El </a:t>
+            </a:r>
+            <a:r>
+              <a:rPr sz="2000" dirty="0" err="1"/>
+              <a:t>modelo</a:t>
+            </a:r>
+            <a:r>
+              <a:rPr sz="2000" dirty="0"/>
+              <a:t> </a:t>
+            </a:r>
+            <a:r>
+              <a:rPr sz="2000" dirty="0" err="1"/>
+              <a:t>propicia</a:t>
+            </a:r>
+            <a:r>
+              <a:rPr sz="2000" dirty="0"/>
+              <a:t> la </a:t>
+            </a:r>
+            <a:r>
+              <a:rPr sz="2000" dirty="0" err="1"/>
+              <a:t>separación</a:t>
+            </a:r>
+            <a:r>
+              <a:rPr sz="2000" dirty="0"/>
+              <a:t> de la </a:t>
+            </a:r>
+            <a:r>
+              <a:rPr sz="2000" dirty="0" err="1"/>
+              <a:t>lógica</a:t>
+            </a:r>
+            <a:r>
+              <a:rPr sz="2000" dirty="0"/>
+              <a:t> de </a:t>
+            </a:r>
+            <a:r>
+              <a:rPr sz="2000" dirty="0" err="1"/>
+              <a:t>aplicación</a:t>
+            </a:r>
+            <a:r>
+              <a:rPr sz="2000" dirty="0"/>
+              <a:t> y la </a:t>
+            </a:r>
+            <a:r>
+              <a:rPr sz="2000" dirty="0" err="1"/>
+              <a:t>lógica</a:t>
+            </a:r>
+            <a:r>
+              <a:rPr sz="2000" dirty="0"/>
+              <a:t> de </a:t>
+            </a:r>
+            <a:r>
+              <a:rPr sz="2000" dirty="0" err="1"/>
+              <a:t>negocio</a:t>
+            </a:r>
+            <a:r>
+              <a:rPr sz="2000" dirty="0"/>
+              <a:t>. </a:t>
+            </a:r>
+            <a:r>
+              <a:rPr sz="2000" dirty="0" err="1"/>
+              <a:t>En</a:t>
+            </a:r>
+            <a:r>
+              <a:rPr sz="2000" dirty="0"/>
+              <a:t> </a:t>
+            </a:r>
+            <a:r>
+              <a:rPr sz="2000" dirty="0" err="1"/>
+              <a:t>este</a:t>
+            </a:r>
+            <a:r>
+              <a:rPr sz="2000" dirty="0"/>
+              <a:t> </a:t>
+            </a:r>
+            <a:r>
+              <a:rPr sz="2000" dirty="0" err="1"/>
+              <a:t>diseño</a:t>
+            </a:r>
+            <a:r>
+              <a:rPr sz="2000" dirty="0"/>
+              <a:t>, la </a:t>
+            </a:r>
+            <a:r>
+              <a:rPr sz="2000" dirty="0" err="1"/>
+              <a:t>primera</a:t>
+            </a:r>
+            <a:r>
+              <a:rPr sz="2000" dirty="0"/>
+              <a:t> </a:t>
+            </a:r>
+            <a:r>
+              <a:rPr sz="2000" dirty="0" err="1"/>
+              <a:t>está</a:t>
+            </a:r>
+            <a:r>
+              <a:rPr sz="2000" dirty="0"/>
+              <a:t> </a:t>
+            </a:r>
+            <a:r>
+              <a:rPr sz="2000" dirty="0" err="1"/>
+              <a:t>encapsulada</a:t>
+            </a:r>
+            <a:r>
+              <a:rPr sz="2000" dirty="0"/>
+              <a:t> </a:t>
+            </a:r>
+            <a:r>
+              <a:rPr sz="2000" dirty="0" err="1"/>
+              <a:t>en</a:t>
+            </a:r>
+            <a:r>
+              <a:rPr sz="2000" dirty="0"/>
+              <a:t> </a:t>
+            </a:r>
+            <a:r>
+              <a:rPr sz="2000" dirty="0" err="1"/>
+              <a:t>el</a:t>
+            </a:r>
+            <a:r>
+              <a:rPr sz="2000" dirty="0"/>
+              <a:t> Caso de </a:t>
+            </a:r>
+            <a:r>
+              <a:rPr sz="2000" dirty="0" err="1"/>
+              <a:t>Uso</a:t>
+            </a:r>
+            <a:r>
+              <a:rPr sz="2000" dirty="0"/>
+              <a:t> </a:t>
+            </a:r>
+            <a:r>
+              <a:rPr sz="2000" dirty="0" err="1"/>
+              <a:t>ejecutable</a:t>
+            </a:r>
+            <a:r>
+              <a:rPr sz="2000" dirty="0"/>
+              <a:t> (</a:t>
+            </a:r>
+            <a:r>
+              <a:rPr sz="2000" dirty="0" err="1"/>
+              <a:t>en</a:t>
+            </a:r>
+            <a:r>
+              <a:rPr sz="2000" dirty="0"/>
+              <a:t> </a:t>
+            </a:r>
+            <a:r>
+              <a:rPr sz="2000" dirty="0" err="1"/>
+              <a:t>el</a:t>
+            </a:r>
+            <a:r>
+              <a:rPr sz="2000" dirty="0"/>
+              <a:t> </a:t>
+            </a:r>
+            <a:r>
+              <a:rPr sz="2000" dirty="0" err="1"/>
+              <a:t>diagrama</a:t>
+            </a:r>
+            <a:r>
+              <a:rPr sz="2000" dirty="0"/>
+              <a:t>), </a:t>
+            </a:r>
+            <a:r>
+              <a:rPr sz="2000" dirty="0" err="1"/>
+              <a:t>mientras</a:t>
+            </a:r>
+            <a:r>
+              <a:rPr sz="2000" dirty="0"/>
+              <a:t> que la </a:t>
+            </a:r>
+            <a:r>
+              <a:rPr sz="2000" dirty="0" err="1"/>
+              <a:t>lógica</a:t>
+            </a:r>
+            <a:r>
+              <a:rPr sz="2000" dirty="0"/>
+              <a:t> de </a:t>
+            </a:r>
+            <a:r>
+              <a:rPr sz="2000" dirty="0" err="1"/>
+              <a:t>negocio</a:t>
+            </a:r>
+            <a:r>
+              <a:rPr sz="2000" dirty="0"/>
+              <a:t> lo </a:t>
+            </a:r>
+            <a:r>
+              <a:rPr sz="2000" dirty="0" err="1"/>
+              <a:t>está</a:t>
+            </a:r>
+            <a:r>
+              <a:rPr sz="2000" dirty="0"/>
+              <a:t> </a:t>
+            </a:r>
+            <a:r>
+              <a:rPr sz="2000" dirty="0" err="1"/>
+              <a:t>en</a:t>
+            </a:r>
+            <a:r>
+              <a:rPr sz="2000" dirty="0"/>
+              <a:t> </a:t>
+            </a:r>
+            <a:r>
+              <a:rPr sz="2000" dirty="0" err="1"/>
+              <a:t>una</a:t>
+            </a:r>
+            <a:r>
+              <a:rPr sz="2000" dirty="0"/>
+              <a:t> </a:t>
+            </a:r>
+            <a:r>
+              <a:rPr sz="2000" dirty="0" err="1"/>
+              <a:t>función</a:t>
+            </a:r>
+            <a:r>
+              <a:rPr sz="2000" dirty="0"/>
+              <a:t> de </a:t>
+            </a:r>
+            <a:r>
+              <a:rPr sz="2000" dirty="0" err="1"/>
+              <a:t>negocio</a:t>
+            </a:r>
+            <a:r>
+              <a:rPr sz="2000" dirty="0"/>
+              <a:t>.</a:t>
             </a:r>
           </a:p>
         </p:txBody>
       </p:sp>
     </p:spTree>
   </p:cSld>
+  <p:clrMapOvr>
+    <a:masterClrMapping/>
+  </p:clrMapOvr>
 </p:sld>
 </file>
 
-<file path=ppt/slides/slide11.xml><?xml version="1.0" encoding="utf-8"?>
+<file path=ppt/slides/slide13.xml><?xml version="1.0" encoding="utf-8"?>
 <p:sld xmlns:a="http://schemas.openxmlformats.org/drawingml/2006/main" xmlns:r="http://schemas.openxmlformats.org/officeDocument/2006/relationships" xmlns:p="http://schemas.openxmlformats.org/presentationml/2006/main">
   <p:cSld>
     <p:spTree>
@@ -4029,14 +7187,15 @@
         </p:nvSpPr>
         <p:spPr/>
         <p:txBody>
-          <a:bodyPr/>
+          <a:bodyPr>
+            <a:normAutofit fontScale="90000"/>
+          </a:bodyPr>
           <a:lstStyle/>
           <a:p>
-            <a:pPr lvl="0" indent="0" marL="0">
+            <a:pPr marL="0" lvl="0" indent="0">
               <a:buNone/>
             </a:pPr>
             <a:r>
-              <a:rPr/>
               <a:t>Diagrama de Arquitectura de Integración Continua, DevOps y Despliegues de Capas</a:t>
             </a:r>
           </a:p>
@@ -4044,7 +7203,7 @@
       </p:sp>
       <p:pic>
         <p:nvPicPr>
-          <p:cNvPr descr="fig:  images/Migracion.4.CI.png" id="0" name="Picture 1"/>
+          <p:cNvPr id="3" name="Picture 1" descr="fig:  images/Migracion.4.CI.png"/>
           <p:cNvPicPr>
             <a:picLocks noGrp="1" noChangeAspect="1"/>
           </p:cNvPicPr>
@@ -4074,7 +7233,7 @@
       </p:pic>
       <p:sp>
         <p:nvSpPr>
-          <p:cNvPr id="1" name="TextBox 3"/>
+          <p:cNvPr id="5" name="TextBox 3"/>
           <p:cNvSpPr txBox="1"/>
           <p:nvPr/>
         </p:nvSpPr>
@@ -4092,11 +7251,10 @@
           <a:bodyPr/>
           <a:lstStyle/>
           <a:p>
-            <a:pPr lvl="0" indent="0" marL="0" algn="ctr">
+            <a:pPr marL="0" lvl="0" indent="0" algn="ctr">
               <a:buNone/>
             </a:pPr>
             <a:r>
-              <a:rPr/>
               <a:t>Vista. Migracion.4. CI</a:t>
             </a:r>
           </a:p>
@@ -4115,7 +7273,7 @@
             <a:spLocks noGrp="1"/>
           </p:cNvSpPr>
           <p:nvPr>
-            <p:ph idx="2" sz="half"/>
+            <p:ph sz="half" idx="2"/>
           </p:nvPr>
         </p:nvSpPr>
         <p:spPr/>
@@ -4123,7 +7281,7 @@
           <a:bodyPr/>
           <a:lstStyle/>
           <a:p>
-            <a:pPr lvl="0" indent="0" marL="0">
+            <a:pPr marL="0" lvl="0" indent="0">
               <a:spcBef>
                 <a:spcPts val="3000"/>
               </a:spcBef>
@@ -4135,11 +7293,10 @@
             </a:r>
           </a:p>
           <a:p>
-            <a:pPr lvl="0" indent="0" marL="0">
+            <a:pPr marL="0" lvl="0" indent="0">
               <a:buNone/>
             </a:pPr>
             <a:r>
-              <a:rPr/>
               <a:t>Las cadenas están separadas por tecnologías y plataformas distintas; son independientes y no presentan interbloqueos en cuanto a su ejecución. Pero, requieren administración integral.</a:t>
             </a:r>
           </a:p>
@@ -4147,10 +7304,13 @@
       </p:sp>
     </p:spTree>
   </p:cSld>
+  <p:clrMapOvr>
+    <a:masterClrMapping/>
+  </p:clrMapOvr>
 </p:sld>
 </file>
 
-<file path=ppt/slides/slide12.xml><?xml version="1.0" encoding="utf-8"?>
+<file path=ppt/slides/slide14.xml><?xml version="1.0" encoding="utf-8"?>
 <p:sld xmlns:a="http://schemas.openxmlformats.org/drawingml/2006/main" xmlns:r="http://schemas.openxmlformats.org/officeDocument/2006/relationships" xmlns:p="http://schemas.openxmlformats.org/presentationml/2006/main">
   <p:cSld>
     <p:spTree>
@@ -4188,11 +7348,10 @@
           <a:bodyPr/>
           <a:lstStyle/>
           <a:p>
-            <a:pPr lvl="0" indent="0" marL="0">
+            <a:pPr marL="0" lvl="0" indent="0">
               <a:buNone/>
             </a:pPr>
             <a:r>
-              <a:rPr/>
               <a:t>Documento de Relación de Tecnologías y Licenciamiento</a:t>
             </a:r>
           </a:p>
@@ -4200,7 +7359,7 @@
       </p:sp>
       <p:pic>
         <p:nvPicPr>
-          <p:cNvPr descr="fig:  images/Migracion.5.Licenciamiento.png" id="0" name="Picture 1"/>
+          <p:cNvPr id="3" name="Picture 1" descr="fig:  images/Migracion.5.Licenciamiento.png"/>
           <p:cNvPicPr>
             <a:picLocks noGrp="1" noChangeAspect="1"/>
           </p:cNvPicPr>
@@ -4230,7 +7389,7 @@
       </p:pic>
       <p:sp>
         <p:nvSpPr>
-          <p:cNvPr id="1" name="TextBox 3"/>
+          <p:cNvPr id="5" name="TextBox 3"/>
           <p:cNvSpPr txBox="1"/>
           <p:nvPr/>
         </p:nvSpPr>
@@ -4248,11 +7407,10 @@
           <a:bodyPr/>
           <a:lstStyle/>
           <a:p>
-            <a:pPr lvl="0" indent="0" marL="0" algn="ctr">
+            <a:pPr marL="0" lvl="0" indent="0" algn="ctr">
               <a:buNone/>
             </a:pPr>
             <a:r>
-              <a:rPr/>
               <a:t>Vista. Migracion.5. Licenciamiento</a:t>
             </a:r>
           </a:p>
@@ -4271,7 +7429,7 @@
             <a:spLocks noGrp="1"/>
           </p:cNvSpPr>
           <p:nvPr>
-            <p:ph idx="2" sz="half"/>
+            <p:ph sz="half" idx="2"/>
           </p:nvPr>
         </p:nvSpPr>
         <p:spPr/>
@@ -4279,7 +7437,7 @@
           <a:bodyPr/>
           <a:lstStyle/>
           <a:p>
-            <a:pPr lvl="0" indent="0" marL="0">
+            <a:pPr marL="0" lvl="0" indent="0">
               <a:spcBef>
                 <a:spcPts val="3000"/>
               </a:spcBef>
@@ -4291,11 +7449,10 @@
             </a:r>
           </a:p>
           <a:p>
-            <a:pPr lvl="0" indent="0" marL="0">
+            <a:pPr marL="0" lvl="0" indent="0">
               <a:buNone/>
             </a:pPr>
             <a:r>
-              <a:rPr/>
               <a:t>Los elementos resaltados de la vista actual requieren modelos de licenciamiento variado, bien sea por usuario, núcleo, despliegue (instalación), o renta por consumo.</a:t>
             </a:r>
           </a:p>
@@ -4303,10 +7460,13 @@
       </p:sp>
     </p:spTree>
   </p:cSld>
+  <p:clrMapOvr>
+    <a:masterClrMapping/>
+  </p:clrMapOvr>
 </p:sld>
 </file>
 
-<file path=ppt/slides/slide13.xml><?xml version="1.0" encoding="utf-8"?>
+<file path=ppt/slides/slide15.xml><?xml version="1.0" encoding="utf-8"?>
 <p:sld xmlns:a="http://schemas.openxmlformats.org/drawingml/2006/main" xmlns:r="http://schemas.openxmlformats.org/officeDocument/2006/relationships" xmlns:p="http://schemas.openxmlformats.org/presentationml/2006/main">
   <p:cSld>
     <p:spTree>
@@ -4344,11 +7504,10 @@
           <a:bodyPr/>
           <a:lstStyle/>
           <a:p>
-            <a:pPr lvl="0" indent="0" marL="0">
+            <a:pPr marL="0" lvl="0" indent="0">
               <a:buNone/>
             </a:pPr>
             <a:r>
-              <a:rPr/>
               <a:t>Entregables de Arquitectura de Información (Datos)</a:t>
             </a:r>
           </a:p>
@@ -4377,42 +7536,36 @@
           <a:p>
             <a:pPr lvl="0"/>
             <a:r>
-              <a:rPr/>
               <a:t>Diagrama Modelo de Datos Conceptual</a:t>
             </a:r>
           </a:p>
           <a:p>
             <a:pPr lvl="0"/>
             <a:r>
-              <a:rPr/>
               <a:t>Diagrama Modelo de Datos Físico (diagramas entidad-relación)</a:t>
             </a:r>
           </a:p>
           <a:p>
             <a:pPr lvl="0"/>
             <a:r>
-              <a:rPr/>
               <a:t>Diagrama Modelo de Datos Lógico</a:t>
             </a:r>
           </a:p>
           <a:p>
             <a:pPr lvl="0"/>
             <a:r>
-              <a:rPr/>
               <a:t>Documento Diccionarios de Datos</a:t>
             </a:r>
           </a:p>
           <a:p>
             <a:pPr lvl="0"/>
             <a:r>
-              <a:rPr/>
               <a:t>Mapa de Información (flujos de información)</a:t>
             </a:r>
           </a:p>
           <a:p>
             <a:pPr lvl="0"/>
             <a:r>
-              <a:rPr/>
               <a:t>Modelo Ontológico</a:t>
             </a:r>
           </a:p>
@@ -4420,10 +7573,13 @@
       </p:sp>
     </p:spTree>
   </p:cSld>
+  <p:clrMapOvr>
+    <a:masterClrMapping/>
+  </p:clrMapOvr>
 </p:sld>
 </file>
 
-<file path=ppt/slides/slide14.xml><?xml version="1.0" encoding="utf-8"?>
+<file path=ppt/slides/slide16.xml><?xml version="1.0" encoding="utf-8"?>
 <p:sld xmlns:a="http://schemas.openxmlformats.org/drawingml/2006/main" xmlns:r="http://schemas.openxmlformats.org/officeDocument/2006/relationships" xmlns:p="http://schemas.openxmlformats.org/presentationml/2006/main">
   <p:cSld>
     <p:spTree>
@@ -4461,11 +7617,10 @@
           <a:bodyPr/>
           <a:lstStyle/>
           <a:p>
-            <a:pPr lvl="0" indent="0" marL="0">
+            <a:pPr marL="0" lvl="0" indent="0">
               <a:buNone/>
             </a:pPr>
             <a:r>
-              <a:rPr/>
               <a:t>Diagrama Modelo de Datos Conceptual</a:t>
             </a:r>
           </a:p>
@@ -4473,7 +7628,7 @@
       </p:sp>
       <p:pic>
         <p:nvPicPr>
-          <p:cNvPr descr="fig:  images/Migracion.2a.a1.DatosInformación.png" id="0" name="Picture 1"/>
+          <p:cNvPr id="3" name="Picture 1" descr="fig:  images/Migracion.2a.a1.DatosInformación.png"/>
           <p:cNvPicPr>
             <a:picLocks noGrp="1" noChangeAspect="1"/>
           </p:cNvPicPr>
@@ -4503,7 +7658,7 @@
       </p:pic>
       <p:sp>
         <p:nvSpPr>
-          <p:cNvPr id="1" name="TextBox 3"/>
+          <p:cNvPr id="5" name="TextBox 3"/>
           <p:cNvSpPr txBox="1"/>
           <p:nvPr/>
         </p:nvSpPr>
@@ -4521,11 +7676,10 @@
           <a:bodyPr/>
           <a:lstStyle/>
           <a:p>
-            <a:pPr lvl="0" indent="0" marL="0" algn="ctr">
+            <a:pPr marL="0" lvl="0" indent="0" algn="ctr">
               <a:buNone/>
             </a:pPr>
             <a:r>
-              <a:rPr/>
               <a:t>Vista. Migracion.2a.a1.Datos Información</a:t>
             </a:r>
           </a:p>
@@ -4544,93 +7698,273 @@
             <a:spLocks noGrp="1"/>
           </p:cNvSpPr>
           <p:nvPr>
-            <p:ph idx="2" sz="half"/>
+            <p:ph sz="half" idx="2"/>
           </p:nvPr>
         </p:nvSpPr>
         <p:spPr/>
         <p:txBody>
-          <a:bodyPr/>
+          <a:bodyPr>
+            <a:noAutofit/>
+          </a:bodyPr>
           <a:lstStyle/>
           <a:p>
-            <a:pPr lvl="0" indent="0" marL="0">
+            <a:pPr marL="0" lvl="0" indent="0">
               <a:spcBef>
                 <a:spcPts val="3000"/>
               </a:spcBef>
               <a:buNone/>
             </a:pPr>
             <a:r>
-              <a:rPr b="1"/>
-              <a:t>Migracion.2a.a1.Datos Información</a:t>
-            </a:r>
-          </a:p>
-          <a:p>
-            <a:pPr lvl="0" indent="0" marL="0">
+              <a:rPr sz="2000" b="1" dirty="0"/>
+              <a:t>Migracion.2a.a1.Datos </a:t>
+            </a:r>
+            <a:r>
+              <a:rPr sz="2000" b="1" dirty="0" err="1"/>
+              <a:t>Información</a:t>
+            </a:r>
+            <a:endParaRPr sz="2000" b="1" dirty="0"/>
+          </a:p>
+          <a:p>
+            <a:pPr marL="0" lvl="0" indent="0">
               <a:buNone/>
             </a:pPr>
             <a:r>
-              <a:rPr/>
-              <a:t>Modelo de información. Organización y jerarquía de los grupos de datos (dominios) del SUI Migrado, 2023.</a:t>
-            </a:r>
-          </a:p>
-          <a:p>
-            <a:pPr lvl="0" indent="0" marL="0">
+              <a:rPr sz="2000" dirty="0" err="1"/>
+              <a:t>Modelo</a:t>
+            </a:r>
+            <a:r>
+              <a:rPr sz="2000" dirty="0"/>
+              <a:t> de </a:t>
+            </a:r>
+            <a:r>
+              <a:rPr sz="2000" dirty="0" err="1"/>
+              <a:t>información</a:t>
+            </a:r>
+            <a:r>
+              <a:rPr sz="2000" dirty="0"/>
+              <a:t>. </a:t>
+            </a:r>
+            <a:r>
+              <a:rPr sz="2000" dirty="0" err="1"/>
+              <a:t>Organización</a:t>
+            </a:r>
+            <a:r>
+              <a:rPr sz="2000" dirty="0"/>
+              <a:t> y </a:t>
+            </a:r>
+            <a:r>
+              <a:rPr sz="2000" dirty="0" err="1"/>
+              <a:t>jerarquía</a:t>
+            </a:r>
+            <a:r>
+              <a:rPr sz="2000" dirty="0"/>
+              <a:t> de </a:t>
+            </a:r>
+            <a:r>
+              <a:rPr sz="2000" dirty="0" err="1"/>
+              <a:t>los</a:t>
+            </a:r>
+            <a:r>
+              <a:rPr sz="2000" dirty="0"/>
+              <a:t> </a:t>
+            </a:r>
+            <a:r>
+              <a:rPr sz="2000" dirty="0" err="1"/>
+              <a:t>grupos</a:t>
+            </a:r>
+            <a:r>
+              <a:rPr sz="2000" dirty="0"/>
+              <a:t> de </a:t>
+            </a:r>
+            <a:r>
+              <a:rPr sz="2000" dirty="0" err="1"/>
+              <a:t>datos</a:t>
+            </a:r>
+            <a:r>
+              <a:rPr sz="2000" dirty="0"/>
+              <a:t> (</a:t>
+            </a:r>
+            <a:r>
+              <a:rPr sz="2000" dirty="0" err="1"/>
+              <a:t>dominios</a:t>
+            </a:r>
+            <a:r>
+              <a:rPr sz="2000" dirty="0"/>
+              <a:t>) del SUI </a:t>
+            </a:r>
+            <a:r>
+              <a:rPr sz="2000" dirty="0" err="1"/>
+              <a:t>Migrado</a:t>
+            </a:r>
+            <a:r>
+              <a:rPr sz="2000" dirty="0"/>
+              <a:t>, 2023.</a:t>
+            </a:r>
+          </a:p>
+          <a:p>
+            <a:pPr marL="0" lvl="0" indent="0">
               <a:buNone/>
             </a:pPr>
             <a:r>
-              <a:rPr/>
-              <a:t>Dominios Principales de Información SUI Migrado</a:t>
-            </a:r>
+              <a:rPr sz="2000" dirty="0" err="1"/>
+              <a:t>Dominios</a:t>
+            </a:r>
+            <a:r>
+              <a:rPr sz="2000" dirty="0"/>
+              <a:t> </a:t>
+            </a:r>
+            <a:r>
+              <a:rPr sz="2000" dirty="0" err="1"/>
+              <a:t>Principales</a:t>
+            </a:r>
+            <a:r>
+              <a:rPr sz="2000" dirty="0"/>
+              <a:t> de </a:t>
+            </a:r>
+            <a:r>
+              <a:rPr sz="2000" dirty="0" err="1"/>
+              <a:t>Información</a:t>
+            </a:r>
+            <a:r>
+              <a:rPr sz="2000" dirty="0"/>
+              <a:t> SUI </a:t>
+            </a:r>
+            <a:r>
+              <a:rPr sz="2000" dirty="0" err="1"/>
+              <a:t>Migrado</a:t>
+            </a:r>
+            <a:endParaRPr sz="2000" dirty="0"/>
           </a:p>
           <a:p>
             <a:pPr lvl="0"/>
             <a:r>
-              <a:rPr/>
-              <a:t>Dominio común: SIM</a:t>
+              <a:rPr sz="2000" dirty="0" err="1"/>
+              <a:t>Dominio</a:t>
+            </a:r>
+            <a:r>
+              <a:rPr sz="2000" dirty="0"/>
+              <a:t> </a:t>
+            </a:r>
+            <a:r>
+              <a:rPr sz="2000" dirty="0" err="1"/>
+              <a:t>común</a:t>
+            </a:r>
+            <a:r>
+              <a:rPr sz="2000" dirty="0"/>
+              <a:t>: SIM</a:t>
             </a:r>
           </a:p>
           <a:p>
             <a:pPr lvl="0"/>
             <a:r>
-              <a:rPr/>
-              <a:t>Dominios individuales</a:t>
-            </a:r>
+              <a:rPr sz="2000" dirty="0" err="1"/>
+              <a:t>Dominios</a:t>
+            </a:r>
+            <a:r>
+              <a:rPr sz="2000" dirty="0"/>
+              <a:t> </a:t>
+            </a:r>
+            <a:r>
+              <a:rPr sz="2000" dirty="0" err="1"/>
+              <a:t>individuales</a:t>
+            </a:r>
+            <a:endParaRPr sz="2000" dirty="0"/>
           </a:p>
           <a:p>
             <a:pPr lvl="1"/>
             <a:r>
-              <a:rPr/>
-              <a:t>Hominis: Planta de personal, Hojas de vida, Seguimiento de desempeño, Carrera administrativa</a:t>
-            </a:r>
+              <a:rPr sz="1800" dirty="0"/>
+              <a:t>Hominis: Planta de personal, Hojas de </a:t>
+            </a:r>
+            <a:r>
+              <a:rPr sz="1800" dirty="0" err="1"/>
+              <a:t>vida</a:t>
+            </a:r>
+            <a:r>
+              <a:rPr sz="1800" dirty="0"/>
+              <a:t>, </a:t>
+            </a:r>
+            <a:r>
+              <a:rPr sz="1800" dirty="0" err="1"/>
+              <a:t>Seguimiento</a:t>
+            </a:r>
+            <a:r>
+              <a:rPr sz="1800" dirty="0"/>
+              <a:t> de </a:t>
+            </a:r>
+            <a:r>
+              <a:rPr sz="1800" dirty="0" err="1"/>
+              <a:t>desempeño</a:t>
+            </a:r>
+            <a:r>
+              <a:rPr sz="1800" dirty="0"/>
+              <a:t>, Carrera </a:t>
+            </a:r>
+            <a:r>
+              <a:rPr sz="1800" dirty="0" err="1"/>
+              <a:t>administrativa</a:t>
+            </a:r>
+            <a:endParaRPr sz="1800" dirty="0"/>
           </a:p>
           <a:p>
             <a:pPr lvl="1"/>
             <a:r>
-              <a:rPr/>
-              <a:t>Conjunto de datos Relatoría</a:t>
-            </a:r>
+              <a:rPr sz="1800" dirty="0"/>
+              <a:t>Conjunto de </a:t>
+            </a:r>
+            <a:r>
+              <a:rPr sz="1800" dirty="0" err="1"/>
+              <a:t>datos</a:t>
+            </a:r>
+            <a:r>
+              <a:rPr sz="1800" dirty="0"/>
+              <a:t> </a:t>
+            </a:r>
+            <a:r>
+              <a:rPr sz="1800" dirty="0" err="1"/>
+              <a:t>Relatoría</a:t>
+            </a:r>
+            <a:endParaRPr sz="1800" dirty="0"/>
           </a:p>
           <a:p>
             <a:pPr lvl="1"/>
             <a:r>
-              <a:rPr/>
-              <a:t>Control Interno</a:t>
-            </a:r>
+              <a:rPr sz="1800" dirty="0"/>
+              <a:t>Control </a:t>
+            </a:r>
+            <a:r>
+              <a:rPr sz="1800" dirty="0" err="1"/>
+              <a:t>Interno</a:t>
+            </a:r>
+            <a:endParaRPr sz="1800" dirty="0"/>
           </a:p>
           <a:p>
             <a:pPr lvl="1"/>
             <a:r>
-              <a:rPr/>
-              <a:t>Conciliación Administrativa</a:t>
-            </a:r>
+              <a:rPr sz="1800" dirty="0" err="1"/>
+              <a:t>Conciliación</a:t>
+            </a:r>
+            <a:r>
+              <a:rPr sz="1800" dirty="0"/>
+              <a:t> </a:t>
+            </a:r>
+            <a:r>
+              <a:rPr sz="1800" dirty="0" err="1"/>
+              <a:t>Administrativa</a:t>
+            </a:r>
+            <a:endParaRPr sz="1800" dirty="0"/>
           </a:p>
         </p:txBody>
       </p:sp>
     </p:spTree>
   </p:cSld>
+  <p:clrMapOvr>
+    <a:masterClrMapping/>
+  </p:clrMapOvr>
 </p:sld>
 </file>
 
-<file path=ppt/slides/slide15.xml><?xml version="1.0" encoding="utf-8"?>
+<file path=ppt/slides/slide17.xml><?xml version="1.0" encoding="utf-8"?>
 <p:sld xmlns:a="http://schemas.openxmlformats.org/drawingml/2006/main" xmlns:r="http://schemas.openxmlformats.org/officeDocument/2006/relationships" xmlns:p="http://schemas.openxmlformats.org/presentationml/2006/main">
   <p:cSld>
     <p:spTree>
@@ -4668,11 +8002,10 @@
           <a:bodyPr/>
           <a:lstStyle/>
           <a:p>
-            <a:pPr lvl="0" indent="0" marL="0">
+            <a:pPr marL="0" lvl="0" indent="0">
               <a:buNone/>
             </a:pPr>
             <a:r>
-              <a:rPr/>
               <a:t>Diagrama Modelo de Datos Físico (diagramas entidad-relación)</a:t>
             </a:r>
           </a:p>
@@ -4680,7 +8013,7 @@
       </p:sp>
       <p:pic>
         <p:nvPicPr>
-          <p:cNvPr descr="fig:  images/ER-SIU.png" id="0" name="Picture 1"/>
+          <p:cNvPr id="3" name="Picture 1" descr="fig:  images/ER-SIU.png"/>
           <p:cNvPicPr>
             <a:picLocks noGrp="1" noChangeAspect="1"/>
           </p:cNvPicPr>
@@ -4710,7 +8043,7 @@
       </p:pic>
       <p:sp>
         <p:nvSpPr>
-          <p:cNvPr id="1" name="TextBox 3"/>
+          <p:cNvPr id="5" name="TextBox 3"/>
           <p:cNvSpPr txBox="1"/>
           <p:nvPr/>
         </p:nvSpPr>
@@ -4728,11 +8061,10 @@
           <a:bodyPr/>
           <a:lstStyle/>
           <a:p>
-            <a:pPr lvl="0" indent="0" marL="0" algn="ctr">
+            <a:pPr marL="0" lvl="0" indent="0" algn="ctr">
               <a:buNone/>
             </a:pPr>
             <a:r>
-              <a:rPr/>
               <a:t>Vista. Migracion.2a.a3. Datos Modelo Físico</a:t>
             </a:r>
           </a:p>
@@ -4751,51 +8083,333 @@
             <a:spLocks noGrp="1"/>
           </p:cNvSpPr>
           <p:nvPr>
-            <p:ph idx="2" sz="half"/>
+            <p:ph sz="half" idx="2"/>
           </p:nvPr>
         </p:nvSpPr>
         <p:spPr/>
         <p:txBody>
-          <a:bodyPr/>
+          <a:bodyPr>
+            <a:normAutofit/>
+          </a:bodyPr>
           <a:lstStyle/>
           <a:p>
-            <a:pPr lvl="0" indent="0" marL="0">
+            <a:pPr marL="0" lvl="0" indent="0">
               <a:spcBef>
                 <a:spcPts val="3000"/>
               </a:spcBef>
               <a:buNone/>
             </a:pPr>
             <a:r>
-              <a:rPr b="1"/>
-              <a:t>Migracion.2a.a3. Datos Modelo Físico</a:t>
-            </a:r>
-          </a:p>
-          <a:p>
-            <a:pPr lvl="0" indent="0" marL="0">
+              <a:rPr sz="2400" b="1" dirty="0"/>
+              <a:t>Migracion.2a.a3. </a:t>
+            </a:r>
+            <a:r>
+              <a:rPr sz="2400" b="1" dirty="0" err="1"/>
+              <a:t>Datos</a:t>
+            </a:r>
+            <a:r>
+              <a:rPr sz="2400" b="1" dirty="0"/>
+              <a:t> </a:t>
+            </a:r>
+            <a:r>
+              <a:rPr sz="2400" b="1" dirty="0" err="1"/>
+              <a:t>Modelo</a:t>
+            </a:r>
+            <a:r>
+              <a:rPr sz="2400" b="1" dirty="0"/>
+              <a:t> </a:t>
+            </a:r>
+            <a:r>
+              <a:rPr sz="2400" b="1" dirty="0" err="1"/>
+              <a:t>Físico</a:t>
+            </a:r>
+            <a:endParaRPr sz="2400" b="1" dirty="0"/>
+          </a:p>
+          <a:p>
+            <a:pPr marL="0" lvl="0" indent="0">
               <a:buNone/>
             </a:pPr>
             <a:r>
-              <a:rPr/>
-              <a:t>Los modelos físicos representados en diagramas entidad - relación (ER) de los módulos SUI Migrado, como Hominis, Control Interno, Relatoría, SIRI, serán entregados como documentos aparte, anexos al documento actual en formato reproducible.</a:t>
-            </a:r>
-          </a:p>
-          <a:p>
-            <a:pPr lvl="0" indent="0" marL="0">
+              <a:rPr sz="2400" dirty="0"/>
+              <a:t>Los </a:t>
+            </a:r>
+            <a:r>
+              <a:rPr sz="2400" dirty="0" err="1"/>
+              <a:t>modelos</a:t>
+            </a:r>
+            <a:r>
+              <a:rPr sz="2400" dirty="0"/>
+              <a:t> </a:t>
+            </a:r>
+            <a:r>
+              <a:rPr sz="2400" dirty="0" err="1"/>
+              <a:t>físicos</a:t>
+            </a:r>
+            <a:r>
+              <a:rPr sz="2400" dirty="0"/>
+              <a:t> </a:t>
+            </a:r>
+            <a:r>
+              <a:rPr sz="2400" dirty="0" err="1"/>
+              <a:t>representados</a:t>
+            </a:r>
+            <a:r>
+              <a:rPr sz="2400" dirty="0"/>
+              <a:t> </a:t>
+            </a:r>
+            <a:r>
+              <a:rPr sz="2400" dirty="0" err="1"/>
+              <a:t>en</a:t>
+            </a:r>
+            <a:r>
+              <a:rPr sz="2400" dirty="0"/>
+              <a:t> </a:t>
+            </a:r>
+            <a:r>
+              <a:rPr sz="2400" dirty="0" err="1"/>
+              <a:t>diagramas</a:t>
+            </a:r>
+            <a:r>
+              <a:rPr sz="2400" dirty="0"/>
+              <a:t> </a:t>
+            </a:r>
+            <a:r>
+              <a:rPr sz="2400" dirty="0" err="1"/>
+              <a:t>entidad</a:t>
+            </a:r>
+            <a:r>
+              <a:rPr sz="2400" dirty="0"/>
+              <a:t> - </a:t>
+            </a:r>
+            <a:r>
+              <a:rPr sz="2400" dirty="0" err="1"/>
+              <a:t>relación</a:t>
+            </a:r>
+            <a:r>
+              <a:rPr sz="2400" dirty="0"/>
+              <a:t> (ER) de </a:t>
+            </a:r>
+            <a:r>
+              <a:rPr sz="2400" dirty="0" err="1"/>
+              <a:t>los</a:t>
+            </a:r>
+            <a:r>
+              <a:rPr sz="2400" dirty="0"/>
+              <a:t> </a:t>
+            </a:r>
+            <a:r>
+              <a:rPr sz="2400" dirty="0" err="1"/>
+              <a:t>módulos</a:t>
+            </a:r>
+            <a:r>
+              <a:rPr sz="2400" dirty="0"/>
+              <a:t> SUI </a:t>
+            </a:r>
+            <a:r>
+              <a:rPr sz="2400" dirty="0" err="1"/>
+              <a:t>Migrado</a:t>
+            </a:r>
+            <a:r>
+              <a:rPr sz="2400" dirty="0"/>
+              <a:t>, </a:t>
+            </a:r>
+            <a:r>
+              <a:rPr sz="2400" dirty="0" err="1"/>
+              <a:t>como</a:t>
+            </a:r>
+            <a:r>
+              <a:rPr sz="2400" dirty="0"/>
+              <a:t> Hominis, Control </a:t>
+            </a:r>
+            <a:r>
+              <a:rPr sz="2400" dirty="0" err="1"/>
+              <a:t>Interno</a:t>
+            </a:r>
+            <a:r>
+              <a:rPr sz="2400" dirty="0"/>
+              <a:t>, </a:t>
+            </a:r>
+            <a:r>
+              <a:rPr sz="2400" dirty="0" err="1"/>
+              <a:t>Relatoría</a:t>
+            </a:r>
+            <a:r>
+              <a:rPr sz="2400" dirty="0"/>
+              <a:t>, SIRI, </a:t>
+            </a:r>
+            <a:r>
+              <a:rPr sz="2400" dirty="0" err="1"/>
+              <a:t>serán</a:t>
+            </a:r>
+            <a:r>
+              <a:rPr sz="2400" dirty="0"/>
+              <a:t> </a:t>
+            </a:r>
+            <a:r>
+              <a:rPr sz="2400" dirty="0" err="1"/>
+              <a:t>entregados</a:t>
+            </a:r>
+            <a:r>
+              <a:rPr sz="2400" dirty="0"/>
+              <a:t> </a:t>
+            </a:r>
+            <a:r>
+              <a:rPr sz="2400" dirty="0" err="1"/>
+              <a:t>como</a:t>
+            </a:r>
+            <a:r>
+              <a:rPr sz="2400" dirty="0"/>
+              <a:t> </a:t>
+            </a:r>
+            <a:r>
+              <a:rPr sz="2400" dirty="0" err="1"/>
+              <a:t>documentos</a:t>
+            </a:r>
+            <a:r>
+              <a:rPr sz="2400" dirty="0"/>
+              <a:t> </a:t>
+            </a:r>
+            <a:r>
+              <a:rPr sz="2400" dirty="0" err="1"/>
+              <a:t>aparte</a:t>
+            </a:r>
+            <a:r>
+              <a:rPr sz="2400" dirty="0"/>
+              <a:t>, </a:t>
+            </a:r>
+            <a:r>
+              <a:rPr sz="2400" dirty="0" err="1"/>
+              <a:t>anexos</a:t>
+            </a:r>
+            <a:r>
+              <a:rPr sz="2400" dirty="0"/>
+              <a:t> al </a:t>
+            </a:r>
+            <a:r>
+              <a:rPr sz="2400" dirty="0" err="1"/>
+              <a:t>documento</a:t>
+            </a:r>
+            <a:r>
+              <a:rPr sz="2400" dirty="0"/>
+              <a:t> actual </a:t>
+            </a:r>
+            <a:r>
+              <a:rPr sz="2400" dirty="0" err="1"/>
+              <a:t>en</a:t>
+            </a:r>
+            <a:r>
+              <a:rPr sz="2400" dirty="0"/>
+              <a:t> </a:t>
+            </a:r>
+            <a:r>
+              <a:rPr sz="2400" dirty="0" err="1"/>
+              <a:t>formato</a:t>
+            </a:r>
+            <a:r>
+              <a:rPr sz="2400" dirty="0"/>
+              <a:t> reproducible.</a:t>
+            </a:r>
+          </a:p>
+          <a:p>
+            <a:pPr marL="0" lvl="0" indent="0">
               <a:buNone/>
             </a:pPr>
             <a:r>
-              <a:rPr/>
-              <a:t>El formato reproducible en el que entregamos el modelo físico mediante la herramienta libre Draw.io.</a:t>
+              <a:rPr sz="2400" dirty="0"/>
+              <a:t>El </a:t>
+            </a:r>
+            <a:r>
+              <a:rPr sz="2400" dirty="0" err="1"/>
+              <a:t>formato</a:t>
+            </a:r>
+            <a:r>
+              <a:rPr sz="2400" dirty="0"/>
+              <a:t> reproducible </a:t>
+            </a:r>
+            <a:r>
+              <a:rPr sz="2400" dirty="0" err="1"/>
+              <a:t>en</a:t>
+            </a:r>
+            <a:r>
+              <a:rPr sz="2400" dirty="0"/>
+              <a:t> </a:t>
+            </a:r>
+            <a:r>
+              <a:rPr sz="2400" dirty="0" err="1"/>
+              <a:t>el</a:t>
+            </a:r>
+            <a:r>
+              <a:rPr sz="2400" dirty="0"/>
+              <a:t> que </a:t>
+            </a:r>
+            <a:r>
+              <a:rPr sz="2400" dirty="0" err="1"/>
+              <a:t>entregamos</a:t>
+            </a:r>
+            <a:r>
+              <a:rPr sz="2400" dirty="0"/>
+              <a:t> </a:t>
+            </a:r>
+            <a:r>
+              <a:rPr sz="2400" dirty="0" err="1"/>
+              <a:t>el</a:t>
+            </a:r>
+            <a:r>
+              <a:rPr sz="2400" dirty="0"/>
+              <a:t> </a:t>
+            </a:r>
+            <a:r>
+              <a:rPr sz="2400" dirty="0" err="1"/>
+              <a:t>modelo</a:t>
+            </a:r>
+            <a:r>
+              <a:rPr sz="2400" dirty="0"/>
+              <a:t> </a:t>
+            </a:r>
+            <a:r>
+              <a:rPr sz="2400" dirty="0" err="1"/>
+              <a:t>físico</a:t>
+            </a:r>
+            <a:r>
+              <a:rPr sz="2400" dirty="0"/>
+              <a:t> </a:t>
+            </a:r>
+            <a:r>
+              <a:rPr sz="2400" dirty="0" err="1"/>
+              <a:t>mediante</a:t>
+            </a:r>
+            <a:r>
+              <a:rPr sz="2400" dirty="0"/>
+              <a:t> la </a:t>
+            </a:r>
+            <a:r>
+              <a:rPr sz="2400" dirty="0" err="1"/>
+              <a:t>herramienta</a:t>
+            </a:r>
+            <a:r>
+              <a:rPr sz="2400" dirty="0"/>
+              <a:t> libre </a:t>
+            </a:r>
+            <a:r>
+              <a:rPr sz="2400" dirty="0" err="1"/>
+              <a:t>Draw.io</a:t>
+            </a:r>
+            <a:r>
+              <a:rPr sz="2400" dirty="0"/>
+              <a:t>.</a:t>
             </a:r>
           </a:p>
         </p:txBody>
       </p:sp>
     </p:spTree>
   </p:cSld>
+  <p:clrMapOvr>
+    <a:masterClrMapping/>
+  </p:clrMapOvr>
 </p:sld>
 </file>
 
-<file path=ppt/slides/slide16.xml><?xml version="1.0" encoding="utf-8"?>
+<file path=ppt/slides/slide18.xml><?xml version="1.0" encoding="utf-8"?>
 <p:sld xmlns:a="http://schemas.openxmlformats.org/drawingml/2006/main" xmlns:r="http://schemas.openxmlformats.org/officeDocument/2006/relationships" xmlns:p="http://schemas.openxmlformats.org/presentationml/2006/main">
   <p:cSld>
     <p:spTree>
@@ -4833,11 +8447,10 @@
           <a:bodyPr/>
           <a:lstStyle/>
           <a:p>
-            <a:pPr lvl="0" indent="0" marL="0">
+            <a:pPr marL="0" lvl="0" indent="0">
               <a:buNone/>
             </a:pPr>
             <a:r>
-              <a:rPr/>
               <a:t>Diagrama Modelo de Datos Lógico</a:t>
             </a:r>
           </a:p>
@@ -4845,7 +8458,7 @@
       </p:sp>
       <p:pic>
         <p:nvPicPr>
-          <p:cNvPr descr="fig:  images/Migracion.2c1.DatosSIM.png" id="0" name="Picture 1"/>
+          <p:cNvPr id="3" name="Picture 1" descr="fig:  images/Migracion.2c1.DatosSIM.png"/>
           <p:cNvPicPr>
             <a:picLocks noGrp="1" noChangeAspect="1"/>
           </p:cNvPicPr>
@@ -4875,7 +8488,7 @@
       </p:pic>
       <p:sp>
         <p:nvSpPr>
-          <p:cNvPr id="1" name="TextBox 3"/>
+          <p:cNvPr id="5" name="TextBox 3"/>
           <p:cNvSpPr txBox="1"/>
           <p:nvPr/>
         </p:nvSpPr>
@@ -4893,11 +8506,10 @@
           <a:bodyPr/>
           <a:lstStyle/>
           <a:p>
-            <a:pPr lvl="0" indent="0" marL="0" algn="ctr">
+            <a:pPr marL="0" lvl="0" indent="0" algn="ctr">
               <a:buNone/>
             </a:pPr>
             <a:r>
-              <a:rPr/>
               <a:t>Vista. Migracion.2c1. Datos SIM</a:t>
             </a:r>
           </a:p>
@@ -4916,7 +8528,7 @@
             <a:spLocks noGrp="1"/>
           </p:cNvSpPr>
           <p:nvPr>
-            <p:ph idx="2" sz="half"/>
+            <p:ph sz="half" idx="2"/>
           </p:nvPr>
         </p:nvSpPr>
         <p:spPr/>
@@ -4924,7 +8536,7 @@
           <a:bodyPr/>
           <a:lstStyle/>
           <a:p>
-            <a:pPr lvl="0" indent="0" marL="0">
+            <a:pPr marL="0" lvl="0" indent="0">
               <a:spcBef>
                 <a:spcPts val="3000"/>
               </a:spcBef>
@@ -4936,20 +8548,18 @@
             </a:r>
           </a:p>
           <a:p>
-            <a:pPr lvl="0" indent="0" marL="0">
+            <a:pPr marL="0" lvl="0" indent="0">
               <a:buNone/>
             </a:pPr>
             <a:r>
-              <a:rPr/>
               <a:t>Identificación de entidades de datos de negocio relacionadas a los módulos SUI Migrado.</a:t>
             </a:r>
           </a:p>
           <a:p>
-            <a:pPr lvl="0" indent="0" marL="0">
+            <a:pPr marL="0" lvl="0" indent="0">
               <a:buNone/>
             </a:pPr>
             <a:r>
-              <a:rPr/>
               <a:t>Las entidades de negocio son tipos de datos internos del SUI consideradas para el manejo del ciclo de vida de los datos.</a:t>
             </a:r>
           </a:p>
@@ -4957,6 +8567,9 @@
       </p:sp>
     </p:spTree>
   </p:cSld>
+  <p:clrMapOvr>
+    <a:masterClrMapping/>
+  </p:clrMapOvr>
 </p:sld>
 </file>
 
@@ -4982,7 +8595,7 @@
           <p:cNvPr id="2" name="Title 1">
             <a:extLst>
               <a:ext uri="{FF2B5EF4-FFF2-40B4-BE49-F238E27FC236}">
-                <a16:creationId xmlns:a16="http://schemas.microsoft.com/office/drawing/2014/main" id="{28FF95C8-FAC5-C096-F0F7-9235C6BAA4D3}"/>
+                <a16:creationId xmlns:a16="http://schemas.microsoft.com/office/drawing/2014/main" id="{F65C88B3-624D-043A-2B81-8795DCEBC39A}"/>
               </a:ext>
             </a:extLst>
           </p:cNvPr>
@@ -4990,30 +8603,35 @@
             <a:spLocks noGrp="1"/>
           </p:cNvSpPr>
           <p:nvPr>
-            <p:ph type="title"/>
+            <p:ph type="ctrTitle"/>
           </p:nvPr>
         </p:nvSpPr>
-        <p:spPr/>
+        <p:spPr>
+          <a:xfrm>
+            <a:off x="1524000" y="1122363"/>
+            <a:ext cx="9144000" cy="2387600"/>
+          </a:xfrm>
+        </p:spPr>
         <p:txBody>
           <a:bodyPr/>
           <a:lstStyle/>
           <a:p>
-            <a:pPr lvl="0" indent="0" marL="0">
+            <a:pPr marL="0" lvl="0" indent="0">
               <a:buNone/>
             </a:pPr>
             <a:r>
-              <a:rPr/>
-              <a:t>Entregables de Arquitectura de Software</a:t>
-            </a:r>
-          </a:p>
-        </p:txBody>
-      </p:sp>
-      <p:sp>
-        <p:nvSpPr>
-          <p:cNvPr id="3" name="Content Placeholder 2">
-            <a:extLst>
-              <a:ext uri="{FF2B5EF4-FFF2-40B4-BE49-F238E27FC236}">
-                <a16:creationId xmlns:a16="http://schemas.microsoft.com/office/drawing/2014/main" id="{CEB6827E-2FAC-935D-C318-C00D054BA2DC}"/>
+              <a:rPr dirty="0"/>
+              <a:t>Declaración de Arquitectura Migración Funcional SUI, PGN, 2023</a:t>
+            </a:r>
+          </a:p>
+        </p:txBody>
+      </p:sp>
+      <p:sp>
+        <p:nvSpPr>
+          <p:cNvPr id="3" name="Subtitle 2">
+            <a:extLst>
+              <a:ext uri="{FF2B5EF4-FFF2-40B4-BE49-F238E27FC236}">
+                <a16:creationId xmlns:a16="http://schemas.microsoft.com/office/drawing/2014/main" id="{A63841F2-4AC3-B21F-2709-BDD2BBF90390}"/>
               </a:ext>
             </a:extLst>
           </p:cNvPr>
@@ -5021,73 +8639,65 @@
             <a:spLocks noGrp="1"/>
           </p:cNvSpPr>
           <p:nvPr>
-            <p:ph idx="1"/>
+            <p:ph type="subTitle" idx="1"/>
           </p:nvPr>
         </p:nvSpPr>
-        <p:spPr/>
+        <p:spPr>
+          <a:xfrm>
+            <a:off x="1524000" y="3602038"/>
+            <a:ext cx="9144000" cy="1655762"/>
+          </a:xfrm>
+        </p:spPr>
         <p:txBody>
           <a:bodyPr/>
           <a:lstStyle/>
           <a:p>
-            <a:pPr lvl="0"/>
-            <a:r>
-              <a:rPr/>
-              <a:t>Diagrama de Arquitectura de la Solución Propuesta: vista de integración</a:t>
-            </a:r>
-          </a:p>
-          <a:p>
-            <a:pPr lvl="0"/>
-            <a:r>
-              <a:rPr/>
-              <a:t>Diagrama de Arquitectura de la solución propuesta: vista física</a:t>
-            </a:r>
-          </a:p>
-          <a:p>
-            <a:pPr lvl="0"/>
-            <a:r>
-              <a:rPr/>
-              <a:t>Diagrama de Arquitectura de la Solución Propuesta: motivadores del negocio</a:t>
-            </a:r>
-          </a:p>
-          <a:p>
-            <a:pPr lvl="0"/>
-            <a:r>
-              <a:rPr/>
-              <a:t>Diagrama de Arquitectura de la Solución Propuesta: interoperabilidad</a:t>
-            </a:r>
-          </a:p>
-          <a:p>
-            <a:pPr lvl="0"/>
-            <a:r>
-              <a:rPr/>
-              <a:t>Diagrama de Arquitectura de la Solución Propuesta: gestión de autenticación, usuarios y roles</a:t>
-            </a:r>
-          </a:p>
-          <a:p>
-            <a:pPr lvl="0"/>
-            <a:r>
-              <a:rPr/>
-              <a:t>Diagrama de Clases y Componentes de Solución</a:t>
-            </a:r>
-          </a:p>
-          <a:p>
-            <a:pPr lvl="0"/>
-            <a:r>
-              <a:rPr/>
-              <a:t>Diagrama de Arquitectura de Integración Continua, DevOps y Despliegues de Capas</a:t>
-            </a:r>
-          </a:p>
-          <a:p>
-            <a:pPr lvl="0"/>
-            <a:r>
-              <a:rPr/>
-              <a:t>Documento de Relación de Tecnologías y Licenciamiento</a:t>
+            <a:pPr marL="0" lvl="0" indent="0">
+              <a:buNone/>
+            </a:pPr>
+            <a:br/>
+            <a:br/>
+            <a:r>
+              <a:t>Softgic - PGN</a:t>
+            </a:r>
+          </a:p>
+        </p:txBody>
+      </p:sp>
+      <p:sp>
+        <p:nvSpPr>
+          <p:cNvPr id="4" name="Date Placeholder 3">
+            <a:extLst>
+              <a:ext uri="{FF2B5EF4-FFF2-40B4-BE49-F238E27FC236}">
+                <a16:creationId xmlns:a16="http://schemas.microsoft.com/office/drawing/2014/main" id="{1CEB5431-DF96-B33E-5F94-F3E298801936}"/>
+              </a:ext>
+            </a:extLst>
+          </p:cNvPr>
+          <p:cNvSpPr>
+            <a:spLocks noGrp="1"/>
+          </p:cNvSpPr>
+          <p:nvPr>
+            <p:ph type="dt" sz="half" idx="10"/>
+          </p:nvPr>
+        </p:nvSpPr>
+        <p:spPr/>
+        <p:txBody>
+          <a:bodyPr/>
+          <a:lstStyle/>
+          <a:p>
+            <a:pPr marL="0" lvl="0" indent="0">
+              <a:buNone/>
+            </a:pPr>
+            <a:r>
+              <a:t>Noviembre, 2023</a:t>
             </a:r>
           </a:p>
         </p:txBody>
       </p:sp>
     </p:spTree>
   </p:cSld>
+  <p:clrMapOvr>
+    <a:masterClrMapping/>
+  </p:clrMapOvr>
 </p:sld>
 </file>
 
@@ -5113,7 +8723,7 @@
           <p:cNvPr id="2" name="Title 1">
             <a:extLst>
               <a:ext uri="{FF2B5EF4-FFF2-40B4-BE49-F238E27FC236}">
-                <a16:creationId xmlns:a16="http://schemas.microsoft.com/office/drawing/2014/main" id="{031ABDF3-40B0-9FFD-785D-6EE24EA30E17}"/>
+                <a16:creationId xmlns:a16="http://schemas.microsoft.com/office/drawing/2014/main" id="{28FF95C8-FAC5-C096-F0F7-9235C6BAA4D3}"/>
               </a:ext>
             </a:extLst>
           </p:cNvPr>
@@ -5129,11 +8739,420 @@
           <a:bodyPr/>
           <a:lstStyle/>
           <a:p>
-            <a:pPr lvl="0" indent="0" marL="0">
+            <a:pPr marL="0" lvl="0" indent="0">
               <a:buNone/>
             </a:pPr>
             <a:r>
-              <a:rPr/>
+              <a:t>Entregables de Arquitectura de Software</a:t>
+            </a:r>
+          </a:p>
+        </p:txBody>
+      </p:sp>
+      <p:sp>
+        <p:nvSpPr>
+          <p:cNvPr id="3" name="Content Placeholder 2">
+            <a:extLst>
+              <a:ext uri="{FF2B5EF4-FFF2-40B4-BE49-F238E27FC236}">
+                <a16:creationId xmlns:a16="http://schemas.microsoft.com/office/drawing/2014/main" id="{CEB6827E-2FAC-935D-C318-C00D054BA2DC}"/>
+              </a:ext>
+            </a:extLst>
+          </p:cNvPr>
+          <p:cNvSpPr>
+            <a:spLocks noGrp="1"/>
+          </p:cNvSpPr>
+          <p:nvPr>
+            <p:ph idx="1"/>
+          </p:nvPr>
+        </p:nvSpPr>
+        <p:spPr/>
+        <p:txBody>
+          <a:bodyPr>
+            <a:noAutofit/>
+          </a:bodyPr>
+          <a:lstStyle/>
+          <a:p>
+            <a:pPr lvl="0"/>
+            <a:r>
+              <a:rPr sz="2400" dirty="0" err="1"/>
+              <a:t>Diagrama</a:t>
+            </a:r>
+            <a:r>
+              <a:rPr sz="2400" dirty="0"/>
+              <a:t> de </a:t>
+            </a:r>
+            <a:r>
+              <a:rPr sz="2400" dirty="0" err="1"/>
+              <a:t>Arquitectura</a:t>
+            </a:r>
+            <a:r>
+              <a:rPr sz="2400" dirty="0"/>
+              <a:t> de la </a:t>
+            </a:r>
+            <a:r>
+              <a:rPr sz="2400" dirty="0" err="1"/>
+              <a:t>Solución</a:t>
+            </a:r>
+            <a:r>
+              <a:rPr sz="2400" dirty="0"/>
+              <a:t> </a:t>
+            </a:r>
+            <a:r>
+              <a:rPr sz="2400" dirty="0" err="1"/>
+              <a:t>Propuesta</a:t>
+            </a:r>
+            <a:r>
+              <a:rPr sz="2400" dirty="0"/>
+              <a:t>: vista de </a:t>
+            </a:r>
+            <a:r>
+              <a:rPr sz="2400" dirty="0" err="1"/>
+              <a:t>integración</a:t>
+            </a:r>
+            <a:endParaRPr sz="2400" dirty="0"/>
+          </a:p>
+          <a:p>
+            <a:pPr lvl="0"/>
+            <a:r>
+              <a:rPr sz="2400" dirty="0" err="1"/>
+              <a:t>Diagrama</a:t>
+            </a:r>
+            <a:r>
+              <a:rPr sz="2400" dirty="0"/>
+              <a:t> de </a:t>
+            </a:r>
+            <a:r>
+              <a:rPr sz="2400" dirty="0" err="1"/>
+              <a:t>Arquitectura</a:t>
+            </a:r>
+            <a:r>
+              <a:rPr sz="2400" dirty="0"/>
+              <a:t> de la </a:t>
+            </a:r>
+            <a:r>
+              <a:rPr sz="2400" dirty="0" err="1"/>
+              <a:t>solución</a:t>
+            </a:r>
+            <a:r>
+              <a:rPr sz="2400" dirty="0"/>
+              <a:t> </a:t>
+            </a:r>
+            <a:r>
+              <a:rPr sz="2400" dirty="0" err="1"/>
+              <a:t>propuesta</a:t>
+            </a:r>
+            <a:r>
+              <a:rPr sz="2400" dirty="0"/>
+              <a:t>: vista </a:t>
+            </a:r>
+            <a:r>
+              <a:rPr sz="2400" dirty="0" err="1"/>
+              <a:t>física</a:t>
+            </a:r>
+            <a:endParaRPr sz="2400" dirty="0"/>
+          </a:p>
+          <a:p>
+            <a:pPr lvl="0"/>
+            <a:r>
+              <a:rPr sz="2400" dirty="0" err="1"/>
+              <a:t>Diagrama</a:t>
+            </a:r>
+            <a:r>
+              <a:rPr sz="2400" dirty="0"/>
+              <a:t> de </a:t>
+            </a:r>
+            <a:r>
+              <a:rPr sz="2400" dirty="0" err="1"/>
+              <a:t>Arquitectura</a:t>
+            </a:r>
+            <a:r>
+              <a:rPr sz="2400" dirty="0"/>
+              <a:t> de la </a:t>
+            </a:r>
+            <a:r>
+              <a:rPr sz="2400" dirty="0" err="1"/>
+              <a:t>Solución</a:t>
+            </a:r>
+            <a:r>
+              <a:rPr sz="2400" dirty="0"/>
+              <a:t> </a:t>
+            </a:r>
+            <a:r>
+              <a:rPr sz="2400" dirty="0" err="1"/>
+              <a:t>Propuesta</a:t>
+            </a:r>
+            <a:r>
+              <a:rPr sz="2400" dirty="0"/>
+              <a:t>: </a:t>
+            </a:r>
+            <a:r>
+              <a:rPr sz="2400" dirty="0" err="1"/>
+              <a:t>motivadores</a:t>
+            </a:r>
+            <a:r>
+              <a:rPr sz="2400" dirty="0"/>
+              <a:t> del </a:t>
+            </a:r>
+            <a:r>
+              <a:rPr sz="2400" dirty="0" err="1"/>
+              <a:t>negocio</a:t>
+            </a:r>
+            <a:endParaRPr sz="2400" dirty="0"/>
+          </a:p>
+          <a:p>
+            <a:pPr lvl="0"/>
+            <a:r>
+              <a:rPr sz="2400" dirty="0" err="1"/>
+              <a:t>Diagrama</a:t>
+            </a:r>
+            <a:r>
+              <a:rPr sz="2400" dirty="0"/>
+              <a:t> de </a:t>
+            </a:r>
+            <a:r>
+              <a:rPr sz="2400" dirty="0" err="1"/>
+              <a:t>Arquitectura</a:t>
+            </a:r>
+            <a:r>
+              <a:rPr sz="2400" dirty="0"/>
+              <a:t> de la </a:t>
+            </a:r>
+            <a:r>
+              <a:rPr sz="2400" dirty="0" err="1"/>
+              <a:t>Solución</a:t>
+            </a:r>
+            <a:r>
+              <a:rPr sz="2400" dirty="0"/>
+              <a:t> </a:t>
+            </a:r>
+            <a:r>
+              <a:rPr sz="2400" dirty="0" err="1"/>
+              <a:t>Propuesta</a:t>
+            </a:r>
+            <a:r>
+              <a:rPr sz="2400" dirty="0"/>
+              <a:t>: </a:t>
+            </a:r>
+            <a:r>
+              <a:rPr sz="2400" dirty="0" err="1"/>
+              <a:t>interoperabilidad</a:t>
+            </a:r>
+            <a:endParaRPr sz="2400" dirty="0"/>
+          </a:p>
+          <a:p>
+            <a:pPr lvl="0"/>
+            <a:r>
+              <a:rPr sz="2400" dirty="0" err="1"/>
+              <a:t>Diagrama</a:t>
+            </a:r>
+            <a:r>
+              <a:rPr sz="2400" dirty="0"/>
+              <a:t> de </a:t>
+            </a:r>
+            <a:r>
+              <a:rPr sz="2400" dirty="0" err="1"/>
+              <a:t>Arquitectura</a:t>
+            </a:r>
+            <a:r>
+              <a:rPr sz="2400" dirty="0"/>
+              <a:t> de la </a:t>
+            </a:r>
+            <a:r>
+              <a:rPr sz="2400" dirty="0" err="1"/>
+              <a:t>Solución</a:t>
+            </a:r>
+            <a:r>
+              <a:rPr sz="2400" dirty="0"/>
+              <a:t> </a:t>
+            </a:r>
+            <a:r>
+              <a:rPr sz="2400" dirty="0" err="1"/>
+              <a:t>Propuesta</a:t>
+            </a:r>
+            <a:r>
+              <a:rPr sz="2400" dirty="0"/>
+              <a:t>: </a:t>
+            </a:r>
+            <a:r>
+              <a:rPr sz="2400" dirty="0" err="1"/>
+              <a:t>gestión</a:t>
+            </a:r>
+            <a:r>
+              <a:rPr sz="2400" dirty="0"/>
+              <a:t> de </a:t>
+            </a:r>
+            <a:r>
+              <a:rPr sz="2400" dirty="0" err="1"/>
+              <a:t>autenticación</a:t>
+            </a:r>
+            <a:r>
+              <a:rPr sz="2400" dirty="0"/>
+              <a:t>, </a:t>
+            </a:r>
+            <a:r>
+              <a:rPr sz="2400" dirty="0" err="1"/>
+              <a:t>usuarios</a:t>
+            </a:r>
+            <a:r>
+              <a:rPr sz="2400" dirty="0"/>
+              <a:t> y roles</a:t>
+            </a:r>
+          </a:p>
+          <a:p>
+            <a:pPr lvl="0"/>
+            <a:r>
+              <a:rPr sz="2400" dirty="0" err="1"/>
+              <a:t>Diagrama</a:t>
+            </a:r>
+            <a:r>
+              <a:rPr sz="2400" dirty="0"/>
+              <a:t> de </a:t>
+            </a:r>
+            <a:r>
+              <a:rPr sz="2400" dirty="0" err="1"/>
+              <a:t>Clases</a:t>
+            </a:r>
+            <a:r>
+              <a:rPr sz="2400" dirty="0"/>
+              <a:t> y </a:t>
+            </a:r>
+            <a:r>
+              <a:rPr sz="2400" dirty="0" err="1"/>
+              <a:t>Componentes</a:t>
+            </a:r>
+            <a:r>
+              <a:rPr sz="2400" dirty="0"/>
+              <a:t> de </a:t>
+            </a:r>
+            <a:r>
+              <a:rPr sz="2400" dirty="0" err="1"/>
+              <a:t>Solución</a:t>
+            </a:r>
+            <a:endParaRPr sz="2400" dirty="0"/>
+          </a:p>
+          <a:p>
+            <a:pPr lvl="0"/>
+            <a:r>
+              <a:rPr sz="2400" dirty="0" err="1"/>
+              <a:t>Diagrama</a:t>
+            </a:r>
+            <a:r>
+              <a:rPr sz="2400" dirty="0"/>
+              <a:t> de </a:t>
+            </a:r>
+            <a:r>
+              <a:rPr sz="2400" dirty="0" err="1"/>
+              <a:t>Arquitectura</a:t>
+            </a:r>
+            <a:r>
+              <a:rPr sz="2400" dirty="0"/>
+              <a:t> de </a:t>
+            </a:r>
+            <a:r>
+              <a:rPr sz="2400" dirty="0" err="1"/>
+              <a:t>Integración</a:t>
+            </a:r>
+            <a:r>
+              <a:rPr sz="2400" dirty="0"/>
+              <a:t> Continua, DevOps y </a:t>
+            </a:r>
+            <a:r>
+              <a:rPr sz="2400" dirty="0" err="1"/>
+              <a:t>Despliegues</a:t>
+            </a:r>
+            <a:r>
+              <a:rPr sz="2400" dirty="0"/>
+              <a:t> de </a:t>
+            </a:r>
+            <a:r>
+              <a:rPr sz="2400" dirty="0" err="1"/>
+              <a:t>Capas</a:t>
+            </a:r>
+            <a:endParaRPr sz="2400" dirty="0"/>
+          </a:p>
+          <a:p>
+            <a:pPr lvl="0"/>
+            <a:r>
+              <a:rPr sz="2400" dirty="0" err="1"/>
+              <a:t>Documento</a:t>
+            </a:r>
+            <a:r>
+              <a:rPr sz="2400" dirty="0"/>
+              <a:t> de </a:t>
+            </a:r>
+            <a:r>
+              <a:rPr sz="2400" dirty="0" err="1"/>
+              <a:t>Relación</a:t>
+            </a:r>
+            <a:r>
+              <a:rPr sz="2400" dirty="0"/>
+              <a:t> de </a:t>
+            </a:r>
+            <a:r>
+              <a:rPr sz="2400" dirty="0" err="1"/>
+              <a:t>Tecnologías</a:t>
+            </a:r>
+            <a:r>
+              <a:rPr sz="2400" dirty="0"/>
+              <a:t> y </a:t>
+            </a:r>
+            <a:r>
+              <a:rPr sz="2400" dirty="0" err="1"/>
+              <a:t>Licenciamiento</a:t>
+            </a:r>
+            <a:endParaRPr sz="2400" dirty="0"/>
+          </a:p>
+        </p:txBody>
+      </p:sp>
+    </p:spTree>
+  </p:cSld>
+  <p:clrMapOvr>
+    <a:masterClrMapping/>
+  </p:clrMapOvr>
+</p:sld>
+</file>
+
+<file path=ppt/slides/slide4.xml><?xml version="1.0" encoding="utf-8"?>
+<p:sld xmlns:a="http://schemas.openxmlformats.org/drawingml/2006/main" xmlns:r="http://schemas.openxmlformats.org/officeDocument/2006/relationships" xmlns:p="http://schemas.openxmlformats.org/presentationml/2006/main">
+  <p:cSld>
+    <p:spTree>
+      <p:nvGrpSpPr>
+        <p:cNvPr id="1" name=""/>
+        <p:cNvGrpSpPr/>
+        <p:nvPr/>
+      </p:nvGrpSpPr>
+      <p:grpSpPr>
+        <a:xfrm>
+          <a:off x="0" y="0"/>
+          <a:ext cx="0" cy="0"/>
+          <a:chOff x="0" y="0"/>
+          <a:chExt cx="0" cy="0"/>
+        </a:xfrm>
+      </p:grpSpPr>
+      <p:sp>
+        <p:nvSpPr>
+          <p:cNvPr id="2" name="Title 1">
+            <a:extLst>
+              <a:ext uri="{FF2B5EF4-FFF2-40B4-BE49-F238E27FC236}">
+                <a16:creationId xmlns:a16="http://schemas.microsoft.com/office/drawing/2014/main" id="{031ABDF3-40B0-9FFD-785D-6EE24EA30E17}"/>
+              </a:ext>
+            </a:extLst>
+          </p:cNvPr>
+          <p:cNvSpPr>
+            <a:spLocks noGrp="1"/>
+          </p:cNvSpPr>
+          <p:nvPr>
+            <p:ph type="title"/>
+          </p:nvPr>
+        </p:nvSpPr>
+        <p:spPr/>
+        <p:txBody>
+          <a:bodyPr/>
+          <a:lstStyle/>
+          <a:p>
+            <a:pPr marL="0" lvl="0" indent="0">
+              <a:buNone/>
+            </a:pPr>
+            <a:r>
               <a:t>Línea Base SUI PGN</a:t>
             </a:r>
           </a:p>
@@ -5141,7 +9160,7 @@
       </p:sp>
       <p:pic>
         <p:nvPicPr>
-          <p:cNvPr descr="images/Lineabase.0.SUIAplicación.png" id="0" name="Picture 1"/>
+          <p:cNvPr id="3" name="Picture 1" descr="images/Lineabase.0.SUIAplicación.png"/>
           <p:cNvPicPr>
             <a:picLocks noGrp="1" noChangeAspect="1"/>
           </p:cNvPicPr>
@@ -5171,7 +9190,7 @@
       </p:pic>
       <p:sp>
         <p:nvSpPr>
-          <p:cNvPr id="1" name="TextBox 3"/>
+          <p:cNvPr id="5" name="TextBox 3"/>
           <p:cNvSpPr txBox="1"/>
           <p:nvPr/>
         </p:nvSpPr>
@@ -5189,11 +9208,10 @@
           <a:bodyPr/>
           <a:lstStyle/>
           <a:p>
-            <a:pPr lvl="0" indent="0" marL="0" algn="ctr">
+            <a:pPr marL="0" lvl="0" indent="0" algn="ctr">
               <a:buNone/>
             </a:pPr>
             <a:r>
-              <a:rPr/>
               <a:t>Vista. Lineabase.0.SUI Aplicación</a:t>
             </a:r>
           </a:p>
@@ -5212,69 +9230,288 @@
             <a:spLocks noGrp="1"/>
           </p:cNvSpPr>
           <p:nvPr>
-            <p:ph idx="2" sz="half"/>
+            <p:ph sz="half" idx="2"/>
           </p:nvPr>
         </p:nvSpPr>
         <p:spPr/>
         <p:txBody>
-          <a:bodyPr/>
+          <a:bodyPr>
+            <a:normAutofit fontScale="85000" lnSpcReduction="20000"/>
+          </a:bodyPr>
           <a:lstStyle/>
           <a:p>
-            <a:pPr lvl="0" indent="0" marL="0">
+            <a:pPr marL="0" lvl="0" indent="0">
               <a:spcBef>
                 <a:spcPts val="3000"/>
               </a:spcBef>
               <a:buNone/>
             </a:pPr>
             <a:r>
-              <a:rPr b="1"/>
-              <a:t>Representación Arquitectura</a:t>
-            </a:r>
-          </a:p>
-          <a:p>
-            <a:pPr lvl="0" indent="0" marL="0">
+              <a:rPr b="1" dirty="0" err="1"/>
+              <a:t>Representación</a:t>
+            </a:r>
+            <a:r>
+              <a:rPr b="1" dirty="0"/>
+              <a:t> de </a:t>
+            </a:r>
+            <a:r>
+              <a:rPr b="1" dirty="0" err="1"/>
+              <a:t>Arquitectura</a:t>
+            </a:r>
+            <a:endParaRPr b="1" dirty="0"/>
+          </a:p>
+          <a:p>
+            <a:pPr marL="0" lvl="0" indent="0">
               <a:buNone/>
             </a:pPr>
             <a:r>
-              <a:rPr/>
-              <a:t>Con una arquitectura orientada a servicios $APLICATIVO recopila:</a:t>
-            </a:r>
-          </a:p>
-          <a:p>
-            <a:pPr lvl="0" indent="-457200" marL="457200">
+              <a:rPr dirty="0"/>
+              <a:t>Con </a:t>
+            </a:r>
+            <a:r>
+              <a:rPr dirty="0" err="1"/>
+              <a:t>una</a:t>
+            </a:r>
+            <a:r>
+              <a:rPr dirty="0"/>
+              <a:t> </a:t>
+            </a:r>
+            <a:r>
+              <a:rPr dirty="0" err="1"/>
+              <a:t>arquitectura</a:t>
+            </a:r>
+            <a:r>
+              <a:rPr dirty="0"/>
+              <a:t> </a:t>
+            </a:r>
+            <a:r>
+              <a:rPr dirty="0" err="1"/>
+              <a:t>orientada</a:t>
+            </a:r>
+            <a:r>
+              <a:rPr dirty="0"/>
+              <a:t> a </a:t>
+            </a:r>
+            <a:r>
+              <a:rPr dirty="0" err="1"/>
+              <a:t>servicios</a:t>
+            </a:r>
+            <a:r>
+              <a:rPr dirty="0"/>
+              <a:t> SUI </a:t>
+            </a:r>
+            <a:r>
+              <a:rPr dirty="0" err="1"/>
+              <a:t>recopila</a:t>
+            </a:r>
+            <a:r>
+              <a:rPr dirty="0"/>
+              <a:t>:</a:t>
+            </a:r>
+          </a:p>
+          <a:p>
+            <a:pPr marL="457200" lvl="0" indent="-457200">
               <a:buAutoNum type="arabicPeriod"/>
             </a:pPr>
             <a:r>
-              <a:rPr/>
-              <a:t>Runtime: Es el servicio que interactúa con el usuario final (GUI) elaborado en Angular 11</a:t>
-            </a:r>
-          </a:p>
-          <a:p>
-            <a:pPr lvl="0" indent="-457200" marL="457200">
+              <a:rPr dirty="0"/>
+              <a:t>Runtime: Es </a:t>
+            </a:r>
+            <a:r>
+              <a:rPr dirty="0" err="1"/>
+              <a:t>el</a:t>
+            </a:r>
+            <a:r>
+              <a:rPr dirty="0"/>
+              <a:t> </a:t>
+            </a:r>
+            <a:r>
+              <a:rPr dirty="0" err="1"/>
+              <a:t>servicio</a:t>
+            </a:r>
+            <a:r>
+              <a:rPr dirty="0"/>
+              <a:t> que </a:t>
+            </a:r>
+            <a:r>
+              <a:rPr dirty="0" err="1"/>
+              <a:t>interactúa</a:t>
+            </a:r>
+            <a:r>
+              <a:rPr dirty="0"/>
+              <a:t> con </a:t>
+            </a:r>
+            <a:r>
+              <a:rPr dirty="0" err="1"/>
+              <a:t>el</a:t>
+            </a:r>
+            <a:r>
+              <a:rPr dirty="0"/>
+              <a:t> </a:t>
+            </a:r>
+            <a:r>
+              <a:rPr dirty="0" err="1"/>
+              <a:t>usuario</a:t>
+            </a:r>
+            <a:r>
+              <a:rPr dirty="0"/>
+              <a:t> final (GUI) </a:t>
+            </a:r>
+            <a:r>
+              <a:rPr dirty="0" err="1"/>
+              <a:t>elaborado</a:t>
+            </a:r>
+            <a:r>
+              <a:rPr dirty="0"/>
+              <a:t> </a:t>
+            </a:r>
+            <a:r>
+              <a:rPr dirty="0" err="1"/>
+              <a:t>en</a:t>
+            </a:r>
+            <a:r>
+              <a:rPr dirty="0"/>
+              <a:t> Angular 11</a:t>
+            </a:r>
+          </a:p>
+          <a:p>
+            <a:pPr marL="457200" lvl="0" indent="-457200">
               <a:buAutoNum type="arabicPeriod"/>
             </a:pPr>
             <a:r>
-              <a:rPr/>
-              <a:t>API Tx: Servicio api rest base node encargado de realizar las transacciones básicas CRUD</a:t>
-            </a:r>
-          </a:p>
-          <a:p>
-            <a:pPr lvl="0" indent="-457200" marL="457200">
+              <a:rPr dirty="0"/>
+              <a:t>API Tx: </a:t>
+            </a:r>
+            <a:r>
+              <a:rPr sz="2400" dirty="0" err="1"/>
+              <a:t>Servicio</a:t>
+            </a:r>
+            <a:r>
+              <a:rPr dirty="0"/>
+              <a:t> </a:t>
+            </a:r>
+            <a:r>
+              <a:rPr dirty="0" err="1"/>
+              <a:t>api</a:t>
+            </a:r>
+            <a:r>
+              <a:rPr dirty="0"/>
+              <a:t> rest base node </a:t>
+            </a:r>
+            <a:r>
+              <a:rPr dirty="0" err="1"/>
+              <a:t>encargado</a:t>
+            </a:r>
+            <a:r>
+              <a:rPr dirty="0"/>
+              <a:t> de </a:t>
+            </a:r>
+            <a:r>
+              <a:rPr dirty="0" err="1"/>
+              <a:t>realizar</a:t>
+            </a:r>
+            <a:r>
+              <a:rPr dirty="0"/>
+              <a:t> las </a:t>
+            </a:r>
+            <a:r>
+              <a:rPr dirty="0" err="1"/>
+              <a:t>transacciones</a:t>
+            </a:r>
+            <a:r>
+              <a:rPr dirty="0"/>
+              <a:t> </a:t>
+            </a:r>
+            <a:r>
+              <a:rPr dirty="0" err="1"/>
+              <a:t>básicas</a:t>
+            </a:r>
+            <a:r>
+              <a:rPr dirty="0"/>
+              <a:t> CRUD</a:t>
+            </a:r>
+          </a:p>
+          <a:p>
+            <a:pPr marL="457200" lvl="0" indent="-457200">
               <a:buAutoNum type="arabicPeriod"/>
             </a:pPr>
             <a:r>
-              <a:rPr/>
-              <a:t>API Config / Seguridad. Servicio Web API .Net Framework encargado de gestionar características con la autenticación y configuración</a:t>
-            </a:r>
+              <a:rPr dirty="0"/>
+              <a:t>API Config / </a:t>
+            </a:r>
+            <a:r>
+              <a:rPr dirty="0" err="1"/>
+              <a:t>Seguridad</a:t>
+            </a:r>
+            <a:r>
+              <a:rPr dirty="0"/>
+              <a:t>. </a:t>
+            </a:r>
+            <a:r>
+              <a:rPr dirty="0" err="1"/>
+              <a:t>Servicio</a:t>
+            </a:r>
+            <a:r>
+              <a:rPr dirty="0"/>
+              <a:t> Web API </a:t>
+            </a:r>
+            <a:r>
+              <a:rPr dirty="0" err="1"/>
+              <a:t>.Net</a:t>
+            </a:r>
+            <a:r>
+              <a:rPr dirty="0"/>
+              <a:t> Framework </a:t>
+            </a:r>
+            <a:r>
+              <a:rPr dirty="0" err="1"/>
+              <a:t>encargado</a:t>
+            </a:r>
+            <a:r>
+              <a:rPr dirty="0"/>
+              <a:t> de </a:t>
+            </a:r>
+            <a:r>
+              <a:rPr dirty="0" err="1"/>
+              <a:t>gestionar</a:t>
+            </a:r>
+            <a:r>
+              <a:rPr dirty="0"/>
+              <a:t> </a:t>
+            </a:r>
+            <a:r>
+              <a:rPr dirty="0" err="1"/>
+              <a:t>características</a:t>
+            </a:r>
+            <a:r>
+              <a:rPr dirty="0"/>
+              <a:t> con la </a:t>
+            </a:r>
+            <a:r>
+              <a:rPr dirty="0" err="1"/>
+              <a:t>autenticación</a:t>
+            </a:r>
+            <a:r>
+              <a:rPr dirty="0"/>
+              <a:t> y </a:t>
+            </a:r>
+            <a:r>
+              <a:rPr dirty="0" err="1"/>
+              <a:t>configuración</a:t>
+            </a:r>
+            <a:endParaRPr dirty="0"/>
           </a:p>
         </p:txBody>
       </p:sp>
     </p:spTree>
   </p:cSld>
+  <p:clrMapOvr>
+    <a:masterClrMapping/>
+  </p:clrMapOvr>
 </p:sld>
 </file>
 
-<file path=ppt/slides/slide4.xml><?xml version="1.0" encoding="utf-8"?>
+<file path=ppt/slides/slide5.xml><?xml version="1.0" encoding="utf-8"?>
 <p:sld xmlns:a="http://schemas.openxmlformats.org/drawingml/2006/main" xmlns:r="http://schemas.openxmlformats.org/officeDocument/2006/relationships" xmlns:p="http://schemas.openxmlformats.org/presentationml/2006/main">
   <p:cSld>
     <p:spTree>
@@ -5312,19 +9549,304 @@
           <a:bodyPr/>
           <a:lstStyle/>
           <a:p>
-            <a:pPr lvl="0" indent="0" marL="0">
+            <a:pPr marL="0" lvl="0" indent="0">
               <a:buNone/>
             </a:pPr>
             <a:r>
-              <a:rPr/>
-              <a:t>Diagrama de Arquitectura de la Solución Propuesta</a:t>
+              <a:t>Línea Base Portal PGN</a:t>
             </a:r>
           </a:p>
         </p:txBody>
       </p:sp>
       <p:pic>
         <p:nvPicPr>
-          <p:cNvPr descr="fig:  images/Migracion.1a.b.SIUContextoMódulos.png" id="0" name="Picture 1"/>
+          <p:cNvPr id="3" name="Picture 1" descr="fig:  images/Linebase.2.Portal.png"/>
+          <p:cNvPicPr>
+            <a:picLocks noGrp="1" noChangeAspect="1"/>
+          </p:cNvPicPr>
+          <p:nvPr/>
+        </p:nvPicPr>
+        <p:blipFill>
+          <a:blip r:embed="rId2"/>
+          <a:stretch>
+            <a:fillRect/>
+          </a:stretch>
+        </p:blipFill>
+        <p:spPr bwMode="auto">
+          <a:xfrm>
+            <a:off x="838200" y="3225800"/>
+            <a:ext cx="5181600" cy="1003300"/>
+          </a:xfrm>
+          <a:prstGeom prst="rect">
+            <a:avLst/>
+          </a:prstGeom>
+          <a:noFill/>
+          <a:ln w="9525">
+            <a:noFill/>
+            <a:headEnd/>
+            <a:tailEnd/>
+          </a:ln>
+        </p:spPr>
+      </p:pic>
+      <p:sp>
+        <p:nvSpPr>
+          <p:cNvPr id="5" name="TextBox 3"/>
+          <p:cNvSpPr txBox="1"/>
+          <p:nvPr/>
+        </p:nvSpPr>
+        <p:spPr>
+          <a:xfrm>
+            <a:off x="838200" y="5651500"/>
+            <a:ext cx="5181600" cy="508000"/>
+          </a:xfrm>
+          <a:prstGeom prst="rect">
+            <a:avLst/>
+          </a:prstGeom>
+          <a:noFill/>
+        </p:spPr>
+        <p:txBody>
+          <a:bodyPr/>
+          <a:lstStyle/>
+          <a:p>
+            <a:pPr marL="0" lvl="0" indent="0" algn="ctr">
+              <a:buNone/>
+            </a:pPr>
+            <a:r>
+              <a:t>Vista. Linebase.2.Portal</a:t>
+            </a:r>
+          </a:p>
+        </p:txBody>
+      </p:sp>
+      <p:sp>
+        <p:nvSpPr>
+          <p:cNvPr id="4" name="Content Placeholder 3">
+            <a:extLst>
+              <a:ext uri="{FF2B5EF4-FFF2-40B4-BE49-F238E27FC236}">
+                <a16:creationId xmlns:a16="http://schemas.microsoft.com/office/drawing/2014/main" id="{C261DBA9-0B0C-4FAA-DEB6-7E988D31A3EC}"/>
+              </a:ext>
+            </a:extLst>
+          </p:cNvPr>
+          <p:cNvSpPr>
+            <a:spLocks noGrp="1"/>
+          </p:cNvSpPr>
+          <p:nvPr>
+            <p:ph sz="half" idx="2"/>
+          </p:nvPr>
+        </p:nvSpPr>
+        <p:spPr/>
+        <p:txBody>
+          <a:bodyPr>
+            <a:normAutofit fontScale="92500"/>
+          </a:bodyPr>
+          <a:lstStyle/>
+          <a:p>
+            <a:pPr marL="0" lvl="0" indent="0">
+              <a:spcBef>
+                <a:spcPts val="3000"/>
+              </a:spcBef>
+              <a:buNone/>
+            </a:pPr>
+            <a:r>
+              <a:rPr b="1" dirty="0" err="1"/>
+              <a:t>Representación</a:t>
+            </a:r>
+            <a:r>
+              <a:rPr b="1" dirty="0"/>
+              <a:t> de </a:t>
+            </a:r>
+            <a:r>
+              <a:rPr b="1" dirty="0" err="1"/>
+              <a:t>Arquitectura</a:t>
+            </a:r>
+            <a:endParaRPr b="1" dirty="0"/>
+          </a:p>
+          <a:p>
+            <a:pPr marL="0" lvl="0" indent="0">
+              <a:buNone/>
+            </a:pPr>
+            <a:r>
+              <a:rPr dirty="0"/>
+              <a:t>El portal es </a:t>
+            </a:r>
+            <a:r>
+              <a:rPr dirty="0" err="1"/>
+              <a:t>el</a:t>
+            </a:r>
+            <a:r>
+              <a:rPr dirty="0"/>
+              <a:t> conjunto de </a:t>
+            </a:r>
+            <a:r>
+              <a:rPr dirty="0" err="1"/>
+              <a:t>los</a:t>
+            </a:r>
+            <a:r>
+              <a:rPr dirty="0"/>
+              <a:t> </a:t>
+            </a:r>
+            <a:r>
+              <a:rPr dirty="0" err="1"/>
+              <a:t>elementos</a:t>
+            </a:r>
+            <a:r>
+              <a:rPr dirty="0"/>
+              <a:t> </a:t>
+            </a:r>
+            <a:r>
+              <a:rPr dirty="0" err="1"/>
+              <a:t>físicos</a:t>
+            </a:r>
+            <a:r>
+              <a:rPr dirty="0"/>
+              <a:t> y </a:t>
+            </a:r>
+            <a:r>
+              <a:rPr dirty="0" err="1"/>
+              <a:t>lógicos</a:t>
+            </a:r>
+            <a:r>
+              <a:rPr dirty="0"/>
+              <a:t> </a:t>
+            </a:r>
+            <a:r>
+              <a:rPr dirty="0" err="1"/>
+              <a:t>necesarios</a:t>
+            </a:r>
+            <a:r>
+              <a:rPr dirty="0"/>
+              <a:t> para la </a:t>
+            </a:r>
+            <a:r>
+              <a:rPr dirty="0" err="1"/>
+              <a:t>implementación</a:t>
+            </a:r>
+            <a:r>
+              <a:rPr dirty="0"/>
+              <a:t> de la </a:t>
+            </a:r>
+            <a:r>
+              <a:rPr dirty="0" err="1"/>
+              <a:t>granja</a:t>
+            </a:r>
+            <a:r>
+              <a:rPr dirty="0"/>
+              <a:t> de </a:t>
+            </a:r>
+            <a:r>
+              <a:rPr sz="2400" dirty="0" err="1"/>
+              <a:t>servidores</a:t>
+            </a:r>
+            <a:r>
+              <a:rPr dirty="0"/>
+              <a:t> de SharePoint Server 2019 para </a:t>
+            </a:r>
+            <a:r>
+              <a:rPr dirty="0" err="1"/>
+              <a:t>el</a:t>
+            </a:r>
+            <a:r>
+              <a:rPr dirty="0"/>
+              <a:t> portal de la PROCURADURIA.</a:t>
+            </a:r>
+          </a:p>
+          <a:p>
+            <a:pPr lvl="0"/>
+            <a:r>
+              <a:rPr dirty="0" err="1"/>
+              <a:t>Servidores</a:t>
+            </a:r>
+            <a:r>
+              <a:rPr dirty="0"/>
+              <a:t> Web Front End</a:t>
+            </a:r>
+          </a:p>
+          <a:p>
+            <a:pPr lvl="0"/>
+            <a:r>
+              <a:rPr dirty="0" err="1"/>
+              <a:t>Servidores</a:t>
+            </a:r>
+            <a:r>
+              <a:rPr dirty="0"/>
+              <a:t> de </a:t>
+            </a:r>
+            <a:r>
+              <a:rPr dirty="0" err="1"/>
+              <a:t>Aplicaciones</a:t>
+            </a:r>
+            <a:endParaRPr dirty="0"/>
+          </a:p>
+          <a:p>
+            <a:pPr lvl="0"/>
+            <a:r>
+              <a:rPr dirty="0" err="1"/>
+              <a:t>Servidores</a:t>
+            </a:r>
+            <a:r>
+              <a:rPr dirty="0"/>
+              <a:t> de SQL Server</a:t>
+            </a:r>
+          </a:p>
+        </p:txBody>
+      </p:sp>
+    </p:spTree>
+  </p:cSld>
+  <p:clrMapOvr>
+    <a:masterClrMapping/>
+  </p:clrMapOvr>
+</p:sld>
+</file>
+
+<file path=ppt/slides/slide6.xml><?xml version="1.0" encoding="utf-8"?>
+<p:sld xmlns:a="http://schemas.openxmlformats.org/drawingml/2006/main" xmlns:r="http://schemas.openxmlformats.org/officeDocument/2006/relationships" xmlns:p="http://schemas.openxmlformats.org/presentationml/2006/main">
+  <p:cSld>
+    <p:spTree>
+      <p:nvGrpSpPr>
+        <p:cNvPr id="1" name=""/>
+        <p:cNvGrpSpPr/>
+        <p:nvPr/>
+      </p:nvGrpSpPr>
+      <p:grpSpPr>
+        <a:xfrm>
+          <a:off x="0" y="0"/>
+          <a:ext cx="0" cy="0"/>
+          <a:chOff x="0" y="0"/>
+          <a:chExt cx="0" cy="0"/>
+        </a:xfrm>
+      </p:grpSpPr>
+      <p:sp>
+        <p:nvSpPr>
+          <p:cNvPr id="2" name="Title 1">
+            <a:extLst>
+              <a:ext uri="{FF2B5EF4-FFF2-40B4-BE49-F238E27FC236}">
+                <a16:creationId xmlns:a16="http://schemas.microsoft.com/office/drawing/2014/main" id="{031ABDF3-40B0-9FFD-785D-6EE24EA30E17}"/>
+              </a:ext>
+            </a:extLst>
+          </p:cNvPr>
+          <p:cNvSpPr>
+            <a:spLocks noGrp="1"/>
+          </p:cNvSpPr>
+          <p:nvPr>
+            <p:ph type="title"/>
+          </p:nvPr>
+        </p:nvSpPr>
+        <p:spPr/>
+        <p:txBody>
+          <a:bodyPr/>
+          <a:lstStyle/>
+          <a:p>
+            <a:pPr marL="0" lvl="0" indent="0">
+              <a:buNone/>
+            </a:pPr>
+            <a:r>
+              <a:t>Diagrama de Arquitectura de la Solución Propuesta</a:t>
+            </a:r>
+          </a:p>
+        </p:txBody>
+      </p:sp>
+      <p:pic>
+        <p:nvPicPr>
+          <p:cNvPr id="3" name="Picture 1" descr="fig:  images/Migracion.1a.b.SIUContextoMódulos.png"/>
           <p:cNvPicPr>
             <a:picLocks noGrp="1" noChangeAspect="1"/>
           </p:cNvPicPr>
@@ -5354,7 +9876,7 @@
       </p:pic>
       <p:sp>
         <p:nvSpPr>
-          <p:cNvPr id="1" name="TextBox 3"/>
+          <p:cNvPr id="5" name="TextBox 3"/>
           <p:cNvSpPr txBox="1"/>
           <p:nvPr/>
         </p:nvSpPr>
@@ -5372,11 +9894,10 @@
           <a:bodyPr/>
           <a:lstStyle/>
           <a:p>
-            <a:pPr lvl="0" indent="0" marL="0" algn="ctr">
+            <a:pPr marL="0" lvl="0" indent="0" algn="ctr">
               <a:buNone/>
             </a:pPr>
             <a:r>
-              <a:rPr/>
               <a:t>Vista. Migracion.1a.b.SUI Contexto Módulos</a:t>
             </a:r>
           </a:p>
@@ -5395,7 +9916,7 @@
             <a:spLocks noGrp="1"/>
           </p:cNvSpPr>
           <p:nvPr>
-            <p:ph idx="2" sz="half"/>
+            <p:ph sz="half" idx="2"/>
           </p:nvPr>
         </p:nvSpPr>
         <p:spPr/>
@@ -5403,7 +9924,7 @@
           <a:bodyPr/>
           <a:lstStyle/>
           <a:p>
-            <a:pPr lvl="0" indent="0" marL="0">
+            <a:pPr marL="0" lvl="0" indent="0">
               <a:spcBef>
                 <a:spcPts val="3000"/>
               </a:spcBef>
@@ -5415,11 +9936,10 @@
             </a:r>
           </a:p>
           <a:p>
-            <a:pPr lvl="0" indent="0" marL="0">
+            <a:pPr marL="0" lvl="0" indent="0">
               <a:buNone/>
             </a:pPr>
             <a:r>
-              <a:rPr/>
               <a:t>La vista presenta en contexto a los módulos SUI migrados e indica los modos de comunicación, sincrónica/asincrónica, que utilizan.</a:t>
             </a:r>
           </a:p>
@@ -5427,10 +9947,13 @@
       </p:sp>
     </p:spTree>
   </p:cSld>
+  <p:clrMapOvr>
+    <a:masterClrMapping/>
+  </p:clrMapOvr>
 </p:sld>
 </file>
 
-<file path=ppt/slides/slide5.xml><?xml version="1.0" encoding="utf-8"?>
+<file path=ppt/slides/slide7.xml><?xml version="1.0" encoding="utf-8"?>
 <p:sld xmlns:a="http://schemas.openxmlformats.org/drawingml/2006/main" xmlns:r="http://schemas.openxmlformats.org/officeDocument/2006/relationships" xmlns:p="http://schemas.openxmlformats.org/presentationml/2006/main">
   <p:cSld>
     <p:spTree>
@@ -5468,11 +9991,10 @@
           <a:bodyPr/>
           <a:lstStyle/>
           <a:p>
-            <a:pPr lvl="0" indent="0" marL="0">
+            <a:pPr marL="0" lvl="0" indent="0">
               <a:buNone/>
             </a:pPr>
             <a:r>
-              <a:rPr/>
               <a:t>Diagrama de Arquitectura de la Solución Propuesta</a:t>
             </a:r>
           </a:p>
@@ -5480,7 +10002,7 @@
       </p:sp>
       <p:pic>
         <p:nvPicPr>
-          <p:cNvPr descr="fig:  images/Lineabase.0.SIUAplicación.Física.png" id="0" name="Picture 1"/>
+          <p:cNvPr id="3" name="Picture 1" descr="fig:  images/Lineabase.0.SIUAplicación.Física.png"/>
           <p:cNvPicPr>
             <a:picLocks noGrp="1" noChangeAspect="1"/>
           </p:cNvPicPr>
@@ -5510,7 +10032,7 @@
       </p:pic>
       <p:sp>
         <p:nvSpPr>
-          <p:cNvPr id="1" name="TextBox 3"/>
+          <p:cNvPr id="5" name="TextBox 3"/>
           <p:cNvSpPr txBox="1"/>
           <p:nvPr/>
         </p:nvSpPr>
@@ -5528,11 +10050,10 @@
           <a:bodyPr/>
           <a:lstStyle/>
           <a:p>
-            <a:pPr lvl="0" indent="0" marL="0" algn="ctr">
+            <a:pPr marL="0" lvl="0" indent="0" algn="ctr">
               <a:buNone/>
             </a:pPr>
             <a:r>
-              <a:rPr/>
               <a:t>Vista. Lineabase.0.SUI Aplicación. Física</a:t>
             </a:r>
           </a:p>
@@ -5551,7 +10072,7 @@
             <a:spLocks noGrp="1"/>
           </p:cNvSpPr>
           <p:nvPr>
-            <p:ph idx="2" sz="half"/>
+            <p:ph sz="half" idx="2"/>
           </p:nvPr>
         </p:nvSpPr>
         <p:spPr/>
@@ -5559,7 +10080,7 @@
           <a:bodyPr/>
           <a:lstStyle/>
           <a:p>
-            <a:pPr lvl="0" indent="0" marL="0">
+            <a:pPr marL="0" lvl="0" indent="0">
               <a:spcBef>
                 <a:spcPts val="3000"/>
               </a:spcBef>
@@ -5571,11 +10092,10 @@
             </a:r>
           </a:p>
           <a:p>
-            <a:pPr lvl="0" indent="0" marL="0">
+            <a:pPr marL="0" lvl="0" indent="0">
               <a:buNone/>
             </a:pPr>
             <a:r>
-              <a:rPr/>
               <a:t>Elementos de infraestructura física (hardware) para la implementación Fase II (presente proyecto) del Sistema de Información Único, SUI de la PGN</a:t>
             </a:r>
           </a:p>
@@ -5583,10 +10103,13 @@
       </p:sp>
     </p:spTree>
   </p:cSld>
+  <p:clrMapOvr>
+    <a:masterClrMapping/>
+  </p:clrMapOvr>
 </p:sld>
 </file>
 
-<file path=ppt/slides/slide6.xml><?xml version="1.0" encoding="utf-8"?>
+<file path=ppt/slides/slide8.xml><?xml version="1.0" encoding="utf-8"?>
 <p:sld xmlns:a="http://schemas.openxmlformats.org/drawingml/2006/main" xmlns:r="http://schemas.openxmlformats.org/officeDocument/2006/relationships" xmlns:p="http://schemas.openxmlformats.org/presentationml/2006/main">
   <p:cSld>
     <p:spTree>
@@ -5624,11 +10147,10 @@
           <a:bodyPr/>
           <a:lstStyle/>
           <a:p>
-            <a:pPr lvl="0" indent="0" marL="0">
+            <a:pPr marL="0" lvl="0" indent="0">
               <a:buNone/>
             </a:pPr>
             <a:r>
-              <a:rPr/>
               <a:t>Diagrama de Arquitectura de la Solución Propuesta</a:t>
             </a:r>
           </a:p>
@@ -5636,7 +10158,7 @@
       </p:sp>
       <p:pic>
         <p:nvPicPr>
-          <p:cNvPr descr="fig:  images/Migracion.1a.a.SIUContextoMódulo.png" id="0" name="Picture 1"/>
+          <p:cNvPr id="3" name="Picture 1" descr="fig:  images/Migracion.1a.a.SIUContextoMódulo.png"/>
           <p:cNvPicPr>
             <a:picLocks noGrp="1" noChangeAspect="1"/>
           </p:cNvPicPr>
@@ -5666,7 +10188,7 @@
       </p:pic>
       <p:sp>
         <p:nvSpPr>
-          <p:cNvPr id="1" name="TextBox 3"/>
+          <p:cNvPr id="5" name="TextBox 3"/>
           <p:cNvSpPr txBox="1"/>
           <p:nvPr/>
         </p:nvSpPr>
@@ -5684,11 +10206,10 @@
           <a:bodyPr/>
           <a:lstStyle/>
           <a:p>
-            <a:pPr lvl="0" indent="0" marL="0" algn="ctr">
+            <a:pPr marL="0" lvl="0" indent="0" algn="ctr">
               <a:buNone/>
             </a:pPr>
             <a:r>
-              <a:rPr/>
               <a:t>Vista. Migracion.1a.a.SUI Contexto Módulo</a:t>
             </a:r>
           </a:p>
@@ -5707,7 +10228,7 @@
             <a:spLocks noGrp="1"/>
           </p:cNvSpPr>
           <p:nvPr>
-            <p:ph idx="2" sz="half"/>
+            <p:ph sz="half" idx="2"/>
           </p:nvPr>
         </p:nvSpPr>
         <p:spPr/>
@@ -5715,7 +10236,7 @@
           <a:bodyPr/>
           <a:lstStyle/>
           <a:p>
-            <a:pPr lvl="0" indent="0" marL="0">
+            <a:pPr marL="0" lvl="0" indent="0">
               <a:spcBef>
                 <a:spcPts val="3000"/>
               </a:spcBef>
@@ -5727,11 +10248,10 @@
             </a:r>
           </a:p>
           <a:p>
-            <a:pPr lvl="0" indent="0" marL="0">
+            <a:pPr marL="0" lvl="0" indent="0">
               <a:buNone/>
             </a:pPr>
             <a:r>
-              <a:rPr/>
               <a:t>Módulos y submódulos del Sistema Único de Información (SUI) de la PGN. Todos los sistemas de información del SUI separan a los componentes misionales de los utilitarios.</a:t>
             </a:r>
           </a:p>
@@ -5739,10 +10259,13 @@
       </p:sp>
     </p:spTree>
   </p:cSld>
+  <p:clrMapOvr>
+    <a:masterClrMapping/>
+  </p:clrMapOvr>
 </p:sld>
 </file>
 
-<file path=ppt/slides/slide7.xml><?xml version="1.0" encoding="utf-8"?>
+<file path=ppt/slides/slide9.xml><?xml version="1.0" encoding="utf-8"?>
 <p:sld xmlns:a="http://schemas.openxmlformats.org/drawingml/2006/main" xmlns:r="http://schemas.openxmlformats.org/officeDocument/2006/relationships" xmlns:p="http://schemas.openxmlformats.org/presentationml/2006/main">
   <p:cSld>
     <p:spTree>
@@ -5780,11 +10303,10 @@
           <a:bodyPr/>
           <a:lstStyle/>
           <a:p>
-            <a:pPr lvl="0" indent="0" marL="0">
+            <a:pPr marL="0" lvl="0" indent="0">
               <a:buNone/>
             </a:pPr>
             <a:r>
-              <a:rPr/>
               <a:t>Diagrama de Arquitectura de la Solución Propuesta</a:t>
             </a:r>
           </a:p>
@@ -5792,7 +10314,7 @@
       </p:sp>
       <p:pic>
         <p:nvPicPr>
-          <p:cNvPr descr="fig:  images/Migracion.1c.SIUMódulosColaboración.png" id="0" name="Picture 1"/>
+          <p:cNvPr id="3" name="Picture 1" descr="fig:  images/Migracion.1c.SIUMódulosColaboración.png"/>
           <p:cNvPicPr>
             <a:picLocks noGrp="1" noChangeAspect="1"/>
           </p:cNvPicPr>
@@ -5822,7 +10344,7 @@
       </p:pic>
       <p:sp>
         <p:nvSpPr>
-          <p:cNvPr id="1" name="TextBox 3"/>
+          <p:cNvPr id="5" name="TextBox 3"/>
           <p:cNvSpPr txBox="1"/>
           <p:nvPr/>
         </p:nvSpPr>
@@ -5840,11 +10362,10 @@
           <a:bodyPr/>
           <a:lstStyle/>
           <a:p>
-            <a:pPr lvl="0" indent="0" marL="0" algn="ctr">
+            <a:pPr marL="0" lvl="0" indent="0" algn="ctr">
               <a:buNone/>
             </a:pPr>
             <a:r>
-              <a:rPr/>
               <a:t>Vista. Migracion.1c.SUI Módulos Colaboración</a:t>
             </a:r>
           </a:p>
@@ -5863,7 +10384,7 @@
             <a:spLocks noGrp="1"/>
           </p:cNvSpPr>
           <p:nvPr>
-            <p:ph idx="2" sz="half"/>
+            <p:ph sz="half" idx="2"/>
           </p:nvPr>
         </p:nvSpPr>
         <p:spPr/>
@@ -5871,7 +10392,7 @@
           <a:bodyPr/>
           <a:lstStyle/>
           <a:p>
-            <a:pPr lvl="0" indent="0" marL="0">
+            <a:pPr marL="0" lvl="0" indent="0">
               <a:spcBef>
                 <a:spcPts val="3000"/>
               </a:spcBef>
@@ -5883,11 +10404,10 @@
             </a:r>
           </a:p>
           <a:p>
-            <a:pPr lvl="0" indent="0" marL="0">
+            <a:pPr marL="0" lvl="0" indent="0">
               <a:buNone/>
             </a:pPr>
             <a:r>
-              <a:rPr/>
               <a:t>Colaboración y comunicación de los componentes internos del SUI mediada por interfaces provistas por el grupo de componentes misionales, PGN SUI: mantener reducido y controlado el número de interfaces.</a:t>
             </a:r>
           </a:p>
@@ -5895,339 +10415,9 @@
       </p:sp>
     </p:spTree>
   </p:cSld>
-</p:sld>
-</file>
-
-<file path=ppt/slides/slide8.xml><?xml version="1.0" encoding="utf-8"?>
-<p:sld xmlns:a="http://schemas.openxmlformats.org/drawingml/2006/main" xmlns:r="http://schemas.openxmlformats.org/officeDocument/2006/relationships" xmlns:p="http://schemas.openxmlformats.org/presentationml/2006/main">
-  <p:cSld>
-    <p:spTree>
-      <p:nvGrpSpPr>
-        <p:cNvPr id="1" name=""/>
-        <p:cNvGrpSpPr/>
-        <p:nvPr/>
-      </p:nvGrpSpPr>
-      <p:grpSpPr>
-        <a:xfrm>
-          <a:off x="0" y="0"/>
-          <a:ext cx="0" cy="0"/>
-          <a:chOff x="0" y="0"/>
-          <a:chExt cx="0" cy="0"/>
-        </a:xfrm>
-      </p:grpSpPr>
-      <p:sp>
-        <p:nvSpPr>
-          <p:cNvPr id="2" name="Title 1">
-            <a:extLst>
-              <a:ext uri="{FF2B5EF4-FFF2-40B4-BE49-F238E27FC236}">
-                <a16:creationId xmlns:a16="http://schemas.microsoft.com/office/drawing/2014/main" id="{031ABDF3-40B0-9FFD-785D-6EE24EA30E17}"/>
-              </a:ext>
-            </a:extLst>
-          </p:cNvPr>
-          <p:cNvSpPr>
-            <a:spLocks noGrp="1"/>
-          </p:cNvSpPr>
-          <p:nvPr>
-            <p:ph type="title"/>
-          </p:nvPr>
-        </p:nvSpPr>
-        <p:spPr/>
-        <p:txBody>
-          <a:bodyPr/>
-          <a:lstStyle/>
-          <a:p>
-            <a:pPr lvl="0" indent="0" marL="0">
-              <a:buNone/>
-            </a:pPr>
-            <a:r>
-              <a:rPr/>
-              <a:t>Diagrama de Arquitectura de la Solución Propuesta</a:t>
-            </a:r>
-          </a:p>
-        </p:txBody>
-      </p:sp>
-      <p:pic>
-        <p:nvPicPr>
-          <p:cNvPr descr="fig:  images/Seguridad.2.Lineabase.0.SIUAplicación.png" id="0" name="Picture 1"/>
-          <p:cNvPicPr>
-            <a:picLocks noGrp="1" noChangeAspect="1"/>
-          </p:cNvPicPr>
-          <p:nvPr/>
-        </p:nvPicPr>
-        <p:blipFill>
-          <a:blip r:embed="rId2"/>
-          <a:stretch>
-            <a:fillRect/>
-          </a:stretch>
-        </p:blipFill>
-        <p:spPr bwMode="auto">
-          <a:xfrm>
-            <a:off x="838200" y="1866900"/>
-            <a:ext cx="5181600" cy="3733800"/>
-          </a:xfrm>
-          <a:prstGeom prst="rect">
-            <a:avLst/>
-          </a:prstGeom>
-          <a:noFill/>
-          <a:ln w="9525">
-            <a:noFill/>
-            <a:headEnd/>
-            <a:tailEnd/>
-          </a:ln>
-        </p:spPr>
-      </p:pic>
-      <p:sp>
-        <p:nvSpPr>
-          <p:cNvPr id="1" name="TextBox 3"/>
-          <p:cNvSpPr txBox="1"/>
-          <p:nvPr/>
-        </p:nvSpPr>
-        <p:spPr>
-          <a:xfrm>
-            <a:off x="838200" y="5651500"/>
-            <a:ext cx="5181600" cy="508000"/>
-          </a:xfrm>
-          <a:prstGeom prst="rect">
-            <a:avLst/>
-          </a:prstGeom>
-          <a:noFill/>
-        </p:spPr>
-        <p:txBody>
-          <a:bodyPr/>
-          <a:lstStyle/>
-          <a:p>
-            <a:pPr lvl="0" indent="0" marL="0" algn="ctr">
-              <a:buNone/>
-            </a:pPr>
-            <a:r>
-              <a:rPr/>
-              <a:t>Vista. Seguridad.2. Lineabase.0.SUI Aplicación</a:t>
-            </a:r>
-          </a:p>
-        </p:txBody>
-      </p:sp>
-      <p:sp>
-        <p:nvSpPr>
-          <p:cNvPr id="4" name="Content Placeholder 3">
-            <a:extLst>
-              <a:ext uri="{FF2B5EF4-FFF2-40B4-BE49-F238E27FC236}">
-                <a16:creationId xmlns:a16="http://schemas.microsoft.com/office/drawing/2014/main" id="{C261DBA9-0B0C-4FAA-DEB6-7E988D31A3EC}"/>
-              </a:ext>
-            </a:extLst>
-          </p:cNvPr>
-          <p:cNvSpPr>
-            <a:spLocks noGrp="1"/>
-          </p:cNvSpPr>
-          <p:nvPr>
-            <p:ph idx="2" sz="half"/>
-          </p:nvPr>
-        </p:nvSpPr>
-        <p:spPr/>
-        <p:txBody>
-          <a:bodyPr/>
-          <a:lstStyle/>
-          <a:p>
-            <a:pPr lvl="0" indent="0" marL="0">
-              <a:spcBef>
-                <a:spcPts val="3000"/>
-              </a:spcBef>
-              <a:buNone/>
-            </a:pPr>
-            <a:r>
-              <a:rPr b="1"/>
-              <a:t>Gestión de Autenticación Usuarios y Roles</a:t>
-            </a:r>
-          </a:p>
-          <a:p>
-            <a:pPr lvl="0" indent="0" marL="0">
-              <a:buNone/>
-            </a:pPr>
-            <a:r>
-              <a:rPr/>
-              <a:t>Métodos de Seguridad del SUI Migrado</a:t>
-            </a:r>
-          </a:p>
-          <a:p>
-            <a:pPr lvl="0"/>
-            <a:r>
-              <a:rPr/>
-              <a:t>Control de acceso y autorización basado en roles (RBAC)</a:t>
-            </a:r>
-          </a:p>
-          <a:p>
-            <a:pPr lvl="0"/>
-            <a:r>
-              <a:rPr/>
-              <a:t>Gestión de identidades</a:t>
-            </a:r>
-          </a:p>
-          <a:p>
-            <a:pPr lvl="0"/>
-            <a:r>
-              <a:rPr/>
-              <a:t>Aprovisionamiento de Cuentas</a:t>
-            </a:r>
-          </a:p>
-        </p:txBody>
-      </p:sp>
-    </p:spTree>
-  </p:cSld>
-</p:sld>
-</file>
-
-<file path=ppt/slides/slide9.xml><?xml version="1.0" encoding="utf-8"?>
-<p:sld xmlns:a="http://schemas.openxmlformats.org/drawingml/2006/main" xmlns:r="http://schemas.openxmlformats.org/officeDocument/2006/relationships" xmlns:p="http://schemas.openxmlformats.org/presentationml/2006/main">
-  <p:cSld>
-    <p:spTree>
-      <p:nvGrpSpPr>
-        <p:cNvPr id="1" name=""/>
-        <p:cNvGrpSpPr/>
-        <p:nvPr/>
-      </p:nvGrpSpPr>
-      <p:grpSpPr>
-        <a:xfrm>
-          <a:off x="0" y="0"/>
-          <a:ext cx="0" cy="0"/>
-          <a:chOff x="0" y="0"/>
-          <a:chExt cx="0" cy="0"/>
-        </a:xfrm>
-      </p:grpSpPr>
-      <p:sp>
-        <p:nvSpPr>
-          <p:cNvPr id="2" name="Title 1">
-            <a:extLst>
-              <a:ext uri="{FF2B5EF4-FFF2-40B4-BE49-F238E27FC236}">
-                <a16:creationId xmlns:a16="http://schemas.microsoft.com/office/drawing/2014/main" id="{031ABDF3-40B0-9FFD-785D-6EE24EA30E17}"/>
-              </a:ext>
-            </a:extLst>
-          </p:cNvPr>
-          <p:cNvSpPr>
-            <a:spLocks noGrp="1"/>
-          </p:cNvSpPr>
-          <p:nvPr>
-            <p:ph type="title"/>
-          </p:nvPr>
-        </p:nvSpPr>
-        <p:spPr/>
-        <p:txBody>
-          <a:bodyPr/>
-          <a:lstStyle/>
-          <a:p>
-            <a:pPr lvl="0" indent="0" marL="0">
-              <a:buNone/>
-            </a:pPr>
-            <a:r>
-              <a:rPr/>
-              <a:t>Diagrama de Clases y Componentes de Solución (a)</a:t>
-            </a:r>
-          </a:p>
-        </p:txBody>
-      </p:sp>
-      <p:pic>
-        <p:nvPicPr>
-          <p:cNvPr descr="fig:  images/Migracion.1b.1.SIUMódulosComponentes.png" id="0" name="Picture 1"/>
-          <p:cNvPicPr>
-            <a:picLocks noGrp="1" noChangeAspect="1"/>
-          </p:cNvPicPr>
-          <p:nvPr/>
-        </p:nvPicPr>
-        <p:blipFill>
-          <a:blip r:embed="rId2"/>
-          <a:stretch>
-            <a:fillRect/>
-          </a:stretch>
-        </p:blipFill>
-        <p:spPr bwMode="auto">
-          <a:xfrm>
-            <a:off x="838200" y="1892300"/>
-            <a:ext cx="5181600" cy="3670300"/>
-          </a:xfrm>
-          <a:prstGeom prst="rect">
-            <a:avLst/>
-          </a:prstGeom>
-          <a:noFill/>
-          <a:ln w="9525">
-            <a:noFill/>
-            <a:headEnd/>
-            <a:tailEnd/>
-          </a:ln>
-        </p:spPr>
-      </p:pic>
-      <p:sp>
-        <p:nvSpPr>
-          <p:cNvPr id="1" name="TextBox 3"/>
-          <p:cNvSpPr txBox="1"/>
-          <p:nvPr/>
-        </p:nvSpPr>
-        <p:spPr>
-          <a:xfrm>
-            <a:off x="838200" y="5651500"/>
-            <a:ext cx="5181600" cy="508000"/>
-          </a:xfrm>
-          <a:prstGeom prst="rect">
-            <a:avLst/>
-          </a:prstGeom>
-          <a:noFill/>
-        </p:spPr>
-        <p:txBody>
-          <a:bodyPr/>
-          <a:lstStyle/>
-          <a:p>
-            <a:pPr lvl="0" indent="0" marL="0" algn="ctr">
-              <a:buNone/>
-            </a:pPr>
-            <a:r>
-              <a:rPr/>
-              <a:t>Vista. Migracion.1b.1. SUI Módulos Componentes</a:t>
-            </a:r>
-          </a:p>
-        </p:txBody>
-      </p:sp>
-      <p:sp>
-        <p:nvSpPr>
-          <p:cNvPr id="4" name="Content Placeholder 3">
-            <a:extLst>
-              <a:ext uri="{FF2B5EF4-FFF2-40B4-BE49-F238E27FC236}">
-                <a16:creationId xmlns:a16="http://schemas.microsoft.com/office/drawing/2014/main" id="{C261DBA9-0B0C-4FAA-DEB6-7E988D31A3EC}"/>
-              </a:ext>
-            </a:extLst>
-          </p:cNvPr>
-          <p:cNvSpPr>
-            <a:spLocks noGrp="1"/>
-          </p:cNvSpPr>
-          <p:nvPr>
-            <p:ph idx="2" sz="half"/>
-          </p:nvPr>
-        </p:nvSpPr>
-        <p:spPr/>
-        <p:txBody>
-          <a:bodyPr/>
-          <a:lstStyle/>
-          <a:p>
-            <a:pPr lvl="0" indent="0" marL="0">
-              <a:spcBef>
-                <a:spcPts val="3000"/>
-              </a:spcBef>
-              <a:buNone/>
-            </a:pPr>
-            <a:r>
-              <a:rPr b="1"/>
-              <a:t>SUI Componentes de Módulos</a:t>
-            </a:r>
-          </a:p>
-          <a:p>
-            <a:pPr lvl="0" indent="0" marL="0">
-              <a:buNone/>
-            </a:pPr>
-            <a:r>
-              <a:rPr/>
-              <a:t>Componentes internos de los submódulos del sistema único de información migrado, SUI de PGN. Organización interna de los servicios y paquetes que integran cada submódulo del SUI. Todos los sistemas de información del SUI siguen esta directiva: estarán constituidos por submódulos dispuestos en relación de utilitarios (que sirven) a los componentes misionales del SUI, ubicados en el centro en el diagrama.</a:t>
-            </a:r>
-          </a:p>
-        </p:txBody>
-      </p:sp>
-    </p:spTree>
-  </p:cSld>
+  <p:clrMapOvr>
+    <a:masterClrMapping/>
+  </p:clrMapOvr>
 </p:sld>
 </file>
 
@@ -6524,265 +10714,4 @@
     </a:ext>
   </a:extLst>
 </a:theme>
-</file>
-
-<file path=ppt/theme/theme2.xml><?xml version="1.0" encoding="utf-8"?>
-<a:theme xmlns:a="http://schemas.openxmlformats.org/drawingml/2006/main" name="Office Theme">
-  <a:themeElements>
-    <a:clrScheme name="Office">
-      <a:dk1>
-        <a:sysClr val="windowText" lastClr="000000"/>
-      </a:dk1>
-      <a:lt1>
-        <a:sysClr val="window" lastClr="FFFFFF"/>
-      </a:lt1>
-      <a:dk2>
-        <a:srgbClr val="44546A"/>
-      </a:dk2>
-      <a:lt2>
-        <a:srgbClr val="E7E6E6"/>
-      </a:lt2>
-      <a:accent1>
-        <a:srgbClr val="5B9BD5"/>
-      </a:accent1>
-      <a:accent2>
-        <a:srgbClr val="ED7D31"/>
-      </a:accent2>
-      <a:accent3>
-        <a:srgbClr val="A5A5A5"/>
-      </a:accent3>
-      <a:accent4>
-        <a:srgbClr val="FFC000"/>
-      </a:accent4>
-      <a:accent5>
-        <a:srgbClr val="4472C4"/>
-      </a:accent5>
-      <a:accent6>
-        <a:srgbClr val="70AD47"/>
-      </a:accent6>
-      <a:hlink>
-        <a:srgbClr val="0563C1"/>
-      </a:hlink>
-      <a:folHlink>
-        <a:srgbClr val="954F72"/>
-      </a:folHlink>
-    </a:clrScheme>
-    <a:fontScheme name="Office">
-      <a:majorFont>
-        <a:latin typeface="Calibri Light" panose="020F0302020204030204"/>
-        <a:ea typeface=""/>
-        <a:cs typeface=""/>
-        <a:font script="Jpan" typeface="ＭＳ Ｐゴシック"/>
-        <a:font script="Hang" typeface="맑은 고딕"/>
-        <a:font script="Hans" typeface="宋体"/>
-        <a:font script="Hant" typeface="新細明體"/>
-        <a:font script="Arab" typeface="Times New Roman"/>
-        <a:font script="Hebr" typeface="Times New Roman"/>
-        <a:font script="Thai" typeface="Angsana New"/>
-        <a:font script="Ethi" typeface="Nyala"/>
-        <a:font script="Beng" typeface="Vrinda"/>
-        <a:font script="Gujr" typeface="Shruti"/>
-        <a:font script="Khmr" typeface="MoolBoran"/>
-        <a:font script="Knda" typeface="Tunga"/>
-        <a:font script="Guru" typeface="Raavi"/>
-        <a:font script="Cans" typeface="Euphemia"/>
-        <a:font script="Cher" typeface="Plantagenet Cherokee"/>
-        <a:font script="Yiii" typeface="Microsoft Yi Baiti"/>
-        <a:font script="Tibt" typeface="Microsoft Himalaya"/>
-        <a:font script="Thaa" typeface="MV Boli"/>
-        <a:font script="Deva" typeface="Mangal"/>
-        <a:font script="Telu" typeface="Gautami"/>
-        <a:font script="Taml" typeface="Latha"/>
-        <a:font script="Syrc" typeface="Estrangelo Edessa"/>
-        <a:font script="Orya" typeface="Kalinga"/>
-        <a:font script="Mlym" typeface="Kartika"/>
-        <a:font script="Laoo" typeface="DokChampa"/>
-        <a:font script="Sinh" typeface="Iskoola Pota"/>
-        <a:font script="Mong" typeface="Mongolian Baiti"/>
-        <a:font script="Viet" typeface="Times New Roman"/>
-        <a:font script="Uigh" typeface="Microsoft Uighur"/>
-        <a:font script="Geor" typeface="Sylfaen"/>
-      </a:majorFont>
-      <a:minorFont>
-        <a:latin typeface="Calibri" panose="020F0502020204030204"/>
-        <a:ea typeface=""/>
-        <a:cs typeface=""/>
-        <a:font script="Jpan" typeface="ＭＳ Ｐゴシック"/>
-        <a:font script="Hang" typeface="맑은 고딕"/>
-        <a:font script="Hans" typeface="宋体"/>
-        <a:font script="Hant" typeface="新細明體"/>
-        <a:font script="Arab" typeface="Arial"/>
-        <a:font script="Hebr" typeface="Arial"/>
-        <a:font script="Thai" typeface="Cordia New"/>
-        <a:font script="Ethi" typeface="Nyala"/>
-        <a:font script="Beng" typeface="Vrinda"/>
-        <a:font script="Gujr" typeface="Shruti"/>
-        <a:font script="Khmr" typeface="DaunPenh"/>
-        <a:font script="Knda" typeface="Tunga"/>
-        <a:font script="Guru" typeface="Raavi"/>
-        <a:font script="Cans" typeface="Euphemia"/>
-        <a:font script="Cher" typeface="Plantagenet Cherokee"/>
-        <a:font script="Yiii" typeface="Microsoft Yi Baiti"/>
-        <a:font script="Tibt" typeface="Microsoft Himalaya"/>
-        <a:font script="Thaa" typeface="MV Boli"/>
-        <a:font script="Deva" typeface="Mangal"/>
-        <a:font script="Telu" typeface="Gautami"/>
-        <a:font script="Taml" typeface="Latha"/>
-        <a:font script="Syrc" typeface="Estrangelo Edessa"/>
-        <a:font script="Orya" typeface="Kalinga"/>
-        <a:font script="Mlym" typeface="Kartika"/>
-        <a:font script="Laoo" typeface="DokChampa"/>
-        <a:font script="Sinh" typeface="Iskoola Pota"/>
-        <a:font script="Mong" typeface="Mongolian Baiti"/>
-        <a:font script="Viet" typeface="Arial"/>
-        <a:font script="Uigh" typeface="Microsoft Uighur"/>
-        <a:font script="Geor" typeface="Sylfaen"/>
-      </a:minorFont>
-    </a:fontScheme>
-    <a:fmtScheme name="Office">
-      <a:fillStyleLst>
-        <a:solidFill>
-          <a:schemeClr val="phClr"/>
-        </a:solidFill>
-        <a:gradFill rotWithShape="1">
-          <a:gsLst>
-            <a:gs pos="0">
-              <a:schemeClr val="phClr">
-                <a:lumMod val="110000"/>
-                <a:satMod val="105000"/>
-                <a:tint val="67000"/>
-              </a:schemeClr>
-            </a:gs>
-            <a:gs pos="50000">
-              <a:schemeClr val="phClr">
-                <a:lumMod val="105000"/>
-                <a:satMod val="103000"/>
-                <a:tint val="73000"/>
-              </a:schemeClr>
-            </a:gs>
-            <a:gs pos="100000">
-              <a:schemeClr val="phClr">
-                <a:lumMod val="105000"/>
-                <a:satMod val="109000"/>
-                <a:tint val="81000"/>
-              </a:schemeClr>
-            </a:gs>
-          </a:gsLst>
-          <a:lin ang="5400000" scaled="0"/>
-        </a:gradFill>
-        <a:gradFill rotWithShape="1">
-          <a:gsLst>
-            <a:gs pos="0">
-              <a:schemeClr val="phClr">
-                <a:satMod val="103000"/>
-                <a:lumMod val="102000"/>
-                <a:tint val="94000"/>
-              </a:schemeClr>
-            </a:gs>
-            <a:gs pos="50000">
-              <a:schemeClr val="phClr">
-                <a:satMod val="110000"/>
-                <a:lumMod val="100000"/>
-                <a:shade val="100000"/>
-              </a:schemeClr>
-            </a:gs>
-            <a:gs pos="100000">
-              <a:schemeClr val="phClr">
-                <a:lumMod val="99000"/>
-                <a:satMod val="120000"/>
-                <a:shade val="78000"/>
-              </a:schemeClr>
-            </a:gs>
-          </a:gsLst>
-          <a:lin ang="5400000" scaled="0"/>
-        </a:gradFill>
-      </a:fillStyleLst>
-      <a:lnStyleLst>
-        <a:ln w="6350" cap="flat" cmpd="sng" algn="ctr">
-          <a:solidFill>
-            <a:schemeClr val="phClr"/>
-          </a:solidFill>
-          <a:prstDash val="solid"/>
-          <a:miter lim="800000"/>
-        </a:ln>
-        <a:ln w="12700" cap="flat" cmpd="sng" algn="ctr">
-          <a:solidFill>
-            <a:schemeClr val="phClr"/>
-          </a:solidFill>
-          <a:prstDash val="solid"/>
-          <a:miter lim="800000"/>
-        </a:ln>
-        <a:ln w="19050" cap="flat" cmpd="sng" algn="ctr">
-          <a:solidFill>
-            <a:schemeClr val="phClr"/>
-          </a:solidFill>
-          <a:prstDash val="solid"/>
-          <a:miter lim="800000"/>
-        </a:ln>
-      </a:lnStyleLst>
-      <a:effectStyleLst>
-        <a:effectStyle>
-          <a:effectLst/>
-        </a:effectStyle>
-        <a:effectStyle>
-          <a:effectLst/>
-        </a:effectStyle>
-        <a:effectStyle>
-          <a:effectLst>
-            <a:outerShdw blurRad="57150" dist="19050" dir="5400000" algn="ctr" rotWithShape="0">
-              <a:srgbClr val="000000">
-                <a:alpha val="63000"/>
-              </a:srgbClr>
-            </a:outerShdw>
-          </a:effectLst>
-        </a:effectStyle>
-      </a:effectStyleLst>
-      <a:bgFillStyleLst>
-        <a:solidFill>
-          <a:schemeClr val="phClr"/>
-        </a:solidFill>
-        <a:solidFill>
-          <a:schemeClr val="phClr">
-            <a:tint val="95000"/>
-            <a:satMod val="170000"/>
-          </a:schemeClr>
-        </a:solidFill>
-        <a:gradFill rotWithShape="1">
-          <a:gsLst>
-            <a:gs pos="0">
-              <a:schemeClr val="phClr">
-                <a:tint val="93000"/>
-                <a:satMod val="150000"/>
-                <a:shade val="98000"/>
-                <a:lumMod val="102000"/>
-              </a:schemeClr>
-            </a:gs>
-            <a:gs pos="50000">
-              <a:schemeClr val="phClr">
-                <a:tint val="98000"/>
-                <a:satMod val="130000"/>
-                <a:shade val="90000"/>
-                <a:lumMod val="103000"/>
-              </a:schemeClr>
-            </a:gs>
-            <a:gs pos="100000">
-              <a:schemeClr val="phClr">
-                <a:shade val="63000"/>
-                <a:satMod val="120000"/>
-              </a:schemeClr>
-            </a:gs>
-          </a:gsLst>
-          <a:lin ang="5400000" scaled="0"/>
-        </a:gradFill>
-      </a:bgFillStyleLst>
-    </a:fmtScheme>
-  </a:themeElements>
-  <a:objectDefaults/>
-  <a:extraClrSchemeLst/>
-  <a:extLst>
-    <a:ext uri="{05A4C25C-085E-4340-85A3-A5531E510DB2}">
-      <thm15:themeFamily xmlns:thm15="http://schemas.microsoft.com/office/thememl/2012/main" name="Office Theme" id="{62F939B6-93AF-4DB8-9C6B-D6C7DFDC589F}" vid="{4A3C46E8-61CC-4603-A589-7422A47A8E4A}"/>
-    </a:ext>
-  </a:extLst>
-</a:theme>
 </file>
--- a/content/pptxoutpt.pptx
+++ b/content/pptxoutpt.pptx
@@ -1,6 +1,6 @@
 
 <file path=ppt/presentation.xml><?xml version="1.0" encoding="utf-8"?>
-<p:presentation xmlns:a="http://schemas.openxmlformats.org/drawingml/2006/main" xmlns:p="http://schemas.openxmlformats.org/presentationml/2006/main" xmlns:r="http://schemas.openxmlformats.org/officeDocument/2006/relationships" autoCompressPictures="0" saveSubsetFonts="1">
+<p:presentation xmlns:a="http://schemas.openxmlformats.org/drawingml/2006/main" xmlns:r="http://schemas.openxmlformats.org/officeDocument/2006/relationships" xmlns:p="http://schemas.openxmlformats.org/presentationml/2006/main" saveSubsetFonts="1" autoCompressPictures="0">
   <p:sldMasterIdLst>
     <p:sldMasterId id="2147483648" r:id="rId1"/>
   </p:sldMasterIdLst>
@@ -29,8 +29,8 @@
     <a:defPPr>
       <a:defRPr lang="en-US"/>
     </a:defPPr>
-    <a:lvl1pPr algn="l" defTabSz="914400" eaLnBrk="1" hangingPunct="1" latinLnBrk="0" marL="0" rtl="0">
-      <a:defRPr kern="1200" sz="1800">
+    <a:lvl1pPr marL="0" algn="l" defTabSz="914400" rtl="0" eaLnBrk="1" latinLnBrk="0" hangingPunct="1">
+      <a:defRPr sz="1800" kern="1200">
         <a:solidFill>
           <a:schemeClr val="tx1"/>
         </a:solidFill>
@@ -39,8 +39,8 @@
         <a:cs typeface="+mn-cs"/>
       </a:defRPr>
     </a:lvl1pPr>
-    <a:lvl2pPr algn="l" defTabSz="914400" eaLnBrk="1" hangingPunct="1" latinLnBrk="0" marL="457200" rtl="0">
-      <a:defRPr kern="1200" sz="1800">
+    <a:lvl2pPr marL="457200" algn="l" defTabSz="914400" rtl="0" eaLnBrk="1" latinLnBrk="0" hangingPunct="1">
+      <a:defRPr sz="1800" kern="1200">
         <a:solidFill>
           <a:schemeClr val="tx1"/>
         </a:solidFill>
@@ -49,8 +49,8 @@
         <a:cs typeface="+mn-cs"/>
       </a:defRPr>
     </a:lvl2pPr>
-    <a:lvl3pPr algn="l" defTabSz="914400" eaLnBrk="1" hangingPunct="1" latinLnBrk="0" marL="914400" rtl="0">
-      <a:defRPr kern="1200" sz="1800">
+    <a:lvl3pPr marL="914400" algn="l" defTabSz="914400" rtl="0" eaLnBrk="1" latinLnBrk="0" hangingPunct="1">
+      <a:defRPr sz="1800" kern="1200">
         <a:solidFill>
           <a:schemeClr val="tx1"/>
         </a:solidFill>
@@ -59,8 +59,8 @@
         <a:cs typeface="+mn-cs"/>
       </a:defRPr>
     </a:lvl3pPr>
-    <a:lvl4pPr algn="l" defTabSz="914400" eaLnBrk="1" hangingPunct="1" latinLnBrk="0" marL="1371600" rtl="0">
-      <a:defRPr kern="1200" sz="1800">
+    <a:lvl4pPr marL="1371600" algn="l" defTabSz="914400" rtl="0" eaLnBrk="1" latinLnBrk="0" hangingPunct="1">
+      <a:defRPr sz="1800" kern="1200">
         <a:solidFill>
           <a:schemeClr val="tx1"/>
         </a:solidFill>
@@ -69,8 +69,8 @@
         <a:cs typeface="+mn-cs"/>
       </a:defRPr>
     </a:lvl4pPr>
-    <a:lvl5pPr algn="l" defTabSz="914400" eaLnBrk="1" hangingPunct="1" latinLnBrk="0" marL="1828800" rtl="0">
-      <a:defRPr kern="1200" sz="1800">
+    <a:lvl5pPr marL="1828800" algn="l" defTabSz="914400" rtl="0" eaLnBrk="1" latinLnBrk="0" hangingPunct="1">
+      <a:defRPr sz="1800" kern="1200">
         <a:solidFill>
           <a:schemeClr val="tx1"/>
         </a:solidFill>
@@ -79,8 +79,8 @@
         <a:cs typeface="+mn-cs"/>
       </a:defRPr>
     </a:lvl5pPr>
-    <a:lvl6pPr algn="l" defTabSz="914400" eaLnBrk="1" hangingPunct="1" latinLnBrk="0" marL="2286000" rtl="0">
-      <a:defRPr kern="1200" sz="1800">
+    <a:lvl6pPr marL="2286000" algn="l" defTabSz="914400" rtl="0" eaLnBrk="1" latinLnBrk="0" hangingPunct="1">
+      <a:defRPr sz="1800" kern="1200">
         <a:solidFill>
           <a:schemeClr val="tx1"/>
         </a:solidFill>
@@ -89,8 +89,8 @@
         <a:cs typeface="+mn-cs"/>
       </a:defRPr>
     </a:lvl6pPr>
-    <a:lvl7pPr algn="l" defTabSz="914400" eaLnBrk="1" hangingPunct="1" latinLnBrk="0" marL="2743200" rtl="0">
-      <a:defRPr kern="1200" sz="1800">
+    <a:lvl7pPr marL="2743200" algn="l" defTabSz="914400" rtl="0" eaLnBrk="1" latinLnBrk="0" hangingPunct="1">
+      <a:defRPr sz="1800" kern="1200">
         <a:solidFill>
           <a:schemeClr val="tx1"/>
         </a:solidFill>
@@ -99,8 +99,8 @@
         <a:cs typeface="+mn-cs"/>
       </a:defRPr>
     </a:lvl7pPr>
-    <a:lvl8pPr algn="l" defTabSz="914400" eaLnBrk="1" hangingPunct="1" latinLnBrk="0" marL="3200400" rtl="0">
-      <a:defRPr kern="1200" sz="1800">
+    <a:lvl8pPr marL="3200400" algn="l" defTabSz="914400" rtl="0" eaLnBrk="1" latinLnBrk="0" hangingPunct="1">
+      <a:defRPr sz="1800" kern="1200">
         <a:solidFill>
           <a:schemeClr val="tx1"/>
         </a:solidFill>
@@ -109,8 +109,8 @@
         <a:cs typeface="+mn-cs"/>
       </a:defRPr>
     </a:lvl8pPr>
-    <a:lvl9pPr algn="l" defTabSz="914400" eaLnBrk="1" hangingPunct="1" latinLnBrk="0" marL="3657600" rtl="0">
-      <a:defRPr kern="1200" sz="1800">
+    <a:lvl9pPr marL="3657600" algn="l" defTabSz="914400" rtl="0" eaLnBrk="1" latinLnBrk="0" hangingPunct="1">
+      <a:defRPr sz="1800" kern="1200">
         <a:solidFill>
           <a:schemeClr val="tx1"/>
         </a:solidFill>
@@ -935,34 +935,36 @@
         </p:nvSpPr>
         <p:spPr/>
         <p:txBody>
-          <a:bodyPr/>
+          <a:bodyPr>
+            <a:normAutofit/>
+          </a:bodyPr>
           <a:lstStyle>
             <a:lvl1pPr>
-              <a:defRPr b="0" i="0">
+              <a:defRPr sz="2000" b="0" i="0">
                 <a:latin typeface="Arial" panose="020B0604020202020204" pitchFamily="34" charset="0"/>
                 <a:cs typeface="Arial" panose="020B0604020202020204" pitchFamily="34" charset="0"/>
               </a:defRPr>
             </a:lvl1pPr>
             <a:lvl2pPr>
-              <a:defRPr b="0" i="0">
+              <a:defRPr sz="1800" b="0" i="0">
                 <a:latin typeface="Arial" panose="020B0604020202020204" pitchFamily="34" charset="0"/>
                 <a:cs typeface="Arial" panose="020B0604020202020204" pitchFamily="34" charset="0"/>
               </a:defRPr>
             </a:lvl2pPr>
             <a:lvl3pPr>
-              <a:defRPr b="0" i="0">
+              <a:defRPr sz="1600" b="0" i="0">
                 <a:latin typeface="Arial" panose="020B0604020202020204" pitchFamily="34" charset="0"/>
                 <a:cs typeface="Arial" panose="020B0604020202020204" pitchFamily="34" charset="0"/>
               </a:defRPr>
             </a:lvl3pPr>
             <a:lvl4pPr>
-              <a:defRPr b="0" i="0">
+              <a:defRPr sz="1400" b="0" i="0">
                 <a:latin typeface="Arial" panose="020B0604020202020204" pitchFamily="34" charset="0"/>
                 <a:cs typeface="Arial" panose="020B0604020202020204" pitchFamily="34" charset="0"/>
               </a:defRPr>
             </a:lvl4pPr>
             <a:lvl5pPr>
-              <a:defRPr b="0" i="0">
+              <a:defRPr sz="1400" b="0" i="0">
                 <a:latin typeface="Arial" panose="020B0604020202020204" pitchFamily="34" charset="0"/>
                 <a:cs typeface="Arial" panose="020B0604020202020204" pitchFamily="34" charset="0"/>
               </a:defRPr>
@@ -1507,34 +1509,36 @@
           </a:xfrm>
         </p:spPr>
         <p:txBody>
-          <a:bodyPr/>
+          <a:bodyPr>
+            <a:normAutofit/>
+          </a:bodyPr>
           <a:lstStyle>
             <a:lvl1pPr>
-              <a:defRPr b="0" i="0">
+              <a:defRPr sz="2000" b="0" i="0">
                 <a:latin typeface="Arial" panose="020B0604020202020204" pitchFamily="34" charset="0"/>
                 <a:cs typeface="Arial" panose="020B0604020202020204" pitchFamily="34" charset="0"/>
               </a:defRPr>
             </a:lvl1pPr>
             <a:lvl2pPr>
-              <a:defRPr b="0" i="0">
+              <a:defRPr sz="1800" b="0" i="0">
                 <a:latin typeface="Arial" panose="020B0604020202020204" pitchFamily="34" charset="0"/>
                 <a:cs typeface="Arial" panose="020B0604020202020204" pitchFamily="34" charset="0"/>
               </a:defRPr>
             </a:lvl2pPr>
             <a:lvl3pPr>
-              <a:defRPr b="0" i="0">
+              <a:defRPr sz="1600" b="0" i="0">
                 <a:latin typeface="Arial" panose="020B0604020202020204" pitchFamily="34" charset="0"/>
                 <a:cs typeface="Arial" panose="020B0604020202020204" pitchFamily="34" charset="0"/>
               </a:defRPr>
             </a:lvl3pPr>
             <a:lvl4pPr>
-              <a:defRPr b="0" i="0">
+              <a:defRPr sz="1400" b="0" i="0">
                 <a:latin typeface="Arial" panose="020B0604020202020204" pitchFamily="34" charset="0"/>
                 <a:cs typeface="Arial" panose="020B0604020202020204" pitchFamily="34" charset="0"/>
               </a:defRPr>
             </a:lvl4pPr>
             <a:lvl5pPr>
-              <a:defRPr b="0" i="0">
+              <a:defRPr sz="1400" b="0" i="0">
                 <a:latin typeface="Arial" panose="020B0604020202020204" pitchFamily="34" charset="0"/>
                 <a:cs typeface="Arial" panose="020B0604020202020204" pitchFamily="34" charset="0"/>
               </a:defRPr>
@@ -1601,34 +1605,36 @@
           </a:xfrm>
         </p:spPr>
         <p:txBody>
-          <a:bodyPr/>
+          <a:bodyPr>
+            <a:normAutofit/>
+          </a:bodyPr>
           <a:lstStyle>
             <a:lvl1pPr>
-              <a:defRPr b="0" i="0">
+              <a:defRPr sz="2000" b="0" i="0">
                 <a:latin typeface="Arial" panose="020B0604020202020204" pitchFamily="34" charset="0"/>
                 <a:cs typeface="Arial" panose="020B0604020202020204" pitchFamily="34" charset="0"/>
               </a:defRPr>
             </a:lvl1pPr>
             <a:lvl2pPr>
-              <a:defRPr b="0" i="0">
+              <a:defRPr sz="1800" b="0" i="0">
                 <a:latin typeface="Arial" panose="020B0604020202020204" pitchFamily="34" charset="0"/>
                 <a:cs typeface="Arial" panose="020B0604020202020204" pitchFamily="34" charset="0"/>
               </a:defRPr>
             </a:lvl2pPr>
             <a:lvl3pPr>
-              <a:defRPr b="0" i="0">
+              <a:defRPr sz="1600" b="0" i="0">
                 <a:latin typeface="Arial" panose="020B0604020202020204" pitchFamily="34" charset="0"/>
                 <a:cs typeface="Arial" panose="020B0604020202020204" pitchFamily="34" charset="0"/>
               </a:defRPr>
             </a:lvl3pPr>
             <a:lvl4pPr>
-              <a:defRPr b="0" i="0">
+              <a:defRPr sz="1400" b="0" i="0">
                 <a:latin typeface="Arial" panose="020B0604020202020204" pitchFamily="34" charset="0"/>
                 <a:cs typeface="Arial" panose="020B0604020202020204" pitchFamily="34" charset="0"/>
               </a:defRPr>
             </a:lvl4pPr>
             <a:lvl5pPr>
-              <a:defRPr b="0" i="0">
+              <a:defRPr sz="1400" b="0" i="0">
                 <a:latin typeface="Arial" panose="020B0604020202020204" pitchFamily="34" charset="0"/>
                 <a:cs typeface="Arial" panose="020B0604020202020204" pitchFamily="34" charset="0"/>
               </a:defRPr>
@@ -1955,34 +1961,36 @@
           </a:xfrm>
         </p:spPr>
         <p:txBody>
-          <a:bodyPr/>
+          <a:bodyPr>
+            <a:normAutofit/>
+          </a:bodyPr>
           <a:lstStyle>
             <a:lvl1pPr>
-              <a:defRPr>
+              <a:defRPr sz="2000">
                 <a:latin typeface="Arial" panose="020B0604020202020204" pitchFamily="34" charset="0"/>
                 <a:cs typeface="Arial" panose="020B0604020202020204" pitchFamily="34" charset="0"/>
               </a:defRPr>
             </a:lvl1pPr>
             <a:lvl2pPr>
-              <a:defRPr>
+              <a:defRPr sz="1800">
                 <a:latin typeface="Arial" panose="020B0604020202020204" pitchFamily="34" charset="0"/>
                 <a:cs typeface="Arial" panose="020B0604020202020204" pitchFamily="34" charset="0"/>
               </a:defRPr>
             </a:lvl2pPr>
             <a:lvl3pPr>
-              <a:defRPr>
+              <a:defRPr sz="1600">
                 <a:latin typeface="Arial" panose="020B0604020202020204" pitchFamily="34" charset="0"/>
                 <a:cs typeface="Arial" panose="020B0604020202020204" pitchFamily="34" charset="0"/>
               </a:defRPr>
             </a:lvl3pPr>
             <a:lvl4pPr>
-              <a:defRPr>
+              <a:defRPr sz="1400">
                 <a:latin typeface="Arial" panose="020B0604020202020204" pitchFamily="34" charset="0"/>
                 <a:cs typeface="Arial" panose="020B0604020202020204" pitchFamily="34" charset="0"/>
               </a:defRPr>
             </a:lvl4pPr>
             <a:lvl5pPr>
-              <a:defRPr>
+              <a:defRPr sz="1400">
                 <a:latin typeface="Arial" panose="020B0604020202020204" pitchFamily="34" charset="0"/>
                 <a:cs typeface="Arial" panose="020B0604020202020204" pitchFamily="34" charset="0"/>
               </a:defRPr>
@@ -2123,34 +2131,36 @@
           </a:xfrm>
         </p:spPr>
         <p:txBody>
-          <a:bodyPr/>
+          <a:bodyPr>
+            <a:normAutofit/>
+          </a:bodyPr>
           <a:lstStyle>
             <a:lvl1pPr>
-              <a:defRPr>
+              <a:defRPr sz="2000">
                 <a:latin typeface="Arial" panose="020B0604020202020204" pitchFamily="34" charset="0"/>
                 <a:cs typeface="Arial" panose="020B0604020202020204" pitchFamily="34" charset="0"/>
               </a:defRPr>
             </a:lvl1pPr>
             <a:lvl2pPr>
-              <a:defRPr>
+              <a:defRPr sz="1800">
                 <a:latin typeface="Arial" panose="020B0604020202020204" pitchFamily="34" charset="0"/>
                 <a:cs typeface="Arial" panose="020B0604020202020204" pitchFamily="34" charset="0"/>
               </a:defRPr>
             </a:lvl2pPr>
             <a:lvl3pPr>
-              <a:defRPr>
+              <a:defRPr sz="1600">
                 <a:latin typeface="Arial" panose="020B0604020202020204" pitchFamily="34" charset="0"/>
                 <a:cs typeface="Arial" panose="020B0604020202020204" pitchFamily="34" charset="0"/>
               </a:defRPr>
             </a:lvl3pPr>
             <a:lvl4pPr>
-              <a:defRPr>
+              <a:defRPr sz="1400">
                 <a:latin typeface="Arial" panose="020B0604020202020204" pitchFamily="34" charset="0"/>
                 <a:cs typeface="Arial" panose="020B0604020202020204" pitchFamily="34" charset="0"/>
               </a:defRPr>
             </a:lvl4pPr>
             <a:lvl5pPr>
-              <a:defRPr>
+              <a:defRPr sz="1400">
                 <a:latin typeface="Arial" panose="020B0604020202020204" pitchFamily="34" charset="0"/>
                 <a:cs typeface="Arial" panose="020B0604020202020204" pitchFamily="34" charset="0"/>
               </a:defRPr>
@@ -2749,7 +2759,7 @@
               </a:defRPr>
             </a:lvl1pPr>
             <a:lvl2pPr>
-              <a:defRPr sz="2800">
+              <a:defRPr sz="2000">
                 <a:latin typeface="Arial" panose="020B0604020202020204" pitchFamily="34" charset="0"/>
                 <a:cs typeface="Arial" panose="020B0604020202020204" pitchFamily="34" charset="0"/>
               </a:defRPr>
@@ -3283,7 +3293,7 @@
 </file>
 
 <file path=ppt/slideMasters/slideMaster1.xml><?xml version="1.0" encoding="utf-8"?>
-<p:sldMaster xmlns:a="http://schemas.openxmlformats.org/drawingml/2006/main" xmlns:p="http://schemas.openxmlformats.org/presentationml/2006/main" xmlns:r="http://schemas.openxmlformats.org/officeDocument/2006/relationships">
+<p:sldMaster xmlns:a="http://schemas.openxmlformats.org/drawingml/2006/main" xmlns:r="http://schemas.openxmlformats.org/officeDocument/2006/relationships" xmlns:p="http://schemas.openxmlformats.org/presentationml/2006/main">
   <p:cSld>
     <p:bg>
       <p:bgRef idx="1001">
@@ -3330,16 +3340,16 @@
           </a:prstGeom>
         </p:spPr>
         <p:txBody>
-          <a:bodyPr anchor="ctr" bIns="45720" lIns="91440" rIns="91440" rtlCol="0" tIns="45720" vert="horz">
+          <a:bodyPr vert="horz" lIns="91440" tIns="45720" rIns="91440" bIns="45720" rtlCol="0" anchor="ctr">
             <a:noAutofit/>
           </a:bodyPr>
           <a:lstStyle/>
           <a:p>
             <a:r>
-              <a:rPr dirty="0" lang="en-US"/>
+              <a:rPr lang="en-US" dirty="0"/>
               <a:t>Click to edit Master title style</a:t>
             </a:r>
-            <a:endParaRPr dirty="0" lang="es-ES_tradnl"/>
+            <a:endParaRPr lang="es-ES_tradnl" dirty="0"/>
           </a:p>
         </p:txBody>
       </p:sp>
@@ -3356,7 +3366,7 @@
             <a:spLocks noGrp="1"/>
           </p:cNvSpPr>
           <p:nvPr>
-            <p:ph idx="1" type="body"/>
+            <p:ph type="body" idx="1"/>
           </p:nvPr>
         </p:nvSpPr>
         <p:spPr>
@@ -3369,7 +3379,7 @@
           </a:prstGeom>
         </p:spPr>
         <p:txBody>
-          <a:bodyPr bIns="45720" lIns="91440" rIns="91440" rtlCol="0" tIns="45720" vert="horz">
+          <a:bodyPr vert="horz" lIns="91440" tIns="45720" rIns="91440" bIns="45720" rtlCol="0">
             <a:normAutofit/>
           </a:bodyPr>
           <a:lstStyle/>
@@ -3424,7 +3434,7 @@
             <a:spLocks noGrp="1"/>
           </p:cNvSpPr>
           <p:nvPr>
-            <p:ph idx="2" sz="half" type="dt"/>
+            <p:ph type="dt" sz="half" idx="2"/>
           </p:nvPr>
         </p:nvSpPr>
         <p:spPr>
@@ -3437,7 +3447,7 @@
           </a:prstGeom>
         </p:spPr>
         <p:txBody>
-          <a:bodyPr anchor="ctr" bIns="45720" lIns="91440" rIns="91440" rtlCol="0" tIns="45720" vert="horz"/>
+          <a:bodyPr vert="horz" lIns="91440" tIns="45720" rIns="91440" bIns="45720" rtlCol="0" anchor="ctr"/>
           <a:lstStyle>
             <a:lvl1pPr algn="l">
               <a:defRPr sz="1200">
@@ -3471,7 +3481,7 @@
             <a:spLocks noGrp="1"/>
           </p:cNvSpPr>
           <p:nvPr>
-            <p:ph idx="3" sz="quarter" type="ftr"/>
+            <p:ph type="ftr" sz="quarter" idx="3"/>
           </p:nvPr>
         </p:nvSpPr>
         <p:spPr>
@@ -3484,7 +3494,7 @@
           </a:prstGeom>
         </p:spPr>
         <p:txBody>
-          <a:bodyPr anchor="ctr" bIns="45720" lIns="91440" rIns="91440" rtlCol="0" tIns="45720" vert="horz"/>
+          <a:bodyPr vert="horz" lIns="91440" tIns="45720" rIns="91440" bIns="45720" rtlCol="0" anchor="ctr"/>
           <a:lstStyle>
             <a:lvl1pPr algn="ctr">
               <a:defRPr sz="1200">
@@ -3514,7 +3524,7 @@
             <a:spLocks noGrp="1"/>
           </p:cNvSpPr>
           <p:nvPr>
-            <p:ph idx="4" sz="quarter" type="sldNum"/>
+            <p:ph type="sldNum" sz="quarter" idx="4"/>
           </p:nvPr>
         </p:nvSpPr>
         <p:spPr>
@@ -3527,7 +3537,7 @@
           </a:prstGeom>
         </p:spPr>
         <p:txBody>
-          <a:bodyPr anchor="ctr" bIns="45720" lIns="91440" rIns="91440" rtlCol="0" tIns="45720" vert="horz"/>
+          <a:bodyPr vert="horz" lIns="91440" tIns="45720" rIns="91440" bIns="45720" rtlCol="0" anchor="ctr"/>
           <a:lstStyle>
             <a:lvl1pPr algn="r">
               <a:defRPr sz="1200">
@@ -3550,7 +3560,7 @@
       </p:sp>
       <p:pic>
         <p:nvPicPr>
-          <p:cNvPr descr="Imagen que contiene Logotipo  Descripción generada automáticamente" id="8" name="Imagen 2">
+          <p:cNvPr id="8" name="Imagen 2" descr="Imagen que contiene Logotipo  Descripción generada automáticamente">
             <a:extLst>
               <a:ext uri="{FF2B5EF4-FFF2-40B4-BE49-F238E27FC236}">
                 <a16:creationId xmlns:a16="http://schemas.microsoft.com/office/drawing/2014/main" id="{8ABF1EFF-BEA6-E82B-E081-A04EED7D1735}"/>
@@ -3585,7 +3595,7 @@
       </p:ext>
     </p:extLst>
   </p:cSld>
-  <p:clrMap accent1="accent1" accent2="accent2" accent3="accent3" accent4="accent4" accent5="accent5" accent6="accent6" bg1="lt1" bg2="lt2" folHlink="folHlink" hlink="hlink" tx1="dk1" tx2="dk2"/>
+  <p:clrMap bg1="lt1" tx1="dk1" bg2="lt2" tx2="dk2" accent1="accent1" accent2="accent2" accent3="accent3" accent4="accent4" accent5="accent5" accent6="accent6" hlink="hlink" folHlink="folHlink"/>
   <p:sldLayoutIdLst>
     <p:sldLayoutId id="2147483649" r:id="rId1"/>
     <p:sldLayoutId id="2147483650" r:id="rId2"/>
@@ -3601,7 +3611,7 @@
   </p:sldLayoutIdLst>
   <p:txStyles>
     <p:titleStyle>
-      <a:lvl1pPr algn="l" defTabSz="914400" eaLnBrk="1" hangingPunct="1" latinLnBrk="0" rtl="0">
+      <a:lvl1pPr algn="l" defTabSz="914400" rtl="0" eaLnBrk="1" latinLnBrk="0" hangingPunct="1">
         <a:lnSpc>
           <a:spcPct val="90000"/>
         </a:lnSpc>
@@ -3609,27 +3619,27 @@
           <a:spcPct val="0"/>
         </a:spcBef>
         <a:buNone/>
-        <a:defRPr kern="1200" sz="3600">
+        <a:defRPr sz="3600" kern="1200">
           <a:solidFill>
             <a:schemeClr val="tx1"/>
           </a:solidFill>
-          <a:latin charset="77" panose="020F0704030504030204" pitchFamily="34" typeface="Arial Rounded MT Bold"/>
+          <a:latin typeface="Arial Rounded MT Bold" panose="020F0704030504030204" pitchFamily="34" charset="77"/>
           <a:ea typeface="+mj-ea"/>
           <a:cs typeface="+mj-cs"/>
         </a:defRPr>
       </a:lvl1pPr>
     </p:titleStyle>
     <p:bodyStyle>
-      <a:lvl1pPr algn="l" defTabSz="914400" eaLnBrk="1" hangingPunct="1" indent="-228600" latinLnBrk="0" marL="228600" rtl="0">
+      <a:lvl1pPr marL="228600" indent="-228600" algn="l" defTabSz="914400" rtl="0" eaLnBrk="1" latinLnBrk="0" hangingPunct="1">
         <a:lnSpc>
           <a:spcPct val="90000"/>
         </a:lnSpc>
         <a:spcBef>
           <a:spcPts val="1000"/>
         </a:spcBef>
-        <a:buFont charset="0" panose="020B0604020202020204" pitchFamily="34" typeface="Arial"/>
+        <a:buFont typeface="Arial" panose="020B0604020202020204" pitchFamily="34" charset="0"/>
         <a:buChar char="•"/>
-        <a:defRPr kern="1200" sz="2800">
+        <a:defRPr sz="2800" kern="1200">
           <a:solidFill>
             <a:schemeClr val="tx1"/>
           </a:solidFill>
@@ -3638,16 +3648,16 @@
           <a:cs typeface="+mn-cs"/>
         </a:defRPr>
       </a:lvl1pPr>
-      <a:lvl2pPr algn="l" defTabSz="914400" eaLnBrk="1" hangingPunct="1" indent="-228600" latinLnBrk="0" marL="685800" rtl="0">
+      <a:lvl2pPr marL="685800" indent="-228600" algn="l" defTabSz="914400" rtl="0" eaLnBrk="1" latinLnBrk="0" hangingPunct="1">
         <a:lnSpc>
           <a:spcPct val="90000"/>
         </a:lnSpc>
         <a:spcBef>
           <a:spcPts val="500"/>
         </a:spcBef>
-        <a:buFont charset="0" panose="020B0604020202020204" pitchFamily="34" typeface="Arial"/>
+        <a:buFont typeface="Arial" panose="020B0604020202020204" pitchFamily="34" charset="0"/>
         <a:buChar char="•"/>
-        <a:defRPr kern="1200" sz="2400">
+        <a:defRPr sz="2400" kern="1200">
           <a:solidFill>
             <a:schemeClr val="tx1"/>
           </a:solidFill>
@@ -3656,16 +3666,16 @@
           <a:cs typeface="+mn-cs"/>
         </a:defRPr>
       </a:lvl2pPr>
-      <a:lvl3pPr algn="l" defTabSz="914400" eaLnBrk="1" hangingPunct="1" indent="-228600" latinLnBrk="0" marL="1143000" rtl="0">
+      <a:lvl3pPr marL="1143000" indent="-228600" algn="l" defTabSz="914400" rtl="0" eaLnBrk="1" latinLnBrk="0" hangingPunct="1">
         <a:lnSpc>
           <a:spcPct val="90000"/>
         </a:lnSpc>
         <a:spcBef>
           <a:spcPts val="500"/>
         </a:spcBef>
-        <a:buFont charset="0" panose="020B0604020202020204" pitchFamily="34" typeface="Arial"/>
+        <a:buFont typeface="Arial" panose="020B0604020202020204" pitchFamily="34" charset="0"/>
         <a:buChar char="•"/>
-        <a:defRPr kern="1200" sz="2000">
+        <a:defRPr sz="2000" kern="1200">
           <a:solidFill>
             <a:schemeClr val="tx1"/>
           </a:solidFill>
@@ -3674,16 +3684,16 @@
           <a:cs typeface="+mn-cs"/>
         </a:defRPr>
       </a:lvl3pPr>
-      <a:lvl4pPr algn="l" defTabSz="914400" eaLnBrk="1" hangingPunct="1" indent="-228600" latinLnBrk="0" marL="1600200" rtl="0">
+      <a:lvl4pPr marL="1600200" indent="-228600" algn="l" defTabSz="914400" rtl="0" eaLnBrk="1" latinLnBrk="0" hangingPunct="1">
         <a:lnSpc>
           <a:spcPct val="90000"/>
         </a:lnSpc>
         <a:spcBef>
           <a:spcPts val="500"/>
         </a:spcBef>
-        <a:buFont charset="0" panose="020B0604020202020204" pitchFamily="34" typeface="Arial"/>
+        <a:buFont typeface="Arial" panose="020B0604020202020204" pitchFamily="34" charset="0"/>
         <a:buChar char="•"/>
-        <a:defRPr kern="1200" sz="1800">
+        <a:defRPr sz="1800" kern="1200">
           <a:solidFill>
             <a:schemeClr val="tx1"/>
           </a:solidFill>
@@ -3692,16 +3702,16 @@
           <a:cs typeface="+mn-cs"/>
         </a:defRPr>
       </a:lvl4pPr>
-      <a:lvl5pPr algn="l" defTabSz="914400" eaLnBrk="1" hangingPunct="1" indent="-228600" latinLnBrk="0" marL="2057400" rtl="0">
+      <a:lvl5pPr marL="2057400" indent="-228600" algn="l" defTabSz="914400" rtl="0" eaLnBrk="1" latinLnBrk="0" hangingPunct="1">
         <a:lnSpc>
           <a:spcPct val="90000"/>
         </a:lnSpc>
         <a:spcBef>
           <a:spcPts val="500"/>
         </a:spcBef>
-        <a:buFont charset="0" panose="020B0604020202020204" pitchFamily="34" typeface="Arial"/>
+        <a:buFont typeface="Arial" panose="020B0604020202020204" pitchFamily="34" charset="0"/>
         <a:buChar char="•"/>
-        <a:defRPr kern="1200" sz="1800">
+        <a:defRPr sz="1800" kern="1200">
           <a:solidFill>
             <a:schemeClr val="tx1"/>
           </a:solidFill>
@@ -3710,16 +3720,16 @@
           <a:cs typeface="+mn-cs"/>
         </a:defRPr>
       </a:lvl5pPr>
-      <a:lvl6pPr algn="l" defTabSz="914400" eaLnBrk="1" hangingPunct="1" indent="-228600" latinLnBrk="0" marL="2514600" rtl="0">
+      <a:lvl6pPr marL="2514600" indent="-228600" algn="l" defTabSz="914400" rtl="0" eaLnBrk="1" latinLnBrk="0" hangingPunct="1">
         <a:lnSpc>
           <a:spcPct val="90000"/>
         </a:lnSpc>
         <a:spcBef>
           <a:spcPts val="500"/>
         </a:spcBef>
-        <a:buFont charset="0" panose="020B0604020202020204" pitchFamily="34" typeface="Arial"/>
+        <a:buFont typeface="Arial" panose="020B0604020202020204" pitchFamily="34" charset="0"/>
         <a:buChar char="•"/>
-        <a:defRPr kern="1200" sz="1800">
+        <a:defRPr sz="1800" kern="1200">
           <a:solidFill>
             <a:schemeClr val="tx1"/>
           </a:solidFill>
@@ -3728,16 +3738,16 @@
           <a:cs typeface="+mn-cs"/>
         </a:defRPr>
       </a:lvl6pPr>
-      <a:lvl7pPr algn="l" defTabSz="914400" eaLnBrk="1" hangingPunct="1" indent="-228600" latinLnBrk="0" marL="2971800" rtl="0">
+      <a:lvl7pPr marL="2971800" indent="-228600" algn="l" defTabSz="914400" rtl="0" eaLnBrk="1" latinLnBrk="0" hangingPunct="1">
         <a:lnSpc>
           <a:spcPct val="90000"/>
         </a:lnSpc>
         <a:spcBef>
           <a:spcPts val="500"/>
         </a:spcBef>
-        <a:buFont charset="0" panose="020B0604020202020204" pitchFamily="34" typeface="Arial"/>
+        <a:buFont typeface="Arial" panose="020B0604020202020204" pitchFamily="34" charset="0"/>
         <a:buChar char="•"/>
-        <a:defRPr kern="1200" sz="1800">
+        <a:defRPr sz="1800" kern="1200">
           <a:solidFill>
             <a:schemeClr val="tx1"/>
           </a:solidFill>
@@ -3746,16 +3756,16 @@
           <a:cs typeface="+mn-cs"/>
         </a:defRPr>
       </a:lvl7pPr>
-      <a:lvl8pPr algn="l" defTabSz="914400" eaLnBrk="1" hangingPunct="1" indent="-228600" latinLnBrk="0" marL="3429000" rtl="0">
+      <a:lvl8pPr marL="3429000" indent="-228600" algn="l" defTabSz="914400" rtl="0" eaLnBrk="1" latinLnBrk="0" hangingPunct="1">
         <a:lnSpc>
           <a:spcPct val="90000"/>
         </a:lnSpc>
         <a:spcBef>
           <a:spcPts val="500"/>
         </a:spcBef>
-        <a:buFont charset="0" panose="020B0604020202020204" pitchFamily="34" typeface="Arial"/>
+        <a:buFont typeface="Arial" panose="020B0604020202020204" pitchFamily="34" charset="0"/>
         <a:buChar char="•"/>
-        <a:defRPr kern="1200" sz="1800">
+        <a:defRPr sz="1800" kern="1200">
           <a:solidFill>
             <a:schemeClr val="tx1"/>
           </a:solidFill>
@@ -3764,16 +3774,16 @@
           <a:cs typeface="+mn-cs"/>
         </a:defRPr>
       </a:lvl8pPr>
-      <a:lvl9pPr algn="l" defTabSz="914400" eaLnBrk="1" hangingPunct="1" indent="-228600" latinLnBrk="0" marL="3886200" rtl="0">
+      <a:lvl9pPr marL="3886200" indent="-228600" algn="l" defTabSz="914400" rtl="0" eaLnBrk="1" latinLnBrk="0" hangingPunct="1">
         <a:lnSpc>
           <a:spcPct val="90000"/>
         </a:lnSpc>
         <a:spcBef>
           <a:spcPts val="500"/>
         </a:spcBef>
-        <a:buFont charset="0" panose="020B0604020202020204" pitchFamily="34" typeface="Arial"/>
+        <a:buFont typeface="Arial" panose="020B0604020202020204" pitchFamily="34" charset="0"/>
         <a:buChar char="•"/>
-        <a:defRPr kern="1200" sz="1800">
+        <a:defRPr sz="1800" kern="1200">
           <a:solidFill>
             <a:schemeClr val="tx1"/>
           </a:solidFill>
@@ -3787,8 +3797,8 @@
       <a:defPPr>
         <a:defRPr lang="en-US"/>
       </a:defPPr>
-      <a:lvl1pPr algn="l" defTabSz="914400" eaLnBrk="1" hangingPunct="1" latinLnBrk="0" marL="0" rtl="0">
-        <a:defRPr kern="1200" sz="1800">
+      <a:lvl1pPr marL="0" algn="l" defTabSz="914400" rtl="0" eaLnBrk="1" latinLnBrk="0" hangingPunct="1">
+        <a:defRPr sz="1800" kern="1200">
           <a:solidFill>
             <a:schemeClr val="tx1"/>
           </a:solidFill>
@@ -3797,8 +3807,8 @@
           <a:cs typeface="+mn-cs"/>
         </a:defRPr>
       </a:lvl1pPr>
-      <a:lvl2pPr algn="l" defTabSz="914400" eaLnBrk="1" hangingPunct="1" latinLnBrk="0" marL="457200" rtl="0">
-        <a:defRPr kern="1200" sz="1800">
+      <a:lvl2pPr marL="457200" algn="l" defTabSz="914400" rtl="0" eaLnBrk="1" latinLnBrk="0" hangingPunct="1">
+        <a:defRPr sz="1800" kern="1200">
           <a:solidFill>
             <a:schemeClr val="tx1"/>
           </a:solidFill>
@@ -3807,8 +3817,8 @@
           <a:cs typeface="+mn-cs"/>
         </a:defRPr>
       </a:lvl2pPr>
-      <a:lvl3pPr algn="l" defTabSz="914400" eaLnBrk="1" hangingPunct="1" latinLnBrk="0" marL="914400" rtl="0">
-        <a:defRPr kern="1200" sz="1800">
+      <a:lvl3pPr marL="914400" algn="l" defTabSz="914400" rtl="0" eaLnBrk="1" latinLnBrk="0" hangingPunct="1">
+        <a:defRPr sz="1800" kern="1200">
           <a:solidFill>
             <a:schemeClr val="tx1"/>
           </a:solidFill>
@@ -3817,8 +3827,8 @@
           <a:cs typeface="+mn-cs"/>
         </a:defRPr>
       </a:lvl3pPr>
-      <a:lvl4pPr algn="l" defTabSz="914400" eaLnBrk="1" hangingPunct="1" latinLnBrk="0" marL="1371600" rtl="0">
-        <a:defRPr kern="1200" sz="1800">
+      <a:lvl4pPr marL="1371600" algn="l" defTabSz="914400" rtl="0" eaLnBrk="1" latinLnBrk="0" hangingPunct="1">
+        <a:defRPr sz="1800" kern="1200">
           <a:solidFill>
             <a:schemeClr val="tx1"/>
           </a:solidFill>
@@ -3827,8 +3837,8 @@
           <a:cs typeface="+mn-cs"/>
         </a:defRPr>
       </a:lvl4pPr>
-      <a:lvl5pPr algn="l" defTabSz="914400" eaLnBrk="1" hangingPunct="1" latinLnBrk="0" marL="1828800" rtl="0">
-        <a:defRPr kern="1200" sz="1800">
+      <a:lvl5pPr marL="1828800" algn="l" defTabSz="914400" rtl="0" eaLnBrk="1" latinLnBrk="0" hangingPunct="1">
+        <a:defRPr sz="1800" kern="1200">
           <a:solidFill>
             <a:schemeClr val="tx1"/>
           </a:solidFill>
@@ -3837,8 +3847,8 @@
           <a:cs typeface="+mn-cs"/>
         </a:defRPr>
       </a:lvl5pPr>
-      <a:lvl6pPr algn="l" defTabSz="914400" eaLnBrk="1" hangingPunct="1" latinLnBrk="0" marL="2286000" rtl="0">
-        <a:defRPr kern="1200" sz="1800">
+      <a:lvl6pPr marL="2286000" algn="l" defTabSz="914400" rtl="0" eaLnBrk="1" latinLnBrk="0" hangingPunct="1">
+        <a:defRPr sz="1800" kern="1200">
           <a:solidFill>
             <a:schemeClr val="tx1"/>
           </a:solidFill>
@@ -3847,8 +3857,8 @@
           <a:cs typeface="+mn-cs"/>
         </a:defRPr>
       </a:lvl6pPr>
-      <a:lvl7pPr algn="l" defTabSz="914400" eaLnBrk="1" hangingPunct="1" latinLnBrk="0" marL="2743200" rtl="0">
-        <a:defRPr kern="1200" sz="1800">
+      <a:lvl7pPr marL="2743200" algn="l" defTabSz="914400" rtl="0" eaLnBrk="1" latinLnBrk="0" hangingPunct="1">
+        <a:defRPr sz="1800" kern="1200">
           <a:solidFill>
             <a:schemeClr val="tx1"/>
           </a:solidFill>
@@ -3857,8 +3867,8 @@
           <a:cs typeface="+mn-cs"/>
         </a:defRPr>
       </a:lvl7pPr>
-      <a:lvl8pPr algn="l" defTabSz="914400" eaLnBrk="1" hangingPunct="1" latinLnBrk="0" marL="3200400" rtl="0">
-        <a:defRPr kern="1200" sz="1800">
+      <a:lvl8pPr marL="3200400" algn="l" defTabSz="914400" rtl="0" eaLnBrk="1" latinLnBrk="0" hangingPunct="1">
+        <a:defRPr sz="1800" kern="1200">
           <a:solidFill>
             <a:schemeClr val="tx1"/>
           </a:solidFill>
@@ -3867,8 +3877,8 @@
           <a:cs typeface="+mn-cs"/>
         </a:defRPr>
       </a:lvl8pPr>
-      <a:lvl9pPr algn="l" defTabSz="914400" eaLnBrk="1" hangingPunct="1" latinLnBrk="0" marL="3657600" rtl="0">
-        <a:defRPr kern="1200" sz="1800">
+      <a:lvl9pPr marL="3657600" algn="l" defTabSz="914400" rtl="0" eaLnBrk="1" latinLnBrk="0" hangingPunct="1">
+        <a:defRPr sz="1800" kern="1200">
           <a:solidFill>
             <a:schemeClr val="tx1"/>
           </a:solidFill>
@@ -3925,11 +3935,10 @@
           <a:bodyPr/>
           <a:lstStyle/>
           <a:p>
-            <a:pPr lvl="0" indent="0" marL="0">
+            <a:pPr marL="0" lvl="0" indent="0">
               <a:buNone/>
             </a:pPr>
             <a:r>
-              <a:rPr/>
               <a:t>Declaración de Arquitectura Migración Funcional SUI, PGN, 2023</a:t>
             </a:r>
           </a:p>
@@ -3948,7 +3957,7 @@
             <a:spLocks noGrp="1"/>
           </p:cNvSpPr>
           <p:nvPr>
-            <p:ph idx="1" type="subTitle"/>
+            <p:ph type="subTitle" idx="1"/>
           </p:nvPr>
         </p:nvSpPr>
         <p:spPr>
@@ -3961,17 +3970,12 @@
           <a:bodyPr/>
           <a:lstStyle/>
           <a:p>
-            <a:pPr lvl="0" indent="0" marL="0">
+            <a:pPr marL="0" lvl="0" indent="0">
               <a:buNone/>
             </a:pPr>
-            <a:r>
-              <a:rPr/>
-              <a:t/>
-            </a:r>
             <a:br/>
             <a:br/>
             <a:r>
-              <a:rPr/>
               <a:t>Softgic - PGN</a:t>
             </a:r>
           </a:p>
@@ -3990,19 +3994,18 @@
             <a:spLocks noGrp="1"/>
           </p:cNvSpPr>
           <p:nvPr>
-            <p:ph idx="10" sz="half" type="dt"/>
-          </p:nvPr>
-        </p:nvSpPr>
-        <p:spPr/>
-        <p:txBody>
-          <a:bodyPr/>
-          <a:lstStyle/>
-          <a:p>
-            <a:pPr lvl="0" indent="0" marL="0">
+            <p:ph type="dt" sz="half" idx="10"/>
+          </p:nvPr>
+        </p:nvSpPr>
+        <p:spPr/>
+        <p:txBody>
+          <a:bodyPr/>
+          <a:lstStyle/>
+          <a:p>
+            <a:pPr marL="0" lvl="0" indent="0">
               <a:buNone/>
             </a:pPr>
             <a:r>
-              <a:rPr/>
               <a:t>Noviembre, 2023</a:t>
             </a:r>
           </a:p>
@@ -4010,6 +4013,9 @@
       </p:sp>
     </p:spTree>
   </p:cSld>
+  <p:clrMapOvr>
+    <a:masterClrMapping/>
+  </p:clrMapOvr>
 </p:sld>
 </file>
 
@@ -4051,11 +4057,10 @@
           <a:bodyPr/>
           <a:lstStyle/>
           <a:p>
-            <a:pPr lvl="0" indent="0" marL="0">
+            <a:pPr marL="0" lvl="0" indent="0">
               <a:buNone/>
             </a:pPr>
             <a:r>
-              <a:rPr/>
               <a:t>Diagrama de Clases y Componentes de Solución (a)</a:t>
             </a:r>
           </a:p>
@@ -4063,7 +4068,7 @@
       </p:sp>
       <p:pic>
         <p:nvPicPr>
-          <p:cNvPr descr="fig:  images/Migracion.1b.1.SIUMódulosComponentes.png" id="0" name="Picture 1"/>
+          <p:cNvPr id="3" name="Picture 1" descr="fig:  images/Migracion.1b.1.SIUMódulosComponentes.png"/>
           <p:cNvPicPr>
             <a:picLocks noGrp="1" noChangeAspect="1"/>
           </p:cNvPicPr>
@@ -4093,7 +4098,7 @@
       </p:pic>
       <p:sp>
         <p:nvSpPr>
-          <p:cNvPr id="1" name="TextBox 3"/>
+          <p:cNvPr id="5" name="TextBox 3"/>
           <p:cNvSpPr txBox="1"/>
           <p:nvPr/>
         </p:nvSpPr>
@@ -4111,11 +4116,10 @@
           <a:bodyPr/>
           <a:lstStyle/>
           <a:p>
-            <a:pPr lvl="0" indent="0" marL="0" algn="ctr">
+            <a:pPr marL="0" lvl="0" indent="0" algn="ctr">
               <a:buNone/>
             </a:pPr>
             <a:r>
-              <a:rPr/>
               <a:t>Vista. Migracion.1b.1. SUI Módulos Componentes</a:t>
             </a:r>
           </a:p>
@@ -4134,15 +4138,15 @@
             <a:spLocks noGrp="1"/>
           </p:cNvSpPr>
           <p:nvPr>
-            <p:ph idx="2" sz="half"/>
-          </p:nvPr>
-        </p:nvSpPr>
-        <p:spPr/>
-        <p:txBody>
-          <a:bodyPr/>
-          <a:lstStyle/>
-          <a:p>
-            <a:pPr lvl="0" indent="0" marL="0">
+            <p:ph sz="half" idx="2"/>
+          </p:nvPr>
+        </p:nvSpPr>
+        <p:spPr/>
+        <p:txBody>
+          <a:bodyPr/>
+          <a:lstStyle/>
+          <a:p>
+            <a:pPr marL="0" lvl="0" indent="0">
               <a:spcBef>
                 <a:spcPts val="3000"/>
               </a:spcBef>
@@ -4154,11 +4158,10 @@
             </a:r>
           </a:p>
           <a:p>
-            <a:pPr lvl="0" indent="0" marL="0">
+            <a:pPr marL="0" lvl="0" indent="0">
               <a:buNone/>
             </a:pPr>
             <a:r>
-              <a:rPr/>
               <a:t>Componentes internos de los submódulos del sistema único de información migrado, SUI de PGN. Organización interna de los servicios y paquetes que integran cada submódulo del SUI. Todos los sistemas de información del SUI siguen esta directiva: estarán constituidos por submódulos dispuestos en relación de utilitarios (que sirven) a los componentes misionales del SUI, ubicados en el centro en el diagrama.</a:t>
             </a:r>
           </a:p>
@@ -4166,6 +4169,9 @@
       </p:sp>
     </p:spTree>
   </p:cSld>
+  <p:clrMapOvr>
+    <a:masterClrMapping/>
+  </p:clrMapOvr>
 </p:sld>
 </file>
 
@@ -4207,11 +4213,10 @@
           <a:bodyPr/>
           <a:lstStyle/>
           <a:p>
-            <a:pPr lvl="0" indent="0" marL="0">
+            <a:pPr marL="0" lvl="0" indent="0">
               <a:buNone/>
             </a:pPr>
             <a:r>
-              <a:rPr/>
               <a:t>Diagrama de Clases y Componentes de Solución (b)</a:t>
             </a:r>
           </a:p>
@@ -4219,7 +4224,7 @@
       </p:sp>
       <p:pic>
         <p:nvPicPr>
-          <p:cNvPr descr="fig:  images/Migracion.1b.3.SIUMódulosClases.png" id="0" name="Picture 1"/>
+          <p:cNvPr id="3" name="Picture 1" descr="fig:  images/Migracion.1b.3.SIUMódulosClases.png"/>
           <p:cNvPicPr>
             <a:picLocks noGrp="1" noChangeAspect="1"/>
           </p:cNvPicPr>
@@ -4249,7 +4254,7 @@
       </p:pic>
       <p:sp>
         <p:nvSpPr>
-          <p:cNvPr id="1" name="TextBox 3"/>
+          <p:cNvPr id="5" name="TextBox 3"/>
           <p:cNvSpPr txBox="1"/>
           <p:nvPr/>
         </p:nvSpPr>
@@ -4267,11 +4272,10 @@
           <a:bodyPr/>
           <a:lstStyle/>
           <a:p>
-            <a:pPr lvl="0" indent="0" marL="0" algn="ctr">
+            <a:pPr marL="0" lvl="0" indent="0" algn="ctr">
               <a:buNone/>
             </a:pPr>
             <a:r>
-              <a:rPr/>
               <a:t>Vista. Migracion.1b.3. SUI Módulos Clases</a:t>
             </a:r>
           </a:p>
@@ -4290,15 +4294,15 @@
             <a:spLocks noGrp="1"/>
           </p:cNvSpPr>
           <p:nvPr>
-            <p:ph idx="2" sz="half"/>
-          </p:nvPr>
-        </p:nvSpPr>
-        <p:spPr/>
-        <p:txBody>
-          <a:bodyPr/>
-          <a:lstStyle/>
-          <a:p>
-            <a:pPr lvl="0" indent="0" marL="0">
+            <p:ph sz="half" idx="2"/>
+          </p:nvPr>
+        </p:nvSpPr>
+        <p:spPr/>
+        <p:txBody>
+          <a:bodyPr/>
+          <a:lstStyle/>
+          <a:p>
+            <a:pPr marL="0" lvl="0" indent="0">
               <a:spcBef>
                 <a:spcPts val="3000"/>
               </a:spcBef>
@@ -4312,14 +4316,12 @@
           <a:p>
             <a:pPr lvl="0"/>
             <a:r>
-              <a:rPr/>
               <a:t>El diseño actual antepone un servicio como punto de acceso a un caso de uso, de tal forma que este se encarga únicamente (por responsabilidad) de coordinar las entradas y las salidas del caso de uso</a:t>
             </a:r>
           </a:p>
           <a:p>
             <a:pPr lvl="0"/>
             <a:r>
-              <a:rPr/>
               <a:t>El modelo propicia la separación de la lógica de aplicación y la lógica de negocio. En este diseño, la primera está encapsulada en el Caso de Uso ejecutable (en el diagrama), mientras que la lógica de negocio lo está en una función de negocio.</a:t>
             </a:r>
           </a:p>
@@ -4327,6 +4329,9 @@
       </p:sp>
     </p:spTree>
   </p:cSld>
+  <p:clrMapOvr>
+    <a:masterClrMapping/>
+  </p:clrMapOvr>
 </p:sld>
 </file>
 
@@ -4368,11 +4373,10 @@
           <a:bodyPr/>
           <a:lstStyle/>
           <a:p>
-            <a:pPr lvl="0" indent="0" marL="0">
+            <a:pPr marL="0" lvl="0" indent="0">
               <a:buNone/>
             </a:pPr>
             <a:r>
-              <a:rPr/>
               <a:t>Diagrama de Arquitectura de Integración Continua, DevOps y Despliegues de Capas</a:t>
             </a:r>
           </a:p>
@@ -4380,7 +4384,7 @@
       </p:sp>
       <p:pic>
         <p:nvPicPr>
-          <p:cNvPr descr="fig:  images/Migracion.4.CI.png" id="0" name="Picture 1"/>
+          <p:cNvPr id="3" name="Picture 1" descr="fig:  images/Migracion.4.CI.png"/>
           <p:cNvPicPr>
             <a:picLocks noGrp="1" noChangeAspect="1"/>
           </p:cNvPicPr>
@@ -4410,7 +4414,7 @@
       </p:pic>
       <p:sp>
         <p:nvSpPr>
-          <p:cNvPr id="1" name="TextBox 3"/>
+          <p:cNvPr id="5" name="TextBox 3"/>
           <p:cNvSpPr txBox="1"/>
           <p:nvPr/>
         </p:nvSpPr>
@@ -4428,11 +4432,10 @@
           <a:bodyPr/>
           <a:lstStyle/>
           <a:p>
-            <a:pPr lvl="0" indent="0" marL="0" algn="ctr">
+            <a:pPr marL="0" lvl="0" indent="0" algn="ctr">
               <a:buNone/>
             </a:pPr>
             <a:r>
-              <a:rPr/>
               <a:t>Vista. Migracion.4. CI</a:t>
             </a:r>
           </a:p>
@@ -4451,15 +4454,15 @@
             <a:spLocks noGrp="1"/>
           </p:cNvSpPr>
           <p:nvPr>
-            <p:ph idx="2" sz="half"/>
-          </p:nvPr>
-        </p:nvSpPr>
-        <p:spPr/>
-        <p:txBody>
-          <a:bodyPr/>
-          <a:lstStyle/>
-          <a:p>
-            <a:pPr lvl="0" indent="0" marL="0">
+            <p:ph sz="half" idx="2"/>
+          </p:nvPr>
+        </p:nvSpPr>
+        <p:spPr/>
+        <p:txBody>
+          <a:bodyPr/>
+          <a:lstStyle/>
+          <a:p>
+            <a:pPr marL="0" lvl="0" indent="0">
               <a:spcBef>
                 <a:spcPts val="3000"/>
               </a:spcBef>
@@ -4471,11 +4474,10 @@
             </a:r>
           </a:p>
           <a:p>
-            <a:pPr lvl="0" indent="0" marL="0">
+            <a:pPr marL="0" lvl="0" indent="0">
               <a:buNone/>
             </a:pPr>
             <a:r>
-              <a:rPr/>
               <a:t>Las cadenas están separadas por tecnologías y plataformas distintas; son independientes y no presentan interbloqueos en cuanto a su ejecución. Pero, requieren administración integral.</a:t>
             </a:r>
           </a:p>
@@ -4483,6 +4485,9 @@
       </p:sp>
     </p:spTree>
   </p:cSld>
+  <p:clrMapOvr>
+    <a:masterClrMapping/>
+  </p:clrMapOvr>
 </p:sld>
 </file>
 
@@ -4524,11 +4529,10 @@
           <a:bodyPr/>
           <a:lstStyle/>
           <a:p>
-            <a:pPr lvl="0" indent="0" marL="0">
+            <a:pPr marL="0" lvl="0" indent="0">
               <a:buNone/>
             </a:pPr>
             <a:r>
-              <a:rPr/>
               <a:t>Documento de Relación de Tecnologías y Licenciamiento</a:t>
             </a:r>
           </a:p>
@@ -4536,7 +4540,7 @@
       </p:sp>
       <p:pic>
         <p:nvPicPr>
-          <p:cNvPr descr="fig:  images/Migracion.5.Licenciamiento.png" id="0" name="Picture 1"/>
+          <p:cNvPr id="3" name="Picture 1" descr="fig:  images/Migracion.5.Licenciamiento.png"/>
           <p:cNvPicPr>
             <a:picLocks noGrp="1" noChangeAspect="1"/>
           </p:cNvPicPr>
@@ -4566,7 +4570,7 @@
       </p:pic>
       <p:sp>
         <p:nvSpPr>
-          <p:cNvPr id="1" name="TextBox 3"/>
+          <p:cNvPr id="5" name="TextBox 3"/>
           <p:cNvSpPr txBox="1"/>
           <p:nvPr/>
         </p:nvSpPr>
@@ -4584,11 +4588,10 @@
           <a:bodyPr/>
           <a:lstStyle/>
           <a:p>
-            <a:pPr lvl="0" indent="0" marL="0" algn="ctr">
+            <a:pPr marL="0" lvl="0" indent="0" algn="ctr">
               <a:buNone/>
             </a:pPr>
             <a:r>
-              <a:rPr/>
               <a:t>Vista. Migracion.5. Licenciamiento</a:t>
             </a:r>
           </a:p>
@@ -4607,15 +4610,15 @@
             <a:spLocks noGrp="1"/>
           </p:cNvSpPr>
           <p:nvPr>
-            <p:ph idx="2" sz="half"/>
-          </p:nvPr>
-        </p:nvSpPr>
-        <p:spPr/>
-        <p:txBody>
-          <a:bodyPr/>
-          <a:lstStyle/>
-          <a:p>
-            <a:pPr lvl="0" indent="0" marL="0">
+            <p:ph sz="half" idx="2"/>
+          </p:nvPr>
+        </p:nvSpPr>
+        <p:spPr/>
+        <p:txBody>
+          <a:bodyPr/>
+          <a:lstStyle/>
+          <a:p>
+            <a:pPr marL="0" lvl="0" indent="0">
               <a:spcBef>
                 <a:spcPts val="3000"/>
               </a:spcBef>
@@ -4627,11 +4630,10 @@
             </a:r>
           </a:p>
           <a:p>
-            <a:pPr lvl="0" indent="0" marL="0">
+            <a:pPr marL="0" lvl="0" indent="0">
               <a:buNone/>
             </a:pPr>
             <a:r>
-              <a:rPr/>
               <a:t>Los elementos resaltados de la vista actual requieren modelos de licenciamiento variado, bien sea por usuario, núcleo, despliegue (instalación), o renta por consumo.</a:t>
             </a:r>
           </a:p>
@@ -4639,6 +4641,9 @@
       </p:sp>
     </p:spTree>
   </p:cSld>
+  <p:clrMapOvr>
+    <a:masterClrMapping/>
+  </p:clrMapOvr>
 </p:sld>
 </file>
 
@@ -4680,11 +4685,10 @@
           <a:bodyPr/>
           <a:lstStyle/>
           <a:p>
-            <a:pPr lvl="0" indent="0" marL="0">
+            <a:pPr marL="0" lvl="0" indent="0">
               <a:buNone/>
             </a:pPr>
             <a:r>
-              <a:rPr/>
               <a:t>Entregables de Arquitectura de Información (Datos)</a:t>
             </a:r>
           </a:p>
@@ -4713,42 +4717,36 @@
           <a:p>
             <a:pPr lvl="0"/>
             <a:r>
-              <a:rPr/>
               <a:t>Diagrama Modelo de Datos Conceptual</a:t>
             </a:r>
           </a:p>
           <a:p>
             <a:pPr lvl="0"/>
             <a:r>
-              <a:rPr/>
               <a:t>Diagrama Modelo de Datos Físico (diagramas entidad-relación)</a:t>
             </a:r>
           </a:p>
           <a:p>
             <a:pPr lvl="0"/>
             <a:r>
-              <a:rPr/>
               <a:t>Diagrama Modelo de Datos Lógico</a:t>
             </a:r>
           </a:p>
           <a:p>
             <a:pPr lvl="0"/>
             <a:r>
-              <a:rPr/>
               <a:t>Documento Diccionarios de Datos</a:t>
             </a:r>
           </a:p>
           <a:p>
             <a:pPr lvl="0"/>
             <a:r>
-              <a:rPr/>
               <a:t>Mapa de Información (flujos de información)</a:t>
             </a:r>
           </a:p>
           <a:p>
             <a:pPr lvl="0"/>
             <a:r>
-              <a:rPr/>
               <a:t>Modelo Ontológico</a:t>
             </a:r>
           </a:p>
@@ -4756,6 +4754,9 @@
       </p:sp>
     </p:spTree>
   </p:cSld>
+  <p:clrMapOvr>
+    <a:masterClrMapping/>
+  </p:clrMapOvr>
 </p:sld>
 </file>
 
@@ -4797,11 +4798,10 @@
           <a:bodyPr/>
           <a:lstStyle/>
           <a:p>
-            <a:pPr lvl="0" indent="0" marL="0">
+            <a:pPr marL="0" lvl="0" indent="0">
               <a:buNone/>
             </a:pPr>
             <a:r>
-              <a:rPr/>
               <a:t>Diagrama Modelo de Datos Conceptual</a:t>
             </a:r>
           </a:p>
@@ -4809,7 +4809,7 @@
       </p:sp>
       <p:pic>
         <p:nvPicPr>
-          <p:cNvPr descr="fig:  images/Migracion.2a.a1.DatosInformación.png" id="0" name="Picture 1"/>
+          <p:cNvPr id="3" name="Picture 1" descr="fig:  images/Migracion.2a.a1.DatosInformación.png"/>
           <p:cNvPicPr>
             <a:picLocks noGrp="1" noChangeAspect="1"/>
           </p:cNvPicPr>
@@ -4839,7 +4839,7 @@
       </p:pic>
       <p:sp>
         <p:nvSpPr>
-          <p:cNvPr id="1" name="TextBox 3"/>
+          <p:cNvPr id="5" name="TextBox 3"/>
           <p:cNvSpPr txBox="1"/>
           <p:nvPr/>
         </p:nvSpPr>
@@ -4857,11 +4857,10 @@
           <a:bodyPr/>
           <a:lstStyle/>
           <a:p>
-            <a:pPr lvl="0" indent="0" marL="0" algn="ctr">
+            <a:pPr marL="0" lvl="0" indent="0" algn="ctr">
               <a:buNone/>
             </a:pPr>
             <a:r>
-              <a:rPr/>
               <a:t>Vista. Migracion.2a.a1.Datos Información</a:t>
             </a:r>
           </a:p>
@@ -4880,15 +4879,15 @@
             <a:spLocks noGrp="1"/>
           </p:cNvSpPr>
           <p:nvPr>
-            <p:ph idx="2" sz="half"/>
-          </p:nvPr>
-        </p:nvSpPr>
-        <p:spPr/>
-        <p:txBody>
-          <a:bodyPr/>
-          <a:lstStyle/>
-          <a:p>
-            <a:pPr lvl="0" indent="0" marL="0">
+            <p:ph sz="half" idx="2"/>
+          </p:nvPr>
+        </p:nvSpPr>
+        <p:spPr/>
+        <p:txBody>
+          <a:bodyPr/>
+          <a:lstStyle/>
+          <a:p>
+            <a:pPr marL="0" lvl="0" indent="0">
               <a:spcBef>
                 <a:spcPts val="3000"/>
               </a:spcBef>
@@ -4900,62 +4899,54 @@
             </a:r>
           </a:p>
           <a:p>
-            <a:pPr lvl="0" indent="0" marL="0">
+            <a:pPr marL="0" lvl="0" indent="0">
               <a:buNone/>
             </a:pPr>
             <a:r>
-              <a:rPr/>
               <a:t>Modelo de información. Organización y jerarquía de los grupos de datos (dominios) del SUI Migrado, 2023.</a:t>
             </a:r>
           </a:p>
           <a:p>
-            <a:pPr lvl="0" indent="0" marL="0">
+            <a:pPr marL="0" lvl="0" indent="0">
               <a:buNone/>
             </a:pPr>
             <a:r>
-              <a:rPr/>
               <a:t>Dominios Principales de Información SUI Migrado</a:t>
             </a:r>
           </a:p>
           <a:p>
             <a:pPr lvl="0"/>
             <a:r>
-              <a:rPr/>
               <a:t>Dominio común: SIM</a:t>
             </a:r>
           </a:p>
           <a:p>
             <a:pPr lvl="0"/>
             <a:r>
-              <a:rPr/>
               <a:t>Dominios individuales</a:t>
             </a:r>
           </a:p>
           <a:p>
             <a:pPr lvl="1"/>
             <a:r>
-              <a:rPr/>
               <a:t>Hominis: Planta de personal, Hojas de vida, Seguimiento de desempeño, Carrera administrativa</a:t>
             </a:r>
           </a:p>
           <a:p>
             <a:pPr lvl="1"/>
             <a:r>
-              <a:rPr/>
               <a:t>Conjunto de datos Relatoría</a:t>
             </a:r>
           </a:p>
           <a:p>
             <a:pPr lvl="1"/>
             <a:r>
-              <a:rPr/>
               <a:t>Control Interno</a:t>
             </a:r>
           </a:p>
           <a:p>
             <a:pPr lvl="1"/>
             <a:r>
-              <a:rPr/>
               <a:t>Conciliación Administrativa</a:t>
             </a:r>
           </a:p>
@@ -4963,6 +4954,9 @@
       </p:sp>
     </p:spTree>
   </p:cSld>
+  <p:clrMapOvr>
+    <a:masterClrMapping/>
+  </p:clrMapOvr>
 </p:sld>
 </file>
 
@@ -5004,11 +4998,10 @@
           <a:bodyPr/>
           <a:lstStyle/>
           <a:p>
-            <a:pPr lvl="0" indent="0" marL="0">
+            <a:pPr marL="0" lvl="0" indent="0">
               <a:buNone/>
             </a:pPr>
             <a:r>
-              <a:rPr/>
               <a:t>Diagrama Modelo de Datos Físico (diagramas entidad-relación)</a:t>
             </a:r>
           </a:p>
@@ -5016,7 +5009,7 @@
       </p:sp>
       <p:pic>
         <p:nvPicPr>
-          <p:cNvPr descr="fig:  images/ER-SIU.png" id="0" name="Picture 1"/>
+          <p:cNvPr id="3" name="Picture 1" descr="fig:  images/ER-SIU.png"/>
           <p:cNvPicPr>
             <a:picLocks noGrp="1" noChangeAspect="1"/>
           </p:cNvPicPr>
@@ -5046,7 +5039,7 @@
       </p:pic>
       <p:sp>
         <p:nvSpPr>
-          <p:cNvPr id="1" name="TextBox 3"/>
+          <p:cNvPr id="5" name="TextBox 3"/>
           <p:cNvSpPr txBox="1"/>
           <p:nvPr/>
         </p:nvSpPr>
@@ -5064,11 +5057,10 @@
           <a:bodyPr/>
           <a:lstStyle/>
           <a:p>
-            <a:pPr lvl="0" indent="0" marL="0" algn="ctr">
+            <a:pPr marL="0" lvl="0" indent="0" algn="ctr">
               <a:buNone/>
             </a:pPr>
             <a:r>
-              <a:rPr/>
               <a:t>Vista. Migracion.2a.a3. Datos Modelo Físico</a:t>
             </a:r>
           </a:p>
@@ -5087,15 +5079,15 @@
             <a:spLocks noGrp="1"/>
           </p:cNvSpPr>
           <p:nvPr>
-            <p:ph idx="2" sz="half"/>
-          </p:nvPr>
-        </p:nvSpPr>
-        <p:spPr/>
-        <p:txBody>
-          <a:bodyPr/>
-          <a:lstStyle/>
-          <a:p>
-            <a:pPr lvl="0" indent="0" marL="0">
+            <p:ph sz="half" idx="2"/>
+          </p:nvPr>
+        </p:nvSpPr>
+        <p:spPr/>
+        <p:txBody>
+          <a:bodyPr/>
+          <a:lstStyle/>
+          <a:p>
+            <a:pPr marL="0" lvl="0" indent="0">
               <a:spcBef>
                 <a:spcPts val="3000"/>
               </a:spcBef>
@@ -5107,20 +5099,18 @@
             </a:r>
           </a:p>
           <a:p>
-            <a:pPr lvl="0" indent="0" marL="0">
+            <a:pPr marL="0" lvl="0" indent="0">
               <a:buNone/>
             </a:pPr>
             <a:r>
-              <a:rPr/>
               <a:t>Los modelos físicos representados en diagramas entidad - relación (ER) de los módulos SUI Migrado, como Hominis, Control Interno, Relatoría, SIRI, serán entregados como documentos aparte, anexos al documento actual en formato reproducible.</a:t>
             </a:r>
           </a:p>
           <a:p>
-            <a:pPr lvl="0" indent="0" marL="0">
+            <a:pPr marL="0" lvl="0" indent="0">
               <a:buNone/>
             </a:pPr>
             <a:r>
-              <a:rPr/>
               <a:t>El formato reproducible en el que entregamos el modelo físico mediante la herramienta libre Draw.io.</a:t>
             </a:r>
           </a:p>
@@ -5128,6 +5118,9 @@
       </p:sp>
     </p:spTree>
   </p:cSld>
+  <p:clrMapOvr>
+    <a:masterClrMapping/>
+  </p:clrMapOvr>
 </p:sld>
 </file>
 
@@ -5169,11 +5162,10 @@
           <a:bodyPr/>
           <a:lstStyle/>
           <a:p>
-            <a:pPr lvl="0" indent="0" marL="0">
+            <a:pPr marL="0" lvl="0" indent="0">
               <a:buNone/>
             </a:pPr>
             <a:r>
-              <a:rPr/>
               <a:t>Diagrama Modelo de Datos Lógico</a:t>
             </a:r>
           </a:p>
@@ -5181,7 +5173,7 @@
       </p:sp>
       <p:pic>
         <p:nvPicPr>
-          <p:cNvPr descr="fig:  images/Migracion.2c1.DatosSIM.png" id="0" name="Picture 1"/>
+          <p:cNvPr id="3" name="Picture 1" descr="fig:  images/Migracion.2c1.DatosSIM.png"/>
           <p:cNvPicPr>
             <a:picLocks noGrp="1" noChangeAspect="1"/>
           </p:cNvPicPr>
@@ -5211,7 +5203,7 @@
       </p:pic>
       <p:sp>
         <p:nvSpPr>
-          <p:cNvPr id="1" name="TextBox 3"/>
+          <p:cNvPr id="5" name="TextBox 3"/>
           <p:cNvSpPr txBox="1"/>
           <p:nvPr/>
         </p:nvSpPr>
@@ -5229,11 +5221,10 @@
           <a:bodyPr/>
           <a:lstStyle/>
           <a:p>
-            <a:pPr lvl="0" indent="0" marL="0" algn="ctr">
+            <a:pPr marL="0" lvl="0" indent="0" algn="ctr">
               <a:buNone/>
             </a:pPr>
             <a:r>
-              <a:rPr/>
               <a:t>Vista. Migracion.2c1. Datos SIM</a:t>
             </a:r>
           </a:p>
@@ -5252,15 +5243,15 @@
             <a:spLocks noGrp="1"/>
           </p:cNvSpPr>
           <p:nvPr>
-            <p:ph idx="2" sz="half"/>
-          </p:nvPr>
-        </p:nvSpPr>
-        <p:spPr/>
-        <p:txBody>
-          <a:bodyPr/>
-          <a:lstStyle/>
-          <a:p>
-            <a:pPr lvl="0" indent="0" marL="0">
+            <p:ph sz="half" idx="2"/>
+          </p:nvPr>
+        </p:nvSpPr>
+        <p:spPr/>
+        <p:txBody>
+          <a:bodyPr/>
+          <a:lstStyle/>
+          <a:p>
+            <a:pPr marL="0" lvl="0" indent="0">
               <a:spcBef>
                 <a:spcPts val="3000"/>
               </a:spcBef>
@@ -5272,20 +5263,18 @@
             </a:r>
           </a:p>
           <a:p>
-            <a:pPr lvl="0" indent="0" marL="0">
+            <a:pPr marL="0" lvl="0" indent="0">
               <a:buNone/>
             </a:pPr>
             <a:r>
-              <a:rPr/>
               <a:t>Identificación de entidades de datos de negocio relacionadas a los módulos SUI Migrado.</a:t>
             </a:r>
           </a:p>
           <a:p>
-            <a:pPr lvl="0" indent="0" marL="0">
+            <a:pPr marL="0" lvl="0" indent="0">
               <a:buNone/>
             </a:pPr>
             <a:r>
-              <a:rPr/>
               <a:t>Las entidades de negocio son tipos de datos internos del SUI consideradas para el manejo del ciclo de vida de los datos.</a:t>
             </a:r>
           </a:p>
@@ -5293,6 +5282,9 @@
       </p:sp>
     </p:spTree>
   </p:cSld>
+  <p:clrMapOvr>
+    <a:masterClrMapping/>
+  </p:clrMapOvr>
 </p:sld>
 </file>
 
@@ -5334,11 +5326,10 @@
           <a:bodyPr/>
           <a:lstStyle/>
           <a:p>
-            <a:pPr lvl="0" indent="0" marL="0">
+            <a:pPr marL="0" lvl="0" indent="0">
               <a:buNone/>
             </a:pPr>
             <a:r>
-              <a:rPr/>
               <a:t>Entregables de Arquitectura de Software</a:t>
             </a:r>
           </a:p>
@@ -5367,56 +5358,48 @@
           <a:p>
             <a:pPr lvl="0"/>
             <a:r>
-              <a:rPr/>
               <a:t>Diagrama de Arquitectura de la Solución Propuesta: vista de integración</a:t>
             </a:r>
           </a:p>
           <a:p>
             <a:pPr lvl="0"/>
             <a:r>
-              <a:rPr/>
               <a:t>Diagrama de Arquitectura de la solución propuesta: vista física</a:t>
             </a:r>
           </a:p>
           <a:p>
             <a:pPr lvl="0"/>
             <a:r>
-              <a:rPr/>
               <a:t>Diagrama de Arquitectura de la Solución Propuesta: motivadores del negocio</a:t>
             </a:r>
           </a:p>
           <a:p>
             <a:pPr lvl="0"/>
             <a:r>
-              <a:rPr/>
               <a:t>Diagrama de Arquitectura de la Solución Propuesta: interoperabilidad</a:t>
             </a:r>
           </a:p>
           <a:p>
             <a:pPr lvl="0"/>
             <a:r>
-              <a:rPr/>
               <a:t>Diagrama de Arquitectura de la Solución Propuesta: gestión de autenticación, usuarios y roles</a:t>
             </a:r>
           </a:p>
           <a:p>
             <a:pPr lvl="0"/>
             <a:r>
-              <a:rPr/>
               <a:t>Diagrama de Clases y Componentes de Solución</a:t>
             </a:r>
           </a:p>
           <a:p>
             <a:pPr lvl="0"/>
             <a:r>
-              <a:rPr/>
               <a:t>Diagrama de Arquitectura de Integración Continua, DevOps y Despliegues de Capas</a:t>
             </a:r>
           </a:p>
           <a:p>
             <a:pPr lvl="0"/>
             <a:r>
-              <a:rPr/>
               <a:t>Documento de Relación de Tecnologías y Licenciamiento</a:t>
             </a:r>
           </a:p>
@@ -5424,6 +5407,9 @@
       </p:sp>
     </p:spTree>
   </p:cSld>
+  <p:clrMapOvr>
+    <a:masterClrMapping/>
+  </p:clrMapOvr>
 </p:sld>
 </file>
 
@@ -5465,11 +5451,10 @@
           <a:bodyPr/>
           <a:lstStyle/>
           <a:p>
-            <a:pPr lvl="0" indent="0" marL="0">
+            <a:pPr marL="0" lvl="0" indent="0">
               <a:buNone/>
             </a:pPr>
             <a:r>
-              <a:rPr/>
               <a:t>Línea Base SUI PGN</a:t>
             </a:r>
           </a:p>
@@ -5477,7 +5462,7 @@
       </p:sp>
       <p:pic>
         <p:nvPicPr>
-          <p:cNvPr descr="images/Lineabase.0.SUIAplicación.png" id="0" name="Picture 1"/>
+          <p:cNvPr id="3" name="Picture 1" descr="images/Lineabase.0.SUIAplicación.png"/>
           <p:cNvPicPr>
             <a:picLocks noGrp="1" noChangeAspect="1"/>
           </p:cNvPicPr>
@@ -5507,7 +5492,7 @@
       </p:pic>
       <p:sp>
         <p:nvSpPr>
-          <p:cNvPr id="1" name="TextBox 3"/>
+          <p:cNvPr id="5" name="TextBox 3"/>
           <p:cNvSpPr txBox="1"/>
           <p:nvPr/>
         </p:nvSpPr>
@@ -5525,11 +5510,10 @@
           <a:bodyPr/>
           <a:lstStyle/>
           <a:p>
-            <a:pPr lvl="0" indent="0" marL="0" algn="ctr">
+            <a:pPr marL="0" lvl="0" indent="0" algn="ctr">
               <a:buNone/>
             </a:pPr>
             <a:r>
-              <a:rPr/>
               <a:t>Vista. Lineabase.0.SUI Aplicación</a:t>
             </a:r>
           </a:p>
@@ -5548,15 +5532,15 @@
             <a:spLocks noGrp="1"/>
           </p:cNvSpPr>
           <p:nvPr>
-            <p:ph idx="2" sz="half"/>
-          </p:nvPr>
-        </p:nvSpPr>
-        <p:spPr/>
-        <p:txBody>
-          <a:bodyPr/>
-          <a:lstStyle/>
-          <a:p>
-            <a:pPr lvl="0" indent="0" marL="0">
+            <p:ph sz="half" idx="2"/>
+          </p:nvPr>
+        </p:nvSpPr>
+        <p:spPr/>
+        <p:txBody>
+          <a:bodyPr/>
+          <a:lstStyle/>
+          <a:p>
+            <a:pPr marL="0" lvl="0" indent="0">
               <a:spcBef>
                 <a:spcPts val="3000"/>
               </a:spcBef>
@@ -5568,38 +5552,34 @@
             </a:r>
           </a:p>
           <a:p>
-            <a:pPr lvl="0" indent="0" marL="0">
+            <a:pPr marL="0" lvl="0" indent="0">
               <a:buNone/>
             </a:pPr>
             <a:r>
-              <a:rPr/>
               <a:t>Con una arquitectura orientada a servicios SUI recopila:</a:t>
             </a:r>
           </a:p>
           <a:p>
-            <a:pPr lvl="0" indent="-457200" marL="457200">
+            <a:pPr marL="457200" lvl="0" indent="-457200">
               <a:buAutoNum type="arabicPeriod"/>
             </a:pPr>
             <a:r>
-              <a:rPr/>
               <a:t>Runtime: Es el servicio que interactúa con el usuario final (GUI) elaborado en Angular 11</a:t>
             </a:r>
           </a:p>
           <a:p>
-            <a:pPr lvl="0" indent="-457200" marL="457200">
+            <a:pPr marL="457200" lvl="0" indent="-457200">
               <a:buAutoNum type="arabicPeriod"/>
             </a:pPr>
             <a:r>
-              <a:rPr/>
               <a:t>API Tx: Servicio api rest base node encargado de realizar las transacciones básicas CRUD</a:t>
             </a:r>
           </a:p>
           <a:p>
-            <a:pPr lvl="0" indent="-457200" marL="457200">
+            <a:pPr marL="457200" lvl="0" indent="-457200">
               <a:buAutoNum type="arabicPeriod"/>
             </a:pPr>
             <a:r>
-              <a:rPr/>
               <a:t>API Config / Seguridad. Servicio Web API .Net Framework encargado de gestionar características con la autenticación y configuración</a:t>
             </a:r>
           </a:p>
@@ -5607,6 +5587,9 @@
       </p:sp>
     </p:spTree>
   </p:cSld>
+  <p:clrMapOvr>
+    <a:masterClrMapping/>
+  </p:clrMapOvr>
 </p:sld>
 </file>
 
@@ -5648,11 +5631,10 @@
           <a:bodyPr/>
           <a:lstStyle/>
           <a:p>
-            <a:pPr lvl="0" indent="0" marL="0">
+            <a:pPr marL="0" lvl="0" indent="0">
               <a:buNone/>
             </a:pPr>
             <a:r>
-              <a:rPr/>
               <a:t>Línea Base Portal PGN</a:t>
             </a:r>
           </a:p>
@@ -5660,7 +5642,7 @@
       </p:sp>
       <p:pic>
         <p:nvPicPr>
-          <p:cNvPr descr="fig:  images/Linebase.2.Portal.png" id="0" name="Picture 1"/>
+          <p:cNvPr id="3" name="Picture 1" descr="fig:  images/Linebase.2.Portal.png"/>
           <p:cNvPicPr>
             <a:picLocks noGrp="1" noChangeAspect="1"/>
           </p:cNvPicPr>
@@ -5690,7 +5672,7 @@
       </p:pic>
       <p:sp>
         <p:nvSpPr>
-          <p:cNvPr id="1" name="TextBox 3"/>
+          <p:cNvPr id="5" name="TextBox 3"/>
           <p:cNvSpPr txBox="1"/>
           <p:nvPr/>
         </p:nvSpPr>
@@ -5708,11 +5690,10 @@
           <a:bodyPr/>
           <a:lstStyle/>
           <a:p>
-            <a:pPr lvl="0" indent="0" marL="0" algn="ctr">
+            <a:pPr marL="0" lvl="0" indent="0" algn="ctr">
               <a:buNone/>
             </a:pPr>
             <a:r>
-              <a:rPr/>
               <a:t>Vista. Linebase.2.Portal</a:t>
             </a:r>
           </a:p>
@@ -5731,15 +5712,15 @@
             <a:spLocks noGrp="1"/>
           </p:cNvSpPr>
           <p:nvPr>
-            <p:ph idx="2" sz="half"/>
-          </p:nvPr>
-        </p:nvSpPr>
-        <p:spPr/>
-        <p:txBody>
-          <a:bodyPr/>
-          <a:lstStyle/>
-          <a:p>
-            <a:pPr lvl="0" indent="0" marL="0">
+            <p:ph sz="half" idx="2"/>
+          </p:nvPr>
+        </p:nvSpPr>
+        <p:spPr/>
+        <p:txBody>
+          <a:bodyPr/>
+          <a:lstStyle/>
+          <a:p>
+            <a:pPr marL="0" lvl="0" indent="0">
               <a:spcBef>
                 <a:spcPts val="3000"/>
               </a:spcBef>
@@ -5751,32 +5732,28 @@
             </a:r>
           </a:p>
           <a:p>
-            <a:pPr lvl="0" indent="0" marL="0">
+            <a:pPr marL="0" lvl="0" indent="0">
               <a:buNone/>
             </a:pPr>
             <a:r>
-              <a:rPr/>
               <a:t>El portal es el conjunto de los elementos físicos y lógicos necesarios para la implementación de la granja de servidores de SharePoint Server 2019 para el portal de la PROCURADURIA.</a:t>
             </a:r>
           </a:p>
           <a:p>
             <a:pPr lvl="0"/>
             <a:r>
-              <a:rPr/>
               <a:t>Servidores Web Front End</a:t>
             </a:r>
           </a:p>
           <a:p>
             <a:pPr lvl="0"/>
             <a:r>
-              <a:rPr/>
               <a:t>Servidores de Aplicaciones</a:t>
             </a:r>
           </a:p>
           <a:p>
             <a:pPr lvl="0"/>
             <a:r>
-              <a:rPr/>
               <a:t>Servidores de SQL Server</a:t>
             </a:r>
           </a:p>
@@ -5784,6 +5761,9 @@
       </p:sp>
     </p:spTree>
   </p:cSld>
+  <p:clrMapOvr>
+    <a:masterClrMapping/>
+  </p:clrMapOvr>
 </p:sld>
 </file>
 
@@ -5825,11 +5805,10 @@
           <a:bodyPr/>
           <a:lstStyle/>
           <a:p>
-            <a:pPr lvl="0" indent="0" marL="0">
+            <a:pPr marL="0" lvl="0" indent="0">
               <a:buNone/>
             </a:pPr>
             <a:r>
-              <a:rPr/>
               <a:t>Diagrama de Arquitectura de la Solución Propuesta</a:t>
             </a:r>
           </a:p>
@@ -5837,7 +5816,7 @@
       </p:sp>
       <p:pic>
         <p:nvPicPr>
-          <p:cNvPr descr="fig:  images/Migracion.1a.b.SIUContextoMódulos.png" id="0" name="Picture 1"/>
+          <p:cNvPr id="3" name="Picture 1" descr="fig:  images/Migracion.1a.b.SIUContextoMódulos.png"/>
           <p:cNvPicPr>
             <a:picLocks noGrp="1" noChangeAspect="1"/>
           </p:cNvPicPr>
@@ -5867,7 +5846,7 @@
       </p:pic>
       <p:sp>
         <p:nvSpPr>
-          <p:cNvPr id="1" name="TextBox 3"/>
+          <p:cNvPr id="5" name="TextBox 3"/>
           <p:cNvSpPr txBox="1"/>
           <p:nvPr/>
         </p:nvSpPr>
@@ -5885,11 +5864,10 @@
           <a:bodyPr/>
           <a:lstStyle/>
           <a:p>
-            <a:pPr lvl="0" indent="0" marL="0" algn="ctr">
+            <a:pPr marL="0" lvl="0" indent="0" algn="ctr">
               <a:buNone/>
             </a:pPr>
             <a:r>
-              <a:rPr/>
               <a:t>Vista. Migracion.1a.b.SUI Contexto Módulos</a:t>
             </a:r>
           </a:p>
@@ -5908,15 +5886,15 @@
             <a:spLocks noGrp="1"/>
           </p:cNvSpPr>
           <p:nvPr>
-            <p:ph idx="2" sz="half"/>
-          </p:nvPr>
-        </p:nvSpPr>
-        <p:spPr/>
-        <p:txBody>
-          <a:bodyPr/>
-          <a:lstStyle/>
-          <a:p>
-            <a:pPr lvl="0" indent="0" marL="0">
+            <p:ph sz="half" idx="2"/>
+          </p:nvPr>
+        </p:nvSpPr>
+        <p:spPr/>
+        <p:txBody>
+          <a:bodyPr/>
+          <a:lstStyle/>
+          <a:p>
+            <a:pPr marL="0" lvl="0" indent="0">
               <a:spcBef>
                 <a:spcPts val="3000"/>
               </a:spcBef>
@@ -5928,11 +5906,10 @@
             </a:r>
           </a:p>
           <a:p>
-            <a:pPr lvl="0" indent="0" marL="0">
+            <a:pPr marL="0" lvl="0" indent="0">
               <a:buNone/>
             </a:pPr>
             <a:r>
-              <a:rPr/>
               <a:t>La vista presenta en contexto a los módulos SUI migrados e indica los modos de comunicación, sincrónica/asincrónica, que utilizan.</a:t>
             </a:r>
           </a:p>
@@ -5940,6 +5917,9 @@
       </p:sp>
     </p:spTree>
   </p:cSld>
+  <p:clrMapOvr>
+    <a:masterClrMapping/>
+  </p:clrMapOvr>
 </p:sld>
 </file>
 
@@ -5981,11 +5961,10 @@
           <a:bodyPr/>
           <a:lstStyle/>
           <a:p>
-            <a:pPr lvl="0" indent="0" marL="0">
+            <a:pPr marL="0" lvl="0" indent="0">
               <a:buNone/>
             </a:pPr>
             <a:r>
-              <a:rPr/>
               <a:t>Diagrama de Arquitectura de la Solución Propuesta</a:t>
             </a:r>
           </a:p>
@@ -5993,7 +5972,7 @@
       </p:sp>
       <p:pic>
         <p:nvPicPr>
-          <p:cNvPr descr="fig:  images/Lineabase.0.SIUAplicación.Física.png" id="0" name="Picture 1"/>
+          <p:cNvPr id="3" name="Picture 1" descr="fig:  images/Lineabase.0.SIUAplicación.Física.png"/>
           <p:cNvPicPr>
             <a:picLocks noGrp="1" noChangeAspect="1"/>
           </p:cNvPicPr>
@@ -6023,7 +6002,7 @@
       </p:pic>
       <p:sp>
         <p:nvSpPr>
-          <p:cNvPr id="1" name="TextBox 3"/>
+          <p:cNvPr id="5" name="TextBox 3"/>
           <p:cNvSpPr txBox="1"/>
           <p:nvPr/>
         </p:nvSpPr>
@@ -6041,11 +6020,10 @@
           <a:bodyPr/>
           <a:lstStyle/>
           <a:p>
-            <a:pPr lvl="0" indent="0" marL="0" algn="ctr">
+            <a:pPr marL="0" lvl="0" indent="0" algn="ctr">
               <a:buNone/>
             </a:pPr>
             <a:r>
-              <a:rPr/>
               <a:t>Vista. Lineabase.0.SUI Aplicación. Física</a:t>
             </a:r>
           </a:p>
@@ -6064,15 +6042,15 @@
             <a:spLocks noGrp="1"/>
           </p:cNvSpPr>
           <p:nvPr>
-            <p:ph idx="2" sz="half"/>
-          </p:nvPr>
-        </p:nvSpPr>
-        <p:spPr/>
-        <p:txBody>
-          <a:bodyPr/>
-          <a:lstStyle/>
-          <a:p>
-            <a:pPr lvl="0" indent="0" marL="0">
+            <p:ph sz="half" idx="2"/>
+          </p:nvPr>
+        </p:nvSpPr>
+        <p:spPr/>
+        <p:txBody>
+          <a:bodyPr/>
+          <a:lstStyle/>
+          <a:p>
+            <a:pPr marL="0" lvl="0" indent="0">
               <a:spcBef>
                 <a:spcPts val="3000"/>
               </a:spcBef>
@@ -6084,11 +6062,10 @@
             </a:r>
           </a:p>
           <a:p>
-            <a:pPr lvl="0" indent="0" marL="0">
+            <a:pPr marL="0" lvl="0" indent="0">
               <a:buNone/>
             </a:pPr>
             <a:r>
-              <a:rPr/>
               <a:t>Elementos de infraestructura física (hardware) para la implementación Fase II (presente proyecto) del Sistema de Información Único, SUI de la PGN</a:t>
             </a:r>
           </a:p>
@@ -6096,6 +6073,9 @@
       </p:sp>
     </p:spTree>
   </p:cSld>
+  <p:clrMapOvr>
+    <a:masterClrMapping/>
+  </p:clrMapOvr>
 </p:sld>
 </file>
 
@@ -6137,11 +6117,10 @@
           <a:bodyPr/>
           <a:lstStyle/>
           <a:p>
-            <a:pPr lvl="0" indent="0" marL="0">
+            <a:pPr marL="0" lvl="0" indent="0">
               <a:buNone/>
             </a:pPr>
             <a:r>
-              <a:rPr/>
               <a:t>Diagrama de Arquitectura de la Solución Propuesta</a:t>
             </a:r>
           </a:p>
@@ -6149,7 +6128,7 @@
       </p:sp>
       <p:pic>
         <p:nvPicPr>
-          <p:cNvPr descr="fig:  images/Migracion.1a.a.SIUContextoMódulo.png" id="0" name="Picture 1"/>
+          <p:cNvPr id="3" name="Picture 1" descr="fig:  images/Migracion.1a.a.SIUContextoMódulo.png"/>
           <p:cNvPicPr>
             <a:picLocks noGrp="1" noChangeAspect="1"/>
           </p:cNvPicPr>
@@ -6179,7 +6158,7 @@
       </p:pic>
       <p:sp>
         <p:nvSpPr>
-          <p:cNvPr id="1" name="TextBox 3"/>
+          <p:cNvPr id="5" name="TextBox 3"/>
           <p:cNvSpPr txBox="1"/>
           <p:nvPr/>
         </p:nvSpPr>
@@ -6197,11 +6176,10 @@
           <a:bodyPr/>
           <a:lstStyle/>
           <a:p>
-            <a:pPr lvl="0" indent="0" marL="0" algn="ctr">
+            <a:pPr marL="0" lvl="0" indent="0" algn="ctr">
               <a:buNone/>
             </a:pPr>
             <a:r>
-              <a:rPr/>
               <a:t>Vista. Migracion.1a.a.SUI Contexto Módulo</a:t>
             </a:r>
           </a:p>
@@ -6220,15 +6198,15 @@
             <a:spLocks noGrp="1"/>
           </p:cNvSpPr>
           <p:nvPr>
-            <p:ph idx="2" sz="half"/>
-          </p:nvPr>
-        </p:nvSpPr>
-        <p:spPr/>
-        <p:txBody>
-          <a:bodyPr/>
-          <a:lstStyle/>
-          <a:p>
-            <a:pPr lvl="0" indent="0" marL="0">
+            <p:ph sz="half" idx="2"/>
+          </p:nvPr>
+        </p:nvSpPr>
+        <p:spPr/>
+        <p:txBody>
+          <a:bodyPr/>
+          <a:lstStyle/>
+          <a:p>
+            <a:pPr marL="0" lvl="0" indent="0">
               <a:spcBef>
                 <a:spcPts val="3000"/>
               </a:spcBef>
@@ -6240,11 +6218,10 @@
             </a:r>
           </a:p>
           <a:p>
-            <a:pPr lvl="0" indent="0" marL="0">
+            <a:pPr marL="0" lvl="0" indent="0">
               <a:buNone/>
             </a:pPr>
             <a:r>
-              <a:rPr/>
               <a:t>Módulos y submódulos del Sistema Único de Información (SUI) de la PGN. Todos los sistemas de información del SUI separan a los componentes misionales de los utilitarios.</a:t>
             </a:r>
           </a:p>
@@ -6252,6 +6229,9 @@
       </p:sp>
     </p:spTree>
   </p:cSld>
+  <p:clrMapOvr>
+    <a:masterClrMapping/>
+  </p:clrMapOvr>
 </p:sld>
 </file>
 
@@ -6293,11 +6273,10 @@
           <a:bodyPr/>
           <a:lstStyle/>
           <a:p>
-            <a:pPr lvl="0" indent="0" marL="0">
+            <a:pPr marL="0" lvl="0" indent="0">
               <a:buNone/>
             </a:pPr>
             <a:r>
-              <a:rPr/>
               <a:t>Diagrama de Arquitectura de la Solución Propuesta</a:t>
             </a:r>
           </a:p>
@@ -6305,7 +6284,7 @@
       </p:sp>
       <p:pic>
         <p:nvPicPr>
-          <p:cNvPr descr="fig:  images/Migracion.1c.SIUMódulosColaboración.png" id="0" name="Picture 1"/>
+          <p:cNvPr id="3" name="Picture 1" descr="fig:  images/Migracion.1c.SIUMódulosColaboración.png"/>
           <p:cNvPicPr>
             <a:picLocks noGrp="1" noChangeAspect="1"/>
           </p:cNvPicPr>
@@ -6335,7 +6314,7 @@
       </p:pic>
       <p:sp>
         <p:nvSpPr>
-          <p:cNvPr id="1" name="TextBox 3"/>
+          <p:cNvPr id="5" name="TextBox 3"/>
           <p:cNvSpPr txBox="1"/>
           <p:nvPr/>
         </p:nvSpPr>
@@ -6353,11 +6332,10 @@
           <a:bodyPr/>
           <a:lstStyle/>
           <a:p>
-            <a:pPr lvl="0" indent="0" marL="0" algn="ctr">
+            <a:pPr marL="0" lvl="0" indent="0" algn="ctr">
               <a:buNone/>
             </a:pPr>
             <a:r>
-              <a:rPr/>
               <a:t>Vista. Migracion.1c.SUI Módulos Colaboración</a:t>
             </a:r>
           </a:p>
@@ -6376,15 +6354,15 @@
             <a:spLocks noGrp="1"/>
           </p:cNvSpPr>
           <p:nvPr>
-            <p:ph idx="2" sz="half"/>
-          </p:nvPr>
-        </p:nvSpPr>
-        <p:spPr/>
-        <p:txBody>
-          <a:bodyPr/>
-          <a:lstStyle/>
-          <a:p>
-            <a:pPr lvl="0" indent="0" marL="0">
+            <p:ph sz="half" idx="2"/>
+          </p:nvPr>
+        </p:nvSpPr>
+        <p:spPr/>
+        <p:txBody>
+          <a:bodyPr/>
+          <a:lstStyle/>
+          <a:p>
+            <a:pPr marL="0" lvl="0" indent="0">
               <a:spcBef>
                 <a:spcPts val="3000"/>
               </a:spcBef>
@@ -6396,11 +6374,10 @@
             </a:r>
           </a:p>
           <a:p>
-            <a:pPr lvl="0" indent="0" marL="0">
+            <a:pPr marL="0" lvl="0" indent="0">
               <a:buNone/>
             </a:pPr>
             <a:r>
-              <a:rPr/>
               <a:t>Colaboración y comunicación de los componentes internos del SUI mediada por interfaces provistas por el grupo de componentes misionales, PGN SUI: mantener reducido y controlado el número de interfaces.</a:t>
             </a:r>
           </a:p>
@@ -6408,6 +6385,9 @@
       </p:sp>
     </p:spTree>
   </p:cSld>
+  <p:clrMapOvr>
+    <a:masterClrMapping/>
+  </p:clrMapOvr>
 </p:sld>
 </file>
 
@@ -6449,11 +6429,10 @@
           <a:bodyPr/>
           <a:lstStyle/>
           <a:p>
-            <a:pPr lvl="0" indent="0" marL="0">
+            <a:pPr marL="0" lvl="0" indent="0">
               <a:buNone/>
             </a:pPr>
             <a:r>
-              <a:rPr/>
               <a:t>Diagrama de Arquitectura de la Solución Propuesta</a:t>
             </a:r>
           </a:p>
@@ -6461,7 +6440,7 @@
       </p:sp>
       <p:pic>
         <p:nvPicPr>
-          <p:cNvPr descr="fig:  images/Seguridad.2.Lineabase.0.SIUAplicación.png" id="0" name="Picture 1"/>
+          <p:cNvPr id="3" name="Picture 1" descr="fig:  images/Seguridad.2.Lineabase.0.SIUAplicación.png"/>
           <p:cNvPicPr>
             <a:picLocks noGrp="1" noChangeAspect="1"/>
           </p:cNvPicPr>
@@ -6491,7 +6470,7 @@
       </p:pic>
       <p:sp>
         <p:nvSpPr>
-          <p:cNvPr id="1" name="TextBox 3"/>
+          <p:cNvPr id="5" name="TextBox 3"/>
           <p:cNvSpPr txBox="1"/>
           <p:nvPr/>
         </p:nvSpPr>
@@ -6509,11 +6488,10 @@
           <a:bodyPr/>
           <a:lstStyle/>
           <a:p>
-            <a:pPr lvl="0" indent="0" marL="0" algn="ctr">
+            <a:pPr marL="0" lvl="0" indent="0" algn="ctr">
               <a:buNone/>
             </a:pPr>
             <a:r>
-              <a:rPr/>
               <a:t>Vista. Seguridad.2. Lineabase.0.SUI Aplicación</a:t>
             </a:r>
           </a:p>
@@ -6532,15 +6510,15 @@
             <a:spLocks noGrp="1"/>
           </p:cNvSpPr>
           <p:nvPr>
-            <p:ph idx="2" sz="half"/>
-          </p:nvPr>
-        </p:nvSpPr>
-        <p:spPr/>
-        <p:txBody>
-          <a:bodyPr/>
-          <a:lstStyle/>
-          <a:p>
-            <a:pPr lvl="0" indent="0" marL="0">
+            <p:ph sz="half" idx="2"/>
+          </p:nvPr>
+        </p:nvSpPr>
+        <p:spPr/>
+        <p:txBody>
+          <a:bodyPr/>
+          <a:lstStyle/>
+          <a:p>
+            <a:pPr marL="0" lvl="0" indent="0">
               <a:spcBef>
                 <a:spcPts val="3000"/>
               </a:spcBef>
@@ -6552,32 +6530,28 @@
             </a:r>
           </a:p>
           <a:p>
-            <a:pPr lvl="0" indent="0" marL="0">
+            <a:pPr marL="0" lvl="0" indent="0">
               <a:buNone/>
             </a:pPr>
             <a:r>
-              <a:rPr/>
               <a:t>Métodos de Seguridad del SUI Migrado</a:t>
             </a:r>
           </a:p>
           <a:p>
             <a:pPr lvl="0"/>
             <a:r>
-              <a:rPr/>
               <a:t>Control de acceso y autorización basado en roles (RBAC)</a:t>
             </a:r>
           </a:p>
           <a:p>
             <a:pPr lvl="0"/>
             <a:r>
-              <a:rPr/>
               <a:t>Gestión de identidades</a:t>
             </a:r>
           </a:p>
           <a:p>
             <a:pPr lvl="0"/>
             <a:r>
-              <a:rPr/>
               <a:t>Aprovisionamiento de Cuentas</a:t>
             </a:r>
           </a:p>
@@ -6585,6 +6559,9 @@
       </p:sp>
     </p:spTree>
   </p:cSld>
+  <p:clrMapOvr>
+    <a:masterClrMapping/>
+  </p:clrMapOvr>
 </p:sld>
 </file>
 
@@ -6881,265 +6858,4 @@
     </a:ext>
   </a:extLst>
 </a:theme>
-</file>
-
-<file path=ppt/theme/theme2.xml><?xml version="1.0" encoding="utf-8"?>
-<a:theme xmlns:a="http://schemas.openxmlformats.org/drawingml/2006/main" name="Office Theme">
-  <a:themeElements>
-    <a:clrScheme name="Office">
-      <a:dk1>
-        <a:sysClr val="windowText" lastClr="000000"/>
-      </a:dk1>
-      <a:lt1>
-        <a:sysClr val="window" lastClr="FFFFFF"/>
-      </a:lt1>
-      <a:dk2>
-        <a:srgbClr val="44546A"/>
-      </a:dk2>
-      <a:lt2>
-        <a:srgbClr val="E7E6E6"/>
-      </a:lt2>
-      <a:accent1>
-        <a:srgbClr val="5B9BD5"/>
-      </a:accent1>
-      <a:accent2>
-        <a:srgbClr val="ED7D31"/>
-      </a:accent2>
-      <a:accent3>
-        <a:srgbClr val="A5A5A5"/>
-      </a:accent3>
-      <a:accent4>
-        <a:srgbClr val="FFC000"/>
-      </a:accent4>
-      <a:accent5>
-        <a:srgbClr val="4472C4"/>
-      </a:accent5>
-      <a:accent6>
-        <a:srgbClr val="70AD47"/>
-      </a:accent6>
-      <a:hlink>
-        <a:srgbClr val="0563C1"/>
-      </a:hlink>
-      <a:folHlink>
-        <a:srgbClr val="954F72"/>
-      </a:folHlink>
-    </a:clrScheme>
-    <a:fontScheme name="Office">
-      <a:majorFont>
-        <a:latin typeface="Calibri Light" panose="020F0302020204030204"/>
-        <a:ea typeface=""/>
-        <a:cs typeface=""/>
-        <a:font script="Jpan" typeface="ＭＳ Ｐゴシック"/>
-        <a:font script="Hang" typeface="맑은 고딕"/>
-        <a:font script="Hans" typeface="宋体"/>
-        <a:font script="Hant" typeface="新細明體"/>
-        <a:font script="Arab" typeface="Times New Roman"/>
-        <a:font script="Hebr" typeface="Times New Roman"/>
-        <a:font script="Thai" typeface="Angsana New"/>
-        <a:font script="Ethi" typeface="Nyala"/>
-        <a:font script="Beng" typeface="Vrinda"/>
-        <a:font script="Gujr" typeface="Shruti"/>
-        <a:font script="Khmr" typeface="MoolBoran"/>
-        <a:font script="Knda" typeface="Tunga"/>
-        <a:font script="Guru" typeface="Raavi"/>
-        <a:font script="Cans" typeface="Euphemia"/>
-        <a:font script="Cher" typeface="Plantagenet Cherokee"/>
-        <a:font script="Yiii" typeface="Microsoft Yi Baiti"/>
-        <a:font script="Tibt" typeface="Microsoft Himalaya"/>
-        <a:font script="Thaa" typeface="MV Boli"/>
-        <a:font script="Deva" typeface="Mangal"/>
-        <a:font script="Telu" typeface="Gautami"/>
-        <a:font script="Taml" typeface="Latha"/>
-        <a:font script="Syrc" typeface="Estrangelo Edessa"/>
-        <a:font script="Orya" typeface="Kalinga"/>
-        <a:font script="Mlym" typeface="Kartika"/>
-        <a:font script="Laoo" typeface="DokChampa"/>
-        <a:font script="Sinh" typeface="Iskoola Pota"/>
-        <a:font script="Mong" typeface="Mongolian Baiti"/>
-        <a:font script="Viet" typeface="Times New Roman"/>
-        <a:font script="Uigh" typeface="Microsoft Uighur"/>
-        <a:font script="Geor" typeface="Sylfaen"/>
-      </a:majorFont>
-      <a:minorFont>
-        <a:latin typeface="Calibri" panose="020F0502020204030204"/>
-        <a:ea typeface=""/>
-        <a:cs typeface=""/>
-        <a:font script="Jpan" typeface="ＭＳ Ｐゴシック"/>
-        <a:font script="Hang" typeface="맑은 고딕"/>
-        <a:font script="Hans" typeface="宋体"/>
-        <a:font script="Hant" typeface="新細明體"/>
-        <a:font script="Arab" typeface="Arial"/>
-        <a:font script="Hebr" typeface="Arial"/>
-        <a:font script="Thai" typeface="Cordia New"/>
-        <a:font script="Ethi" typeface="Nyala"/>
-        <a:font script="Beng" typeface="Vrinda"/>
-        <a:font script="Gujr" typeface="Shruti"/>
-        <a:font script="Khmr" typeface="DaunPenh"/>
-        <a:font script="Knda" typeface="Tunga"/>
-        <a:font script="Guru" typeface="Raavi"/>
-        <a:font script="Cans" typeface="Euphemia"/>
-        <a:font script="Cher" typeface="Plantagenet Cherokee"/>
-        <a:font script="Yiii" typeface="Microsoft Yi Baiti"/>
-        <a:font script="Tibt" typeface="Microsoft Himalaya"/>
-        <a:font script="Thaa" typeface="MV Boli"/>
-        <a:font script="Deva" typeface="Mangal"/>
-        <a:font script="Telu" typeface="Gautami"/>
-        <a:font script="Taml" typeface="Latha"/>
-        <a:font script="Syrc" typeface="Estrangelo Edessa"/>
-        <a:font script="Orya" typeface="Kalinga"/>
-        <a:font script="Mlym" typeface="Kartika"/>
-        <a:font script="Laoo" typeface="DokChampa"/>
-        <a:font script="Sinh" typeface="Iskoola Pota"/>
-        <a:font script="Mong" typeface="Mongolian Baiti"/>
-        <a:font script="Viet" typeface="Arial"/>
-        <a:font script="Uigh" typeface="Microsoft Uighur"/>
-        <a:font script="Geor" typeface="Sylfaen"/>
-      </a:minorFont>
-    </a:fontScheme>
-    <a:fmtScheme name="Office">
-      <a:fillStyleLst>
-        <a:solidFill>
-          <a:schemeClr val="phClr"/>
-        </a:solidFill>
-        <a:gradFill rotWithShape="1">
-          <a:gsLst>
-            <a:gs pos="0">
-              <a:schemeClr val="phClr">
-                <a:lumMod val="110000"/>
-                <a:satMod val="105000"/>
-                <a:tint val="67000"/>
-              </a:schemeClr>
-            </a:gs>
-            <a:gs pos="50000">
-              <a:schemeClr val="phClr">
-                <a:lumMod val="105000"/>
-                <a:satMod val="103000"/>
-                <a:tint val="73000"/>
-              </a:schemeClr>
-            </a:gs>
-            <a:gs pos="100000">
-              <a:schemeClr val="phClr">
-                <a:lumMod val="105000"/>
-                <a:satMod val="109000"/>
-                <a:tint val="81000"/>
-              </a:schemeClr>
-            </a:gs>
-          </a:gsLst>
-          <a:lin ang="5400000" scaled="0"/>
-        </a:gradFill>
-        <a:gradFill rotWithShape="1">
-          <a:gsLst>
-            <a:gs pos="0">
-              <a:schemeClr val="phClr">
-                <a:satMod val="103000"/>
-                <a:lumMod val="102000"/>
-                <a:tint val="94000"/>
-              </a:schemeClr>
-            </a:gs>
-            <a:gs pos="50000">
-              <a:schemeClr val="phClr">
-                <a:satMod val="110000"/>
-                <a:lumMod val="100000"/>
-                <a:shade val="100000"/>
-              </a:schemeClr>
-            </a:gs>
-            <a:gs pos="100000">
-              <a:schemeClr val="phClr">
-                <a:lumMod val="99000"/>
-                <a:satMod val="120000"/>
-                <a:shade val="78000"/>
-              </a:schemeClr>
-            </a:gs>
-          </a:gsLst>
-          <a:lin ang="5400000" scaled="0"/>
-        </a:gradFill>
-      </a:fillStyleLst>
-      <a:lnStyleLst>
-        <a:ln w="6350" cap="flat" cmpd="sng" algn="ctr">
-          <a:solidFill>
-            <a:schemeClr val="phClr"/>
-          </a:solidFill>
-          <a:prstDash val="solid"/>
-          <a:miter lim="800000"/>
-        </a:ln>
-        <a:ln w="12700" cap="flat" cmpd="sng" algn="ctr">
-          <a:solidFill>
-            <a:schemeClr val="phClr"/>
-          </a:solidFill>
-          <a:prstDash val="solid"/>
-          <a:miter lim="800000"/>
-        </a:ln>
-        <a:ln w="19050" cap="flat" cmpd="sng" algn="ctr">
-          <a:solidFill>
-            <a:schemeClr val="phClr"/>
-          </a:solidFill>
-          <a:prstDash val="solid"/>
-          <a:miter lim="800000"/>
-        </a:ln>
-      </a:lnStyleLst>
-      <a:effectStyleLst>
-        <a:effectStyle>
-          <a:effectLst/>
-        </a:effectStyle>
-        <a:effectStyle>
-          <a:effectLst/>
-        </a:effectStyle>
-        <a:effectStyle>
-          <a:effectLst>
-            <a:outerShdw blurRad="57150" dist="19050" dir="5400000" algn="ctr" rotWithShape="0">
-              <a:srgbClr val="000000">
-                <a:alpha val="63000"/>
-              </a:srgbClr>
-            </a:outerShdw>
-          </a:effectLst>
-        </a:effectStyle>
-      </a:effectStyleLst>
-      <a:bgFillStyleLst>
-        <a:solidFill>
-          <a:schemeClr val="phClr"/>
-        </a:solidFill>
-        <a:solidFill>
-          <a:schemeClr val="phClr">
-            <a:tint val="95000"/>
-            <a:satMod val="170000"/>
-          </a:schemeClr>
-        </a:solidFill>
-        <a:gradFill rotWithShape="1">
-          <a:gsLst>
-            <a:gs pos="0">
-              <a:schemeClr val="phClr">
-                <a:tint val="93000"/>
-                <a:satMod val="150000"/>
-                <a:shade val="98000"/>
-                <a:lumMod val="102000"/>
-              </a:schemeClr>
-            </a:gs>
-            <a:gs pos="50000">
-              <a:schemeClr val="phClr">
-                <a:tint val="98000"/>
-                <a:satMod val="130000"/>
-                <a:shade val="90000"/>
-                <a:lumMod val="103000"/>
-              </a:schemeClr>
-            </a:gs>
-            <a:gs pos="100000">
-              <a:schemeClr val="phClr">
-                <a:shade val="63000"/>
-                <a:satMod val="120000"/>
-              </a:schemeClr>
-            </a:gs>
-          </a:gsLst>
-          <a:lin ang="5400000" scaled="0"/>
-        </a:gradFill>
-      </a:bgFillStyleLst>
-    </a:fmtScheme>
-  </a:themeElements>
-  <a:objectDefaults/>
-  <a:extraClrSchemeLst/>
-  <a:extLst>
-    <a:ext uri="{05A4C25C-085E-4340-85A3-A5531E510DB2}">
-      <thm15:themeFamily xmlns:thm15="http://schemas.microsoft.com/office/thememl/2012/main" name="Office Theme" id="{62F939B6-93AF-4DB8-9C6B-D6C7DFDC589F}" vid="{4A3C46E8-61CC-4603-A589-7422A47A8E4A}"/>
-    </a:ext>
-  </a:extLst>
-</a:theme>
 </file>
--- a/content/pptxoutpt.pptx
+++ b/content/pptxoutpt.pptx
@@ -22,6 +22,7 @@
     <p:sldId id="270" r:id="rId16"/>
     <p:sldId id="271" r:id="rId17"/>
     <p:sldId id="272" r:id="rId18"/>
+    <p:sldId id="273" r:id="rId19"/>
   </p:sldIdLst>
   <p:sldSz cx="12192000" cy="6858000"/>
   <p:notesSz cx="6858000" cy="9144000"/>
@@ -1144,7 +1145,7 @@
 </file>
 
 <file path=ppt/slideLayouts/slideLayout3.xml><?xml version="1.0" encoding="utf-8"?>
-<p:sldLayout xmlns:a="http://schemas.openxmlformats.org/drawingml/2006/main" xmlns:r="http://schemas.openxmlformats.org/officeDocument/2006/relationships" xmlns:p="http://schemas.openxmlformats.org/presentationml/2006/main" type="secHead" preserve="1">
+<p:sldLayout xmlns:a="http://schemas.openxmlformats.org/drawingml/2006/main" xmlns:r="http://schemas.openxmlformats.org/officeDocument/2006/relationships" xmlns:p="http://schemas.openxmlformats.org/presentationml/2006/main" preserve="1" userDrawn="1">
   <p:cSld name="Section Header">
     <p:spTree>
       <p:nvGrpSpPr>
@@ -1160,190 +1161,2074 @@
           <a:chExt cx="0" cy="0"/>
         </a:xfrm>
       </p:grpSpPr>
-      <p:sp>
-        <p:nvSpPr>
-          <p:cNvPr id="2" name="Title 1">
-            <a:extLst>
-              <a:ext uri="{FF2B5EF4-FFF2-40B4-BE49-F238E27FC236}">
-                <a16:creationId xmlns:a16="http://schemas.microsoft.com/office/drawing/2014/main" id="{6D0EF1AF-749A-441C-A6E5-82B73DEE1069}"/>
-              </a:ext>
-            </a:extLst>
-          </p:cNvPr>
-          <p:cNvSpPr>
-            <a:spLocks noGrp="1"/>
-          </p:cNvSpPr>
-          <p:nvPr>
-            <p:ph type="title"/>
-          </p:nvPr>
-        </p:nvSpPr>
+      <p:pic>
+        <p:nvPicPr>
+          <p:cNvPr id="7" name="Picture 6">
+            <a:extLst>
+              <a:ext uri="{FF2B5EF4-FFF2-40B4-BE49-F238E27FC236}">
+                <a16:creationId xmlns:a16="http://schemas.microsoft.com/office/drawing/2014/main" id="{8A8AD206-46D9-1F1A-63D0-A9FFB503F9D1}"/>
+              </a:ext>
+            </a:extLst>
+          </p:cNvPr>
+          <p:cNvPicPr>
+            <a:picLocks noChangeAspect="1"/>
+          </p:cNvPicPr>
+          <p:nvPr userDrawn="1"/>
+        </p:nvPicPr>
+        <p:blipFill rotWithShape="1">
+          <a:blip r:embed="rId2" cstate="screen">
+            <a:extLst>
+              <a:ext uri="{28A0092B-C50C-407E-A947-70E740481C1C}">
+                <a14:useLocalDpi xmlns:a14="http://schemas.microsoft.com/office/drawing/2010/main"/>
+              </a:ext>
+            </a:extLst>
+          </a:blip>
+          <a:srcRect/>
+          <a:stretch/>
+        </p:blipFill>
         <p:spPr>
           <a:xfrm>
-            <a:off x="831850" y="1709738"/>
-            <a:ext cx="10515600" cy="2852737"/>
+            <a:off x="1" y="1"/>
+            <a:ext cx="12192000" cy="6857999"/>
+          </a:xfrm>
+          <a:prstGeom prst="rect">
+            <a:avLst/>
+          </a:prstGeom>
+        </p:spPr>
+      </p:pic>
+      <p:sp>
+        <p:nvSpPr>
+          <p:cNvPr id="8" name="Rectangle 7">
+            <a:extLst>
+              <a:ext uri="{FF2B5EF4-FFF2-40B4-BE49-F238E27FC236}">
+                <a16:creationId xmlns:a16="http://schemas.microsoft.com/office/drawing/2014/main" id="{D5CE9FB6-6948-F33D-CB6E-7FC93F71D6E1}"/>
+              </a:ext>
+            </a:extLst>
+          </p:cNvPr>
+          <p:cNvSpPr/>
+          <p:nvPr userDrawn="1"/>
+        </p:nvSpPr>
+        <p:spPr>
+          <a:xfrm>
+            <a:off x="0" y="0"/>
+            <a:ext cx="4906046" cy="6858000"/>
+          </a:xfrm>
+          <a:prstGeom prst="rect">
+            <a:avLst/>
+          </a:prstGeom>
+          <a:solidFill>
+            <a:schemeClr val="accent1">
+              <a:alpha val="82000"/>
+            </a:schemeClr>
+          </a:solidFill>
+          <a:ln>
+            <a:noFill/>
+          </a:ln>
+        </p:spPr>
+        <p:style>
+          <a:lnRef idx="2">
+            <a:schemeClr val="accent1">
+              <a:shade val="50000"/>
+            </a:schemeClr>
+          </a:lnRef>
+          <a:fillRef idx="1">
+            <a:schemeClr val="accent1"/>
+          </a:fillRef>
+          <a:effectRef idx="0">
+            <a:schemeClr val="accent1"/>
+          </a:effectRef>
+          <a:fontRef idx="minor">
+            <a:schemeClr val="lt1"/>
+          </a:fontRef>
+        </p:style>
+        <p:txBody>
+          <a:bodyPr rtlCol="0" anchor="ctr"/>
+          <a:lstStyle/>
+          <a:p>
+            <a:pPr algn="ctr"/>
+            <a:endParaRPr lang="en-US"/>
+          </a:p>
+        </p:txBody>
+      </p:sp>
+      <p:sp>
+        <p:nvSpPr>
+          <p:cNvPr id="9" name="Freeform: Shape 14">
+            <a:extLst>
+              <a:ext uri="{FF2B5EF4-FFF2-40B4-BE49-F238E27FC236}">
+                <a16:creationId xmlns:a16="http://schemas.microsoft.com/office/drawing/2014/main" id="{227FF8E3-0493-9116-5526-9C0BE824160A}"/>
+              </a:ext>
+            </a:extLst>
+          </p:cNvPr>
+          <p:cNvSpPr/>
+          <p:nvPr userDrawn="1"/>
+        </p:nvSpPr>
+        <p:spPr>
+          <a:xfrm>
+            <a:off x="0" y="3413126"/>
+            <a:ext cx="3656180" cy="3444875"/>
+          </a:xfrm>
+          <a:custGeom>
+            <a:avLst/>
+            <a:gdLst>
+              <a:gd name="connsiteX0" fmla="*/ 3548079 w 3656180"/>
+              <a:gd name="connsiteY0" fmla="*/ 3397376 h 3444875"/>
+              <a:gd name="connsiteX1" fmla="*/ 3532636 w 3656180"/>
+              <a:gd name="connsiteY1" fmla="*/ 3444875 h 3444875"/>
+              <a:gd name="connsiteX2" fmla="*/ 3498557 w 3656180"/>
+              <a:gd name="connsiteY2" fmla="*/ 3444875 h 3444875"/>
+              <a:gd name="connsiteX3" fmla="*/ 3632186 w 3656180"/>
+              <a:gd name="connsiteY3" fmla="*/ 3005171 h 3444875"/>
+              <a:gd name="connsiteX4" fmla="*/ 3619689 w 3656180"/>
+              <a:gd name="connsiteY4" fmla="*/ 3087624 h 3444875"/>
+              <a:gd name="connsiteX5" fmla="*/ 3274274 w 3656180"/>
+              <a:gd name="connsiteY5" fmla="*/ 3444875 h 3444875"/>
+              <a:gd name="connsiteX6" fmla="*/ 3173756 w 3656180"/>
+              <a:gd name="connsiteY6" fmla="*/ 3444875 h 3444875"/>
+              <a:gd name="connsiteX7" fmla="*/ 3656180 w 3656180"/>
+              <a:gd name="connsiteY7" fmla="*/ 2670622 h 3444875"/>
+              <a:gd name="connsiteX8" fmla="*/ 3655079 w 3656180"/>
+              <a:gd name="connsiteY8" fmla="*/ 2727515 h 3444875"/>
+              <a:gd name="connsiteX9" fmla="*/ 2961486 w 3656180"/>
+              <a:gd name="connsiteY9" fmla="*/ 3444875 h 3444875"/>
+              <a:gd name="connsiteX10" fmla="*/ 2848952 w 3656180"/>
+              <a:gd name="connsiteY10" fmla="*/ 3444875 h 3444875"/>
+              <a:gd name="connsiteX11" fmla="*/ 3642163 w 3656180"/>
+              <a:gd name="connsiteY11" fmla="*/ 2372524 h 3444875"/>
+              <a:gd name="connsiteX12" fmla="*/ 3646069 w 3656180"/>
+              <a:gd name="connsiteY12" fmla="*/ 2413324 h 3444875"/>
+              <a:gd name="connsiteX13" fmla="*/ 2648697 w 3656180"/>
+              <a:gd name="connsiteY13" fmla="*/ 3444875 h 3444875"/>
+              <a:gd name="connsiteX14" fmla="*/ 2524143 w 3656180"/>
+              <a:gd name="connsiteY14" fmla="*/ 3444875 h 3444875"/>
+              <a:gd name="connsiteX15" fmla="*/ 3599765 w 3656180"/>
+              <a:gd name="connsiteY15" fmla="*/ 2101653 h 3444875"/>
+              <a:gd name="connsiteX16" fmla="*/ 3605841 w 3656180"/>
+              <a:gd name="connsiteY16" fmla="*/ 2131427 h 3444875"/>
+              <a:gd name="connsiteX17" fmla="*/ 2335906 w 3656180"/>
+              <a:gd name="connsiteY17" fmla="*/ 3444875 h 3444875"/>
+              <a:gd name="connsiteX18" fmla="*/ 2199336 w 3656180"/>
+              <a:gd name="connsiteY18" fmla="*/ 3444875 h 3444875"/>
+              <a:gd name="connsiteX19" fmla="*/ 3534501 w 3656180"/>
+              <a:gd name="connsiteY19" fmla="*/ 1852715 h 3444875"/>
+              <a:gd name="connsiteX20" fmla="*/ 3541305 w 3656180"/>
+              <a:gd name="connsiteY20" fmla="*/ 1874665 h 3444875"/>
+              <a:gd name="connsiteX21" fmla="*/ 2023117 w 3656180"/>
+              <a:gd name="connsiteY21" fmla="*/ 3444875 h 3444875"/>
+              <a:gd name="connsiteX22" fmla="*/ 1874535 w 3656180"/>
+              <a:gd name="connsiteY22" fmla="*/ 3444875 h 3444875"/>
+              <a:gd name="connsiteX23" fmla="*/ 3449800 w 3656180"/>
+              <a:gd name="connsiteY23" fmla="*/ 1622417 h 3444875"/>
+              <a:gd name="connsiteX24" fmla="*/ 3456617 w 3656180"/>
+              <a:gd name="connsiteY24" fmla="*/ 1638749 h 3444875"/>
+              <a:gd name="connsiteX25" fmla="*/ 1710333 w 3656180"/>
+              <a:gd name="connsiteY25" fmla="*/ 3444875 h 3444875"/>
+              <a:gd name="connsiteX26" fmla="*/ 1549729 w 3656180"/>
+              <a:gd name="connsiteY26" fmla="*/ 3444875 h 3444875"/>
+              <a:gd name="connsiteX27" fmla="*/ 3347982 w 3656180"/>
+              <a:gd name="connsiteY27" fmla="*/ 1408540 h 3444875"/>
+              <a:gd name="connsiteX28" fmla="*/ 3354494 w 3656180"/>
+              <a:gd name="connsiteY28" fmla="*/ 1420867 h 3444875"/>
+              <a:gd name="connsiteX29" fmla="*/ 1397545 w 3656180"/>
+              <a:gd name="connsiteY29" fmla="*/ 3444875 h 3444875"/>
+              <a:gd name="connsiteX30" fmla="*/ 1224922 w 3656180"/>
+              <a:gd name="connsiteY30" fmla="*/ 3444875 h 3444875"/>
+              <a:gd name="connsiteX31" fmla="*/ 3230590 w 3656180"/>
+              <a:gd name="connsiteY31" fmla="*/ 1209610 h 3444875"/>
+              <a:gd name="connsiteX32" fmla="*/ 3236787 w 3656180"/>
+              <a:gd name="connsiteY32" fmla="*/ 1219113 h 3444875"/>
+              <a:gd name="connsiteX33" fmla="*/ 1084761 w 3656180"/>
+              <a:gd name="connsiteY33" fmla="*/ 3444875 h 3444875"/>
+              <a:gd name="connsiteX34" fmla="*/ 900119 w 3656180"/>
+              <a:gd name="connsiteY34" fmla="*/ 3444875 h 3444875"/>
+              <a:gd name="connsiteX35" fmla="*/ 3098633 w 3656180"/>
+              <a:gd name="connsiteY35" fmla="*/ 1024630 h 3444875"/>
+              <a:gd name="connsiteX36" fmla="*/ 3104614 w 3656180"/>
+              <a:gd name="connsiteY36" fmla="*/ 1032303 h 3444875"/>
+              <a:gd name="connsiteX37" fmla="*/ 771968 w 3656180"/>
+              <a:gd name="connsiteY37" fmla="*/ 3444875 h 3444875"/>
+              <a:gd name="connsiteX38" fmla="*/ 575311 w 3656180"/>
+              <a:gd name="connsiteY38" fmla="*/ 3444875 h 3444875"/>
+              <a:gd name="connsiteX39" fmla="*/ 2952730 w 3656180"/>
+              <a:gd name="connsiteY39" fmla="*/ 853035 h 3444875"/>
+              <a:gd name="connsiteX40" fmla="*/ 2958798 w 3656180"/>
+              <a:gd name="connsiteY40" fmla="*/ 859603 h 3444875"/>
+              <a:gd name="connsiteX41" fmla="*/ 459182 w 3656180"/>
+              <a:gd name="connsiteY41" fmla="*/ 3444875 h 3444875"/>
+              <a:gd name="connsiteX42" fmla="*/ 250505 w 3656180"/>
+              <a:gd name="connsiteY42" fmla="*/ 3444875 h 3444875"/>
+              <a:gd name="connsiteX43" fmla="*/ 2793131 w 3656180"/>
+              <a:gd name="connsiteY43" fmla="*/ 694585 h 3444875"/>
+              <a:gd name="connsiteX44" fmla="*/ 2799725 w 3656180"/>
+              <a:gd name="connsiteY44" fmla="*/ 700629 h 3444875"/>
+              <a:gd name="connsiteX45" fmla="*/ 146395 w 3656180"/>
+              <a:gd name="connsiteY45" fmla="*/ 3444875 h 3444875"/>
+              <a:gd name="connsiteX46" fmla="*/ 0 w 3656180"/>
+              <a:gd name="connsiteY46" fmla="*/ 3444875 h 3444875"/>
+              <a:gd name="connsiteX47" fmla="*/ 0 w 3656180"/>
+              <a:gd name="connsiteY47" fmla="*/ 3373614 h 3444875"/>
+              <a:gd name="connsiteX48" fmla="*/ 2619730 w 3656180"/>
+              <a:gd name="connsiteY48" fmla="*/ 549358 h 3444875"/>
+              <a:gd name="connsiteX49" fmla="*/ 2627431 w 3656180"/>
+              <a:gd name="connsiteY49" fmla="*/ 555312 h 3444875"/>
+              <a:gd name="connsiteX50" fmla="*/ 0 w 3656180"/>
+              <a:gd name="connsiteY50" fmla="*/ 3272777 h 3444875"/>
+              <a:gd name="connsiteX51" fmla="*/ 0 w 3656180"/>
+              <a:gd name="connsiteY51" fmla="*/ 3062073 h 3444875"/>
+              <a:gd name="connsiteX52" fmla="*/ 2432170 w 3656180"/>
+              <a:gd name="connsiteY52" fmla="*/ 417720 h 3444875"/>
+              <a:gd name="connsiteX53" fmla="*/ 2441711 w 3656180"/>
+              <a:gd name="connsiteY53" fmla="*/ 423891 h 3444875"/>
+              <a:gd name="connsiteX54" fmla="*/ 0 w 3656180"/>
+              <a:gd name="connsiteY54" fmla="*/ 2949268 h 3444875"/>
+              <a:gd name="connsiteX55" fmla="*/ 0 w 3656180"/>
+              <a:gd name="connsiteY55" fmla="*/ 2750542 h 3444875"/>
+              <a:gd name="connsiteX56" fmla="*/ 2229608 w 3656180"/>
+              <a:gd name="connsiteY56" fmla="*/ 300471 h 3444875"/>
+              <a:gd name="connsiteX57" fmla="*/ 2241987 w 3656180"/>
+              <a:gd name="connsiteY57" fmla="*/ 306955 h 3444875"/>
+              <a:gd name="connsiteX58" fmla="*/ 0 w 3656180"/>
+              <a:gd name="connsiteY58" fmla="*/ 2625766 h 3444875"/>
+              <a:gd name="connsiteX59" fmla="*/ 0 w 3656180"/>
+              <a:gd name="connsiteY59" fmla="*/ 2438996 h 3444875"/>
+              <a:gd name="connsiteX60" fmla="*/ 2010843 w 3656180"/>
+              <a:gd name="connsiteY60" fmla="*/ 198759 h 3444875"/>
+              <a:gd name="connsiteX61" fmla="*/ 2027243 w 3656180"/>
+              <a:gd name="connsiteY61" fmla="*/ 205550 h 3444875"/>
+              <a:gd name="connsiteX62" fmla="*/ 0 w 3656180"/>
+              <a:gd name="connsiteY62" fmla="*/ 2302258 h 3444875"/>
+              <a:gd name="connsiteX63" fmla="*/ 0 w 3656180"/>
+              <a:gd name="connsiteY63" fmla="*/ 2127460 h 3444875"/>
+              <a:gd name="connsiteX64" fmla="*/ 1773991 w 3656180"/>
+              <a:gd name="connsiteY64" fmla="*/ 114408 h 3444875"/>
+              <a:gd name="connsiteX65" fmla="*/ 1796028 w 3656180"/>
+              <a:gd name="connsiteY65" fmla="*/ 121185 h 3444875"/>
+              <a:gd name="connsiteX66" fmla="*/ 0 w 3656180"/>
+              <a:gd name="connsiteY66" fmla="*/ 1978755 h 3444875"/>
+              <a:gd name="connsiteX67" fmla="*/ 0 w 3656180"/>
+              <a:gd name="connsiteY67" fmla="*/ 1815934 h 3444875"/>
+              <a:gd name="connsiteX68" fmla="*/ 245157 w 3656180"/>
+              <a:gd name="connsiteY68" fmla="*/ 107669 h 3444875"/>
+              <a:gd name="connsiteX69" fmla="*/ 0 w 3656180"/>
+              <a:gd name="connsiteY69" fmla="*/ 361226 h 3444875"/>
+              <a:gd name="connsiteX70" fmla="*/ 0 w 3656180"/>
+              <a:gd name="connsiteY70" fmla="*/ 258242 h 3444875"/>
+              <a:gd name="connsiteX71" fmla="*/ 112323 w 3656180"/>
+              <a:gd name="connsiteY71" fmla="*/ 150509 h 3444875"/>
+              <a:gd name="connsiteX72" fmla="*/ 245157 w 3656180"/>
+              <a:gd name="connsiteY72" fmla="*/ 107669 h 3444875"/>
+              <a:gd name="connsiteX73" fmla="*/ 1516194 w 3656180"/>
+              <a:gd name="connsiteY73" fmla="*/ 50130 h 3444875"/>
+              <a:gd name="connsiteX74" fmla="*/ 1546086 w 3656180"/>
+              <a:gd name="connsiteY74" fmla="*/ 56182 h 3444875"/>
+              <a:gd name="connsiteX75" fmla="*/ 0 w 3656180"/>
+              <a:gd name="connsiteY75" fmla="*/ 1655245 h 3444875"/>
+              <a:gd name="connsiteX76" fmla="*/ 0 w 3656180"/>
+              <a:gd name="connsiteY76" fmla="*/ 1504390 h 3444875"/>
+              <a:gd name="connsiteX77" fmla="*/ 638934 w 3656180"/>
+              <a:gd name="connsiteY77" fmla="*/ 23899 h 3444875"/>
+              <a:gd name="connsiteX78" fmla="*/ 0 w 3656180"/>
+              <a:gd name="connsiteY78" fmla="*/ 684727 h 3444875"/>
+              <a:gd name="connsiteX79" fmla="*/ 0 w 3656180"/>
+              <a:gd name="connsiteY79" fmla="*/ 569779 h 3444875"/>
+              <a:gd name="connsiteX80" fmla="*/ 556153 w 3656180"/>
+              <a:gd name="connsiteY80" fmla="*/ 36345 h 3444875"/>
+              <a:gd name="connsiteX81" fmla="*/ 638934 w 3656180"/>
+              <a:gd name="connsiteY81" fmla="*/ 23899 h 3444875"/>
+              <a:gd name="connsiteX82" fmla="*/ 1233160 w 3656180"/>
+              <a:gd name="connsiteY82" fmla="*/ 10073 h 3444875"/>
+              <a:gd name="connsiteX83" fmla="*/ 1274124 w 3656180"/>
+              <a:gd name="connsiteY83" fmla="*/ 13967 h 3444875"/>
+              <a:gd name="connsiteX84" fmla="*/ 0 w 3656180"/>
+              <a:gd name="connsiteY84" fmla="*/ 1331746 h 3444875"/>
+              <a:gd name="connsiteX85" fmla="*/ 0 w 3656180"/>
+              <a:gd name="connsiteY85" fmla="*/ 1192857 h 3444875"/>
+              <a:gd name="connsiteX86" fmla="*/ 974826 w 3656180"/>
+              <a:gd name="connsiteY86" fmla="*/ 0 h 3444875"/>
+              <a:gd name="connsiteX87" fmla="*/ 0 w 3656180"/>
+              <a:gd name="connsiteY87" fmla="*/ 1008229 h 3444875"/>
+              <a:gd name="connsiteX88" fmla="*/ 0 w 3656180"/>
+              <a:gd name="connsiteY88" fmla="*/ 881312 h 3444875"/>
+              <a:gd name="connsiteX89" fmla="*/ 917705 w 3656180"/>
+              <a:gd name="connsiteY89" fmla="*/ 1092 h 3444875"/>
+              <a:gd name="connsiteX90" fmla="*/ 974826 w 3656180"/>
+              <a:gd name="connsiteY90" fmla="*/ 0 h 3444875"/>
+            </a:gdLst>
+            <a:ahLst/>
+            <a:cxnLst>
+              <a:cxn ang="0">
+                <a:pos x="connsiteX0" y="connsiteY0"/>
+              </a:cxn>
+              <a:cxn ang="0">
+                <a:pos x="connsiteX1" y="connsiteY1"/>
+              </a:cxn>
+              <a:cxn ang="0">
+                <a:pos x="connsiteX2" y="connsiteY2"/>
+              </a:cxn>
+              <a:cxn ang="0">
+                <a:pos x="connsiteX3" y="connsiteY3"/>
+              </a:cxn>
+              <a:cxn ang="0">
+                <a:pos x="connsiteX4" y="connsiteY4"/>
+              </a:cxn>
+              <a:cxn ang="0">
+                <a:pos x="connsiteX5" y="connsiteY5"/>
+              </a:cxn>
+              <a:cxn ang="0">
+                <a:pos x="connsiteX6" y="connsiteY6"/>
+              </a:cxn>
+              <a:cxn ang="0">
+                <a:pos x="connsiteX7" y="connsiteY7"/>
+              </a:cxn>
+              <a:cxn ang="0">
+                <a:pos x="connsiteX8" y="connsiteY8"/>
+              </a:cxn>
+              <a:cxn ang="0">
+                <a:pos x="connsiteX9" y="connsiteY9"/>
+              </a:cxn>
+              <a:cxn ang="0">
+                <a:pos x="connsiteX10" y="connsiteY10"/>
+              </a:cxn>
+              <a:cxn ang="0">
+                <a:pos x="connsiteX11" y="connsiteY11"/>
+              </a:cxn>
+              <a:cxn ang="0">
+                <a:pos x="connsiteX12" y="connsiteY12"/>
+              </a:cxn>
+              <a:cxn ang="0">
+                <a:pos x="connsiteX13" y="connsiteY13"/>
+              </a:cxn>
+              <a:cxn ang="0">
+                <a:pos x="connsiteX14" y="connsiteY14"/>
+              </a:cxn>
+              <a:cxn ang="0">
+                <a:pos x="connsiteX15" y="connsiteY15"/>
+              </a:cxn>
+              <a:cxn ang="0">
+                <a:pos x="connsiteX16" y="connsiteY16"/>
+              </a:cxn>
+              <a:cxn ang="0">
+                <a:pos x="connsiteX17" y="connsiteY17"/>
+              </a:cxn>
+              <a:cxn ang="0">
+                <a:pos x="connsiteX18" y="connsiteY18"/>
+              </a:cxn>
+              <a:cxn ang="0">
+                <a:pos x="connsiteX19" y="connsiteY19"/>
+              </a:cxn>
+              <a:cxn ang="0">
+                <a:pos x="connsiteX20" y="connsiteY20"/>
+              </a:cxn>
+              <a:cxn ang="0">
+                <a:pos x="connsiteX21" y="connsiteY21"/>
+              </a:cxn>
+              <a:cxn ang="0">
+                <a:pos x="connsiteX22" y="connsiteY22"/>
+              </a:cxn>
+              <a:cxn ang="0">
+                <a:pos x="connsiteX23" y="connsiteY23"/>
+              </a:cxn>
+              <a:cxn ang="0">
+                <a:pos x="connsiteX24" y="connsiteY24"/>
+              </a:cxn>
+              <a:cxn ang="0">
+                <a:pos x="connsiteX25" y="connsiteY25"/>
+              </a:cxn>
+              <a:cxn ang="0">
+                <a:pos x="connsiteX26" y="connsiteY26"/>
+              </a:cxn>
+              <a:cxn ang="0">
+                <a:pos x="connsiteX27" y="connsiteY27"/>
+              </a:cxn>
+              <a:cxn ang="0">
+                <a:pos x="connsiteX28" y="connsiteY28"/>
+              </a:cxn>
+              <a:cxn ang="0">
+                <a:pos x="connsiteX29" y="connsiteY29"/>
+              </a:cxn>
+              <a:cxn ang="0">
+                <a:pos x="connsiteX30" y="connsiteY30"/>
+              </a:cxn>
+              <a:cxn ang="0">
+                <a:pos x="connsiteX31" y="connsiteY31"/>
+              </a:cxn>
+              <a:cxn ang="0">
+                <a:pos x="connsiteX32" y="connsiteY32"/>
+              </a:cxn>
+              <a:cxn ang="0">
+                <a:pos x="connsiteX33" y="connsiteY33"/>
+              </a:cxn>
+              <a:cxn ang="0">
+                <a:pos x="connsiteX34" y="connsiteY34"/>
+              </a:cxn>
+              <a:cxn ang="0">
+                <a:pos x="connsiteX35" y="connsiteY35"/>
+              </a:cxn>
+              <a:cxn ang="0">
+                <a:pos x="connsiteX36" y="connsiteY36"/>
+              </a:cxn>
+              <a:cxn ang="0">
+                <a:pos x="connsiteX37" y="connsiteY37"/>
+              </a:cxn>
+              <a:cxn ang="0">
+                <a:pos x="connsiteX38" y="connsiteY38"/>
+              </a:cxn>
+              <a:cxn ang="0">
+                <a:pos x="connsiteX39" y="connsiteY39"/>
+              </a:cxn>
+              <a:cxn ang="0">
+                <a:pos x="connsiteX40" y="connsiteY40"/>
+              </a:cxn>
+              <a:cxn ang="0">
+                <a:pos x="connsiteX41" y="connsiteY41"/>
+              </a:cxn>
+              <a:cxn ang="0">
+                <a:pos x="connsiteX42" y="connsiteY42"/>
+              </a:cxn>
+              <a:cxn ang="0">
+                <a:pos x="connsiteX43" y="connsiteY43"/>
+              </a:cxn>
+              <a:cxn ang="0">
+                <a:pos x="connsiteX44" y="connsiteY44"/>
+              </a:cxn>
+              <a:cxn ang="0">
+                <a:pos x="connsiteX45" y="connsiteY45"/>
+              </a:cxn>
+              <a:cxn ang="0">
+                <a:pos x="connsiteX46" y="connsiteY46"/>
+              </a:cxn>
+              <a:cxn ang="0">
+                <a:pos x="connsiteX47" y="connsiteY47"/>
+              </a:cxn>
+              <a:cxn ang="0">
+                <a:pos x="connsiteX48" y="connsiteY48"/>
+              </a:cxn>
+              <a:cxn ang="0">
+                <a:pos x="connsiteX49" y="connsiteY49"/>
+              </a:cxn>
+              <a:cxn ang="0">
+                <a:pos x="connsiteX50" y="connsiteY50"/>
+              </a:cxn>
+              <a:cxn ang="0">
+                <a:pos x="connsiteX51" y="connsiteY51"/>
+              </a:cxn>
+              <a:cxn ang="0">
+                <a:pos x="connsiteX52" y="connsiteY52"/>
+              </a:cxn>
+              <a:cxn ang="0">
+                <a:pos x="connsiteX53" y="connsiteY53"/>
+              </a:cxn>
+              <a:cxn ang="0">
+                <a:pos x="connsiteX54" y="connsiteY54"/>
+              </a:cxn>
+              <a:cxn ang="0">
+                <a:pos x="connsiteX55" y="connsiteY55"/>
+              </a:cxn>
+              <a:cxn ang="0">
+                <a:pos x="connsiteX56" y="connsiteY56"/>
+              </a:cxn>
+              <a:cxn ang="0">
+                <a:pos x="connsiteX57" y="connsiteY57"/>
+              </a:cxn>
+              <a:cxn ang="0">
+                <a:pos x="connsiteX58" y="connsiteY58"/>
+              </a:cxn>
+              <a:cxn ang="0">
+                <a:pos x="connsiteX59" y="connsiteY59"/>
+              </a:cxn>
+              <a:cxn ang="0">
+                <a:pos x="connsiteX60" y="connsiteY60"/>
+              </a:cxn>
+              <a:cxn ang="0">
+                <a:pos x="connsiteX61" y="connsiteY61"/>
+              </a:cxn>
+              <a:cxn ang="0">
+                <a:pos x="connsiteX62" y="connsiteY62"/>
+              </a:cxn>
+              <a:cxn ang="0">
+                <a:pos x="connsiteX63" y="connsiteY63"/>
+              </a:cxn>
+              <a:cxn ang="0">
+                <a:pos x="connsiteX64" y="connsiteY64"/>
+              </a:cxn>
+              <a:cxn ang="0">
+                <a:pos x="connsiteX65" y="connsiteY65"/>
+              </a:cxn>
+              <a:cxn ang="0">
+                <a:pos x="connsiteX66" y="connsiteY66"/>
+              </a:cxn>
+              <a:cxn ang="0">
+                <a:pos x="connsiteX67" y="connsiteY67"/>
+              </a:cxn>
+              <a:cxn ang="0">
+                <a:pos x="connsiteX68" y="connsiteY68"/>
+              </a:cxn>
+              <a:cxn ang="0">
+                <a:pos x="connsiteX69" y="connsiteY69"/>
+              </a:cxn>
+              <a:cxn ang="0">
+                <a:pos x="connsiteX70" y="connsiteY70"/>
+              </a:cxn>
+              <a:cxn ang="0">
+                <a:pos x="connsiteX71" y="connsiteY71"/>
+              </a:cxn>
+              <a:cxn ang="0">
+                <a:pos x="connsiteX72" y="connsiteY72"/>
+              </a:cxn>
+              <a:cxn ang="0">
+                <a:pos x="connsiteX73" y="connsiteY73"/>
+              </a:cxn>
+              <a:cxn ang="0">
+                <a:pos x="connsiteX74" y="connsiteY74"/>
+              </a:cxn>
+              <a:cxn ang="0">
+                <a:pos x="connsiteX75" y="connsiteY75"/>
+              </a:cxn>
+              <a:cxn ang="0">
+                <a:pos x="connsiteX76" y="connsiteY76"/>
+              </a:cxn>
+              <a:cxn ang="0">
+                <a:pos x="connsiteX77" y="connsiteY77"/>
+              </a:cxn>
+              <a:cxn ang="0">
+                <a:pos x="connsiteX78" y="connsiteY78"/>
+              </a:cxn>
+              <a:cxn ang="0">
+                <a:pos x="connsiteX79" y="connsiteY79"/>
+              </a:cxn>
+              <a:cxn ang="0">
+                <a:pos x="connsiteX80" y="connsiteY80"/>
+              </a:cxn>
+              <a:cxn ang="0">
+                <a:pos x="connsiteX81" y="connsiteY81"/>
+              </a:cxn>
+              <a:cxn ang="0">
+                <a:pos x="connsiteX82" y="connsiteY82"/>
+              </a:cxn>
+              <a:cxn ang="0">
+                <a:pos x="connsiteX83" y="connsiteY83"/>
+              </a:cxn>
+              <a:cxn ang="0">
+                <a:pos x="connsiteX84" y="connsiteY84"/>
+              </a:cxn>
+              <a:cxn ang="0">
+                <a:pos x="connsiteX85" y="connsiteY85"/>
+              </a:cxn>
+              <a:cxn ang="0">
+                <a:pos x="connsiteX86" y="connsiteY86"/>
+              </a:cxn>
+              <a:cxn ang="0">
+                <a:pos x="connsiteX87" y="connsiteY87"/>
+              </a:cxn>
+              <a:cxn ang="0">
+                <a:pos x="connsiteX88" y="connsiteY88"/>
+              </a:cxn>
+              <a:cxn ang="0">
+                <a:pos x="connsiteX89" y="connsiteY89"/>
+              </a:cxn>
+              <a:cxn ang="0">
+                <a:pos x="connsiteX90" y="connsiteY90"/>
+              </a:cxn>
+            </a:cxnLst>
+            <a:rect l="l" t="t" r="r" b="b"/>
+            <a:pathLst>
+              <a:path w="3656180" h="3444875">
+                <a:moveTo>
+                  <a:pt x="3548079" y="3397376"/>
+                </a:moveTo>
+                <a:lnTo>
+                  <a:pt x="3532636" y="3444875"/>
+                </a:lnTo>
+                <a:lnTo>
+                  <a:pt x="3498557" y="3444875"/>
+                </a:lnTo>
+                <a:close/>
+                <a:moveTo>
+                  <a:pt x="3632186" y="3005171"/>
+                </a:moveTo>
+                <a:cubicBezTo>
+                  <a:pt x="3628435" y="3032792"/>
+                  <a:pt x="3624288" y="3060280"/>
+                  <a:pt x="3619689" y="3087624"/>
+                </a:cubicBezTo>
+                <a:lnTo>
+                  <a:pt x="3274274" y="3444875"/>
+                </a:lnTo>
+                <a:lnTo>
+                  <a:pt x="3173756" y="3444875"/>
+                </a:lnTo>
+                <a:close/>
+                <a:moveTo>
+                  <a:pt x="3656180" y="2670622"/>
+                </a:moveTo>
+                <a:cubicBezTo>
+                  <a:pt x="3656017" y="2689636"/>
+                  <a:pt x="3655640" y="2708599"/>
+                  <a:pt x="3655079" y="2727515"/>
+                </a:cubicBezTo>
+                <a:lnTo>
+                  <a:pt x="2961486" y="3444875"/>
+                </a:lnTo>
+                <a:lnTo>
+                  <a:pt x="2848952" y="3444875"/>
+                </a:lnTo>
+                <a:close/>
+                <a:moveTo>
+                  <a:pt x="3642163" y="2372524"/>
+                </a:moveTo>
+                <a:cubicBezTo>
+                  <a:pt x="3643564" y="2386091"/>
+                  <a:pt x="3644870" y="2399697"/>
+                  <a:pt x="3646069" y="2413324"/>
+                </a:cubicBezTo>
+                <a:lnTo>
+                  <a:pt x="2648697" y="3444875"/>
+                </a:lnTo>
+                <a:lnTo>
+                  <a:pt x="2524143" y="3444875"/>
+                </a:lnTo>
+                <a:close/>
+                <a:moveTo>
+                  <a:pt x="3599765" y="2101653"/>
+                </a:moveTo>
+                <a:cubicBezTo>
+                  <a:pt x="3601845" y="2111561"/>
+                  <a:pt x="3603870" y="2121482"/>
+                  <a:pt x="3605841" y="2131427"/>
+                </a:cubicBezTo>
+                <a:lnTo>
+                  <a:pt x="2335906" y="3444875"/>
+                </a:lnTo>
+                <a:lnTo>
+                  <a:pt x="2199336" y="3444875"/>
+                </a:lnTo>
+                <a:close/>
+                <a:moveTo>
+                  <a:pt x="3534501" y="1852715"/>
+                </a:moveTo>
+                <a:cubicBezTo>
+                  <a:pt x="3536804" y="1860014"/>
+                  <a:pt x="3539064" y="1867336"/>
+                  <a:pt x="3541305" y="1874665"/>
+                </a:cubicBezTo>
+                <a:lnTo>
+                  <a:pt x="2023117" y="3444875"/>
+                </a:lnTo>
+                <a:lnTo>
+                  <a:pt x="1874535" y="3444875"/>
+                </a:lnTo>
+                <a:close/>
+                <a:moveTo>
+                  <a:pt x="3449800" y="1622417"/>
+                </a:moveTo>
+                <a:cubicBezTo>
+                  <a:pt x="3452095" y="1627850"/>
+                  <a:pt x="3454360" y="1633297"/>
+                  <a:pt x="3456617" y="1638749"/>
+                </a:cubicBezTo>
+                <a:lnTo>
+                  <a:pt x="1710333" y="3444875"/>
+                </a:lnTo>
+                <a:lnTo>
+                  <a:pt x="1549729" y="3444875"/>
+                </a:lnTo>
+                <a:close/>
+                <a:moveTo>
+                  <a:pt x="3347982" y="1408540"/>
+                </a:moveTo>
+                <a:cubicBezTo>
+                  <a:pt x="3350165" y="1412642"/>
+                  <a:pt x="3352333" y="1416750"/>
+                  <a:pt x="3354494" y="1420867"/>
+                </a:cubicBezTo>
+                <a:lnTo>
+                  <a:pt x="1397545" y="3444875"/>
+                </a:lnTo>
+                <a:lnTo>
+                  <a:pt x="1224922" y="3444875"/>
+                </a:lnTo>
+                <a:close/>
+                <a:moveTo>
+                  <a:pt x="3230590" y="1209610"/>
+                </a:moveTo>
+                <a:cubicBezTo>
+                  <a:pt x="3232651" y="1212778"/>
+                  <a:pt x="3234739" y="1215930"/>
+                  <a:pt x="3236787" y="1219113"/>
+                </a:cubicBezTo>
+                <a:lnTo>
+                  <a:pt x="1084761" y="3444875"/>
+                </a:lnTo>
+                <a:lnTo>
+                  <a:pt x="900119" y="3444875"/>
+                </a:lnTo>
+                <a:close/>
+                <a:moveTo>
+                  <a:pt x="3098633" y="1024630"/>
+                </a:moveTo>
+                <a:cubicBezTo>
+                  <a:pt x="3100632" y="1027185"/>
+                  <a:pt x="3102632" y="1029740"/>
+                  <a:pt x="3104614" y="1032303"/>
+                </a:cubicBezTo>
+                <a:lnTo>
+                  <a:pt x="771968" y="3444875"/>
+                </a:lnTo>
+                <a:lnTo>
+                  <a:pt x="575311" y="3444875"/>
+                </a:lnTo>
+                <a:close/>
+                <a:moveTo>
+                  <a:pt x="2952730" y="853035"/>
+                </a:moveTo>
+                <a:cubicBezTo>
+                  <a:pt x="2954755" y="855216"/>
+                  <a:pt x="2956784" y="857404"/>
+                  <a:pt x="2958798" y="859603"/>
+                </a:cubicBezTo>
+                <a:lnTo>
+                  <a:pt x="459182" y="3444875"/>
+                </a:lnTo>
+                <a:lnTo>
+                  <a:pt x="250505" y="3444875"/>
+                </a:lnTo>
+                <a:close/>
+                <a:moveTo>
+                  <a:pt x="2793131" y="694585"/>
+                </a:moveTo>
+                <a:cubicBezTo>
+                  <a:pt x="2795331" y="696594"/>
+                  <a:pt x="2797525" y="698612"/>
+                  <a:pt x="2799725" y="700629"/>
+                </a:cubicBezTo>
+                <a:lnTo>
+                  <a:pt x="146395" y="3444875"/>
+                </a:lnTo>
+                <a:lnTo>
+                  <a:pt x="0" y="3444875"/>
+                </a:lnTo>
+                <a:lnTo>
+                  <a:pt x="0" y="3373614"/>
+                </a:lnTo>
+                <a:close/>
+                <a:moveTo>
+                  <a:pt x="2619730" y="549358"/>
+                </a:moveTo>
+                <a:cubicBezTo>
+                  <a:pt x="2622301" y="551329"/>
+                  <a:pt x="2624866" y="553324"/>
+                  <a:pt x="2627431" y="555312"/>
+                </a:cubicBezTo>
+                <a:lnTo>
+                  <a:pt x="0" y="3272777"/>
+                </a:lnTo>
+                <a:lnTo>
+                  <a:pt x="0" y="3062073"/>
+                </a:lnTo>
+                <a:close/>
+                <a:moveTo>
+                  <a:pt x="2432170" y="417720"/>
+                </a:moveTo>
+                <a:cubicBezTo>
+                  <a:pt x="2435365" y="419759"/>
+                  <a:pt x="2438532" y="421836"/>
+                  <a:pt x="2441711" y="423891"/>
+                </a:cubicBezTo>
+                <a:lnTo>
+                  <a:pt x="0" y="2949268"/>
+                </a:lnTo>
+                <a:lnTo>
+                  <a:pt x="0" y="2750542"/>
+                </a:lnTo>
+                <a:close/>
+                <a:moveTo>
+                  <a:pt x="2229608" y="300471"/>
+                </a:moveTo>
+                <a:cubicBezTo>
+                  <a:pt x="2233741" y="302622"/>
+                  <a:pt x="2237868" y="304783"/>
+                  <a:pt x="2241987" y="306955"/>
+                </a:cubicBezTo>
+                <a:lnTo>
+                  <a:pt x="0" y="2625766"/>
+                </a:lnTo>
+                <a:lnTo>
+                  <a:pt x="0" y="2438996"/>
+                </a:lnTo>
+                <a:close/>
+                <a:moveTo>
+                  <a:pt x="2010843" y="198759"/>
+                </a:moveTo>
+                <a:cubicBezTo>
+                  <a:pt x="2016323" y="201008"/>
+                  <a:pt x="2021788" y="203264"/>
+                  <a:pt x="2027243" y="205550"/>
+                </a:cubicBezTo>
+                <a:lnTo>
+                  <a:pt x="0" y="2302258"/>
+                </a:lnTo>
+                <a:lnTo>
+                  <a:pt x="0" y="2127460"/>
+                </a:lnTo>
+                <a:close/>
+                <a:moveTo>
+                  <a:pt x="1773991" y="114408"/>
+                </a:moveTo>
+                <a:cubicBezTo>
+                  <a:pt x="1781349" y="116643"/>
+                  <a:pt x="1788701" y="118891"/>
+                  <a:pt x="1796028" y="121185"/>
+                </a:cubicBezTo>
+                <a:lnTo>
+                  <a:pt x="0" y="1978755"/>
+                </a:lnTo>
+                <a:lnTo>
+                  <a:pt x="0" y="1815934"/>
+                </a:lnTo>
+                <a:close/>
+                <a:moveTo>
+                  <a:pt x="245157" y="107669"/>
+                </a:moveTo>
+                <a:lnTo>
+                  <a:pt x="0" y="361226"/>
+                </a:lnTo>
+                <a:lnTo>
+                  <a:pt x="0" y="258242"/>
+                </a:lnTo>
+                <a:lnTo>
+                  <a:pt x="112323" y="150509"/>
+                </a:lnTo>
+                <a:cubicBezTo>
+                  <a:pt x="156086" y="135103"/>
+                  <a:pt x="200374" y="120819"/>
+                  <a:pt x="245157" y="107669"/>
+                </a:cubicBezTo>
+                <a:close/>
+                <a:moveTo>
+                  <a:pt x="1516194" y="50130"/>
+                </a:moveTo>
+                <a:cubicBezTo>
+                  <a:pt x="1526177" y="52087"/>
+                  <a:pt x="1536146" y="54105"/>
+                  <a:pt x="1546086" y="56182"/>
+                </a:cubicBezTo>
+                <a:lnTo>
+                  <a:pt x="0" y="1655245"/>
+                </a:lnTo>
+                <a:lnTo>
+                  <a:pt x="0" y="1504390"/>
+                </a:lnTo>
+                <a:close/>
+                <a:moveTo>
+                  <a:pt x="638934" y="23899"/>
+                </a:moveTo>
+                <a:lnTo>
+                  <a:pt x="0" y="684727"/>
+                </a:lnTo>
+                <a:lnTo>
+                  <a:pt x="0" y="569779"/>
+                </a:lnTo>
+                <a:lnTo>
+                  <a:pt x="556153" y="36345"/>
+                </a:lnTo>
+                <a:cubicBezTo>
+                  <a:pt x="583607" y="31765"/>
+                  <a:pt x="611205" y="27635"/>
+                  <a:pt x="638934" y="23899"/>
+                </a:cubicBezTo>
+                <a:close/>
+                <a:moveTo>
+                  <a:pt x="1233160" y="10073"/>
+                </a:moveTo>
+                <a:cubicBezTo>
+                  <a:pt x="1246842" y="11268"/>
+                  <a:pt x="1260502" y="12569"/>
+                  <a:pt x="1274124" y="13967"/>
+                </a:cubicBezTo>
+                <a:lnTo>
+                  <a:pt x="0" y="1331746"/>
+                </a:lnTo>
+                <a:lnTo>
+                  <a:pt x="0" y="1192857"/>
+                </a:lnTo>
+                <a:close/>
+                <a:moveTo>
+                  <a:pt x="974826" y="0"/>
+                </a:moveTo>
+                <a:lnTo>
+                  <a:pt x="0" y="1008229"/>
+                </a:lnTo>
+                <a:lnTo>
+                  <a:pt x="0" y="881312"/>
+                </a:lnTo>
+                <a:lnTo>
+                  <a:pt x="917705" y="1092"/>
+                </a:lnTo>
+                <a:cubicBezTo>
+                  <a:pt x="936697" y="530"/>
+                  <a:pt x="955736" y="163"/>
+                  <a:pt x="974826" y="0"/>
+                </a:cubicBezTo>
+                <a:close/>
+              </a:path>
+            </a:pathLst>
+          </a:custGeom>
+          <a:solidFill>
+            <a:schemeClr val="accent1">
+              <a:lumMod val="20000"/>
+              <a:lumOff val="80000"/>
+              <a:alpha val="42000"/>
+            </a:schemeClr>
+          </a:solidFill>
+          <a:ln w="4838" cap="flat">
+            <a:noFill/>
+            <a:prstDash val="solid"/>
+            <a:miter/>
+          </a:ln>
+        </p:spPr>
+        <p:txBody>
+          <a:bodyPr wrap="square" rtlCol="0" anchor="ctr">
+            <a:noAutofit/>
+          </a:bodyPr>
+          <a:lstStyle/>
+          <a:p>
+            <a:endParaRPr lang="en-US"/>
+          </a:p>
+        </p:txBody>
+      </p:sp>
+      <p:sp>
+        <p:nvSpPr>
+          <p:cNvPr id="10" name="Freeform: Shape 10">
+            <a:extLst>
+              <a:ext uri="{FF2B5EF4-FFF2-40B4-BE49-F238E27FC236}">
+                <a16:creationId xmlns:a16="http://schemas.microsoft.com/office/drawing/2014/main" id="{ACDEA288-8406-D8D2-58C4-88138C173AD4}"/>
+              </a:ext>
+            </a:extLst>
+          </p:cNvPr>
+          <p:cNvSpPr/>
+          <p:nvPr userDrawn="1"/>
+        </p:nvSpPr>
+        <p:spPr>
+          <a:xfrm>
+            <a:off x="691744" y="4943960"/>
+            <a:ext cx="1179576" cy="1179576"/>
+          </a:xfrm>
+          <a:custGeom>
+            <a:avLst/>
+            <a:gdLst>
+              <a:gd name="connsiteX0" fmla="*/ 1830827 w 1950038"/>
+              <a:gd name="connsiteY0" fmla="*/ 1442624 h 1950035"/>
+              <a:gd name="connsiteX1" fmla="*/ 1739783 w 1950038"/>
+              <a:gd name="connsiteY1" fmla="*/ 1579915 h 1950035"/>
+              <a:gd name="connsiteX2" fmla="*/ 1608523 w 1950038"/>
+              <a:gd name="connsiteY2" fmla="*/ 1716219 h 1950035"/>
+              <a:gd name="connsiteX3" fmla="*/ 1410014 w 1950038"/>
+              <a:gd name="connsiteY3" fmla="*/ 1847867 h 1950035"/>
+              <a:gd name="connsiteX4" fmla="*/ 1910383 w 1950038"/>
+              <a:gd name="connsiteY4" fmla="*/ 1251270 h 1950035"/>
+              <a:gd name="connsiteX5" fmla="*/ 1894604 w 1950038"/>
+              <a:gd name="connsiteY5" fmla="*/ 1299997 h 1950035"/>
+              <a:gd name="connsiteX6" fmla="*/ 1334487 w 1950038"/>
+              <a:gd name="connsiteY6" fmla="*/ 1881633 h 1950035"/>
+              <a:gd name="connsiteX7" fmla="*/ 1215916 w 1950038"/>
+              <a:gd name="connsiteY7" fmla="*/ 1920041 h 1950035"/>
+              <a:gd name="connsiteX8" fmla="*/ 1941236 w 1950038"/>
+              <a:gd name="connsiteY8" fmla="*/ 1106819 h 1950035"/>
+              <a:gd name="connsiteX9" fmla="*/ 1936652 w 1950038"/>
+              <a:gd name="connsiteY9" fmla="*/ 1137187 h 1950035"/>
+              <a:gd name="connsiteX10" fmla="*/ 1173309 w 1950038"/>
+              <a:gd name="connsiteY10" fmla="*/ 1929855 h 1950035"/>
+              <a:gd name="connsiteX11" fmla="*/ 1070425 w 1950038"/>
+              <a:gd name="connsiteY11" fmla="*/ 1945413 h 1950035"/>
+              <a:gd name="connsiteX12" fmla="*/ 1950038 w 1950038"/>
+              <a:gd name="connsiteY12" fmla="*/ 983603 h 1950035"/>
+              <a:gd name="connsiteX13" fmla="*/ 1949634 w 1950038"/>
+              <a:gd name="connsiteY13" fmla="*/ 1004557 h 1950035"/>
+              <a:gd name="connsiteX14" fmla="*/ 1041285 w 1950038"/>
+              <a:gd name="connsiteY14" fmla="*/ 1947804 h 1950035"/>
+              <a:gd name="connsiteX15" fmla="*/ 975046 w 1950038"/>
+              <a:gd name="connsiteY15" fmla="*/ 1950035 h 1950035"/>
+              <a:gd name="connsiteX16" fmla="*/ 946904 w 1950038"/>
+              <a:gd name="connsiteY16" fmla="*/ 1949623 h 1950035"/>
+              <a:gd name="connsiteX17" fmla="*/ 1944896 w 1950038"/>
+              <a:gd name="connsiteY17" fmla="*/ 873812 h 1950035"/>
+              <a:gd name="connsiteX18" fmla="*/ 1946329 w 1950038"/>
+              <a:gd name="connsiteY18" fmla="*/ 888839 h 1950035"/>
+              <a:gd name="connsiteX19" fmla="*/ 925587 w 1950038"/>
+              <a:gd name="connsiteY19" fmla="*/ 1948800 h 1950035"/>
+              <a:gd name="connsiteX20" fmla="*/ 837353 w 1950038"/>
+              <a:gd name="connsiteY20" fmla="*/ 1940379 h 1950035"/>
+              <a:gd name="connsiteX21" fmla="*/ 1929343 w 1950038"/>
+              <a:gd name="connsiteY21" fmla="*/ 774049 h 1950035"/>
+              <a:gd name="connsiteX22" fmla="*/ 1931572 w 1950038"/>
+              <a:gd name="connsiteY22" fmla="*/ 785015 h 1950035"/>
+              <a:gd name="connsiteX23" fmla="*/ 821280 w 1950038"/>
+              <a:gd name="connsiteY23" fmla="*/ 1937961 h 1950035"/>
+              <a:gd name="connsiteX24" fmla="*/ 738258 w 1950038"/>
+              <a:gd name="connsiteY24" fmla="*/ 1921066 h 1950035"/>
+              <a:gd name="connsiteX25" fmla="*/ 1905402 w 1950038"/>
+              <a:gd name="connsiteY25" fmla="*/ 682364 h 1950035"/>
+              <a:gd name="connsiteX26" fmla="*/ 1907898 w 1950038"/>
+              <a:gd name="connsiteY26" fmla="*/ 690448 h 1950035"/>
+              <a:gd name="connsiteX27" fmla="*/ 725871 w 1950038"/>
+              <a:gd name="connsiteY27" fmla="*/ 1917887 h 1950035"/>
+              <a:gd name="connsiteX28" fmla="*/ 647566 w 1950038"/>
+              <a:gd name="connsiteY28" fmla="*/ 1893664 h 1950035"/>
+              <a:gd name="connsiteX29" fmla="*/ 1874331 w 1950038"/>
+              <a:gd name="connsiteY29" fmla="*/ 597544 h 1950035"/>
+              <a:gd name="connsiteX30" fmla="*/ 1876832 w 1950038"/>
+              <a:gd name="connsiteY30" fmla="*/ 603559 h 1950035"/>
+              <a:gd name="connsiteX31" fmla="*/ 637848 w 1950038"/>
+              <a:gd name="connsiteY31" fmla="*/ 1890146 h 1950035"/>
+              <a:gd name="connsiteX32" fmla="*/ 563992 w 1950038"/>
+              <a:gd name="connsiteY32" fmla="*/ 1859406 h 1950035"/>
+              <a:gd name="connsiteX33" fmla="*/ 1836981 w 1950038"/>
+              <a:gd name="connsiteY33" fmla="*/ 518772 h 1950035"/>
+              <a:gd name="connsiteX34" fmla="*/ 1839370 w 1950038"/>
+              <a:gd name="connsiteY34" fmla="*/ 523312 h 1950035"/>
+              <a:gd name="connsiteX35" fmla="*/ 556238 w 1950038"/>
+              <a:gd name="connsiteY35" fmla="*/ 1855742 h 1950035"/>
+              <a:gd name="connsiteX36" fmla="*/ 486699 w 1950038"/>
+              <a:gd name="connsiteY36" fmla="*/ 1819097 h 1950035"/>
+              <a:gd name="connsiteX37" fmla="*/ 1793918 w 1950038"/>
+              <a:gd name="connsiteY37" fmla="*/ 445505 h 1950035"/>
+              <a:gd name="connsiteX38" fmla="*/ 1796191 w 1950038"/>
+              <a:gd name="connsiteY38" fmla="*/ 449005 h 1950035"/>
+              <a:gd name="connsiteX39" fmla="*/ 480350 w 1950038"/>
+              <a:gd name="connsiteY39" fmla="*/ 1815396 h 1950035"/>
+              <a:gd name="connsiteX40" fmla="*/ 415102 w 1950038"/>
+              <a:gd name="connsiteY40" fmla="*/ 1773303 h 1950035"/>
+              <a:gd name="connsiteX41" fmla="*/ 1745512 w 1950038"/>
+              <a:gd name="connsiteY41" fmla="*/ 377376 h 1950035"/>
+              <a:gd name="connsiteX42" fmla="*/ 1747706 w 1950038"/>
+              <a:gd name="connsiteY42" fmla="*/ 380202 h 1950035"/>
+              <a:gd name="connsiteX43" fmla="*/ 409766 w 1950038"/>
+              <a:gd name="connsiteY43" fmla="*/ 1769542 h 1950035"/>
+              <a:gd name="connsiteX44" fmla="*/ 348835 w 1950038"/>
+              <a:gd name="connsiteY44" fmla="*/ 1722378 h 1950035"/>
+              <a:gd name="connsiteX45" fmla="*/ 1691990 w 1950038"/>
+              <a:gd name="connsiteY45" fmla="*/ 314177 h 1950035"/>
+              <a:gd name="connsiteX46" fmla="*/ 1694216 w 1950038"/>
+              <a:gd name="connsiteY46" fmla="*/ 316596 h 1950035"/>
+              <a:gd name="connsiteX47" fmla="*/ 344204 w 1950038"/>
+              <a:gd name="connsiteY47" fmla="*/ 1718476 h 1950035"/>
+              <a:gd name="connsiteX48" fmla="*/ 287684 w 1950038"/>
+              <a:gd name="connsiteY48" fmla="*/ 1666526 h 1950035"/>
+              <a:gd name="connsiteX49" fmla="*/ 1633444 w 1950038"/>
+              <a:gd name="connsiteY49" fmla="*/ 255819 h 1950035"/>
+              <a:gd name="connsiteX50" fmla="*/ 1635863 w 1950038"/>
+              <a:gd name="connsiteY50" fmla="*/ 258045 h 1950035"/>
+              <a:gd name="connsiteX51" fmla="*/ 283510 w 1950038"/>
+              <a:gd name="connsiteY51" fmla="*/ 1662352 h 1950035"/>
+              <a:gd name="connsiteX52" fmla="*/ 231563 w 1950038"/>
+              <a:gd name="connsiteY52" fmla="*/ 1605831 h 1950035"/>
+              <a:gd name="connsiteX53" fmla="*/ 1569835 w 1950038"/>
+              <a:gd name="connsiteY53" fmla="*/ 202331 h 1950035"/>
+              <a:gd name="connsiteX54" fmla="*/ 1572660 w 1950038"/>
+              <a:gd name="connsiteY54" fmla="*/ 204524 h 1950035"/>
+              <a:gd name="connsiteX55" fmla="*/ 227657 w 1950038"/>
+              <a:gd name="connsiteY55" fmla="*/ 1601202 h 1950035"/>
+              <a:gd name="connsiteX56" fmla="*/ 180493 w 1950038"/>
+              <a:gd name="connsiteY56" fmla="*/ 1540270 h 1950035"/>
+              <a:gd name="connsiteX57" fmla="*/ 1501032 w 1950038"/>
+              <a:gd name="connsiteY57" fmla="*/ 153848 h 1950035"/>
+              <a:gd name="connsiteX58" fmla="*/ 1504532 w 1950038"/>
+              <a:gd name="connsiteY58" fmla="*/ 156121 h 1950035"/>
+              <a:gd name="connsiteX59" fmla="*/ 176731 w 1950038"/>
+              <a:gd name="connsiteY59" fmla="*/ 1534934 h 1950035"/>
+              <a:gd name="connsiteX60" fmla="*/ 134641 w 1950038"/>
+              <a:gd name="connsiteY60" fmla="*/ 1469688 h 1950035"/>
+              <a:gd name="connsiteX61" fmla="*/ 507414 w 1950038"/>
+              <a:gd name="connsiteY61" fmla="*/ 119212 h 1950035"/>
+              <a:gd name="connsiteX62" fmla="*/ 102168 w 1950038"/>
+              <a:gd name="connsiteY62" fmla="*/ 540025 h 1950035"/>
+              <a:gd name="connsiteX63" fmla="*/ 233816 w 1950038"/>
+              <a:gd name="connsiteY63" fmla="*/ 341515 h 1950035"/>
+              <a:gd name="connsiteX64" fmla="*/ 370122 w 1950038"/>
+              <a:gd name="connsiteY64" fmla="*/ 210255 h 1950035"/>
+              <a:gd name="connsiteX65" fmla="*/ 507414 w 1950038"/>
+              <a:gd name="connsiteY65" fmla="*/ 119212 h 1950035"/>
+              <a:gd name="connsiteX66" fmla="*/ 1426726 w 1950038"/>
+              <a:gd name="connsiteY66" fmla="*/ 110665 h 1950035"/>
+              <a:gd name="connsiteX67" fmla="*/ 1431267 w 1950038"/>
+              <a:gd name="connsiteY67" fmla="*/ 113053 h 1950035"/>
+              <a:gd name="connsiteX68" fmla="*/ 130941 w 1950038"/>
+              <a:gd name="connsiteY68" fmla="*/ 1463336 h 1950035"/>
+              <a:gd name="connsiteX69" fmla="*/ 94293 w 1950038"/>
+              <a:gd name="connsiteY69" fmla="*/ 1393797 h 1950035"/>
+              <a:gd name="connsiteX70" fmla="*/ 1346476 w 1950038"/>
+              <a:gd name="connsiteY70" fmla="*/ 73204 h 1950035"/>
+              <a:gd name="connsiteX71" fmla="*/ 1352492 w 1950038"/>
+              <a:gd name="connsiteY71" fmla="*/ 75705 h 1950035"/>
+              <a:gd name="connsiteX72" fmla="*/ 90629 w 1950038"/>
+              <a:gd name="connsiteY72" fmla="*/ 1386047 h 1950035"/>
+              <a:gd name="connsiteX73" fmla="*/ 59890 w 1950038"/>
+              <a:gd name="connsiteY73" fmla="*/ 1312188 h 1950035"/>
+              <a:gd name="connsiteX74" fmla="*/ 1259591 w 1950038"/>
+              <a:gd name="connsiteY74" fmla="*/ 42137 h 1950035"/>
+              <a:gd name="connsiteX75" fmla="*/ 1267675 w 1950038"/>
+              <a:gd name="connsiteY75" fmla="*/ 44633 h 1950035"/>
+              <a:gd name="connsiteX76" fmla="*/ 56375 w 1950038"/>
+              <a:gd name="connsiteY76" fmla="*/ 1302469 h 1950035"/>
+              <a:gd name="connsiteX77" fmla="*/ 32152 w 1950038"/>
+              <a:gd name="connsiteY77" fmla="*/ 1224164 h 1950035"/>
+              <a:gd name="connsiteX78" fmla="*/ 698766 w 1950038"/>
+              <a:gd name="connsiteY78" fmla="*/ 39655 h 1950035"/>
+              <a:gd name="connsiteX79" fmla="*/ 29995 w 1950038"/>
+              <a:gd name="connsiteY79" fmla="*/ 734118 h 1950035"/>
+              <a:gd name="connsiteX80" fmla="*/ 68403 w 1950038"/>
+              <a:gd name="connsiteY80" fmla="*/ 615547 h 1950035"/>
+              <a:gd name="connsiteX81" fmla="*/ 650038 w 1950038"/>
+              <a:gd name="connsiteY81" fmla="*/ 55433 h 1950035"/>
+              <a:gd name="connsiteX82" fmla="*/ 698766 w 1950038"/>
+              <a:gd name="connsiteY82" fmla="*/ 39655 h 1950035"/>
+              <a:gd name="connsiteX83" fmla="*/ 1165023 w 1950038"/>
+              <a:gd name="connsiteY83" fmla="*/ 18463 h 1950035"/>
+              <a:gd name="connsiteX84" fmla="*/ 1175988 w 1950038"/>
+              <a:gd name="connsiteY84" fmla="*/ 20692 h 1950035"/>
+              <a:gd name="connsiteX85" fmla="*/ 28970 w 1950038"/>
+              <a:gd name="connsiteY85" fmla="*/ 1211777 h 1950035"/>
+              <a:gd name="connsiteX86" fmla="*/ 12075 w 1950038"/>
+              <a:gd name="connsiteY86" fmla="*/ 1128755 h 1950035"/>
+              <a:gd name="connsiteX87" fmla="*/ 843216 w 1950038"/>
+              <a:gd name="connsiteY87" fmla="*/ 8802 h 1950035"/>
+              <a:gd name="connsiteX88" fmla="*/ 4623 w 1950038"/>
+              <a:gd name="connsiteY88" fmla="*/ 879613 h 1950035"/>
+              <a:gd name="connsiteX89" fmla="*/ 20181 w 1950038"/>
+              <a:gd name="connsiteY89" fmla="*/ 776727 h 1950035"/>
+              <a:gd name="connsiteX90" fmla="*/ 812849 w 1950038"/>
+              <a:gd name="connsiteY90" fmla="*/ 13386 h 1950035"/>
+              <a:gd name="connsiteX91" fmla="*/ 843216 w 1950038"/>
+              <a:gd name="connsiteY91" fmla="*/ 8802 h 1950035"/>
+              <a:gd name="connsiteX92" fmla="*/ 1061197 w 1950038"/>
+              <a:gd name="connsiteY92" fmla="*/ 3710 h 1950035"/>
+              <a:gd name="connsiteX93" fmla="*/ 1076224 w 1950038"/>
+              <a:gd name="connsiteY93" fmla="*/ 5144 h 1950035"/>
+              <a:gd name="connsiteX94" fmla="*/ 9655 w 1950038"/>
+              <a:gd name="connsiteY94" fmla="*/ 1112686 h 1950035"/>
+              <a:gd name="connsiteX95" fmla="*/ 1238 w 1950038"/>
+              <a:gd name="connsiteY95" fmla="*/ 1024450 h 1950035"/>
+              <a:gd name="connsiteX96" fmla="*/ 966432 w 1950038"/>
+              <a:gd name="connsiteY96" fmla="*/ 0 h 1950035"/>
+              <a:gd name="connsiteX97" fmla="*/ 413 w 1950038"/>
+              <a:gd name="connsiteY97" fmla="*/ 1003131 h 1950035"/>
+              <a:gd name="connsiteX98" fmla="*/ 0 w 1950038"/>
+              <a:gd name="connsiteY98" fmla="*/ 974990 h 1950035"/>
+              <a:gd name="connsiteX99" fmla="*/ 2232 w 1950038"/>
+              <a:gd name="connsiteY99" fmla="*/ 908753 h 1950035"/>
+              <a:gd name="connsiteX100" fmla="*/ 945478 w 1950038"/>
+              <a:gd name="connsiteY100" fmla="*/ 402 h 1950035"/>
+              <a:gd name="connsiteX101" fmla="*/ 966432 w 1950038"/>
+              <a:gd name="connsiteY101" fmla="*/ 0 h 1950035"/>
+            </a:gdLst>
+            <a:ahLst/>
+            <a:cxnLst>
+              <a:cxn ang="0">
+                <a:pos x="connsiteX0" y="connsiteY0"/>
+              </a:cxn>
+              <a:cxn ang="0">
+                <a:pos x="connsiteX1" y="connsiteY1"/>
+              </a:cxn>
+              <a:cxn ang="0">
+                <a:pos x="connsiteX2" y="connsiteY2"/>
+              </a:cxn>
+              <a:cxn ang="0">
+                <a:pos x="connsiteX3" y="connsiteY3"/>
+              </a:cxn>
+              <a:cxn ang="0">
+                <a:pos x="connsiteX4" y="connsiteY4"/>
+              </a:cxn>
+              <a:cxn ang="0">
+                <a:pos x="connsiteX5" y="connsiteY5"/>
+              </a:cxn>
+              <a:cxn ang="0">
+                <a:pos x="connsiteX6" y="connsiteY6"/>
+              </a:cxn>
+              <a:cxn ang="0">
+                <a:pos x="connsiteX7" y="connsiteY7"/>
+              </a:cxn>
+              <a:cxn ang="0">
+                <a:pos x="connsiteX8" y="connsiteY8"/>
+              </a:cxn>
+              <a:cxn ang="0">
+                <a:pos x="connsiteX9" y="connsiteY9"/>
+              </a:cxn>
+              <a:cxn ang="0">
+                <a:pos x="connsiteX10" y="connsiteY10"/>
+              </a:cxn>
+              <a:cxn ang="0">
+                <a:pos x="connsiteX11" y="connsiteY11"/>
+              </a:cxn>
+              <a:cxn ang="0">
+                <a:pos x="connsiteX12" y="connsiteY12"/>
+              </a:cxn>
+              <a:cxn ang="0">
+                <a:pos x="connsiteX13" y="connsiteY13"/>
+              </a:cxn>
+              <a:cxn ang="0">
+                <a:pos x="connsiteX14" y="connsiteY14"/>
+              </a:cxn>
+              <a:cxn ang="0">
+                <a:pos x="connsiteX15" y="connsiteY15"/>
+              </a:cxn>
+              <a:cxn ang="0">
+                <a:pos x="connsiteX16" y="connsiteY16"/>
+              </a:cxn>
+              <a:cxn ang="0">
+                <a:pos x="connsiteX17" y="connsiteY17"/>
+              </a:cxn>
+              <a:cxn ang="0">
+                <a:pos x="connsiteX18" y="connsiteY18"/>
+              </a:cxn>
+              <a:cxn ang="0">
+                <a:pos x="connsiteX19" y="connsiteY19"/>
+              </a:cxn>
+              <a:cxn ang="0">
+                <a:pos x="connsiteX20" y="connsiteY20"/>
+              </a:cxn>
+              <a:cxn ang="0">
+                <a:pos x="connsiteX21" y="connsiteY21"/>
+              </a:cxn>
+              <a:cxn ang="0">
+                <a:pos x="connsiteX22" y="connsiteY22"/>
+              </a:cxn>
+              <a:cxn ang="0">
+                <a:pos x="connsiteX23" y="connsiteY23"/>
+              </a:cxn>
+              <a:cxn ang="0">
+                <a:pos x="connsiteX24" y="connsiteY24"/>
+              </a:cxn>
+              <a:cxn ang="0">
+                <a:pos x="connsiteX25" y="connsiteY25"/>
+              </a:cxn>
+              <a:cxn ang="0">
+                <a:pos x="connsiteX26" y="connsiteY26"/>
+              </a:cxn>
+              <a:cxn ang="0">
+                <a:pos x="connsiteX27" y="connsiteY27"/>
+              </a:cxn>
+              <a:cxn ang="0">
+                <a:pos x="connsiteX28" y="connsiteY28"/>
+              </a:cxn>
+              <a:cxn ang="0">
+                <a:pos x="connsiteX29" y="connsiteY29"/>
+              </a:cxn>
+              <a:cxn ang="0">
+                <a:pos x="connsiteX30" y="connsiteY30"/>
+              </a:cxn>
+              <a:cxn ang="0">
+                <a:pos x="connsiteX31" y="connsiteY31"/>
+              </a:cxn>
+              <a:cxn ang="0">
+                <a:pos x="connsiteX32" y="connsiteY32"/>
+              </a:cxn>
+              <a:cxn ang="0">
+                <a:pos x="connsiteX33" y="connsiteY33"/>
+              </a:cxn>
+              <a:cxn ang="0">
+                <a:pos x="connsiteX34" y="connsiteY34"/>
+              </a:cxn>
+              <a:cxn ang="0">
+                <a:pos x="connsiteX35" y="connsiteY35"/>
+              </a:cxn>
+              <a:cxn ang="0">
+                <a:pos x="connsiteX36" y="connsiteY36"/>
+              </a:cxn>
+              <a:cxn ang="0">
+                <a:pos x="connsiteX37" y="connsiteY37"/>
+              </a:cxn>
+              <a:cxn ang="0">
+                <a:pos x="connsiteX38" y="connsiteY38"/>
+              </a:cxn>
+              <a:cxn ang="0">
+                <a:pos x="connsiteX39" y="connsiteY39"/>
+              </a:cxn>
+              <a:cxn ang="0">
+                <a:pos x="connsiteX40" y="connsiteY40"/>
+              </a:cxn>
+              <a:cxn ang="0">
+                <a:pos x="connsiteX41" y="connsiteY41"/>
+              </a:cxn>
+              <a:cxn ang="0">
+                <a:pos x="connsiteX42" y="connsiteY42"/>
+              </a:cxn>
+              <a:cxn ang="0">
+                <a:pos x="connsiteX43" y="connsiteY43"/>
+              </a:cxn>
+              <a:cxn ang="0">
+                <a:pos x="connsiteX44" y="connsiteY44"/>
+              </a:cxn>
+              <a:cxn ang="0">
+                <a:pos x="connsiteX45" y="connsiteY45"/>
+              </a:cxn>
+              <a:cxn ang="0">
+                <a:pos x="connsiteX46" y="connsiteY46"/>
+              </a:cxn>
+              <a:cxn ang="0">
+                <a:pos x="connsiteX47" y="connsiteY47"/>
+              </a:cxn>
+              <a:cxn ang="0">
+                <a:pos x="connsiteX48" y="connsiteY48"/>
+              </a:cxn>
+              <a:cxn ang="0">
+                <a:pos x="connsiteX49" y="connsiteY49"/>
+              </a:cxn>
+              <a:cxn ang="0">
+                <a:pos x="connsiteX50" y="connsiteY50"/>
+              </a:cxn>
+              <a:cxn ang="0">
+                <a:pos x="connsiteX51" y="connsiteY51"/>
+              </a:cxn>
+              <a:cxn ang="0">
+                <a:pos x="connsiteX52" y="connsiteY52"/>
+              </a:cxn>
+              <a:cxn ang="0">
+                <a:pos x="connsiteX53" y="connsiteY53"/>
+              </a:cxn>
+              <a:cxn ang="0">
+                <a:pos x="connsiteX54" y="connsiteY54"/>
+              </a:cxn>
+              <a:cxn ang="0">
+                <a:pos x="connsiteX55" y="connsiteY55"/>
+              </a:cxn>
+              <a:cxn ang="0">
+                <a:pos x="connsiteX56" y="connsiteY56"/>
+              </a:cxn>
+              <a:cxn ang="0">
+                <a:pos x="connsiteX57" y="connsiteY57"/>
+              </a:cxn>
+              <a:cxn ang="0">
+                <a:pos x="connsiteX58" y="connsiteY58"/>
+              </a:cxn>
+              <a:cxn ang="0">
+                <a:pos x="connsiteX59" y="connsiteY59"/>
+              </a:cxn>
+              <a:cxn ang="0">
+                <a:pos x="connsiteX60" y="connsiteY60"/>
+              </a:cxn>
+              <a:cxn ang="0">
+                <a:pos x="connsiteX61" y="connsiteY61"/>
+              </a:cxn>
+              <a:cxn ang="0">
+                <a:pos x="connsiteX62" y="connsiteY62"/>
+              </a:cxn>
+              <a:cxn ang="0">
+                <a:pos x="connsiteX63" y="connsiteY63"/>
+              </a:cxn>
+              <a:cxn ang="0">
+                <a:pos x="connsiteX64" y="connsiteY64"/>
+              </a:cxn>
+              <a:cxn ang="0">
+                <a:pos x="connsiteX65" y="connsiteY65"/>
+              </a:cxn>
+              <a:cxn ang="0">
+                <a:pos x="connsiteX66" y="connsiteY66"/>
+              </a:cxn>
+              <a:cxn ang="0">
+                <a:pos x="connsiteX67" y="connsiteY67"/>
+              </a:cxn>
+              <a:cxn ang="0">
+                <a:pos x="connsiteX68" y="connsiteY68"/>
+              </a:cxn>
+              <a:cxn ang="0">
+                <a:pos x="connsiteX69" y="connsiteY69"/>
+              </a:cxn>
+              <a:cxn ang="0">
+                <a:pos x="connsiteX70" y="connsiteY70"/>
+              </a:cxn>
+              <a:cxn ang="0">
+                <a:pos x="connsiteX71" y="connsiteY71"/>
+              </a:cxn>
+              <a:cxn ang="0">
+                <a:pos x="connsiteX72" y="connsiteY72"/>
+              </a:cxn>
+              <a:cxn ang="0">
+                <a:pos x="connsiteX73" y="connsiteY73"/>
+              </a:cxn>
+              <a:cxn ang="0">
+                <a:pos x="connsiteX74" y="connsiteY74"/>
+              </a:cxn>
+              <a:cxn ang="0">
+                <a:pos x="connsiteX75" y="connsiteY75"/>
+              </a:cxn>
+              <a:cxn ang="0">
+                <a:pos x="connsiteX76" y="connsiteY76"/>
+              </a:cxn>
+              <a:cxn ang="0">
+                <a:pos x="connsiteX77" y="connsiteY77"/>
+              </a:cxn>
+              <a:cxn ang="0">
+                <a:pos x="connsiteX78" y="connsiteY78"/>
+              </a:cxn>
+              <a:cxn ang="0">
+                <a:pos x="connsiteX79" y="connsiteY79"/>
+              </a:cxn>
+              <a:cxn ang="0">
+                <a:pos x="connsiteX80" y="connsiteY80"/>
+              </a:cxn>
+              <a:cxn ang="0">
+                <a:pos x="connsiteX81" y="connsiteY81"/>
+              </a:cxn>
+              <a:cxn ang="0">
+                <a:pos x="connsiteX82" y="connsiteY82"/>
+              </a:cxn>
+              <a:cxn ang="0">
+                <a:pos x="connsiteX83" y="connsiteY83"/>
+              </a:cxn>
+              <a:cxn ang="0">
+                <a:pos x="connsiteX84" y="connsiteY84"/>
+              </a:cxn>
+              <a:cxn ang="0">
+                <a:pos x="connsiteX85" y="connsiteY85"/>
+              </a:cxn>
+              <a:cxn ang="0">
+                <a:pos x="connsiteX86" y="connsiteY86"/>
+              </a:cxn>
+              <a:cxn ang="0">
+                <a:pos x="connsiteX87" y="connsiteY87"/>
+              </a:cxn>
+              <a:cxn ang="0">
+                <a:pos x="connsiteX88" y="connsiteY88"/>
+              </a:cxn>
+              <a:cxn ang="0">
+                <a:pos x="connsiteX89" y="connsiteY89"/>
+              </a:cxn>
+              <a:cxn ang="0">
+                <a:pos x="connsiteX90" y="connsiteY90"/>
+              </a:cxn>
+              <a:cxn ang="0">
+                <a:pos x="connsiteX91" y="connsiteY91"/>
+              </a:cxn>
+              <a:cxn ang="0">
+                <a:pos x="connsiteX92" y="connsiteY92"/>
+              </a:cxn>
+              <a:cxn ang="0">
+                <a:pos x="connsiteX93" y="connsiteY93"/>
+              </a:cxn>
+              <a:cxn ang="0">
+                <a:pos x="connsiteX94" y="connsiteY94"/>
+              </a:cxn>
+              <a:cxn ang="0">
+                <a:pos x="connsiteX95" y="connsiteY95"/>
+              </a:cxn>
+              <a:cxn ang="0">
+                <a:pos x="connsiteX96" y="connsiteY96"/>
+              </a:cxn>
+              <a:cxn ang="0">
+                <a:pos x="connsiteX97" y="connsiteY97"/>
+              </a:cxn>
+              <a:cxn ang="0">
+                <a:pos x="connsiteX98" y="connsiteY98"/>
+              </a:cxn>
+              <a:cxn ang="0">
+                <a:pos x="connsiteX99" y="connsiteY99"/>
+              </a:cxn>
+              <a:cxn ang="0">
+                <a:pos x="connsiteX100" y="connsiteY100"/>
+              </a:cxn>
+              <a:cxn ang="0">
+                <a:pos x="connsiteX101" y="connsiteY101"/>
+              </a:cxn>
+            </a:cxnLst>
+            <a:rect l="l" t="t" r="r" b="b"/>
+            <a:pathLst>
+              <a:path w="1950038" h="1950035">
+                <a:moveTo>
+                  <a:pt x="1830827" y="1442624"/>
+                </a:moveTo>
+                <a:cubicBezTo>
+                  <a:pt x="1804319" y="1491030"/>
+                  <a:pt x="1773825" y="1536939"/>
+                  <a:pt x="1739783" y="1579915"/>
+                </a:cubicBezTo>
+                <a:lnTo>
+                  <a:pt x="1608523" y="1716219"/>
+                </a:lnTo>
+                <a:cubicBezTo>
+                  <a:pt x="1548263" y="1767767"/>
+                  <a:pt x="1481652" y="1812100"/>
+                  <a:pt x="1410014" y="1847867"/>
+                </a:cubicBezTo>
+                <a:close/>
+                <a:moveTo>
+                  <a:pt x="1910383" y="1251270"/>
+                </a:moveTo>
+                <a:cubicBezTo>
+                  <a:pt x="1905540" y="1267695"/>
+                  <a:pt x="1900278" y="1283944"/>
+                  <a:pt x="1894604" y="1299997"/>
+                </a:cubicBezTo>
+                <a:lnTo>
+                  <a:pt x="1334487" y="1881633"/>
+                </a:lnTo>
+                <a:cubicBezTo>
+                  <a:pt x="1296101" y="1896864"/>
+                  <a:pt x="1256518" y="1909725"/>
+                  <a:pt x="1215916" y="1920041"/>
+                </a:cubicBezTo>
+                <a:close/>
+                <a:moveTo>
+                  <a:pt x="1941236" y="1106819"/>
+                </a:moveTo>
+                <a:cubicBezTo>
+                  <a:pt x="1939860" y="1116992"/>
+                  <a:pt x="1938339" y="1127116"/>
+                  <a:pt x="1936652" y="1137187"/>
+                </a:cubicBezTo>
+                <a:lnTo>
+                  <a:pt x="1173309" y="1929855"/>
+                </a:lnTo>
+                <a:cubicBezTo>
+                  <a:pt x="1139617" y="1936814"/>
+                  <a:pt x="1105290" y="1942028"/>
+                  <a:pt x="1070425" y="1945413"/>
+                </a:cubicBezTo>
+                <a:close/>
+                <a:moveTo>
+                  <a:pt x="1950038" y="983603"/>
+                </a:moveTo>
+                <a:cubicBezTo>
+                  <a:pt x="1949978" y="990606"/>
+                  <a:pt x="1949840" y="997590"/>
+                  <a:pt x="1949634" y="1004557"/>
+                </a:cubicBezTo>
+                <a:lnTo>
+                  <a:pt x="1041285" y="1947804"/>
+                </a:lnTo>
+                <a:cubicBezTo>
+                  <a:pt x="1019392" y="1949273"/>
+                  <a:pt x="997310" y="1950035"/>
+                  <a:pt x="975046" y="1950035"/>
+                </a:cubicBezTo>
+                <a:cubicBezTo>
+                  <a:pt x="965632" y="1950035"/>
+                  <a:pt x="956252" y="1949886"/>
+                  <a:pt x="946904" y="1949623"/>
+                </a:cubicBezTo>
+                <a:close/>
+                <a:moveTo>
+                  <a:pt x="1944896" y="873812"/>
+                </a:moveTo>
+                <a:cubicBezTo>
+                  <a:pt x="1945410" y="878809"/>
+                  <a:pt x="1945889" y="883820"/>
+                  <a:pt x="1946329" y="888839"/>
+                </a:cubicBezTo>
+                <a:lnTo>
+                  <a:pt x="925587" y="1948800"/>
+                </a:lnTo>
+                <a:cubicBezTo>
+                  <a:pt x="895802" y="1947311"/>
+                  <a:pt x="866373" y="1944483"/>
+                  <a:pt x="837353" y="1940379"/>
+                </a:cubicBezTo>
+                <a:close/>
+                <a:moveTo>
+                  <a:pt x="1929343" y="774049"/>
+                </a:moveTo>
+                <a:cubicBezTo>
+                  <a:pt x="1930106" y="777698"/>
+                  <a:pt x="1930849" y="781352"/>
+                  <a:pt x="1931572" y="785015"/>
+                </a:cubicBezTo>
+                <a:lnTo>
+                  <a:pt x="821280" y="1937961"/>
+                </a:lnTo>
+                <a:cubicBezTo>
+                  <a:pt x="793191" y="1933511"/>
+                  <a:pt x="765497" y="1927862"/>
+                  <a:pt x="738258" y="1921066"/>
+                </a:cubicBezTo>
+                <a:close/>
+                <a:moveTo>
+                  <a:pt x="1905402" y="682364"/>
+                </a:moveTo>
+                <a:cubicBezTo>
+                  <a:pt x="1906247" y="685052"/>
+                  <a:pt x="1907076" y="687749"/>
+                  <a:pt x="1907898" y="690448"/>
+                </a:cubicBezTo>
+                <a:lnTo>
+                  <a:pt x="725871" y="1917887"/>
+                </a:lnTo>
+                <a:cubicBezTo>
+                  <a:pt x="699309" y="1910887"/>
+                  <a:pt x="673190" y="1902797"/>
+                  <a:pt x="647566" y="1893664"/>
+                </a:cubicBezTo>
+                <a:close/>
+                <a:moveTo>
+                  <a:pt x="1874331" y="597544"/>
+                </a:moveTo>
+                <a:cubicBezTo>
+                  <a:pt x="1875173" y="599545"/>
+                  <a:pt x="1876004" y="601551"/>
+                  <a:pt x="1876832" y="603559"/>
+                </a:cubicBezTo>
+                <a:lnTo>
+                  <a:pt x="637848" y="1890146"/>
+                </a:lnTo>
+                <a:cubicBezTo>
+                  <a:pt x="612728" y="1880886"/>
+                  <a:pt x="588091" y="1870628"/>
+                  <a:pt x="563992" y="1859406"/>
+                </a:cubicBezTo>
+                <a:close/>
+                <a:moveTo>
+                  <a:pt x="1836981" y="518772"/>
+                </a:moveTo>
+                <a:cubicBezTo>
+                  <a:pt x="1837782" y="520283"/>
+                  <a:pt x="1838577" y="521796"/>
+                  <a:pt x="1839370" y="523312"/>
+                </a:cubicBezTo>
+                <a:lnTo>
+                  <a:pt x="556238" y="1855742"/>
+                </a:lnTo>
+                <a:cubicBezTo>
+                  <a:pt x="532515" y="1844440"/>
+                  <a:pt x="509318" y="1832212"/>
+                  <a:pt x="486699" y="1819097"/>
+                </a:cubicBezTo>
+                <a:close/>
+                <a:moveTo>
+                  <a:pt x="1793918" y="445505"/>
+                </a:moveTo>
+                <a:cubicBezTo>
+                  <a:pt x="1794674" y="446672"/>
+                  <a:pt x="1795440" y="447833"/>
+                  <a:pt x="1796191" y="449005"/>
+                </a:cubicBezTo>
+                <a:lnTo>
+                  <a:pt x="480350" y="1815396"/>
+                </a:lnTo>
+                <a:cubicBezTo>
+                  <a:pt x="458012" y="1802218"/>
+                  <a:pt x="436252" y="1788165"/>
+                  <a:pt x="415102" y="1773303"/>
+                </a:cubicBezTo>
+                <a:close/>
+                <a:moveTo>
+                  <a:pt x="1745512" y="377376"/>
+                </a:moveTo>
+                <a:cubicBezTo>
+                  <a:pt x="1746245" y="378317"/>
+                  <a:pt x="1746979" y="379258"/>
+                  <a:pt x="1747706" y="380202"/>
+                </a:cubicBezTo>
+                <a:lnTo>
+                  <a:pt x="409766" y="1769542"/>
+                </a:lnTo>
+                <a:cubicBezTo>
+                  <a:pt x="388823" y="1754614"/>
+                  <a:pt x="368504" y="1738874"/>
+                  <a:pt x="348835" y="1722378"/>
+                </a:cubicBezTo>
+                <a:close/>
+                <a:moveTo>
+                  <a:pt x="1691990" y="314177"/>
+                </a:moveTo>
+                <a:cubicBezTo>
+                  <a:pt x="1692733" y="314980"/>
+                  <a:pt x="1693477" y="315786"/>
+                  <a:pt x="1694216" y="316596"/>
+                </a:cubicBezTo>
+                <a:lnTo>
+                  <a:pt x="344204" y="1718476"/>
+                </a:lnTo>
+                <a:cubicBezTo>
+                  <a:pt x="324686" y="1701899"/>
+                  <a:pt x="305834" y="1684567"/>
+                  <a:pt x="287684" y="1666526"/>
+                </a:cubicBezTo>
+                <a:close/>
+                <a:moveTo>
+                  <a:pt x="1633444" y="255819"/>
+                </a:moveTo>
+                <a:cubicBezTo>
+                  <a:pt x="1634251" y="256559"/>
+                  <a:pt x="1635056" y="257302"/>
+                  <a:pt x="1635863" y="258045"/>
+                </a:cubicBezTo>
+                <a:lnTo>
+                  <a:pt x="283510" y="1662352"/>
+                </a:lnTo>
+                <a:cubicBezTo>
+                  <a:pt x="265470" y="1644201"/>
+                  <a:pt x="248136" y="1625349"/>
+                  <a:pt x="231563" y="1605831"/>
+                </a:cubicBezTo>
+                <a:close/>
+                <a:moveTo>
+                  <a:pt x="1569835" y="202331"/>
+                </a:moveTo>
+                <a:cubicBezTo>
+                  <a:pt x="1570778" y="203057"/>
+                  <a:pt x="1571719" y="203792"/>
+                  <a:pt x="1572660" y="204524"/>
+                </a:cubicBezTo>
+                <a:lnTo>
+                  <a:pt x="227657" y="1601202"/>
+                </a:lnTo>
+                <a:cubicBezTo>
+                  <a:pt x="211161" y="1581535"/>
+                  <a:pt x="195421" y="1561214"/>
+                  <a:pt x="180493" y="1540270"/>
+                </a:cubicBezTo>
+                <a:close/>
+                <a:moveTo>
+                  <a:pt x="1501032" y="153848"/>
+                </a:moveTo>
+                <a:cubicBezTo>
+                  <a:pt x="1502204" y="154599"/>
+                  <a:pt x="1503366" y="155364"/>
+                  <a:pt x="1504532" y="156121"/>
+                </a:cubicBezTo>
+                <a:lnTo>
+                  <a:pt x="176731" y="1534934"/>
+                </a:lnTo>
+                <a:cubicBezTo>
+                  <a:pt x="161869" y="1513784"/>
+                  <a:pt x="147819" y="1492024"/>
+                  <a:pt x="134641" y="1469688"/>
+                </a:cubicBezTo>
+                <a:close/>
+                <a:moveTo>
+                  <a:pt x="507414" y="119212"/>
+                </a:moveTo>
+                <a:lnTo>
+                  <a:pt x="102168" y="540025"/>
+                </a:lnTo>
+                <a:cubicBezTo>
+                  <a:pt x="137935" y="468386"/>
+                  <a:pt x="182268" y="401772"/>
+                  <a:pt x="233816" y="341515"/>
+                </a:cubicBezTo>
+                <a:lnTo>
+                  <a:pt x="370122" y="210255"/>
+                </a:lnTo>
+                <a:cubicBezTo>
+                  <a:pt x="413099" y="176213"/>
+                  <a:pt x="459008" y="145719"/>
+                  <a:pt x="507414" y="119212"/>
+                </a:cubicBezTo>
+                <a:close/>
+                <a:moveTo>
+                  <a:pt x="1426726" y="110665"/>
+                </a:moveTo>
+                <a:cubicBezTo>
+                  <a:pt x="1428242" y="111457"/>
+                  <a:pt x="1429756" y="112253"/>
+                  <a:pt x="1431267" y="113053"/>
+                </a:cubicBezTo>
+                <a:lnTo>
+                  <a:pt x="130941" y="1463336"/>
+                </a:lnTo>
+                <a:cubicBezTo>
+                  <a:pt x="117826" y="1440717"/>
+                  <a:pt x="105594" y="1417523"/>
+                  <a:pt x="94293" y="1393797"/>
+                </a:cubicBezTo>
+                <a:close/>
+                <a:moveTo>
+                  <a:pt x="1346476" y="73204"/>
+                </a:moveTo>
+                <a:cubicBezTo>
+                  <a:pt x="1348486" y="74032"/>
+                  <a:pt x="1350491" y="74863"/>
+                  <a:pt x="1352492" y="75705"/>
+                </a:cubicBezTo>
+                <a:lnTo>
+                  <a:pt x="90629" y="1386047"/>
+                </a:lnTo>
+                <a:cubicBezTo>
+                  <a:pt x="79411" y="1361947"/>
+                  <a:pt x="69149" y="1337308"/>
+                  <a:pt x="59890" y="1312188"/>
+                </a:cubicBezTo>
+                <a:close/>
+                <a:moveTo>
+                  <a:pt x="1259591" y="42137"/>
+                </a:moveTo>
+                <a:cubicBezTo>
+                  <a:pt x="1262290" y="42960"/>
+                  <a:pt x="1264987" y="43788"/>
+                  <a:pt x="1267675" y="44633"/>
+                </a:cubicBezTo>
+                <a:lnTo>
+                  <a:pt x="56375" y="1302469"/>
+                </a:lnTo>
+                <a:cubicBezTo>
+                  <a:pt x="47240" y="1276846"/>
+                  <a:pt x="39150" y="1250729"/>
+                  <a:pt x="32152" y="1224164"/>
+                </a:cubicBezTo>
+                <a:close/>
+                <a:moveTo>
+                  <a:pt x="698766" y="39655"/>
+                </a:moveTo>
+                <a:lnTo>
+                  <a:pt x="29995" y="734118"/>
+                </a:lnTo>
+                <a:cubicBezTo>
+                  <a:pt x="40311" y="693519"/>
+                  <a:pt x="53173" y="653933"/>
+                  <a:pt x="68403" y="615547"/>
+                </a:cubicBezTo>
+                <a:lnTo>
+                  <a:pt x="650038" y="55433"/>
+                </a:lnTo>
+                <a:cubicBezTo>
+                  <a:pt x="666092" y="49759"/>
+                  <a:pt x="682338" y="44498"/>
+                  <a:pt x="698766" y="39655"/>
+                </a:cubicBezTo>
+                <a:close/>
+                <a:moveTo>
+                  <a:pt x="1165023" y="18463"/>
+                </a:moveTo>
+                <a:cubicBezTo>
+                  <a:pt x="1168685" y="19184"/>
+                  <a:pt x="1172342" y="19927"/>
+                  <a:pt x="1175988" y="20692"/>
+                </a:cubicBezTo>
+                <a:lnTo>
+                  <a:pt x="28970" y="1211777"/>
+                </a:lnTo>
+                <a:cubicBezTo>
+                  <a:pt x="22174" y="1184538"/>
+                  <a:pt x="16527" y="1156844"/>
+                  <a:pt x="12075" y="1128755"/>
+                </a:cubicBezTo>
+                <a:close/>
+                <a:moveTo>
+                  <a:pt x="843216" y="8802"/>
+                </a:moveTo>
+                <a:lnTo>
+                  <a:pt x="4623" y="879613"/>
+                </a:lnTo>
+                <a:cubicBezTo>
+                  <a:pt x="8010" y="844749"/>
+                  <a:pt x="13222" y="810418"/>
+                  <a:pt x="20181" y="776727"/>
+                </a:cubicBezTo>
+                <a:lnTo>
+                  <a:pt x="812849" y="13386"/>
+                </a:lnTo>
+                <a:cubicBezTo>
+                  <a:pt x="822920" y="11699"/>
+                  <a:pt x="833044" y="10178"/>
+                  <a:pt x="843216" y="8802"/>
+                </a:cubicBezTo>
+                <a:close/>
+                <a:moveTo>
+                  <a:pt x="1061197" y="3710"/>
+                </a:moveTo>
+                <a:cubicBezTo>
+                  <a:pt x="1066216" y="4150"/>
+                  <a:pt x="1071227" y="4629"/>
+                  <a:pt x="1076224" y="5144"/>
+                </a:cubicBezTo>
+                <a:lnTo>
+                  <a:pt x="9655" y="1112686"/>
+                </a:lnTo>
+                <a:cubicBezTo>
+                  <a:pt x="5553" y="1083664"/>
+                  <a:pt x="2726" y="1054234"/>
+                  <a:pt x="1238" y="1024450"/>
+                </a:cubicBezTo>
+                <a:close/>
+                <a:moveTo>
+                  <a:pt x="966432" y="0"/>
+                </a:moveTo>
+                <a:lnTo>
+                  <a:pt x="413" y="1003131"/>
+                </a:lnTo>
+                <a:cubicBezTo>
+                  <a:pt x="148" y="993783"/>
+                  <a:pt x="0" y="984403"/>
+                  <a:pt x="0" y="974990"/>
+                </a:cubicBezTo>
+                <a:cubicBezTo>
+                  <a:pt x="0" y="952728"/>
+                  <a:pt x="762" y="930643"/>
+                  <a:pt x="2232" y="908753"/>
+                </a:cubicBezTo>
+                <a:lnTo>
+                  <a:pt x="945478" y="402"/>
+                </a:lnTo>
+                <a:cubicBezTo>
+                  <a:pt x="952445" y="195"/>
+                  <a:pt x="959429" y="60"/>
+                  <a:pt x="966432" y="0"/>
+                </a:cubicBezTo>
+                <a:close/>
+              </a:path>
+            </a:pathLst>
+          </a:custGeom>
+          <a:solidFill>
+            <a:schemeClr val="accent1">
+              <a:lumMod val="20000"/>
+              <a:lumOff val="80000"/>
+            </a:schemeClr>
+          </a:solidFill>
+          <a:ln w="4838" cap="flat">
+            <a:noFill/>
+            <a:prstDash val="solid"/>
+            <a:miter/>
+          </a:ln>
+        </p:spPr>
+        <p:txBody>
+          <a:bodyPr wrap="square" rtlCol="0" anchor="ctr">
+            <a:noAutofit/>
+          </a:bodyPr>
+          <a:lstStyle/>
+          <a:p>
+            <a:endParaRPr lang="en-US">
+              <a:solidFill>
+                <a:schemeClr val="tx2"/>
+              </a:solidFill>
+            </a:endParaRPr>
+          </a:p>
+        </p:txBody>
+      </p:sp>
+      <p:sp>
+        <p:nvSpPr>
+          <p:cNvPr id="11" name="Title 1">
+            <a:extLst>
+              <a:ext uri="{FF2B5EF4-FFF2-40B4-BE49-F238E27FC236}">
+                <a16:creationId xmlns:a16="http://schemas.microsoft.com/office/drawing/2014/main" id="{213EDD85-FE5B-D061-47EB-8356DC235A6E}"/>
+              </a:ext>
+            </a:extLst>
+          </p:cNvPr>
+          <p:cNvSpPr>
+            <a:spLocks noGrp="1"/>
+          </p:cNvSpPr>
+          <p:nvPr>
+            <p:ph type="ctrTitle"/>
+          </p:nvPr>
+        </p:nvSpPr>
+        <p:spPr>
+          <a:xfrm>
+            <a:off x="0" y="914400"/>
+            <a:ext cx="4876800" cy="3810000"/>
           </a:xfrm>
         </p:spPr>
         <p:txBody>
-          <a:bodyPr anchor="b">
+          <a:bodyPr anchor="ctr"/>
+          <a:lstStyle>
+            <a:lvl1pPr algn="ctr">
+              <a:lnSpc>
+                <a:spcPct val="100000"/>
+              </a:lnSpc>
+              <a:defRPr sz="6000" b="1">
+                <a:solidFill>
+                  <a:schemeClr val="accent2"/>
+                </a:solidFill>
+                <a:effectLst>
+                  <a:outerShdw blurRad="38100" dist="38100" dir="2700000" algn="tl">
+                    <a:srgbClr val="000000">
+                      <a:alpha val="43137"/>
+                    </a:srgbClr>
+                  </a:outerShdw>
+                </a:effectLst>
+              </a:defRPr>
+            </a:lvl1pPr>
+          </a:lstStyle>
+          <a:p>
+            <a:r>
+              <a:rPr lang="es-ES" dirty="0"/>
+              <a:t>Haga clic para modificar el estilo de título del patrón</a:t>
+            </a:r>
+            <a:endParaRPr lang="en-US" dirty="0"/>
+          </a:p>
+        </p:txBody>
+      </p:sp>
+      <p:sp>
+        <p:nvSpPr>
+          <p:cNvPr id="12" name="Subtitle 2">
+            <a:extLst>
+              <a:ext uri="{FF2B5EF4-FFF2-40B4-BE49-F238E27FC236}">
+                <a16:creationId xmlns:a16="http://schemas.microsoft.com/office/drawing/2014/main" id="{460274C2-32CB-B3B3-9374-14B5E0F63BF0}"/>
+              </a:ext>
+            </a:extLst>
+          </p:cNvPr>
+          <p:cNvSpPr>
+            <a:spLocks noGrp="1"/>
+          </p:cNvSpPr>
+          <p:nvPr>
+            <p:ph type="subTitle" idx="1"/>
+          </p:nvPr>
+        </p:nvSpPr>
+        <p:spPr>
+          <a:xfrm>
+            <a:off x="706438" y="4914900"/>
+            <a:ext cx="4711700" cy="1257300"/>
+          </a:xfrm>
+        </p:spPr>
+        <p:txBody>
+          <a:bodyPr anchor="ctr">
             <a:normAutofit/>
           </a:bodyPr>
           <a:lstStyle>
-            <a:lvl1pPr>
-              <a:defRPr kumimoji="0" lang="es-ES_tradnl" sz="6000" b="0" i="0" u="none" strike="noStrike" kern="1200" cap="none" spc="0" normalizeH="0" baseline="0" dirty="0">
-                <a:ln>
-                  <a:noFill/>
-                </a:ln>
-                <a:solidFill>
-                  <a:srgbClr val="E0287A"/>
-                </a:solidFill>
-                <a:effectLst/>
-                <a:uLnTx/>
-                <a:uFillTx/>
-                <a:latin typeface="Arial Rounded MT Bold"/>
-                <a:ea typeface="+mj-ea"/>
-                <a:cs typeface="+mj-cs"/>
-              </a:defRPr>
-            </a:lvl1pPr>
-          </a:lstStyle>
-          <a:p>
-            <a:r>
-              <a:rPr lang="en-US" dirty="0"/>
-              <a:t>Click to edit Master title style</a:t>
-            </a:r>
-            <a:endParaRPr lang="es-ES_tradnl" dirty="0"/>
-          </a:p>
-        </p:txBody>
-      </p:sp>
-      <p:sp>
-        <p:nvSpPr>
-          <p:cNvPr id="3" name="Text Placeholder 2">
-            <a:extLst>
-              <a:ext uri="{FF2B5EF4-FFF2-40B4-BE49-F238E27FC236}">
-                <a16:creationId xmlns:a16="http://schemas.microsoft.com/office/drawing/2014/main" id="{16BD45F8-9AFD-C6BB-DA34-EBB651D741C8}"/>
-              </a:ext>
-            </a:extLst>
-          </p:cNvPr>
-          <p:cNvSpPr>
-            <a:spLocks noGrp="1"/>
-          </p:cNvSpPr>
-          <p:nvPr>
-            <p:ph type="body" idx="1"/>
-          </p:nvPr>
-        </p:nvSpPr>
-        <p:spPr>
-          <a:xfrm>
-            <a:off x="831850" y="4589463"/>
-            <a:ext cx="10515600" cy="1500187"/>
-          </a:xfrm>
-        </p:spPr>
-        <p:txBody>
-          <a:bodyPr/>
-          <a:lstStyle>
-            <a:lvl1pPr marL="0" indent="0">
+            <a:lvl1pPr marL="0" indent="0" algn="l">
+              <a:lnSpc>
+                <a:spcPct val="100000"/>
+              </a:lnSpc>
               <a:buNone/>
               <a:defRPr sz="2400">
                 <a:solidFill>
-                  <a:schemeClr val="tx1">
-                    <a:tint val="75000"/>
-                  </a:schemeClr>
+                  <a:schemeClr val="tx2"/>
                 </a:solidFill>
               </a:defRPr>
             </a:lvl1pPr>
-            <a:lvl2pPr marL="457200" indent="0">
-              <a:buNone/>
-              <a:defRPr sz="2000">
-                <a:solidFill>
-                  <a:schemeClr val="tx1">
-                    <a:tint val="75000"/>
-                  </a:schemeClr>
-                </a:solidFill>
-              </a:defRPr>
+            <a:lvl2pPr marL="457200" indent="0" algn="ctr">
+              <a:buNone/>
+              <a:defRPr sz="2000"/>
             </a:lvl2pPr>
-            <a:lvl3pPr marL="914400" indent="0">
-              <a:buNone/>
-              <a:defRPr sz="1800">
-                <a:solidFill>
-                  <a:schemeClr val="tx1">
-                    <a:tint val="75000"/>
-                  </a:schemeClr>
-                </a:solidFill>
-              </a:defRPr>
+            <a:lvl3pPr marL="914400" indent="0" algn="ctr">
+              <a:buNone/>
+              <a:defRPr sz="1800"/>
             </a:lvl3pPr>
-            <a:lvl4pPr marL="1371600" indent="0">
-              <a:buNone/>
-              <a:defRPr sz="1600">
-                <a:solidFill>
-                  <a:schemeClr val="tx1">
-                    <a:tint val="75000"/>
-                  </a:schemeClr>
-                </a:solidFill>
-              </a:defRPr>
+            <a:lvl4pPr marL="1371600" indent="0" algn="ctr">
+              <a:buNone/>
+              <a:defRPr sz="1600"/>
             </a:lvl4pPr>
-            <a:lvl5pPr marL="1828800" indent="0">
-              <a:buNone/>
-              <a:defRPr sz="1600">
-                <a:solidFill>
-                  <a:schemeClr val="tx1">
-                    <a:tint val="75000"/>
-                  </a:schemeClr>
-                </a:solidFill>
-              </a:defRPr>
+            <a:lvl5pPr marL="1828800" indent="0" algn="ctr">
+              <a:buNone/>
+              <a:defRPr sz="1600"/>
             </a:lvl5pPr>
-            <a:lvl6pPr marL="2286000" indent="0">
-              <a:buNone/>
-              <a:defRPr sz="1600">
-                <a:solidFill>
-                  <a:schemeClr val="tx1">
-                    <a:tint val="75000"/>
-                  </a:schemeClr>
-                </a:solidFill>
-              </a:defRPr>
+            <a:lvl6pPr marL="2286000" indent="0" algn="ctr">
+              <a:buNone/>
+              <a:defRPr sz="1600"/>
             </a:lvl6pPr>
-            <a:lvl7pPr marL="2743200" indent="0">
-              <a:buNone/>
-              <a:defRPr sz="1600">
-                <a:solidFill>
-                  <a:schemeClr val="tx1">
-                    <a:tint val="75000"/>
-                  </a:schemeClr>
-                </a:solidFill>
-              </a:defRPr>
+            <a:lvl7pPr marL="2743200" indent="0" algn="ctr">
+              <a:buNone/>
+              <a:defRPr sz="1600"/>
             </a:lvl7pPr>
-            <a:lvl8pPr marL="3200400" indent="0">
-              <a:buNone/>
-              <a:defRPr sz="1600">
-                <a:solidFill>
-                  <a:schemeClr val="tx1">
-                    <a:tint val="75000"/>
-                  </a:schemeClr>
-                </a:solidFill>
-              </a:defRPr>
+            <a:lvl8pPr marL="3200400" indent="0" algn="ctr">
+              <a:buNone/>
+              <a:defRPr sz="1600"/>
             </a:lvl8pPr>
-            <a:lvl9pPr marL="3657600" indent="0">
-              <a:buNone/>
-              <a:defRPr sz="1600">
-                <a:solidFill>
-                  <a:schemeClr val="tx1">
-                    <a:tint val="75000"/>
-                  </a:schemeClr>
-                </a:solidFill>
-              </a:defRPr>
+            <a:lvl9pPr marL="3657600" indent="0" algn="ctr">
+              <a:buNone/>
+              <a:defRPr sz="1600"/>
             </a:lvl9pPr>
           </a:lstStyle>
           <a:p>
-            <a:pPr lvl="0"/>
-            <a:r>
-              <a:rPr lang="en-US"/>
-              <a:t>Click to edit Master text styles</a:t>
-            </a:r>
-          </a:p>
-        </p:txBody>
-      </p:sp>
-      <p:sp>
-        <p:nvSpPr>
-          <p:cNvPr id="4" name="Date Placeholder 3">
-            <a:extLst>
-              <a:ext uri="{FF2B5EF4-FFF2-40B4-BE49-F238E27FC236}">
-                <a16:creationId xmlns:a16="http://schemas.microsoft.com/office/drawing/2014/main" id="{997C38CF-2FD1-23A2-DB4F-9F71E556D369}"/>
+            <a:r>
+              <a:rPr lang="es-ES"/>
+              <a:t>Haga clic para modificar el estilo de subtítulo del patrón</a:t>
+            </a:r>
+            <a:endParaRPr lang="en-US"/>
+          </a:p>
+        </p:txBody>
+      </p:sp>
+      <p:sp>
+        <p:nvSpPr>
+          <p:cNvPr id="13" name="Date Placeholder 3">
+            <a:extLst>
+              <a:ext uri="{FF2B5EF4-FFF2-40B4-BE49-F238E27FC236}">
+                <a16:creationId xmlns:a16="http://schemas.microsoft.com/office/drawing/2014/main" id="{12B693B9-7F17-A1E9-97B4-A78B3276228A}"/>
               </a:ext>
             </a:extLst>
           </p:cNvPr>
@@ -1354,25 +3239,30 @@
             <p:ph type="dt" sz="half" idx="10"/>
           </p:nvPr>
         </p:nvSpPr>
-        <p:spPr/>
-        <p:txBody>
-          <a:bodyPr/>
-          <a:lstStyle/>
-          <a:p>
-            <a:fld id="{B1D0D1D1-B849-0E4E-8830-1466A2D52B65}" type="datetimeFigureOut">
-              <a:rPr lang="es-ES_tradnl" smtClean="0"/>
+        <p:spPr>
+          <a:xfrm>
+            <a:off x="838200" y="6356350"/>
+            <a:ext cx="2743200" cy="365125"/>
+          </a:xfrm>
+        </p:spPr>
+        <p:txBody>
+          <a:bodyPr/>
+          <a:lstStyle/>
+          <a:p>
+            <a:fld id="{533222FB-C955-4AD4-9435-9A5B5007D973}" type="datetimeFigureOut">
+              <a:rPr lang="es-CO" smtClean="0"/>
               <a:t>30/11/23</a:t>
             </a:fld>
-            <a:endParaRPr lang="es-ES_tradnl"/>
-          </a:p>
-        </p:txBody>
-      </p:sp>
-      <p:sp>
-        <p:nvSpPr>
-          <p:cNvPr id="5" name="Footer Placeholder 4">
-            <a:extLst>
-              <a:ext uri="{FF2B5EF4-FFF2-40B4-BE49-F238E27FC236}">
-                <a16:creationId xmlns:a16="http://schemas.microsoft.com/office/drawing/2014/main" id="{56FC1892-8874-C596-2426-67CF73E48A2D}"/>
+            <a:endParaRPr lang="es-CO"/>
+          </a:p>
+        </p:txBody>
+      </p:sp>
+      <p:sp>
+        <p:nvSpPr>
+          <p:cNvPr id="14" name="Footer Placeholder 4">
+            <a:extLst>
+              <a:ext uri="{FF2B5EF4-FFF2-40B4-BE49-F238E27FC236}">
+                <a16:creationId xmlns:a16="http://schemas.microsoft.com/office/drawing/2014/main" id="{DAA90E3A-E965-5C6B-8552-0211B0E6D90B}"/>
               </a:ext>
             </a:extLst>
           </p:cNvPr>
@@ -1383,21 +3273,26 @@
             <p:ph type="ftr" sz="quarter" idx="11"/>
           </p:nvPr>
         </p:nvSpPr>
-        <p:spPr/>
-        <p:txBody>
-          <a:bodyPr/>
-          <a:lstStyle/>
-          <a:p>
-            <a:endParaRPr lang="es-ES_tradnl"/>
-          </a:p>
-        </p:txBody>
-      </p:sp>
-      <p:sp>
-        <p:nvSpPr>
-          <p:cNvPr id="6" name="Slide Number Placeholder 5">
-            <a:extLst>
-              <a:ext uri="{FF2B5EF4-FFF2-40B4-BE49-F238E27FC236}">
-                <a16:creationId xmlns:a16="http://schemas.microsoft.com/office/drawing/2014/main" id="{725B12FB-A5FB-A4A5-A143-7AD74DCE618C}"/>
+        <p:spPr>
+          <a:xfrm>
+            <a:off x="4038600" y="6356350"/>
+            <a:ext cx="4114800" cy="365125"/>
+          </a:xfrm>
+        </p:spPr>
+        <p:txBody>
+          <a:bodyPr/>
+          <a:lstStyle/>
+          <a:p>
+            <a:endParaRPr lang="es-CO"/>
+          </a:p>
+        </p:txBody>
+      </p:sp>
+      <p:sp>
+        <p:nvSpPr>
+          <p:cNvPr id="15" name="Slide Number Placeholder 5">
+            <a:extLst>
+              <a:ext uri="{FF2B5EF4-FFF2-40B4-BE49-F238E27FC236}">
+                <a16:creationId xmlns:a16="http://schemas.microsoft.com/office/drawing/2014/main" id="{C435F1C7-3981-8B86-7EF7-373D62DCEF72}"/>
               </a:ext>
             </a:extLst>
           </p:cNvPr>
@@ -1408,16 +3303,21 @@
             <p:ph type="sldNum" sz="quarter" idx="12"/>
           </p:nvPr>
         </p:nvSpPr>
-        <p:spPr/>
-        <p:txBody>
-          <a:bodyPr/>
-          <a:lstStyle/>
-          <a:p>
-            <a:fld id="{B721FB27-E2AF-734E-95A0-74ADA25D2E5C}" type="slidenum">
-              <a:rPr lang="es-ES_tradnl" smtClean="0"/>
+        <p:spPr>
+          <a:xfrm>
+            <a:off x="8610600" y="6356350"/>
+            <a:ext cx="2743200" cy="365125"/>
+          </a:xfrm>
+        </p:spPr>
+        <p:txBody>
+          <a:bodyPr/>
+          <a:lstStyle/>
+          <a:p>
+            <a:fld id="{35680457-BA6E-4119-B3A5-1FB163962D98}" type="slidenum">
+              <a:rPr lang="es-CO" smtClean="0"/>
               <a:t>‹#›</a:t>
             </a:fld>
-            <a:endParaRPr lang="es-ES_tradnl"/>
+            <a:endParaRPr lang="es-CO"/>
           </a:p>
         </p:txBody>
       </p:sp>
@@ -4377,6 +6277,504 @@
               <a:buNone/>
             </a:pPr>
             <a:r>
+              <a:t>Arquitectura. 2. Escalabilidad. Funcional</a:t>
+            </a:r>
+          </a:p>
+        </p:txBody>
+      </p:sp>
+      <p:pic>
+        <p:nvPicPr>
+          <p:cNvPr id="3" name="Picture 1" descr="fig:  images/Arquitectura.2.Escalabilidad.Funcional.png"/>
+          <p:cNvPicPr>
+            <a:picLocks noGrp="1" noChangeAspect="1"/>
+          </p:cNvPicPr>
+          <p:nvPr/>
+        </p:nvPicPr>
+        <p:blipFill>
+          <a:blip r:embed="rId2"/>
+          <a:stretch>
+            <a:fillRect/>
+          </a:stretch>
+        </p:blipFill>
+        <p:spPr bwMode="auto">
+          <a:xfrm>
+            <a:off x="838200" y="2235200"/>
+            <a:ext cx="5181600" cy="2997200"/>
+          </a:xfrm>
+          <a:prstGeom prst="rect">
+            <a:avLst/>
+          </a:prstGeom>
+          <a:noFill/>
+          <a:ln w="9525">
+            <a:noFill/>
+            <a:headEnd/>
+            <a:tailEnd/>
+          </a:ln>
+        </p:spPr>
+      </p:pic>
+      <p:sp>
+        <p:nvSpPr>
+          <p:cNvPr id="5" name="TextBox 3"/>
+          <p:cNvSpPr txBox="1"/>
+          <p:nvPr/>
+        </p:nvSpPr>
+        <p:spPr>
+          <a:xfrm>
+            <a:off x="838200" y="5651500"/>
+            <a:ext cx="5181600" cy="508000"/>
+          </a:xfrm>
+          <a:prstGeom prst="rect">
+            <a:avLst/>
+          </a:prstGeom>
+          <a:noFill/>
+        </p:spPr>
+        <p:txBody>
+          <a:bodyPr/>
+          <a:lstStyle/>
+          <a:p>
+            <a:pPr marL="0" lvl="0" indent="0" algn="ctr">
+              <a:buNone/>
+            </a:pPr>
+            <a:r>
+              <a:t>Vista. Arquitectura. 2. Escalabilidad. Funcional</a:t>
+            </a:r>
+          </a:p>
+        </p:txBody>
+      </p:sp>
+      <p:sp>
+        <p:nvSpPr>
+          <p:cNvPr id="4" name="Content Placeholder 3">
+            <a:extLst>
+              <a:ext uri="{FF2B5EF4-FFF2-40B4-BE49-F238E27FC236}">
+                <a16:creationId xmlns:a16="http://schemas.microsoft.com/office/drawing/2014/main" id="{C261DBA9-0B0C-4FAA-DEB6-7E988D31A3EC}"/>
+              </a:ext>
+            </a:extLst>
+          </p:cNvPr>
+          <p:cNvSpPr>
+            <a:spLocks noGrp="1"/>
+          </p:cNvSpPr>
+          <p:nvPr>
+            <p:ph sz="half" idx="2"/>
+          </p:nvPr>
+        </p:nvSpPr>
+        <p:spPr/>
+        <p:txBody>
+          <a:bodyPr/>
+          <a:lstStyle/>
+          <a:p>
+            <a:pPr marL="0" lvl="0" indent="0">
+              <a:spcBef>
+                <a:spcPts val="3000"/>
+              </a:spcBef>
+              <a:buNone/>
+            </a:pPr>
+            <a:r>
+              <a:rPr b="1"/>
+              <a:t>Casos de Uso Ejecutables</a:t>
+            </a:r>
+          </a:p>
+          <a:p>
+            <a:pPr marL="0" lvl="0" indent="0">
+              <a:buNone/>
+            </a:pPr>
+            <a:r>
+              <a:t>Escalabilidad funcional realizada mediante la agregación (o incremento de versión) de los casos de uso, que a su vez están implementados por componentes ejecutables, como servicio, u objetos C#.</a:t>
+            </a:r>
+          </a:p>
+          <a:p>
+            <a:pPr marL="0" lvl="0" indent="0">
+              <a:buNone/>
+            </a:pPr>
+            <a:r>
+              <a:t>En lo posible, los requerimientos nuevos no interfieren con los requerimientos base.</a:t>
+            </a:r>
+          </a:p>
+        </p:txBody>
+      </p:sp>
+    </p:spTree>
+  </p:cSld>
+  <p:clrMapOvr>
+    <a:masterClrMapping/>
+  </p:clrMapOvr>
+</p:sld>
+</file>
+
+<file path=ppt/slides/slide13.xml><?xml version="1.0" encoding="utf-8"?>
+<p:sld xmlns:a="http://schemas.openxmlformats.org/drawingml/2006/main" xmlns:r="http://schemas.openxmlformats.org/officeDocument/2006/relationships" xmlns:p="http://schemas.openxmlformats.org/presentationml/2006/main">
+  <p:cSld>
+    <p:spTree>
+      <p:nvGrpSpPr>
+        <p:cNvPr id="1" name=""/>
+        <p:cNvGrpSpPr/>
+        <p:nvPr/>
+      </p:nvGrpSpPr>
+      <p:grpSpPr>
+        <a:xfrm>
+          <a:off x="0" y="0"/>
+          <a:ext cx="0" cy="0"/>
+          <a:chOff x="0" y="0"/>
+          <a:chExt cx="0" cy="0"/>
+        </a:xfrm>
+      </p:grpSpPr>
+      <p:sp>
+        <p:nvSpPr>
+          <p:cNvPr id="2" name="Title 1">
+            <a:extLst>
+              <a:ext uri="{FF2B5EF4-FFF2-40B4-BE49-F238E27FC236}">
+                <a16:creationId xmlns:a16="http://schemas.microsoft.com/office/drawing/2014/main" id="{031ABDF3-40B0-9FFD-785D-6EE24EA30E17}"/>
+              </a:ext>
+            </a:extLst>
+          </p:cNvPr>
+          <p:cNvSpPr>
+            <a:spLocks noGrp="1"/>
+          </p:cNvSpPr>
+          <p:nvPr>
+            <p:ph type="title"/>
+          </p:nvPr>
+        </p:nvSpPr>
+        <p:spPr/>
+        <p:txBody>
+          <a:bodyPr/>
+          <a:lstStyle/>
+          <a:p>
+            <a:pPr marL="0" lvl="0" indent="0">
+              <a:buNone/>
+            </a:pPr>
+            <a:r>
+              <a:t>Arquitectura. 2a. Escalabilidad. Física</a:t>
+            </a:r>
+          </a:p>
+        </p:txBody>
+      </p:sp>
+      <p:pic>
+        <p:nvPicPr>
+          <p:cNvPr id="3" name="Picture 1" descr="fig:  images/Arquitectura.2a.Escalabilidad.Física.png"/>
+          <p:cNvPicPr>
+            <a:picLocks noGrp="1" noChangeAspect="1"/>
+          </p:cNvPicPr>
+          <p:nvPr/>
+        </p:nvPicPr>
+        <p:blipFill>
+          <a:blip r:embed="rId2"/>
+          <a:stretch>
+            <a:fillRect/>
+          </a:stretch>
+        </p:blipFill>
+        <p:spPr bwMode="auto">
+          <a:xfrm>
+            <a:off x="1308100" y="1816100"/>
+            <a:ext cx="4241800" cy="3835400"/>
+          </a:xfrm>
+          <a:prstGeom prst="rect">
+            <a:avLst/>
+          </a:prstGeom>
+          <a:noFill/>
+          <a:ln w="9525">
+            <a:noFill/>
+            <a:headEnd/>
+            <a:tailEnd/>
+          </a:ln>
+        </p:spPr>
+      </p:pic>
+      <p:sp>
+        <p:nvSpPr>
+          <p:cNvPr id="5" name="TextBox 3"/>
+          <p:cNvSpPr txBox="1"/>
+          <p:nvPr/>
+        </p:nvSpPr>
+        <p:spPr>
+          <a:xfrm>
+            <a:off x="838200" y="5651500"/>
+            <a:ext cx="5181600" cy="508000"/>
+          </a:xfrm>
+          <a:prstGeom prst="rect">
+            <a:avLst/>
+          </a:prstGeom>
+          <a:noFill/>
+        </p:spPr>
+        <p:txBody>
+          <a:bodyPr/>
+          <a:lstStyle/>
+          <a:p>
+            <a:pPr marL="0" lvl="0" indent="0" algn="ctr">
+              <a:buNone/>
+            </a:pPr>
+            <a:r>
+              <a:t>Vista. Arquitectura. 2a. Escalabilidad. Física</a:t>
+            </a:r>
+          </a:p>
+        </p:txBody>
+      </p:sp>
+      <p:sp>
+        <p:nvSpPr>
+          <p:cNvPr id="4" name="Content Placeholder 3">
+            <a:extLst>
+              <a:ext uri="{FF2B5EF4-FFF2-40B4-BE49-F238E27FC236}">
+                <a16:creationId xmlns:a16="http://schemas.microsoft.com/office/drawing/2014/main" id="{C261DBA9-0B0C-4FAA-DEB6-7E988D31A3EC}"/>
+              </a:ext>
+            </a:extLst>
+          </p:cNvPr>
+          <p:cNvSpPr>
+            <a:spLocks noGrp="1"/>
+          </p:cNvSpPr>
+          <p:nvPr>
+            <p:ph sz="half" idx="2"/>
+          </p:nvPr>
+        </p:nvSpPr>
+        <p:spPr/>
+        <p:txBody>
+          <a:bodyPr/>
+          <a:lstStyle/>
+          <a:p>
+            <a:pPr marL="0" lvl="0" indent="0">
+              <a:spcBef>
+                <a:spcPts val="3000"/>
+              </a:spcBef>
+              <a:buNone/>
+            </a:pPr>
+            <a:r>
+              <a:rPr b="1"/>
+              <a:t>Escalabilidad Horizontal</a:t>
+            </a:r>
+          </a:p>
+          <a:p>
+            <a:pPr marL="0" lvl="0" indent="0">
+              <a:buNone/>
+            </a:pPr>
+            <a:r>
+              <a:t>Escalabilidad física (escalabilidad horizontal) realizada mediante el incremente de procesamiento (servidores) para ejecutar los casos de uso, que a su vez están implementados por componentes ejecutables, como servicio, u objetos C#.</a:t>
+            </a:r>
+          </a:p>
+          <a:p>
+            <a:pPr marL="0" lvl="0" indent="0">
+              <a:buNone/>
+            </a:pPr>
+            <a:r>
+              <a:t>En lo posible, los equipos de hardware, o máquinas virtuales nuevas no interfieren con la base actual.</a:t>
+            </a:r>
+          </a:p>
+        </p:txBody>
+      </p:sp>
+    </p:spTree>
+  </p:cSld>
+  <p:clrMapOvr>
+    <a:masterClrMapping/>
+  </p:clrMapOvr>
+</p:sld>
+</file>
+
+<file path=ppt/slides/slide14.xml><?xml version="1.0" encoding="utf-8"?>
+<p:sld xmlns:a="http://schemas.openxmlformats.org/drawingml/2006/main" xmlns:r="http://schemas.openxmlformats.org/officeDocument/2006/relationships" xmlns:p="http://schemas.openxmlformats.org/presentationml/2006/main">
+  <p:cSld>
+    <p:spTree>
+      <p:nvGrpSpPr>
+        <p:cNvPr id="1" name=""/>
+        <p:cNvGrpSpPr/>
+        <p:nvPr/>
+      </p:nvGrpSpPr>
+      <p:grpSpPr>
+        <a:xfrm>
+          <a:off x="0" y="0"/>
+          <a:ext cx="0" cy="0"/>
+          <a:chOff x="0" y="0"/>
+          <a:chExt cx="0" cy="0"/>
+        </a:xfrm>
+      </p:grpSpPr>
+      <p:sp>
+        <p:nvSpPr>
+          <p:cNvPr id="2" name="Title 1">
+            <a:extLst>
+              <a:ext uri="{FF2B5EF4-FFF2-40B4-BE49-F238E27FC236}">
+                <a16:creationId xmlns:a16="http://schemas.microsoft.com/office/drawing/2014/main" id="{031ABDF3-40B0-9FFD-785D-6EE24EA30E17}"/>
+              </a:ext>
+            </a:extLst>
+          </p:cNvPr>
+          <p:cNvSpPr>
+            <a:spLocks noGrp="1"/>
+          </p:cNvSpPr>
+          <p:nvPr>
+            <p:ph type="title"/>
+          </p:nvPr>
+        </p:nvSpPr>
+        <p:spPr/>
+        <p:txBody>
+          <a:bodyPr/>
+          <a:lstStyle/>
+          <a:p>
+            <a:pPr marL="0" lvl="0" indent="0">
+              <a:buNone/>
+            </a:pPr>
+            <a:r>
+              <a:t>Arquitectura. 3. Decisiones de Arquitectura SUI</a:t>
+            </a:r>
+          </a:p>
+        </p:txBody>
+      </p:sp>
+      <p:pic>
+        <p:nvPicPr>
+          <p:cNvPr id="3" name="Picture 1" descr="fig:  images/Arquitectura.3.Decisiones.png"/>
+          <p:cNvPicPr>
+            <a:picLocks noGrp="1" noChangeAspect="1"/>
+          </p:cNvPicPr>
+          <p:nvPr/>
+        </p:nvPicPr>
+        <p:blipFill>
+          <a:blip r:embed="rId2"/>
+          <a:stretch>
+            <a:fillRect/>
+          </a:stretch>
+        </p:blipFill>
+        <p:spPr bwMode="auto">
+          <a:xfrm>
+            <a:off x="838200" y="1905000"/>
+            <a:ext cx="5181600" cy="3644900"/>
+          </a:xfrm>
+          <a:prstGeom prst="rect">
+            <a:avLst/>
+          </a:prstGeom>
+          <a:noFill/>
+          <a:ln w="9525">
+            <a:noFill/>
+            <a:headEnd/>
+            <a:tailEnd/>
+          </a:ln>
+        </p:spPr>
+      </p:pic>
+      <p:sp>
+        <p:nvSpPr>
+          <p:cNvPr id="5" name="TextBox 3"/>
+          <p:cNvSpPr txBox="1"/>
+          <p:nvPr/>
+        </p:nvSpPr>
+        <p:spPr>
+          <a:xfrm>
+            <a:off x="838200" y="5651500"/>
+            <a:ext cx="5181600" cy="508000"/>
+          </a:xfrm>
+          <a:prstGeom prst="rect">
+            <a:avLst/>
+          </a:prstGeom>
+          <a:noFill/>
+        </p:spPr>
+        <p:txBody>
+          <a:bodyPr/>
+          <a:lstStyle/>
+          <a:p>
+            <a:pPr marL="0" lvl="0" indent="0" algn="ctr">
+              <a:buNone/>
+            </a:pPr>
+            <a:r>
+              <a:t>Vista. Arquitectura. 3. Decisiones</a:t>
+            </a:r>
+          </a:p>
+        </p:txBody>
+      </p:sp>
+      <p:sp>
+        <p:nvSpPr>
+          <p:cNvPr id="4" name="Content Placeholder 3">
+            <a:extLst>
+              <a:ext uri="{FF2B5EF4-FFF2-40B4-BE49-F238E27FC236}">
+                <a16:creationId xmlns:a16="http://schemas.microsoft.com/office/drawing/2014/main" id="{C261DBA9-0B0C-4FAA-DEB6-7E988D31A3EC}"/>
+              </a:ext>
+            </a:extLst>
+          </p:cNvPr>
+          <p:cNvSpPr>
+            <a:spLocks noGrp="1"/>
+          </p:cNvSpPr>
+          <p:nvPr>
+            <p:ph sz="half" idx="2"/>
+          </p:nvPr>
+        </p:nvSpPr>
+        <p:spPr/>
+        <p:txBody>
+          <a:bodyPr>
+            <a:normAutofit fontScale="92500" lnSpcReduction="10000"/>
+          </a:bodyPr>
+          <a:lstStyle/>
+          <a:p>
+            <a:pPr marL="0" lvl="0" indent="0">
+              <a:spcBef>
+                <a:spcPts val="3000"/>
+              </a:spcBef>
+              <a:buNone/>
+            </a:pPr>
+            <a:r>
+              <a:rPr b="1"/>
+              <a:t>Restricciones de Diseño</a:t>
+            </a:r>
+          </a:p>
+          <a:p>
+            <a:pPr lvl="0"/>
+            <a:r>
+              <a:t>Consistencia. La consistencia persigue que el resultado de la lógica de negocio sea la misma entre los módulos del SUI migrado.</a:t>
+            </a:r>
+          </a:p>
+          <a:p>
+            <a:pPr lvl="0"/>
+            <a:r>
+              <a:t>Mantenibilidad. La mantenibilidad por control de dependencias que optimiza el diseño Migración SUI está dada por el control de cambios no programados sobre los componentes misionales del SUI (corrupción de componentes).</a:t>
+            </a:r>
+          </a:p>
+          <a:p>
+            <a:pPr lvl="0"/>
+            <a:r>
+              <a:t>Extensibilidad. La extensibilidad que optimiza el diseño Migración SUI está dada por el intercambio de submódulos no misionales, como el gestor documental, sin afectación de los componentes misionales que este diseño protege.</a:t>
+            </a:r>
+          </a:p>
+        </p:txBody>
+      </p:sp>
+    </p:spTree>
+  </p:cSld>
+  <p:clrMapOvr>
+    <a:masterClrMapping/>
+  </p:clrMapOvr>
+</p:sld>
+</file>
+
+<file path=ppt/slides/slide15.xml><?xml version="1.0" encoding="utf-8"?>
+<p:sld xmlns:a="http://schemas.openxmlformats.org/drawingml/2006/main" xmlns:r="http://schemas.openxmlformats.org/officeDocument/2006/relationships" xmlns:p="http://schemas.openxmlformats.org/presentationml/2006/main">
+  <p:cSld>
+    <p:spTree>
+      <p:nvGrpSpPr>
+        <p:cNvPr id="1" name=""/>
+        <p:cNvGrpSpPr/>
+        <p:nvPr/>
+      </p:nvGrpSpPr>
+      <p:grpSpPr>
+        <a:xfrm>
+          <a:off x="0" y="0"/>
+          <a:ext cx="0" cy="0"/>
+          <a:chOff x="0" y="0"/>
+          <a:chExt cx="0" cy="0"/>
+        </a:xfrm>
+      </p:grpSpPr>
+      <p:sp>
+        <p:nvSpPr>
+          <p:cNvPr id="2" name="Title 1">
+            <a:extLst>
+              <a:ext uri="{FF2B5EF4-FFF2-40B4-BE49-F238E27FC236}">
+                <a16:creationId xmlns:a16="http://schemas.microsoft.com/office/drawing/2014/main" id="{031ABDF3-40B0-9FFD-785D-6EE24EA30E17}"/>
+              </a:ext>
+            </a:extLst>
+          </p:cNvPr>
+          <p:cNvSpPr>
+            <a:spLocks noGrp="1"/>
+          </p:cNvSpPr>
+          <p:nvPr>
+            <p:ph type="title"/>
+          </p:nvPr>
+        </p:nvSpPr>
+        <p:spPr/>
+        <p:txBody>
+          <a:bodyPr>
+            <a:normAutofit fontScale="90000"/>
+          </a:bodyPr>
+          <a:lstStyle/>
+          <a:p>
+            <a:pPr marL="0" lvl="0" indent="0">
+              <a:buNone/>
+            </a:pPr>
+            <a:r>
               <a:t>Diagrama de Arquitectura de Integración Continua, DevOps y Despliegues de Capas</a:t>
             </a:r>
           </a:p>
@@ -4491,7 +6889,7 @@
 </p:sld>
 </file>
 
-<file path=ppt/slides/slide13.xml><?xml version="1.0" encoding="utf-8"?>
+<file path=ppt/slides/slide16.xml><?xml version="1.0" encoding="utf-8"?>
 <p:sld xmlns:a="http://schemas.openxmlformats.org/drawingml/2006/main" xmlns:r="http://schemas.openxmlformats.org/officeDocument/2006/relationships" xmlns:p="http://schemas.openxmlformats.org/presentationml/2006/main">
   <p:cSld>
     <p:spTree>
@@ -4647,483 +7045,6 @@
 </p:sld>
 </file>
 
-<file path=ppt/slides/slide14.xml><?xml version="1.0" encoding="utf-8"?>
-<p:sld xmlns:a="http://schemas.openxmlformats.org/drawingml/2006/main" xmlns:r="http://schemas.openxmlformats.org/officeDocument/2006/relationships" xmlns:p="http://schemas.openxmlformats.org/presentationml/2006/main">
-  <p:cSld>
-    <p:spTree>
-      <p:nvGrpSpPr>
-        <p:cNvPr id="1" name=""/>
-        <p:cNvGrpSpPr/>
-        <p:nvPr/>
-      </p:nvGrpSpPr>
-      <p:grpSpPr>
-        <a:xfrm>
-          <a:off x="0" y="0"/>
-          <a:ext cx="0" cy="0"/>
-          <a:chOff x="0" y="0"/>
-          <a:chExt cx="0" cy="0"/>
-        </a:xfrm>
-      </p:grpSpPr>
-      <p:sp>
-        <p:nvSpPr>
-          <p:cNvPr id="2" name="Title 1">
-            <a:extLst>
-              <a:ext uri="{FF2B5EF4-FFF2-40B4-BE49-F238E27FC236}">
-                <a16:creationId xmlns:a16="http://schemas.microsoft.com/office/drawing/2014/main" id="{28FF95C8-FAC5-C096-F0F7-9235C6BAA4D3}"/>
-              </a:ext>
-            </a:extLst>
-          </p:cNvPr>
-          <p:cNvSpPr>
-            <a:spLocks noGrp="1"/>
-          </p:cNvSpPr>
-          <p:nvPr>
-            <p:ph type="title"/>
-          </p:nvPr>
-        </p:nvSpPr>
-        <p:spPr/>
-        <p:txBody>
-          <a:bodyPr/>
-          <a:lstStyle/>
-          <a:p>
-            <a:pPr marL="0" lvl="0" indent="0">
-              <a:buNone/>
-            </a:pPr>
-            <a:r>
-              <a:t>Entregables de Arquitectura de Información (Datos)</a:t>
-            </a:r>
-          </a:p>
-        </p:txBody>
-      </p:sp>
-      <p:sp>
-        <p:nvSpPr>
-          <p:cNvPr id="3" name="Content Placeholder 2">
-            <a:extLst>
-              <a:ext uri="{FF2B5EF4-FFF2-40B4-BE49-F238E27FC236}">
-                <a16:creationId xmlns:a16="http://schemas.microsoft.com/office/drawing/2014/main" id="{CEB6827E-2FAC-935D-C318-C00D054BA2DC}"/>
-              </a:ext>
-            </a:extLst>
-          </p:cNvPr>
-          <p:cNvSpPr>
-            <a:spLocks noGrp="1"/>
-          </p:cNvSpPr>
-          <p:nvPr>
-            <p:ph idx="1"/>
-          </p:nvPr>
-        </p:nvSpPr>
-        <p:spPr/>
-        <p:txBody>
-          <a:bodyPr/>
-          <a:lstStyle/>
-          <a:p>
-            <a:pPr lvl="0"/>
-            <a:r>
-              <a:t>Diagrama Modelo de Datos Conceptual</a:t>
-            </a:r>
-          </a:p>
-          <a:p>
-            <a:pPr lvl="0"/>
-            <a:r>
-              <a:t>Diagrama Modelo de Datos Físico (diagramas entidad-relación)</a:t>
-            </a:r>
-          </a:p>
-          <a:p>
-            <a:pPr lvl="0"/>
-            <a:r>
-              <a:t>Diagrama Modelo de Datos Lógico</a:t>
-            </a:r>
-          </a:p>
-          <a:p>
-            <a:pPr lvl="0"/>
-            <a:r>
-              <a:t>Documento Diccionarios de Datos</a:t>
-            </a:r>
-          </a:p>
-          <a:p>
-            <a:pPr lvl="0"/>
-            <a:r>
-              <a:t>Mapa de Información (flujos de información)</a:t>
-            </a:r>
-          </a:p>
-          <a:p>
-            <a:pPr lvl="0"/>
-            <a:r>
-              <a:t>Modelo Ontológico</a:t>
-            </a:r>
-          </a:p>
-        </p:txBody>
-      </p:sp>
-    </p:spTree>
-  </p:cSld>
-  <p:clrMapOvr>
-    <a:masterClrMapping/>
-  </p:clrMapOvr>
-</p:sld>
-</file>
-
-<file path=ppt/slides/slide15.xml><?xml version="1.0" encoding="utf-8"?>
-<p:sld xmlns:a="http://schemas.openxmlformats.org/drawingml/2006/main" xmlns:r="http://schemas.openxmlformats.org/officeDocument/2006/relationships" xmlns:p="http://schemas.openxmlformats.org/presentationml/2006/main">
-  <p:cSld>
-    <p:spTree>
-      <p:nvGrpSpPr>
-        <p:cNvPr id="1" name=""/>
-        <p:cNvGrpSpPr/>
-        <p:nvPr/>
-      </p:nvGrpSpPr>
-      <p:grpSpPr>
-        <a:xfrm>
-          <a:off x="0" y="0"/>
-          <a:ext cx="0" cy="0"/>
-          <a:chOff x="0" y="0"/>
-          <a:chExt cx="0" cy="0"/>
-        </a:xfrm>
-      </p:grpSpPr>
-      <p:sp>
-        <p:nvSpPr>
-          <p:cNvPr id="2" name="Title 1">
-            <a:extLst>
-              <a:ext uri="{FF2B5EF4-FFF2-40B4-BE49-F238E27FC236}">
-                <a16:creationId xmlns:a16="http://schemas.microsoft.com/office/drawing/2014/main" id="{031ABDF3-40B0-9FFD-785D-6EE24EA30E17}"/>
-              </a:ext>
-            </a:extLst>
-          </p:cNvPr>
-          <p:cNvSpPr>
-            <a:spLocks noGrp="1"/>
-          </p:cNvSpPr>
-          <p:nvPr>
-            <p:ph type="title"/>
-          </p:nvPr>
-        </p:nvSpPr>
-        <p:spPr/>
-        <p:txBody>
-          <a:bodyPr/>
-          <a:lstStyle/>
-          <a:p>
-            <a:pPr marL="0" lvl="0" indent="0">
-              <a:buNone/>
-            </a:pPr>
-            <a:r>
-              <a:t>Diagrama Modelo de Datos Conceptual</a:t>
-            </a:r>
-          </a:p>
-        </p:txBody>
-      </p:sp>
-      <p:pic>
-        <p:nvPicPr>
-          <p:cNvPr id="3" name="Picture 1" descr="fig:  images/Migracion.2a.a1.DatosInformación.png"/>
-          <p:cNvPicPr>
-            <a:picLocks noGrp="1" noChangeAspect="1"/>
-          </p:cNvPicPr>
-          <p:nvPr/>
-        </p:nvPicPr>
-        <p:blipFill>
-          <a:blip r:embed="rId2"/>
-          <a:stretch>
-            <a:fillRect/>
-          </a:stretch>
-        </p:blipFill>
-        <p:spPr bwMode="auto">
-          <a:xfrm>
-            <a:off x="838200" y="2336800"/>
-            <a:ext cx="5181600" cy="2781300"/>
-          </a:xfrm>
-          <a:prstGeom prst="rect">
-            <a:avLst/>
-          </a:prstGeom>
-          <a:noFill/>
-          <a:ln w="9525">
-            <a:noFill/>
-            <a:headEnd/>
-            <a:tailEnd/>
-          </a:ln>
-        </p:spPr>
-      </p:pic>
-      <p:sp>
-        <p:nvSpPr>
-          <p:cNvPr id="5" name="TextBox 3"/>
-          <p:cNvSpPr txBox="1"/>
-          <p:nvPr/>
-        </p:nvSpPr>
-        <p:spPr>
-          <a:xfrm>
-            <a:off x="838200" y="5651500"/>
-            <a:ext cx="5181600" cy="508000"/>
-          </a:xfrm>
-          <a:prstGeom prst="rect">
-            <a:avLst/>
-          </a:prstGeom>
-          <a:noFill/>
-        </p:spPr>
-        <p:txBody>
-          <a:bodyPr/>
-          <a:lstStyle/>
-          <a:p>
-            <a:pPr marL="0" lvl="0" indent="0" algn="ctr">
-              <a:buNone/>
-            </a:pPr>
-            <a:r>
-              <a:t>Vista. Migracion.2a.a1.Datos Información</a:t>
-            </a:r>
-          </a:p>
-        </p:txBody>
-      </p:sp>
-      <p:sp>
-        <p:nvSpPr>
-          <p:cNvPr id="4" name="Content Placeholder 3">
-            <a:extLst>
-              <a:ext uri="{FF2B5EF4-FFF2-40B4-BE49-F238E27FC236}">
-                <a16:creationId xmlns:a16="http://schemas.microsoft.com/office/drawing/2014/main" id="{C261DBA9-0B0C-4FAA-DEB6-7E988D31A3EC}"/>
-              </a:ext>
-            </a:extLst>
-          </p:cNvPr>
-          <p:cNvSpPr>
-            <a:spLocks noGrp="1"/>
-          </p:cNvSpPr>
-          <p:nvPr>
-            <p:ph sz="half" idx="2"/>
-          </p:nvPr>
-        </p:nvSpPr>
-        <p:spPr/>
-        <p:txBody>
-          <a:bodyPr/>
-          <a:lstStyle/>
-          <a:p>
-            <a:pPr marL="0" lvl="0" indent="0">
-              <a:spcBef>
-                <a:spcPts val="3000"/>
-              </a:spcBef>
-              <a:buNone/>
-            </a:pPr>
-            <a:r>
-              <a:rPr b="1"/>
-              <a:t>Migracion.2a.a1.Datos Información</a:t>
-            </a:r>
-          </a:p>
-          <a:p>
-            <a:pPr marL="0" lvl="0" indent="0">
-              <a:buNone/>
-            </a:pPr>
-            <a:r>
-              <a:t>Modelo de información. Organización y jerarquía de los grupos de datos (dominios) del SUI Migrado, 2023.</a:t>
-            </a:r>
-          </a:p>
-          <a:p>
-            <a:pPr marL="0" lvl="0" indent="0">
-              <a:buNone/>
-            </a:pPr>
-            <a:r>
-              <a:t>Dominios Principales de Información SUI Migrado</a:t>
-            </a:r>
-          </a:p>
-          <a:p>
-            <a:pPr lvl="0"/>
-            <a:r>
-              <a:t>Dominio común: SIM</a:t>
-            </a:r>
-          </a:p>
-          <a:p>
-            <a:pPr lvl="0"/>
-            <a:r>
-              <a:t>Dominios individuales</a:t>
-            </a:r>
-          </a:p>
-          <a:p>
-            <a:pPr lvl="1"/>
-            <a:r>
-              <a:t>Hominis: Planta de personal, Hojas de vida, Seguimiento de desempeño, Carrera administrativa</a:t>
-            </a:r>
-          </a:p>
-          <a:p>
-            <a:pPr lvl="1"/>
-            <a:r>
-              <a:t>Conjunto de datos Relatoría</a:t>
-            </a:r>
-          </a:p>
-          <a:p>
-            <a:pPr lvl="1"/>
-            <a:r>
-              <a:t>Control Interno</a:t>
-            </a:r>
-          </a:p>
-          <a:p>
-            <a:pPr lvl="1"/>
-            <a:r>
-              <a:t>Conciliación Administrativa</a:t>
-            </a:r>
-          </a:p>
-        </p:txBody>
-      </p:sp>
-    </p:spTree>
-  </p:cSld>
-  <p:clrMapOvr>
-    <a:masterClrMapping/>
-  </p:clrMapOvr>
-</p:sld>
-</file>
-
-<file path=ppt/slides/slide16.xml><?xml version="1.0" encoding="utf-8"?>
-<p:sld xmlns:a="http://schemas.openxmlformats.org/drawingml/2006/main" xmlns:r="http://schemas.openxmlformats.org/officeDocument/2006/relationships" xmlns:p="http://schemas.openxmlformats.org/presentationml/2006/main">
-  <p:cSld>
-    <p:spTree>
-      <p:nvGrpSpPr>
-        <p:cNvPr id="1" name=""/>
-        <p:cNvGrpSpPr/>
-        <p:nvPr/>
-      </p:nvGrpSpPr>
-      <p:grpSpPr>
-        <a:xfrm>
-          <a:off x="0" y="0"/>
-          <a:ext cx="0" cy="0"/>
-          <a:chOff x="0" y="0"/>
-          <a:chExt cx="0" cy="0"/>
-        </a:xfrm>
-      </p:grpSpPr>
-      <p:sp>
-        <p:nvSpPr>
-          <p:cNvPr id="2" name="Title 1">
-            <a:extLst>
-              <a:ext uri="{FF2B5EF4-FFF2-40B4-BE49-F238E27FC236}">
-                <a16:creationId xmlns:a16="http://schemas.microsoft.com/office/drawing/2014/main" id="{031ABDF3-40B0-9FFD-785D-6EE24EA30E17}"/>
-              </a:ext>
-            </a:extLst>
-          </p:cNvPr>
-          <p:cNvSpPr>
-            <a:spLocks noGrp="1"/>
-          </p:cNvSpPr>
-          <p:nvPr>
-            <p:ph type="title"/>
-          </p:nvPr>
-        </p:nvSpPr>
-        <p:spPr/>
-        <p:txBody>
-          <a:bodyPr/>
-          <a:lstStyle/>
-          <a:p>
-            <a:pPr marL="0" lvl="0" indent="0">
-              <a:buNone/>
-            </a:pPr>
-            <a:r>
-              <a:t>Diagrama Modelo de Datos Físico (diagramas entidad-relación)</a:t>
-            </a:r>
-          </a:p>
-        </p:txBody>
-      </p:sp>
-      <p:pic>
-        <p:nvPicPr>
-          <p:cNvPr id="3" name="Picture 1" descr="fig:  images/ER-SIU.png"/>
-          <p:cNvPicPr>
-            <a:picLocks noGrp="1" noChangeAspect="1"/>
-          </p:cNvPicPr>
-          <p:nvPr/>
-        </p:nvPicPr>
-        <p:blipFill>
-          <a:blip r:embed="rId2"/>
-          <a:stretch>
-            <a:fillRect/>
-          </a:stretch>
-        </p:blipFill>
-        <p:spPr bwMode="auto">
-          <a:xfrm>
-            <a:off x="1130300" y="1816100"/>
-            <a:ext cx="4597400" cy="3835400"/>
-          </a:xfrm>
-          <a:prstGeom prst="rect">
-            <a:avLst/>
-          </a:prstGeom>
-          <a:noFill/>
-          <a:ln w="9525">
-            <a:noFill/>
-            <a:headEnd/>
-            <a:tailEnd/>
-          </a:ln>
-        </p:spPr>
-      </p:pic>
-      <p:sp>
-        <p:nvSpPr>
-          <p:cNvPr id="5" name="TextBox 3"/>
-          <p:cNvSpPr txBox="1"/>
-          <p:nvPr/>
-        </p:nvSpPr>
-        <p:spPr>
-          <a:xfrm>
-            <a:off x="838200" y="5651500"/>
-            <a:ext cx="5181600" cy="508000"/>
-          </a:xfrm>
-          <a:prstGeom prst="rect">
-            <a:avLst/>
-          </a:prstGeom>
-          <a:noFill/>
-        </p:spPr>
-        <p:txBody>
-          <a:bodyPr/>
-          <a:lstStyle/>
-          <a:p>
-            <a:pPr marL="0" lvl="0" indent="0" algn="ctr">
-              <a:buNone/>
-            </a:pPr>
-            <a:r>
-              <a:t>Vista. Migracion.2a.a3. Datos Modelo Físico</a:t>
-            </a:r>
-          </a:p>
-        </p:txBody>
-      </p:sp>
-      <p:sp>
-        <p:nvSpPr>
-          <p:cNvPr id="4" name="Content Placeholder 3">
-            <a:extLst>
-              <a:ext uri="{FF2B5EF4-FFF2-40B4-BE49-F238E27FC236}">
-                <a16:creationId xmlns:a16="http://schemas.microsoft.com/office/drawing/2014/main" id="{C261DBA9-0B0C-4FAA-DEB6-7E988D31A3EC}"/>
-              </a:ext>
-            </a:extLst>
-          </p:cNvPr>
-          <p:cNvSpPr>
-            <a:spLocks noGrp="1"/>
-          </p:cNvSpPr>
-          <p:nvPr>
-            <p:ph sz="half" idx="2"/>
-          </p:nvPr>
-        </p:nvSpPr>
-        <p:spPr/>
-        <p:txBody>
-          <a:bodyPr/>
-          <a:lstStyle/>
-          <a:p>
-            <a:pPr marL="0" lvl="0" indent="0">
-              <a:spcBef>
-                <a:spcPts val="3000"/>
-              </a:spcBef>
-              <a:buNone/>
-            </a:pPr>
-            <a:r>
-              <a:rPr b="1"/>
-              <a:t>Migracion.2a.a3. Datos Modelo Físico</a:t>
-            </a:r>
-          </a:p>
-          <a:p>
-            <a:pPr marL="0" lvl="0" indent="0">
-              <a:buNone/>
-            </a:pPr>
-            <a:r>
-              <a:t>Los modelos físicos representados en diagramas entidad - relación (ER) de los módulos SUI Migrado, como Hominis, Control Interno, Relatoría, SIRI, serán entregados como documentos aparte, anexos al documento actual en formato reproducible.</a:t>
-            </a:r>
-          </a:p>
-          <a:p>
-            <a:pPr marL="0" lvl="0" indent="0">
-              <a:buNone/>
-            </a:pPr>
-            <a:r>
-              <a:t>El formato reproducible en el que entregamos el modelo físico mediante la herramienta libre Draw.io.</a:t>
-            </a:r>
-          </a:p>
-        </p:txBody>
-      </p:sp>
-    </p:spTree>
-  </p:cSld>
-  <p:clrMapOvr>
-    <a:masterClrMapping/>
-  </p:clrMapOvr>
-</p:sld>
-</file>
-
 <file path=ppt/slides/slide17.xml><?xml version="1.0" encoding="utf-8"?>
 <p:sld xmlns:a="http://schemas.openxmlformats.org/drawingml/2006/main" xmlns:r="http://schemas.openxmlformats.org/officeDocument/2006/relationships" xmlns:p="http://schemas.openxmlformats.org/presentationml/2006/main">
   <p:cSld>
@@ -5166,14 +7087,14 @@
               <a:buNone/>
             </a:pPr>
             <a:r>
-              <a:t>Diagrama Modelo de Datos Lógico</a:t>
+              <a:t>Arquitectura. 1. Dev Docs</a:t>
             </a:r>
           </a:p>
         </p:txBody>
       </p:sp>
       <p:pic>
         <p:nvPicPr>
-          <p:cNvPr id="3" name="Picture 1" descr="fig:  images/Migracion.2c1.DatosSIM.png"/>
+          <p:cNvPr id="3" name="Picture 1" descr="fig:  images/Arquitectura.1.DevDocs.png"/>
           <p:cNvPicPr>
             <a:picLocks noGrp="1" noChangeAspect="1"/>
           </p:cNvPicPr>
@@ -5187,8 +7108,8 @@
         </p:blipFill>
         <p:spPr bwMode="auto">
           <a:xfrm>
-            <a:off x="1714500" y="1816100"/>
-            <a:ext cx="3429000" cy="3835400"/>
+            <a:off x="977900" y="1816100"/>
+            <a:ext cx="4902200" cy="3835400"/>
           </a:xfrm>
           <a:prstGeom prst="rect">
             <a:avLst/>
@@ -5225,7 +7146,7 @@
               <a:buNone/>
             </a:pPr>
             <a:r>
-              <a:t>Vista. Migracion.2c1. Datos SIM</a:t>
+              <a:t>Vista. Arquitectura. 1. Dev Docs</a:t>
             </a:r>
           </a:p>
         </p:txBody>
@@ -5259,7 +7180,7 @@
             </a:pPr>
             <a:r>
               <a:rPr b="1"/>
-              <a:t>Migracion.2c1. Datos SIM</a:t>
+              <a:t>Flujo de Trabajo Repositorio de Arquitectura SUI Migrado, PGN</a:t>
             </a:r>
           </a:p>
           <a:p>
@@ -5267,7 +7188,7 @@
               <a:buNone/>
             </a:pPr>
             <a:r>
-              <a:t>Identificación de entidades de datos de negocio relacionadas a los módulos SUI Migrado.</a:t>
+              <a:t>El repositorio de arquitectura es parte de los entregables del Proyecto.</a:t>
             </a:r>
           </a:p>
           <a:p>
@@ -5275,12 +7196,126 @@
               <a:buNone/>
             </a:pPr>
             <a:r>
-              <a:t>Las entidades de negocio son tipos de datos internos del SUI consideradas para el manejo del ciclo de vida de los datos.</a:t>
+              <a:t>Partes del repositorio de arquitectura</a:t>
+            </a:r>
+          </a:p>
+          <a:p>
+            <a:pPr marL="457200" lvl="0" indent="-457200">
+              <a:buAutoNum type="arabicPeriod"/>
+            </a:pPr>
+            <a:r>
+              <a:t>Bitácora de decisiones de arquitectura</a:t>
+            </a:r>
+          </a:p>
+          <a:p>
+            <a:pPr marL="457200" lvl="0" indent="-457200">
+              <a:buAutoNum type="arabicPeriod"/>
+            </a:pPr>
+            <a:r>
+              <a:t>El depósito de modelos y descripciones de los ítems de arquitectura</a:t>
+            </a:r>
+          </a:p>
+          <a:p>
+            <a:pPr marL="457200" lvl="0" indent="-457200">
+              <a:buAutoNum type="arabicPeriod"/>
+            </a:pPr>
+            <a:r>
+              <a:t>Los anexos de análisis de riesgos e impactos relacionados con los los ítems de arquitectura</a:t>
             </a:r>
           </a:p>
         </p:txBody>
       </p:sp>
     </p:spTree>
+  </p:cSld>
+  <p:clrMapOvr>
+    <a:masterClrMapping/>
+  </p:clrMapOvr>
+</p:sld>
+</file>
+
+<file path=ppt/slides/slide18.xml><?xml version="1.0" encoding="utf-8"?>
+<p:sld xmlns:a="http://schemas.openxmlformats.org/drawingml/2006/main" xmlns:r="http://schemas.openxmlformats.org/officeDocument/2006/relationships" xmlns:p="http://schemas.openxmlformats.org/presentationml/2006/main">
+  <p:cSld>
+    <p:spTree>
+      <p:nvGrpSpPr>
+        <p:cNvPr id="1" name=""/>
+        <p:cNvGrpSpPr/>
+        <p:nvPr/>
+      </p:nvGrpSpPr>
+      <p:grpSpPr>
+        <a:xfrm>
+          <a:off x="0" y="0"/>
+          <a:ext cx="0" cy="0"/>
+          <a:chOff x="0" y="0"/>
+          <a:chExt cx="0" cy="0"/>
+        </a:xfrm>
+      </p:grpSpPr>
+      <p:sp>
+        <p:nvSpPr>
+          <p:cNvPr id="2" name="Title 1">
+            <a:extLst>
+              <a:ext uri="{FF2B5EF4-FFF2-40B4-BE49-F238E27FC236}">
+                <a16:creationId xmlns:a16="http://schemas.microsoft.com/office/drawing/2014/main" id="{28FF95C8-FAC5-C096-F0F7-9235C6BAA4D3}"/>
+              </a:ext>
+            </a:extLst>
+          </p:cNvPr>
+          <p:cNvSpPr>
+            <a:spLocks noGrp="1"/>
+          </p:cNvSpPr>
+          <p:nvPr>
+            <p:ph type="title"/>
+          </p:nvPr>
+        </p:nvSpPr>
+        <p:spPr/>
+        <p:txBody>
+          <a:bodyPr/>
+          <a:lstStyle/>
+          <a:p>
+            <a:pPr marL="0" lvl="0" indent="0">
+              <a:buNone/>
+            </a:pPr>
+            <a:r>
+              <a:t>Entregables de Arquitectura de Software</a:t>
+            </a:r>
+          </a:p>
+        </p:txBody>
+      </p:sp>
+      <p:sp>
+        <p:nvSpPr>
+          <p:cNvPr id="3" name="Content Placeholder 2">
+            <a:extLst>
+              <a:ext uri="{FF2B5EF4-FFF2-40B4-BE49-F238E27FC236}">
+                <a16:creationId xmlns:a16="http://schemas.microsoft.com/office/drawing/2014/main" id="{CEB6827E-2FAC-935D-C318-C00D054BA2DC}"/>
+              </a:ext>
+            </a:extLst>
+          </p:cNvPr>
+          <p:cNvSpPr>
+            <a:spLocks noGrp="1"/>
+          </p:cNvSpPr>
+          <p:nvPr>
+            <p:ph idx="1"/>
+          </p:nvPr>
+        </p:nvSpPr>
+        <p:spPr/>
+        <p:txBody>
+          <a:bodyPr/>
+          <a:lstStyle/>
+          <a:p>
+            <a:pPr lvl="0"/>
+            <a:r>
+              <a:rPr lang="en-US"/>
+              <a:t>Observaciones</a:t>
+            </a:r>
+            <a:endParaRPr/>
+          </a:p>
+        </p:txBody>
+      </p:sp>
+    </p:spTree>
+    <p:extLst>
+      <p:ext uri="{BB962C8B-B14F-4D97-AF65-F5344CB8AC3E}">
+        <p14:creationId xmlns:p14="http://schemas.microsoft.com/office/powerpoint/2010/main" val="2295553111"/>
+      </p:ext>
+    </p:extLst>
   </p:cSld>
   <p:clrMapOvr>
     <a:masterClrMapping/>
@@ -5402,6 +7437,22 @@
             <a:r>
               <a:t>Documento de Relación de Tecnologías y Licenciamiento</a:t>
             </a:r>
+            <a:endParaRPr lang="en-US"/>
+          </a:p>
+          <a:p>
+            <a:pPr lvl="0"/>
+            <a:r>
+              <a:rPr lang="en-US"/>
+              <a:t>Observaciones</a:t>
+            </a:r>
+          </a:p>
+          <a:p>
+            <a:pPr lvl="0"/>
+            <a:r>
+              <a:rPr lang="en-US"/>
+              <a:t>Cierre Sesión no. 1</a:t>
+            </a:r>
+            <a:endParaRPr/>
           </a:p>
         </p:txBody>
       </p:sp>
@@ -5736,7 +7787,7 @@
               <a:buNone/>
             </a:pPr>
             <a:r>
-              <a:t>El portal es el conjunto de los elementos físicos y lógicos necesarios para la implementación de la granja de servidores de SharePoint Server 2019 para el portal de la PROCURADURIA.</a:t>
+              <a:t>El portal es el conjunto de los elementos físicos y lógicos necesarios para la implementación de la granja de servidores de SharePoint Server 2019 para el portal de la Procuraduria.</a:t>
             </a:r>
           </a:p>
           <a:p>

--- a/content/pptxoutpt.pptx
+++ b/content/pptxoutpt.pptx
@@ -1,6 +1,6 @@
 
 <file path=ppt/presentation.xml><?xml version="1.0" encoding="utf-8"?>
-<p:presentation xmlns:a="http://schemas.openxmlformats.org/drawingml/2006/main" xmlns:r="http://schemas.openxmlformats.org/officeDocument/2006/relationships" xmlns:p="http://schemas.openxmlformats.org/presentationml/2006/main" saveSubsetFonts="1" autoCompressPictures="0">
+<p:presentation xmlns:a="http://schemas.openxmlformats.org/drawingml/2006/main" xmlns:p="http://schemas.openxmlformats.org/presentationml/2006/main" xmlns:r="http://schemas.openxmlformats.org/officeDocument/2006/relationships" autoCompressPictures="0" saveSubsetFonts="1">
   <p:sldMasterIdLst>
     <p:sldMasterId id="2147483648" r:id="rId1"/>
   </p:sldMasterIdLst>
@@ -11,18 +11,6 @@
     <p:sldId id="259" r:id="rId5"/>
     <p:sldId id="260" r:id="rId6"/>
     <p:sldId id="261" r:id="rId7"/>
-    <p:sldId id="262" r:id="rId8"/>
-    <p:sldId id="263" r:id="rId9"/>
-    <p:sldId id="264" r:id="rId10"/>
-    <p:sldId id="265" r:id="rId11"/>
-    <p:sldId id="266" r:id="rId12"/>
-    <p:sldId id="267" r:id="rId13"/>
-    <p:sldId id="268" r:id="rId14"/>
-    <p:sldId id="269" r:id="rId15"/>
-    <p:sldId id="270" r:id="rId16"/>
-    <p:sldId id="271" r:id="rId17"/>
-    <p:sldId id="272" r:id="rId18"/>
-    <p:sldId id="273" r:id="rId19"/>
   </p:sldIdLst>
   <p:sldSz cx="12192000" cy="6858000"/>
   <p:notesSz cx="6858000" cy="9144000"/>
@@ -30,8 +18,8 @@
     <a:defPPr>
       <a:defRPr lang="en-US"/>
     </a:defPPr>
-    <a:lvl1pPr marL="0" algn="l" defTabSz="914400" rtl="0" eaLnBrk="1" latinLnBrk="0" hangingPunct="1">
-      <a:defRPr sz="1800" kern="1200">
+    <a:lvl1pPr algn="l" defTabSz="914400" eaLnBrk="1" hangingPunct="1" latinLnBrk="0" marL="0" rtl="0">
+      <a:defRPr kern="1200" sz="1800">
         <a:solidFill>
           <a:schemeClr val="tx1"/>
         </a:solidFill>
@@ -40,8 +28,8 @@
         <a:cs typeface="+mn-cs"/>
       </a:defRPr>
     </a:lvl1pPr>
-    <a:lvl2pPr marL="457200" algn="l" defTabSz="914400" rtl="0" eaLnBrk="1" latinLnBrk="0" hangingPunct="1">
-      <a:defRPr sz="1800" kern="1200">
+    <a:lvl2pPr algn="l" defTabSz="914400" eaLnBrk="1" hangingPunct="1" latinLnBrk="0" marL="457200" rtl="0">
+      <a:defRPr kern="1200" sz="1800">
         <a:solidFill>
           <a:schemeClr val="tx1"/>
         </a:solidFill>
@@ -50,8 +38,8 @@
         <a:cs typeface="+mn-cs"/>
       </a:defRPr>
     </a:lvl2pPr>
-    <a:lvl3pPr marL="914400" algn="l" defTabSz="914400" rtl="0" eaLnBrk="1" latinLnBrk="0" hangingPunct="1">
-      <a:defRPr sz="1800" kern="1200">
+    <a:lvl3pPr algn="l" defTabSz="914400" eaLnBrk="1" hangingPunct="1" latinLnBrk="0" marL="914400" rtl="0">
+      <a:defRPr kern="1200" sz="1800">
         <a:solidFill>
           <a:schemeClr val="tx1"/>
         </a:solidFill>
@@ -60,8 +48,8 @@
         <a:cs typeface="+mn-cs"/>
       </a:defRPr>
     </a:lvl3pPr>
-    <a:lvl4pPr marL="1371600" algn="l" defTabSz="914400" rtl="0" eaLnBrk="1" latinLnBrk="0" hangingPunct="1">
-      <a:defRPr sz="1800" kern="1200">
+    <a:lvl4pPr algn="l" defTabSz="914400" eaLnBrk="1" hangingPunct="1" latinLnBrk="0" marL="1371600" rtl="0">
+      <a:defRPr kern="1200" sz="1800">
         <a:solidFill>
           <a:schemeClr val="tx1"/>
         </a:solidFill>
@@ -70,8 +58,8 @@
         <a:cs typeface="+mn-cs"/>
       </a:defRPr>
     </a:lvl4pPr>
-    <a:lvl5pPr marL="1828800" algn="l" defTabSz="914400" rtl="0" eaLnBrk="1" latinLnBrk="0" hangingPunct="1">
-      <a:defRPr sz="1800" kern="1200">
+    <a:lvl5pPr algn="l" defTabSz="914400" eaLnBrk="1" hangingPunct="1" latinLnBrk="0" marL="1828800" rtl="0">
+      <a:defRPr kern="1200" sz="1800">
         <a:solidFill>
           <a:schemeClr val="tx1"/>
         </a:solidFill>
@@ -80,8 +68,8 @@
         <a:cs typeface="+mn-cs"/>
       </a:defRPr>
     </a:lvl5pPr>
-    <a:lvl6pPr marL="2286000" algn="l" defTabSz="914400" rtl="0" eaLnBrk="1" latinLnBrk="0" hangingPunct="1">
-      <a:defRPr sz="1800" kern="1200">
+    <a:lvl6pPr algn="l" defTabSz="914400" eaLnBrk="1" hangingPunct="1" latinLnBrk="0" marL="2286000" rtl="0">
+      <a:defRPr kern="1200" sz="1800">
         <a:solidFill>
           <a:schemeClr val="tx1"/>
         </a:solidFill>
@@ -90,8 +78,8 @@
         <a:cs typeface="+mn-cs"/>
       </a:defRPr>
     </a:lvl6pPr>
-    <a:lvl7pPr marL="2743200" algn="l" defTabSz="914400" rtl="0" eaLnBrk="1" latinLnBrk="0" hangingPunct="1">
-      <a:defRPr sz="1800" kern="1200">
+    <a:lvl7pPr algn="l" defTabSz="914400" eaLnBrk="1" hangingPunct="1" latinLnBrk="0" marL="2743200" rtl="0">
+      <a:defRPr kern="1200" sz="1800">
         <a:solidFill>
           <a:schemeClr val="tx1"/>
         </a:solidFill>
@@ -100,8 +88,8 @@
         <a:cs typeface="+mn-cs"/>
       </a:defRPr>
     </a:lvl7pPr>
-    <a:lvl8pPr marL="3200400" algn="l" defTabSz="914400" rtl="0" eaLnBrk="1" latinLnBrk="0" hangingPunct="1">
-      <a:defRPr sz="1800" kern="1200">
+    <a:lvl8pPr algn="l" defTabSz="914400" eaLnBrk="1" hangingPunct="1" latinLnBrk="0" marL="3200400" rtl="0">
+      <a:defRPr kern="1200" sz="1800">
         <a:solidFill>
           <a:schemeClr val="tx1"/>
         </a:solidFill>
@@ -110,8 +98,8 @@
         <a:cs typeface="+mn-cs"/>
       </a:defRPr>
     </a:lvl8pPr>
-    <a:lvl9pPr marL="3657600" algn="l" defTabSz="914400" rtl="0" eaLnBrk="1" latinLnBrk="0" hangingPunct="1">
-      <a:defRPr sz="1800" kern="1200">
+    <a:lvl9pPr algn="l" defTabSz="914400" eaLnBrk="1" hangingPunct="1" latinLnBrk="0" marL="3657600" rtl="0">
+      <a:defRPr kern="1200" sz="1800">
         <a:solidFill>
           <a:schemeClr val="tx1"/>
         </a:solidFill>
@@ -5193,7 +5181,7 @@
 </file>
 
 <file path=ppt/slideMasters/slideMaster1.xml><?xml version="1.0" encoding="utf-8"?>
-<p:sldMaster xmlns:a="http://schemas.openxmlformats.org/drawingml/2006/main" xmlns:r="http://schemas.openxmlformats.org/officeDocument/2006/relationships" xmlns:p="http://schemas.openxmlformats.org/presentationml/2006/main">
+<p:sldMaster xmlns:a="http://schemas.openxmlformats.org/drawingml/2006/main" xmlns:p="http://schemas.openxmlformats.org/presentationml/2006/main" xmlns:r="http://schemas.openxmlformats.org/officeDocument/2006/relationships">
   <p:cSld>
     <p:bg>
       <p:bgRef idx="1001">
@@ -5240,16 +5228,16 @@
           </a:prstGeom>
         </p:spPr>
         <p:txBody>
-          <a:bodyPr vert="horz" lIns="91440" tIns="45720" rIns="91440" bIns="45720" rtlCol="0" anchor="ctr">
+          <a:bodyPr anchor="ctr" bIns="45720" lIns="91440" rIns="91440" rtlCol="0" tIns="45720" vert="horz">
             <a:noAutofit/>
           </a:bodyPr>
           <a:lstStyle/>
           <a:p>
             <a:r>
-              <a:rPr lang="en-US" dirty="0"/>
+              <a:rPr dirty="0" lang="en-US"/>
               <a:t>Click to edit Master title style</a:t>
             </a:r>
-            <a:endParaRPr lang="es-ES_tradnl" dirty="0"/>
+            <a:endParaRPr dirty="0" lang="es-ES_tradnl"/>
           </a:p>
         </p:txBody>
       </p:sp>
@@ -5266,7 +5254,7 @@
             <a:spLocks noGrp="1"/>
           </p:cNvSpPr>
           <p:nvPr>
-            <p:ph type="body" idx="1"/>
+            <p:ph idx="1" type="body"/>
           </p:nvPr>
         </p:nvSpPr>
         <p:spPr>
@@ -5279,7 +5267,7 @@
           </a:prstGeom>
         </p:spPr>
         <p:txBody>
-          <a:bodyPr vert="horz" lIns="91440" tIns="45720" rIns="91440" bIns="45720" rtlCol="0">
+          <a:bodyPr bIns="45720" lIns="91440" rIns="91440" rtlCol="0" tIns="45720" vert="horz">
             <a:normAutofit/>
           </a:bodyPr>
           <a:lstStyle/>
@@ -5334,7 +5322,7 @@
             <a:spLocks noGrp="1"/>
           </p:cNvSpPr>
           <p:nvPr>
-            <p:ph type="dt" sz="half" idx="2"/>
+            <p:ph idx="2" sz="half" type="dt"/>
           </p:nvPr>
         </p:nvSpPr>
         <p:spPr>
@@ -5347,7 +5335,7 @@
           </a:prstGeom>
         </p:spPr>
         <p:txBody>
-          <a:bodyPr vert="horz" lIns="91440" tIns="45720" rIns="91440" bIns="45720" rtlCol="0" anchor="ctr"/>
+          <a:bodyPr anchor="ctr" bIns="45720" lIns="91440" rIns="91440" rtlCol="0" tIns="45720" vert="horz"/>
           <a:lstStyle>
             <a:lvl1pPr algn="l">
               <a:defRPr sz="1200">
@@ -5381,7 +5369,7 @@
             <a:spLocks noGrp="1"/>
           </p:cNvSpPr>
           <p:nvPr>
-            <p:ph type="ftr" sz="quarter" idx="3"/>
+            <p:ph idx="3" sz="quarter" type="ftr"/>
           </p:nvPr>
         </p:nvSpPr>
         <p:spPr>
@@ -5394,7 +5382,7 @@
           </a:prstGeom>
         </p:spPr>
         <p:txBody>
-          <a:bodyPr vert="horz" lIns="91440" tIns="45720" rIns="91440" bIns="45720" rtlCol="0" anchor="ctr"/>
+          <a:bodyPr anchor="ctr" bIns="45720" lIns="91440" rIns="91440" rtlCol="0" tIns="45720" vert="horz"/>
           <a:lstStyle>
             <a:lvl1pPr algn="ctr">
               <a:defRPr sz="1200">
@@ -5424,7 +5412,7 @@
             <a:spLocks noGrp="1"/>
           </p:cNvSpPr>
           <p:nvPr>
-            <p:ph type="sldNum" sz="quarter" idx="4"/>
+            <p:ph idx="4" sz="quarter" type="sldNum"/>
           </p:nvPr>
         </p:nvSpPr>
         <p:spPr>
@@ -5437,7 +5425,7 @@
           </a:prstGeom>
         </p:spPr>
         <p:txBody>
-          <a:bodyPr vert="horz" lIns="91440" tIns="45720" rIns="91440" bIns="45720" rtlCol="0" anchor="ctr"/>
+          <a:bodyPr anchor="ctr" bIns="45720" lIns="91440" rIns="91440" rtlCol="0" tIns="45720" vert="horz"/>
           <a:lstStyle>
             <a:lvl1pPr algn="r">
               <a:defRPr sz="1200">
@@ -5460,7 +5448,7 @@
       </p:sp>
       <p:pic>
         <p:nvPicPr>
-          <p:cNvPr id="8" name="Imagen 2" descr="Imagen que contiene Logotipo  Descripción generada automáticamente">
+          <p:cNvPr descr="Imagen que contiene Logotipo  Descripción generada automáticamente" id="8" name="Imagen 2">
             <a:extLst>
               <a:ext uri="{FF2B5EF4-FFF2-40B4-BE49-F238E27FC236}">
                 <a16:creationId xmlns:a16="http://schemas.microsoft.com/office/drawing/2014/main" id="{8ABF1EFF-BEA6-E82B-E081-A04EED7D1735}"/>
@@ -5495,7 +5483,7 @@
       </p:ext>
     </p:extLst>
   </p:cSld>
-  <p:clrMap bg1="lt1" tx1="dk1" bg2="lt2" tx2="dk2" accent1="accent1" accent2="accent2" accent3="accent3" accent4="accent4" accent5="accent5" accent6="accent6" hlink="hlink" folHlink="folHlink"/>
+  <p:clrMap accent1="accent1" accent2="accent2" accent3="accent3" accent4="accent4" accent5="accent5" accent6="accent6" bg1="lt1" bg2="lt2" folHlink="folHlink" hlink="hlink" tx1="dk1" tx2="dk2"/>
   <p:sldLayoutIdLst>
     <p:sldLayoutId id="2147483649" r:id="rId1"/>
     <p:sldLayoutId id="2147483650" r:id="rId2"/>
@@ -5511,7 +5499,7 @@
   </p:sldLayoutIdLst>
   <p:txStyles>
     <p:titleStyle>
-      <a:lvl1pPr algn="l" defTabSz="914400" rtl="0" eaLnBrk="1" latinLnBrk="0" hangingPunct="1">
+      <a:lvl1pPr algn="l" defTabSz="914400" eaLnBrk="1" hangingPunct="1" latinLnBrk="0" rtl="0">
         <a:lnSpc>
           <a:spcPct val="90000"/>
         </a:lnSpc>
@@ -5519,27 +5507,27 @@
           <a:spcPct val="0"/>
         </a:spcBef>
         <a:buNone/>
-        <a:defRPr sz="3600" kern="1200">
+        <a:defRPr kern="1200" sz="3600">
           <a:solidFill>
             <a:schemeClr val="tx1"/>
           </a:solidFill>
-          <a:latin typeface="Arial Rounded MT Bold" panose="020F0704030504030204" pitchFamily="34" charset="77"/>
+          <a:latin charset="77" panose="020F0704030504030204" pitchFamily="34" typeface="Arial Rounded MT Bold"/>
           <a:ea typeface="+mj-ea"/>
           <a:cs typeface="+mj-cs"/>
         </a:defRPr>
       </a:lvl1pPr>
     </p:titleStyle>
     <p:bodyStyle>
-      <a:lvl1pPr marL="228600" indent="-228600" algn="l" defTabSz="914400" rtl="0" eaLnBrk="1" latinLnBrk="0" hangingPunct="1">
+      <a:lvl1pPr algn="l" defTabSz="914400" eaLnBrk="1" hangingPunct="1" indent="-228600" latinLnBrk="0" marL="228600" rtl="0">
         <a:lnSpc>
           <a:spcPct val="90000"/>
         </a:lnSpc>
         <a:spcBef>
           <a:spcPts val="1000"/>
         </a:spcBef>
-        <a:buFont typeface="Arial" panose="020B0604020202020204" pitchFamily="34" charset="0"/>
+        <a:buFont charset="0" panose="020B0604020202020204" pitchFamily="34" typeface="Arial"/>
         <a:buChar char="•"/>
-        <a:defRPr sz="2800" kern="1200">
+        <a:defRPr kern="1200" sz="2800">
           <a:solidFill>
             <a:schemeClr val="tx1"/>
           </a:solidFill>
@@ -5548,16 +5536,16 @@
           <a:cs typeface="+mn-cs"/>
         </a:defRPr>
       </a:lvl1pPr>
-      <a:lvl2pPr marL="685800" indent="-228600" algn="l" defTabSz="914400" rtl="0" eaLnBrk="1" latinLnBrk="0" hangingPunct="1">
+      <a:lvl2pPr algn="l" defTabSz="914400" eaLnBrk="1" hangingPunct="1" indent="-228600" latinLnBrk="0" marL="685800" rtl="0">
         <a:lnSpc>
           <a:spcPct val="90000"/>
         </a:lnSpc>
         <a:spcBef>
           <a:spcPts val="500"/>
         </a:spcBef>
-        <a:buFont typeface="Arial" panose="020B0604020202020204" pitchFamily="34" charset="0"/>
+        <a:buFont charset="0" panose="020B0604020202020204" pitchFamily="34" typeface="Arial"/>
         <a:buChar char="•"/>
-        <a:defRPr sz="2400" kern="1200">
+        <a:defRPr kern="1200" sz="2400">
           <a:solidFill>
             <a:schemeClr val="tx1"/>
           </a:solidFill>
@@ -5566,16 +5554,16 @@
           <a:cs typeface="+mn-cs"/>
         </a:defRPr>
       </a:lvl2pPr>
-      <a:lvl3pPr marL="1143000" indent="-228600" algn="l" defTabSz="914400" rtl="0" eaLnBrk="1" latinLnBrk="0" hangingPunct="1">
+      <a:lvl3pPr algn="l" defTabSz="914400" eaLnBrk="1" hangingPunct="1" indent="-228600" latinLnBrk="0" marL="1143000" rtl="0">
         <a:lnSpc>
           <a:spcPct val="90000"/>
         </a:lnSpc>
         <a:spcBef>
           <a:spcPts val="500"/>
         </a:spcBef>
-        <a:buFont typeface="Arial" panose="020B0604020202020204" pitchFamily="34" charset="0"/>
+        <a:buFont charset="0" panose="020B0604020202020204" pitchFamily="34" typeface="Arial"/>
         <a:buChar char="•"/>
-        <a:defRPr sz="2000" kern="1200">
+        <a:defRPr kern="1200" sz="2000">
           <a:solidFill>
             <a:schemeClr val="tx1"/>
           </a:solidFill>
@@ -5584,16 +5572,16 @@
           <a:cs typeface="+mn-cs"/>
         </a:defRPr>
       </a:lvl3pPr>
-      <a:lvl4pPr marL="1600200" indent="-228600" algn="l" defTabSz="914400" rtl="0" eaLnBrk="1" latinLnBrk="0" hangingPunct="1">
+      <a:lvl4pPr algn="l" defTabSz="914400" eaLnBrk="1" hangingPunct="1" indent="-228600" latinLnBrk="0" marL="1600200" rtl="0">
         <a:lnSpc>
           <a:spcPct val="90000"/>
         </a:lnSpc>
         <a:spcBef>
           <a:spcPts val="500"/>
         </a:spcBef>
-        <a:buFont typeface="Arial" panose="020B0604020202020204" pitchFamily="34" charset="0"/>
+        <a:buFont charset="0" panose="020B0604020202020204" pitchFamily="34" typeface="Arial"/>
         <a:buChar char="•"/>
-        <a:defRPr sz="1800" kern="1200">
+        <a:defRPr kern="1200" sz="1800">
           <a:solidFill>
             <a:schemeClr val="tx1"/>
           </a:solidFill>
@@ -5602,16 +5590,16 @@
           <a:cs typeface="+mn-cs"/>
         </a:defRPr>
       </a:lvl4pPr>
-      <a:lvl5pPr marL="2057400" indent="-228600" algn="l" defTabSz="914400" rtl="0" eaLnBrk="1" latinLnBrk="0" hangingPunct="1">
+      <a:lvl5pPr algn="l" defTabSz="914400" eaLnBrk="1" hangingPunct="1" indent="-228600" latinLnBrk="0" marL="2057400" rtl="0">
         <a:lnSpc>
           <a:spcPct val="90000"/>
         </a:lnSpc>
         <a:spcBef>
           <a:spcPts val="500"/>
         </a:spcBef>
-        <a:buFont typeface="Arial" panose="020B0604020202020204" pitchFamily="34" charset="0"/>
+        <a:buFont charset="0" panose="020B0604020202020204" pitchFamily="34" typeface="Arial"/>
         <a:buChar char="•"/>
-        <a:defRPr sz="1800" kern="1200">
+        <a:defRPr kern="1200" sz="1800">
           <a:solidFill>
             <a:schemeClr val="tx1"/>
           </a:solidFill>
@@ -5620,16 +5608,16 @@
           <a:cs typeface="+mn-cs"/>
         </a:defRPr>
       </a:lvl5pPr>
-      <a:lvl6pPr marL="2514600" indent="-228600" algn="l" defTabSz="914400" rtl="0" eaLnBrk="1" latinLnBrk="0" hangingPunct="1">
+      <a:lvl6pPr algn="l" defTabSz="914400" eaLnBrk="1" hangingPunct="1" indent="-228600" latinLnBrk="0" marL="2514600" rtl="0">
         <a:lnSpc>
           <a:spcPct val="90000"/>
         </a:lnSpc>
         <a:spcBef>
           <a:spcPts val="500"/>
         </a:spcBef>
-        <a:buFont typeface="Arial" panose="020B0604020202020204" pitchFamily="34" charset="0"/>
+        <a:buFont charset="0" panose="020B0604020202020204" pitchFamily="34" typeface="Arial"/>
         <a:buChar char="•"/>
-        <a:defRPr sz="1800" kern="1200">
+        <a:defRPr kern="1200" sz="1800">
           <a:solidFill>
             <a:schemeClr val="tx1"/>
           </a:solidFill>
@@ -5638,16 +5626,16 @@
           <a:cs typeface="+mn-cs"/>
         </a:defRPr>
       </a:lvl6pPr>
-      <a:lvl7pPr marL="2971800" indent="-228600" algn="l" defTabSz="914400" rtl="0" eaLnBrk="1" latinLnBrk="0" hangingPunct="1">
+      <a:lvl7pPr algn="l" defTabSz="914400" eaLnBrk="1" hangingPunct="1" indent="-228600" latinLnBrk="0" marL="2971800" rtl="0">
         <a:lnSpc>
           <a:spcPct val="90000"/>
         </a:lnSpc>
         <a:spcBef>
           <a:spcPts val="500"/>
         </a:spcBef>
-        <a:buFont typeface="Arial" panose="020B0604020202020204" pitchFamily="34" charset="0"/>
+        <a:buFont charset="0" panose="020B0604020202020204" pitchFamily="34" typeface="Arial"/>
         <a:buChar char="•"/>
-        <a:defRPr sz="1800" kern="1200">
+        <a:defRPr kern="1200" sz="1800">
           <a:solidFill>
             <a:schemeClr val="tx1"/>
           </a:solidFill>
@@ -5656,16 +5644,16 @@
           <a:cs typeface="+mn-cs"/>
         </a:defRPr>
       </a:lvl7pPr>
-      <a:lvl8pPr marL="3429000" indent="-228600" algn="l" defTabSz="914400" rtl="0" eaLnBrk="1" latinLnBrk="0" hangingPunct="1">
+      <a:lvl8pPr algn="l" defTabSz="914400" eaLnBrk="1" hangingPunct="1" indent="-228600" latinLnBrk="0" marL="3429000" rtl="0">
         <a:lnSpc>
           <a:spcPct val="90000"/>
         </a:lnSpc>
         <a:spcBef>
           <a:spcPts val="500"/>
         </a:spcBef>
-        <a:buFont typeface="Arial" panose="020B0604020202020204" pitchFamily="34" charset="0"/>
+        <a:buFont charset="0" panose="020B0604020202020204" pitchFamily="34" typeface="Arial"/>
         <a:buChar char="•"/>
-        <a:defRPr sz="1800" kern="1200">
+        <a:defRPr kern="1200" sz="1800">
           <a:solidFill>
             <a:schemeClr val="tx1"/>
           </a:solidFill>
@@ -5674,16 +5662,16 @@
           <a:cs typeface="+mn-cs"/>
         </a:defRPr>
       </a:lvl8pPr>
-      <a:lvl9pPr marL="3886200" indent="-228600" algn="l" defTabSz="914400" rtl="0" eaLnBrk="1" latinLnBrk="0" hangingPunct="1">
+      <a:lvl9pPr algn="l" defTabSz="914400" eaLnBrk="1" hangingPunct="1" indent="-228600" latinLnBrk="0" marL="3886200" rtl="0">
         <a:lnSpc>
           <a:spcPct val="90000"/>
         </a:lnSpc>
         <a:spcBef>
           <a:spcPts val="500"/>
         </a:spcBef>
-        <a:buFont typeface="Arial" panose="020B0604020202020204" pitchFamily="34" charset="0"/>
+        <a:buFont charset="0" panose="020B0604020202020204" pitchFamily="34" typeface="Arial"/>
         <a:buChar char="•"/>
-        <a:defRPr sz="1800" kern="1200">
+        <a:defRPr kern="1200" sz="1800">
           <a:solidFill>
             <a:schemeClr val="tx1"/>
           </a:solidFill>
@@ -5697,8 +5685,8 @@
       <a:defPPr>
         <a:defRPr lang="en-US"/>
       </a:defPPr>
-      <a:lvl1pPr marL="0" algn="l" defTabSz="914400" rtl="0" eaLnBrk="1" latinLnBrk="0" hangingPunct="1">
-        <a:defRPr sz="1800" kern="1200">
+      <a:lvl1pPr algn="l" defTabSz="914400" eaLnBrk="1" hangingPunct="1" latinLnBrk="0" marL="0" rtl="0">
+        <a:defRPr kern="1200" sz="1800">
           <a:solidFill>
             <a:schemeClr val="tx1"/>
           </a:solidFill>
@@ -5707,8 +5695,8 @@
           <a:cs typeface="+mn-cs"/>
         </a:defRPr>
       </a:lvl1pPr>
-      <a:lvl2pPr marL="457200" algn="l" defTabSz="914400" rtl="0" eaLnBrk="1" latinLnBrk="0" hangingPunct="1">
-        <a:defRPr sz="1800" kern="1200">
+      <a:lvl2pPr algn="l" defTabSz="914400" eaLnBrk="1" hangingPunct="1" latinLnBrk="0" marL="457200" rtl="0">
+        <a:defRPr kern="1200" sz="1800">
           <a:solidFill>
             <a:schemeClr val="tx1"/>
           </a:solidFill>
@@ -5717,8 +5705,8 @@
           <a:cs typeface="+mn-cs"/>
         </a:defRPr>
       </a:lvl2pPr>
-      <a:lvl3pPr marL="914400" algn="l" defTabSz="914400" rtl="0" eaLnBrk="1" latinLnBrk="0" hangingPunct="1">
-        <a:defRPr sz="1800" kern="1200">
+      <a:lvl3pPr algn="l" defTabSz="914400" eaLnBrk="1" hangingPunct="1" latinLnBrk="0" marL="914400" rtl="0">
+        <a:defRPr kern="1200" sz="1800">
           <a:solidFill>
             <a:schemeClr val="tx1"/>
           </a:solidFill>
@@ -5727,8 +5715,8 @@
           <a:cs typeface="+mn-cs"/>
         </a:defRPr>
       </a:lvl3pPr>
-      <a:lvl4pPr marL="1371600" algn="l" defTabSz="914400" rtl="0" eaLnBrk="1" latinLnBrk="0" hangingPunct="1">
-        <a:defRPr sz="1800" kern="1200">
+      <a:lvl4pPr algn="l" defTabSz="914400" eaLnBrk="1" hangingPunct="1" latinLnBrk="0" marL="1371600" rtl="0">
+        <a:defRPr kern="1200" sz="1800">
           <a:solidFill>
             <a:schemeClr val="tx1"/>
           </a:solidFill>
@@ -5737,8 +5725,8 @@
           <a:cs typeface="+mn-cs"/>
         </a:defRPr>
       </a:lvl4pPr>
-      <a:lvl5pPr marL="1828800" algn="l" defTabSz="914400" rtl="0" eaLnBrk="1" latinLnBrk="0" hangingPunct="1">
-        <a:defRPr sz="1800" kern="1200">
+      <a:lvl5pPr algn="l" defTabSz="914400" eaLnBrk="1" hangingPunct="1" latinLnBrk="0" marL="1828800" rtl="0">
+        <a:defRPr kern="1200" sz="1800">
           <a:solidFill>
             <a:schemeClr val="tx1"/>
           </a:solidFill>
@@ -5747,8 +5735,8 @@
           <a:cs typeface="+mn-cs"/>
         </a:defRPr>
       </a:lvl5pPr>
-      <a:lvl6pPr marL="2286000" algn="l" defTabSz="914400" rtl="0" eaLnBrk="1" latinLnBrk="0" hangingPunct="1">
-        <a:defRPr sz="1800" kern="1200">
+      <a:lvl6pPr algn="l" defTabSz="914400" eaLnBrk="1" hangingPunct="1" latinLnBrk="0" marL="2286000" rtl="0">
+        <a:defRPr kern="1200" sz="1800">
           <a:solidFill>
             <a:schemeClr val="tx1"/>
           </a:solidFill>
@@ -5757,8 +5745,8 @@
           <a:cs typeface="+mn-cs"/>
         </a:defRPr>
       </a:lvl6pPr>
-      <a:lvl7pPr marL="2743200" algn="l" defTabSz="914400" rtl="0" eaLnBrk="1" latinLnBrk="0" hangingPunct="1">
-        <a:defRPr sz="1800" kern="1200">
+      <a:lvl7pPr algn="l" defTabSz="914400" eaLnBrk="1" hangingPunct="1" latinLnBrk="0" marL="2743200" rtl="0">
+        <a:defRPr kern="1200" sz="1800">
           <a:solidFill>
             <a:schemeClr val="tx1"/>
           </a:solidFill>
@@ -5767,8 +5755,8 @@
           <a:cs typeface="+mn-cs"/>
         </a:defRPr>
       </a:lvl7pPr>
-      <a:lvl8pPr marL="3200400" algn="l" defTabSz="914400" rtl="0" eaLnBrk="1" latinLnBrk="0" hangingPunct="1">
-        <a:defRPr sz="1800" kern="1200">
+      <a:lvl8pPr algn="l" defTabSz="914400" eaLnBrk="1" hangingPunct="1" latinLnBrk="0" marL="3200400" rtl="0">
+        <a:defRPr kern="1200" sz="1800">
           <a:solidFill>
             <a:schemeClr val="tx1"/>
           </a:solidFill>
@@ -5777,8 +5765,8 @@
           <a:cs typeface="+mn-cs"/>
         </a:defRPr>
       </a:lvl8pPr>
-      <a:lvl9pPr marL="3657600" algn="l" defTabSz="914400" rtl="0" eaLnBrk="1" latinLnBrk="0" hangingPunct="1">
-        <a:defRPr sz="1800" kern="1200">
+      <a:lvl9pPr algn="l" defTabSz="914400" eaLnBrk="1" hangingPunct="1" latinLnBrk="0" marL="3657600" rtl="0">
+        <a:defRPr kern="1200" sz="1800">
           <a:solidFill>
             <a:schemeClr val="tx1"/>
           </a:solidFill>
@@ -5835,10 +5823,11 @@
           <a:bodyPr/>
           <a:lstStyle/>
           <a:p>
-            <a:pPr marL="0" lvl="0" indent="0">
+            <a:pPr lvl="0" indent="0" marL="0">
               <a:buNone/>
             </a:pPr>
             <a:r>
+              <a:rPr/>
               <a:t>Declaración de Arquitectura Migración Funcional SUI, PGN, 2023</a:t>
             </a:r>
           </a:p>
@@ -5857,7 +5846,7 @@
             <a:spLocks noGrp="1"/>
           </p:cNvSpPr>
           <p:nvPr>
-            <p:ph type="subTitle" idx="1"/>
+            <p:ph idx="1" type="subTitle"/>
           </p:nvPr>
         </p:nvSpPr>
         <p:spPr>
@@ -5870,12 +5859,17 @@
           <a:bodyPr/>
           <a:lstStyle/>
           <a:p>
-            <a:pPr marL="0" lvl="0" indent="0">
+            <a:pPr lvl="0" indent="0" marL="0">
               <a:buNone/>
             </a:pPr>
+            <a:r>
+              <a:rPr/>
+              <a:t/>
+            </a:r>
             <a:br/>
             <a:br/>
             <a:r>
+              <a:rPr/>
               <a:t>Softgic - PGN</a:t>
             </a:r>
           </a:p>
@@ -5894,7 +5888,7 @@
             <a:spLocks noGrp="1"/>
           </p:cNvSpPr>
           <p:nvPr>
-            <p:ph type="dt" sz="half" idx="10"/>
+            <p:ph idx="10" sz="half" type="dt"/>
           </p:nvPr>
         </p:nvSpPr>
         <p:spPr/>
@@ -5902,10 +5896,11 @@
           <a:bodyPr/>
           <a:lstStyle/>
           <a:p>
-            <a:pPr marL="0" lvl="0" indent="0">
+            <a:pPr lvl="0" indent="0" marL="0">
               <a:buNone/>
             </a:pPr>
             <a:r>
+              <a:rPr/>
               <a:t>Noviembre, 2023</a:t>
             </a:r>
           </a:p>
@@ -5913,1413 +5908,6 @@
       </p:sp>
     </p:spTree>
   </p:cSld>
-  <p:clrMapOvr>
-    <a:masterClrMapping/>
-  </p:clrMapOvr>
-</p:sld>
-</file>
-
-<file path=ppt/slides/slide10.xml><?xml version="1.0" encoding="utf-8"?>
-<p:sld xmlns:a="http://schemas.openxmlformats.org/drawingml/2006/main" xmlns:r="http://schemas.openxmlformats.org/officeDocument/2006/relationships" xmlns:p="http://schemas.openxmlformats.org/presentationml/2006/main">
-  <p:cSld>
-    <p:spTree>
-      <p:nvGrpSpPr>
-        <p:cNvPr id="1" name=""/>
-        <p:cNvGrpSpPr/>
-        <p:nvPr/>
-      </p:nvGrpSpPr>
-      <p:grpSpPr>
-        <a:xfrm>
-          <a:off x="0" y="0"/>
-          <a:ext cx="0" cy="0"/>
-          <a:chOff x="0" y="0"/>
-          <a:chExt cx="0" cy="0"/>
-        </a:xfrm>
-      </p:grpSpPr>
-      <p:sp>
-        <p:nvSpPr>
-          <p:cNvPr id="2" name="Title 1">
-            <a:extLst>
-              <a:ext uri="{FF2B5EF4-FFF2-40B4-BE49-F238E27FC236}">
-                <a16:creationId xmlns:a16="http://schemas.microsoft.com/office/drawing/2014/main" id="{031ABDF3-40B0-9FFD-785D-6EE24EA30E17}"/>
-              </a:ext>
-            </a:extLst>
-          </p:cNvPr>
-          <p:cNvSpPr>
-            <a:spLocks noGrp="1"/>
-          </p:cNvSpPr>
-          <p:nvPr>
-            <p:ph type="title"/>
-          </p:nvPr>
-        </p:nvSpPr>
-        <p:spPr/>
-        <p:txBody>
-          <a:bodyPr/>
-          <a:lstStyle/>
-          <a:p>
-            <a:pPr marL="0" lvl="0" indent="0">
-              <a:buNone/>
-            </a:pPr>
-            <a:r>
-              <a:t>Diagrama de Clases y Componentes de Solución (a)</a:t>
-            </a:r>
-          </a:p>
-        </p:txBody>
-      </p:sp>
-      <p:pic>
-        <p:nvPicPr>
-          <p:cNvPr id="3" name="Picture 1" descr="fig:  images/Migracion.1b.1.SIUMódulosComponentes.png"/>
-          <p:cNvPicPr>
-            <a:picLocks noGrp="1" noChangeAspect="1"/>
-          </p:cNvPicPr>
-          <p:nvPr/>
-        </p:nvPicPr>
-        <p:blipFill>
-          <a:blip r:embed="rId2"/>
-          <a:stretch>
-            <a:fillRect/>
-          </a:stretch>
-        </p:blipFill>
-        <p:spPr bwMode="auto">
-          <a:xfrm>
-            <a:off x="838200" y="1892300"/>
-            <a:ext cx="5181600" cy="3670300"/>
-          </a:xfrm>
-          <a:prstGeom prst="rect">
-            <a:avLst/>
-          </a:prstGeom>
-          <a:noFill/>
-          <a:ln w="9525">
-            <a:noFill/>
-            <a:headEnd/>
-            <a:tailEnd/>
-          </a:ln>
-        </p:spPr>
-      </p:pic>
-      <p:sp>
-        <p:nvSpPr>
-          <p:cNvPr id="5" name="TextBox 3"/>
-          <p:cNvSpPr txBox="1"/>
-          <p:nvPr/>
-        </p:nvSpPr>
-        <p:spPr>
-          <a:xfrm>
-            <a:off x="838200" y="5651500"/>
-            <a:ext cx="5181600" cy="508000"/>
-          </a:xfrm>
-          <a:prstGeom prst="rect">
-            <a:avLst/>
-          </a:prstGeom>
-          <a:noFill/>
-        </p:spPr>
-        <p:txBody>
-          <a:bodyPr/>
-          <a:lstStyle/>
-          <a:p>
-            <a:pPr marL="0" lvl="0" indent="0" algn="ctr">
-              <a:buNone/>
-            </a:pPr>
-            <a:r>
-              <a:t>Vista. Migracion.1b.1. SUI Módulos Componentes</a:t>
-            </a:r>
-          </a:p>
-        </p:txBody>
-      </p:sp>
-      <p:sp>
-        <p:nvSpPr>
-          <p:cNvPr id="4" name="Content Placeholder 3">
-            <a:extLst>
-              <a:ext uri="{FF2B5EF4-FFF2-40B4-BE49-F238E27FC236}">
-                <a16:creationId xmlns:a16="http://schemas.microsoft.com/office/drawing/2014/main" id="{C261DBA9-0B0C-4FAA-DEB6-7E988D31A3EC}"/>
-              </a:ext>
-            </a:extLst>
-          </p:cNvPr>
-          <p:cNvSpPr>
-            <a:spLocks noGrp="1"/>
-          </p:cNvSpPr>
-          <p:nvPr>
-            <p:ph sz="half" idx="2"/>
-          </p:nvPr>
-        </p:nvSpPr>
-        <p:spPr/>
-        <p:txBody>
-          <a:bodyPr/>
-          <a:lstStyle/>
-          <a:p>
-            <a:pPr marL="0" lvl="0" indent="0">
-              <a:spcBef>
-                <a:spcPts val="3000"/>
-              </a:spcBef>
-              <a:buNone/>
-            </a:pPr>
-            <a:r>
-              <a:rPr b="1"/>
-              <a:t>SUI Componentes de Módulos</a:t>
-            </a:r>
-          </a:p>
-          <a:p>
-            <a:pPr marL="0" lvl="0" indent="0">
-              <a:buNone/>
-            </a:pPr>
-            <a:r>
-              <a:t>Componentes internos de los submódulos del sistema único de información migrado, SUI de PGN. Organización interna de los servicios y paquetes que integran cada submódulo del SUI. Todos los sistemas de información del SUI siguen esta directiva: estarán constituidos por submódulos dispuestos en relación de utilitarios (que sirven) a los componentes misionales del SUI, ubicados en el centro en el diagrama.</a:t>
-            </a:r>
-          </a:p>
-        </p:txBody>
-      </p:sp>
-    </p:spTree>
-  </p:cSld>
-  <p:clrMapOvr>
-    <a:masterClrMapping/>
-  </p:clrMapOvr>
-</p:sld>
-</file>
-
-<file path=ppt/slides/slide11.xml><?xml version="1.0" encoding="utf-8"?>
-<p:sld xmlns:a="http://schemas.openxmlformats.org/drawingml/2006/main" xmlns:r="http://schemas.openxmlformats.org/officeDocument/2006/relationships" xmlns:p="http://schemas.openxmlformats.org/presentationml/2006/main">
-  <p:cSld>
-    <p:spTree>
-      <p:nvGrpSpPr>
-        <p:cNvPr id="1" name=""/>
-        <p:cNvGrpSpPr/>
-        <p:nvPr/>
-      </p:nvGrpSpPr>
-      <p:grpSpPr>
-        <a:xfrm>
-          <a:off x="0" y="0"/>
-          <a:ext cx="0" cy="0"/>
-          <a:chOff x="0" y="0"/>
-          <a:chExt cx="0" cy="0"/>
-        </a:xfrm>
-      </p:grpSpPr>
-      <p:sp>
-        <p:nvSpPr>
-          <p:cNvPr id="2" name="Title 1">
-            <a:extLst>
-              <a:ext uri="{FF2B5EF4-FFF2-40B4-BE49-F238E27FC236}">
-                <a16:creationId xmlns:a16="http://schemas.microsoft.com/office/drawing/2014/main" id="{031ABDF3-40B0-9FFD-785D-6EE24EA30E17}"/>
-              </a:ext>
-            </a:extLst>
-          </p:cNvPr>
-          <p:cNvSpPr>
-            <a:spLocks noGrp="1"/>
-          </p:cNvSpPr>
-          <p:nvPr>
-            <p:ph type="title"/>
-          </p:nvPr>
-        </p:nvSpPr>
-        <p:spPr/>
-        <p:txBody>
-          <a:bodyPr/>
-          <a:lstStyle/>
-          <a:p>
-            <a:pPr marL="0" lvl="0" indent="0">
-              <a:buNone/>
-            </a:pPr>
-            <a:r>
-              <a:t>Diagrama de Clases y Componentes de Solución (b)</a:t>
-            </a:r>
-          </a:p>
-        </p:txBody>
-      </p:sp>
-      <p:pic>
-        <p:nvPicPr>
-          <p:cNvPr id="3" name="Picture 1" descr="fig:  images/Migracion.1b.3.SIUMódulosClases.png"/>
-          <p:cNvPicPr>
-            <a:picLocks noGrp="1" noChangeAspect="1"/>
-          </p:cNvPicPr>
-          <p:nvPr/>
-        </p:nvPicPr>
-        <p:blipFill>
-          <a:blip r:embed="rId2"/>
-          <a:stretch>
-            <a:fillRect/>
-          </a:stretch>
-        </p:blipFill>
-        <p:spPr bwMode="auto">
-          <a:xfrm>
-            <a:off x="1168400" y="1816100"/>
-            <a:ext cx="4521200" cy="3835400"/>
-          </a:xfrm>
-          <a:prstGeom prst="rect">
-            <a:avLst/>
-          </a:prstGeom>
-          <a:noFill/>
-          <a:ln w="9525">
-            <a:noFill/>
-            <a:headEnd/>
-            <a:tailEnd/>
-          </a:ln>
-        </p:spPr>
-      </p:pic>
-      <p:sp>
-        <p:nvSpPr>
-          <p:cNvPr id="5" name="TextBox 3"/>
-          <p:cNvSpPr txBox="1"/>
-          <p:nvPr/>
-        </p:nvSpPr>
-        <p:spPr>
-          <a:xfrm>
-            <a:off x="838200" y="5651500"/>
-            <a:ext cx="5181600" cy="508000"/>
-          </a:xfrm>
-          <a:prstGeom prst="rect">
-            <a:avLst/>
-          </a:prstGeom>
-          <a:noFill/>
-        </p:spPr>
-        <p:txBody>
-          <a:bodyPr/>
-          <a:lstStyle/>
-          <a:p>
-            <a:pPr marL="0" lvl="0" indent="0" algn="ctr">
-              <a:buNone/>
-            </a:pPr>
-            <a:r>
-              <a:t>Vista. Migracion.1b.3. SUI Módulos Clases</a:t>
-            </a:r>
-          </a:p>
-        </p:txBody>
-      </p:sp>
-      <p:sp>
-        <p:nvSpPr>
-          <p:cNvPr id="4" name="Content Placeholder 3">
-            <a:extLst>
-              <a:ext uri="{FF2B5EF4-FFF2-40B4-BE49-F238E27FC236}">
-                <a16:creationId xmlns:a16="http://schemas.microsoft.com/office/drawing/2014/main" id="{C261DBA9-0B0C-4FAA-DEB6-7E988D31A3EC}"/>
-              </a:ext>
-            </a:extLst>
-          </p:cNvPr>
-          <p:cNvSpPr>
-            <a:spLocks noGrp="1"/>
-          </p:cNvSpPr>
-          <p:nvPr>
-            <p:ph sz="half" idx="2"/>
-          </p:nvPr>
-        </p:nvSpPr>
-        <p:spPr/>
-        <p:txBody>
-          <a:bodyPr/>
-          <a:lstStyle/>
-          <a:p>
-            <a:pPr marL="0" lvl="0" indent="0">
-              <a:spcBef>
-                <a:spcPts val="3000"/>
-              </a:spcBef>
-              <a:buNone/>
-            </a:pPr>
-            <a:r>
-              <a:rPr b="1"/>
-              <a:t>SUI Estructura de Clases</a:t>
-            </a:r>
-          </a:p>
-          <a:p>
-            <a:pPr lvl="0"/>
-            <a:r>
-              <a:t>El diseño actual antepone un servicio como punto de acceso a un caso de uso, de tal forma que este se encarga únicamente (por responsabilidad) de coordinar las entradas y las salidas del caso de uso</a:t>
-            </a:r>
-          </a:p>
-          <a:p>
-            <a:pPr lvl="0"/>
-            <a:r>
-              <a:t>El modelo propicia la separación de la lógica de aplicación y la lógica de negocio. En este diseño, la primera está encapsulada en el Caso de Uso ejecutable (en el diagrama), mientras que la lógica de negocio lo está en una función de negocio.</a:t>
-            </a:r>
-          </a:p>
-        </p:txBody>
-      </p:sp>
-    </p:spTree>
-  </p:cSld>
-  <p:clrMapOvr>
-    <a:masterClrMapping/>
-  </p:clrMapOvr>
-</p:sld>
-</file>
-
-<file path=ppt/slides/slide12.xml><?xml version="1.0" encoding="utf-8"?>
-<p:sld xmlns:a="http://schemas.openxmlformats.org/drawingml/2006/main" xmlns:r="http://schemas.openxmlformats.org/officeDocument/2006/relationships" xmlns:p="http://schemas.openxmlformats.org/presentationml/2006/main">
-  <p:cSld>
-    <p:spTree>
-      <p:nvGrpSpPr>
-        <p:cNvPr id="1" name=""/>
-        <p:cNvGrpSpPr/>
-        <p:nvPr/>
-      </p:nvGrpSpPr>
-      <p:grpSpPr>
-        <a:xfrm>
-          <a:off x="0" y="0"/>
-          <a:ext cx="0" cy="0"/>
-          <a:chOff x="0" y="0"/>
-          <a:chExt cx="0" cy="0"/>
-        </a:xfrm>
-      </p:grpSpPr>
-      <p:sp>
-        <p:nvSpPr>
-          <p:cNvPr id="2" name="Title 1">
-            <a:extLst>
-              <a:ext uri="{FF2B5EF4-FFF2-40B4-BE49-F238E27FC236}">
-                <a16:creationId xmlns:a16="http://schemas.microsoft.com/office/drawing/2014/main" id="{031ABDF3-40B0-9FFD-785D-6EE24EA30E17}"/>
-              </a:ext>
-            </a:extLst>
-          </p:cNvPr>
-          <p:cNvSpPr>
-            <a:spLocks noGrp="1"/>
-          </p:cNvSpPr>
-          <p:nvPr>
-            <p:ph type="title"/>
-          </p:nvPr>
-        </p:nvSpPr>
-        <p:spPr/>
-        <p:txBody>
-          <a:bodyPr/>
-          <a:lstStyle/>
-          <a:p>
-            <a:pPr marL="0" lvl="0" indent="0">
-              <a:buNone/>
-            </a:pPr>
-            <a:r>
-              <a:t>Arquitectura. 2. Escalabilidad. Funcional</a:t>
-            </a:r>
-          </a:p>
-        </p:txBody>
-      </p:sp>
-      <p:pic>
-        <p:nvPicPr>
-          <p:cNvPr id="3" name="Picture 1" descr="fig:  images/Arquitectura.2.Escalabilidad.Funcional.png"/>
-          <p:cNvPicPr>
-            <a:picLocks noGrp="1" noChangeAspect="1"/>
-          </p:cNvPicPr>
-          <p:nvPr/>
-        </p:nvPicPr>
-        <p:blipFill>
-          <a:blip r:embed="rId2"/>
-          <a:stretch>
-            <a:fillRect/>
-          </a:stretch>
-        </p:blipFill>
-        <p:spPr bwMode="auto">
-          <a:xfrm>
-            <a:off x="838200" y="2235200"/>
-            <a:ext cx="5181600" cy="2997200"/>
-          </a:xfrm>
-          <a:prstGeom prst="rect">
-            <a:avLst/>
-          </a:prstGeom>
-          <a:noFill/>
-          <a:ln w="9525">
-            <a:noFill/>
-            <a:headEnd/>
-            <a:tailEnd/>
-          </a:ln>
-        </p:spPr>
-      </p:pic>
-      <p:sp>
-        <p:nvSpPr>
-          <p:cNvPr id="5" name="TextBox 3"/>
-          <p:cNvSpPr txBox="1"/>
-          <p:nvPr/>
-        </p:nvSpPr>
-        <p:spPr>
-          <a:xfrm>
-            <a:off x="838200" y="5651500"/>
-            <a:ext cx="5181600" cy="508000"/>
-          </a:xfrm>
-          <a:prstGeom prst="rect">
-            <a:avLst/>
-          </a:prstGeom>
-          <a:noFill/>
-        </p:spPr>
-        <p:txBody>
-          <a:bodyPr/>
-          <a:lstStyle/>
-          <a:p>
-            <a:pPr marL="0" lvl="0" indent="0" algn="ctr">
-              <a:buNone/>
-            </a:pPr>
-            <a:r>
-              <a:t>Vista. Arquitectura. 2. Escalabilidad. Funcional</a:t>
-            </a:r>
-          </a:p>
-        </p:txBody>
-      </p:sp>
-      <p:sp>
-        <p:nvSpPr>
-          <p:cNvPr id="4" name="Content Placeholder 3">
-            <a:extLst>
-              <a:ext uri="{FF2B5EF4-FFF2-40B4-BE49-F238E27FC236}">
-                <a16:creationId xmlns:a16="http://schemas.microsoft.com/office/drawing/2014/main" id="{C261DBA9-0B0C-4FAA-DEB6-7E988D31A3EC}"/>
-              </a:ext>
-            </a:extLst>
-          </p:cNvPr>
-          <p:cNvSpPr>
-            <a:spLocks noGrp="1"/>
-          </p:cNvSpPr>
-          <p:nvPr>
-            <p:ph sz="half" idx="2"/>
-          </p:nvPr>
-        </p:nvSpPr>
-        <p:spPr/>
-        <p:txBody>
-          <a:bodyPr/>
-          <a:lstStyle/>
-          <a:p>
-            <a:pPr marL="0" lvl="0" indent="0">
-              <a:spcBef>
-                <a:spcPts val="3000"/>
-              </a:spcBef>
-              <a:buNone/>
-            </a:pPr>
-            <a:r>
-              <a:rPr b="1"/>
-              <a:t>Casos de Uso Ejecutables</a:t>
-            </a:r>
-          </a:p>
-          <a:p>
-            <a:pPr marL="0" lvl="0" indent="0">
-              <a:buNone/>
-            </a:pPr>
-            <a:r>
-              <a:t>Escalabilidad funcional realizada mediante la agregación (o incremento de versión) de los casos de uso, que a su vez están implementados por componentes ejecutables, como servicio, u objetos C#.</a:t>
-            </a:r>
-          </a:p>
-          <a:p>
-            <a:pPr marL="0" lvl="0" indent="0">
-              <a:buNone/>
-            </a:pPr>
-            <a:r>
-              <a:t>En lo posible, los requerimientos nuevos no interfieren con los requerimientos base.</a:t>
-            </a:r>
-          </a:p>
-        </p:txBody>
-      </p:sp>
-    </p:spTree>
-  </p:cSld>
-  <p:clrMapOvr>
-    <a:masterClrMapping/>
-  </p:clrMapOvr>
-</p:sld>
-</file>
-
-<file path=ppt/slides/slide13.xml><?xml version="1.0" encoding="utf-8"?>
-<p:sld xmlns:a="http://schemas.openxmlformats.org/drawingml/2006/main" xmlns:r="http://schemas.openxmlformats.org/officeDocument/2006/relationships" xmlns:p="http://schemas.openxmlformats.org/presentationml/2006/main">
-  <p:cSld>
-    <p:spTree>
-      <p:nvGrpSpPr>
-        <p:cNvPr id="1" name=""/>
-        <p:cNvGrpSpPr/>
-        <p:nvPr/>
-      </p:nvGrpSpPr>
-      <p:grpSpPr>
-        <a:xfrm>
-          <a:off x="0" y="0"/>
-          <a:ext cx="0" cy="0"/>
-          <a:chOff x="0" y="0"/>
-          <a:chExt cx="0" cy="0"/>
-        </a:xfrm>
-      </p:grpSpPr>
-      <p:sp>
-        <p:nvSpPr>
-          <p:cNvPr id="2" name="Title 1">
-            <a:extLst>
-              <a:ext uri="{FF2B5EF4-FFF2-40B4-BE49-F238E27FC236}">
-                <a16:creationId xmlns:a16="http://schemas.microsoft.com/office/drawing/2014/main" id="{031ABDF3-40B0-9FFD-785D-6EE24EA30E17}"/>
-              </a:ext>
-            </a:extLst>
-          </p:cNvPr>
-          <p:cNvSpPr>
-            <a:spLocks noGrp="1"/>
-          </p:cNvSpPr>
-          <p:nvPr>
-            <p:ph type="title"/>
-          </p:nvPr>
-        </p:nvSpPr>
-        <p:spPr/>
-        <p:txBody>
-          <a:bodyPr/>
-          <a:lstStyle/>
-          <a:p>
-            <a:pPr marL="0" lvl="0" indent="0">
-              <a:buNone/>
-            </a:pPr>
-            <a:r>
-              <a:t>Arquitectura. 2a. Escalabilidad. Física</a:t>
-            </a:r>
-          </a:p>
-        </p:txBody>
-      </p:sp>
-      <p:pic>
-        <p:nvPicPr>
-          <p:cNvPr id="3" name="Picture 1" descr="fig:  images/Arquitectura.2a.Escalabilidad.Física.png"/>
-          <p:cNvPicPr>
-            <a:picLocks noGrp="1" noChangeAspect="1"/>
-          </p:cNvPicPr>
-          <p:nvPr/>
-        </p:nvPicPr>
-        <p:blipFill>
-          <a:blip r:embed="rId2"/>
-          <a:stretch>
-            <a:fillRect/>
-          </a:stretch>
-        </p:blipFill>
-        <p:spPr bwMode="auto">
-          <a:xfrm>
-            <a:off x="1308100" y="1816100"/>
-            <a:ext cx="4241800" cy="3835400"/>
-          </a:xfrm>
-          <a:prstGeom prst="rect">
-            <a:avLst/>
-          </a:prstGeom>
-          <a:noFill/>
-          <a:ln w="9525">
-            <a:noFill/>
-            <a:headEnd/>
-            <a:tailEnd/>
-          </a:ln>
-        </p:spPr>
-      </p:pic>
-      <p:sp>
-        <p:nvSpPr>
-          <p:cNvPr id="5" name="TextBox 3"/>
-          <p:cNvSpPr txBox="1"/>
-          <p:nvPr/>
-        </p:nvSpPr>
-        <p:spPr>
-          <a:xfrm>
-            <a:off x="838200" y="5651500"/>
-            <a:ext cx="5181600" cy="508000"/>
-          </a:xfrm>
-          <a:prstGeom prst="rect">
-            <a:avLst/>
-          </a:prstGeom>
-          <a:noFill/>
-        </p:spPr>
-        <p:txBody>
-          <a:bodyPr/>
-          <a:lstStyle/>
-          <a:p>
-            <a:pPr marL="0" lvl="0" indent="0" algn="ctr">
-              <a:buNone/>
-            </a:pPr>
-            <a:r>
-              <a:t>Vista. Arquitectura. 2a. Escalabilidad. Física</a:t>
-            </a:r>
-          </a:p>
-        </p:txBody>
-      </p:sp>
-      <p:sp>
-        <p:nvSpPr>
-          <p:cNvPr id="4" name="Content Placeholder 3">
-            <a:extLst>
-              <a:ext uri="{FF2B5EF4-FFF2-40B4-BE49-F238E27FC236}">
-                <a16:creationId xmlns:a16="http://schemas.microsoft.com/office/drawing/2014/main" id="{C261DBA9-0B0C-4FAA-DEB6-7E988D31A3EC}"/>
-              </a:ext>
-            </a:extLst>
-          </p:cNvPr>
-          <p:cNvSpPr>
-            <a:spLocks noGrp="1"/>
-          </p:cNvSpPr>
-          <p:nvPr>
-            <p:ph sz="half" idx="2"/>
-          </p:nvPr>
-        </p:nvSpPr>
-        <p:spPr/>
-        <p:txBody>
-          <a:bodyPr/>
-          <a:lstStyle/>
-          <a:p>
-            <a:pPr marL="0" lvl="0" indent="0">
-              <a:spcBef>
-                <a:spcPts val="3000"/>
-              </a:spcBef>
-              <a:buNone/>
-            </a:pPr>
-            <a:r>
-              <a:rPr b="1"/>
-              <a:t>Escalabilidad Horizontal</a:t>
-            </a:r>
-          </a:p>
-          <a:p>
-            <a:pPr marL="0" lvl="0" indent="0">
-              <a:buNone/>
-            </a:pPr>
-            <a:r>
-              <a:t>Escalabilidad física (escalabilidad horizontal) realizada mediante el incremente de procesamiento (servidores) para ejecutar los casos de uso, que a su vez están implementados por componentes ejecutables, como servicio, u objetos C#.</a:t>
-            </a:r>
-          </a:p>
-          <a:p>
-            <a:pPr marL="0" lvl="0" indent="0">
-              <a:buNone/>
-            </a:pPr>
-            <a:r>
-              <a:t>En lo posible, los equipos de hardware, o máquinas virtuales nuevas no interfieren con la base actual.</a:t>
-            </a:r>
-          </a:p>
-        </p:txBody>
-      </p:sp>
-    </p:spTree>
-  </p:cSld>
-  <p:clrMapOvr>
-    <a:masterClrMapping/>
-  </p:clrMapOvr>
-</p:sld>
-</file>
-
-<file path=ppt/slides/slide14.xml><?xml version="1.0" encoding="utf-8"?>
-<p:sld xmlns:a="http://schemas.openxmlformats.org/drawingml/2006/main" xmlns:r="http://schemas.openxmlformats.org/officeDocument/2006/relationships" xmlns:p="http://schemas.openxmlformats.org/presentationml/2006/main">
-  <p:cSld>
-    <p:spTree>
-      <p:nvGrpSpPr>
-        <p:cNvPr id="1" name=""/>
-        <p:cNvGrpSpPr/>
-        <p:nvPr/>
-      </p:nvGrpSpPr>
-      <p:grpSpPr>
-        <a:xfrm>
-          <a:off x="0" y="0"/>
-          <a:ext cx="0" cy="0"/>
-          <a:chOff x="0" y="0"/>
-          <a:chExt cx="0" cy="0"/>
-        </a:xfrm>
-      </p:grpSpPr>
-      <p:sp>
-        <p:nvSpPr>
-          <p:cNvPr id="2" name="Title 1">
-            <a:extLst>
-              <a:ext uri="{FF2B5EF4-FFF2-40B4-BE49-F238E27FC236}">
-                <a16:creationId xmlns:a16="http://schemas.microsoft.com/office/drawing/2014/main" id="{031ABDF3-40B0-9FFD-785D-6EE24EA30E17}"/>
-              </a:ext>
-            </a:extLst>
-          </p:cNvPr>
-          <p:cNvSpPr>
-            <a:spLocks noGrp="1"/>
-          </p:cNvSpPr>
-          <p:nvPr>
-            <p:ph type="title"/>
-          </p:nvPr>
-        </p:nvSpPr>
-        <p:spPr/>
-        <p:txBody>
-          <a:bodyPr/>
-          <a:lstStyle/>
-          <a:p>
-            <a:pPr marL="0" lvl="0" indent="0">
-              <a:buNone/>
-            </a:pPr>
-            <a:r>
-              <a:t>Arquitectura. 3. Decisiones de Arquitectura SUI</a:t>
-            </a:r>
-          </a:p>
-        </p:txBody>
-      </p:sp>
-      <p:pic>
-        <p:nvPicPr>
-          <p:cNvPr id="3" name="Picture 1" descr="fig:  images/Arquitectura.3.Decisiones.png"/>
-          <p:cNvPicPr>
-            <a:picLocks noGrp="1" noChangeAspect="1"/>
-          </p:cNvPicPr>
-          <p:nvPr/>
-        </p:nvPicPr>
-        <p:blipFill>
-          <a:blip r:embed="rId2"/>
-          <a:stretch>
-            <a:fillRect/>
-          </a:stretch>
-        </p:blipFill>
-        <p:spPr bwMode="auto">
-          <a:xfrm>
-            <a:off x="838200" y="1905000"/>
-            <a:ext cx="5181600" cy="3644900"/>
-          </a:xfrm>
-          <a:prstGeom prst="rect">
-            <a:avLst/>
-          </a:prstGeom>
-          <a:noFill/>
-          <a:ln w="9525">
-            <a:noFill/>
-            <a:headEnd/>
-            <a:tailEnd/>
-          </a:ln>
-        </p:spPr>
-      </p:pic>
-      <p:sp>
-        <p:nvSpPr>
-          <p:cNvPr id="5" name="TextBox 3"/>
-          <p:cNvSpPr txBox="1"/>
-          <p:nvPr/>
-        </p:nvSpPr>
-        <p:spPr>
-          <a:xfrm>
-            <a:off x="838200" y="5651500"/>
-            <a:ext cx="5181600" cy="508000"/>
-          </a:xfrm>
-          <a:prstGeom prst="rect">
-            <a:avLst/>
-          </a:prstGeom>
-          <a:noFill/>
-        </p:spPr>
-        <p:txBody>
-          <a:bodyPr/>
-          <a:lstStyle/>
-          <a:p>
-            <a:pPr marL="0" lvl="0" indent="0" algn="ctr">
-              <a:buNone/>
-            </a:pPr>
-            <a:r>
-              <a:t>Vista. Arquitectura. 3. Decisiones</a:t>
-            </a:r>
-          </a:p>
-        </p:txBody>
-      </p:sp>
-      <p:sp>
-        <p:nvSpPr>
-          <p:cNvPr id="4" name="Content Placeholder 3">
-            <a:extLst>
-              <a:ext uri="{FF2B5EF4-FFF2-40B4-BE49-F238E27FC236}">
-                <a16:creationId xmlns:a16="http://schemas.microsoft.com/office/drawing/2014/main" id="{C261DBA9-0B0C-4FAA-DEB6-7E988D31A3EC}"/>
-              </a:ext>
-            </a:extLst>
-          </p:cNvPr>
-          <p:cNvSpPr>
-            <a:spLocks noGrp="1"/>
-          </p:cNvSpPr>
-          <p:nvPr>
-            <p:ph sz="half" idx="2"/>
-          </p:nvPr>
-        </p:nvSpPr>
-        <p:spPr/>
-        <p:txBody>
-          <a:bodyPr>
-            <a:normAutofit fontScale="92500" lnSpcReduction="10000"/>
-          </a:bodyPr>
-          <a:lstStyle/>
-          <a:p>
-            <a:pPr marL="0" lvl="0" indent="0">
-              <a:spcBef>
-                <a:spcPts val="3000"/>
-              </a:spcBef>
-              <a:buNone/>
-            </a:pPr>
-            <a:r>
-              <a:rPr b="1"/>
-              <a:t>Restricciones de Diseño</a:t>
-            </a:r>
-          </a:p>
-          <a:p>
-            <a:pPr lvl="0"/>
-            <a:r>
-              <a:t>Consistencia. La consistencia persigue que el resultado de la lógica de negocio sea la misma entre los módulos del SUI migrado.</a:t>
-            </a:r>
-          </a:p>
-          <a:p>
-            <a:pPr lvl="0"/>
-            <a:r>
-              <a:t>Mantenibilidad. La mantenibilidad por control de dependencias que optimiza el diseño Migración SUI está dada por el control de cambios no programados sobre los componentes misionales del SUI (corrupción de componentes).</a:t>
-            </a:r>
-          </a:p>
-          <a:p>
-            <a:pPr lvl="0"/>
-            <a:r>
-              <a:t>Extensibilidad. La extensibilidad que optimiza el diseño Migración SUI está dada por el intercambio de submódulos no misionales, como el gestor documental, sin afectación de los componentes misionales que este diseño protege.</a:t>
-            </a:r>
-          </a:p>
-        </p:txBody>
-      </p:sp>
-    </p:spTree>
-  </p:cSld>
-  <p:clrMapOvr>
-    <a:masterClrMapping/>
-  </p:clrMapOvr>
-</p:sld>
-</file>
-
-<file path=ppt/slides/slide15.xml><?xml version="1.0" encoding="utf-8"?>
-<p:sld xmlns:a="http://schemas.openxmlformats.org/drawingml/2006/main" xmlns:r="http://schemas.openxmlformats.org/officeDocument/2006/relationships" xmlns:p="http://schemas.openxmlformats.org/presentationml/2006/main">
-  <p:cSld>
-    <p:spTree>
-      <p:nvGrpSpPr>
-        <p:cNvPr id="1" name=""/>
-        <p:cNvGrpSpPr/>
-        <p:nvPr/>
-      </p:nvGrpSpPr>
-      <p:grpSpPr>
-        <a:xfrm>
-          <a:off x="0" y="0"/>
-          <a:ext cx="0" cy="0"/>
-          <a:chOff x="0" y="0"/>
-          <a:chExt cx="0" cy="0"/>
-        </a:xfrm>
-      </p:grpSpPr>
-      <p:sp>
-        <p:nvSpPr>
-          <p:cNvPr id="2" name="Title 1">
-            <a:extLst>
-              <a:ext uri="{FF2B5EF4-FFF2-40B4-BE49-F238E27FC236}">
-                <a16:creationId xmlns:a16="http://schemas.microsoft.com/office/drawing/2014/main" id="{031ABDF3-40B0-9FFD-785D-6EE24EA30E17}"/>
-              </a:ext>
-            </a:extLst>
-          </p:cNvPr>
-          <p:cNvSpPr>
-            <a:spLocks noGrp="1"/>
-          </p:cNvSpPr>
-          <p:nvPr>
-            <p:ph type="title"/>
-          </p:nvPr>
-        </p:nvSpPr>
-        <p:spPr/>
-        <p:txBody>
-          <a:bodyPr>
-            <a:normAutofit fontScale="90000"/>
-          </a:bodyPr>
-          <a:lstStyle/>
-          <a:p>
-            <a:pPr marL="0" lvl="0" indent="0">
-              <a:buNone/>
-            </a:pPr>
-            <a:r>
-              <a:t>Diagrama de Arquitectura de Integración Continua, DevOps y Despliegues de Capas</a:t>
-            </a:r>
-          </a:p>
-        </p:txBody>
-      </p:sp>
-      <p:pic>
-        <p:nvPicPr>
-          <p:cNvPr id="3" name="Picture 1" descr="fig:  images/Migracion.4.CI.png"/>
-          <p:cNvPicPr>
-            <a:picLocks noGrp="1" noChangeAspect="1"/>
-          </p:cNvPicPr>
-          <p:nvPr/>
-        </p:nvPicPr>
-        <p:blipFill>
-          <a:blip r:embed="rId2"/>
-          <a:stretch>
-            <a:fillRect/>
-          </a:stretch>
-        </p:blipFill>
-        <p:spPr bwMode="auto">
-          <a:xfrm>
-            <a:off x="838200" y="2362200"/>
-            <a:ext cx="5181600" cy="2743200"/>
-          </a:xfrm>
-          <a:prstGeom prst="rect">
-            <a:avLst/>
-          </a:prstGeom>
-          <a:noFill/>
-          <a:ln w="9525">
-            <a:noFill/>
-            <a:headEnd/>
-            <a:tailEnd/>
-          </a:ln>
-        </p:spPr>
-      </p:pic>
-      <p:sp>
-        <p:nvSpPr>
-          <p:cNvPr id="5" name="TextBox 3"/>
-          <p:cNvSpPr txBox="1"/>
-          <p:nvPr/>
-        </p:nvSpPr>
-        <p:spPr>
-          <a:xfrm>
-            <a:off x="838200" y="5651500"/>
-            <a:ext cx="5181600" cy="508000"/>
-          </a:xfrm>
-          <a:prstGeom prst="rect">
-            <a:avLst/>
-          </a:prstGeom>
-          <a:noFill/>
-        </p:spPr>
-        <p:txBody>
-          <a:bodyPr/>
-          <a:lstStyle/>
-          <a:p>
-            <a:pPr marL="0" lvl="0" indent="0" algn="ctr">
-              <a:buNone/>
-            </a:pPr>
-            <a:r>
-              <a:t>Vista. Migracion.4. CI</a:t>
-            </a:r>
-          </a:p>
-        </p:txBody>
-      </p:sp>
-      <p:sp>
-        <p:nvSpPr>
-          <p:cNvPr id="4" name="Content Placeholder 3">
-            <a:extLst>
-              <a:ext uri="{FF2B5EF4-FFF2-40B4-BE49-F238E27FC236}">
-                <a16:creationId xmlns:a16="http://schemas.microsoft.com/office/drawing/2014/main" id="{C261DBA9-0B0C-4FAA-DEB6-7E988D31A3EC}"/>
-              </a:ext>
-            </a:extLst>
-          </p:cNvPr>
-          <p:cNvSpPr>
-            <a:spLocks noGrp="1"/>
-          </p:cNvSpPr>
-          <p:nvPr>
-            <p:ph sz="half" idx="2"/>
-          </p:nvPr>
-        </p:nvSpPr>
-        <p:spPr/>
-        <p:txBody>
-          <a:bodyPr/>
-          <a:lstStyle/>
-          <a:p>
-            <a:pPr marL="0" lvl="0" indent="0">
-              <a:spcBef>
-                <a:spcPts val="3000"/>
-              </a:spcBef>
-              <a:buNone/>
-            </a:pPr>
-            <a:r>
-              <a:rPr b="1"/>
-              <a:t>Integración Continua</a:t>
-            </a:r>
-          </a:p>
-          <a:p>
-            <a:pPr marL="0" lvl="0" indent="0">
-              <a:buNone/>
-            </a:pPr>
-            <a:r>
-              <a:t>Las cadenas están separadas por tecnologías y plataformas distintas; son independientes y no presentan interbloqueos en cuanto a su ejecución. Pero, requieren administración integral.</a:t>
-            </a:r>
-          </a:p>
-        </p:txBody>
-      </p:sp>
-    </p:spTree>
-  </p:cSld>
-  <p:clrMapOvr>
-    <a:masterClrMapping/>
-  </p:clrMapOvr>
-</p:sld>
-</file>
-
-<file path=ppt/slides/slide16.xml><?xml version="1.0" encoding="utf-8"?>
-<p:sld xmlns:a="http://schemas.openxmlformats.org/drawingml/2006/main" xmlns:r="http://schemas.openxmlformats.org/officeDocument/2006/relationships" xmlns:p="http://schemas.openxmlformats.org/presentationml/2006/main">
-  <p:cSld>
-    <p:spTree>
-      <p:nvGrpSpPr>
-        <p:cNvPr id="1" name=""/>
-        <p:cNvGrpSpPr/>
-        <p:nvPr/>
-      </p:nvGrpSpPr>
-      <p:grpSpPr>
-        <a:xfrm>
-          <a:off x="0" y="0"/>
-          <a:ext cx="0" cy="0"/>
-          <a:chOff x="0" y="0"/>
-          <a:chExt cx="0" cy="0"/>
-        </a:xfrm>
-      </p:grpSpPr>
-      <p:sp>
-        <p:nvSpPr>
-          <p:cNvPr id="2" name="Title 1">
-            <a:extLst>
-              <a:ext uri="{FF2B5EF4-FFF2-40B4-BE49-F238E27FC236}">
-                <a16:creationId xmlns:a16="http://schemas.microsoft.com/office/drawing/2014/main" id="{031ABDF3-40B0-9FFD-785D-6EE24EA30E17}"/>
-              </a:ext>
-            </a:extLst>
-          </p:cNvPr>
-          <p:cNvSpPr>
-            <a:spLocks noGrp="1"/>
-          </p:cNvSpPr>
-          <p:nvPr>
-            <p:ph type="title"/>
-          </p:nvPr>
-        </p:nvSpPr>
-        <p:spPr/>
-        <p:txBody>
-          <a:bodyPr/>
-          <a:lstStyle/>
-          <a:p>
-            <a:pPr marL="0" lvl="0" indent="0">
-              <a:buNone/>
-            </a:pPr>
-            <a:r>
-              <a:t>Documento de Relación de Tecnologías y Licenciamiento</a:t>
-            </a:r>
-          </a:p>
-        </p:txBody>
-      </p:sp>
-      <p:pic>
-        <p:nvPicPr>
-          <p:cNvPr id="3" name="Picture 1" descr="fig:  images/Migracion.5.Licenciamiento.png"/>
-          <p:cNvPicPr>
-            <a:picLocks noGrp="1" noChangeAspect="1"/>
-          </p:cNvPicPr>
-          <p:nvPr/>
-        </p:nvPicPr>
-        <p:blipFill>
-          <a:blip r:embed="rId2"/>
-          <a:stretch>
-            <a:fillRect/>
-          </a:stretch>
-        </p:blipFill>
-        <p:spPr bwMode="auto">
-          <a:xfrm>
-            <a:off x="2082800" y="1816100"/>
-            <a:ext cx="2692400" cy="3835400"/>
-          </a:xfrm>
-          <a:prstGeom prst="rect">
-            <a:avLst/>
-          </a:prstGeom>
-          <a:noFill/>
-          <a:ln w="9525">
-            <a:noFill/>
-            <a:headEnd/>
-            <a:tailEnd/>
-          </a:ln>
-        </p:spPr>
-      </p:pic>
-      <p:sp>
-        <p:nvSpPr>
-          <p:cNvPr id="5" name="TextBox 3"/>
-          <p:cNvSpPr txBox="1"/>
-          <p:nvPr/>
-        </p:nvSpPr>
-        <p:spPr>
-          <a:xfrm>
-            <a:off x="838200" y="5651500"/>
-            <a:ext cx="5181600" cy="508000"/>
-          </a:xfrm>
-          <a:prstGeom prst="rect">
-            <a:avLst/>
-          </a:prstGeom>
-          <a:noFill/>
-        </p:spPr>
-        <p:txBody>
-          <a:bodyPr/>
-          <a:lstStyle/>
-          <a:p>
-            <a:pPr marL="0" lvl="0" indent="0" algn="ctr">
-              <a:buNone/>
-            </a:pPr>
-            <a:r>
-              <a:t>Vista. Migracion.5. Licenciamiento</a:t>
-            </a:r>
-          </a:p>
-        </p:txBody>
-      </p:sp>
-      <p:sp>
-        <p:nvSpPr>
-          <p:cNvPr id="4" name="Content Placeholder 3">
-            <a:extLst>
-              <a:ext uri="{FF2B5EF4-FFF2-40B4-BE49-F238E27FC236}">
-                <a16:creationId xmlns:a16="http://schemas.microsoft.com/office/drawing/2014/main" id="{C261DBA9-0B0C-4FAA-DEB6-7E988D31A3EC}"/>
-              </a:ext>
-            </a:extLst>
-          </p:cNvPr>
-          <p:cNvSpPr>
-            <a:spLocks noGrp="1"/>
-          </p:cNvSpPr>
-          <p:nvPr>
-            <p:ph sz="half" idx="2"/>
-          </p:nvPr>
-        </p:nvSpPr>
-        <p:spPr/>
-        <p:txBody>
-          <a:bodyPr/>
-          <a:lstStyle/>
-          <a:p>
-            <a:pPr marL="0" lvl="0" indent="0">
-              <a:spcBef>
-                <a:spcPts val="3000"/>
-              </a:spcBef>
-              <a:buNone/>
-            </a:pPr>
-            <a:r>
-              <a:rPr b="1"/>
-              <a:t>Aprovisionamiento de Licencias</a:t>
-            </a:r>
-          </a:p>
-          <a:p>
-            <a:pPr marL="0" lvl="0" indent="0">
-              <a:buNone/>
-            </a:pPr>
-            <a:r>
-              <a:t>Los elementos resaltados de la vista actual requieren modelos de licenciamiento variado, bien sea por usuario, núcleo, despliegue (instalación), o renta por consumo.</a:t>
-            </a:r>
-          </a:p>
-        </p:txBody>
-      </p:sp>
-    </p:spTree>
-  </p:cSld>
-  <p:clrMapOvr>
-    <a:masterClrMapping/>
-  </p:clrMapOvr>
-</p:sld>
-</file>
-
-<file path=ppt/slides/slide17.xml><?xml version="1.0" encoding="utf-8"?>
-<p:sld xmlns:a="http://schemas.openxmlformats.org/drawingml/2006/main" xmlns:r="http://schemas.openxmlformats.org/officeDocument/2006/relationships" xmlns:p="http://schemas.openxmlformats.org/presentationml/2006/main">
-  <p:cSld>
-    <p:spTree>
-      <p:nvGrpSpPr>
-        <p:cNvPr id="1" name=""/>
-        <p:cNvGrpSpPr/>
-        <p:nvPr/>
-      </p:nvGrpSpPr>
-      <p:grpSpPr>
-        <a:xfrm>
-          <a:off x="0" y="0"/>
-          <a:ext cx="0" cy="0"/>
-          <a:chOff x="0" y="0"/>
-          <a:chExt cx="0" cy="0"/>
-        </a:xfrm>
-      </p:grpSpPr>
-      <p:sp>
-        <p:nvSpPr>
-          <p:cNvPr id="2" name="Title 1">
-            <a:extLst>
-              <a:ext uri="{FF2B5EF4-FFF2-40B4-BE49-F238E27FC236}">
-                <a16:creationId xmlns:a16="http://schemas.microsoft.com/office/drawing/2014/main" id="{031ABDF3-40B0-9FFD-785D-6EE24EA30E17}"/>
-              </a:ext>
-            </a:extLst>
-          </p:cNvPr>
-          <p:cNvSpPr>
-            <a:spLocks noGrp="1"/>
-          </p:cNvSpPr>
-          <p:nvPr>
-            <p:ph type="title"/>
-          </p:nvPr>
-        </p:nvSpPr>
-        <p:spPr/>
-        <p:txBody>
-          <a:bodyPr/>
-          <a:lstStyle/>
-          <a:p>
-            <a:pPr marL="0" lvl="0" indent="0">
-              <a:buNone/>
-            </a:pPr>
-            <a:r>
-              <a:t>Arquitectura. 1. Dev Docs</a:t>
-            </a:r>
-          </a:p>
-        </p:txBody>
-      </p:sp>
-      <p:pic>
-        <p:nvPicPr>
-          <p:cNvPr id="3" name="Picture 1" descr="fig:  images/Arquitectura.1.DevDocs.png"/>
-          <p:cNvPicPr>
-            <a:picLocks noGrp="1" noChangeAspect="1"/>
-          </p:cNvPicPr>
-          <p:nvPr/>
-        </p:nvPicPr>
-        <p:blipFill>
-          <a:blip r:embed="rId2"/>
-          <a:stretch>
-            <a:fillRect/>
-          </a:stretch>
-        </p:blipFill>
-        <p:spPr bwMode="auto">
-          <a:xfrm>
-            <a:off x="977900" y="1816100"/>
-            <a:ext cx="4902200" cy="3835400"/>
-          </a:xfrm>
-          <a:prstGeom prst="rect">
-            <a:avLst/>
-          </a:prstGeom>
-          <a:noFill/>
-          <a:ln w="9525">
-            <a:noFill/>
-            <a:headEnd/>
-            <a:tailEnd/>
-          </a:ln>
-        </p:spPr>
-      </p:pic>
-      <p:sp>
-        <p:nvSpPr>
-          <p:cNvPr id="5" name="TextBox 3"/>
-          <p:cNvSpPr txBox="1"/>
-          <p:nvPr/>
-        </p:nvSpPr>
-        <p:spPr>
-          <a:xfrm>
-            <a:off x="838200" y="5651500"/>
-            <a:ext cx="5181600" cy="508000"/>
-          </a:xfrm>
-          <a:prstGeom prst="rect">
-            <a:avLst/>
-          </a:prstGeom>
-          <a:noFill/>
-        </p:spPr>
-        <p:txBody>
-          <a:bodyPr/>
-          <a:lstStyle/>
-          <a:p>
-            <a:pPr marL="0" lvl="0" indent="0" algn="ctr">
-              <a:buNone/>
-            </a:pPr>
-            <a:r>
-              <a:t>Vista. Arquitectura. 1. Dev Docs</a:t>
-            </a:r>
-          </a:p>
-        </p:txBody>
-      </p:sp>
-      <p:sp>
-        <p:nvSpPr>
-          <p:cNvPr id="4" name="Content Placeholder 3">
-            <a:extLst>
-              <a:ext uri="{FF2B5EF4-FFF2-40B4-BE49-F238E27FC236}">
-                <a16:creationId xmlns:a16="http://schemas.microsoft.com/office/drawing/2014/main" id="{C261DBA9-0B0C-4FAA-DEB6-7E988D31A3EC}"/>
-              </a:ext>
-            </a:extLst>
-          </p:cNvPr>
-          <p:cNvSpPr>
-            <a:spLocks noGrp="1"/>
-          </p:cNvSpPr>
-          <p:nvPr>
-            <p:ph sz="half" idx="2"/>
-          </p:nvPr>
-        </p:nvSpPr>
-        <p:spPr/>
-        <p:txBody>
-          <a:bodyPr/>
-          <a:lstStyle/>
-          <a:p>
-            <a:pPr marL="0" lvl="0" indent="0">
-              <a:spcBef>
-                <a:spcPts val="3000"/>
-              </a:spcBef>
-              <a:buNone/>
-            </a:pPr>
-            <a:r>
-              <a:rPr b="1"/>
-              <a:t>Flujo de Trabajo Repositorio de Arquitectura SUI Migrado, PGN</a:t>
-            </a:r>
-          </a:p>
-          <a:p>
-            <a:pPr marL="0" lvl="0" indent="0">
-              <a:buNone/>
-            </a:pPr>
-            <a:r>
-              <a:t>El repositorio de arquitectura es parte de los entregables del Proyecto.</a:t>
-            </a:r>
-          </a:p>
-          <a:p>
-            <a:pPr marL="0" lvl="0" indent="0">
-              <a:buNone/>
-            </a:pPr>
-            <a:r>
-              <a:t>Partes del repositorio de arquitectura</a:t>
-            </a:r>
-          </a:p>
-          <a:p>
-            <a:pPr marL="457200" lvl="0" indent="-457200">
-              <a:buAutoNum type="arabicPeriod"/>
-            </a:pPr>
-            <a:r>
-              <a:t>Bitácora de decisiones de arquitectura</a:t>
-            </a:r>
-          </a:p>
-          <a:p>
-            <a:pPr marL="457200" lvl="0" indent="-457200">
-              <a:buAutoNum type="arabicPeriod"/>
-            </a:pPr>
-            <a:r>
-              <a:t>El depósito de modelos y descripciones de los ítems de arquitectura</a:t>
-            </a:r>
-          </a:p>
-          <a:p>
-            <a:pPr marL="457200" lvl="0" indent="-457200">
-              <a:buAutoNum type="arabicPeriod"/>
-            </a:pPr>
-            <a:r>
-              <a:t>Los anexos de análisis de riesgos e impactos relacionados con los los ítems de arquitectura</a:t>
-            </a:r>
-          </a:p>
-        </p:txBody>
-      </p:sp>
-    </p:spTree>
-  </p:cSld>
-  <p:clrMapOvr>
-    <a:masterClrMapping/>
-  </p:clrMapOvr>
-</p:sld>
-</file>
-
-<file path=ppt/slides/slide18.xml><?xml version="1.0" encoding="utf-8"?>
-<p:sld xmlns:a="http://schemas.openxmlformats.org/drawingml/2006/main" xmlns:r="http://schemas.openxmlformats.org/officeDocument/2006/relationships" xmlns:p="http://schemas.openxmlformats.org/presentationml/2006/main">
-  <p:cSld>
-    <p:spTree>
-      <p:nvGrpSpPr>
-        <p:cNvPr id="1" name=""/>
-        <p:cNvGrpSpPr/>
-        <p:nvPr/>
-      </p:nvGrpSpPr>
-      <p:grpSpPr>
-        <a:xfrm>
-          <a:off x="0" y="0"/>
-          <a:ext cx="0" cy="0"/>
-          <a:chOff x="0" y="0"/>
-          <a:chExt cx="0" cy="0"/>
-        </a:xfrm>
-      </p:grpSpPr>
-      <p:sp>
-        <p:nvSpPr>
-          <p:cNvPr id="2" name="Title 1">
-            <a:extLst>
-              <a:ext uri="{FF2B5EF4-FFF2-40B4-BE49-F238E27FC236}">
-                <a16:creationId xmlns:a16="http://schemas.microsoft.com/office/drawing/2014/main" id="{28FF95C8-FAC5-C096-F0F7-9235C6BAA4D3}"/>
-              </a:ext>
-            </a:extLst>
-          </p:cNvPr>
-          <p:cNvSpPr>
-            <a:spLocks noGrp="1"/>
-          </p:cNvSpPr>
-          <p:nvPr>
-            <p:ph type="title"/>
-          </p:nvPr>
-        </p:nvSpPr>
-        <p:spPr/>
-        <p:txBody>
-          <a:bodyPr/>
-          <a:lstStyle/>
-          <a:p>
-            <a:pPr marL="0" lvl="0" indent="0">
-              <a:buNone/>
-            </a:pPr>
-            <a:r>
-              <a:t>Entregables de Arquitectura de Software</a:t>
-            </a:r>
-          </a:p>
-        </p:txBody>
-      </p:sp>
-      <p:sp>
-        <p:nvSpPr>
-          <p:cNvPr id="3" name="Content Placeholder 2">
-            <a:extLst>
-              <a:ext uri="{FF2B5EF4-FFF2-40B4-BE49-F238E27FC236}">
-                <a16:creationId xmlns:a16="http://schemas.microsoft.com/office/drawing/2014/main" id="{CEB6827E-2FAC-935D-C318-C00D054BA2DC}"/>
-              </a:ext>
-            </a:extLst>
-          </p:cNvPr>
-          <p:cNvSpPr>
-            <a:spLocks noGrp="1"/>
-          </p:cNvSpPr>
-          <p:nvPr>
-            <p:ph idx="1"/>
-          </p:nvPr>
-        </p:nvSpPr>
-        <p:spPr/>
-        <p:txBody>
-          <a:bodyPr/>
-          <a:lstStyle/>
-          <a:p>
-            <a:pPr lvl="0"/>
-            <a:r>
-              <a:rPr lang="en-US"/>
-              <a:t>Observaciones</a:t>
-            </a:r>
-            <a:endParaRPr/>
-          </a:p>
-        </p:txBody>
-      </p:sp>
-    </p:spTree>
-    <p:extLst>
-      <p:ext uri="{BB962C8B-B14F-4D97-AF65-F5344CB8AC3E}">
-        <p14:creationId xmlns:p14="http://schemas.microsoft.com/office/powerpoint/2010/main" val="2295553111"/>
-      </p:ext>
-    </p:extLst>
-  </p:cSld>
-  <p:clrMapOvr>
-    <a:masterClrMapping/>
-  </p:clrMapOvr>
 </p:sld>
 </file>
 
@@ -7361,11 +5949,12 @@
           <a:bodyPr/>
           <a:lstStyle/>
           <a:p>
-            <a:pPr marL="0" lvl="0" indent="0">
+            <a:pPr lvl="0" indent="0" marL="0">
               <a:buNone/>
             </a:pPr>
             <a:r>
-              <a:t>Entregables de Arquitectura de Software</a:t>
+              <a:rPr/>
+              <a:t>Entregables de Arquitectura de Información (Datos)</a:t>
             </a:r>
           </a:p>
         </p:txBody>
@@ -7393,74 +5982,49 @@
           <a:p>
             <a:pPr lvl="0"/>
             <a:r>
-              <a:t>Diagrama de Arquitectura de la Solución Propuesta: vista de integración</a:t>
+              <a:rPr/>
+              <a:t>Diagrama Modelo de Datos Conceptual</a:t>
             </a:r>
           </a:p>
           <a:p>
             <a:pPr lvl="0"/>
             <a:r>
-              <a:t>Diagrama de Arquitectura de la solución propuesta: vista física</a:t>
+              <a:rPr/>
+              <a:t>Diagrama Modelo de Datos Físico (diagramas entidad-relación)</a:t>
             </a:r>
           </a:p>
           <a:p>
             <a:pPr lvl="0"/>
             <a:r>
-              <a:t>Diagrama de Arquitectura de la Solución Propuesta: motivadores del negocio</a:t>
+              <a:rPr/>
+              <a:t>Diagrama Modelo de Datos Lógico</a:t>
             </a:r>
           </a:p>
           <a:p>
             <a:pPr lvl="0"/>
             <a:r>
-              <a:t>Diagrama de Arquitectura de la Solución Propuesta: interoperabilidad</a:t>
+              <a:rPr/>
+              <a:t>Documento Diccionarios de Datos</a:t>
             </a:r>
           </a:p>
           <a:p>
             <a:pPr lvl="0"/>
             <a:r>
-              <a:t>Diagrama de Arquitectura de la Solución Propuesta: gestión de autenticación, usuarios y roles</a:t>
+              <a:rPr/>
+              <a:t>Mapa de Información (flujos de información)</a:t>
             </a:r>
           </a:p>
           <a:p>
             <a:pPr lvl="0"/>
             <a:r>
-              <a:t>Diagrama de Clases y Componentes de Solución</a:t>
-            </a:r>
-          </a:p>
-          <a:p>
-            <a:pPr lvl="0"/>
-            <a:r>
-              <a:t>Diagrama de Arquitectura de Integración Continua, DevOps y Despliegues de Capas</a:t>
-            </a:r>
-          </a:p>
-          <a:p>
-            <a:pPr lvl="0"/>
-            <a:r>
-              <a:t>Documento de Relación de Tecnologías y Licenciamiento</a:t>
-            </a:r>
-            <a:endParaRPr lang="en-US"/>
-          </a:p>
-          <a:p>
-            <a:pPr lvl="0"/>
-            <a:r>
-              <a:rPr lang="en-US"/>
-              <a:t>Observaciones</a:t>
-            </a:r>
-          </a:p>
-          <a:p>
-            <a:pPr lvl="0"/>
-            <a:r>
-              <a:rPr lang="en-US"/>
-              <a:t>Cierre Sesión no. 1</a:t>
-            </a:r>
-            <a:endParaRPr/>
+              <a:rPr/>
+              <a:t>Modelo Ontológico</a:t>
+            </a:r>
           </a:p>
         </p:txBody>
       </p:sp>
     </p:spTree>
   </p:cSld>
-  <p:clrMapOvr>
-    <a:masterClrMapping/>
-  </p:clrMapOvr>
 </p:sld>
 </file>
 
@@ -7502,18 +6066,19 @@
           <a:bodyPr/>
           <a:lstStyle/>
           <a:p>
-            <a:pPr marL="0" lvl="0" indent="0">
+            <a:pPr lvl="0" indent="0" marL="0">
               <a:buNone/>
             </a:pPr>
             <a:r>
-              <a:t>Línea Base SUI PGN</a:t>
+              <a:rPr/>
+              <a:t>Diagrama Modelo de Datos Conceptual</a:t>
             </a:r>
           </a:p>
         </p:txBody>
       </p:sp>
       <p:pic>
         <p:nvPicPr>
-          <p:cNvPr id="3" name="Picture 1" descr="images/Lineabase.0.SUIAplicación.png"/>
+          <p:cNvPr descr="fig:  images/Migracion.2a.a1.DatosInformación.png" id="0" name="Picture 1"/>
           <p:cNvPicPr>
             <a:picLocks noGrp="1" noChangeAspect="1"/>
           </p:cNvPicPr>
@@ -7527,8 +6092,8 @@
         </p:blipFill>
         <p:spPr bwMode="auto">
           <a:xfrm>
-            <a:off x="838200" y="2730500"/>
-            <a:ext cx="5181600" cy="1993900"/>
+            <a:off x="838200" y="2336800"/>
+            <a:ext cx="5181600" cy="2781300"/>
           </a:xfrm>
           <a:prstGeom prst="rect">
             <a:avLst/>
@@ -7543,7 +6108,7 @@
       </p:pic>
       <p:sp>
         <p:nvSpPr>
-          <p:cNvPr id="5" name="TextBox 3"/>
+          <p:cNvPr id="1" name="TextBox 3"/>
           <p:cNvSpPr txBox="1"/>
           <p:nvPr/>
         </p:nvSpPr>
@@ -7561,11 +6126,12 @@
           <a:bodyPr/>
           <a:lstStyle/>
           <a:p>
-            <a:pPr marL="0" lvl="0" indent="0" algn="ctr">
+            <a:pPr lvl="0" indent="0" marL="0" algn="ctr">
               <a:buNone/>
             </a:pPr>
             <a:r>
-              <a:t>Vista. Lineabase.0.SUI Aplicación</a:t>
+              <a:rPr/>
+              <a:t>Vista. Migracion.2a.a1.Datos Información</a:t>
             </a:r>
           </a:p>
         </p:txBody>
@@ -7583,7 +6149,7 @@
             <a:spLocks noGrp="1"/>
           </p:cNvSpPr>
           <p:nvPr>
-            <p:ph sz="half" idx="2"/>
+            <p:ph idx="2" sz="half"/>
           </p:nvPr>
         </p:nvSpPr>
         <p:spPr/>
@@ -7591,7 +6157,7 @@
           <a:bodyPr/>
           <a:lstStyle/>
           <a:p>
-            <a:pPr marL="0" lvl="0" indent="0">
+            <a:pPr lvl="0" indent="0" marL="0">
               <a:spcBef>
                 <a:spcPts val="3000"/>
               </a:spcBef>
@@ -7599,48 +6165,73 @@
             </a:pPr>
             <a:r>
               <a:rPr b="1"/>
-              <a:t>Representación de Arquitectura</a:t>
-            </a:r>
-          </a:p>
-          <a:p>
-            <a:pPr marL="0" lvl="0" indent="0">
+              <a:t>Migracion.2a.a1.Datos Información</a:t>
+            </a:r>
+          </a:p>
+          <a:p>
+            <a:pPr lvl="0" indent="0" marL="0">
               <a:buNone/>
             </a:pPr>
             <a:r>
-              <a:t>Con una arquitectura orientada a servicios SUI recopila:</a:t>
-            </a:r>
-          </a:p>
-          <a:p>
-            <a:pPr marL="457200" lvl="0" indent="-457200">
-              <a:buAutoNum type="arabicPeriod"/>
+              <a:rPr/>
+              <a:t>Modelo de información. Organización y jerarquía de los grupos de datos (dominios) del SUI Migrado, 2023.</a:t>
+            </a:r>
+          </a:p>
+          <a:p>
+            <a:pPr lvl="0" indent="0" marL="0">
+              <a:buNone/>
             </a:pPr>
             <a:r>
-              <a:t>Runtime: Es el servicio que interactúa con el usuario final (GUI) elaborado en Angular 11</a:t>
-            </a:r>
-          </a:p>
-          <a:p>
-            <a:pPr marL="457200" lvl="0" indent="-457200">
-              <a:buAutoNum type="arabicPeriod"/>
-            </a:pPr>
-            <a:r>
-              <a:t>API Tx: Servicio api rest base node encargado de realizar las transacciones básicas CRUD</a:t>
-            </a:r>
-          </a:p>
-          <a:p>
-            <a:pPr marL="457200" lvl="0" indent="-457200">
-              <a:buAutoNum type="arabicPeriod"/>
-            </a:pPr>
-            <a:r>
-              <a:t>API Config / Seguridad. Servicio Web API .Net Framework encargado de gestionar características con la autenticación y configuración</a:t>
+              <a:rPr/>
+              <a:t>Dominios Principales de Información SUI Migrado</a:t>
+            </a:r>
+          </a:p>
+          <a:p>
+            <a:pPr lvl="0"/>
+            <a:r>
+              <a:rPr/>
+              <a:t>Dominio común: SIM</a:t>
+            </a:r>
+          </a:p>
+          <a:p>
+            <a:pPr lvl="0"/>
+            <a:r>
+              <a:rPr/>
+              <a:t>Dominios individuales</a:t>
+            </a:r>
+          </a:p>
+          <a:p>
+            <a:pPr lvl="1"/>
+            <a:r>
+              <a:rPr/>
+              <a:t>Hominis: Planta de personal, Hojas de vida, Seguimiento de desempeño, Carrera administrativa</a:t>
+            </a:r>
+          </a:p>
+          <a:p>
+            <a:pPr lvl="1"/>
+            <a:r>
+              <a:rPr/>
+              <a:t>Conjunto de datos Relatoría</a:t>
+            </a:r>
+          </a:p>
+          <a:p>
+            <a:pPr lvl="1"/>
+            <a:r>
+              <a:rPr/>
+              <a:t>Control Interno</a:t>
+            </a:r>
+          </a:p>
+          <a:p>
+            <a:pPr lvl="1"/>
+            <a:r>
+              <a:rPr/>
+              <a:t>Conciliación Administrativa</a:t>
             </a:r>
           </a:p>
         </p:txBody>
       </p:sp>
     </p:spTree>
   </p:cSld>
-  <p:clrMapOvr>
-    <a:masterClrMapping/>
-  </p:clrMapOvr>
 </p:sld>
 </file>
 
@@ -7682,18 +6273,19 @@
           <a:bodyPr/>
           <a:lstStyle/>
           <a:p>
-            <a:pPr marL="0" lvl="0" indent="0">
+            <a:pPr lvl="0" indent="0" marL="0">
               <a:buNone/>
             </a:pPr>
             <a:r>
-              <a:t>Línea Base Portal PGN</a:t>
+              <a:rPr/>
+              <a:t>Diagrama Modelo de Datos Físico (diagramas entidad-relación)</a:t>
             </a:r>
           </a:p>
         </p:txBody>
       </p:sp>
       <p:pic>
         <p:nvPicPr>
-          <p:cNvPr id="3" name="Picture 1" descr="fig:  images/Linebase.2.Portal.png"/>
+          <p:cNvPr descr="fig:  images/ER-SIU.png" id="0" name="Picture 1"/>
           <p:cNvPicPr>
             <a:picLocks noGrp="1" noChangeAspect="1"/>
           </p:cNvPicPr>
@@ -7707,8 +6299,8 @@
         </p:blipFill>
         <p:spPr bwMode="auto">
           <a:xfrm>
-            <a:off x="838200" y="3225800"/>
-            <a:ext cx="5181600" cy="1003300"/>
+            <a:off x="1130300" y="1816100"/>
+            <a:ext cx="4597400" cy="3835400"/>
           </a:xfrm>
           <a:prstGeom prst="rect">
             <a:avLst/>
@@ -7723,7 +6315,7 @@
       </p:pic>
       <p:sp>
         <p:nvSpPr>
-          <p:cNvPr id="5" name="TextBox 3"/>
+          <p:cNvPr id="1" name="TextBox 3"/>
           <p:cNvSpPr txBox="1"/>
           <p:nvPr/>
         </p:nvSpPr>
@@ -7741,11 +6333,12 @@
           <a:bodyPr/>
           <a:lstStyle/>
           <a:p>
-            <a:pPr marL="0" lvl="0" indent="0" algn="ctr">
+            <a:pPr lvl="0" indent="0" marL="0" algn="ctr">
               <a:buNone/>
             </a:pPr>
             <a:r>
-              <a:t>Vista. Linebase.2.Portal</a:t>
+              <a:rPr/>
+              <a:t>Vista. Migracion.2a.a3. Datos Modelo Físico</a:t>
             </a:r>
           </a:p>
         </p:txBody>
@@ -7763,7 +6356,7 @@
             <a:spLocks noGrp="1"/>
           </p:cNvSpPr>
           <p:nvPr>
-            <p:ph sz="half" idx="2"/>
+            <p:ph idx="2" sz="half"/>
           </p:nvPr>
         </p:nvSpPr>
         <p:spPr/>
@@ -7771,7 +6364,7 @@
           <a:bodyPr/>
           <a:lstStyle/>
           <a:p>
-            <a:pPr marL="0" lvl="0" indent="0">
+            <a:pPr lvl="0" indent="0" marL="0">
               <a:spcBef>
                 <a:spcPts val="3000"/>
               </a:spcBef>
@@ -7779,42 +6372,31 @@
             </a:pPr>
             <a:r>
               <a:rPr b="1"/>
-              <a:t>Representación de Arquitectura</a:t>
-            </a:r>
-          </a:p>
-          <a:p>
-            <a:pPr marL="0" lvl="0" indent="0">
+              <a:t>Migracion.2a.a3. Datos Modelo Físico</a:t>
+            </a:r>
+          </a:p>
+          <a:p>
+            <a:pPr lvl="0" indent="0" marL="0">
               <a:buNone/>
             </a:pPr>
             <a:r>
-              <a:t>El portal es el conjunto de los elementos físicos y lógicos necesarios para la implementación de la granja de servidores de SharePoint Server 2019 para el portal de la Procuraduria.</a:t>
-            </a:r>
-          </a:p>
-          <a:p>
-            <a:pPr lvl="0"/>
-            <a:r>
-              <a:t>Servidores Web Front End</a:t>
-            </a:r>
-          </a:p>
-          <a:p>
-            <a:pPr lvl="0"/>
-            <a:r>
-              <a:t>Servidores de Aplicaciones</a:t>
-            </a:r>
-          </a:p>
-          <a:p>
-            <a:pPr lvl="0"/>
-            <a:r>
-              <a:t>Servidores de SQL Server</a:t>
+              <a:rPr/>
+              <a:t>Los modelos físicos representados en diagramas entidad - relación (ER) de los módulos SUI Migrado, como Hominis, Control Interno, Relatoría, SIRI, serán entregados como documentos aparte, anexos al documento actual en formato reproducible.</a:t>
+            </a:r>
+          </a:p>
+          <a:p>
+            <a:pPr lvl="0" indent="0" marL="0">
+              <a:buNone/>
+            </a:pPr>
+            <a:r>
+              <a:rPr/>
+              <a:t>El formato reproducible en el que entregamos el modelo físico mediante la herramienta libre Draw.io.</a:t>
             </a:r>
           </a:p>
         </p:txBody>
       </p:sp>
     </p:spTree>
   </p:cSld>
-  <p:clrMapOvr>
-    <a:masterClrMapping/>
-  </p:clrMapOvr>
 </p:sld>
 </file>
 
@@ -7856,18 +6438,19 @@
           <a:bodyPr/>
           <a:lstStyle/>
           <a:p>
-            <a:pPr marL="0" lvl="0" indent="0">
+            <a:pPr lvl="0" indent="0" marL="0">
               <a:buNone/>
             </a:pPr>
             <a:r>
-              <a:t>Diagrama de Arquitectura de la Solución Propuesta</a:t>
+              <a:rPr/>
+              <a:t>Diagrama Modelo de Datos Lógico</a:t>
             </a:r>
           </a:p>
         </p:txBody>
       </p:sp>
       <p:pic>
         <p:nvPicPr>
-          <p:cNvPr id="3" name="Picture 1" descr="fig:  images/Migracion.1a.b.SIUContextoMódulos.png"/>
+          <p:cNvPr descr="fig:  images/Migracion.2c1.DatosSIM.png" id="0" name="Picture 1"/>
           <p:cNvPicPr>
             <a:picLocks noGrp="1" noChangeAspect="1"/>
           </p:cNvPicPr>
@@ -7881,8 +6464,8 @@
         </p:blipFill>
         <p:spPr bwMode="auto">
           <a:xfrm>
-            <a:off x="1879600" y="1816100"/>
-            <a:ext cx="3086100" cy="3835400"/>
+            <a:off x="1714500" y="1816100"/>
+            <a:ext cx="3429000" cy="3835400"/>
           </a:xfrm>
           <a:prstGeom prst="rect">
             <a:avLst/>
@@ -7897,7 +6480,7 @@
       </p:pic>
       <p:sp>
         <p:nvSpPr>
-          <p:cNvPr id="5" name="TextBox 3"/>
+          <p:cNvPr id="1" name="TextBox 3"/>
           <p:cNvSpPr txBox="1"/>
           <p:nvPr/>
         </p:nvSpPr>
@@ -7915,11 +6498,12 @@
           <a:bodyPr/>
           <a:lstStyle/>
           <a:p>
-            <a:pPr marL="0" lvl="0" indent="0" algn="ctr">
+            <a:pPr lvl="0" indent="0" marL="0" algn="ctr">
               <a:buNone/>
             </a:pPr>
             <a:r>
-              <a:t>Vista. Migracion.1a.b.SUI Contexto Módulos</a:t>
+              <a:rPr/>
+              <a:t>Vista. Migracion.2c1. Datos SIM</a:t>
             </a:r>
           </a:p>
         </p:txBody>
@@ -7937,7 +6521,7 @@
             <a:spLocks noGrp="1"/>
           </p:cNvSpPr>
           <p:nvPr>
-            <p:ph sz="half" idx="2"/>
+            <p:ph idx="2" sz="half"/>
           </p:nvPr>
         </p:nvSpPr>
         <p:spPr/>
@@ -7945,7 +6529,7 @@
           <a:bodyPr/>
           <a:lstStyle/>
           <a:p>
-            <a:pPr marL="0" lvl="0" indent="0">
+            <a:pPr lvl="0" indent="0" marL="0">
               <a:spcBef>
                 <a:spcPts val="3000"/>
               </a:spcBef>
@@ -7953,24 +6537,31 @@
             </a:pPr>
             <a:r>
               <a:rPr b="1"/>
-              <a:t>Vista de Integración</a:t>
-            </a:r>
-          </a:p>
-          <a:p>
-            <a:pPr marL="0" lvl="0" indent="0">
+              <a:t>Migracion.2c1. Datos SIM</a:t>
+            </a:r>
+          </a:p>
+          <a:p>
+            <a:pPr lvl="0" indent="0" marL="0">
               <a:buNone/>
             </a:pPr>
             <a:r>
-              <a:t>La vista presenta en contexto a los módulos SUI migrados e indica los modos de comunicación, sincrónica/asincrónica, que utilizan.</a:t>
+              <a:rPr/>
+              <a:t>Identificación de entidades de datos de negocio relacionadas a los módulos SUI Migrado.</a:t>
+            </a:r>
+          </a:p>
+          <a:p>
+            <a:pPr lvl="0" indent="0" marL="0">
+              <a:buNone/>
+            </a:pPr>
+            <a:r>
+              <a:rPr/>
+              <a:t>Las entidades de negocio son tipos de datos internos del SUI consideradas para el manejo del ciclo de vida de los datos.</a:t>
             </a:r>
           </a:p>
         </p:txBody>
       </p:sp>
     </p:spTree>
   </p:cSld>
-  <p:clrMapOvr>
-    <a:masterClrMapping/>
-  </p:clrMapOvr>
 </p:sld>
 </file>
 
@@ -7996,7 +6587,7 @@
           <p:cNvPr id="2" name="Title 1">
             <a:extLst>
               <a:ext uri="{FF2B5EF4-FFF2-40B4-BE49-F238E27FC236}">
-                <a16:creationId xmlns:a16="http://schemas.microsoft.com/office/drawing/2014/main" id="{031ABDF3-40B0-9FFD-785D-6EE24EA30E17}"/>
+                <a16:creationId xmlns:a16="http://schemas.microsoft.com/office/drawing/2014/main" id="{28FF95C8-FAC5-C096-F0F7-9235C6BAA4D3}"/>
               </a:ext>
             </a:extLst>
           </p:cNvPr>
@@ -8012,607 +6603,54 @@
           <a:bodyPr/>
           <a:lstStyle/>
           <a:p>
-            <a:pPr marL="0" lvl="0" indent="0">
+            <a:pPr lvl="0" indent="0" marL="0">
               <a:buNone/>
             </a:pPr>
             <a:r>
-              <a:t>Diagrama de Arquitectura de la Solución Propuesta</a:t>
-            </a:r>
-          </a:p>
-        </p:txBody>
-      </p:sp>
-      <p:pic>
-        <p:nvPicPr>
-          <p:cNvPr id="3" name="Picture 1" descr="fig:  images/Lineabase.0.SIUAplicación.Física.png"/>
-          <p:cNvPicPr>
-            <a:picLocks noGrp="1" noChangeAspect="1"/>
-          </p:cNvPicPr>
-          <p:nvPr/>
-        </p:nvPicPr>
-        <p:blipFill>
-          <a:blip r:embed="rId2"/>
-          <a:stretch>
-            <a:fillRect/>
-          </a:stretch>
-        </p:blipFill>
-        <p:spPr bwMode="auto">
-          <a:xfrm>
-            <a:off x="838200" y="2032000"/>
-            <a:ext cx="5181600" cy="3403600"/>
-          </a:xfrm>
-          <a:prstGeom prst="rect">
-            <a:avLst/>
-          </a:prstGeom>
-          <a:noFill/>
-          <a:ln w="9525">
-            <a:noFill/>
-            <a:headEnd/>
-            <a:tailEnd/>
-          </a:ln>
-        </p:spPr>
-      </p:pic>
-      <p:sp>
-        <p:nvSpPr>
-          <p:cNvPr id="5" name="TextBox 3"/>
-          <p:cNvSpPr txBox="1"/>
-          <p:nvPr/>
-        </p:nvSpPr>
-        <p:spPr>
-          <a:xfrm>
-            <a:off x="838200" y="5651500"/>
-            <a:ext cx="5181600" cy="508000"/>
-          </a:xfrm>
-          <a:prstGeom prst="rect">
-            <a:avLst/>
-          </a:prstGeom>
-          <a:noFill/>
-        </p:spPr>
+              <a:rPr/>
+              <a:t>Entregables de Arquitectura de Infraestructura (Datos)</a:t>
+            </a:r>
+          </a:p>
+        </p:txBody>
+      </p:sp>
+      <p:sp>
+        <p:nvSpPr>
+          <p:cNvPr id="3" name="Content Placeholder 2">
+            <a:extLst>
+              <a:ext uri="{FF2B5EF4-FFF2-40B4-BE49-F238E27FC236}">
+                <a16:creationId xmlns:a16="http://schemas.microsoft.com/office/drawing/2014/main" id="{CEB6827E-2FAC-935D-C318-C00D054BA2DC}"/>
+              </a:ext>
+            </a:extLst>
+          </p:cNvPr>
+          <p:cNvSpPr>
+            <a:spLocks noGrp="1"/>
+          </p:cNvSpPr>
+          <p:nvPr>
+            <p:ph idx="1"/>
+          </p:nvPr>
+        </p:nvSpPr>
+        <p:spPr/>
         <p:txBody>
           <a:bodyPr/>
           <a:lstStyle/>
           <a:p>
-            <a:pPr marL="0" lvl="0" indent="0" algn="ctr">
-              <a:buNone/>
-            </a:pPr>
-            <a:r>
-              <a:t>Vista. Lineabase.0.SUI Aplicación. Física</a:t>
-            </a:r>
-          </a:p>
-        </p:txBody>
-      </p:sp>
-      <p:sp>
-        <p:nvSpPr>
-          <p:cNvPr id="4" name="Content Placeholder 3">
-            <a:extLst>
-              <a:ext uri="{FF2B5EF4-FFF2-40B4-BE49-F238E27FC236}">
-                <a16:creationId xmlns:a16="http://schemas.microsoft.com/office/drawing/2014/main" id="{C261DBA9-0B0C-4FAA-DEB6-7E988D31A3EC}"/>
-              </a:ext>
-            </a:extLst>
-          </p:cNvPr>
-          <p:cNvSpPr>
-            <a:spLocks noGrp="1"/>
-          </p:cNvSpPr>
-          <p:nvPr>
-            <p:ph sz="half" idx="2"/>
-          </p:nvPr>
-        </p:nvSpPr>
-        <p:spPr/>
-        <p:txBody>
-          <a:bodyPr/>
-          <a:lstStyle/>
-          <a:p>
-            <a:pPr marL="0" lvl="0" indent="0">
-              <a:spcBef>
-                <a:spcPts val="3000"/>
-              </a:spcBef>
-              <a:buNone/>
-            </a:pPr>
-            <a:r>
-              <a:rPr b="1"/>
-              <a:t>Vista Física</a:t>
-            </a:r>
-          </a:p>
-          <a:p>
-            <a:pPr marL="0" lvl="0" indent="0">
-              <a:buNone/>
-            </a:pPr>
-            <a:r>
-              <a:t>Elementos de infraestructura física (hardware) para la implementación Fase II (presente proyecto) del Sistema de Información Único, SUI de la PGN</a:t>
+            <a:pPr lvl="0"/>
+            <a:r>
+              <a:rPr/>
+              <a:t>Diagrama de Infraestructura de TI</a:t>
+            </a:r>
+          </a:p>
+          <a:p>
+            <a:pPr lvl="0"/>
+            <a:r>
+              <a:rPr/>
+              <a:t>Documento sobre especificaciones técnicas de infraestructura TI</a:t>
             </a:r>
           </a:p>
         </p:txBody>
       </p:sp>
     </p:spTree>
   </p:cSld>
-  <p:clrMapOvr>
-    <a:masterClrMapping/>
-  </p:clrMapOvr>
-</p:sld>
-</file>
-
-<file path=ppt/slides/slide7.xml><?xml version="1.0" encoding="utf-8"?>
-<p:sld xmlns:a="http://schemas.openxmlformats.org/drawingml/2006/main" xmlns:r="http://schemas.openxmlformats.org/officeDocument/2006/relationships" xmlns:p="http://schemas.openxmlformats.org/presentationml/2006/main">
-  <p:cSld>
-    <p:spTree>
-      <p:nvGrpSpPr>
-        <p:cNvPr id="1" name=""/>
-        <p:cNvGrpSpPr/>
-        <p:nvPr/>
-      </p:nvGrpSpPr>
-      <p:grpSpPr>
-        <a:xfrm>
-          <a:off x="0" y="0"/>
-          <a:ext cx="0" cy="0"/>
-          <a:chOff x="0" y="0"/>
-          <a:chExt cx="0" cy="0"/>
-        </a:xfrm>
-      </p:grpSpPr>
-      <p:sp>
-        <p:nvSpPr>
-          <p:cNvPr id="2" name="Title 1">
-            <a:extLst>
-              <a:ext uri="{FF2B5EF4-FFF2-40B4-BE49-F238E27FC236}">
-                <a16:creationId xmlns:a16="http://schemas.microsoft.com/office/drawing/2014/main" id="{031ABDF3-40B0-9FFD-785D-6EE24EA30E17}"/>
-              </a:ext>
-            </a:extLst>
-          </p:cNvPr>
-          <p:cNvSpPr>
-            <a:spLocks noGrp="1"/>
-          </p:cNvSpPr>
-          <p:nvPr>
-            <p:ph type="title"/>
-          </p:nvPr>
-        </p:nvSpPr>
-        <p:spPr/>
-        <p:txBody>
-          <a:bodyPr/>
-          <a:lstStyle/>
-          <a:p>
-            <a:pPr marL="0" lvl="0" indent="0">
-              <a:buNone/>
-            </a:pPr>
-            <a:r>
-              <a:t>Diagrama de Arquitectura de la Solución Propuesta</a:t>
-            </a:r>
-          </a:p>
-        </p:txBody>
-      </p:sp>
-      <p:pic>
-        <p:nvPicPr>
-          <p:cNvPr id="3" name="Picture 1" descr="fig:  images/Migracion.1a.a.SIUContextoMódulo.png"/>
-          <p:cNvPicPr>
-            <a:picLocks noGrp="1" noChangeAspect="1"/>
-          </p:cNvPicPr>
-          <p:nvPr/>
-        </p:nvPicPr>
-        <p:blipFill>
-          <a:blip r:embed="rId2"/>
-          <a:stretch>
-            <a:fillRect/>
-          </a:stretch>
-        </p:blipFill>
-        <p:spPr bwMode="auto">
-          <a:xfrm>
-            <a:off x="838200" y="2057400"/>
-            <a:ext cx="5181600" cy="3340100"/>
-          </a:xfrm>
-          <a:prstGeom prst="rect">
-            <a:avLst/>
-          </a:prstGeom>
-          <a:noFill/>
-          <a:ln w="9525">
-            <a:noFill/>
-            <a:headEnd/>
-            <a:tailEnd/>
-          </a:ln>
-        </p:spPr>
-      </p:pic>
-      <p:sp>
-        <p:nvSpPr>
-          <p:cNvPr id="5" name="TextBox 3"/>
-          <p:cNvSpPr txBox="1"/>
-          <p:nvPr/>
-        </p:nvSpPr>
-        <p:spPr>
-          <a:xfrm>
-            <a:off x="838200" y="5651500"/>
-            <a:ext cx="5181600" cy="508000"/>
-          </a:xfrm>
-          <a:prstGeom prst="rect">
-            <a:avLst/>
-          </a:prstGeom>
-          <a:noFill/>
-        </p:spPr>
-        <p:txBody>
-          <a:bodyPr/>
-          <a:lstStyle/>
-          <a:p>
-            <a:pPr marL="0" lvl="0" indent="0" algn="ctr">
-              <a:buNone/>
-            </a:pPr>
-            <a:r>
-              <a:t>Vista. Migracion.1a.a.SUI Contexto Módulo</a:t>
-            </a:r>
-          </a:p>
-        </p:txBody>
-      </p:sp>
-      <p:sp>
-        <p:nvSpPr>
-          <p:cNvPr id="4" name="Content Placeholder 3">
-            <a:extLst>
-              <a:ext uri="{FF2B5EF4-FFF2-40B4-BE49-F238E27FC236}">
-                <a16:creationId xmlns:a16="http://schemas.microsoft.com/office/drawing/2014/main" id="{C261DBA9-0B0C-4FAA-DEB6-7E988D31A3EC}"/>
-              </a:ext>
-            </a:extLst>
-          </p:cNvPr>
-          <p:cNvSpPr>
-            <a:spLocks noGrp="1"/>
-          </p:cNvSpPr>
-          <p:nvPr>
-            <p:ph sz="half" idx="2"/>
-          </p:nvPr>
-        </p:nvSpPr>
-        <p:spPr/>
-        <p:txBody>
-          <a:bodyPr/>
-          <a:lstStyle/>
-          <a:p>
-            <a:pPr marL="0" lvl="0" indent="0">
-              <a:spcBef>
-                <a:spcPts val="3000"/>
-              </a:spcBef>
-              <a:buNone/>
-            </a:pPr>
-            <a:r>
-              <a:rPr b="1"/>
-              <a:t>Motivadores de Negocio</a:t>
-            </a:r>
-          </a:p>
-          <a:p>
-            <a:pPr marL="0" lvl="0" indent="0">
-              <a:buNone/>
-            </a:pPr>
-            <a:r>
-              <a:t>Módulos y submódulos del Sistema Único de Información (SUI) de la PGN. Todos los sistemas de información del SUI separan a los componentes misionales de los utilitarios.</a:t>
-            </a:r>
-          </a:p>
-        </p:txBody>
-      </p:sp>
-    </p:spTree>
-  </p:cSld>
-  <p:clrMapOvr>
-    <a:masterClrMapping/>
-  </p:clrMapOvr>
-</p:sld>
-</file>
-
-<file path=ppt/slides/slide8.xml><?xml version="1.0" encoding="utf-8"?>
-<p:sld xmlns:a="http://schemas.openxmlformats.org/drawingml/2006/main" xmlns:r="http://schemas.openxmlformats.org/officeDocument/2006/relationships" xmlns:p="http://schemas.openxmlformats.org/presentationml/2006/main">
-  <p:cSld>
-    <p:spTree>
-      <p:nvGrpSpPr>
-        <p:cNvPr id="1" name=""/>
-        <p:cNvGrpSpPr/>
-        <p:nvPr/>
-      </p:nvGrpSpPr>
-      <p:grpSpPr>
-        <a:xfrm>
-          <a:off x="0" y="0"/>
-          <a:ext cx="0" cy="0"/>
-          <a:chOff x="0" y="0"/>
-          <a:chExt cx="0" cy="0"/>
-        </a:xfrm>
-      </p:grpSpPr>
-      <p:sp>
-        <p:nvSpPr>
-          <p:cNvPr id="2" name="Title 1">
-            <a:extLst>
-              <a:ext uri="{FF2B5EF4-FFF2-40B4-BE49-F238E27FC236}">
-                <a16:creationId xmlns:a16="http://schemas.microsoft.com/office/drawing/2014/main" id="{031ABDF3-40B0-9FFD-785D-6EE24EA30E17}"/>
-              </a:ext>
-            </a:extLst>
-          </p:cNvPr>
-          <p:cNvSpPr>
-            <a:spLocks noGrp="1"/>
-          </p:cNvSpPr>
-          <p:nvPr>
-            <p:ph type="title"/>
-          </p:nvPr>
-        </p:nvSpPr>
-        <p:spPr/>
-        <p:txBody>
-          <a:bodyPr/>
-          <a:lstStyle/>
-          <a:p>
-            <a:pPr marL="0" lvl="0" indent="0">
-              <a:buNone/>
-            </a:pPr>
-            <a:r>
-              <a:t>Diagrama de Arquitectura de la Solución Propuesta</a:t>
-            </a:r>
-          </a:p>
-        </p:txBody>
-      </p:sp>
-      <p:pic>
-        <p:nvPicPr>
-          <p:cNvPr id="3" name="Picture 1" descr="fig:  images/Migracion.1c.SIUMódulosColaboración.png"/>
-          <p:cNvPicPr>
-            <a:picLocks noGrp="1" noChangeAspect="1"/>
-          </p:cNvPicPr>
-          <p:nvPr/>
-        </p:nvPicPr>
-        <p:blipFill>
-          <a:blip r:embed="rId2"/>
-          <a:stretch>
-            <a:fillRect/>
-          </a:stretch>
-        </p:blipFill>
-        <p:spPr bwMode="auto">
-          <a:xfrm>
-            <a:off x="1092200" y="1816100"/>
-            <a:ext cx="4673600" cy="3835400"/>
-          </a:xfrm>
-          <a:prstGeom prst="rect">
-            <a:avLst/>
-          </a:prstGeom>
-          <a:noFill/>
-          <a:ln w="9525">
-            <a:noFill/>
-            <a:headEnd/>
-            <a:tailEnd/>
-          </a:ln>
-        </p:spPr>
-      </p:pic>
-      <p:sp>
-        <p:nvSpPr>
-          <p:cNvPr id="5" name="TextBox 3"/>
-          <p:cNvSpPr txBox="1"/>
-          <p:nvPr/>
-        </p:nvSpPr>
-        <p:spPr>
-          <a:xfrm>
-            <a:off x="838200" y="5651500"/>
-            <a:ext cx="5181600" cy="508000"/>
-          </a:xfrm>
-          <a:prstGeom prst="rect">
-            <a:avLst/>
-          </a:prstGeom>
-          <a:noFill/>
-        </p:spPr>
-        <p:txBody>
-          <a:bodyPr/>
-          <a:lstStyle/>
-          <a:p>
-            <a:pPr marL="0" lvl="0" indent="0" algn="ctr">
-              <a:buNone/>
-            </a:pPr>
-            <a:r>
-              <a:t>Vista. Migracion.1c.SUI Módulos Colaboración</a:t>
-            </a:r>
-          </a:p>
-        </p:txBody>
-      </p:sp>
-      <p:sp>
-        <p:nvSpPr>
-          <p:cNvPr id="4" name="Content Placeholder 3">
-            <a:extLst>
-              <a:ext uri="{FF2B5EF4-FFF2-40B4-BE49-F238E27FC236}">
-                <a16:creationId xmlns:a16="http://schemas.microsoft.com/office/drawing/2014/main" id="{C261DBA9-0B0C-4FAA-DEB6-7E988D31A3EC}"/>
-              </a:ext>
-            </a:extLst>
-          </p:cNvPr>
-          <p:cNvSpPr>
-            <a:spLocks noGrp="1"/>
-          </p:cNvSpPr>
-          <p:nvPr>
-            <p:ph sz="half" idx="2"/>
-          </p:nvPr>
-        </p:nvSpPr>
-        <p:spPr/>
-        <p:txBody>
-          <a:bodyPr/>
-          <a:lstStyle/>
-          <a:p>
-            <a:pPr marL="0" lvl="0" indent="0">
-              <a:spcBef>
-                <a:spcPts val="3000"/>
-              </a:spcBef>
-              <a:buNone/>
-            </a:pPr>
-            <a:r>
-              <a:rPr b="1"/>
-              <a:t>Interoperabilidad y Colaboración</a:t>
-            </a:r>
-          </a:p>
-          <a:p>
-            <a:pPr marL="0" lvl="0" indent="0">
-              <a:buNone/>
-            </a:pPr>
-            <a:r>
-              <a:t>Colaboración y comunicación de los componentes internos del SUI mediada por interfaces provistas por el grupo de componentes misionales, PGN SUI: mantener reducido y controlado el número de interfaces.</a:t>
-            </a:r>
-          </a:p>
-        </p:txBody>
-      </p:sp>
-    </p:spTree>
-  </p:cSld>
-  <p:clrMapOvr>
-    <a:masterClrMapping/>
-  </p:clrMapOvr>
-</p:sld>
-</file>
-
-<file path=ppt/slides/slide9.xml><?xml version="1.0" encoding="utf-8"?>
-<p:sld xmlns:a="http://schemas.openxmlformats.org/drawingml/2006/main" xmlns:r="http://schemas.openxmlformats.org/officeDocument/2006/relationships" xmlns:p="http://schemas.openxmlformats.org/presentationml/2006/main">
-  <p:cSld>
-    <p:spTree>
-      <p:nvGrpSpPr>
-        <p:cNvPr id="1" name=""/>
-        <p:cNvGrpSpPr/>
-        <p:nvPr/>
-      </p:nvGrpSpPr>
-      <p:grpSpPr>
-        <a:xfrm>
-          <a:off x="0" y="0"/>
-          <a:ext cx="0" cy="0"/>
-          <a:chOff x="0" y="0"/>
-          <a:chExt cx="0" cy="0"/>
-        </a:xfrm>
-      </p:grpSpPr>
-      <p:sp>
-        <p:nvSpPr>
-          <p:cNvPr id="2" name="Title 1">
-            <a:extLst>
-              <a:ext uri="{FF2B5EF4-FFF2-40B4-BE49-F238E27FC236}">
-                <a16:creationId xmlns:a16="http://schemas.microsoft.com/office/drawing/2014/main" id="{031ABDF3-40B0-9FFD-785D-6EE24EA30E17}"/>
-              </a:ext>
-            </a:extLst>
-          </p:cNvPr>
-          <p:cNvSpPr>
-            <a:spLocks noGrp="1"/>
-          </p:cNvSpPr>
-          <p:nvPr>
-            <p:ph type="title"/>
-          </p:nvPr>
-        </p:nvSpPr>
-        <p:spPr/>
-        <p:txBody>
-          <a:bodyPr/>
-          <a:lstStyle/>
-          <a:p>
-            <a:pPr marL="0" lvl="0" indent="0">
-              <a:buNone/>
-            </a:pPr>
-            <a:r>
-              <a:t>Diagrama de Arquitectura de la Solución Propuesta</a:t>
-            </a:r>
-          </a:p>
-        </p:txBody>
-      </p:sp>
-      <p:pic>
-        <p:nvPicPr>
-          <p:cNvPr id="3" name="Picture 1" descr="fig:  images/Seguridad.2.Lineabase.0.SIUAplicación.png"/>
-          <p:cNvPicPr>
-            <a:picLocks noGrp="1" noChangeAspect="1"/>
-          </p:cNvPicPr>
-          <p:nvPr/>
-        </p:nvPicPr>
-        <p:blipFill>
-          <a:blip r:embed="rId2"/>
-          <a:stretch>
-            <a:fillRect/>
-          </a:stretch>
-        </p:blipFill>
-        <p:spPr bwMode="auto">
-          <a:xfrm>
-            <a:off x="838200" y="1866900"/>
-            <a:ext cx="5181600" cy="3733800"/>
-          </a:xfrm>
-          <a:prstGeom prst="rect">
-            <a:avLst/>
-          </a:prstGeom>
-          <a:noFill/>
-          <a:ln w="9525">
-            <a:noFill/>
-            <a:headEnd/>
-            <a:tailEnd/>
-          </a:ln>
-        </p:spPr>
-      </p:pic>
-      <p:sp>
-        <p:nvSpPr>
-          <p:cNvPr id="5" name="TextBox 3"/>
-          <p:cNvSpPr txBox="1"/>
-          <p:nvPr/>
-        </p:nvSpPr>
-        <p:spPr>
-          <a:xfrm>
-            <a:off x="838200" y="5651500"/>
-            <a:ext cx="5181600" cy="508000"/>
-          </a:xfrm>
-          <a:prstGeom prst="rect">
-            <a:avLst/>
-          </a:prstGeom>
-          <a:noFill/>
-        </p:spPr>
-        <p:txBody>
-          <a:bodyPr/>
-          <a:lstStyle/>
-          <a:p>
-            <a:pPr marL="0" lvl="0" indent="0" algn="ctr">
-              <a:buNone/>
-            </a:pPr>
-            <a:r>
-              <a:t>Vista. Seguridad.2. Lineabase.0.SUI Aplicación</a:t>
-            </a:r>
-          </a:p>
-        </p:txBody>
-      </p:sp>
-      <p:sp>
-        <p:nvSpPr>
-          <p:cNvPr id="4" name="Content Placeholder 3">
-            <a:extLst>
-              <a:ext uri="{FF2B5EF4-FFF2-40B4-BE49-F238E27FC236}">
-                <a16:creationId xmlns:a16="http://schemas.microsoft.com/office/drawing/2014/main" id="{C261DBA9-0B0C-4FAA-DEB6-7E988D31A3EC}"/>
-              </a:ext>
-            </a:extLst>
-          </p:cNvPr>
-          <p:cNvSpPr>
-            <a:spLocks noGrp="1"/>
-          </p:cNvSpPr>
-          <p:nvPr>
-            <p:ph sz="half" idx="2"/>
-          </p:nvPr>
-        </p:nvSpPr>
-        <p:spPr/>
-        <p:txBody>
-          <a:bodyPr/>
-          <a:lstStyle/>
-          <a:p>
-            <a:pPr marL="0" lvl="0" indent="0">
-              <a:spcBef>
-                <a:spcPts val="3000"/>
-              </a:spcBef>
-              <a:buNone/>
-            </a:pPr>
-            <a:r>
-              <a:rPr b="1"/>
-              <a:t>Gestión de Autenticación Usuarios y Roles</a:t>
-            </a:r>
-          </a:p>
-          <a:p>
-            <a:pPr marL="0" lvl="0" indent="0">
-              <a:buNone/>
-            </a:pPr>
-            <a:r>
-              <a:t>Métodos de Seguridad del SUI Migrado</a:t>
-            </a:r>
-          </a:p>
-          <a:p>
-            <a:pPr lvl="0"/>
-            <a:r>
-              <a:t>Control de acceso y autorización basado en roles (RBAC)</a:t>
-            </a:r>
-          </a:p>
-          <a:p>
-            <a:pPr lvl="0"/>
-            <a:r>
-              <a:t>Gestión de identidades</a:t>
-            </a:r>
-          </a:p>
-          <a:p>
-            <a:pPr lvl="0"/>
-            <a:r>
-              <a:t>Aprovisionamiento de Cuentas</a:t>
-            </a:r>
-          </a:p>
-        </p:txBody>
-      </p:sp>
-    </p:spTree>
-  </p:cSld>
-  <p:clrMapOvr>
-    <a:masterClrMapping/>
-  </p:clrMapOvr>
 </p:sld>
 </file>
 
@@ -8909,4 +6947,265 @@
     </a:ext>
   </a:extLst>
 </a:theme>
+</file>
+
+<file path=ppt/theme/theme2.xml><?xml version="1.0" encoding="utf-8"?>
+<a:theme xmlns:a="http://schemas.openxmlformats.org/drawingml/2006/main" name="Office Theme">
+  <a:themeElements>
+    <a:clrScheme name="Office">
+      <a:dk1>
+        <a:sysClr val="windowText" lastClr="000000"/>
+      </a:dk1>
+      <a:lt1>
+        <a:sysClr val="window" lastClr="FFFFFF"/>
+      </a:lt1>
+      <a:dk2>
+        <a:srgbClr val="44546A"/>
+      </a:dk2>
+      <a:lt2>
+        <a:srgbClr val="E7E6E6"/>
+      </a:lt2>
+      <a:accent1>
+        <a:srgbClr val="5B9BD5"/>
+      </a:accent1>
+      <a:accent2>
+        <a:srgbClr val="ED7D31"/>
+      </a:accent2>
+      <a:accent3>
+        <a:srgbClr val="A5A5A5"/>
+      </a:accent3>
+      <a:accent4>
+        <a:srgbClr val="FFC000"/>
+      </a:accent4>
+      <a:accent5>
+        <a:srgbClr val="4472C4"/>
+      </a:accent5>
+      <a:accent6>
+        <a:srgbClr val="70AD47"/>
+      </a:accent6>
+      <a:hlink>
+        <a:srgbClr val="0563C1"/>
+      </a:hlink>
+      <a:folHlink>
+        <a:srgbClr val="954F72"/>
+      </a:folHlink>
+    </a:clrScheme>
+    <a:fontScheme name="Office">
+      <a:majorFont>
+        <a:latin typeface="Calibri Light" panose="020F0302020204030204"/>
+        <a:ea typeface=""/>
+        <a:cs typeface=""/>
+        <a:font script="Jpan" typeface="ＭＳ Ｐゴシック"/>
+        <a:font script="Hang" typeface="맑은 고딕"/>
+        <a:font script="Hans" typeface="宋体"/>
+        <a:font script="Hant" typeface="新細明體"/>
+        <a:font script="Arab" typeface="Times New Roman"/>
+        <a:font script="Hebr" typeface="Times New Roman"/>
+        <a:font script="Thai" typeface="Angsana New"/>
+        <a:font script="Ethi" typeface="Nyala"/>
+        <a:font script="Beng" typeface="Vrinda"/>
+        <a:font script="Gujr" typeface="Shruti"/>
+        <a:font script="Khmr" typeface="MoolBoran"/>
+        <a:font script="Knda" typeface="Tunga"/>
+        <a:font script="Guru" typeface="Raavi"/>
+        <a:font script="Cans" typeface="Euphemia"/>
+        <a:font script="Cher" typeface="Plantagenet Cherokee"/>
+        <a:font script="Yiii" typeface="Microsoft Yi Baiti"/>
+        <a:font script="Tibt" typeface="Microsoft Himalaya"/>
+        <a:font script="Thaa" typeface="MV Boli"/>
+        <a:font script="Deva" typeface="Mangal"/>
+        <a:font script="Telu" typeface="Gautami"/>
+        <a:font script="Taml" typeface="Latha"/>
+        <a:font script="Syrc" typeface="Estrangelo Edessa"/>
+        <a:font script="Orya" typeface="Kalinga"/>
+        <a:font script="Mlym" typeface="Kartika"/>
+        <a:font script="Laoo" typeface="DokChampa"/>
+        <a:font script="Sinh" typeface="Iskoola Pota"/>
+        <a:font script="Mong" typeface="Mongolian Baiti"/>
+        <a:font script="Viet" typeface="Times New Roman"/>
+        <a:font script="Uigh" typeface="Microsoft Uighur"/>
+        <a:font script="Geor" typeface="Sylfaen"/>
+      </a:majorFont>
+      <a:minorFont>
+        <a:latin typeface="Calibri" panose="020F0502020204030204"/>
+        <a:ea typeface=""/>
+        <a:cs typeface=""/>
+        <a:font script="Jpan" typeface="ＭＳ Ｐゴシック"/>
+        <a:font script="Hang" typeface="맑은 고딕"/>
+        <a:font script="Hans" typeface="宋体"/>
+        <a:font script="Hant" typeface="新細明體"/>
+        <a:font script="Arab" typeface="Arial"/>
+        <a:font script="Hebr" typeface="Arial"/>
+        <a:font script="Thai" typeface="Cordia New"/>
+        <a:font script="Ethi" typeface="Nyala"/>
+        <a:font script="Beng" typeface="Vrinda"/>
+        <a:font script="Gujr" typeface="Shruti"/>
+        <a:font script="Khmr" typeface="DaunPenh"/>
+        <a:font script="Knda" typeface="Tunga"/>
+        <a:font script="Guru" typeface="Raavi"/>
+        <a:font script="Cans" typeface="Euphemia"/>
+        <a:font script="Cher" typeface="Plantagenet Cherokee"/>
+        <a:font script="Yiii" typeface="Microsoft Yi Baiti"/>
+        <a:font script="Tibt" typeface="Microsoft Himalaya"/>
+        <a:font script="Thaa" typeface="MV Boli"/>
+        <a:font script="Deva" typeface="Mangal"/>
+        <a:font script="Telu" typeface="Gautami"/>
+        <a:font script="Taml" typeface="Latha"/>
+        <a:font script="Syrc" typeface="Estrangelo Edessa"/>
+        <a:font script="Orya" typeface="Kalinga"/>
+        <a:font script="Mlym" typeface="Kartika"/>
+        <a:font script="Laoo" typeface="DokChampa"/>
+        <a:font script="Sinh" typeface="Iskoola Pota"/>
+        <a:font script="Mong" typeface="Mongolian Baiti"/>
+        <a:font script="Viet" typeface="Arial"/>
+        <a:font script="Uigh" typeface="Microsoft Uighur"/>
+        <a:font script="Geor" typeface="Sylfaen"/>
+      </a:minorFont>
+    </a:fontScheme>
+    <a:fmtScheme name="Office">
+      <a:fillStyleLst>
+        <a:solidFill>
+          <a:schemeClr val="phClr"/>
+        </a:solidFill>
+        <a:gradFill rotWithShape="1">
+          <a:gsLst>
+            <a:gs pos="0">
+              <a:schemeClr val="phClr">
+                <a:lumMod val="110000"/>
+                <a:satMod val="105000"/>
+                <a:tint val="67000"/>
+              </a:schemeClr>
+            </a:gs>
+            <a:gs pos="50000">
+              <a:schemeClr val="phClr">
+                <a:lumMod val="105000"/>
+                <a:satMod val="103000"/>
+                <a:tint val="73000"/>
+              </a:schemeClr>
+            </a:gs>
+            <a:gs pos="100000">
+              <a:schemeClr val="phClr">
+                <a:lumMod val="105000"/>
+                <a:satMod val="109000"/>
+                <a:tint val="81000"/>
+              </a:schemeClr>
+            </a:gs>
+          </a:gsLst>
+          <a:lin ang="5400000" scaled="0"/>
+        </a:gradFill>
+        <a:gradFill rotWithShape="1">
+          <a:gsLst>
+            <a:gs pos="0">
+              <a:schemeClr val="phClr">
+                <a:satMod val="103000"/>
+                <a:lumMod val="102000"/>
+                <a:tint val="94000"/>
+              </a:schemeClr>
+            </a:gs>
+            <a:gs pos="50000">
+              <a:schemeClr val="phClr">
+                <a:satMod val="110000"/>
+                <a:lumMod val="100000"/>
+                <a:shade val="100000"/>
+              </a:schemeClr>
+            </a:gs>
+            <a:gs pos="100000">
+              <a:schemeClr val="phClr">
+                <a:lumMod val="99000"/>
+                <a:satMod val="120000"/>
+                <a:shade val="78000"/>
+              </a:schemeClr>
+            </a:gs>
+          </a:gsLst>
+          <a:lin ang="5400000" scaled="0"/>
+        </a:gradFill>
+      </a:fillStyleLst>
+      <a:lnStyleLst>
+        <a:ln w="6350" cap="flat" cmpd="sng" algn="ctr">
+          <a:solidFill>
+            <a:schemeClr val="phClr"/>
+          </a:solidFill>
+          <a:prstDash val="solid"/>
+          <a:miter lim="800000"/>
+        </a:ln>
+        <a:ln w="12700" cap="flat" cmpd="sng" algn="ctr">
+          <a:solidFill>
+            <a:schemeClr val="phClr"/>
+          </a:solidFill>
+          <a:prstDash val="solid"/>
+          <a:miter lim="800000"/>
+        </a:ln>
+        <a:ln w="19050" cap="flat" cmpd="sng" algn="ctr">
+          <a:solidFill>
+            <a:schemeClr val="phClr"/>
+          </a:solidFill>
+          <a:prstDash val="solid"/>
+          <a:miter lim="800000"/>
+        </a:ln>
+      </a:lnStyleLst>
+      <a:effectStyleLst>
+        <a:effectStyle>
+          <a:effectLst/>
+        </a:effectStyle>
+        <a:effectStyle>
+          <a:effectLst/>
+        </a:effectStyle>
+        <a:effectStyle>
+          <a:effectLst>
+            <a:outerShdw blurRad="57150" dist="19050" dir="5400000" algn="ctr" rotWithShape="0">
+              <a:srgbClr val="000000">
+                <a:alpha val="63000"/>
+              </a:srgbClr>
+            </a:outerShdw>
+          </a:effectLst>
+        </a:effectStyle>
+      </a:effectStyleLst>
+      <a:bgFillStyleLst>
+        <a:solidFill>
+          <a:schemeClr val="phClr"/>
+        </a:solidFill>
+        <a:solidFill>
+          <a:schemeClr val="phClr">
+            <a:tint val="95000"/>
+            <a:satMod val="170000"/>
+          </a:schemeClr>
+        </a:solidFill>
+        <a:gradFill rotWithShape="1">
+          <a:gsLst>
+            <a:gs pos="0">
+              <a:schemeClr val="phClr">
+                <a:tint val="93000"/>
+                <a:satMod val="150000"/>
+                <a:shade val="98000"/>
+                <a:lumMod val="102000"/>
+              </a:schemeClr>
+            </a:gs>
+            <a:gs pos="50000">
+              <a:schemeClr val="phClr">
+                <a:tint val="98000"/>
+                <a:satMod val="130000"/>
+                <a:shade val="90000"/>
+                <a:lumMod val="103000"/>
+              </a:schemeClr>
+            </a:gs>
+            <a:gs pos="100000">
+              <a:schemeClr val="phClr">
+                <a:shade val="63000"/>
+                <a:satMod val="120000"/>
+              </a:schemeClr>
+            </a:gs>
+          </a:gsLst>
+          <a:lin ang="5400000" scaled="0"/>
+        </a:gradFill>
+      </a:bgFillStyleLst>
+    </a:fmtScheme>
+  </a:themeElements>
+  <a:objectDefaults/>
+  <a:extraClrSchemeLst/>
+  <a:extLst>
+    <a:ext uri="{05A4C25C-085E-4340-85A3-A5531E510DB2}">
+      <thm15:themeFamily xmlns:thm15="http://schemas.microsoft.com/office/thememl/2012/main" name="Office Theme" id="{62F939B6-93AF-4DB8-9C6B-D6C7DFDC589F}" vid="{4A3C46E8-61CC-4603-A589-7422A47A8E4A}"/>
+    </a:ext>
+  </a:extLst>
+</a:theme>
 </file>